--- a/graduate-thesis/figures/ppt.pptx
+++ b/graduate-thesis/figures/ppt.pptx
@@ -9,8 +9,8 @@
     <p:sldId id="259" r:id="rId3"/>
     <p:sldId id="261" r:id="rId4"/>
     <p:sldId id="256" r:id="rId5"/>
-    <p:sldId id="257" r:id="rId6"/>
-    <p:sldId id="262" r:id="rId7"/>
+    <p:sldId id="262" r:id="rId6"/>
+    <p:sldId id="257" r:id="rId7"/>
   </p:sldIdLst>
   <p:sldSz cx="12192000" cy="6858000"/>
   <p:notesSz cx="6858000" cy="9144000"/>
@@ -1427,7 +1427,7 @@
           <a:p>
             <a:fld id="{45015B89-2F5E-4669-B7A0-C312F8064276}" type="datetimeFigureOut">
               <a:rPr lang="zh-CN" altLang="en-US" smtClean="0"/>
-              <a:t>2024/3/28</a:t>
+              <a:t>2024/3/29</a:t>
             </a:fld>
             <a:endParaRPr lang="zh-CN" altLang="en-US"/>
           </a:p>
@@ -1625,7 +1625,7 @@
           <a:p>
             <a:fld id="{45015B89-2F5E-4669-B7A0-C312F8064276}" type="datetimeFigureOut">
               <a:rPr lang="zh-CN" altLang="en-US" smtClean="0"/>
-              <a:t>2024/3/28</a:t>
+              <a:t>2024/3/29</a:t>
             </a:fld>
             <a:endParaRPr lang="zh-CN" altLang="en-US"/>
           </a:p>
@@ -1833,7 +1833,7 @@
           <a:p>
             <a:fld id="{45015B89-2F5E-4669-B7A0-C312F8064276}" type="datetimeFigureOut">
               <a:rPr lang="zh-CN" altLang="en-US" smtClean="0"/>
-              <a:t>2024/3/28</a:t>
+              <a:t>2024/3/29</a:t>
             </a:fld>
             <a:endParaRPr lang="zh-CN" altLang="en-US"/>
           </a:p>
@@ -2031,7 +2031,7 @@
           <a:p>
             <a:fld id="{45015B89-2F5E-4669-B7A0-C312F8064276}" type="datetimeFigureOut">
               <a:rPr lang="zh-CN" altLang="en-US" smtClean="0"/>
-              <a:t>2024/3/28</a:t>
+              <a:t>2024/3/29</a:t>
             </a:fld>
             <a:endParaRPr lang="zh-CN" altLang="en-US"/>
           </a:p>
@@ -2306,7 +2306,7 @@
           <a:p>
             <a:fld id="{45015B89-2F5E-4669-B7A0-C312F8064276}" type="datetimeFigureOut">
               <a:rPr lang="zh-CN" altLang="en-US" smtClean="0"/>
-              <a:t>2024/3/28</a:t>
+              <a:t>2024/3/29</a:t>
             </a:fld>
             <a:endParaRPr lang="zh-CN" altLang="en-US"/>
           </a:p>
@@ -2571,7 +2571,7 @@
           <a:p>
             <a:fld id="{45015B89-2F5E-4669-B7A0-C312F8064276}" type="datetimeFigureOut">
               <a:rPr lang="zh-CN" altLang="en-US" smtClean="0"/>
-              <a:t>2024/3/28</a:t>
+              <a:t>2024/3/29</a:t>
             </a:fld>
             <a:endParaRPr lang="zh-CN" altLang="en-US"/>
           </a:p>
@@ -2983,7 +2983,7 @@
           <a:p>
             <a:fld id="{45015B89-2F5E-4669-B7A0-C312F8064276}" type="datetimeFigureOut">
               <a:rPr lang="zh-CN" altLang="en-US" smtClean="0"/>
-              <a:t>2024/3/28</a:t>
+              <a:t>2024/3/29</a:t>
             </a:fld>
             <a:endParaRPr lang="zh-CN" altLang="en-US"/>
           </a:p>
@@ -3124,7 +3124,7 @@
           <a:p>
             <a:fld id="{45015B89-2F5E-4669-B7A0-C312F8064276}" type="datetimeFigureOut">
               <a:rPr lang="zh-CN" altLang="en-US" smtClean="0"/>
-              <a:t>2024/3/28</a:t>
+              <a:t>2024/3/29</a:t>
             </a:fld>
             <a:endParaRPr lang="zh-CN" altLang="en-US"/>
           </a:p>
@@ -3237,7 +3237,7 @@
           <a:p>
             <a:fld id="{45015B89-2F5E-4669-B7A0-C312F8064276}" type="datetimeFigureOut">
               <a:rPr lang="zh-CN" altLang="en-US" smtClean="0"/>
-              <a:t>2024/3/28</a:t>
+              <a:t>2024/3/29</a:t>
             </a:fld>
             <a:endParaRPr lang="zh-CN" altLang="en-US"/>
           </a:p>
@@ -3548,7 +3548,7 @@
           <a:p>
             <a:fld id="{45015B89-2F5E-4669-B7A0-C312F8064276}" type="datetimeFigureOut">
               <a:rPr lang="zh-CN" altLang="en-US" smtClean="0"/>
-              <a:t>2024/3/28</a:t>
+              <a:t>2024/3/29</a:t>
             </a:fld>
             <a:endParaRPr lang="zh-CN" altLang="en-US"/>
           </a:p>
@@ -3836,7 +3836,7 @@
           <a:p>
             <a:fld id="{45015B89-2F5E-4669-B7A0-C312F8064276}" type="datetimeFigureOut">
               <a:rPr lang="zh-CN" altLang="en-US" smtClean="0"/>
-              <a:t>2024/3/28</a:t>
+              <a:t>2024/3/29</a:t>
             </a:fld>
             <a:endParaRPr lang="zh-CN" altLang="en-US"/>
           </a:p>
@@ -4077,7 +4077,7 @@
           <a:p>
             <a:fld id="{45015B89-2F5E-4669-B7A0-C312F8064276}" type="datetimeFigureOut">
               <a:rPr lang="zh-CN" altLang="en-US" smtClean="0"/>
-              <a:t>2024/3/28</a:t>
+              <a:t>2024/3/29</a:t>
             </a:fld>
             <a:endParaRPr lang="zh-CN" altLang="en-US"/>
           </a:p>
@@ -10934,10 +10934,216 @@
       </p:grpSpPr>
       <p:sp>
         <p:nvSpPr>
-          <p:cNvPr id="147" name="矩形: 圆角 146">
-            <a:extLst>
-              <a:ext uri="{FF2B5EF4-FFF2-40B4-BE49-F238E27FC236}">
-                <a16:creationId xmlns:a16="http://schemas.microsoft.com/office/drawing/2014/main" id="{AEBC33AC-A008-D85A-2496-B27343C29D5A}"/>
+          <p:cNvPr id="92" name="矩形 91">
+            <a:extLst>
+              <a:ext uri="{FF2B5EF4-FFF2-40B4-BE49-F238E27FC236}">
+                <a16:creationId xmlns:a16="http://schemas.microsoft.com/office/drawing/2014/main" id="{8A3001DC-98E6-2919-99D0-B660C40B8E6E}"/>
+              </a:ext>
+            </a:extLst>
+          </p:cNvPr>
+          <p:cNvSpPr/>
+          <p:nvPr/>
+        </p:nvSpPr>
+        <p:spPr bwMode="auto">
+          <a:xfrm>
+            <a:off x="6180536" y="369000"/>
+            <a:ext cx="2346066" cy="6120000"/>
+          </a:xfrm>
+          <a:prstGeom prst="rect">
+            <a:avLst/>
+          </a:prstGeom>
+          <a:solidFill>
+            <a:schemeClr val="bg1">
+              <a:lumMod val="95000"/>
+            </a:schemeClr>
+          </a:solidFill>
+          <a:ln w="6350" cap="flat" cmpd="sng" algn="ctr">
+            <a:noFill/>
+            <a:prstDash val="dash"/>
+            <a:round/>
+            <a:headEnd type="none" w="med" len="med"/>
+            <a:tailEnd type="none" w="med" len="med"/>
+          </a:ln>
+          <a:effectLst/>
+        </p:spPr>
+        <p:txBody>
+          <a:bodyPr vert="horz" wrap="square" lIns="91440" tIns="45720" rIns="91440" bIns="45720" numCol="1" rtlCol="0" anchor="t" anchorCtr="0" compatLnSpc="1"/>
+          <a:lstStyle/>
+          <a:p>
+            <a:pPr marL="0" marR="0" lvl="0" indent="0" algn="ctr" defTabSz="914400" eaLnBrk="1" fontAlgn="auto" latinLnBrk="0" hangingPunct="1">
+              <a:lnSpc>
+                <a:spcPct val="100000"/>
+              </a:lnSpc>
+              <a:spcBef>
+                <a:spcPct val="50000"/>
+              </a:spcBef>
+              <a:spcAft>
+                <a:spcPts val="0"/>
+              </a:spcAft>
+              <a:buClrTx/>
+              <a:buSzTx/>
+              <a:buFontTx/>
+              <a:buNone/>
+              <a:defRPr/>
+            </a:pPr>
+            <a:endParaRPr kumimoji="0" lang="zh-CN" altLang="en-US" sz="1600" b="0" i="1" u="none" strike="noStrike" kern="0" cap="none" spc="0" normalizeH="0" baseline="0" noProof="0">
+              <a:ln>
+                <a:noFill/>
+              </a:ln>
+              <a:solidFill>
+                <a:prstClr val="black"/>
+              </a:solidFill>
+              <a:effectLst/>
+              <a:uLnTx/>
+              <a:uFillTx/>
+              <a:latin typeface="微软雅黑" panose="020B0503020204020204" pitchFamily="34" charset="-122"/>
+              <a:ea typeface="微软雅黑" panose="020B0503020204020204" pitchFamily="34" charset="-122"/>
+              <a:cs typeface="Times New Roman" panose="02020603050405020304" pitchFamily="36" charset="0"/>
+            </a:endParaRPr>
+          </a:p>
+        </p:txBody>
+      </p:sp>
+      <p:sp>
+        <p:nvSpPr>
+          <p:cNvPr id="59" name="下箭头 32">
+            <a:extLst>
+              <a:ext uri="{FF2B5EF4-FFF2-40B4-BE49-F238E27FC236}">
+                <a16:creationId xmlns:a16="http://schemas.microsoft.com/office/drawing/2014/main" id="{885B482C-3640-95C5-39A4-C6DA3F97CDB1}"/>
+              </a:ext>
+            </a:extLst>
+          </p:cNvPr>
+          <p:cNvSpPr/>
+          <p:nvPr/>
+        </p:nvSpPr>
+        <p:spPr>
+          <a:xfrm rot="16200000">
+            <a:off x="5299751" y="3157020"/>
+            <a:ext cx="1441450" cy="549275"/>
+          </a:xfrm>
+          <a:prstGeom prst="downArrow">
+            <a:avLst/>
+          </a:prstGeom>
+          <a:solidFill>
+            <a:schemeClr val="bg2">
+              <a:lumMod val="85000"/>
+            </a:schemeClr>
+          </a:solidFill>
+          <a:ln>
+            <a:solidFill>
+              <a:schemeClr val="bg1"/>
+            </a:solidFill>
+          </a:ln>
+        </p:spPr>
+        <p:style>
+          <a:lnRef idx="2">
+            <a:schemeClr val="accent4"/>
+          </a:lnRef>
+          <a:fillRef idx="1">
+            <a:schemeClr val="lt1"/>
+          </a:fillRef>
+          <a:effectRef idx="0">
+            <a:schemeClr val="accent4"/>
+          </a:effectRef>
+          <a:fontRef idx="minor">
+            <a:schemeClr val="dk1"/>
+          </a:fontRef>
+        </p:style>
+        <p:txBody>
+          <a:bodyPr vertOverflow="overflow" horzOverflow="overflow" vert="horz" wrap="square" numCol="1" spcCol="0" rtlCol="0" fromWordArt="0" anchor="ctr" anchorCtr="0" forceAA="0" compatLnSpc="1">
+            <a:noAutofit/>
+          </a:bodyPr>
+          <a:lstStyle/>
+          <a:p>
+            <a:pPr lvl="0" algn="ctr">
+              <a:buClrTx/>
+              <a:buSzTx/>
+              <a:buFontTx/>
+            </a:pPr>
+            <a:endParaRPr lang="zh-CN" altLang="en-US" dirty="0">
+              <a:latin typeface="微软雅黑" panose="020B0503020204020204" pitchFamily="34" charset="-122"/>
+              <a:ea typeface="微软雅黑" panose="020B0503020204020204" pitchFamily="34" charset="-122"/>
+              <a:sym typeface="+mn-ea"/>
+            </a:endParaRPr>
+          </a:p>
+        </p:txBody>
+      </p:sp>
+      <p:sp>
+        <p:nvSpPr>
+          <p:cNvPr id="61" name="矩形 60">
+            <a:extLst>
+              <a:ext uri="{FF2B5EF4-FFF2-40B4-BE49-F238E27FC236}">
+                <a16:creationId xmlns:a16="http://schemas.microsoft.com/office/drawing/2014/main" id="{2687B57F-4C55-49DD-1714-2BE8E9BBF894}"/>
+              </a:ext>
+            </a:extLst>
+          </p:cNvPr>
+          <p:cNvSpPr/>
+          <p:nvPr/>
+        </p:nvSpPr>
+        <p:spPr bwMode="auto">
+          <a:xfrm>
+            <a:off x="8886025" y="369000"/>
+            <a:ext cx="2340000" cy="6120000"/>
+          </a:xfrm>
+          <a:prstGeom prst="rect">
+            <a:avLst/>
+          </a:prstGeom>
+          <a:solidFill>
+            <a:schemeClr val="bg1">
+              <a:lumMod val="95000"/>
+            </a:schemeClr>
+          </a:solidFill>
+          <a:ln w="6350" cap="flat" cmpd="sng" algn="ctr">
+            <a:noFill/>
+            <a:prstDash val="dash"/>
+            <a:round/>
+            <a:headEnd type="none" w="med" len="med"/>
+            <a:tailEnd type="none" w="med" len="med"/>
+          </a:ln>
+          <a:effectLst/>
+        </p:spPr>
+        <p:txBody>
+          <a:bodyPr vert="horz" wrap="square" lIns="91440" tIns="45720" rIns="91440" bIns="45720" numCol="1" rtlCol="0" anchor="t" anchorCtr="0" compatLnSpc="1"/>
+          <a:lstStyle/>
+          <a:p>
+            <a:pPr marL="0" marR="0" lvl="0" indent="0" algn="ctr" defTabSz="914400" eaLnBrk="1" fontAlgn="auto" latinLnBrk="0" hangingPunct="1">
+              <a:lnSpc>
+                <a:spcPct val="100000"/>
+              </a:lnSpc>
+              <a:spcBef>
+                <a:spcPct val="50000"/>
+              </a:spcBef>
+              <a:spcAft>
+                <a:spcPts val="0"/>
+              </a:spcAft>
+              <a:buClrTx/>
+              <a:buSzTx/>
+              <a:buFontTx/>
+              <a:buNone/>
+              <a:defRPr/>
+            </a:pPr>
+            <a:endParaRPr kumimoji="0" lang="zh-CN" altLang="en-US" sz="1600" b="0" i="1" u="none" strike="noStrike" kern="0" cap="none" spc="0" normalizeH="0" baseline="0" noProof="0">
+              <a:ln>
+                <a:noFill/>
+              </a:ln>
+              <a:solidFill>
+                <a:prstClr val="black"/>
+              </a:solidFill>
+              <a:effectLst/>
+              <a:uLnTx/>
+              <a:uFillTx/>
+              <a:latin typeface="微软雅黑" panose="020B0503020204020204" pitchFamily="34" charset="-122"/>
+              <a:ea typeface="微软雅黑" panose="020B0503020204020204" pitchFamily="34" charset="-122"/>
+              <a:cs typeface="Times New Roman" panose="02020603050405020304" pitchFamily="36" charset="0"/>
+            </a:endParaRPr>
+          </a:p>
+        </p:txBody>
+      </p:sp>
+      <p:sp>
+        <p:nvSpPr>
+          <p:cNvPr id="63" name="矩形: 圆角 144">
+            <a:extLst>
+              <a:ext uri="{FF2B5EF4-FFF2-40B4-BE49-F238E27FC236}">
+                <a16:creationId xmlns:a16="http://schemas.microsoft.com/office/drawing/2014/main" id="{57E7AB7A-DE68-5253-AAEE-410749B2F8C5}"/>
               </a:ext>
             </a:extLst>
           </p:cNvPr>
@@ -10946,8 +11152,433 @@
         </p:nvSpPr>
         <p:spPr>
           <a:xfrm>
-            <a:off x="2279409" y="4891178"/>
-            <a:ext cx="7236998" cy="1728000"/>
+            <a:off x="6162007" y="369000"/>
+            <a:ext cx="2340000" cy="540000"/>
+          </a:xfrm>
+          <a:prstGeom prst="roundRect">
+            <a:avLst/>
+          </a:prstGeom>
+        </p:spPr>
+        <p:style>
+          <a:lnRef idx="1">
+            <a:schemeClr val="accent1"/>
+          </a:lnRef>
+          <a:fillRef idx="3">
+            <a:schemeClr val="accent1"/>
+          </a:fillRef>
+          <a:effectRef idx="2">
+            <a:schemeClr val="accent1"/>
+          </a:effectRef>
+          <a:fontRef idx="minor">
+            <a:schemeClr val="lt1"/>
+          </a:fontRef>
+        </p:style>
+        <p:txBody>
+          <a:bodyPr rtlCol="0" anchor="ctr"/>
+          <a:lstStyle/>
+          <a:p>
+            <a:pPr indent="0" algn="ctr"/>
+            <a:r>
+              <a:rPr lang="zh-CN" altLang="en-US" b="1" dirty="0">
+                <a:latin typeface="微软雅黑" panose="020B0503020204020204" pitchFamily="34" charset="-122"/>
+                <a:ea typeface="微软雅黑" panose="020B0503020204020204" pitchFamily="34" charset="-122"/>
+                <a:cs typeface="宋体" panose="02010600030101010101" pitchFamily="2" charset="-122"/>
+                <a:sym typeface="+mn-ea"/>
+              </a:rPr>
+              <a:t>论文研究内容</a:t>
+            </a:r>
+          </a:p>
+        </p:txBody>
+      </p:sp>
+      <p:sp>
+        <p:nvSpPr>
+          <p:cNvPr id="78" name="矩形 77">
+            <a:extLst>
+              <a:ext uri="{FF2B5EF4-FFF2-40B4-BE49-F238E27FC236}">
+                <a16:creationId xmlns:a16="http://schemas.microsoft.com/office/drawing/2014/main" id="{6B54FF39-1C1F-498B-7C14-2E35BAC4E9F5}"/>
+              </a:ext>
+            </a:extLst>
+          </p:cNvPr>
+          <p:cNvSpPr/>
+          <p:nvPr/>
+        </p:nvSpPr>
+        <p:spPr bwMode="auto">
+          <a:xfrm>
+            <a:off x="3423553" y="369000"/>
+            <a:ext cx="2372964" cy="6120000"/>
+          </a:xfrm>
+          <a:prstGeom prst="rect">
+            <a:avLst/>
+          </a:prstGeom>
+          <a:solidFill>
+            <a:schemeClr val="bg1">
+              <a:lumMod val="95000"/>
+            </a:schemeClr>
+          </a:solidFill>
+          <a:ln w="6350" cap="flat" cmpd="sng" algn="ctr">
+            <a:noFill/>
+            <a:prstDash val="dash"/>
+            <a:round/>
+            <a:headEnd type="none" w="med" len="med"/>
+            <a:tailEnd type="none" w="med" len="med"/>
+          </a:ln>
+          <a:effectLst/>
+        </p:spPr>
+        <p:txBody>
+          <a:bodyPr vert="horz" wrap="square" lIns="91440" tIns="45720" rIns="91440" bIns="45720" numCol="1" rtlCol="0" anchor="t" anchorCtr="0" compatLnSpc="1"/>
+          <a:lstStyle/>
+          <a:p>
+            <a:pPr marL="0" marR="0" lvl="0" indent="0" algn="ctr" defTabSz="914400" eaLnBrk="1" fontAlgn="auto" latinLnBrk="0" hangingPunct="1">
+              <a:lnSpc>
+                <a:spcPct val="100000"/>
+              </a:lnSpc>
+              <a:spcBef>
+                <a:spcPct val="50000"/>
+              </a:spcBef>
+              <a:spcAft>
+                <a:spcPts val="0"/>
+              </a:spcAft>
+              <a:buClrTx/>
+              <a:buSzTx/>
+              <a:buFontTx/>
+              <a:buNone/>
+              <a:defRPr/>
+            </a:pPr>
+            <a:endParaRPr kumimoji="0" lang="zh-CN" altLang="en-US" sz="1600" b="0" i="1" u="none" strike="noStrike" kern="0" cap="none" spc="0" normalizeH="0" baseline="0" noProof="0">
+              <a:ln>
+                <a:noFill/>
+              </a:ln>
+              <a:solidFill>
+                <a:prstClr val="black"/>
+              </a:solidFill>
+              <a:effectLst/>
+              <a:uLnTx/>
+              <a:uFillTx/>
+              <a:latin typeface="微软雅黑" panose="020B0503020204020204" pitchFamily="34" charset="-122"/>
+              <a:ea typeface="微软雅黑" panose="020B0503020204020204" pitchFamily="34" charset="-122"/>
+              <a:cs typeface="Times New Roman" panose="02020603050405020304" pitchFamily="36" charset="0"/>
+            </a:endParaRPr>
+          </a:p>
+        </p:txBody>
+      </p:sp>
+      <p:sp>
+        <p:nvSpPr>
+          <p:cNvPr id="79" name="矩形: 圆角 144">
+            <a:extLst>
+              <a:ext uri="{FF2B5EF4-FFF2-40B4-BE49-F238E27FC236}">
+                <a16:creationId xmlns:a16="http://schemas.microsoft.com/office/drawing/2014/main" id="{F8339C0C-39E6-B9FD-7CB5-85A3FCD32BFD}"/>
+              </a:ext>
+            </a:extLst>
+          </p:cNvPr>
+          <p:cNvSpPr/>
+          <p:nvPr/>
+        </p:nvSpPr>
+        <p:spPr>
+          <a:xfrm>
+            <a:off x="3437989" y="369000"/>
+            <a:ext cx="2340000" cy="540000"/>
+          </a:xfrm>
+          <a:prstGeom prst="roundRect">
+            <a:avLst/>
+          </a:prstGeom>
+        </p:spPr>
+        <p:style>
+          <a:lnRef idx="1">
+            <a:schemeClr val="accent1"/>
+          </a:lnRef>
+          <a:fillRef idx="3">
+            <a:schemeClr val="accent1"/>
+          </a:fillRef>
+          <a:effectRef idx="2">
+            <a:schemeClr val="accent1"/>
+          </a:effectRef>
+          <a:fontRef idx="minor">
+            <a:schemeClr val="lt1"/>
+          </a:fontRef>
+        </p:style>
+        <p:txBody>
+          <a:bodyPr rtlCol="0" anchor="ctr"/>
+          <a:lstStyle/>
+          <a:p>
+            <a:pPr indent="0" algn="ctr"/>
+            <a:r>
+              <a:rPr lang="zh-CN" altLang="en-US" b="1" dirty="0">
+                <a:latin typeface="微软雅黑" panose="020B0503020204020204" pitchFamily="34" charset="-122"/>
+                <a:ea typeface="微软雅黑" panose="020B0503020204020204" pitchFamily="34" charset="-122"/>
+                <a:cs typeface="宋体" panose="02010600030101010101" pitchFamily="2" charset="-122"/>
+                <a:sym typeface="+mn-ea"/>
+              </a:rPr>
+              <a:t>待解决的关键问题</a:t>
+            </a:r>
+          </a:p>
+        </p:txBody>
+      </p:sp>
+      <p:sp>
+        <p:nvSpPr>
+          <p:cNvPr id="81" name="矩形: 圆角 124">
+            <a:extLst>
+              <a:ext uri="{FF2B5EF4-FFF2-40B4-BE49-F238E27FC236}">
+                <a16:creationId xmlns:a16="http://schemas.microsoft.com/office/drawing/2014/main" id="{94B60D41-6DBD-2FD0-AC35-1D342836425E}"/>
+              </a:ext>
+            </a:extLst>
+          </p:cNvPr>
+          <p:cNvSpPr/>
+          <p:nvPr/>
+        </p:nvSpPr>
+        <p:spPr bwMode="auto">
+          <a:xfrm>
+            <a:off x="3617989" y="3958050"/>
+            <a:ext cx="1980000" cy="1008000"/>
+          </a:xfrm>
+          <a:prstGeom prst="roundRect">
+            <a:avLst/>
+          </a:prstGeom>
+          <a:solidFill>
+            <a:schemeClr val="accent1">
+              <a:lumMod val="20000"/>
+              <a:lumOff val="80000"/>
+            </a:schemeClr>
+          </a:solidFill>
+          <a:ln w="6350" cap="flat" cmpd="sng" algn="ctr">
+            <a:solidFill>
+              <a:schemeClr val="accent1">
+                <a:lumMod val="20000"/>
+                <a:lumOff val="80000"/>
+              </a:schemeClr>
+            </a:solidFill>
+            <a:prstDash val="solid"/>
+            <a:round/>
+            <a:headEnd type="none" w="med" len="med"/>
+            <a:tailEnd type="none" w="med" len="med"/>
+          </a:ln>
+          <a:effectLst/>
+        </p:spPr>
+        <p:txBody>
+          <a:bodyPr vert="horz" wrap="square" lIns="91440" tIns="45720" rIns="91440" bIns="45720" numCol="1" rtlCol="0" anchor="ctr" anchorCtr="1" compatLnSpc="1"/>
+          <a:lstStyle/>
+          <a:p>
+            <a:pPr>
+              <a:spcBef>
+                <a:spcPct val="50000"/>
+              </a:spcBef>
+            </a:pPr>
+            <a:r>
+              <a:rPr lang="zh-CN" altLang="en-US" kern="0" dirty="0">
+                <a:solidFill>
+                  <a:prstClr val="black"/>
+                </a:solidFill>
+                <a:latin typeface="微软雅黑" panose="020B0503020204020204" pitchFamily="34" charset="-122"/>
+                <a:ea typeface="微软雅黑" panose="020B0503020204020204" pitchFamily="34" charset="-122"/>
+                <a:cs typeface="Times New Roman" panose="02020603050405020304" pitchFamily="36" charset="0"/>
+                <a:sym typeface="+mn-ea"/>
+              </a:rPr>
+              <a:t>有</a:t>
+            </a:r>
+            <a:r>
+              <a:rPr lang="zh-CN" altLang="en-US" kern="0">
+                <a:solidFill>
+                  <a:prstClr val="black"/>
+                </a:solidFill>
+                <a:latin typeface="微软雅黑" panose="020B0503020204020204" pitchFamily="34" charset="-122"/>
+                <a:ea typeface="微软雅黑" panose="020B0503020204020204" pitchFamily="34" charset="-122"/>
+                <a:cs typeface="Times New Roman" panose="02020603050405020304" pitchFamily="36" charset="0"/>
+                <a:sym typeface="+mn-ea"/>
+              </a:rPr>
+              <a:t>向多重图</a:t>
+            </a:r>
+            <a:r>
+              <a:rPr lang="en-US" altLang="zh-CN" kern="0" dirty="0">
+                <a:solidFill>
+                  <a:prstClr val="black"/>
+                </a:solidFill>
+                <a:latin typeface="微软雅黑" panose="020B0503020204020204" pitchFamily="34" charset="-122"/>
+                <a:ea typeface="微软雅黑" panose="020B0503020204020204" pitchFamily="34" charset="-122"/>
+                <a:cs typeface="Times New Roman" panose="02020603050405020304" pitchFamily="36" charset="0"/>
+                <a:sym typeface="+mn-ea"/>
+              </a:rPr>
+              <a:t>,</a:t>
+            </a:r>
+            <a:r>
+              <a:rPr lang="zh-CN" altLang="en-US" kern="0" dirty="0">
+                <a:solidFill>
+                  <a:prstClr val="black"/>
+                </a:solidFill>
+                <a:latin typeface="微软雅黑" panose="020B0503020204020204" pitchFamily="34" charset="-122"/>
+                <a:ea typeface="微软雅黑" panose="020B0503020204020204" pitchFamily="34" charset="-122"/>
+                <a:cs typeface="Times New Roman" panose="02020603050405020304" pitchFamily="36" charset="0"/>
+                <a:sym typeface="+mn-ea"/>
+              </a:rPr>
+              <a:t>采用图匹配算法，规模开销巨大</a:t>
+            </a:r>
+          </a:p>
+        </p:txBody>
+      </p:sp>
+      <p:sp>
+        <p:nvSpPr>
+          <p:cNvPr id="84" name="矩形: 圆角 124">
+            <a:extLst>
+              <a:ext uri="{FF2B5EF4-FFF2-40B4-BE49-F238E27FC236}">
+                <a16:creationId xmlns:a16="http://schemas.microsoft.com/office/drawing/2014/main" id="{9E1BA862-C757-5A33-B4DA-AC34E2A45462}"/>
+              </a:ext>
+            </a:extLst>
+          </p:cNvPr>
+          <p:cNvSpPr/>
+          <p:nvPr/>
+        </p:nvSpPr>
+        <p:spPr bwMode="auto">
+          <a:xfrm>
+            <a:off x="3617989" y="2581112"/>
+            <a:ext cx="1980000" cy="1008000"/>
+          </a:xfrm>
+          <a:prstGeom prst="roundRect">
+            <a:avLst/>
+          </a:prstGeom>
+          <a:solidFill>
+            <a:schemeClr val="accent2">
+              <a:lumMod val="20000"/>
+              <a:lumOff val="80000"/>
+            </a:schemeClr>
+          </a:solidFill>
+          <a:ln w="6350" cap="flat" cmpd="sng" algn="ctr">
+            <a:solidFill>
+              <a:schemeClr val="accent2">
+                <a:lumMod val="20000"/>
+                <a:lumOff val="80000"/>
+              </a:schemeClr>
+            </a:solidFill>
+            <a:prstDash val="solid"/>
+            <a:round/>
+            <a:headEnd type="none" w="med" len="med"/>
+            <a:tailEnd type="none" w="med" len="med"/>
+          </a:ln>
+          <a:effectLst/>
+        </p:spPr>
+        <p:txBody>
+          <a:bodyPr vert="horz" wrap="square" lIns="91440" tIns="45720" rIns="91440" bIns="45720" numCol="1" rtlCol="0" anchor="ctr" anchorCtr="1" compatLnSpc="1"/>
+          <a:lstStyle/>
+          <a:p>
+            <a:pPr>
+              <a:spcBef>
+                <a:spcPct val="50000"/>
+              </a:spcBef>
+            </a:pPr>
+            <a:r>
+              <a:rPr lang="en-US" altLang="zh-CN" kern="0" dirty="0">
+                <a:solidFill>
+                  <a:prstClr val="black"/>
+                </a:solidFill>
+                <a:latin typeface="微软雅黑" panose="020B0503020204020204" pitchFamily="34" charset="-122"/>
+                <a:ea typeface="微软雅黑" panose="020B0503020204020204" pitchFamily="34" charset="-122"/>
+                <a:cs typeface="Times New Roman" panose="02020603050405020304" pitchFamily="36" charset="0"/>
+                <a:sym typeface="+mn-ea"/>
+              </a:rPr>
+              <a:t>AST</a:t>
+            </a:r>
+            <a:r>
+              <a:rPr lang="zh-CN" altLang="en-US" kern="0" dirty="0">
+                <a:solidFill>
+                  <a:prstClr val="black"/>
+                </a:solidFill>
+                <a:latin typeface="微软雅黑" panose="020B0503020204020204" pitchFamily="34" charset="-122"/>
+                <a:ea typeface="微软雅黑" panose="020B0503020204020204" pitchFamily="34" charset="-122"/>
+                <a:cs typeface="Times New Roman" panose="02020603050405020304" pitchFamily="36" charset="0"/>
+                <a:sym typeface="+mn-ea"/>
+              </a:rPr>
+              <a:t>转换过程中增加树高度，导致梯度消失</a:t>
+            </a:r>
+          </a:p>
+        </p:txBody>
+      </p:sp>
+      <p:sp>
+        <p:nvSpPr>
+          <p:cNvPr id="87" name="矩形: 圆角 124">
+            <a:extLst>
+              <a:ext uri="{FF2B5EF4-FFF2-40B4-BE49-F238E27FC236}">
+                <a16:creationId xmlns:a16="http://schemas.microsoft.com/office/drawing/2014/main" id="{105BC221-3869-65E4-FC96-500DA488A54F}"/>
+              </a:ext>
+            </a:extLst>
+          </p:cNvPr>
+          <p:cNvSpPr/>
+          <p:nvPr/>
+        </p:nvSpPr>
+        <p:spPr bwMode="auto">
+          <a:xfrm>
+            <a:off x="3617989" y="1198056"/>
+            <a:ext cx="1980000" cy="1008000"/>
+          </a:xfrm>
+          <a:prstGeom prst="roundRect">
+            <a:avLst/>
+          </a:prstGeom>
+          <a:solidFill>
+            <a:schemeClr val="bg1">
+              <a:lumMod val="85000"/>
+            </a:schemeClr>
+          </a:solidFill>
+          <a:ln w="6350">
+            <a:solidFill>
+              <a:schemeClr val="bg1">
+                <a:lumMod val="85000"/>
+              </a:schemeClr>
+            </a:solidFill>
+            <a:prstDash val="solid"/>
+            <a:headEnd type="none" w="med" len="med"/>
+            <a:tailEnd type="none" w="med" len="med"/>
+          </a:ln>
+        </p:spPr>
+        <p:style>
+          <a:lnRef idx="2">
+            <a:schemeClr val="accent3"/>
+          </a:lnRef>
+          <a:fillRef idx="1">
+            <a:schemeClr val="lt1"/>
+          </a:fillRef>
+          <a:effectRef idx="0">
+            <a:schemeClr val="accent3"/>
+          </a:effectRef>
+          <a:fontRef idx="minor">
+            <a:schemeClr val="dk1"/>
+          </a:fontRef>
+        </p:style>
+        <p:txBody>
+          <a:bodyPr vert="horz" wrap="square" lIns="91440" tIns="45720" rIns="91440" bIns="45720" numCol="1" rtlCol="0" anchor="ctr" anchorCtr="1" compatLnSpc="1"/>
+          <a:lstStyle/>
+          <a:p>
+            <a:pPr>
+              <a:spcBef>
+                <a:spcPct val="50000"/>
+              </a:spcBef>
+            </a:pPr>
+            <a:r>
+              <a:rPr lang="zh-CN" altLang="en-US" kern="0" dirty="0">
+                <a:solidFill>
+                  <a:prstClr val="black"/>
+                </a:solidFill>
+                <a:latin typeface="微软雅黑" panose="020B0503020204020204" pitchFamily="34" charset="-122"/>
+                <a:ea typeface="微软雅黑" panose="020B0503020204020204" pitchFamily="34" charset="-122"/>
+                <a:cs typeface="Times New Roman" panose="02020603050405020304" pitchFamily="36" charset="0"/>
+                <a:sym typeface="+mn-ea"/>
+              </a:rPr>
+              <a:t>词汇单元规范化后，在词汇表查找不到</a:t>
+            </a:r>
+          </a:p>
+        </p:txBody>
+      </p:sp>
+      <p:sp>
+        <p:nvSpPr>
+          <p:cNvPr id="90" name="矩形: 圆角 124">
+            <a:extLst>
+              <a:ext uri="{FF2B5EF4-FFF2-40B4-BE49-F238E27FC236}">
+                <a16:creationId xmlns:a16="http://schemas.microsoft.com/office/drawing/2014/main" id="{D72877EF-F476-CD21-85B5-AD1116FF8FB3}"/>
+              </a:ext>
+            </a:extLst>
+          </p:cNvPr>
+          <p:cNvSpPr/>
+          <p:nvPr/>
+        </p:nvSpPr>
+        <p:spPr bwMode="auto">
+          <a:xfrm>
+            <a:off x="3617989" y="5305491"/>
+            <a:ext cx="1980000" cy="1008000"/>
           </a:xfrm>
           <a:prstGeom prst="roundRect">
             <a:avLst/>
@@ -10988,24 +11619,27 @@
           <a:bodyPr vert="horz" wrap="square" lIns="91440" tIns="45720" rIns="91440" bIns="45720" numCol="1" rtlCol="0" anchor="ctr" anchorCtr="1" compatLnSpc="1"/>
           <a:lstStyle/>
           <a:p>
-            <a:pPr algn="ctr"/>
-            <a:endParaRPr lang="zh-CN" altLang="en-US" kern="0">
-              <a:solidFill>
-                <a:prstClr val="black"/>
-              </a:solidFill>
-              <a:latin typeface="微软雅黑" panose="020B0503020204020204" pitchFamily="34" charset="-122"/>
-              <a:ea typeface="微软雅黑" panose="020B0503020204020204" pitchFamily="34" charset="-122"/>
-              <a:cs typeface="Times New Roman" panose="02020603050405020304" pitchFamily="36" charset="0"/>
-            </a:endParaRPr>
+            <a:r>
+              <a:rPr lang="zh-CN" altLang="en-US" kern="0" dirty="0">
+                <a:solidFill>
+                  <a:prstClr val="black"/>
+                </a:solidFill>
+                <a:latin typeface="微软雅黑" panose="020B0503020204020204" pitchFamily="34" charset="-122"/>
+                <a:ea typeface="微软雅黑" panose="020B0503020204020204" pitchFamily="34" charset="-122"/>
+                <a:cs typeface="Times New Roman" panose="02020603050405020304" pitchFamily="36" charset="0"/>
+                <a:sym typeface="+mn-ea"/>
+              </a:rPr>
+              <a:t>代码信息利用不充分，特征表达不完善</a:t>
+            </a:r>
           </a:p>
         </p:txBody>
       </p:sp>
       <p:sp>
         <p:nvSpPr>
-          <p:cNvPr id="146" name="矩形: 圆角 145">
-            <a:extLst>
-              <a:ext uri="{FF2B5EF4-FFF2-40B4-BE49-F238E27FC236}">
-                <a16:creationId xmlns:a16="http://schemas.microsoft.com/office/drawing/2014/main" id="{484C4D28-CE40-D190-ED25-18C6BC43E327}"/>
+          <p:cNvPr id="93" name="矩形: 圆角 144">
+            <a:extLst>
+              <a:ext uri="{FF2B5EF4-FFF2-40B4-BE49-F238E27FC236}">
+                <a16:creationId xmlns:a16="http://schemas.microsoft.com/office/drawing/2014/main" id="{67D4D3C5-1501-47E6-7972-5D573758D71F}"/>
               </a:ext>
             </a:extLst>
           </p:cNvPr>
@@ -11014,8 +11648,75 @@
         </p:nvSpPr>
         <p:spPr>
           <a:xfrm>
-            <a:off x="2279409" y="3046866"/>
-            <a:ext cx="7236998" cy="1728000"/>
+            <a:off x="8886025" y="369000"/>
+            <a:ext cx="2340000" cy="540000"/>
+          </a:xfrm>
+          <a:prstGeom prst="roundRect">
+            <a:avLst/>
+          </a:prstGeom>
+        </p:spPr>
+        <p:style>
+          <a:lnRef idx="1">
+            <a:schemeClr val="accent1"/>
+          </a:lnRef>
+          <a:fillRef idx="3">
+            <a:schemeClr val="accent1"/>
+          </a:fillRef>
+          <a:effectRef idx="2">
+            <a:schemeClr val="accent1"/>
+          </a:effectRef>
+          <a:fontRef idx="minor">
+            <a:schemeClr val="lt1"/>
+          </a:fontRef>
+        </p:style>
+        <p:txBody>
+          <a:bodyPr rtlCol="0" anchor="ctr"/>
+          <a:lstStyle/>
+          <a:p>
+            <a:pPr indent="0" algn="ctr"/>
+            <a:r>
+              <a:rPr lang="zh-CN" altLang="en-US" b="1" dirty="0">
+                <a:latin typeface="微软雅黑" panose="020B0503020204020204" pitchFamily="34" charset="-122"/>
+                <a:ea typeface="微软雅黑" panose="020B0503020204020204" pitchFamily="34" charset="-122"/>
+                <a:cs typeface="宋体" panose="02010600030101010101" pitchFamily="2" charset="-122"/>
+                <a:sym typeface="+mn-ea"/>
+              </a:rPr>
+              <a:t>论文研究目标</a:t>
+            </a:r>
+            <a:endParaRPr kumimoji="0" lang="zh-CN" altLang="en-US" b="1" i="0" u="none" strike="noStrike" kern="0" cap="none" spc="0" normalizeH="0" baseline="0" noProof="0" dirty="0">
+              <a:ln>
+                <a:noFill/>
+              </a:ln>
+              <a:solidFill>
+                <a:prstClr val="white"/>
+              </a:solidFill>
+              <a:effectLst/>
+              <a:uLnTx/>
+              <a:uFillTx/>
+              <a:latin typeface="微软雅黑" panose="020B0503020204020204" pitchFamily="34" charset="-122"/>
+              <a:ea typeface="微软雅黑" panose="020B0503020204020204" pitchFamily="34" charset="-122"/>
+              <a:cs typeface="宋体" panose="02010600030101010101" pitchFamily="2" charset="-122"/>
+              <a:sym typeface="+mn-ea"/>
+            </a:endParaRPr>
+          </a:p>
+        </p:txBody>
+      </p:sp>
+      <p:sp>
+        <p:nvSpPr>
+          <p:cNvPr id="96" name="矩形: 圆角 95">
+            <a:extLst>
+              <a:ext uri="{FF2B5EF4-FFF2-40B4-BE49-F238E27FC236}">
+                <a16:creationId xmlns:a16="http://schemas.microsoft.com/office/drawing/2014/main" id="{60EC542F-AFF9-AD0F-7E2D-41E9E3FC3823}"/>
+              </a:ext>
+            </a:extLst>
+          </p:cNvPr>
+          <p:cNvSpPr/>
+          <p:nvPr/>
+        </p:nvSpPr>
+        <p:spPr bwMode="auto">
+          <a:xfrm>
+            <a:off x="9066025" y="3958050"/>
+            <a:ext cx="1980000" cy="1008000"/>
           </a:xfrm>
           <a:prstGeom prst="roundRect">
             <a:avLst/>
@@ -11044,38 +11745,186 @@
           <a:bodyPr vert="horz" wrap="square" lIns="91440" tIns="45720" rIns="91440" bIns="45720" numCol="1" rtlCol="0" anchor="ctr" anchorCtr="1" compatLnSpc="1"/>
           <a:lstStyle/>
           <a:p>
-            <a:pPr algn="ctr">
+            <a:pPr>
               <a:spcBef>
                 <a:spcPct val="50000"/>
               </a:spcBef>
             </a:pPr>
-            <a:endParaRPr lang="zh-CN" altLang="en-US" kern="0">
-              <a:solidFill>
-                <a:prstClr val="black"/>
-              </a:solidFill>
-              <a:latin typeface="微软雅黑" panose="020B0503020204020204" pitchFamily="34" charset="-122"/>
-              <a:ea typeface="微软雅黑" panose="020B0503020204020204" pitchFamily="34" charset="-122"/>
-              <a:cs typeface="Times New Roman" panose="02020603050405020304" pitchFamily="36" charset="0"/>
-            </a:endParaRPr>
+            <a:r>
+              <a:rPr lang="zh-CN" altLang="en-US" kern="0" dirty="0">
+                <a:solidFill>
+                  <a:prstClr val="black"/>
+                </a:solidFill>
+                <a:latin typeface="微软雅黑" panose="020B0503020204020204" pitchFamily="34" charset="-122"/>
+                <a:ea typeface="微软雅黑" panose="020B0503020204020204" pitchFamily="34" charset="-122"/>
+                <a:cs typeface="Times New Roman" panose="02020603050405020304" pitchFamily="36" charset="0"/>
+              </a:rPr>
+              <a:t>减少候选程序依赖图对的规模</a:t>
+            </a:r>
           </a:p>
         </p:txBody>
       </p:sp>
       <p:sp>
         <p:nvSpPr>
-          <p:cNvPr id="145" name="矩形: 圆角 144">
-            <a:extLst>
-              <a:ext uri="{FF2B5EF4-FFF2-40B4-BE49-F238E27FC236}">
-                <a16:creationId xmlns:a16="http://schemas.microsoft.com/office/drawing/2014/main" id="{3605F4B4-3DC3-49AD-4429-61AED8B43E21}"/>
+          <p:cNvPr id="99" name="矩形: 圆角 98">
+            <a:extLst>
+              <a:ext uri="{FF2B5EF4-FFF2-40B4-BE49-F238E27FC236}">
+                <a16:creationId xmlns:a16="http://schemas.microsoft.com/office/drawing/2014/main" id="{DCEA8288-9FE3-6FBE-4A66-92D56E77DDB2}"/>
               </a:ext>
             </a:extLst>
           </p:cNvPr>
           <p:cNvSpPr/>
           <p:nvPr/>
         </p:nvSpPr>
-        <p:spPr>
+        <p:spPr bwMode="auto">
           <a:xfrm>
-            <a:off x="2279408" y="1202554"/>
-            <a:ext cx="7236999" cy="1728000"/>
+            <a:off x="9066025" y="5305491"/>
+            <a:ext cx="1980000" cy="1008000"/>
+          </a:xfrm>
+          <a:prstGeom prst="roundRect">
+            <a:avLst/>
+          </a:prstGeom>
+          <a:solidFill>
+            <a:schemeClr val="accent6">
+              <a:lumMod val="20000"/>
+              <a:lumOff val="80000"/>
+            </a:schemeClr>
+          </a:solidFill>
+          <a:ln w="6350">
+            <a:solidFill>
+              <a:schemeClr val="accent6">
+                <a:lumMod val="20000"/>
+                <a:lumOff val="80000"/>
+              </a:schemeClr>
+            </a:solidFill>
+            <a:prstDash val="solid"/>
+            <a:headEnd type="none" w="med" len="med"/>
+            <a:tailEnd type="none" w="med" len="med"/>
+          </a:ln>
+        </p:spPr>
+        <p:style>
+          <a:lnRef idx="2">
+            <a:schemeClr val="accent4"/>
+          </a:lnRef>
+          <a:fillRef idx="1">
+            <a:schemeClr val="lt1"/>
+          </a:fillRef>
+          <a:effectRef idx="0">
+            <a:schemeClr val="accent4"/>
+          </a:effectRef>
+          <a:fontRef idx="minor">
+            <a:schemeClr val="dk1"/>
+          </a:fontRef>
+        </p:style>
+        <p:txBody>
+          <a:bodyPr vert="horz" wrap="square" lIns="91440" tIns="45720" rIns="91440" bIns="45720" numCol="1" rtlCol="0" anchor="ctr" anchorCtr="1" compatLnSpc="1"/>
+          <a:lstStyle/>
+          <a:p>
+            <a:r>
+              <a:rPr lang="zh-CN" altLang="en-US" kern="0" dirty="0">
+                <a:solidFill>
+                  <a:prstClr val="black"/>
+                </a:solidFill>
+                <a:latin typeface="微软雅黑" panose="020B0503020204020204" pitchFamily="34" charset="-122"/>
+                <a:ea typeface="微软雅黑" panose="020B0503020204020204" pitchFamily="34" charset="-122"/>
+                <a:cs typeface="Times New Roman" panose="02020603050405020304" pitchFamily="36" charset="0"/>
+                <a:sym typeface="+mn-ea"/>
+              </a:rPr>
+              <a:t>利用多维度特征的信息互补性，整合为混合特征</a:t>
+            </a:r>
+          </a:p>
+        </p:txBody>
+      </p:sp>
+      <p:sp>
+        <p:nvSpPr>
+          <p:cNvPr id="102" name="矩形: 圆角 101">
+            <a:extLst>
+              <a:ext uri="{FF2B5EF4-FFF2-40B4-BE49-F238E27FC236}">
+                <a16:creationId xmlns:a16="http://schemas.microsoft.com/office/drawing/2014/main" id="{1A813EC5-B038-1590-D507-14C4C3BBF285}"/>
+              </a:ext>
+            </a:extLst>
+          </p:cNvPr>
+          <p:cNvSpPr/>
+          <p:nvPr/>
+        </p:nvSpPr>
+        <p:spPr bwMode="auto">
+          <a:xfrm>
+            <a:off x="9066025" y="1198056"/>
+            <a:ext cx="1980000" cy="1008000"/>
+          </a:xfrm>
+          <a:prstGeom prst="roundRect">
+            <a:avLst/>
+          </a:prstGeom>
+          <a:solidFill>
+            <a:schemeClr val="bg1">
+              <a:lumMod val="85000"/>
+            </a:schemeClr>
+          </a:solidFill>
+          <a:ln w="6350">
+            <a:solidFill>
+              <a:schemeClr val="bg1">
+                <a:lumMod val="85000"/>
+              </a:schemeClr>
+            </a:solidFill>
+            <a:prstDash val="solid"/>
+            <a:headEnd type="none" w="med" len="med"/>
+            <a:tailEnd type="none" w="med" len="med"/>
+          </a:ln>
+        </p:spPr>
+        <p:style>
+          <a:lnRef idx="2">
+            <a:schemeClr val="accent3"/>
+          </a:lnRef>
+          <a:fillRef idx="1">
+            <a:schemeClr val="lt1"/>
+          </a:fillRef>
+          <a:effectRef idx="0">
+            <a:schemeClr val="accent3"/>
+          </a:effectRef>
+          <a:fontRef idx="minor">
+            <a:schemeClr val="dk1"/>
+          </a:fontRef>
+        </p:style>
+        <p:txBody>
+          <a:bodyPr vert="horz" wrap="square" lIns="91440" tIns="45720" rIns="91440" bIns="45720" numCol="1" rtlCol="0" anchor="ctr" anchorCtr="1" compatLnSpc="1"/>
+          <a:lstStyle/>
+          <a:p>
+            <a:pPr>
+              <a:spcBef>
+                <a:spcPct val="50000"/>
+              </a:spcBef>
+            </a:pPr>
+            <a:r>
+              <a:rPr lang="zh-CN" altLang="en-US" kern="0" dirty="0">
+                <a:solidFill>
+                  <a:prstClr val="black"/>
+                </a:solidFill>
+                <a:latin typeface="微软雅黑" panose="020B0503020204020204" pitchFamily="34" charset="-122"/>
+                <a:ea typeface="微软雅黑" panose="020B0503020204020204" pitchFamily="34" charset="-122"/>
+                <a:cs typeface="Times New Roman" panose="02020603050405020304" pitchFamily="36" charset="0"/>
+                <a:sym typeface="+mn-ea"/>
+              </a:rPr>
+              <a:t>减少出现集外词问题的概率</a:t>
+            </a:r>
+          </a:p>
+        </p:txBody>
+      </p:sp>
+      <p:sp>
+        <p:nvSpPr>
+          <p:cNvPr id="104" name="矩形: 圆角 103">
+            <a:extLst>
+              <a:ext uri="{FF2B5EF4-FFF2-40B4-BE49-F238E27FC236}">
+                <a16:creationId xmlns:a16="http://schemas.microsoft.com/office/drawing/2014/main" id="{E90B23B0-BB93-1457-6FC3-2573035AA121}"/>
+              </a:ext>
+            </a:extLst>
+          </p:cNvPr>
+          <p:cNvSpPr/>
+          <p:nvPr/>
+        </p:nvSpPr>
+        <p:spPr bwMode="auto">
+          <a:xfrm>
+            <a:off x="9066025" y="2581112"/>
+            <a:ext cx="1980000" cy="1008000"/>
           </a:xfrm>
           <a:prstGeom prst="roundRect">
             <a:avLst/>
@@ -11104,6 +11953,940 @@
           <a:bodyPr vert="horz" wrap="square" lIns="91440" tIns="45720" rIns="91440" bIns="45720" numCol="1" rtlCol="0" anchor="ctr" anchorCtr="1" compatLnSpc="1"/>
           <a:lstStyle/>
           <a:p>
+            <a:pPr>
+              <a:spcBef>
+                <a:spcPct val="50000"/>
+              </a:spcBef>
+            </a:pPr>
+            <a:r>
+              <a:rPr lang="zh-CN" altLang="en-US" kern="0" dirty="0">
+                <a:solidFill>
+                  <a:prstClr val="black"/>
+                </a:solidFill>
+                <a:latin typeface="微软雅黑" panose="020B0503020204020204" pitchFamily="34" charset="-122"/>
+                <a:ea typeface="微软雅黑" panose="020B0503020204020204" pitchFamily="34" charset="-122"/>
+                <a:cs typeface="Times New Roman" panose="02020603050405020304" pitchFamily="36" charset="0"/>
+              </a:rPr>
+              <a:t>保存子节点信息的同时，解决梯度消失问题</a:t>
+            </a:r>
+          </a:p>
+        </p:txBody>
+      </p:sp>
+      <p:sp>
+        <p:nvSpPr>
+          <p:cNvPr id="109" name="矩形 108">
+            <a:extLst>
+              <a:ext uri="{FF2B5EF4-FFF2-40B4-BE49-F238E27FC236}">
+                <a16:creationId xmlns:a16="http://schemas.microsoft.com/office/drawing/2014/main" id="{94055A8E-646A-BCA7-49F4-EA8F54D41125}"/>
+              </a:ext>
+            </a:extLst>
+          </p:cNvPr>
+          <p:cNvSpPr/>
+          <p:nvPr/>
+        </p:nvSpPr>
+        <p:spPr bwMode="auto">
+          <a:xfrm>
+            <a:off x="713971" y="369000"/>
+            <a:ext cx="2340000" cy="6120000"/>
+          </a:xfrm>
+          <a:prstGeom prst="rect">
+            <a:avLst/>
+          </a:prstGeom>
+          <a:solidFill>
+            <a:schemeClr val="bg1">
+              <a:lumMod val="95000"/>
+            </a:schemeClr>
+          </a:solidFill>
+          <a:ln w="6350" cap="flat" cmpd="sng" algn="ctr">
+            <a:noFill/>
+            <a:prstDash val="dash"/>
+            <a:round/>
+            <a:headEnd type="none" w="med" len="med"/>
+            <a:tailEnd type="none" w="med" len="med"/>
+          </a:ln>
+          <a:effectLst/>
+        </p:spPr>
+        <p:txBody>
+          <a:bodyPr vert="horz" wrap="square" lIns="91440" tIns="45720" rIns="91440" bIns="45720" numCol="1" rtlCol="0" anchor="t" anchorCtr="0" compatLnSpc="1"/>
+          <a:lstStyle/>
+          <a:p>
+            <a:pPr algn="ctr">
+              <a:spcBef>
+                <a:spcPct val="50000"/>
+              </a:spcBef>
+            </a:pPr>
+            <a:endParaRPr lang="zh-CN" altLang="en-US" sz="1600" i="1" kern="0">
+              <a:solidFill>
+                <a:prstClr val="black"/>
+              </a:solidFill>
+              <a:latin typeface="微软雅黑" panose="020B0503020204020204" pitchFamily="34" charset="-122"/>
+              <a:ea typeface="微软雅黑" panose="020B0503020204020204" pitchFamily="34" charset="-122"/>
+              <a:cs typeface="Times New Roman" panose="02020603050405020304" pitchFamily="36" charset="0"/>
+            </a:endParaRPr>
+          </a:p>
+        </p:txBody>
+      </p:sp>
+      <p:sp>
+        <p:nvSpPr>
+          <p:cNvPr id="114" name="下箭头 25">
+            <a:extLst>
+              <a:ext uri="{FF2B5EF4-FFF2-40B4-BE49-F238E27FC236}">
+                <a16:creationId xmlns:a16="http://schemas.microsoft.com/office/drawing/2014/main" id="{3A2C2E46-AED6-3914-B819-DD77A5D70506}"/>
+              </a:ext>
+            </a:extLst>
+          </p:cNvPr>
+          <p:cNvSpPr/>
+          <p:nvPr/>
+        </p:nvSpPr>
+        <p:spPr>
+          <a:xfrm rot="16200000">
+            <a:off x="2553982" y="3185595"/>
+            <a:ext cx="1441450" cy="492125"/>
+          </a:xfrm>
+          <a:prstGeom prst="downArrow">
+            <a:avLst/>
+          </a:prstGeom>
+          <a:solidFill>
+            <a:schemeClr val="bg2">
+              <a:lumMod val="85000"/>
+            </a:schemeClr>
+          </a:solidFill>
+          <a:ln>
+            <a:solidFill>
+              <a:schemeClr val="bg1"/>
+            </a:solidFill>
+          </a:ln>
+        </p:spPr>
+        <p:style>
+          <a:lnRef idx="2">
+            <a:schemeClr val="accent4"/>
+          </a:lnRef>
+          <a:fillRef idx="1">
+            <a:schemeClr val="lt1"/>
+          </a:fillRef>
+          <a:effectRef idx="0">
+            <a:schemeClr val="accent4"/>
+          </a:effectRef>
+          <a:fontRef idx="minor">
+            <a:schemeClr val="dk1"/>
+          </a:fontRef>
+        </p:style>
+        <p:txBody>
+          <a:bodyPr vertOverflow="overflow" horzOverflow="overflow" vert="horz" wrap="square" numCol="1" spcCol="0" rtlCol="0" fromWordArt="0" anchor="ctr" anchorCtr="0" forceAA="0" compatLnSpc="1">
+            <a:noAutofit/>
+          </a:bodyPr>
+          <a:lstStyle/>
+          <a:p>
+            <a:pPr lvl="0" algn="ctr">
+              <a:buClrTx/>
+              <a:buSzTx/>
+              <a:buFontTx/>
+            </a:pPr>
+            <a:endParaRPr lang="zh-CN" altLang="en-US">
+              <a:latin typeface="微软雅黑" panose="020B0503020204020204" pitchFamily="34" charset="-122"/>
+              <a:ea typeface="微软雅黑" panose="020B0503020204020204" pitchFamily="34" charset="-122"/>
+              <a:sym typeface="+mn-ea"/>
+            </a:endParaRPr>
+          </a:p>
+        </p:txBody>
+      </p:sp>
+      <p:sp>
+        <p:nvSpPr>
+          <p:cNvPr id="110" name="矩形: 圆角 120">
+            <a:extLst>
+              <a:ext uri="{FF2B5EF4-FFF2-40B4-BE49-F238E27FC236}">
+                <a16:creationId xmlns:a16="http://schemas.microsoft.com/office/drawing/2014/main" id="{22F49C17-1142-94C3-F90B-512C53D51CDE}"/>
+              </a:ext>
+            </a:extLst>
+          </p:cNvPr>
+          <p:cNvSpPr/>
+          <p:nvPr/>
+        </p:nvSpPr>
+        <p:spPr bwMode="auto">
+          <a:xfrm>
+            <a:off x="893971" y="3958050"/>
+            <a:ext cx="1980000" cy="1008000"/>
+          </a:xfrm>
+          <a:prstGeom prst="roundRect">
+            <a:avLst/>
+          </a:prstGeom>
+          <a:solidFill>
+            <a:schemeClr val="accent1">
+              <a:lumMod val="20000"/>
+              <a:lumOff val="80000"/>
+            </a:schemeClr>
+          </a:solidFill>
+          <a:ln w="6350" cap="flat" cmpd="sng" algn="ctr">
+            <a:solidFill>
+              <a:schemeClr val="accent1">
+                <a:lumMod val="20000"/>
+                <a:lumOff val="80000"/>
+              </a:schemeClr>
+            </a:solidFill>
+            <a:prstDash val="solid"/>
+            <a:round/>
+            <a:headEnd type="none" w="med" len="med"/>
+            <a:tailEnd type="none" w="med" len="med"/>
+          </a:ln>
+          <a:effectLst/>
+        </p:spPr>
+        <p:txBody>
+          <a:bodyPr vert="horz" wrap="square" lIns="91440" tIns="45720" rIns="91440" bIns="45720" numCol="1" rtlCol="0" anchor="ctr" anchorCtr="1" compatLnSpc="1"/>
+          <a:lstStyle/>
+          <a:p>
+            <a:pPr algn="ctr">
+              <a:spcBef>
+                <a:spcPct val="50000"/>
+              </a:spcBef>
+            </a:pPr>
+            <a:r>
+              <a:rPr lang="zh-CN" altLang="en-US" kern="0" dirty="0">
+                <a:solidFill>
+                  <a:prstClr val="black"/>
+                </a:solidFill>
+                <a:latin typeface="微软雅黑" panose="020B0503020204020204" pitchFamily="34" charset="-122"/>
+                <a:ea typeface="微软雅黑" panose="020B0503020204020204" pitchFamily="34" charset="-122"/>
+                <a:cs typeface="Times New Roman" panose="02020603050405020304" pitchFamily="36" charset="0"/>
+                <a:sym typeface="+mn-ea"/>
+              </a:rPr>
+              <a:t>图维度</a:t>
+            </a:r>
+          </a:p>
+        </p:txBody>
+      </p:sp>
+      <p:sp>
+        <p:nvSpPr>
+          <p:cNvPr id="112" name="矩形: 圆角 132">
+            <a:extLst>
+              <a:ext uri="{FF2B5EF4-FFF2-40B4-BE49-F238E27FC236}">
+                <a16:creationId xmlns:a16="http://schemas.microsoft.com/office/drawing/2014/main" id="{EBAC3FBB-83EC-A617-CD34-DC266BC2E914}"/>
+              </a:ext>
+            </a:extLst>
+          </p:cNvPr>
+          <p:cNvSpPr/>
+          <p:nvPr/>
+        </p:nvSpPr>
+        <p:spPr bwMode="auto">
+          <a:xfrm>
+            <a:off x="893971" y="2581112"/>
+            <a:ext cx="1980000" cy="1008000"/>
+          </a:xfrm>
+          <a:prstGeom prst="roundRect">
+            <a:avLst/>
+          </a:prstGeom>
+          <a:solidFill>
+            <a:schemeClr val="accent2">
+              <a:lumMod val="20000"/>
+              <a:lumOff val="80000"/>
+            </a:schemeClr>
+          </a:solidFill>
+          <a:ln w="6350" cap="flat" cmpd="sng" algn="ctr">
+            <a:solidFill>
+              <a:schemeClr val="accent2">
+                <a:lumMod val="20000"/>
+                <a:lumOff val="80000"/>
+              </a:schemeClr>
+            </a:solidFill>
+            <a:prstDash val="solid"/>
+            <a:round/>
+            <a:headEnd type="none" w="med" len="med"/>
+            <a:tailEnd type="none" w="med" len="med"/>
+          </a:ln>
+          <a:effectLst/>
+        </p:spPr>
+        <p:txBody>
+          <a:bodyPr vert="horz" wrap="square" lIns="91440" tIns="45720" rIns="91440" bIns="45720" numCol="1" rtlCol="0" anchor="ctr" anchorCtr="1" compatLnSpc="1"/>
+          <a:lstStyle/>
+          <a:p>
+            <a:pPr algn="ctr">
+              <a:spcBef>
+                <a:spcPct val="50000"/>
+              </a:spcBef>
+            </a:pPr>
+            <a:r>
+              <a:rPr lang="zh-CN" altLang="en-US" kern="0" dirty="0">
+                <a:solidFill>
+                  <a:prstClr val="black"/>
+                </a:solidFill>
+                <a:latin typeface="微软雅黑" panose="020B0503020204020204" pitchFamily="34" charset="-122"/>
+                <a:ea typeface="微软雅黑" panose="020B0503020204020204" pitchFamily="34" charset="-122"/>
+                <a:cs typeface="Times New Roman" panose="02020603050405020304" pitchFamily="36" charset="0"/>
+                <a:sym typeface="+mn-ea"/>
+              </a:rPr>
+              <a:t>树维度</a:t>
+            </a:r>
+          </a:p>
+        </p:txBody>
+      </p:sp>
+      <p:sp>
+        <p:nvSpPr>
+          <p:cNvPr id="115" name="矩形: 圆角 120">
+            <a:extLst>
+              <a:ext uri="{FF2B5EF4-FFF2-40B4-BE49-F238E27FC236}">
+                <a16:creationId xmlns:a16="http://schemas.microsoft.com/office/drawing/2014/main" id="{CC861035-9297-7D78-03C5-E60C374D2586}"/>
+              </a:ext>
+            </a:extLst>
+          </p:cNvPr>
+          <p:cNvSpPr/>
+          <p:nvPr/>
+        </p:nvSpPr>
+        <p:spPr bwMode="auto">
+          <a:xfrm>
+            <a:off x="893971" y="5305491"/>
+            <a:ext cx="1980000" cy="1008000"/>
+          </a:xfrm>
+          <a:prstGeom prst="roundRect">
+            <a:avLst/>
+          </a:prstGeom>
+          <a:solidFill>
+            <a:schemeClr val="accent6">
+              <a:lumMod val="20000"/>
+              <a:lumOff val="80000"/>
+            </a:schemeClr>
+          </a:solidFill>
+          <a:ln w="6350">
+            <a:solidFill>
+              <a:schemeClr val="accent6">
+                <a:lumMod val="20000"/>
+                <a:lumOff val="80000"/>
+              </a:schemeClr>
+            </a:solidFill>
+            <a:prstDash val="solid"/>
+            <a:headEnd type="none" w="med" len="med"/>
+            <a:tailEnd type="none" w="med" len="med"/>
+          </a:ln>
+        </p:spPr>
+        <p:style>
+          <a:lnRef idx="2">
+            <a:schemeClr val="accent4"/>
+          </a:lnRef>
+          <a:fillRef idx="1">
+            <a:schemeClr val="lt1"/>
+          </a:fillRef>
+          <a:effectRef idx="0">
+            <a:schemeClr val="accent4"/>
+          </a:effectRef>
+          <a:fontRef idx="minor">
+            <a:schemeClr val="dk1"/>
+          </a:fontRef>
+        </p:style>
+        <p:txBody>
+          <a:bodyPr vert="horz" wrap="square" lIns="91440" tIns="45720" rIns="91440" bIns="45720" numCol="1" rtlCol="0" anchor="ctr" anchorCtr="1" compatLnSpc="1"/>
+          <a:lstStyle/>
+          <a:p>
+            <a:pPr algn="ctr"/>
+            <a:r>
+              <a:rPr lang="zh-CN" altLang="en-US" kern="0" dirty="0">
+                <a:solidFill>
+                  <a:prstClr val="black"/>
+                </a:solidFill>
+                <a:latin typeface="微软雅黑" panose="020B0503020204020204" pitchFamily="34" charset="-122"/>
+                <a:ea typeface="微软雅黑" panose="020B0503020204020204" pitchFamily="34" charset="-122"/>
+                <a:cs typeface="Times New Roman" panose="02020603050405020304" pitchFamily="36" charset="0"/>
+                <a:sym typeface="+mn-ea"/>
+              </a:rPr>
+              <a:t>整体</a:t>
+            </a:r>
+            <a:endParaRPr lang="en-US" altLang="zh-CN" kern="0" dirty="0">
+              <a:solidFill>
+                <a:prstClr val="black"/>
+              </a:solidFill>
+              <a:latin typeface="微软雅黑" panose="020B0503020204020204" pitchFamily="34" charset="-122"/>
+              <a:ea typeface="微软雅黑" panose="020B0503020204020204" pitchFamily="34" charset="-122"/>
+              <a:cs typeface="Times New Roman" panose="02020603050405020304" pitchFamily="36" charset="0"/>
+              <a:sym typeface="+mn-ea"/>
+            </a:endParaRPr>
+          </a:p>
+          <a:p>
+            <a:pPr algn="ctr"/>
+            <a:r>
+              <a:rPr lang="zh-CN" altLang="en-US" kern="0" dirty="0">
+                <a:solidFill>
+                  <a:prstClr val="black"/>
+                </a:solidFill>
+                <a:latin typeface="微软雅黑" panose="020B0503020204020204" pitchFamily="34" charset="-122"/>
+                <a:ea typeface="微软雅黑" panose="020B0503020204020204" pitchFamily="34" charset="-122"/>
+                <a:cs typeface="Times New Roman" panose="02020603050405020304" pitchFamily="36" charset="0"/>
+                <a:sym typeface="+mn-ea"/>
+              </a:rPr>
+              <a:t>表征能力</a:t>
+            </a:r>
+          </a:p>
+        </p:txBody>
+      </p:sp>
+      <p:sp>
+        <p:nvSpPr>
+          <p:cNvPr id="125" name="矩形: 圆角 132">
+            <a:extLst>
+              <a:ext uri="{FF2B5EF4-FFF2-40B4-BE49-F238E27FC236}">
+                <a16:creationId xmlns:a16="http://schemas.microsoft.com/office/drawing/2014/main" id="{50020543-53D6-D4FF-DE16-A35CA06EEF01}"/>
+              </a:ext>
+            </a:extLst>
+          </p:cNvPr>
+          <p:cNvSpPr/>
+          <p:nvPr/>
+        </p:nvSpPr>
+        <p:spPr bwMode="auto">
+          <a:xfrm>
+            <a:off x="893971" y="1198056"/>
+            <a:ext cx="1980000" cy="1008000"/>
+          </a:xfrm>
+          <a:prstGeom prst="roundRect">
+            <a:avLst/>
+          </a:prstGeom>
+          <a:solidFill>
+            <a:schemeClr val="bg1">
+              <a:lumMod val="85000"/>
+            </a:schemeClr>
+          </a:solidFill>
+          <a:ln w="6350">
+            <a:solidFill>
+              <a:schemeClr val="bg1">
+                <a:lumMod val="85000"/>
+              </a:schemeClr>
+            </a:solidFill>
+            <a:prstDash val="solid"/>
+            <a:headEnd type="none" w="med" len="med"/>
+            <a:tailEnd type="none" w="med" len="med"/>
+          </a:ln>
+        </p:spPr>
+        <p:style>
+          <a:lnRef idx="2">
+            <a:schemeClr val="accent3"/>
+          </a:lnRef>
+          <a:fillRef idx="1">
+            <a:schemeClr val="lt1"/>
+          </a:fillRef>
+          <a:effectRef idx="0">
+            <a:schemeClr val="accent3"/>
+          </a:effectRef>
+          <a:fontRef idx="minor">
+            <a:schemeClr val="dk1"/>
+          </a:fontRef>
+        </p:style>
+        <p:txBody>
+          <a:bodyPr vert="horz" wrap="square" lIns="91440" tIns="45720" rIns="91440" bIns="45720" numCol="1" rtlCol="0" anchor="ctr" anchorCtr="1" compatLnSpc="1"/>
+          <a:lstStyle/>
+          <a:p>
+            <a:pPr algn="ctr">
+              <a:spcBef>
+                <a:spcPct val="50000"/>
+              </a:spcBef>
+            </a:pPr>
+            <a:r>
+              <a:rPr lang="en-US" altLang="zh-CN" kern="0" dirty="0">
+                <a:solidFill>
+                  <a:prstClr val="black"/>
+                </a:solidFill>
+                <a:latin typeface="微软雅黑" panose="020B0503020204020204" pitchFamily="34" charset="-122"/>
+                <a:ea typeface="微软雅黑" panose="020B0503020204020204" pitchFamily="34" charset="-122"/>
+                <a:cs typeface="Times New Roman" panose="02020603050405020304" pitchFamily="36" charset="0"/>
+                <a:sym typeface="+mn-ea"/>
+              </a:rPr>
+              <a:t>Token</a:t>
+            </a:r>
+            <a:r>
+              <a:rPr lang="zh-CN" altLang="en-US" kern="0" dirty="0">
+                <a:solidFill>
+                  <a:prstClr val="black"/>
+                </a:solidFill>
+                <a:latin typeface="微软雅黑" panose="020B0503020204020204" pitchFamily="34" charset="-122"/>
+                <a:ea typeface="微软雅黑" panose="020B0503020204020204" pitchFamily="34" charset="-122"/>
+                <a:cs typeface="Times New Roman" panose="02020603050405020304" pitchFamily="36" charset="0"/>
+                <a:sym typeface="+mn-ea"/>
+              </a:rPr>
+              <a:t>维度</a:t>
+            </a:r>
+          </a:p>
+        </p:txBody>
+      </p:sp>
+      <p:sp>
+        <p:nvSpPr>
+          <p:cNvPr id="133" name="下箭头 25">
+            <a:extLst>
+              <a:ext uri="{FF2B5EF4-FFF2-40B4-BE49-F238E27FC236}">
+                <a16:creationId xmlns:a16="http://schemas.microsoft.com/office/drawing/2014/main" id="{DDBB0D6F-5560-AC67-B855-4FC058ECA6C3}"/>
+              </a:ext>
+            </a:extLst>
+          </p:cNvPr>
+          <p:cNvSpPr/>
+          <p:nvPr/>
+        </p:nvSpPr>
+        <p:spPr>
+          <a:xfrm rot="16200000">
+            <a:off x="8045520" y="3185595"/>
+            <a:ext cx="1441450" cy="492125"/>
+          </a:xfrm>
+          <a:prstGeom prst="downArrow">
+            <a:avLst/>
+          </a:prstGeom>
+          <a:solidFill>
+            <a:schemeClr val="bg2">
+              <a:lumMod val="85000"/>
+            </a:schemeClr>
+          </a:solidFill>
+          <a:ln>
+            <a:solidFill>
+              <a:schemeClr val="bg1"/>
+            </a:solidFill>
+          </a:ln>
+        </p:spPr>
+        <p:style>
+          <a:lnRef idx="2">
+            <a:schemeClr val="accent4"/>
+          </a:lnRef>
+          <a:fillRef idx="1">
+            <a:schemeClr val="lt1"/>
+          </a:fillRef>
+          <a:effectRef idx="0">
+            <a:schemeClr val="accent4"/>
+          </a:effectRef>
+          <a:fontRef idx="minor">
+            <a:schemeClr val="dk1"/>
+          </a:fontRef>
+        </p:style>
+        <p:txBody>
+          <a:bodyPr vertOverflow="overflow" horzOverflow="overflow" vert="horz" wrap="square" numCol="1" spcCol="0" rtlCol="0" fromWordArt="0" anchor="ctr" anchorCtr="0" forceAA="0" compatLnSpc="1">
+            <a:noAutofit/>
+          </a:bodyPr>
+          <a:lstStyle/>
+          <a:p>
+            <a:pPr lvl="0" algn="ctr">
+              <a:buClrTx/>
+              <a:buSzTx/>
+              <a:buFontTx/>
+            </a:pPr>
+            <a:endParaRPr lang="zh-CN" altLang="en-US">
+              <a:latin typeface="微软雅黑" panose="020B0503020204020204" pitchFamily="34" charset="-122"/>
+              <a:ea typeface="微软雅黑" panose="020B0503020204020204" pitchFamily="34" charset="-122"/>
+              <a:sym typeface="+mn-ea"/>
+            </a:endParaRPr>
+          </a:p>
+        </p:txBody>
+      </p:sp>
+      <p:sp>
+        <p:nvSpPr>
+          <p:cNvPr id="135" name="矩形: 圆角 124">
+            <a:extLst>
+              <a:ext uri="{FF2B5EF4-FFF2-40B4-BE49-F238E27FC236}">
+                <a16:creationId xmlns:a16="http://schemas.microsoft.com/office/drawing/2014/main" id="{2BA62225-0977-99E4-A222-6E03F997E904}"/>
+              </a:ext>
+            </a:extLst>
+          </p:cNvPr>
+          <p:cNvSpPr/>
+          <p:nvPr/>
+        </p:nvSpPr>
+        <p:spPr bwMode="auto">
+          <a:xfrm>
+            <a:off x="6342007" y="3958050"/>
+            <a:ext cx="1980000" cy="1008000"/>
+          </a:xfrm>
+          <a:prstGeom prst="roundRect">
+            <a:avLst/>
+          </a:prstGeom>
+          <a:solidFill>
+            <a:schemeClr val="accent1">
+              <a:lumMod val="20000"/>
+              <a:lumOff val="80000"/>
+            </a:schemeClr>
+          </a:solidFill>
+          <a:ln w="6350" cap="flat" cmpd="sng" algn="ctr">
+            <a:solidFill>
+              <a:schemeClr val="accent1">
+                <a:lumMod val="20000"/>
+                <a:lumOff val="80000"/>
+              </a:schemeClr>
+            </a:solidFill>
+            <a:prstDash val="solid"/>
+            <a:round/>
+            <a:headEnd type="none" w="med" len="med"/>
+            <a:tailEnd type="none" w="med" len="med"/>
+          </a:ln>
+          <a:effectLst/>
+        </p:spPr>
+        <p:txBody>
+          <a:bodyPr vert="horz" wrap="square" lIns="91440" tIns="45720" rIns="91440" bIns="45720" numCol="1" rtlCol="0" anchor="ctr" anchorCtr="1" compatLnSpc="1"/>
+          <a:lstStyle/>
+          <a:p>
+            <a:pPr>
+              <a:spcBef>
+                <a:spcPct val="50000"/>
+              </a:spcBef>
+            </a:pPr>
+            <a:r>
+              <a:rPr lang="zh-CN" altLang="en-US" kern="0" dirty="0">
+                <a:solidFill>
+                  <a:prstClr val="black"/>
+                </a:solidFill>
+                <a:latin typeface="微软雅黑" panose="020B0503020204020204" pitchFamily="34" charset="-122"/>
+                <a:ea typeface="微软雅黑" panose="020B0503020204020204" pitchFamily="34" charset="-122"/>
+                <a:cs typeface="Times New Roman" panose="02020603050405020304" pitchFamily="36" charset="0"/>
+                <a:sym typeface="+mn-ea"/>
+              </a:rPr>
+              <a:t>基于图过滤的程序依赖图表征学习</a:t>
+            </a:r>
+          </a:p>
+        </p:txBody>
+      </p:sp>
+      <p:sp>
+        <p:nvSpPr>
+          <p:cNvPr id="138" name="矩形: 圆角 124">
+            <a:extLst>
+              <a:ext uri="{FF2B5EF4-FFF2-40B4-BE49-F238E27FC236}">
+                <a16:creationId xmlns:a16="http://schemas.microsoft.com/office/drawing/2014/main" id="{4B216347-734F-C70B-F731-DA5EFAF53B06}"/>
+              </a:ext>
+            </a:extLst>
+          </p:cNvPr>
+          <p:cNvSpPr/>
+          <p:nvPr/>
+        </p:nvSpPr>
+        <p:spPr bwMode="auto">
+          <a:xfrm>
+            <a:off x="6342007" y="2581112"/>
+            <a:ext cx="1980000" cy="1008000"/>
+          </a:xfrm>
+          <a:prstGeom prst="roundRect">
+            <a:avLst/>
+          </a:prstGeom>
+          <a:solidFill>
+            <a:schemeClr val="accent2">
+              <a:lumMod val="20000"/>
+              <a:lumOff val="80000"/>
+            </a:schemeClr>
+          </a:solidFill>
+          <a:ln w="6350" cap="flat" cmpd="sng" algn="ctr">
+            <a:solidFill>
+              <a:schemeClr val="accent2">
+                <a:lumMod val="20000"/>
+                <a:lumOff val="80000"/>
+              </a:schemeClr>
+            </a:solidFill>
+            <a:prstDash val="solid"/>
+            <a:round/>
+            <a:headEnd type="none" w="med" len="med"/>
+            <a:tailEnd type="none" w="med" len="med"/>
+          </a:ln>
+          <a:effectLst/>
+        </p:spPr>
+        <p:txBody>
+          <a:bodyPr vert="horz" wrap="square" lIns="91440" tIns="45720" rIns="91440" bIns="45720" numCol="1" rtlCol="0" anchor="ctr" anchorCtr="1" compatLnSpc="1"/>
+          <a:lstStyle/>
+          <a:p>
+            <a:pPr>
+              <a:spcBef>
+                <a:spcPct val="50000"/>
+              </a:spcBef>
+            </a:pPr>
+            <a:r>
+              <a:rPr lang="zh-CN" altLang="en-US" kern="0" dirty="0">
+                <a:solidFill>
+                  <a:prstClr val="black"/>
+                </a:solidFill>
+                <a:latin typeface="微软雅黑" panose="020B0503020204020204" pitchFamily="34" charset="-122"/>
+                <a:ea typeface="微软雅黑" panose="020B0503020204020204" pitchFamily="34" charset="-122"/>
+                <a:cs typeface="Times New Roman" panose="02020603050405020304" pitchFamily="36" charset="0"/>
+                <a:sym typeface="+mn-ea"/>
+              </a:rPr>
+              <a:t>基于子树划分的抽象语法树表征学习</a:t>
+            </a:r>
+          </a:p>
+        </p:txBody>
+      </p:sp>
+      <p:sp>
+        <p:nvSpPr>
+          <p:cNvPr id="141" name="矩形: 圆角 124">
+            <a:extLst>
+              <a:ext uri="{FF2B5EF4-FFF2-40B4-BE49-F238E27FC236}">
+                <a16:creationId xmlns:a16="http://schemas.microsoft.com/office/drawing/2014/main" id="{748B1C87-8D4B-601E-4C0B-4F9DD5138A94}"/>
+              </a:ext>
+            </a:extLst>
+          </p:cNvPr>
+          <p:cNvSpPr/>
+          <p:nvPr/>
+        </p:nvSpPr>
+        <p:spPr bwMode="auto">
+          <a:xfrm>
+            <a:off x="6342007" y="1198056"/>
+            <a:ext cx="1980000" cy="1008000"/>
+          </a:xfrm>
+          <a:prstGeom prst="roundRect">
+            <a:avLst/>
+          </a:prstGeom>
+          <a:solidFill>
+            <a:schemeClr val="bg1">
+              <a:lumMod val="85000"/>
+            </a:schemeClr>
+          </a:solidFill>
+          <a:ln w="6350">
+            <a:solidFill>
+              <a:schemeClr val="bg1">
+                <a:lumMod val="85000"/>
+              </a:schemeClr>
+            </a:solidFill>
+            <a:prstDash val="solid"/>
+            <a:headEnd type="none" w="med" len="med"/>
+            <a:tailEnd type="none" w="med" len="med"/>
+          </a:ln>
+        </p:spPr>
+        <p:style>
+          <a:lnRef idx="2">
+            <a:schemeClr val="accent3"/>
+          </a:lnRef>
+          <a:fillRef idx="1">
+            <a:schemeClr val="lt1"/>
+          </a:fillRef>
+          <a:effectRef idx="0">
+            <a:schemeClr val="accent3"/>
+          </a:effectRef>
+          <a:fontRef idx="minor">
+            <a:schemeClr val="dk1"/>
+          </a:fontRef>
+        </p:style>
+        <p:txBody>
+          <a:bodyPr vert="horz" wrap="square" lIns="91440" tIns="45720" rIns="91440" bIns="45720" numCol="1" rtlCol="0" anchor="ctr" anchorCtr="1" compatLnSpc="1"/>
+          <a:lstStyle/>
+          <a:p>
+            <a:pPr>
+              <a:spcBef>
+                <a:spcPct val="50000"/>
+              </a:spcBef>
+            </a:pPr>
+            <a:r>
+              <a:rPr lang="zh-CN" altLang="en-US" kern="0" dirty="0">
+                <a:solidFill>
+                  <a:prstClr val="black"/>
+                </a:solidFill>
+                <a:latin typeface="微软雅黑" panose="020B0503020204020204" pitchFamily="34" charset="-122"/>
+                <a:ea typeface="微软雅黑" panose="020B0503020204020204" pitchFamily="34" charset="-122"/>
+                <a:cs typeface="Times New Roman" panose="02020603050405020304" pitchFamily="36" charset="0"/>
+                <a:sym typeface="+mn-ea"/>
+              </a:rPr>
+              <a:t>基于预训练辅助模型的</a:t>
+            </a:r>
+            <a:r>
+              <a:rPr lang="en-US" altLang="zh-CN" kern="0" dirty="0">
+                <a:solidFill>
+                  <a:prstClr val="black"/>
+                </a:solidFill>
+                <a:latin typeface="微软雅黑" panose="020B0503020204020204" pitchFamily="34" charset="-122"/>
+                <a:ea typeface="微软雅黑" panose="020B0503020204020204" pitchFamily="34" charset="-122"/>
+                <a:cs typeface="Times New Roman" panose="02020603050405020304" pitchFamily="36" charset="0"/>
+                <a:sym typeface="+mn-ea"/>
+              </a:rPr>
+              <a:t>Token</a:t>
+            </a:r>
+            <a:r>
+              <a:rPr lang="zh-CN" altLang="en-US" kern="0" dirty="0">
+                <a:solidFill>
+                  <a:prstClr val="black"/>
+                </a:solidFill>
+                <a:latin typeface="微软雅黑" panose="020B0503020204020204" pitchFamily="34" charset="-122"/>
+                <a:ea typeface="微软雅黑" panose="020B0503020204020204" pitchFamily="34" charset="-122"/>
+                <a:cs typeface="Times New Roman" panose="02020603050405020304" pitchFamily="36" charset="0"/>
+                <a:sym typeface="+mn-ea"/>
+              </a:rPr>
+              <a:t>表征学习</a:t>
+            </a:r>
+          </a:p>
+        </p:txBody>
+      </p:sp>
+      <p:sp>
+        <p:nvSpPr>
+          <p:cNvPr id="144" name="矩形: 圆角 124">
+            <a:extLst>
+              <a:ext uri="{FF2B5EF4-FFF2-40B4-BE49-F238E27FC236}">
+                <a16:creationId xmlns:a16="http://schemas.microsoft.com/office/drawing/2014/main" id="{AF5A13AB-01B0-505A-B6EC-7EBD4650D7BF}"/>
+              </a:ext>
+            </a:extLst>
+          </p:cNvPr>
+          <p:cNvSpPr/>
+          <p:nvPr/>
+        </p:nvSpPr>
+        <p:spPr bwMode="auto">
+          <a:xfrm>
+            <a:off x="6342007" y="5305491"/>
+            <a:ext cx="1980000" cy="1008000"/>
+          </a:xfrm>
+          <a:prstGeom prst="roundRect">
+            <a:avLst/>
+          </a:prstGeom>
+          <a:solidFill>
+            <a:schemeClr val="accent6">
+              <a:lumMod val="20000"/>
+              <a:lumOff val="80000"/>
+            </a:schemeClr>
+          </a:solidFill>
+          <a:ln w="6350">
+            <a:solidFill>
+              <a:schemeClr val="accent6">
+                <a:lumMod val="20000"/>
+                <a:lumOff val="80000"/>
+              </a:schemeClr>
+            </a:solidFill>
+            <a:prstDash val="solid"/>
+            <a:headEnd type="none" w="med" len="med"/>
+            <a:tailEnd type="none" w="med" len="med"/>
+          </a:ln>
+        </p:spPr>
+        <p:style>
+          <a:lnRef idx="2">
+            <a:schemeClr val="accent4"/>
+          </a:lnRef>
+          <a:fillRef idx="1">
+            <a:schemeClr val="lt1"/>
+          </a:fillRef>
+          <a:effectRef idx="0">
+            <a:schemeClr val="accent4"/>
+          </a:effectRef>
+          <a:fontRef idx="minor">
+            <a:schemeClr val="dk1"/>
+          </a:fontRef>
+        </p:style>
+        <p:txBody>
+          <a:bodyPr vert="horz" wrap="square" lIns="91440" tIns="45720" rIns="91440" bIns="45720" numCol="1" rtlCol="0" anchor="ctr" anchorCtr="1" compatLnSpc="1"/>
+          <a:lstStyle/>
+          <a:p>
+            <a:r>
+              <a:rPr lang="zh-CN" altLang="en-US" kern="0" dirty="0">
+                <a:solidFill>
+                  <a:prstClr val="black"/>
+                </a:solidFill>
+                <a:latin typeface="微软雅黑" panose="020B0503020204020204" pitchFamily="34" charset="-122"/>
+                <a:ea typeface="微软雅黑" panose="020B0503020204020204" pitchFamily="34" charset="-122"/>
+                <a:cs typeface="Times New Roman" panose="02020603050405020304" pitchFamily="36" charset="0"/>
+                <a:sym typeface="+mn-ea"/>
+              </a:rPr>
+              <a:t>基于多模态学习的特征融合方法</a:t>
+            </a:r>
+          </a:p>
+        </p:txBody>
+      </p:sp>
+      <p:sp>
+        <p:nvSpPr>
+          <p:cNvPr id="146" name="矩形: 圆角 144">
+            <a:extLst>
+              <a:ext uri="{FF2B5EF4-FFF2-40B4-BE49-F238E27FC236}">
+                <a16:creationId xmlns:a16="http://schemas.microsoft.com/office/drawing/2014/main" id="{EA311515-E3A4-047D-8128-13F0FDF37804}"/>
+              </a:ext>
+            </a:extLst>
+          </p:cNvPr>
+          <p:cNvSpPr/>
+          <p:nvPr/>
+        </p:nvSpPr>
+        <p:spPr>
+          <a:xfrm>
+            <a:off x="713971" y="369000"/>
+            <a:ext cx="2340000" cy="540000"/>
+          </a:xfrm>
+          <a:prstGeom prst="roundRect">
+            <a:avLst/>
+          </a:prstGeom>
+        </p:spPr>
+        <p:style>
+          <a:lnRef idx="1">
+            <a:schemeClr val="accent1"/>
+          </a:lnRef>
+          <a:fillRef idx="3">
+            <a:schemeClr val="accent1"/>
+          </a:fillRef>
+          <a:effectRef idx="2">
+            <a:schemeClr val="accent1"/>
+          </a:effectRef>
+          <a:fontRef idx="minor">
+            <a:schemeClr val="lt1"/>
+          </a:fontRef>
+        </p:style>
+        <p:txBody>
+          <a:bodyPr rtlCol="0" anchor="ctr"/>
+          <a:lstStyle/>
+          <a:p>
+            <a:pPr indent="0" algn="ctr"/>
+            <a:r>
+              <a:rPr lang="zh-CN" altLang="en-US" b="1" dirty="0">
+                <a:latin typeface="微软雅黑" panose="020B0503020204020204" pitchFamily="34" charset="-122"/>
+                <a:ea typeface="微软雅黑" panose="020B0503020204020204" pitchFamily="34" charset="-122"/>
+                <a:cs typeface="宋体" panose="02010600030101010101" pitchFamily="2" charset="-122"/>
+                <a:sym typeface="+mn-ea"/>
+              </a:rPr>
+              <a:t>代码表征学习</a:t>
+            </a:r>
+          </a:p>
+        </p:txBody>
+      </p:sp>
+    </p:spTree>
+    <p:extLst>
+      <p:ext uri="{BB962C8B-B14F-4D97-AF65-F5344CB8AC3E}">
+        <p14:creationId xmlns:p14="http://schemas.microsoft.com/office/powerpoint/2010/main" val="31669864"/>
+      </p:ext>
+    </p:extLst>
+  </p:cSld>
+  <p:clrMapOvr>
+    <a:masterClrMapping/>
+  </p:clrMapOvr>
+</p:sld>
+</file>
+
+<file path=ppt/slides/slide6.xml><?xml version="1.0" encoding="utf-8"?>
+<p:sld xmlns:a="http://schemas.openxmlformats.org/drawingml/2006/main" xmlns:r="http://schemas.openxmlformats.org/officeDocument/2006/relationships" xmlns:p="http://schemas.openxmlformats.org/presentationml/2006/main">
+  <p:cSld>
+    <p:spTree>
+      <p:nvGrpSpPr>
+        <p:cNvPr id="1" name=""/>
+        <p:cNvGrpSpPr/>
+        <p:nvPr/>
+      </p:nvGrpSpPr>
+      <p:grpSpPr>
+        <a:xfrm>
+          <a:off x="0" y="0"/>
+          <a:ext cx="0" cy="0"/>
+          <a:chOff x="0" y="0"/>
+          <a:chExt cx="0" cy="0"/>
+        </a:xfrm>
+      </p:grpSpPr>
+      <p:sp>
+        <p:nvSpPr>
+          <p:cNvPr id="147" name="矩形: 圆角 146">
+            <a:extLst>
+              <a:ext uri="{FF2B5EF4-FFF2-40B4-BE49-F238E27FC236}">
+                <a16:creationId xmlns:a16="http://schemas.microsoft.com/office/drawing/2014/main" id="{AEBC33AC-A008-D85A-2496-B27343C29D5A}"/>
+              </a:ext>
+            </a:extLst>
+          </p:cNvPr>
+          <p:cNvSpPr/>
+          <p:nvPr/>
+        </p:nvSpPr>
+        <p:spPr>
+          <a:xfrm>
+            <a:off x="2279409" y="4891178"/>
+            <a:ext cx="7236998" cy="1728000"/>
+          </a:xfrm>
+          <a:prstGeom prst="roundRect">
+            <a:avLst/>
+          </a:prstGeom>
+          <a:solidFill>
+            <a:schemeClr val="accent1">
+              <a:lumMod val="20000"/>
+              <a:lumOff val="80000"/>
+            </a:schemeClr>
+          </a:solidFill>
+          <a:ln w="6350" cap="flat" cmpd="sng" algn="ctr">
+            <a:solidFill>
+              <a:schemeClr val="accent1">
+                <a:lumMod val="20000"/>
+                <a:lumOff val="80000"/>
+              </a:schemeClr>
+            </a:solidFill>
+            <a:prstDash val="solid"/>
+            <a:round/>
+            <a:headEnd type="none" w="med" len="med"/>
+            <a:tailEnd type="none" w="med" len="med"/>
+          </a:ln>
+          <a:effectLst/>
+        </p:spPr>
+        <p:txBody>
+          <a:bodyPr vert="horz" wrap="square" lIns="91440" tIns="45720" rIns="91440" bIns="45720" numCol="1" rtlCol="0" anchor="ctr" anchorCtr="1" compatLnSpc="1"/>
+          <a:lstStyle/>
+          <a:p>
             <a:pPr algn="ctr">
               <a:spcBef>
                 <a:spcPct val="50000"/>
@@ -11122,35 +12905,35 @@
       </p:sp>
       <p:sp>
         <p:nvSpPr>
-          <p:cNvPr id="141" name="矩形 105">
-            <a:extLst>
-              <a:ext uri="{FF2B5EF4-FFF2-40B4-BE49-F238E27FC236}">
-                <a16:creationId xmlns:a16="http://schemas.microsoft.com/office/drawing/2014/main" id="{198CEDE0-ACDB-401A-6399-0A420DFC96A7}"/>
-              </a:ext>
-            </a:extLst>
-          </p:cNvPr>
-          <p:cNvSpPr>
-            <a:spLocks noChangeArrowheads="1"/>
-          </p:cNvSpPr>
+          <p:cNvPr id="146" name="矩形: 圆角 145">
+            <a:extLst>
+              <a:ext uri="{FF2B5EF4-FFF2-40B4-BE49-F238E27FC236}">
+                <a16:creationId xmlns:a16="http://schemas.microsoft.com/office/drawing/2014/main" id="{484C4D28-CE40-D190-ED25-18C6BC43E327}"/>
+              </a:ext>
+            </a:extLst>
+          </p:cNvPr>
+          <p:cNvSpPr/>
           <p:nvPr/>
         </p:nvSpPr>
-        <p:spPr bwMode="auto">
+        <p:spPr>
           <a:xfrm>
-            <a:off x="9975315" y="3431552"/>
-            <a:ext cx="808384" cy="970295"/>
+            <a:off x="2279409" y="3046866"/>
+            <a:ext cx="7236998" cy="1728000"/>
           </a:xfrm>
           <a:prstGeom prst="roundRect">
             <a:avLst/>
           </a:prstGeom>
           <a:solidFill>
-            <a:schemeClr val="bg1">
-              <a:lumMod val="95000"/>
+            <a:schemeClr val="accent2">
+              <a:lumMod val="20000"/>
+              <a:lumOff val="80000"/>
             </a:schemeClr>
           </a:solidFill>
           <a:ln w="6350" cap="flat" cmpd="sng" algn="ctr">
             <a:solidFill>
-              <a:schemeClr val="bg1">
-                <a:lumMod val="85000"/>
+              <a:schemeClr val="accent2">
+                <a:lumMod val="20000"/>
+                <a:lumOff val="80000"/>
               </a:schemeClr>
             </a:solidFill>
             <a:prstDash val="solid"/>
@@ -11161,12 +12944,155 @@
           <a:effectLst/>
         </p:spPr>
         <p:txBody>
-          <a:bodyPr vert="horz" wrap="square" lIns="0" tIns="0" rIns="0" bIns="0" numCol="1" rtlCol="0" anchor="ctr" anchorCtr="1" compatLnSpc="1"/>
+          <a:bodyPr vert="horz" wrap="square" lIns="91440" tIns="45720" rIns="91440" bIns="45720" numCol="1" rtlCol="0" anchor="ctr" anchorCtr="1" compatLnSpc="1"/>
           <a:lstStyle/>
           <a:p>
-            <a:pPr algn="ctr"/>
+            <a:pPr algn="ctr">
+              <a:spcBef>
+                <a:spcPct val="50000"/>
+              </a:spcBef>
+            </a:pPr>
+            <a:endParaRPr lang="zh-CN" altLang="en-US" kern="0">
+              <a:solidFill>
+                <a:prstClr val="black"/>
+              </a:solidFill>
+              <a:latin typeface="微软雅黑" panose="020B0503020204020204" pitchFamily="34" charset="-122"/>
+              <a:ea typeface="微软雅黑" panose="020B0503020204020204" pitchFamily="34" charset="-122"/>
+              <a:cs typeface="Times New Roman" panose="02020603050405020304" pitchFamily="36" charset="0"/>
+            </a:endParaRPr>
+          </a:p>
+        </p:txBody>
+      </p:sp>
+      <p:sp>
+        <p:nvSpPr>
+          <p:cNvPr id="145" name="矩形: 圆角 144">
+            <a:extLst>
+              <a:ext uri="{FF2B5EF4-FFF2-40B4-BE49-F238E27FC236}">
+                <a16:creationId xmlns:a16="http://schemas.microsoft.com/office/drawing/2014/main" id="{3605F4B4-3DC3-49AD-4429-61AED8B43E21}"/>
+              </a:ext>
+            </a:extLst>
+          </p:cNvPr>
+          <p:cNvSpPr/>
+          <p:nvPr/>
+        </p:nvSpPr>
+        <p:spPr>
+          <a:xfrm>
+            <a:off x="2279408" y="1202554"/>
+            <a:ext cx="7236999" cy="1728000"/>
+          </a:xfrm>
+          <a:prstGeom prst="roundRect">
+            <a:avLst/>
+          </a:prstGeom>
+          <a:solidFill>
+            <a:schemeClr val="bg1">
+              <a:lumMod val="85000"/>
+            </a:schemeClr>
+          </a:solidFill>
+          <a:ln w="6350">
+            <a:solidFill>
+              <a:schemeClr val="bg1">
+                <a:lumMod val="85000"/>
+              </a:schemeClr>
+            </a:solidFill>
+            <a:prstDash val="solid"/>
+            <a:headEnd type="none" w="med" len="med"/>
+            <a:tailEnd type="none" w="med" len="med"/>
+          </a:ln>
+        </p:spPr>
+        <p:style>
+          <a:lnRef idx="2">
+            <a:schemeClr val="accent3"/>
+          </a:lnRef>
+          <a:fillRef idx="1">
+            <a:schemeClr val="lt1"/>
+          </a:fillRef>
+          <a:effectRef idx="0">
+            <a:schemeClr val="accent3"/>
+          </a:effectRef>
+          <a:fontRef idx="minor">
+            <a:schemeClr val="dk1"/>
+          </a:fontRef>
+        </p:style>
+        <p:txBody>
+          <a:bodyPr vert="horz" wrap="square" lIns="91440" tIns="45720" rIns="91440" bIns="45720" numCol="1" rtlCol="0" anchor="ctr" anchorCtr="1" compatLnSpc="1"/>
+          <a:lstStyle/>
+          <a:p>
+            <a:pPr algn="ctr">
+              <a:spcBef>
+                <a:spcPct val="50000"/>
+              </a:spcBef>
+            </a:pPr>
+            <a:endParaRPr lang="zh-CN" altLang="en-US" kern="0">
+              <a:solidFill>
+                <a:prstClr val="black"/>
+              </a:solidFill>
+              <a:latin typeface="微软雅黑" panose="020B0503020204020204" pitchFamily="34" charset="-122"/>
+              <a:ea typeface="微软雅黑" panose="020B0503020204020204" pitchFamily="34" charset="-122"/>
+              <a:cs typeface="Times New Roman" panose="02020603050405020304" pitchFamily="36" charset="0"/>
+            </a:endParaRPr>
+          </a:p>
+        </p:txBody>
+      </p:sp>
+      <p:sp>
+        <p:nvSpPr>
+          <p:cNvPr id="141" name="矩形 105">
+            <a:extLst>
+              <a:ext uri="{FF2B5EF4-FFF2-40B4-BE49-F238E27FC236}">
+                <a16:creationId xmlns:a16="http://schemas.microsoft.com/office/drawing/2014/main" id="{198CEDE0-ACDB-401A-6399-0A420DFC96A7}"/>
+              </a:ext>
+            </a:extLst>
+          </p:cNvPr>
+          <p:cNvSpPr>
+            <a:spLocks noChangeArrowheads="1"/>
+          </p:cNvSpPr>
+          <p:nvPr/>
+        </p:nvSpPr>
+        <p:spPr bwMode="auto">
+          <a:xfrm>
+            <a:off x="9975315" y="3431552"/>
+            <a:ext cx="808384" cy="970295"/>
+          </a:xfrm>
+          <a:prstGeom prst="roundRect">
+            <a:avLst/>
+          </a:prstGeom>
+          <a:solidFill>
+            <a:schemeClr val="accent6">
+              <a:lumMod val="20000"/>
+              <a:lumOff val="80000"/>
+            </a:schemeClr>
+          </a:solidFill>
+          <a:ln w="6350">
+            <a:solidFill>
+              <a:schemeClr val="accent6">
+                <a:lumMod val="20000"/>
+                <a:lumOff val="80000"/>
+              </a:schemeClr>
+            </a:solidFill>
+            <a:prstDash val="solid"/>
+            <a:headEnd type="none" w="med" len="med"/>
+            <a:tailEnd type="none" w="med" len="med"/>
+          </a:ln>
+        </p:spPr>
+        <p:style>
+          <a:lnRef idx="2">
+            <a:schemeClr val="accent4"/>
+          </a:lnRef>
+          <a:fillRef idx="1">
+            <a:schemeClr val="lt1"/>
+          </a:fillRef>
+          <a:effectRef idx="0">
+            <a:schemeClr val="accent4"/>
+          </a:effectRef>
+          <a:fontRef idx="minor">
+            <a:schemeClr val="dk1"/>
+          </a:fontRef>
+        </p:style>
+        <p:txBody>
+          <a:bodyPr vert="horz" wrap="square" lIns="91440" tIns="45720" rIns="91440" bIns="45720" numCol="1" rtlCol="0" anchor="ctr" anchorCtr="1" compatLnSpc="1"/>
+          <a:lstStyle/>
+          <a:p>
             <a:r>
-              <a:rPr lang="zh-CN" altLang="en-US" b="1" kern="0" dirty="0">
+              <a:rPr lang="zh-CN" altLang="en-US" kern="0">
                 <a:solidFill>
                   <a:prstClr val="black"/>
                 </a:solidFill>
@@ -11176,7 +13102,7 @@
               </a:rPr>
               <a:t>特征</a:t>
             </a:r>
-            <a:endParaRPr lang="en-US" altLang="zh-CN" b="1" kern="0" dirty="0">
+            <a:endParaRPr lang="en-US" altLang="zh-CN" kern="0" dirty="0">
               <a:solidFill>
                 <a:prstClr val="black"/>
               </a:solidFill>
@@ -11186,9 +13112,8 @@
             </a:endParaRPr>
           </a:p>
           <a:p>
-            <a:pPr algn="ctr"/>
             <a:r>
-              <a:rPr lang="zh-CN" altLang="en-US" b="1" kern="0" dirty="0">
+              <a:rPr lang="zh-CN" altLang="en-US" kern="0" dirty="0">
                 <a:solidFill>
                   <a:prstClr val="black"/>
                 </a:solidFill>
@@ -11976,38 +13901,44 @@
             <a:avLst/>
           </a:prstGeom>
           <a:solidFill>
-            <a:srgbClr val="A7E1C5">
-              <a:alpha val="50196"/>
-            </a:srgbClr>
+            <a:schemeClr val="bg2">
+              <a:lumMod val="85000"/>
+            </a:schemeClr>
           </a:solidFill>
           <a:ln>
             <a:solidFill>
-              <a:schemeClr val="tx1"/>
+              <a:schemeClr val="bg1"/>
             </a:solidFill>
           </a:ln>
         </p:spPr>
         <p:style>
           <a:lnRef idx="2">
-            <a:schemeClr val="accent1">
-              <a:shade val="50000"/>
-            </a:schemeClr>
+            <a:schemeClr val="accent4"/>
           </a:lnRef>
           <a:fillRef idx="1">
-            <a:schemeClr val="accent1"/>
+            <a:schemeClr val="lt1"/>
           </a:fillRef>
           <a:effectRef idx="0">
-            <a:schemeClr val="accent1"/>
+            <a:schemeClr val="accent4"/>
           </a:effectRef>
           <a:fontRef idx="minor">
-            <a:schemeClr val="lt1"/>
+            <a:schemeClr val="dk1"/>
           </a:fontRef>
         </p:style>
         <p:txBody>
-          <a:bodyPr rtlCol="0" anchor="ctr"/>
+          <a:bodyPr vertOverflow="overflow" horzOverflow="overflow" vert="horz" wrap="square" numCol="1" spcCol="0" rtlCol="0" fromWordArt="0" anchor="ctr" anchorCtr="0" forceAA="0" compatLnSpc="1">
+            <a:noAutofit/>
+          </a:bodyPr>
           <a:lstStyle/>
           <a:p>
             <a:pPr algn="ctr"/>
-            <a:endParaRPr lang="zh-CN" altLang="en-US"/>
+            <a:endParaRPr lang="zh-CN" altLang="en-US">
+              <a:solidFill>
+                <a:schemeClr val="dk1"/>
+              </a:solidFill>
+              <a:latin typeface="微软雅黑" panose="020B0503020204020204" pitchFamily="34" charset="-122"/>
+              <a:ea typeface="微软雅黑" panose="020B0503020204020204" pitchFamily="34" charset="-122"/>
+            </a:endParaRPr>
           </a:p>
         </p:txBody>
       </p:sp>
@@ -18187,7 +20118,7 @@
                 <a:cs typeface="宋体" panose="02010600030101010101" pitchFamily="2" charset="-122"/>
                 <a:sym typeface="+mn-ea"/>
               </a:rPr>
-              <a:t>代码处理</a:t>
+              <a:t>代码预处理</a:t>
             </a:r>
           </a:p>
         </p:txBody>
@@ -18300,1917 +20231,6 @@
     <p:extLst>
       <p:ext uri="{BB962C8B-B14F-4D97-AF65-F5344CB8AC3E}">
         <p14:creationId xmlns:p14="http://schemas.microsoft.com/office/powerpoint/2010/main" val="1880855840"/>
-      </p:ext>
-    </p:extLst>
-  </p:cSld>
-  <p:clrMapOvr>
-    <a:masterClrMapping/>
-  </p:clrMapOvr>
-</p:sld>
-</file>
-
-<file path=ppt/slides/slide6.xml><?xml version="1.0" encoding="utf-8"?>
-<p:sld xmlns:a="http://schemas.openxmlformats.org/drawingml/2006/main" xmlns:r="http://schemas.openxmlformats.org/officeDocument/2006/relationships" xmlns:p="http://schemas.openxmlformats.org/presentationml/2006/main">
-  <p:cSld>
-    <p:spTree>
-      <p:nvGrpSpPr>
-        <p:cNvPr id="1" name=""/>
-        <p:cNvGrpSpPr/>
-        <p:nvPr/>
-      </p:nvGrpSpPr>
-      <p:grpSpPr>
-        <a:xfrm>
-          <a:off x="0" y="0"/>
-          <a:ext cx="0" cy="0"/>
-          <a:chOff x="0" y="0"/>
-          <a:chExt cx="0" cy="0"/>
-        </a:xfrm>
-      </p:grpSpPr>
-      <p:sp>
-        <p:nvSpPr>
-          <p:cNvPr id="92" name="矩形 91">
-            <a:extLst>
-              <a:ext uri="{FF2B5EF4-FFF2-40B4-BE49-F238E27FC236}">
-                <a16:creationId xmlns:a16="http://schemas.microsoft.com/office/drawing/2014/main" id="{8A3001DC-98E6-2919-99D0-B660C40B8E6E}"/>
-              </a:ext>
-            </a:extLst>
-          </p:cNvPr>
-          <p:cNvSpPr/>
-          <p:nvPr/>
-        </p:nvSpPr>
-        <p:spPr bwMode="auto">
-          <a:xfrm>
-            <a:off x="6180536" y="369000"/>
-            <a:ext cx="2346066" cy="6120000"/>
-          </a:xfrm>
-          <a:prstGeom prst="rect">
-            <a:avLst/>
-          </a:prstGeom>
-          <a:solidFill>
-            <a:schemeClr val="bg1">
-              <a:lumMod val="95000"/>
-            </a:schemeClr>
-          </a:solidFill>
-          <a:ln w="6350" cap="flat" cmpd="sng" algn="ctr">
-            <a:noFill/>
-            <a:prstDash val="dash"/>
-            <a:round/>
-            <a:headEnd type="none" w="med" len="med"/>
-            <a:tailEnd type="none" w="med" len="med"/>
-          </a:ln>
-          <a:effectLst/>
-        </p:spPr>
-        <p:txBody>
-          <a:bodyPr vert="horz" wrap="square" lIns="91440" tIns="45720" rIns="91440" bIns="45720" numCol="1" rtlCol="0" anchor="t" anchorCtr="0" compatLnSpc="1"/>
-          <a:lstStyle/>
-          <a:p>
-            <a:pPr marL="0" marR="0" lvl="0" indent="0" algn="ctr" defTabSz="914400" eaLnBrk="1" fontAlgn="auto" latinLnBrk="0" hangingPunct="1">
-              <a:lnSpc>
-                <a:spcPct val="100000"/>
-              </a:lnSpc>
-              <a:spcBef>
-                <a:spcPct val="50000"/>
-              </a:spcBef>
-              <a:spcAft>
-                <a:spcPts val="0"/>
-              </a:spcAft>
-              <a:buClrTx/>
-              <a:buSzTx/>
-              <a:buFontTx/>
-              <a:buNone/>
-              <a:defRPr/>
-            </a:pPr>
-            <a:endParaRPr kumimoji="0" lang="zh-CN" altLang="en-US" sz="1600" b="0" i="1" u="none" strike="noStrike" kern="0" cap="none" spc="0" normalizeH="0" baseline="0" noProof="0">
-              <a:ln>
-                <a:noFill/>
-              </a:ln>
-              <a:solidFill>
-                <a:prstClr val="black"/>
-              </a:solidFill>
-              <a:effectLst/>
-              <a:uLnTx/>
-              <a:uFillTx/>
-              <a:latin typeface="微软雅黑" panose="020B0503020204020204" pitchFamily="34" charset="-122"/>
-              <a:ea typeface="微软雅黑" panose="020B0503020204020204" pitchFamily="34" charset="-122"/>
-              <a:cs typeface="Times New Roman" panose="02020603050405020304" pitchFamily="36" charset="0"/>
-            </a:endParaRPr>
-          </a:p>
-        </p:txBody>
-      </p:sp>
-      <p:sp>
-        <p:nvSpPr>
-          <p:cNvPr id="59" name="下箭头 32">
-            <a:extLst>
-              <a:ext uri="{FF2B5EF4-FFF2-40B4-BE49-F238E27FC236}">
-                <a16:creationId xmlns:a16="http://schemas.microsoft.com/office/drawing/2014/main" id="{885B482C-3640-95C5-39A4-C6DA3F97CDB1}"/>
-              </a:ext>
-            </a:extLst>
-          </p:cNvPr>
-          <p:cNvSpPr/>
-          <p:nvPr/>
-        </p:nvSpPr>
-        <p:spPr>
-          <a:xfrm rot="16200000">
-            <a:off x="5299751" y="3157020"/>
-            <a:ext cx="1441450" cy="549275"/>
-          </a:xfrm>
-          <a:prstGeom prst="downArrow">
-            <a:avLst/>
-          </a:prstGeom>
-          <a:solidFill>
-            <a:schemeClr val="bg2">
-              <a:lumMod val="85000"/>
-            </a:schemeClr>
-          </a:solidFill>
-          <a:ln>
-            <a:solidFill>
-              <a:schemeClr val="bg1"/>
-            </a:solidFill>
-          </a:ln>
-        </p:spPr>
-        <p:style>
-          <a:lnRef idx="2">
-            <a:schemeClr val="accent4"/>
-          </a:lnRef>
-          <a:fillRef idx="1">
-            <a:schemeClr val="lt1"/>
-          </a:fillRef>
-          <a:effectRef idx="0">
-            <a:schemeClr val="accent4"/>
-          </a:effectRef>
-          <a:fontRef idx="minor">
-            <a:schemeClr val="dk1"/>
-          </a:fontRef>
-        </p:style>
-        <p:txBody>
-          <a:bodyPr vertOverflow="overflow" horzOverflow="overflow" vert="horz" wrap="square" numCol="1" spcCol="0" rtlCol="0" fromWordArt="0" anchor="ctr" anchorCtr="0" forceAA="0" compatLnSpc="1">
-            <a:noAutofit/>
-          </a:bodyPr>
-          <a:lstStyle/>
-          <a:p>
-            <a:pPr lvl="0" algn="ctr">
-              <a:buClrTx/>
-              <a:buSzTx/>
-              <a:buFontTx/>
-            </a:pPr>
-            <a:endParaRPr lang="zh-CN" altLang="en-US" dirty="0">
-              <a:latin typeface="微软雅黑" panose="020B0503020204020204" pitchFamily="34" charset="-122"/>
-              <a:ea typeface="微软雅黑" panose="020B0503020204020204" pitchFamily="34" charset="-122"/>
-              <a:sym typeface="+mn-ea"/>
-            </a:endParaRPr>
-          </a:p>
-        </p:txBody>
-      </p:sp>
-      <p:sp>
-        <p:nvSpPr>
-          <p:cNvPr id="61" name="矩形 60">
-            <a:extLst>
-              <a:ext uri="{FF2B5EF4-FFF2-40B4-BE49-F238E27FC236}">
-                <a16:creationId xmlns:a16="http://schemas.microsoft.com/office/drawing/2014/main" id="{2687B57F-4C55-49DD-1714-2BE8E9BBF894}"/>
-              </a:ext>
-            </a:extLst>
-          </p:cNvPr>
-          <p:cNvSpPr/>
-          <p:nvPr/>
-        </p:nvSpPr>
-        <p:spPr bwMode="auto">
-          <a:xfrm>
-            <a:off x="8886025" y="369000"/>
-            <a:ext cx="2340000" cy="6120000"/>
-          </a:xfrm>
-          <a:prstGeom prst="rect">
-            <a:avLst/>
-          </a:prstGeom>
-          <a:solidFill>
-            <a:schemeClr val="bg1">
-              <a:lumMod val="95000"/>
-            </a:schemeClr>
-          </a:solidFill>
-          <a:ln w="6350" cap="flat" cmpd="sng" algn="ctr">
-            <a:noFill/>
-            <a:prstDash val="dash"/>
-            <a:round/>
-            <a:headEnd type="none" w="med" len="med"/>
-            <a:tailEnd type="none" w="med" len="med"/>
-          </a:ln>
-          <a:effectLst/>
-        </p:spPr>
-        <p:txBody>
-          <a:bodyPr vert="horz" wrap="square" lIns="91440" tIns="45720" rIns="91440" bIns="45720" numCol="1" rtlCol="0" anchor="t" anchorCtr="0" compatLnSpc="1"/>
-          <a:lstStyle/>
-          <a:p>
-            <a:pPr marL="0" marR="0" lvl="0" indent="0" algn="ctr" defTabSz="914400" eaLnBrk="1" fontAlgn="auto" latinLnBrk="0" hangingPunct="1">
-              <a:lnSpc>
-                <a:spcPct val="100000"/>
-              </a:lnSpc>
-              <a:spcBef>
-                <a:spcPct val="50000"/>
-              </a:spcBef>
-              <a:spcAft>
-                <a:spcPts val="0"/>
-              </a:spcAft>
-              <a:buClrTx/>
-              <a:buSzTx/>
-              <a:buFontTx/>
-              <a:buNone/>
-              <a:defRPr/>
-            </a:pPr>
-            <a:endParaRPr kumimoji="0" lang="zh-CN" altLang="en-US" sz="1600" b="0" i="1" u="none" strike="noStrike" kern="0" cap="none" spc="0" normalizeH="0" baseline="0" noProof="0">
-              <a:ln>
-                <a:noFill/>
-              </a:ln>
-              <a:solidFill>
-                <a:prstClr val="black"/>
-              </a:solidFill>
-              <a:effectLst/>
-              <a:uLnTx/>
-              <a:uFillTx/>
-              <a:latin typeface="微软雅黑" panose="020B0503020204020204" pitchFamily="34" charset="-122"/>
-              <a:ea typeface="微软雅黑" panose="020B0503020204020204" pitchFamily="34" charset="-122"/>
-              <a:cs typeface="Times New Roman" panose="02020603050405020304" pitchFamily="36" charset="0"/>
-            </a:endParaRPr>
-          </a:p>
-        </p:txBody>
-      </p:sp>
-      <p:sp>
-        <p:nvSpPr>
-          <p:cNvPr id="63" name="矩形: 圆角 144">
-            <a:extLst>
-              <a:ext uri="{FF2B5EF4-FFF2-40B4-BE49-F238E27FC236}">
-                <a16:creationId xmlns:a16="http://schemas.microsoft.com/office/drawing/2014/main" id="{57E7AB7A-DE68-5253-AAEE-410749B2F8C5}"/>
-              </a:ext>
-            </a:extLst>
-          </p:cNvPr>
-          <p:cNvSpPr/>
-          <p:nvPr/>
-        </p:nvSpPr>
-        <p:spPr>
-          <a:xfrm>
-            <a:off x="6162007" y="369000"/>
-            <a:ext cx="2340000" cy="540000"/>
-          </a:xfrm>
-          <a:prstGeom prst="roundRect">
-            <a:avLst/>
-          </a:prstGeom>
-        </p:spPr>
-        <p:style>
-          <a:lnRef idx="1">
-            <a:schemeClr val="accent1"/>
-          </a:lnRef>
-          <a:fillRef idx="3">
-            <a:schemeClr val="accent1"/>
-          </a:fillRef>
-          <a:effectRef idx="2">
-            <a:schemeClr val="accent1"/>
-          </a:effectRef>
-          <a:fontRef idx="minor">
-            <a:schemeClr val="lt1"/>
-          </a:fontRef>
-        </p:style>
-        <p:txBody>
-          <a:bodyPr rtlCol="0" anchor="ctr"/>
-          <a:lstStyle/>
-          <a:p>
-            <a:pPr indent="0" algn="ctr"/>
-            <a:r>
-              <a:rPr lang="zh-CN" altLang="en-US" b="1" dirty="0">
-                <a:latin typeface="微软雅黑" panose="020B0503020204020204" pitchFamily="34" charset="-122"/>
-                <a:ea typeface="微软雅黑" panose="020B0503020204020204" pitchFamily="34" charset="-122"/>
-                <a:cs typeface="宋体" panose="02010600030101010101" pitchFamily="2" charset="-122"/>
-                <a:sym typeface="+mn-ea"/>
-              </a:rPr>
-              <a:t>论文研究内容</a:t>
-            </a:r>
-          </a:p>
-        </p:txBody>
-      </p:sp>
-      <p:sp>
-        <p:nvSpPr>
-          <p:cNvPr id="78" name="矩形 77">
-            <a:extLst>
-              <a:ext uri="{FF2B5EF4-FFF2-40B4-BE49-F238E27FC236}">
-                <a16:creationId xmlns:a16="http://schemas.microsoft.com/office/drawing/2014/main" id="{6B54FF39-1C1F-498B-7C14-2E35BAC4E9F5}"/>
-              </a:ext>
-            </a:extLst>
-          </p:cNvPr>
-          <p:cNvSpPr/>
-          <p:nvPr/>
-        </p:nvSpPr>
-        <p:spPr bwMode="auto">
-          <a:xfrm>
-            <a:off x="3423553" y="369000"/>
-            <a:ext cx="2372964" cy="6120000"/>
-          </a:xfrm>
-          <a:prstGeom prst="rect">
-            <a:avLst/>
-          </a:prstGeom>
-          <a:solidFill>
-            <a:schemeClr val="bg1">
-              <a:lumMod val="95000"/>
-            </a:schemeClr>
-          </a:solidFill>
-          <a:ln w="6350" cap="flat" cmpd="sng" algn="ctr">
-            <a:noFill/>
-            <a:prstDash val="dash"/>
-            <a:round/>
-            <a:headEnd type="none" w="med" len="med"/>
-            <a:tailEnd type="none" w="med" len="med"/>
-          </a:ln>
-          <a:effectLst/>
-        </p:spPr>
-        <p:txBody>
-          <a:bodyPr vert="horz" wrap="square" lIns="91440" tIns="45720" rIns="91440" bIns="45720" numCol="1" rtlCol="0" anchor="t" anchorCtr="0" compatLnSpc="1"/>
-          <a:lstStyle/>
-          <a:p>
-            <a:pPr marL="0" marR="0" lvl="0" indent="0" algn="ctr" defTabSz="914400" eaLnBrk="1" fontAlgn="auto" latinLnBrk="0" hangingPunct="1">
-              <a:lnSpc>
-                <a:spcPct val="100000"/>
-              </a:lnSpc>
-              <a:spcBef>
-                <a:spcPct val="50000"/>
-              </a:spcBef>
-              <a:spcAft>
-                <a:spcPts val="0"/>
-              </a:spcAft>
-              <a:buClrTx/>
-              <a:buSzTx/>
-              <a:buFontTx/>
-              <a:buNone/>
-              <a:defRPr/>
-            </a:pPr>
-            <a:endParaRPr kumimoji="0" lang="zh-CN" altLang="en-US" sz="1600" b="0" i="1" u="none" strike="noStrike" kern="0" cap="none" spc="0" normalizeH="0" baseline="0" noProof="0">
-              <a:ln>
-                <a:noFill/>
-              </a:ln>
-              <a:solidFill>
-                <a:prstClr val="black"/>
-              </a:solidFill>
-              <a:effectLst/>
-              <a:uLnTx/>
-              <a:uFillTx/>
-              <a:latin typeface="微软雅黑" panose="020B0503020204020204" pitchFamily="34" charset="-122"/>
-              <a:ea typeface="微软雅黑" panose="020B0503020204020204" pitchFamily="34" charset="-122"/>
-              <a:cs typeface="Times New Roman" panose="02020603050405020304" pitchFamily="36" charset="0"/>
-            </a:endParaRPr>
-          </a:p>
-        </p:txBody>
-      </p:sp>
-      <p:sp>
-        <p:nvSpPr>
-          <p:cNvPr id="79" name="矩形: 圆角 144">
-            <a:extLst>
-              <a:ext uri="{FF2B5EF4-FFF2-40B4-BE49-F238E27FC236}">
-                <a16:creationId xmlns:a16="http://schemas.microsoft.com/office/drawing/2014/main" id="{F8339C0C-39E6-B9FD-7CB5-85A3FCD32BFD}"/>
-              </a:ext>
-            </a:extLst>
-          </p:cNvPr>
-          <p:cNvSpPr/>
-          <p:nvPr/>
-        </p:nvSpPr>
-        <p:spPr>
-          <a:xfrm>
-            <a:off x="3437989" y="369000"/>
-            <a:ext cx="2340000" cy="540000"/>
-          </a:xfrm>
-          <a:prstGeom prst="roundRect">
-            <a:avLst/>
-          </a:prstGeom>
-        </p:spPr>
-        <p:style>
-          <a:lnRef idx="1">
-            <a:schemeClr val="accent1"/>
-          </a:lnRef>
-          <a:fillRef idx="3">
-            <a:schemeClr val="accent1"/>
-          </a:fillRef>
-          <a:effectRef idx="2">
-            <a:schemeClr val="accent1"/>
-          </a:effectRef>
-          <a:fontRef idx="minor">
-            <a:schemeClr val="lt1"/>
-          </a:fontRef>
-        </p:style>
-        <p:txBody>
-          <a:bodyPr rtlCol="0" anchor="ctr"/>
-          <a:lstStyle/>
-          <a:p>
-            <a:pPr indent="0" algn="ctr"/>
-            <a:r>
-              <a:rPr lang="zh-CN" altLang="en-US" b="1" dirty="0">
-                <a:latin typeface="微软雅黑" panose="020B0503020204020204" pitchFamily="34" charset="-122"/>
-                <a:ea typeface="微软雅黑" panose="020B0503020204020204" pitchFamily="34" charset="-122"/>
-                <a:cs typeface="宋体" panose="02010600030101010101" pitchFamily="2" charset="-122"/>
-                <a:sym typeface="+mn-ea"/>
-              </a:rPr>
-              <a:t>待解决的关键问题</a:t>
-            </a:r>
-          </a:p>
-        </p:txBody>
-      </p:sp>
-      <p:sp>
-        <p:nvSpPr>
-          <p:cNvPr id="81" name="矩形: 圆角 124">
-            <a:extLst>
-              <a:ext uri="{FF2B5EF4-FFF2-40B4-BE49-F238E27FC236}">
-                <a16:creationId xmlns:a16="http://schemas.microsoft.com/office/drawing/2014/main" id="{94B60D41-6DBD-2FD0-AC35-1D342836425E}"/>
-              </a:ext>
-            </a:extLst>
-          </p:cNvPr>
-          <p:cNvSpPr/>
-          <p:nvPr/>
-        </p:nvSpPr>
-        <p:spPr bwMode="auto">
-          <a:xfrm>
-            <a:off x="3617989" y="3958050"/>
-            <a:ext cx="1980000" cy="1008000"/>
-          </a:xfrm>
-          <a:prstGeom prst="roundRect">
-            <a:avLst/>
-          </a:prstGeom>
-          <a:solidFill>
-            <a:schemeClr val="accent1">
-              <a:lumMod val="20000"/>
-              <a:lumOff val="80000"/>
-            </a:schemeClr>
-          </a:solidFill>
-          <a:ln w="6350" cap="flat" cmpd="sng" algn="ctr">
-            <a:solidFill>
-              <a:schemeClr val="accent1">
-                <a:lumMod val="20000"/>
-                <a:lumOff val="80000"/>
-              </a:schemeClr>
-            </a:solidFill>
-            <a:prstDash val="solid"/>
-            <a:round/>
-            <a:headEnd type="none" w="med" len="med"/>
-            <a:tailEnd type="none" w="med" len="med"/>
-          </a:ln>
-          <a:effectLst/>
-        </p:spPr>
-        <p:txBody>
-          <a:bodyPr vert="horz" wrap="square" lIns="91440" tIns="45720" rIns="91440" bIns="45720" numCol="1" rtlCol="0" anchor="ctr" anchorCtr="1" compatLnSpc="1"/>
-          <a:lstStyle/>
-          <a:p>
-            <a:pPr>
-              <a:spcBef>
-                <a:spcPct val="50000"/>
-              </a:spcBef>
-            </a:pPr>
-            <a:r>
-              <a:rPr lang="zh-CN" altLang="en-US" kern="0" dirty="0">
-                <a:solidFill>
-                  <a:prstClr val="black"/>
-                </a:solidFill>
-                <a:latin typeface="微软雅黑" panose="020B0503020204020204" pitchFamily="34" charset="-122"/>
-                <a:ea typeface="微软雅黑" panose="020B0503020204020204" pitchFamily="34" charset="-122"/>
-                <a:cs typeface="Times New Roman" panose="02020603050405020304" pitchFamily="36" charset="0"/>
-                <a:sym typeface="+mn-ea"/>
-              </a:rPr>
-              <a:t>有</a:t>
-            </a:r>
-            <a:r>
-              <a:rPr lang="zh-CN" altLang="en-US" kern="0">
-                <a:solidFill>
-                  <a:prstClr val="black"/>
-                </a:solidFill>
-                <a:latin typeface="微软雅黑" panose="020B0503020204020204" pitchFamily="34" charset="-122"/>
-                <a:ea typeface="微软雅黑" panose="020B0503020204020204" pitchFamily="34" charset="-122"/>
-                <a:cs typeface="Times New Roman" panose="02020603050405020304" pitchFamily="36" charset="0"/>
-                <a:sym typeface="+mn-ea"/>
-              </a:rPr>
-              <a:t>向多重图</a:t>
-            </a:r>
-            <a:r>
-              <a:rPr lang="en-US" altLang="zh-CN" kern="0" dirty="0">
-                <a:solidFill>
-                  <a:prstClr val="black"/>
-                </a:solidFill>
-                <a:latin typeface="微软雅黑" panose="020B0503020204020204" pitchFamily="34" charset="-122"/>
-                <a:ea typeface="微软雅黑" panose="020B0503020204020204" pitchFamily="34" charset="-122"/>
-                <a:cs typeface="Times New Roman" panose="02020603050405020304" pitchFamily="36" charset="0"/>
-                <a:sym typeface="+mn-ea"/>
-              </a:rPr>
-              <a:t>,</a:t>
-            </a:r>
-            <a:r>
-              <a:rPr lang="zh-CN" altLang="en-US" kern="0" dirty="0">
-                <a:solidFill>
-                  <a:prstClr val="black"/>
-                </a:solidFill>
-                <a:latin typeface="微软雅黑" panose="020B0503020204020204" pitchFamily="34" charset="-122"/>
-                <a:ea typeface="微软雅黑" panose="020B0503020204020204" pitchFamily="34" charset="-122"/>
-                <a:cs typeface="Times New Roman" panose="02020603050405020304" pitchFamily="36" charset="0"/>
-                <a:sym typeface="+mn-ea"/>
-              </a:rPr>
-              <a:t>采用图匹配算法，规模开销巨大</a:t>
-            </a:r>
-          </a:p>
-        </p:txBody>
-      </p:sp>
-      <p:sp>
-        <p:nvSpPr>
-          <p:cNvPr id="84" name="矩形: 圆角 124">
-            <a:extLst>
-              <a:ext uri="{FF2B5EF4-FFF2-40B4-BE49-F238E27FC236}">
-                <a16:creationId xmlns:a16="http://schemas.microsoft.com/office/drawing/2014/main" id="{9E1BA862-C757-5A33-B4DA-AC34E2A45462}"/>
-              </a:ext>
-            </a:extLst>
-          </p:cNvPr>
-          <p:cNvSpPr/>
-          <p:nvPr/>
-        </p:nvSpPr>
-        <p:spPr bwMode="auto">
-          <a:xfrm>
-            <a:off x="3617989" y="2581112"/>
-            <a:ext cx="1980000" cy="1008000"/>
-          </a:xfrm>
-          <a:prstGeom prst="roundRect">
-            <a:avLst/>
-          </a:prstGeom>
-          <a:solidFill>
-            <a:schemeClr val="accent2">
-              <a:lumMod val="20000"/>
-              <a:lumOff val="80000"/>
-            </a:schemeClr>
-          </a:solidFill>
-          <a:ln w="6350" cap="flat" cmpd="sng" algn="ctr">
-            <a:solidFill>
-              <a:schemeClr val="accent2">
-                <a:lumMod val="20000"/>
-                <a:lumOff val="80000"/>
-              </a:schemeClr>
-            </a:solidFill>
-            <a:prstDash val="solid"/>
-            <a:round/>
-            <a:headEnd type="none" w="med" len="med"/>
-            <a:tailEnd type="none" w="med" len="med"/>
-          </a:ln>
-          <a:effectLst/>
-        </p:spPr>
-        <p:txBody>
-          <a:bodyPr vert="horz" wrap="square" lIns="91440" tIns="45720" rIns="91440" bIns="45720" numCol="1" rtlCol="0" anchor="ctr" anchorCtr="1" compatLnSpc="1"/>
-          <a:lstStyle/>
-          <a:p>
-            <a:pPr>
-              <a:spcBef>
-                <a:spcPct val="50000"/>
-              </a:spcBef>
-            </a:pPr>
-            <a:r>
-              <a:rPr lang="en-US" altLang="zh-CN" kern="0" dirty="0">
-                <a:solidFill>
-                  <a:prstClr val="black"/>
-                </a:solidFill>
-                <a:latin typeface="微软雅黑" panose="020B0503020204020204" pitchFamily="34" charset="-122"/>
-                <a:ea typeface="微软雅黑" panose="020B0503020204020204" pitchFamily="34" charset="-122"/>
-                <a:cs typeface="Times New Roman" panose="02020603050405020304" pitchFamily="36" charset="0"/>
-                <a:sym typeface="+mn-ea"/>
-              </a:rPr>
-              <a:t>AST</a:t>
-            </a:r>
-            <a:r>
-              <a:rPr lang="zh-CN" altLang="en-US" kern="0" dirty="0">
-                <a:solidFill>
-                  <a:prstClr val="black"/>
-                </a:solidFill>
-                <a:latin typeface="微软雅黑" panose="020B0503020204020204" pitchFamily="34" charset="-122"/>
-                <a:ea typeface="微软雅黑" panose="020B0503020204020204" pitchFamily="34" charset="-122"/>
-                <a:cs typeface="Times New Roman" panose="02020603050405020304" pitchFamily="36" charset="0"/>
-                <a:sym typeface="+mn-ea"/>
-              </a:rPr>
-              <a:t>转换过程中增加树高度，导致梯度消失</a:t>
-            </a:r>
-          </a:p>
-        </p:txBody>
-      </p:sp>
-      <p:sp>
-        <p:nvSpPr>
-          <p:cNvPr id="87" name="矩形: 圆角 124">
-            <a:extLst>
-              <a:ext uri="{FF2B5EF4-FFF2-40B4-BE49-F238E27FC236}">
-                <a16:creationId xmlns:a16="http://schemas.microsoft.com/office/drawing/2014/main" id="{105BC221-3869-65E4-FC96-500DA488A54F}"/>
-              </a:ext>
-            </a:extLst>
-          </p:cNvPr>
-          <p:cNvSpPr/>
-          <p:nvPr/>
-        </p:nvSpPr>
-        <p:spPr bwMode="auto">
-          <a:xfrm>
-            <a:off x="3617989" y="1198056"/>
-            <a:ext cx="1980000" cy="1008000"/>
-          </a:xfrm>
-          <a:prstGeom prst="roundRect">
-            <a:avLst/>
-          </a:prstGeom>
-          <a:solidFill>
-            <a:schemeClr val="bg1">
-              <a:lumMod val="85000"/>
-            </a:schemeClr>
-          </a:solidFill>
-          <a:ln w="6350">
-            <a:solidFill>
-              <a:schemeClr val="bg1">
-                <a:lumMod val="85000"/>
-              </a:schemeClr>
-            </a:solidFill>
-            <a:prstDash val="solid"/>
-            <a:headEnd type="none" w="med" len="med"/>
-            <a:tailEnd type="none" w="med" len="med"/>
-          </a:ln>
-        </p:spPr>
-        <p:style>
-          <a:lnRef idx="2">
-            <a:schemeClr val="accent3"/>
-          </a:lnRef>
-          <a:fillRef idx="1">
-            <a:schemeClr val="lt1"/>
-          </a:fillRef>
-          <a:effectRef idx="0">
-            <a:schemeClr val="accent3"/>
-          </a:effectRef>
-          <a:fontRef idx="minor">
-            <a:schemeClr val="dk1"/>
-          </a:fontRef>
-        </p:style>
-        <p:txBody>
-          <a:bodyPr vert="horz" wrap="square" lIns="91440" tIns="45720" rIns="91440" bIns="45720" numCol="1" rtlCol="0" anchor="ctr" anchorCtr="1" compatLnSpc="1"/>
-          <a:lstStyle/>
-          <a:p>
-            <a:pPr>
-              <a:spcBef>
-                <a:spcPct val="50000"/>
-              </a:spcBef>
-            </a:pPr>
-            <a:r>
-              <a:rPr lang="zh-CN" altLang="en-US" kern="0" dirty="0">
-                <a:solidFill>
-                  <a:prstClr val="black"/>
-                </a:solidFill>
-                <a:latin typeface="微软雅黑" panose="020B0503020204020204" pitchFamily="34" charset="-122"/>
-                <a:ea typeface="微软雅黑" panose="020B0503020204020204" pitchFamily="34" charset="-122"/>
-                <a:cs typeface="Times New Roman" panose="02020603050405020304" pitchFamily="36" charset="0"/>
-                <a:sym typeface="+mn-ea"/>
-              </a:rPr>
-              <a:t>词汇单元规范化后，在词汇表查找不到</a:t>
-            </a:r>
-          </a:p>
-        </p:txBody>
-      </p:sp>
-      <p:sp>
-        <p:nvSpPr>
-          <p:cNvPr id="90" name="矩形: 圆角 124">
-            <a:extLst>
-              <a:ext uri="{FF2B5EF4-FFF2-40B4-BE49-F238E27FC236}">
-                <a16:creationId xmlns:a16="http://schemas.microsoft.com/office/drawing/2014/main" id="{D72877EF-F476-CD21-85B5-AD1116FF8FB3}"/>
-              </a:ext>
-            </a:extLst>
-          </p:cNvPr>
-          <p:cNvSpPr/>
-          <p:nvPr/>
-        </p:nvSpPr>
-        <p:spPr bwMode="auto">
-          <a:xfrm>
-            <a:off x="3617989" y="5305491"/>
-            <a:ext cx="1980000" cy="1008000"/>
-          </a:xfrm>
-          <a:prstGeom prst="roundRect">
-            <a:avLst/>
-          </a:prstGeom>
-          <a:solidFill>
-            <a:schemeClr val="accent6">
-              <a:lumMod val="20000"/>
-              <a:lumOff val="80000"/>
-            </a:schemeClr>
-          </a:solidFill>
-          <a:ln w="6350">
-            <a:solidFill>
-              <a:schemeClr val="accent6">
-                <a:lumMod val="20000"/>
-                <a:lumOff val="80000"/>
-              </a:schemeClr>
-            </a:solidFill>
-            <a:prstDash val="solid"/>
-            <a:headEnd type="none" w="med" len="med"/>
-            <a:tailEnd type="none" w="med" len="med"/>
-          </a:ln>
-        </p:spPr>
-        <p:style>
-          <a:lnRef idx="2">
-            <a:schemeClr val="accent4"/>
-          </a:lnRef>
-          <a:fillRef idx="1">
-            <a:schemeClr val="lt1"/>
-          </a:fillRef>
-          <a:effectRef idx="0">
-            <a:schemeClr val="accent4"/>
-          </a:effectRef>
-          <a:fontRef idx="minor">
-            <a:schemeClr val="dk1"/>
-          </a:fontRef>
-        </p:style>
-        <p:txBody>
-          <a:bodyPr vert="horz" wrap="square" lIns="91440" tIns="45720" rIns="91440" bIns="45720" numCol="1" rtlCol="0" anchor="ctr" anchorCtr="1" compatLnSpc="1"/>
-          <a:lstStyle/>
-          <a:p>
-            <a:r>
-              <a:rPr lang="zh-CN" altLang="en-US" kern="0" dirty="0">
-                <a:solidFill>
-                  <a:prstClr val="black"/>
-                </a:solidFill>
-                <a:latin typeface="微软雅黑" panose="020B0503020204020204" pitchFamily="34" charset="-122"/>
-                <a:ea typeface="微软雅黑" panose="020B0503020204020204" pitchFamily="34" charset="-122"/>
-                <a:cs typeface="Times New Roman" panose="02020603050405020304" pitchFamily="36" charset="0"/>
-                <a:sym typeface="+mn-ea"/>
-              </a:rPr>
-              <a:t>代码信息利用不充分，特征表达不完善</a:t>
-            </a:r>
-          </a:p>
-        </p:txBody>
-      </p:sp>
-      <p:sp>
-        <p:nvSpPr>
-          <p:cNvPr id="93" name="矩形: 圆角 144">
-            <a:extLst>
-              <a:ext uri="{FF2B5EF4-FFF2-40B4-BE49-F238E27FC236}">
-                <a16:creationId xmlns:a16="http://schemas.microsoft.com/office/drawing/2014/main" id="{67D4D3C5-1501-47E6-7972-5D573758D71F}"/>
-              </a:ext>
-            </a:extLst>
-          </p:cNvPr>
-          <p:cNvSpPr/>
-          <p:nvPr/>
-        </p:nvSpPr>
-        <p:spPr>
-          <a:xfrm>
-            <a:off x="8886025" y="369000"/>
-            <a:ext cx="2340000" cy="540000"/>
-          </a:xfrm>
-          <a:prstGeom prst="roundRect">
-            <a:avLst/>
-          </a:prstGeom>
-        </p:spPr>
-        <p:style>
-          <a:lnRef idx="1">
-            <a:schemeClr val="accent1"/>
-          </a:lnRef>
-          <a:fillRef idx="3">
-            <a:schemeClr val="accent1"/>
-          </a:fillRef>
-          <a:effectRef idx="2">
-            <a:schemeClr val="accent1"/>
-          </a:effectRef>
-          <a:fontRef idx="minor">
-            <a:schemeClr val="lt1"/>
-          </a:fontRef>
-        </p:style>
-        <p:txBody>
-          <a:bodyPr rtlCol="0" anchor="ctr"/>
-          <a:lstStyle/>
-          <a:p>
-            <a:pPr indent="0" algn="ctr"/>
-            <a:r>
-              <a:rPr lang="zh-CN" altLang="en-US" b="1" dirty="0">
-                <a:latin typeface="微软雅黑" panose="020B0503020204020204" pitchFamily="34" charset="-122"/>
-                <a:ea typeface="微软雅黑" panose="020B0503020204020204" pitchFamily="34" charset="-122"/>
-                <a:cs typeface="宋体" panose="02010600030101010101" pitchFamily="2" charset="-122"/>
-                <a:sym typeface="+mn-ea"/>
-              </a:rPr>
-              <a:t>论文研究目标</a:t>
-            </a:r>
-            <a:endParaRPr kumimoji="0" lang="zh-CN" altLang="en-US" b="1" i="0" u="none" strike="noStrike" kern="0" cap="none" spc="0" normalizeH="0" baseline="0" noProof="0" dirty="0">
-              <a:ln>
-                <a:noFill/>
-              </a:ln>
-              <a:solidFill>
-                <a:prstClr val="white"/>
-              </a:solidFill>
-              <a:effectLst/>
-              <a:uLnTx/>
-              <a:uFillTx/>
-              <a:latin typeface="微软雅黑" panose="020B0503020204020204" pitchFamily="34" charset="-122"/>
-              <a:ea typeface="微软雅黑" panose="020B0503020204020204" pitchFamily="34" charset="-122"/>
-              <a:cs typeface="宋体" panose="02010600030101010101" pitchFamily="2" charset="-122"/>
-              <a:sym typeface="+mn-ea"/>
-            </a:endParaRPr>
-          </a:p>
-        </p:txBody>
-      </p:sp>
-      <p:sp>
-        <p:nvSpPr>
-          <p:cNvPr id="96" name="矩形: 圆角 95">
-            <a:extLst>
-              <a:ext uri="{FF2B5EF4-FFF2-40B4-BE49-F238E27FC236}">
-                <a16:creationId xmlns:a16="http://schemas.microsoft.com/office/drawing/2014/main" id="{60EC542F-AFF9-AD0F-7E2D-41E9E3FC3823}"/>
-              </a:ext>
-            </a:extLst>
-          </p:cNvPr>
-          <p:cNvSpPr/>
-          <p:nvPr/>
-        </p:nvSpPr>
-        <p:spPr bwMode="auto">
-          <a:xfrm>
-            <a:off x="9066025" y="3958050"/>
-            <a:ext cx="1980000" cy="1008000"/>
-          </a:xfrm>
-          <a:prstGeom prst="roundRect">
-            <a:avLst/>
-          </a:prstGeom>
-          <a:solidFill>
-            <a:schemeClr val="accent1">
-              <a:lumMod val="20000"/>
-              <a:lumOff val="80000"/>
-            </a:schemeClr>
-          </a:solidFill>
-          <a:ln w="6350" cap="flat" cmpd="sng" algn="ctr">
-            <a:solidFill>
-              <a:schemeClr val="accent1">
-                <a:lumMod val="20000"/>
-                <a:lumOff val="80000"/>
-              </a:schemeClr>
-            </a:solidFill>
-            <a:prstDash val="solid"/>
-            <a:round/>
-            <a:headEnd type="none" w="med" len="med"/>
-            <a:tailEnd type="none" w="med" len="med"/>
-          </a:ln>
-          <a:effectLst/>
-        </p:spPr>
-        <p:txBody>
-          <a:bodyPr vert="horz" wrap="square" lIns="91440" tIns="45720" rIns="91440" bIns="45720" numCol="1" rtlCol="0" anchor="ctr" anchorCtr="1" compatLnSpc="1"/>
-          <a:lstStyle/>
-          <a:p>
-            <a:pPr>
-              <a:spcBef>
-                <a:spcPct val="50000"/>
-              </a:spcBef>
-            </a:pPr>
-            <a:r>
-              <a:rPr lang="zh-CN" altLang="en-US" kern="0" dirty="0">
-                <a:solidFill>
-                  <a:prstClr val="black"/>
-                </a:solidFill>
-                <a:latin typeface="微软雅黑" panose="020B0503020204020204" pitchFamily="34" charset="-122"/>
-                <a:ea typeface="微软雅黑" panose="020B0503020204020204" pitchFamily="34" charset="-122"/>
-                <a:cs typeface="Times New Roman" panose="02020603050405020304" pitchFamily="36" charset="0"/>
-              </a:rPr>
-              <a:t>减少候选程序依赖图对的规模</a:t>
-            </a:r>
-          </a:p>
-        </p:txBody>
-      </p:sp>
-      <p:sp>
-        <p:nvSpPr>
-          <p:cNvPr id="99" name="矩形: 圆角 98">
-            <a:extLst>
-              <a:ext uri="{FF2B5EF4-FFF2-40B4-BE49-F238E27FC236}">
-                <a16:creationId xmlns:a16="http://schemas.microsoft.com/office/drawing/2014/main" id="{DCEA8288-9FE3-6FBE-4A66-92D56E77DDB2}"/>
-              </a:ext>
-            </a:extLst>
-          </p:cNvPr>
-          <p:cNvSpPr/>
-          <p:nvPr/>
-        </p:nvSpPr>
-        <p:spPr bwMode="auto">
-          <a:xfrm>
-            <a:off x="9066025" y="5305491"/>
-            <a:ext cx="1980000" cy="1008000"/>
-          </a:xfrm>
-          <a:prstGeom prst="roundRect">
-            <a:avLst/>
-          </a:prstGeom>
-          <a:solidFill>
-            <a:schemeClr val="accent6">
-              <a:lumMod val="20000"/>
-              <a:lumOff val="80000"/>
-            </a:schemeClr>
-          </a:solidFill>
-          <a:ln w="6350">
-            <a:solidFill>
-              <a:schemeClr val="accent6">
-                <a:lumMod val="20000"/>
-                <a:lumOff val="80000"/>
-              </a:schemeClr>
-            </a:solidFill>
-            <a:prstDash val="solid"/>
-            <a:headEnd type="none" w="med" len="med"/>
-            <a:tailEnd type="none" w="med" len="med"/>
-          </a:ln>
-        </p:spPr>
-        <p:style>
-          <a:lnRef idx="2">
-            <a:schemeClr val="accent4"/>
-          </a:lnRef>
-          <a:fillRef idx="1">
-            <a:schemeClr val="lt1"/>
-          </a:fillRef>
-          <a:effectRef idx="0">
-            <a:schemeClr val="accent4"/>
-          </a:effectRef>
-          <a:fontRef idx="minor">
-            <a:schemeClr val="dk1"/>
-          </a:fontRef>
-        </p:style>
-        <p:txBody>
-          <a:bodyPr vert="horz" wrap="square" lIns="91440" tIns="45720" rIns="91440" bIns="45720" numCol="1" rtlCol="0" anchor="ctr" anchorCtr="1" compatLnSpc="1"/>
-          <a:lstStyle/>
-          <a:p>
-            <a:r>
-              <a:rPr lang="zh-CN" altLang="en-US" kern="0" dirty="0">
-                <a:solidFill>
-                  <a:prstClr val="black"/>
-                </a:solidFill>
-                <a:latin typeface="微软雅黑" panose="020B0503020204020204" pitchFamily="34" charset="-122"/>
-                <a:ea typeface="微软雅黑" panose="020B0503020204020204" pitchFamily="34" charset="-122"/>
-                <a:cs typeface="Times New Roman" panose="02020603050405020304" pitchFamily="36" charset="0"/>
-                <a:sym typeface="+mn-ea"/>
-              </a:rPr>
-              <a:t>利用多维度特征的信息互补性，整合为混合特征</a:t>
-            </a:r>
-          </a:p>
-        </p:txBody>
-      </p:sp>
-      <p:sp>
-        <p:nvSpPr>
-          <p:cNvPr id="102" name="矩形: 圆角 101">
-            <a:extLst>
-              <a:ext uri="{FF2B5EF4-FFF2-40B4-BE49-F238E27FC236}">
-                <a16:creationId xmlns:a16="http://schemas.microsoft.com/office/drawing/2014/main" id="{1A813EC5-B038-1590-D507-14C4C3BBF285}"/>
-              </a:ext>
-            </a:extLst>
-          </p:cNvPr>
-          <p:cNvSpPr/>
-          <p:nvPr/>
-        </p:nvSpPr>
-        <p:spPr bwMode="auto">
-          <a:xfrm>
-            <a:off x="9066025" y="1198056"/>
-            <a:ext cx="1980000" cy="1008000"/>
-          </a:xfrm>
-          <a:prstGeom prst="roundRect">
-            <a:avLst/>
-          </a:prstGeom>
-          <a:solidFill>
-            <a:schemeClr val="bg1">
-              <a:lumMod val="85000"/>
-            </a:schemeClr>
-          </a:solidFill>
-          <a:ln w="6350">
-            <a:solidFill>
-              <a:schemeClr val="bg1">
-                <a:lumMod val="85000"/>
-              </a:schemeClr>
-            </a:solidFill>
-            <a:prstDash val="solid"/>
-            <a:headEnd type="none" w="med" len="med"/>
-            <a:tailEnd type="none" w="med" len="med"/>
-          </a:ln>
-        </p:spPr>
-        <p:style>
-          <a:lnRef idx="2">
-            <a:schemeClr val="accent3"/>
-          </a:lnRef>
-          <a:fillRef idx="1">
-            <a:schemeClr val="lt1"/>
-          </a:fillRef>
-          <a:effectRef idx="0">
-            <a:schemeClr val="accent3"/>
-          </a:effectRef>
-          <a:fontRef idx="minor">
-            <a:schemeClr val="dk1"/>
-          </a:fontRef>
-        </p:style>
-        <p:txBody>
-          <a:bodyPr vert="horz" wrap="square" lIns="91440" tIns="45720" rIns="91440" bIns="45720" numCol="1" rtlCol="0" anchor="ctr" anchorCtr="1" compatLnSpc="1"/>
-          <a:lstStyle/>
-          <a:p>
-            <a:pPr>
-              <a:spcBef>
-                <a:spcPct val="50000"/>
-              </a:spcBef>
-            </a:pPr>
-            <a:r>
-              <a:rPr lang="zh-CN" altLang="en-US" kern="0" dirty="0">
-                <a:solidFill>
-                  <a:prstClr val="black"/>
-                </a:solidFill>
-                <a:latin typeface="微软雅黑" panose="020B0503020204020204" pitchFamily="34" charset="-122"/>
-                <a:ea typeface="微软雅黑" panose="020B0503020204020204" pitchFamily="34" charset="-122"/>
-                <a:cs typeface="Times New Roman" panose="02020603050405020304" pitchFamily="36" charset="0"/>
-                <a:sym typeface="+mn-ea"/>
-              </a:rPr>
-              <a:t>减少出现集外词问题的概率</a:t>
-            </a:r>
-          </a:p>
-        </p:txBody>
-      </p:sp>
-      <p:sp>
-        <p:nvSpPr>
-          <p:cNvPr id="104" name="矩形: 圆角 103">
-            <a:extLst>
-              <a:ext uri="{FF2B5EF4-FFF2-40B4-BE49-F238E27FC236}">
-                <a16:creationId xmlns:a16="http://schemas.microsoft.com/office/drawing/2014/main" id="{E90B23B0-BB93-1457-6FC3-2573035AA121}"/>
-              </a:ext>
-            </a:extLst>
-          </p:cNvPr>
-          <p:cNvSpPr/>
-          <p:nvPr/>
-        </p:nvSpPr>
-        <p:spPr bwMode="auto">
-          <a:xfrm>
-            <a:off x="9066025" y="2581112"/>
-            <a:ext cx="1980000" cy="1008000"/>
-          </a:xfrm>
-          <a:prstGeom prst="roundRect">
-            <a:avLst/>
-          </a:prstGeom>
-          <a:solidFill>
-            <a:schemeClr val="accent2">
-              <a:lumMod val="20000"/>
-              <a:lumOff val="80000"/>
-            </a:schemeClr>
-          </a:solidFill>
-          <a:ln w="6350" cap="flat" cmpd="sng" algn="ctr">
-            <a:solidFill>
-              <a:schemeClr val="accent2">
-                <a:lumMod val="20000"/>
-                <a:lumOff val="80000"/>
-              </a:schemeClr>
-            </a:solidFill>
-            <a:prstDash val="solid"/>
-            <a:round/>
-            <a:headEnd type="none" w="med" len="med"/>
-            <a:tailEnd type="none" w="med" len="med"/>
-          </a:ln>
-          <a:effectLst/>
-        </p:spPr>
-        <p:txBody>
-          <a:bodyPr vert="horz" wrap="square" lIns="91440" tIns="45720" rIns="91440" bIns="45720" numCol="1" rtlCol="0" anchor="ctr" anchorCtr="1" compatLnSpc="1"/>
-          <a:lstStyle/>
-          <a:p>
-            <a:pPr>
-              <a:spcBef>
-                <a:spcPct val="50000"/>
-              </a:spcBef>
-            </a:pPr>
-            <a:r>
-              <a:rPr lang="zh-CN" altLang="en-US" kern="0" dirty="0">
-                <a:solidFill>
-                  <a:prstClr val="black"/>
-                </a:solidFill>
-                <a:latin typeface="微软雅黑" panose="020B0503020204020204" pitchFamily="34" charset="-122"/>
-                <a:ea typeface="微软雅黑" panose="020B0503020204020204" pitchFamily="34" charset="-122"/>
-                <a:cs typeface="Times New Roman" panose="02020603050405020304" pitchFamily="36" charset="0"/>
-              </a:rPr>
-              <a:t>保存子节点信息的同时，解决梯度消失问题</a:t>
-            </a:r>
-          </a:p>
-        </p:txBody>
-      </p:sp>
-      <p:sp>
-        <p:nvSpPr>
-          <p:cNvPr id="109" name="矩形 108">
-            <a:extLst>
-              <a:ext uri="{FF2B5EF4-FFF2-40B4-BE49-F238E27FC236}">
-                <a16:creationId xmlns:a16="http://schemas.microsoft.com/office/drawing/2014/main" id="{94055A8E-646A-BCA7-49F4-EA8F54D41125}"/>
-              </a:ext>
-            </a:extLst>
-          </p:cNvPr>
-          <p:cNvSpPr/>
-          <p:nvPr/>
-        </p:nvSpPr>
-        <p:spPr bwMode="auto">
-          <a:xfrm>
-            <a:off x="713971" y="369000"/>
-            <a:ext cx="2340000" cy="6120000"/>
-          </a:xfrm>
-          <a:prstGeom prst="rect">
-            <a:avLst/>
-          </a:prstGeom>
-          <a:solidFill>
-            <a:schemeClr val="bg1">
-              <a:lumMod val="95000"/>
-            </a:schemeClr>
-          </a:solidFill>
-          <a:ln w="6350" cap="flat" cmpd="sng" algn="ctr">
-            <a:noFill/>
-            <a:prstDash val="dash"/>
-            <a:round/>
-            <a:headEnd type="none" w="med" len="med"/>
-            <a:tailEnd type="none" w="med" len="med"/>
-          </a:ln>
-          <a:effectLst/>
-        </p:spPr>
-        <p:txBody>
-          <a:bodyPr vert="horz" wrap="square" lIns="91440" tIns="45720" rIns="91440" bIns="45720" numCol="1" rtlCol="0" anchor="t" anchorCtr="0" compatLnSpc="1"/>
-          <a:lstStyle/>
-          <a:p>
-            <a:pPr algn="ctr">
-              <a:spcBef>
-                <a:spcPct val="50000"/>
-              </a:spcBef>
-            </a:pPr>
-            <a:endParaRPr lang="zh-CN" altLang="en-US" sz="1600" i="1" kern="0">
-              <a:solidFill>
-                <a:prstClr val="black"/>
-              </a:solidFill>
-              <a:latin typeface="微软雅黑" panose="020B0503020204020204" pitchFamily="34" charset="-122"/>
-              <a:ea typeface="微软雅黑" panose="020B0503020204020204" pitchFamily="34" charset="-122"/>
-              <a:cs typeface="Times New Roman" panose="02020603050405020304" pitchFamily="36" charset="0"/>
-            </a:endParaRPr>
-          </a:p>
-        </p:txBody>
-      </p:sp>
-      <p:sp>
-        <p:nvSpPr>
-          <p:cNvPr id="114" name="下箭头 25">
-            <a:extLst>
-              <a:ext uri="{FF2B5EF4-FFF2-40B4-BE49-F238E27FC236}">
-                <a16:creationId xmlns:a16="http://schemas.microsoft.com/office/drawing/2014/main" id="{3A2C2E46-AED6-3914-B819-DD77A5D70506}"/>
-              </a:ext>
-            </a:extLst>
-          </p:cNvPr>
-          <p:cNvSpPr/>
-          <p:nvPr/>
-        </p:nvSpPr>
-        <p:spPr>
-          <a:xfrm rot="16200000">
-            <a:off x="2553982" y="3185595"/>
-            <a:ext cx="1441450" cy="492125"/>
-          </a:xfrm>
-          <a:prstGeom prst="downArrow">
-            <a:avLst/>
-          </a:prstGeom>
-          <a:solidFill>
-            <a:schemeClr val="bg2">
-              <a:lumMod val="85000"/>
-            </a:schemeClr>
-          </a:solidFill>
-          <a:ln>
-            <a:solidFill>
-              <a:schemeClr val="bg1"/>
-            </a:solidFill>
-          </a:ln>
-        </p:spPr>
-        <p:style>
-          <a:lnRef idx="2">
-            <a:schemeClr val="accent4"/>
-          </a:lnRef>
-          <a:fillRef idx="1">
-            <a:schemeClr val="lt1"/>
-          </a:fillRef>
-          <a:effectRef idx="0">
-            <a:schemeClr val="accent4"/>
-          </a:effectRef>
-          <a:fontRef idx="minor">
-            <a:schemeClr val="dk1"/>
-          </a:fontRef>
-        </p:style>
-        <p:txBody>
-          <a:bodyPr vertOverflow="overflow" horzOverflow="overflow" vert="horz" wrap="square" numCol="1" spcCol="0" rtlCol="0" fromWordArt="0" anchor="ctr" anchorCtr="0" forceAA="0" compatLnSpc="1">
-            <a:noAutofit/>
-          </a:bodyPr>
-          <a:lstStyle/>
-          <a:p>
-            <a:pPr lvl="0" algn="ctr">
-              <a:buClrTx/>
-              <a:buSzTx/>
-              <a:buFontTx/>
-            </a:pPr>
-            <a:endParaRPr lang="zh-CN" altLang="en-US">
-              <a:latin typeface="微软雅黑" panose="020B0503020204020204" pitchFamily="34" charset="-122"/>
-              <a:ea typeface="微软雅黑" panose="020B0503020204020204" pitchFamily="34" charset="-122"/>
-              <a:sym typeface="+mn-ea"/>
-            </a:endParaRPr>
-          </a:p>
-        </p:txBody>
-      </p:sp>
-      <p:sp>
-        <p:nvSpPr>
-          <p:cNvPr id="110" name="矩形: 圆角 120">
-            <a:extLst>
-              <a:ext uri="{FF2B5EF4-FFF2-40B4-BE49-F238E27FC236}">
-                <a16:creationId xmlns:a16="http://schemas.microsoft.com/office/drawing/2014/main" id="{22F49C17-1142-94C3-F90B-512C53D51CDE}"/>
-              </a:ext>
-            </a:extLst>
-          </p:cNvPr>
-          <p:cNvSpPr/>
-          <p:nvPr/>
-        </p:nvSpPr>
-        <p:spPr bwMode="auto">
-          <a:xfrm>
-            <a:off x="893971" y="3958050"/>
-            <a:ext cx="1980000" cy="1008000"/>
-          </a:xfrm>
-          <a:prstGeom prst="roundRect">
-            <a:avLst/>
-          </a:prstGeom>
-          <a:solidFill>
-            <a:schemeClr val="accent1">
-              <a:lumMod val="20000"/>
-              <a:lumOff val="80000"/>
-            </a:schemeClr>
-          </a:solidFill>
-          <a:ln w="6350" cap="flat" cmpd="sng" algn="ctr">
-            <a:solidFill>
-              <a:schemeClr val="accent1">
-                <a:lumMod val="20000"/>
-                <a:lumOff val="80000"/>
-              </a:schemeClr>
-            </a:solidFill>
-            <a:prstDash val="solid"/>
-            <a:round/>
-            <a:headEnd type="none" w="med" len="med"/>
-            <a:tailEnd type="none" w="med" len="med"/>
-          </a:ln>
-          <a:effectLst/>
-        </p:spPr>
-        <p:txBody>
-          <a:bodyPr vert="horz" wrap="square" lIns="91440" tIns="45720" rIns="91440" bIns="45720" numCol="1" rtlCol="0" anchor="ctr" anchorCtr="1" compatLnSpc="1"/>
-          <a:lstStyle/>
-          <a:p>
-            <a:pPr algn="ctr">
-              <a:spcBef>
-                <a:spcPct val="50000"/>
-              </a:spcBef>
-            </a:pPr>
-            <a:r>
-              <a:rPr lang="zh-CN" altLang="en-US" kern="0" dirty="0">
-                <a:solidFill>
-                  <a:prstClr val="black"/>
-                </a:solidFill>
-                <a:latin typeface="微软雅黑" panose="020B0503020204020204" pitchFamily="34" charset="-122"/>
-                <a:ea typeface="微软雅黑" panose="020B0503020204020204" pitchFamily="34" charset="-122"/>
-                <a:cs typeface="Times New Roman" panose="02020603050405020304" pitchFamily="36" charset="0"/>
-                <a:sym typeface="+mn-ea"/>
-              </a:rPr>
-              <a:t>图维度</a:t>
-            </a:r>
-          </a:p>
-        </p:txBody>
-      </p:sp>
-      <p:sp>
-        <p:nvSpPr>
-          <p:cNvPr id="112" name="矩形: 圆角 132">
-            <a:extLst>
-              <a:ext uri="{FF2B5EF4-FFF2-40B4-BE49-F238E27FC236}">
-                <a16:creationId xmlns:a16="http://schemas.microsoft.com/office/drawing/2014/main" id="{EBAC3FBB-83EC-A617-CD34-DC266BC2E914}"/>
-              </a:ext>
-            </a:extLst>
-          </p:cNvPr>
-          <p:cNvSpPr/>
-          <p:nvPr/>
-        </p:nvSpPr>
-        <p:spPr bwMode="auto">
-          <a:xfrm>
-            <a:off x="893971" y="2581112"/>
-            <a:ext cx="1980000" cy="1008000"/>
-          </a:xfrm>
-          <a:prstGeom prst="roundRect">
-            <a:avLst/>
-          </a:prstGeom>
-          <a:solidFill>
-            <a:schemeClr val="accent2">
-              <a:lumMod val="20000"/>
-              <a:lumOff val="80000"/>
-            </a:schemeClr>
-          </a:solidFill>
-          <a:ln w="6350" cap="flat" cmpd="sng" algn="ctr">
-            <a:solidFill>
-              <a:schemeClr val="accent2">
-                <a:lumMod val="20000"/>
-                <a:lumOff val="80000"/>
-              </a:schemeClr>
-            </a:solidFill>
-            <a:prstDash val="solid"/>
-            <a:round/>
-            <a:headEnd type="none" w="med" len="med"/>
-            <a:tailEnd type="none" w="med" len="med"/>
-          </a:ln>
-          <a:effectLst/>
-        </p:spPr>
-        <p:txBody>
-          <a:bodyPr vert="horz" wrap="square" lIns="91440" tIns="45720" rIns="91440" bIns="45720" numCol="1" rtlCol="0" anchor="ctr" anchorCtr="1" compatLnSpc="1"/>
-          <a:lstStyle/>
-          <a:p>
-            <a:pPr algn="ctr">
-              <a:spcBef>
-                <a:spcPct val="50000"/>
-              </a:spcBef>
-            </a:pPr>
-            <a:r>
-              <a:rPr lang="zh-CN" altLang="en-US" kern="0" dirty="0">
-                <a:solidFill>
-                  <a:prstClr val="black"/>
-                </a:solidFill>
-                <a:latin typeface="微软雅黑" panose="020B0503020204020204" pitchFamily="34" charset="-122"/>
-                <a:ea typeface="微软雅黑" panose="020B0503020204020204" pitchFamily="34" charset="-122"/>
-                <a:cs typeface="Times New Roman" panose="02020603050405020304" pitchFamily="36" charset="0"/>
-                <a:sym typeface="+mn-ea"/>
-              </a:rPr>
-              <a:t>树维度</a:t>
-            </a:r>
-          </a:p>
-        </p:txBody>
-      </p:sp>
-      <p:sp>
-        <p:nvSpPr>
-          <p:cNvPr id="115" name="矩形: 圆角 120">
-            <a:extLst>
-              <a:ext uri="{FF2B5EF4-FFF2-40B4-BE49-F238E27FC236}">
-                <a16:creationId xmlns:a16="http://schemas.microsoft.com/office/drawing/2014/main" id="{CC861035-9297-7D78-03C5-E60C374D2586}"/>
-              </a:ext>
-            </a:extLst>
-          </p:cNvPr>
-          <p:cNvSpPr/>
-          <p:nvPr/>
-        </p:nvSpPr>
-        <p:spPr bwMode="auto">
-          <a:xfrm>
-            <a:off x="893971" y="5305491"/>
-            <a:ext cx="1980000" cy="1008000"/>
-          </a:xfrm>
-          <a:prstGeom prst="roundRect">
-            <a:avLst/>
-          </a:prstGeom>
-          <a:solidFill>
-            <a:schemeClr val="accent6">
-              <a:lumMod val="20000"/>
-              <a:lumOff val="80000"/>
-            </a:schemeClr>
-          </a:solidFill>
-          <a:ln w="6350">
-            <a:solidFill>
-              <a:schemeClr val="accent6">
-                <a:lumMod val="20000"/>
-                <a:lumOff val="80000"/>
-              </a:schemeClr>
-            </a:solidFill>
-            <a:prstDash val="solid"/>
-            <a:headEnd type="none" w="med" len="med"/>
-            <a:tailEnd type="none" w="med" len="med"/>
-          </a:ln>
-        </p:spPr>
-        <p:style>
-          <a:lnRef idx="2">
-            <a:schemeClr val="accent4"/>
-          </a:lnRef>
-          <a:fillRef idx="1">
-            <a:schemeClr val="lt1"/>
-          </a:fillRef>
-          <a:effectRef idx="0">
-            <a:schemeClr val="accent4"/>
-          </a:effectRef>
-          <a:fontRef idx="minor">
-            <a:schemeClr val="dk1"/>
-          </a:fontRef>
-        </p:style>
-        <p:txBody>
-          <a:bodyPr vert="horz" wrap="square" lIns="91440" tIns="45720" rIns="91440" bIns="45720" numCol="1" rtlCol="0" anchor="ctr" anchorCtr="1" compatLnSpc="1"/>
-          <a:lstStyle/>
-          <a:p>
-            <a:pPr algn="ctr"/>
-            <a:r>
-              <a:rPr lang="zh-CN" altLang="en-US" kern="0" dirty="0">
-                <a:solidFill>
-                  <a:prstClr val="black"/>
-                </a:solidFill>
-                <a:latin typeface="微软雅黑" panose="020B0503020204020204" pitchFamily="34" charset="-122"/>
-                <a:ea typeface="微软雅黑" panose="020B0503020204020204" pitchFamily="34" charset="-122"/>
-                <a:cs typeface="Times New Roman" panose="02020603050405020304" pitchFamily="36" charset="0"/>
-                <a:sym typeface="+mn-ea"/>
-              </a:rPr>
-              <a:t>整体</a:t>
-            </a:r>
-            <a:endParaRPr lang="en-US" altLang="zh-CN" kern="0" dirty="0">
-              <a:solidFill>
-                <a:prstClr val="black"/>
-              </a:solidFill>
-              <a:latin typeface="微软雅黑" panose="020B0503020204020204" pitchFamily="34" charset="-122"/>
-              <a:ea typeface="微软雅黑" panose="020B0503020204020204" pitchFamily="34" charset="-122"/>
-              <a:cs typeface="Times New Roman" panose="02020603050405020304" pitchFamily="36" charset="0"/>
-              <a:sym typeface="+mn-ea"/>
-            </a:endParaRPr>
-          </a:p>
-          <a:p>
-            <a:pPr algn="ctr"/>
-            <a:r>
-              <a:rPr lang="zh-CN" altLang="en-US" kern="0" dirty="0">
-                <a:solidFill>
-                  <a:prstClr val="black"/>
-                </a:solidFill>
-                <a:latin typeface="微软雅黑" panose="020B0503020204020204" pitchFamily="34" charset="-122"/>
-                <a:ea typeface="微软雅黑" panose="020B0503020204020204" pitchFamily="34" charset="-122"/>
-                <a:cs typeface="Times New Roman" panose="02020603050405020304" pitchFamily="36" charset="0"/>
-                <a:sym typeface="+mn-ea"/>
-              </a:rPr>
-              <a:t>表征能力</a:t>
-            </a:r>
-          </a:p>
-        </p:txBody>
-      </p:sp>
-      <p:sp>
-        <p:nvSpPr>
-          <p:cNvPr id="125" name="矩形: 圆角 132">
-            <a:extLst>
-              <a:ext uri="{FF2B5EF4-FFF2-40B4-BE49-F238E27FC236}">
-                <a16:creationId xmlns:a16="http://schemas.microsoft.com/office/drawing/2014/main" id="{50020543-53D6-D4FF-DE16-A35CA06EEF01}"/>
-              </a:ext>
-            </a:extLst>
-          </p:cNvPr>
-          <p:cNvSpPr/>
-          <p:nvPr/>
-        </p:nvSpPr>
-        <p:spPr bwMode="auto">
-          <a:xfrm>
-            <a:off x="893971" y="1198056"/>
-            <a:ext cx="1980000" cy="1008000"/>
-          </a:xfrm>
-          <a:prstGeom prst="roundRect">
-            <a:avLst/>
-          </a:prstGeom>
-          <a:solidFill>
-            <a:schemeClr val="bg1">
-              <a:lumMod val="85000"/>
-            </a:schemeClr>
-          </a:solidFill>
-          <a:ln w="6350">
-            <a:solidFill>
-              <a:schemeClr val="bg1">
-                <a:lumMod val="85000"/>
-              </a:schemeClr>
-            </a:solidFill>
-            <a:prstDash val="solid"/>
-            <a:headEnd type="none" w="med" len="med"/>
-            <a:tailEnd type="none" w="med" len="med"/>
-          </a:ln>
-        </p:spPr>
-        <p:style>
-          <a:lnRef idx="2">
-            <a:schemeClr val="accent3"/>
-          </a:lnRef>
-          <a:fillRef idx="1">
-            <a:schemeClr val="lt1"/>
-          </a:fillRef>
-          <a:effectRef idx="0">
-            <a:schemeClr val="accent3"/>
-          </a:effectRef>
-          <a:fontRef idx="minor">
-            <a:schemeClr val="dk1"/>
-          </a:fontRef>
-        </p:style>
-        <p:txBody>
-          <a:bodyPr vert="horz" wrap="square" lIns="91440" tIns="45720" rIns="91440" bIns="45720" numCol="1" rtlCol="0" anchor="ctr" anchorCtr="1" compatLnSpc="1"/>
-          <a:lstStyle/>
-          <a:p>
-            <a:pPr algn="ctr">
-              <a:spcBef>
-                <a:spcPct val="50000"/>
-              </a:spcBef>
-            </a:pPr>
-            <a:r>
-              <a:rPr lang="en-US" altLang="zh-CN" kern="0" dirty="0">
-                <a:solidFill>
-                  <a:prstClr val="black"/>
-                </a:solidFill>
-                <a:latin typeface="微软雅黑" panose="020B0503020204020204" pitchFamily="34" charset="-122"/>
-                <a:ea typeface="微软雅黑" panose="020B0503020204020204" pitchFamily="34" charset="-122"/>
-                <a:cs typeface="Times New Roman" panose="02020603050405020304" pitchFamily="36" charset="0"/>
-                <a:sym typeface="+mn-ea"/>
-              </a:rPr>
-              <a:t>Token</a:t>
-            </a:r>
-            <a:r>
-              <a:rPr lang="zh-CN" altLang="en-US" kern="0" dirty="0">
-                <a:solidFill>
-                  <a:prstClr val="black"/>
-                </a:solidFill>
-                <a:latin typeface="微软雅黑" panose="020B0503020204020204" pitchFamily="34" charset="-122"/>
-                <a:ea typeface="微软雅黑" panose="020B0503020204020204" pitchFamily="34" charset="-122"/>
-                <a:cs typeface="Times New Roman" panose="02020603050405020304" pitchFamily="36" charset="0"/>
-                <a:sym typeface="+mn-ea"/>
-              </a:rPr>
-              <a:t>维度</a:t>
-            </a:r>
-          </a:p>
-        </p:txBody>
-      </p:sp>
-      <p:sp>
-        <p:nvSpPr>
-          <p:cNvPr id="133" name="下箭头 25">
-            <a:extLst>
-              <a:ext uri="{FF2B5EF4-FFF2-40B4-BE49-F238E27FC236}">
-                <a16:creationId xmlns:a16="http://schemas.microsoft.com/office/drawing/2014/main" id="{DDBB0D6F-5560-AC67-B855-4FC058ECA6C3}"/>
-              </a:ext>
-            </a:extLst>
-          </p:cNvPr>
-          <p:cNvSpPr/>
-          <p:nvPr/>
-        </p:nvSpPr>
-        <p:spPr>
-          <a:xfrm rot="16200000">
-            <a:off x="8045520" y="3185595"/>
-            <a:ext cx="1441450" cy="492125"/>
-          </a:xfrm>
-          <a:prstGeom prst="downArrow">
-            <a:avLst/>
-          </a:prstGeom>
-          <a:solidFill>
-            <a:schemeClr val="bg2">
-              <a:lumMod val="85000"/>
-            </a:schemeClr>
-          </a:solidFill>
-          <a:ln>
-            <a:solidFill>
-              <a:schemeClr val="bg1"/>
-            </a:solidFill>
-          </a:ln>
-        </p:spPr>
-        <p:style>
-          <a:lnRef idx="2">
-            <a:schemeClr val="accent4"/>
-          </a:lnRef>
-          <a:fillRef idx="1">
-            <a:schemeClr val="lt1"/>
-          </a:fillRef>
-          <a:effectRef idx="0">
-            <a:schemeClr val="accent4"/>
-          </a:effectRef>
-          <a:fontRef idx="minor">
-            <a:schemeClr val="dk1"/>
-          </a:fontRef>
-        </p:style>
-        <p:txBody>
-          <a:bodyPr vertOverflow="overflow" horzOverflow="overflow" vert="horz" wrap="square" numCol="1" spcCol="0" rtlCol="0" fromWordArt="0" anchor="ctr" anchorCtr="0" forceAA="0" compatLnSpc="1">
-            <a:noAutofit/>
-          </a:bodyPr>
-          <a:lstStyle/>
-          <a:p>
-            <a:pPr lvl="0" algn="ctr">
-              <a:buClrTx/>
-              <a:buSzTx/>
-              <a:buFontTx/>
-            </a:pPr>
-            <a:endParaRPr lang="zh-CN" altLang="en-US">
-              <a:latin typeface="微软雅黑" panose="020B0503020204020204" pitchFamily="34" charset="-122"/>
-              <a:ea typeface="微软雅黑" panose="020B0503020204020204" pitchFamily="34" charset="-122"/>
-              <a:sym typeface="+mn-ea"/>
-            </a:endParaRPr>
-          </a:p>
-        </p:txBody>
-      </p:sp>
-      <p:sp>
-        <p:nvSpPr>
-          <p:cNvPr id="135" name="矩形: 圆角 124">
-            <a:extLst>
-              <a:ext uri="{FF2B5EF4-FFF2-40B4-BE49-F238E27FC236}">
-                <a16:creationId xmlns:a16="http://schemas.microsoft.com/office/drawing/2014/main" id="{2BA62225-0977-99E4-A222-6E03F997E904}"/>
-              </a:ext>
-            </a:extLst>
-          </p:cNvPr>
-          <p:cNvSpPr/>
-          <p:nvPr/>
-        </p:nvSpPr>
-        <p:spPr bwMode="auto">
-          <a:xfrm>
-            <a:off x="6342007" y="3958050"/>
-            <a:ext cx="1980000" cy="1008000"/>
-          </a:xfrm>
-          <a:prstGeom prst="roundRect">
-            <a:avLst/>
-          </a:prstGeom>
-          <a:solidFill>
-            <a:schemeClr val="accent1">
-              <a:lumMod val="20000"/>
-              <a:lumOff val="80000"/>
-            </a:schemeClr>
-          </a:solidFill>
-          <a:ln w="6350" cap="flat" cmpd="sng" algn="ctr">
-            <a:solidFill>
-              <a:schemeClr val="accent1">
-                <a:lumMod val="20000"/>
-                <a:lumOff val="80000"/>
-              </a:schemeClr>
-            </a:solidFill>
-            <a:prstDash val="solid"/>
-            <a:round/>
-            <a:headEnd type="none" w="med" len="med"/>
-            <a:tailEnd type="none" w="med" len="med"/>
-          </a:ln>
-          <a:effectLst/>
-        </p:spPr>
-        <p:txBody>
-          <a:bodyPr vert="horz" wrap="square" lIns="91440" tIns="45720" rIns="91440" bIns="45720" numCol="1" rtlCol="0" anchor="ctr" anchorCtr="1" compatLnSpc="1"/>
-          <a:lstStyle/>
-          <a:p>
-            <a:pPr>
-              <a:spcBef>
-                <a:spcPct val="50000"/>
-              </a:spcBef>
-            </a:pPr>
-            <a:r>
-              <a:rPr lang="zh-CN" altLang="en-US" kern="0" dirty="0">
-                <a:solidFill>
-                  <a:prstClr val="black"/>
-                </a:solidFill>
-                <a:latin typeface="微软雅黑" panose="020B0503020204020204" pitchFamily="34" charset="-122"/>
-                <a:ea typeface="微软雅黑" panose="020B0503020204020204" pitchFamily="34" charset="-122"/>
-                <a:cs typeface="Times New Roman" panose="02020603050405020304" pitchFamily="36" charset="0"/>
-                <a:sym typeface="+mn-ea"/>
-              </a:rPr>
-              <a:t>基于图过滤的程序依赖图表征学习</a:t>
-            </a:r>
-          </a:p>
-        </p:txBody>
-      </p:sp>
-      <p:sp>
-        <p:nvSpPr>
-          <p:cNvPr id="138" name="矩形: 圆角 124">
-            <a:extLst>
-              <a:ext uri="{FF2B5EF4-FFF2-40B4-BE49-F238E27FC236}">
-                <a16:creationId xmlns:a16="http://schemas.microsoft.com/office/drawing/2014/main" id="{4B216347-734F-C70B-F731-DA5EFAF53B06}"/>
-              </a:ext>
-            </a:extLst>
-          </p:cNvPr>
-          <p:cNvSpPr/>
-          <p:nvPr/>
-        </p:nvSpPr>
-        <p:spPr bwMode="auto">
-          <a:xfrm>
-            <a:off x="6342007" y="2581112"/>
-            <a:ext cx="1980000" cy="1008000"/>
-          </a:xfrm>
-          <a:prstGeom prst="roundRect">
-            <a:avLst/>
-          </a:prstGeom>
-          <a:solidFill>
-            <a:schemeClr val="accent2">
-              <a:lumMod val="20000"/>
-              <a:lumOff val="80000"/>
-            </a:schemeClr>
-          </a:solidFill>
-          <a:ln w="6350" cap="flat" cmpd="sng" algn="ctr">
-            <a:solidFill>
-              <a:schemeClr val="accent2">
-                <a:lumMod val="20000"/>
-                <a:lumOff val="80000"/>
-              </a:schemeClr>
-            </a:solidFill>
-            <a:prstDash val="solid"/>
-            <a:round/>
-            <a:headEnd type="none" w="med" len="med"/>
-            <a:tailEnd type="none" w="med" len="med"/>
-          </a:ln>
-          <a:effectLst/>
-        </p:spPr>
-        <p:txBody>
-          <a:bodyPr vert="horz" wrap="square" lIns="91440" tIns="45720" rIns="91440" bIns="45720" numCol="1" rtlCol="0" anchor="ctr" anchorCtr="1" compatLnSpc="1"/>
-          <a:lstStyle/>
-          <a:p>
-            <a:pPr>
-              <a:spcBef>
-                <a:spcPct val="50000"/>
-              </a:spcBef>
-            </a:pPr>
-            <a:r>
-              <a:rPr lang="zh-CN" altLang="en-US" kern="0" dirty="0">
-                <a:solidFill>
-                  <a:prstClr val="black"/>
-                </a:solidFill>
-                <a:latin typeface="微软雅黑" panose="020B0503020204020204" pitchFamily="34" charset="-122"/>
-                <a:ea typeface="微软雅黑" panose="020B0503020204020204" pitchFamily="34" charset="-122"/>
-                <a:cs typeface="Times New Roman" panose="02020603050405020304" pitchFamily="36" charset="0"/>
-                <a:sym typeface="+mn-ea"/>
-              </a:rPr>
-              <a:t>基于子树划分的抽象语法树表征学习</a:t>
-            </a:r>
-          </a:p>
-        </p:txBody>
-      </p:sp>
-      <p:sp>
-        <p:nvSpPr>
-          <p:cNvPr id="141" name="矩形: 圆角 124">
-            <a:extLst>
-              <a:ext uri="{FF2B5EF4-FFF2-40B4-BE49-F238E27FC236}">
-                <a16:creationId xmlns:a16="http://schemas.microsoft.com/office/drawing/2014/main" id="{748B1C87-8D4B-601E-4C0B-4F9DD5138A94}"/>
-              </a:ext>
-            </a:extLst>
-          </p:cNvPr>
-          <p:cNvSpPr/>
-          <p:nvPr/>
-        </p:nvSpPr>
-        <p:spPr bwMode="auto">
-          <a:xfrm>
-            <a:off x="6342007" y="1198056"/>
-            <a:ext cx="1980000" cy="1008000"/>
-          </a:xfrm>
-          <a:prstGeom prst="roundRect">
-            <a:avLst/>
-          </a:prstGeom>
-          <a:solidFill>
-            <a:schemeClr val="bg1">
-              <a:lumMod val="85000"/>
-            </a:schemeClr>
-          </a:solidFill>
-          <a:ln w="6350">
-            <a:solidFill>
-              <a:schemeClr val="bg1">
-                <a:lumMod val="85000"/>
-              </a:schemeClr>
-            </a:solidFill>
-            <a:prstDash val="solid"/>
-            <a:headEnd type="none" w="med" len="med"/>
-            <a:tailEnd type="none" w="med" len="med"/>
-          </a:ln>
-        </p:spPr>
-        <p:style>
-          <a:lnRef idx="2">
-            <a:schemeClr val="accent3"/>
-          </a:lnRef>
-          <a:fillRef idx="1">
-            <a:schemeClr val="lt1"/>
-          </a:fillRef>
-          <a:effectRef idx="0">
-            <a:schemeClr val="accent3"/>
-          </a:effectRef>
-          <a:fontRef idx="minor">
-            <a:schemeClr val="dk1"/>
-          </a:fontRef>
-        </p:style>
-        <p:txBody>
-          <a:bodyPr vert="horz" wrap="square" lIns="91440" tIns="45720" rIns="91440" bIns="45720" numCol="1" rtlCol="0" anchor="ctr" anchorCtr="1" compatLnSpc="1"/>
-          <a:lstStyle/>
-          <a:p>
-            <a:pPr>
-              <a:spcBef>
-                <a:spcPct val="50000"/>
-              </a:spcBef>
-            </a:pPr>
-            <a:r>
-              <a:rPr lang="zh-CN" altLang="en-US" kern="0" dirty="0">
-                <a:solidFill>
-                  <a:prstClr val="black"/>
-                </a:solidFill>
-                <a:latin typeface="微软雅黑" panose="020B0503020204020204" pitchFamily="34" charset="-122"/>
-                <a:ea typeface="微软雅黑" panose="020B0503020204020204" pitchFamily="34" charset="-122"/>
-                <a:cs typeface="Times New Roman" panose="02020603050405020304" pitchFamily="36" charset="0"/>
-                <a:sym typeface="+mn-ea"/>
-              </a:rPr>
-              <a:t>基于预训练辅助模型的</a:t>
-            </a:r>
-            <a:r>
-              <a:rPr lang="en-US" altLang="zh-CN" kern="0" dirty="0">
-                <a:solidFill>
-                  <a:prstClr val="black"/>
-                </a:solidFill>
-                <a:latin typeface="微软雅黑" panose="020B0503020204020204" pitchFamily="34" charset="-122"/>
-                <a:ea typeface="微软雅黑" panose="020B0503020204020204" pitchFamily="34" charset="-122"/>
-                <a:cs typeface="Times New Roman" panose="02020603050405020304" pitchFamily="36" charset="0"/>
-                <a:sym typeface="+mn-ea"/>
-              </a:rPr>
-              <a:t>Token</a:t>
-            </a:r>
-            <a:r>
-              <a:rPr lang="zh-CN" altLang="en-US" kern="0" dirty="0">
-                <a:solidFill>
-                  <a:prstClr val="black"/>
-                </a:solidFill>
-                <a:latin typeface="微软雅黑" panose="020B0503020204020204" pitchFamily="34" charset="-122"/>
-                <a:ea typeface="微软雅黑" panose="020B0503020204020204" pitchFamily="34" charset="-122"/>
-                <a:cs typeface="Times New Roman" panose="02020603050405020304" pitchFamily="36" charset="0"/>
-                <a:sym typeface="+mn-ea"/>
-              </a:rPr>
-              <a:t>表征学习</a:t>
-            </a:r>
-          </a:p>
-        </p:txBody>
-      </p:sp>
-      <p:sp>
-        <p:nvSpPr>
-          <p:cNvPr id="144" name="矩形: 圆角 124">
-            <a:extLst>
-              <a:ext uri="{FF2B5EF4-FFF2-40B4-BE49-F238E27FC236}">
-                <a16:creationId xmlns:a16="http://schemas.microsoft.com/office/drawing/2014/main" id="{AF5A13AB-01B0-505A-B6EC-7EBD4650D7BF}"/>
-              </a:ext>
-            </a:extLst>
-          </p:cNvPr>
-          <p:cNvSpPr/>
-          <p:nvPr/>
-        </p:nvSpPr>
-        <p:spPr bwMode="auto">
-          <a:xfrm>
-            <a:off x="6342007" y="5305491"/>
-            <a:ext cx="1980000" cy="1008000"/>
-          </a:xfrm>
-          <a:prstGeom prst="roundRect">
-            <a:avLst/>
-          </a:prstGeom>
-          <a:solidFill>
-            <a:schemeClr val="accent6">
-              <a:lumMod val="20000"/>
-              <a:lumOff val="80000"/>
-            </a:schemeClr>
-          </a:solidFill>
-          <a:ln w="6350">
-            <a:solidFill>
-              <a:schemeClr val="accent6">
-                <a:lumMod val="20000"/>
-                <a:lumOff val="80000"/>
-              </a:schemeClr>
-            </a:solidFill>
-            <a:prstDash val="solid"/>
-            <a:headEnd type="none" w="med" len="med"/>
-            <a:tailEnd type="none" w="med" len="med"/>
-          </a:ln>
-        </p:spPr>
-        <p:style>
-          <a:lnRef idx="2">
-            <a:schemeClr val="accent4"/>
-          </a:lnRef>
-          <a:fillRef idx="1">
-            <a:schemeClr val="lt1"/>
-          </a:fillRef>
-          <a:effectRef idx="0">
-            <a:schemeClr val="accent4"/>
-          </a:effectRef>
-          <a:fontRef idx="minor">
-            <a:schemeClr val="dk1"/>
-          </a:fontRef>
-        </p:style>
-        <p:txBody>
-          <a:bodyPr vert="horz" wrap="square" lIns="91440" tIns="45720" rIns="91440" bIns="45720" numCol="1" rtlCol="0" anchor="ctr" anchorCtr="1" compatLnSpc="1"/>
-          <a:lstStyle/>
-          <a:p>
-            <a:r>
-              <a:rPr lang="zh-CN" altLang="en-US" kern="0" dirty="0">
-                <a:solidFill>
-                  <a:prstClr val="black"/>
-                </a:solidFill>
-                <a:latin typeface="微软雅黑" panose="020B0503020204020204" pitchFamily="34" charset="-122"/>
-                <a:ea typeface="微软雅黑" panose="020B0503020204020204" pitchFamily="34" charset="-122"/>
-                <a:cs typeface="Times New Roman" panose="02020603050405020304" pitchFamily="36" charset="0"/>
-                <a:sym typeface="+mn-ea"/>
-              </a:rPr>
-              <a:t>基于多模态学习的特征融合方法</a:t>
-            </a:r>
-          </a:p>
-        </p:txBody>
-      </p:sp>
-      <p:sp>
-        <p:nvSpPr>
-          <p:cNvPr id="146" name="矩形: 圆角 144">
-            <a:extLst>
-              <a:ext uri="{FF2B5EF4-FFF2-40B4-BE49-F238E27FC236}">
-                <a16:creationId xmlns:a16="http://schemas.microsoft.com/office/drawing/2014/main" id="{EA311515-E3A4-047D-8128-13F0FDF37804}"/>
-              </a:ext>
-            </a:extLst>
-          </p:cNvPr>
-          <p:cNvSpPr/>
-          <p:nvPr/>
-        </p:nvSpPr>
-        <p:spPr>
-          <a:xfrm>
-            <a:off x="713971" y="369000"/>
-            <a:ext cx="2340000" cy="540000"/>
-          </a:xfrm>
-          <a:prstGeom prst="roundRect">
-            <a:avLst/>
-          </a:prstGeom>
-        </p:spPr>
-        <p:style>
-          <a:lnRef idx="1">
-            <a:schemeClr val="accent1"/>
-          </a:lnRef>
-          <a:fillRef idx="3">
-            <a:schemeClr val="accent1"/>
-          </a:fillRef>
-          <a:effectRef idx="2">
-            <a:schemeClr val="accent1"/>
-          </a:effectRef>
-          <a:fontRef idx="minor">
-            <a:schemeClr val="lt1"/>
-          </a:fontRef>
-        </p:style>
-        <p:txBody>
-          <a:bodyPr rtlCol="0" anchor="ctr"/>
-          <a:lstStyle/>
-          <a:p>
-            <a:pPr indent="0" algn="ctr"/>
-            <a:r>
-              <a:rPr lang="zh-CN" altLang="en-US" b="1" dirty="0">
-                <a:latin typeface="微软雅黑" panose="020B0503020204020204" pitchFamily="34" charset="-122"/>
-                <a:ea typeface="微软雅黑" panose="020B0503020204020204" pitchFamily="34" charset="-122"/>
-                <a:cs typeface="宋体" panose="02010600030101010101" pitchFamily="2" charset="-122"/>
-                <a:sym typeface="+mn-ea"/>
-              </a:rPr>
-              <a:t>代码表征学习</a:t>
-            </a:r>
-          </a:p>
-        </p:txBody>
-      </p:sp>
-    </p:spTree>
-    <p:extLst>
-      <p:ext uri="{BB962C8B-B14F-4D97-AF65-F5344CB8AC3E}">
-        <p14:creationId xmlns:p14="http://schemas.microsoft.com/office/powerpoint/2010/main" val="31669864"/>
       </p:ext>
     </p:extLst>
   </p:cSld>

--- a/graduate-thesis/figures/ppt.pptx
+++ b/graduate-thesis/figures/ppt.pptx
@@ -11,6 +11,7 @@
     <p:sldId id="256" r:id="rId5"/>
     <p:sldId id="262" r:id="rId6"/>
     <p:sldId id="257" r:id="rId7"/>
+    <p:sldId id="263" r:id="rId8"/>
   </p:sldIdLst>
   <p:sldSz cx="12192000" cy="6858000"/>
   <p:notesSz cx="6858000" cy="9144000"/>
@@ -1427,7 +1428,7 @@
           <a:p>
             <a:fld id="{45015B89-2F5E-4669-B7A0-C312F8064276}" type="datetimeFigureOut">
               <a:rPr lang="zh-CN" altLang="en-US" smtClean="0"/>
-              <a:t>2024/3/29</a:t>
+              <a:t>2024/4/2</a:t>
             </a:fld>
             <a:endParaRPr lang="zh-CN" altLang="en-US"/>
           </a:p>
@@ -1625,7 +1626,7 @@
           <a:p>
             <a:fld id="{45015B89-2F5E-4669-B7A0-C312F8064276}" type="datetimeFigureOut">
               <a:rPr lang="zh-CN" altLang="en-US" smtClean="0"/>
-              <a:t>2024/3/29</a:t>
+              <a:t>2024/4/2</a:t>
             </a:fld>
             <a:endParaRPr lang="zh-CN" altLang="en-US"/>
           </a:p>
@@ -1833,7 +1834,7 @@
           <a:p>
             <a:fld id="{45015B89-2F5E-4669-B7A0-C312F8064276}" type="datetimeFigureOut">
               <a:rPr lang="zh-CN" altLang="en-US" smtClean="0"/>
-              <a:t>2024/3/29</a:t>
+              <a:t>2024/4/2</a:t>
             </a:fld>
             <a:endParaRPr lang="zh-CN" altLang="en-US"/>
           </a:p>
@@ -2031,7 +2032,7 @@
           <a:p>
             <a:fld id="{45015B89-2F5E-4669-B7A0-C312F8064276}" type="datetimeFigureOut">
               <a:rPr lang="zh-CN" altLang="en-US" smtClean="0"/>
-              <a:t>2024/3/29</a:t>
+              <a:t>2024/4/2</a:t>
             </a:fld>
             <a:endParaRPr lang="zh-CN" altLang="en-US"/>
           </a:p>
@@ -2306,7 +2307,7 @@
           <a:p>
             <a:fld id="{45015B89-2F5E-4669-B7A0-C312F8064276}" type="datetimeFigureOut">
               <a:rPr lang="zh-CN" altLang="en-US" smtClean="0"/>
-              <a:t>2024/3/29</a:t>
+              <a:t>2024/4/2</a:t>
             </a:fld>
             <a:endParaRPr lang="zh-CN" altLang="en-US"/>
           </a:p>
@@ -2571,7 +2572,7 @@
           <a:p>
             <a:fld id="{45015B89-2F5E-4669-B7A0-C312F8064276}" type="datetimeFigureOut">
               <a:rPr lang="zh-CN" altLang="en-US" smtClean="0"/>
-              <a:t>2024/3/29</a:t>
+              <a:t>2024/4/2</a:t>
             </a:fld>
             <a:endParaRPr lang="zh-CN" altLang="en-US"/>
           </a:p>
@@ -2983,7 +2984,7 @@
           <a:p>
             <a:fld id="{45015B89-2F5E-4669-B7A0-C312F8064276}" type="datetimeFigureOut">
               <a:rPr lang="zh-CN" altLang="en-US" smtClean="0"/>
-              <a:t>2024/3/29</a:t>
+              <a:t>2024/4/2</a:t>
             </a:fld>
             <a:endParaRPr lang="zh-CN" altLang="en-US"/>
           </a:p>
@@ -3124,7 +3125,7 @@
           <a:p>
             <a:fld id="{45015B89-2F5E-4669-B7A0-C312F8064276}" type="datetimeFigureOut">
               <a:rPr lang="zh-CN" altLang="en-US" smtClean="0"/>
-              <a:t>2024/3/29</a:t>
+              <a:t>2024/4/2</a:t>
             </a:fld>
             <a:endParaRPr lang="zh-CN" altLang="en-US"/>
           </a:p>
@@ -3237,7 +3238,7 @@
           <a:p>
             <a:fld id="{45015B89-2F5E-4669-B7A0-C312F8064276}" type="datetimeFigureOut">
               <a:rPr lang="zh-CN" altLang="en-US" smtClean="0"/>
-              <a:t>2024/3/29</a:t>
+              <a:t>2024/4/2</a:t>
             </a:fld>
             <a:endParaRPr lang="zh-CN" altLang="en-US"/>
           </a:p>
@@ -3548,7 +3549,7 @@
           <a:p>
             <a:fld id="{45015B89-2F5E-4669-B7A0-C312F8064276}" type="datetimeFigureOut">
               <a:rPr lang="zh-CN" altLang="en-US" smtClean="0"/>
-              <a:t>2024/3/29</a:t>
+              <a:t>2024/4/2</a:t>
             </a:fld>
             <a:endParaRPr lang="zh-CN" altLang="en-US"/>
           </a:p>
@@ -3836,7 +3837,7 @@
           <a:p>
             <a:fld id="{45015B89-2F5E-4669-B7A0-C312F8064276}" type="datetimeFigureOut">
               <a:rPr lang="zh-CN" altLang="en-US" smtClean="0"/>
-              <a:t>2024/3/29</a:t>
+              <a:t>2024/4/2</a:t>
             </a:fld>
             <a:endParaRPr lang="zh-CN" altLang="en-US"/>
           </a:p>
@@ -4077,7 +4078,7 @@
           <a:p>
             <a:fld id="{45015B89-2F5E-4669-B7A0-C312F8064276}" type="datetimeFigureOut">
               <a:rPr lang="zh-CN" altLang="en-US" smtClean="0"/>
-              <a:t>2024/3/29</a:t>
+              <a:t>2024/4/2</a:t>
             </a:fld>
             <a:endParaRPr lang="zh-CN" altLang="en-US"/>
           </a:p>
@@ -11372,19 +11373,7 @@
                 <a:cs typeface="Times New Roman" panose="02020603050405020304" pitchFamily="36" charset="0"/>
                 <a:sym typeface="+mn-ea"/>
               </a:rPr>
-              <a:t>有</a:t>
-            </a:r>
-            <a:r>
-              <a:rPr lang="zh-CN" altLang="en-US" kern="0">
-                <a:solidFill>
-                  <a:prstClr val="black"/>
-                </a:solidFill>
-                <a:latin typeface="微软雅黑" panose="020B0503020204020204" pitchFamily="34" charset="-122"/>
-                <a:ea typeface="微软雅黑" panose="020B0503020204020204" pitchFamily="34" charset="-122"/>
-                <a:cs typeface="Times New Roman" panose="02020603050405020304" pitchFamily="36" charset="0"/>
-                <a:sym typeface="+mn-ea"/>
-              </a:rPr>
-              <a:t>向多重图</a:t>
+              <a:t>有向多重图</a:t>
             </a:r>
             <a:r>
               <a:rPr lang="en-US" altLang="zh-CN" kern="0" dirty="0">
@@ -13586,8 +13575,8 @@
         </p:nvSpPr>
         <p:spPr bwMode="auto">
           <a:xfrm>
-            <a:off x="374526" y="3801720"/>
-            <a:ext cx="1194781" cy="2207040"/>
+            <a:off x="374543" y="4260769"/>
+            <a:ext cx="1194781" cy="1540936"/>
           </a:xfrm>
           <a:prstGeom prst="roundRect">
             <a:avLst>
@@ -13646,93 +13635,12 @@
         </p:nvGrpSpPr>
         <p:grpSpPr>
           <a:xfrm>
-            <a:off x="485916" y="4014480"/>
-            <a:ext cx="972000" cy="1781520"/>
-            <a:chOff x="355713" y="3818834"/>
-            <a:chExt cx="972000" cy="1781520"/>
+            <a:off x="485933" y="4446185"/>
+            <a:ext cx="972000" cy="1142760"/>
+            <a:chOff x="355713" y="4457594"/>
+            <a:chExt cx="972000" cy="1142760"/>
           </a:xfrm>
         </p:grpSpPr>
-        <p:sp>
-          <p:nvSpPr>
-            <p:cNvPr id="154" name="流程图: 过程 153">
-              <a:extLst>
-                <a:ext uri="{FF2B5EF4-FFF2-40B4-BE49-F238E27FC236}">
-                  <a16:creationId xmlns:a16="http://schemas.microsoft.com/office/drawing/2014/main" id="{2A1853D4-A068-B53E-C88C-2938B4B94B5D}"/>
-                </a:ext>
-              </a:extLst>
-            </p:cNvPr>
-            <p:cNvSpPr/>
-            <p:nvPr/>
-          </p:nvSpPr>
-          <p:spPr>
-            <a:xfrm>
-              <a:off x="355713" y="3818834"/>
-              <a:ext cx="972000" cy="504000"/>
-            </a:xfrm>
-            <a:prstGeom prst="flowChartProcess">
-              <a:avLst/>
-            </a:prstGeom>
-            <a:solidFill>
-              <a:schemeClr val="bg1">
-                <a:lumMod val="85000"/>
-              </a:schemeClr>
-            </a:solidFill>
-            <a:ln w="6350">
-              <a:solidFill>
-                <a:schemeClr val="bg1">
-                  <a:lumMod val="85000"/>
-                </a:schemeClr>
-              </a:solidFill>
-              <a:prstDash val="solid"/>
-              <a:headEnd type="none" w="med" len="med"/>
-              <a:tailEnd type="none" w="med" len="med"/>
-            </a:ln>
-          </p:spPr>
-          <p:style>
-            <a:lnRef idx="2">
-              <a:schemeClr val="accent3"/>
-            </a:lnRef>
-            <a:fillRef idx="1">
-              <a:schemeClr val="lt1"/>
-            </a:fillRef>
-            <a:effectRef idx="0">
-              <a:schemeClr val="accent3"/>
-            </a:effectRef>
-            <a:fontRef idx="minor">
-              <a:schemeClr val="dk1"/>
-            </a:fontRef>
-          </p:style>
-          <p:txBody>
-            <a:bodyPr vert="horz" wrap="square" lIns="91440" tIns="45720" rIns="91440" bIns="45720" numCol="1" rtlCol="0" anchor="ctr" anchorCtr="1" compatLnSpc="1"/>
-            <a:lstStyle/>
-            <a:p>
-              <a:pPr algn="ctr">
-                <a:spcBef>
-                  <a:spcPct val="50000"/>
-                </a:spcBef>
-              </a:pPr>
-              <a:r>
-                <a:rPr lang="zh-CN" altLang="zh-CN" sz="1600" b="1" kern="0" dirty="0">
-                  <a:solidFill>
-                    <a:prstClr val="black"/>
-                  </a:solidFill>
-                  <a:latin typeface="微软雅黑" panose="020B0503020204020204" pitchFamily="34" charset="-122"/>
-                  <a:ea typeface="微软雅黑" panose="020B0503020204020204" pitchFamily="34" charset="-122"/>
-                  <a:cs typeface="Times New Roman" panose="02020603050405020304" pitchFamily="36" charset="0"/>
-                </a:rPr>
-                <a:t>抽取代码块</a:t>
-              </a:r>
-              <a:endParaRPr lang="zh-CN" altLang="en-US" sz="1600" b="1" kern="0" dirty="0">
-                <a:solidFill>
-                  <a:prstClr val="black"/>
-                </a:solidFill>
-                <a:latin typeface="微软雅黑" panose="020B0503020204020204" pitchFamily="34" charset="-122"/>
-                <a:ea typeface="微软雅黑" panose="020B0503020204020204" pitchFamily="34" charset="-122"/>
-                <a:cs typeface="Times New Roman" panose="02020603050405020304" pitchFamily="36" charset="0"/>
-              </a:endParaRPr>
-            </a:p>
-          </p:txBody>
-        </p:sp>
         <p:sp>
           <p:nvSpPr>
             <p:cNvPr id="155" name="流程图: 过程 154">
@@ -20240,6 +20148,4559 @@
 </p:sld>
 </file>
 
+<file path=ppt/slides/slide7.xml><?xml version="1.0" encoding="utf-8"?>
+<p:sld xmlns:a="http://schemas.openxmlformats.org/drawingml/2006/main" xmlns:r="http://schemas.openxmlformats.org/officeDocument/2006/relationships" xmlns:p="http://schemas.openxmlformats.org/presentationml/2006/main">
+  <p:cSld>
+    <p:spTree>
+      <p:nvGrpSpPr>
+        <p:cNvPr id="1" name=""/>
+        <p:cNvGrpSpPr/>
+        <p:nvPr/>
+      </p:nvGrpSpPr>
+      <p:grpSpPr>
+        <a:xfrm>
+          <a:off x="0" y="0"/>
+          <a:ext cx="0" cy="0"/>
+          <a:chOff x="0" y="0"/>
+          <a:chExt cx="0" cy="0"/>
+        </a:xfrm>
+      </p:grpSpPr>
+      <p:sp>
+        <p:nvSpPr>
+          <p:cNvPr id="100" name="矩形: 圆角 99">
+            <a:extLst>
+              <a:ext uri="{FF2B5EF4-FFF2-40B4-BE49-F238E27FC236}">
+                <a16:creationId xmlns:a16="http://schemas.microsoft.com/office/drawing/2014/main" id="{D7A3FFAD-6A5A-7840-F33F-2D7F71CB15C3}"/>
+              </a:ext>
+            </a:extLst>
+          </p:cNvPr>
+          <p:cNvSpPr/>
+          <p:nvPr/>
+        </p:nvSpPr>
+        <p:spPr>
+          <a:xfrm>
+            <a:off x="5621549" y="1457445"/>
+            <a:ext cx="963991" cy="1633790"/>
+          </a:xfrm>
+          <a:prstGeom prst="roundRect">
+            <a:avLst/>
+          </a:prstGeom>
+          <a:solidFill>
+            <a:srgbClr val="9BBBE1">
+              <a:alpha val="50000"/>
+            </a:srgbClr>
+          </a:solidFill>
+          <a:ln>
+            <a:noFill/>
+            <a:prstDash val="sysDot"/>
+          </a:ln>
+        </p:spPr>
+        <p:style>
+          <a:lnRef idx="2">
+            <a:schemeClr val="accent1">
+              <a:shade val="15000"/>
+            </a:schemeClr>
+          </a:lnRef>
+          <a:fillRef idx="1">
+            <a:schemeClr val="accent1"/>
+          </a:fillRef>
+          <a:effectRef idx="0">
+            <a:schemeClr val="accent1"/>
+          </a:effectRef>
+          <a:fontRef idx="minor">
+            <a:schemeClr val="lt1"/>
+          </a:fontRef>
+        </p:style>
+        <p:txBody>
+          <a:bodyPr rtlCol="0" anchor="ctr"/>
+          <a:lstStyle/>
+          <a:p>
+            <a:pPr algn="ctr"/>
+            <a:endParaRPr lang="zh-CN" altLang="en-US">
+              <a:latin typeface="微软雅黑" panose="020B0503020204020204" pitchFamily="34" charset="-122"/>
+              <a:ea typeface="微软雅黑" panose="020B0503020204020204" pitchFamily="34" charset="-122"/>
+            </a:endParaRPr>
+          </a:p>
+        </p:txBody>
+      </p:sp>
+      <p:sp>
+        <p:nvSpPr>
+          <p:cNvPr id="3" name="文本框 2">
+            <a:extLst>
+              <a:ext uri="{FF2B5EF4-FFF2-40B4-BE49-F238E27FC236}">
+                <a16:creationId xmlns:a16="http://schemas.microsoft.com/office/drawing/2014/main" id="{3F6705C3-5CED-C99B-A373-CF88FC8B7728}"/>
+              </a:ext>
+            </a:extLst>
+          </p:cNvPr>
+          <p:cNvSpPr txBox="1"/>
+          <p:nvPr/>
+        </p:nvSpPr>
+        <p:spPr>
+          <a:xfrm>
+            <a:off x="253102" y="2663326"/>
+            <a:ext cx="1986455" cy="369332"/>
+          </a:xfrm>
+          <a:prstGeom prst="rect">
+            <a:avLst/>
+          </a:prstGeom>
+          <a:noFill/>
+        </p:spPr>
+        <p:txBody>
+          <a:bodyPr wrap="square" rtlCol="0">
+            <a:spAutoFit/>
+          </a:bodyPr>
+          <a:lstStyle/>
+          <a:p>
+            <a:pPr algn="ctr"/>
+            <a:r>
+              <a:rPr lang="zh-CN" altLang="en-US" dirty="0">
+                <a:latin typeface="微软雅黑" panose="020B0503020204020204" pitchFamily="34" charset="-122"/>
+                <a:ea typeface="微软雅黑" panose="020B0503020204020204" pitchFamily="34" charset="-122"/>
+              </a:rPr>
+              <a:t>源代码</a:t>
+            </a:r>
+            <a:r>
+              <a:rPr lang="en-US" altLang="zh-CN" dirty="0">
+                <a:latin typeface="微软雅黑" panose="020B0503020204020204" pitchFamily="34" charset="-122"/>
+                <a:ea typeface="微软雅黑" panose="020B0503020204020204" pitchFamily="34" charset="-122"/>
+              </a:rPr>
+              <a:t>A</a:t>
+            </a:r>
+            <a:endParaRPr lang="zh-CN" altLang="en-US" dirty="0">
+              <a:latin typeface="微软雅黑" panose="020B0503020204020204" pitchFamily="34" charset="-122"/>
+              <a:ea typeface="微软雅黑" panose="020B0503020204020204" pitchFamily="34" charset="-122"/>
+            </a:endParaRPr>
+          </a:p>
+        </p:txBody>
+      </p:sp>
+      <p:sp>
+        <p:nvSpPr>
+          <p:cNvPr id="8" name="TextBox 50">
+            <a:extLst>
+              <a:ext uri="{FF2B5EF4-FFF2-40B4-BE49-F238E27FC236}">
+                <a16:creationId xmlns:a16="http://schemas.microsoft.com/office/drawing/2014/main" id="{747DA11D-45D6-E4A1-3DD6-8C9356FEC1D4}"/>
+              </a:ext>
+            </a:extLst>
+          </p:cNvPr>
+          <p:cNvSpPr txBox="1"/>
+          <p:nvPr/>
+        </p:nvSpPr>
+        <p:spPr>
+          <a:xfrm>
+            <a:off x="1753644" y="2772771"/>
+            <a:ext cx="1462306" cy="338554"/>
+          </a:xfrm>
+          <a:prstGeom prst="rect">
+            <a:avLst/>
+          </a:prstGeom>
+          <a:noFill/>
+        </p:spPr>
+        <p:txBody>
+          <a:bodyPr wrap="square" rtlCol="0">
+            <a:spAutoFit/>
+          </a:bodyPr>
+          <a:lstStyle/>
+          <a:p>
+            <a:pPr algn="ctr"/>
+            <a:r>
+              <a:rPr lang="zh-CN" altLang="en-US" sz="1600" dirty="0">
+                <a:latin typeface="微软雅黑" panose="020B0503020204020204" pitchFamily="34" charset="-122"/>
+                <a:ea typeface="微软雅黑" panose="020B0503020204020204" pitchFamily="34" charset="-122"/>
+                <a:cs typeface="Times New Roman" panose="02020603050405020304" pitchFamily="18" charset="0"/>
+              </a:rPr>
+              <a:t>代码预处理</a:t>
+            </a:r>
+          </a:p>
+        </p:txBody>
+      </p:sp>
+      <p:sp>
+        <p:nvSpPr>
+          <p:cNvPr id="9" name="TextBox 51">
+            <a:extLst>
+              <a:ext uri="{FF2B5EF4-FFF2-40B4-BE49-F238E27FC236}">
+                <a16:creationId xmlns:a16="http://schemas.microsoft.com/office/drawing/2014/main" id="{0E22D8D0-169B-2E4D-0E38-941D8FB919D5}"/>
+              </a:ext>
+            </a:extLst>
+          </p:cNvPr>
+          <p:cNvSpPr txBox="1"/>
+          <p:nvPr/>
+        </p:nvSpPr>
+        <p:spPr>
+          <a:xfrm>
+            <a:off x="3075585" y="5223472"/>
+            <a:ext cx="1196491" cy="369332"/>
+          </a:xfrm>
+          <a:prstGeom prst="rect">
+            <a:avLst/>
+          </a:prstGeom>
+          <a:noFill/>
+        </p:spPr>
+        <p:txBody>
+          <a:bodyPr wrap="square" rtlCol="0">
+            <a:spAutoFit/>
+          </a:bodyPr>
+          <a:lstStyle/>
+          <a:p>
+            <a:pPr algn="ctr"/>
+            <a:r>
+              <a:rPr lang="zh-CN" altLang="en-US" b="1" dirty="0">
+                <a:latin typeface="微软雅黑" panose="020B0503020204020204" pitchFamily="34" charset="-122"/>
+                <a:ea typeface="微软雅黑" panose="020B0503020204020204" pitchFamily="34" charset="-122"/>
+                <a:cs typeface="Times New Roman" panose="02020603050405020304" pitchFamily="18" charset="0"/>
+              </a:rPr>
+              <a:t>中间表示</a:t>
+            </a:r>
+          </a:p>
+        </p:txBody>
+      </p:sp>
+      <p:cxnSp>
+        <p:nvCxnSpPr>
+          <p:cNvPr id="44" name="直接箭头连接符 43">
+            <a:extLst>
+              <a:ext uri="{FF2B5EF4-FFF2-40B4-BE49-F238E27FC236}">
+                <a16:creationId xmlns:a16="http://schemas.microsoft.com/office/drawing/2014/main" id="{FC750E6A-1BCB-C906-E06F-ED74C0B2932F}"/>
+              </a:ext>
+            </a:extLst>
+          </p:cNvPr>
+          <p:cNvCxnSpPr>
+            <a:cxnSpLocks/>
+          </p:cNvCxnSpPr>
+          <p:nvPr/>
+        </p:nvCxnSpPr>
+        <p:spPr>
+          <a:xfrm rot="16200000">
+            <a:off x="2565237" y="2774065"/>
+            <a:ext cx="0" cy="835572"/>
+          </a:xfrm>
+          <a:prstGeom prst="straightConnector1">
+            <a:avLst/>
+          </a:prstGeom>
+          <a:ln w="38100">
+            <a:solidFill>
+              <a:schemeClr val="tx1">
+                <a:lumMod val="95000"/>
+                <a:lumOff val="5000"/>
+              </a:schemeClr>
+            </a:solidFill>
+            <a:tailEnd type="triangle"/>
+          </a:ln>
+        </p:spPr>
+        <p:style>
+          <a:lnRef idx="1">
+            <a:schemeClr val="accent1"/>
+          </a:lnRef>
+          <a:fillRef idx="0">
+            <a:schemeClr val="accent1"/>
+          </a:fillRef>
+          <a:effectRef idx="0">
+            <a:schemeClr val="accent1"/>
+          </a:effectRef>
+          <a:fontRef idx="minor">
+            <a:schemeClr val="tx1"/>
+          </a:fontRef>
+        </p:style>
+      </p:cxnSp>
+      <p:sp>
+        <p:nvSpPr>
+          <p:cNvPr id="45" name="TextBox 51">
+            <a:extLst>
+              <a:ext uri="{FF2B5EF4-FFF2-40B4-BE49-F238E27FC236}">
+                <a16:creationId xmlns:a16="http://schemas.microsoft.com/office/drawing/2014/main" id="{B9EB4A7E-87C3-6886-EE9B-B9FCA3AB5F8F}"/>
+              </a:ext>
+            </a:extLst>
+          </p:cNvPr>
+          <p:cNvSpPr txBox="1"/>
+          <p:nvPr/>
+        </p:nvSpPr>
+        <p:spPr>
+          <a:xfrm>
+            <a:off x="4408903" y="2772771"/>
+            <a:ext cx="1196491" cy="338554"/>
+          </a:xfrm>
+          <a:prstGeom prst="rect">
+            <a:avLst/>
+          </a:prstGeom>
+          <a:noFill/>
+        </p:spPr>
+        <p:txBody>
+          <a:bodyPr wrap="square" rtlCol="0">
+            <a:spAutoFit/>
+          </a:bodyPr>
+          <a:lstStyle/>
+          <a:p>
+            <a:pPr algn="ctr"/>
+            <a:r>
+              <a:rPr lang="zh-CN" altLang="en-US" sz="1600" dirty="0">
+                <a:latin typeface="微软雅黑" panose="020B0503020204020204" pitchFamily="34" charset="-122"/>
+                <a:ea typeface="微软雅黑" panose="020B0503020204020204" pitchFamily="34" charset="-122"/>
+                <a:cs typeface="Times New Roman" panose="02020603050405020304" pitchFamily="18" charset="0"/>
+              </a:rPr>
+              <a:t>代码表征</a:t>
+            </a:r>
+          </a:p>
+        </p:txBody>
+      </p:sp>
+      <p:cxnSp>
+        <p:nvCxnSpPr>
+          <p:cNvPr id="46" name="直接箭头连接符 45">
+            <a:extLst>
+              <a:ext uri="{FF2B5EF4-FFF2-40B4-BE49-F238E27FC236}">
+                <a16:creationId xmlns:a16="http://schemas.microsoft.com/office/drawing/2014/main" id="{4E5DB90C-E10B-45F1-E1F3-45CB9908A82F}"/>
+              </a:ext>
+            </a:extLst>
+          </p:cNvPr>
+          <p:cNvCxnSpPr>
+            <a:cxnSpLocks/>
+          </p:cNvCxnSpPr>
+          <p:nvPr/>
+        </p:nvCxnSpPr>
+        <p:spPr>
+          <a:xfrm rot="16200000">
+            <a:off x="4960105" y="2774064"/>
+            <a:ext cx="0" cy="835572"/>
+          </a:xfrm>
+          <a:prstGeom prst="straightConnector1">
+            <a:avLst/>
+          </a:prstGeom>
+          <a:ln w="38100">
+            <a:solidFill>
+              <a:schemeClr val="tx1">
+                <a:lumMod val="95000"/>
+                <a:lumOff val="5000"/>
+              </a:schemeClr>
+            </a:solidFill>
+            <a:tailEnd type="triangle"/>
+          </a:ln>
+        </p:spPr>
+        <p:style>
+          <a:lnRef idx="1">
+            <a:schemeClr val="accent1"/>
+          </a:lnRef>
+          <a:fillRef idx="0">
+            <a:schemeClr val="accent1"/>
+          </a:fillRef>
+          <a:effectRef idx="0">
+            <a:schemeClr val="accent1"/>
+          </a:effectRef>
+          <a:fontRef idx="minor">
+            <a:schemeClr val="tx1"/>
+          </a:fontRef>
+        </p:style>
+      </p:cxnSp>
+      <p:cxnSp>
+        <p:nvCxnSpPr>
+          <p:cNvPr id="49" name="直接箭头连接符 48">
+            <a:extLst>
+              <a:ext uri="{FF2B5EF4-FFF2-40B4-BE49-F238E27FC236}">
+                <a16:creationId xmlns:a16="http://schemas.microsoft.com/office/drawing/2014/main" id="{CC1358EA-0F48-A3C0-AD11-C4AD3D871E06}"/>
+              </a:ext>
+            </a:extLst>
+          </p:cNvPr>
+          <p:cNvCxnSpPr>
+            <a:cxnSpLocks/>
+          </p:cNvCxnSpPr>
+          <p:nvPr/>
+        </p:nvCxnSpPr>
+        <p:spPr>
+          <a:xfrm rot="16200000">
+            <a:off x="7354973" y="2774065"/>
+            <a:ext cx="0" cy="835572"/>
+          </a:xfrm>
+          <a:prstGeom prst="straightConnector1">
+            <a:avLst/>
+          </a:prstGeom>
+          <a:ln w="38100">
+            <a:solidFill>
+              <a:schemeClr val="tx1">
+                <a:lumMod val="95000"/>
+                <a:lumOff val="5000"/>
+              </a:schemeClr>
+            </a:solidFill>
+            <a:tailEnd type="triangle"/>
+          </a:ln>
+        </p:spPr>
+        <p:style>
+          <a:lnRef idx="1">
+            <a:schemeClr val="accent1"/>
+          </a:lnRef>
+          <a:fillRef idx="0">
+            <a:schemeClr val="accent1"/>
+          </a:fillRef>
+          <a:effectRef idx="0">
+            <a:schemeClr val="accent1"/>
+          </a:effectRef>
+          <a:fontRef idx="minor">
+            <a:schemeClr val="tx1"/>
+          </a:fontRef>
+        </p:style>
+      </p:cxnSp>
+      <p:sp>
+        <p:nvSpPr>
+          <p:cNvPr id="55" name="文本框 54">
+            <a:extLst>
+              <a:ext uri="{FF2B5EF4-FFF2-40B4-BE49-F238E27FC236}">
+                <a16:creationId xmlns:a16="http://schemas.microsoft.com/office/drawing/2014/main" id="{8BFC94C9-FFED-3667-B5E0-2FE2D58B26C9}"/>
+              </a:ext>
+            </a:extLst>
+          </p:cNvPr>
+          <p:cNvSpPr txBox="1"/>
+          <p:nvPr/>
+        </p:nvSpPr>
+        <p:spPr>
+          <a:xfrm>
+            <a:off x="253102" y="4428807"/>
+            <a:ext cx="1986455" cy="369332"/>
+          </a:xfrm>
+          <a:prstGeom prst="rect">
+            <a:avLst/>
+          </a:prstGeom>
+          <a:noFill/>
+        </p:spPr>
+        <p:txBody>
+          <a:bodyPr wrap="square" rtlCol="0">
+            <a:spAutoFit/>
+          </a:bodyPr>
+          <a:lstStyle/>
+          <a:p>
+            <a:pPr algn="ctr"/>
+            <a:r>
+              <a:rPr lang="zh-CN" altLang="en-US" dirty="0">
+                <a:latin typeface="微软雅黑" panose="020B0503020204020204" pitchFamily="34" charset="-122"/>
+                <a:ea typeface="微软雅黑" panose="020B0503020204020204" pitchFamily="34" charset="-122"/>
+              </a:rPr>
+              <a:t>源代码</a:t>
+            </a:r>
+            <a:r>
+              <a:rPr lang="en-US" altLang="zh-CN" dirty="0">
+                <a:latin typeface="微软雅黑" panose="020B0503020204020204" pitchFamily="34" charset="-122"/>
+                <a:ea typeface="微软雅黑" panose="020B0503020204020204" pitchFamily="34" charset="-122"/>
+              </a:rPr>
+              <a:t>B</a:t>
+            </a:r>
+            <a:endParaRPr lang="zh-CN" altLang="en-US" dirty="0">
+              <a:latin typeface="微软雅黑" panose="020B0503020204020204" pitchFamily="34" charset="-122"/>
+              <a:ea typeface="微软雅黑" panose="020B0503020204020204" pitchFamily="34" charset="-122"/>
+            </a:endParaRPr>
+          </a:p>
+        </p:txBody>
+      </p:sp>
+      <p:sp>
+        <p:nvSpPr>
+          <p:cNvPr id="57" name="letter-with-text-lines_73929">
+            <a:extLst>
+              <a:ext uri="{FF2B5EF4-FFF2-40B4-BE49-F238E27FC236}">
+                <a16:creationId xmlns:a16="http://schemas.microsoft.com/office/drawing/2014/main" id="{CE5E7944-701A-A97A-B862-2C1F46932A7D}"/>
+              </a:ext>
+            </a:extLst>
+          </p:cNvPr>
+          <p:cNvSpPr/>
+          <p:nvPr/>
+        </p:nvSpPr>
+        <p:spPr>
+          <a:xfrm>
+            <a:off x="1003178" y="3804519"/>
+            <a:ext cx="486303" cy="609685"/>
+          </a:xfrm>
+          <a:custGeom>
+            <a:avLst/>
+            <a:gdLst>
+              <a:gd name="connsiteX0" fmla="*/ 255087 w 484502"/>
+              <a:gd name="connsiteY0" fmla="*/ 467002 h 607427"/>
+              <a:gd name="connsiteX1" fmla="*/ 383531 w 484502"/>
+              <a:gd name="connsiteY1" fmla="*/ 467002 h 607427"/>
+              <a:gd name="connsiteX2" fmla="*/ 402788 w 484502"/>
+              <a:gd name="connsiteY2" fmla="*/ 486267 h 607427"/>
+              <a:gd name="connsiteX3" fmla="*/ 383531 w 484502"/>
+              <a:gd name="connsiteY3" fmla="*/ 505531 h 607427"/>
+              <a:gd name="connsiteX4" fmla="*/ 255087 w 484502"/>
+              <a:gd name="connsiteY4" fmla="*/ 505531 h 607427"/>
+              <a:gd name="connsiteX5" fmla="*/ 235830 w 484502"/>
+              <a:gd name="connsiteY5" fmla="*/ 486267 h 607427"/>
+              <a:gd name="connsiteX6" fmla="*/ 255087 w 484502"/>
+              <a:gd name="connsiteY6" fmla="*/ 467002 h 607427"/>
+              <a:gd name="connsiteX7" fmla="*/ 102671 w 484502"/>
+              <a:gd name="connsiteY7" fmla="*/ 325236 h 607427"/>
+              <a:gd name="connsiteX8" fmla="*/ 383524 w 484502"/>
+              <a:gd name="connsiteY8" fmla="*/ 325236 h 607427"/>
+              <a:gd name="connsiteX9" fmla="*/ 402787 w 484502"/>
+              <a:gd name="connsiteY9" fmla="*/ 344501 h 607427"/>
+              <a:gd name="connsiteX10" fmla="*/ 383524 w 484502"/>
+              <a:gd name="connsiteY10" fmla="*/ 363765 h 607427"/>
+              <a:gd name="connsiteX11" fmla="*/ 102671 w 484502"/>
+              <a:gd name="connsiteY11" fmla="*/ 363765 h 607427"/>
+              <a:gd name="connsiteX12" fmla="*/ 83408 w 484502"/>
+              <a:gd name="connsiteY12" fmla="*/ 344501 h 607427"/>
+              <a:gd name="connsiteX13" fmla="*/ 102671 w 484502"/>
+              <a:gd name="connsiteY13" fmla="*/ 325236 h 607427"/>
+              <a:gd name="connsiteX14" fmla="*/ 102671 w 484502"/>
+              <a:gd name="connsiteY14" fmla="*/ 234842 h 607427"/>
+              <a:gd name="connsiteX15" fmla="*/ 383524 w 484502"/>
+              <a:gd name="connsiteY15" fmla="*/ 234842 h 607427"/>
+              <a:gd name="connsiteX16" fmla="*/ 402787 w 484502"/>
+              <a:gd name="connsiteY16" fmla="*/ 254071 h 607427"/>
+              <a:gd name="connsiteX17" fmla="*/ 383524 w 484502"/>
+              <a:gd name="connsiteY17" fmla="*/ 273300 h 607427"/>
+              <a:gd name="connsiteX18" fmla="*/ 102671 w 484502"/>
+              <a:gd name="connsiteY18" fmla="*/ 273300 h 607427"/>
+              <a:gd name="connsiteX19" fmla="*/ 83408 w 484502"/>
+              <a:gd name="connsiteY19" fmla="*/ 254071 h 607427"/>
+              <a:gd name="connsiteX20" fmla="*/ 102671 w 484502"/>
+              <a:gd name="connsiteY20" fmla="*/ 234842 h 607427"/>
+              <a:gd name="connsiteX21" fmla="*/ 102673 w 484502"/>
+              <a:gd name="connsiteY21" fmla="*/ 144236 h 607427"/>
+              <a:gd name="connsiteX22" fmla="*/ 231171 w 484502"/>
+              <a:gd name="connsiteY22" fmla="*/ 144236 h 607427"/>
+              <a:gd name="connsiteX23" fmla="*/ 250436 w 484502"/>
+              <a:gd name="connsiteY23" fmla="*/ 163500 h 607427"/>
+              <a:gd name="connsiteX24" fmla="*/ 231171 w 484502"/>
+              <a:gd name="connsiteY24" fmla="*/ 182765 h 607427"/>
+              <a:gd name="connsiteX25" fmla="*/ 102673 w 484502"/>
+              <a:gd name="connsiteY25" fmla="*/ 182765 h 607427"/>
+              <a:gd name="connsiteX26" fmla="*/ 83408 w 484502"/>
+              <a:gd name="connsiteY26" fmla="*/ 163500 h 607427"/>
+              <a:gd name="connsiteX27" fmla="*/ 102673 w 484502"/>
+              <a:gd name="connsiteY27" fmla="*/ 144236 h 607427"/>
+              <a:gd name="connsiteX28" fmla="*/ 345412 w 484502"/>
+              <a:gd name="connsiteY28" fmla="*/ 60589 h 607427"/>
+              <a:gd name="connsiteX29" fmla="*/ 345412 w 484502"/>
+              <a:gd name="connsiteY29" fmla="*/ 137912 h 607427"/>
+              <a:gd name="connsiteX30" fmla="*/ 351770 w 484502"/>
+              <a:gd name="connsiteY30" fmla="*/ 144259 h 607427"/>
+              <a:gd name="connsiteX31" fmla="*/ 429984 w 484502"/>
+              <a:gd name="connsiteY31" fmla="*/ 144259 h 607427"/>
+              <a:gd name="connsiteX32" fmla="*/ 44886 w 484502"/>
+              <a:gd name="connsiteY32" fmla="*/ 38469 h 607427"/>
+              <a:gd name="connsiteX33" fmla="*/ 38529 w 484502"/>
+              <a:gd name="connsiteY33" fmla="*/ 44816 h 607427"/>
+              <a:gd name="connsiteX34" fmla="*/ 38529 w 484502"/>
+              <a:gd name="connsiteY34" fmla="*/ 562418 h 607427"/>
+              <a:gd name="connsiteX35" fmla="*/ 44886 w 484502"/>
+              <a:gd name="connsiteY35" fmla="*/ 568958 h 607427"/>
+              <a:gd name="connsiteX36" fmla="*/ 439616 w 484502"/>
+              <a:gd name="connsiteY36" fmla="*/ 568958 h 607427"/>
+              <a:gd name="connsiteX37" fmla="*/ 445973 w 484502"/>
+              <a:gd name="connsiteY37" fmla="*/ 562418 h 607427"/>
+              <a:gd name="connsiteX38" fmla="*/ 445973 w 484502"/>
+              <a:gd name="connsiteY38" fmla="*/ 182728 h 607427"/>
+              <a:gd name="connsiteX39" fmla="*/ 351770 w 484502"/>
+              <a:gd name="connsiteY39" fmla="*/ 182728 h 607427"/>
+              <a:gd name="connsiteX40" fmla="*/ 306883 w 484502"/>
+              <a:gd name="connsiteY40" fmla="*/ 137912 h 607427"/>
+              <a:gd name="connsiteX41" fmla="*/ 306883 w 484502"/>
+              <a:gd name="connsiteY41" fmla="*/ 38469 h 607427"/>
+              <a:gd name="connsiteX42" fmla="*/ 305535 w 484502"/>
+              <a:gd name="connsiteY42" fmla="*/ 38469 h 607427"/>
+              <a:gd name="connsiteX43" fmla="*/ 44886 w 484502"/>
+              <a:gd name="connsiteY43" fmla="*/ 0 h 607427"/>
+              <a:gd name="connsiteX44" fmla="*/ 305535 w 484502"/>
+              <a:gd name="connsiteY44" fmla="*/ 0 h 607427"/>
+              <a:gd name="connsiteX45" fmla="*/ 362943 w 484502"/>
+              <a:gd name="connsiteY45" fmla="*/ 23658 h 607427"/>
+              <a:gd name="connsiteX46" fmla="*/ 460614 w 484502"/>
+              <a:gd name="connsiteY46" fmla="*/ 120601 h 607427"/>
+              <a:gd name="connsiteX47" fmla="*/ 484502 w 484502"/>
+              <a:gd name="connsiteY47" fmla="*/ 177919 h 607427"/>
+              <a:gd name="connsiteX48" fmla="*/ 484502 w 484502"/>
+              <a:gd name="connsiteY48" fmla="*/ 562418 h 607427"/>
+              <a:gd name="connsiteX49" fmla="*/ 439616 w 484502"/>
+              <a:gd name="connsiteY49" fmla="*/ 607427 h 607427"/>
+              <a:gd name="connsiteX50" fmla="*/ 44886 w 484502"/>
+              <a:gd name="connsiteY50" fmla="*/ 607427 h 607427"/>
+              <a:gd name="connsiteX51" fmla="*/ 0 w 484502"/>
+              <a:gd name="connsiteY51" fmla="*/ 562418 h 607427"/>
+              <a:gd name="connsiteX52" fmla="*/ 0 w 484502"/>
+              <a:gd name="connsiteY52" fmla="*/ 44816 h 607427"/>
+              <a:gd name="connsiteX53" fmla="*/ 44886 w 484502"/>
+              <a:gd name="connsiteY53" fmla="*/ 0 h 607427"/>
+            </a:gdLst>
+            <a:ahLst/>
+            <a:cxnLst>
+              <a:cxn ang="0">
+                <a:pos x="connsiteX0" y="connsiteY0"/>
+              </a:cxn>
+              <a:cxn ang="0">
+                <a:pos x="connsiteX1" y="connsiteY1"/>
+              </a:cxn>
+              <a:cxn ang="0">
+                <a:pos x="connsiteX2" y="connsiteY2"/>
+              </a:cxn>
+              <a:cxn ang="0">
+                <a:pos x="connsiteX3" y="connsiteY3"/>
+              </a:cxn>
+              <a:cxn ang="0">
+                <a:pos x="connsiteX4" y="connsiteY4"/>
+              </a:cxn>
+              <a:cxn ang="0">
+                <a:pos x="connsiteX5" y="connsiteY5"/>
+              </a:cxn>
+              <a:cxn ang="0">
+                <a:pos x="connsiteX6" y="connsiteY6"/>
+              </a:cxn>
+              <a:cxn ang="0">
+                <a:pos x="connsiteX7" y="connsiteY7"/>
+              </a:cxn>
+              <a:cxn ang="0">
+                <a:pos x="connsiteX8" y="connsiteY8"/>
+              </a:cxn>
+              <a:cxn ang="0">
+                <a:pos x="connsiteX9" y="connsiteY9"/>
+              </a:cxn>
+              <a:cxn ang="0">
+                <a:pos x="connsiteX10" y="connsiteY10"/>
+              </a:cxn>
+              <a:cxn ang="0">
+                <a:pos x="connsiteX11" y="connsiteY11"/>
+              </a:cxn>
+              <a:cxn ang="0">
+                <a:pos x="connsiteX12" y="connsiteY12"/>
+              </a:cxn>
+              <a:cxn ang="0">
+                <a:pos x="connsiteX13" y="connsiteY13"/>
+              </a:cxn>
+              <a:cxn ang="0">
+                <a:pos x="connsiteX14" y="connsiteY14"/>
+              </a:cxn>
+              <a:cxn ang="0">
+                <a:pos x="connsiteX15" y="connsiteY15"/>
+              </a:cxn>
+              <a:cxn ang="0">
+                <a:pos x="connsiteX16" y="connsiteY16"/>
+              </a:cxn>
+              <a:cxn ang="0">
+                <a:pos x="connsiteX17" y="connsiteY17"/>
+              </a:cxn>
+              <a:cxn ang="0">
+                <a:pos x="connsiteX18" y="connsiteY18"/>
+              </a:cxn>
+              <a:cxn ang="0">
+                <a:pos x="connsiteX19" y="connsiteY19"/>
+              </a:cxn>
+              <a:cxn ang="0">
+                <a:pos x="connsiteX20" y="connsiteY20"/>
+              </a:cxn>
+              <a:cxn ang="0">
+                <a:pos x="connsiteX21" y="connsiteY21"/>
+              </a:cxn>
+              <a:cxn ang="0">
+                <a:pos x="connsiteX22" y="connsiteY22"/>
+              </a:cxn>
+              <a:cxn ang="0">
+                <a:pos x="connsiteX23" y="connsiteY23"/>
+              </a:cxn>
+              <a:cxn ang="0">
+                <a:pos x="connsiteX24" y="connsiteY24"/>
+              </a:cxn>
+              <a:cxn ang="0">
+                <a:pos x="connsiteX25" y="connsiteY25"/>
+              </a:cxn>
+              <a:cxn ang="0">
+                <a:pos x="connsiteX26" y="connsiteY26"/>
+              </a:cxn>
+              <a:cxn ang="0">
+                <a:pos x="connsiteX27" y="connsiteY27"/>
+              </a:cxn>
+              <a:cxn ang="0">
+                <a:pos x="connsiteX28" y="connsiteY28"/>
+              </a:cxn>
+              <a:cxn ang="0">
+                <a:pos x="connsiteX29" y="connsiteY29"/>
+              </a:cxn>
+              <a:cxn ang="0">
+                <a:pos x="connsiteX30" y="connsiteY30"/>
+              </a:cxn>
+              <a:cxn ang="0">
+                <a:pos x="connsiteX31" y="connsiteY31"/>
+              </a:cxn>
+              <a:cxn ang="0">
+                <a:pos x="connsiteX32" y="connsiteY32"/>
+              </a:cxn>
+              <a:cxn ang="0">
+                <a:pos x="connsiteX33" y="connsiteY33"/>
+              </a:cxn>
+              <a:cxn ang="0">
+                <a:pos x="connsiteX34" y="connsiteY34"/>
+              </a:cxn>
+              <a:cxn ang="0">
+                <a:pos x="connsiteX35" y="connsiteY35"/>
+              </a:cxn>
+              <a:cxn ang="0">
+                <a:pos x="connsiteX36" y="connsiteY36"/>
+              </a:cxn>
+              <a:cxn ang="0">
+                <a:pos x="connsiteX37" y="connsiteY37"/>
+              </a:cxn>
+              <a:cxn ang="0">
+                <a:pos x="connsiteX38" y="connsiteY38"/>
+              </a:cxn>
+              <a:cxn ang="0">
+                <a:pos x="connsiteX39" y="connsiteY39"/>
+              </a:cxn>
+              <a:cxn ang="0">
+                <a:pos x="connsiteX40" y="connsiteY40"/>
+              </a:cxn>
+              <a:cxn ang="0">
+                <a:pos x="connsiteX41" y="connsiteY41"/>
+              </a:cxn>
+              <a:cxn ang="0">
+                <a:pos x="connsiteX42" y="connsiteY42"/>
+              </a:cxn>
+              <a:cxn ang="0">
+                <a:pos x="connsiteX43" y="connsiteY43"/>
+              </a:cxn>
+              <a:cxn ang="0">
+                <a:pos x="connsiteX44" y="connsiteY44"/>
+              </a:cxn>
+              <a:cxn ang="0">
+                <a:pos x="connsiteX45" y="connsiteY45"/>
+              </a:cxn>
+              <a:cxn ang="0">
+                <a:pos x="connsiteX46" y="connsiteY46"/>
+              </a:cxn>
+              <a:cxn ang="0">
+                <a:pos x="connsiteX47" y="connsiteY47"/>
+              </a:cxn>
+              <a:cxn ang="0">
+                <a:pos x="connsiteX48" y="connsiteY48"/>
+              </a:cxn>
+              <a:cxn ang="0">
+                <a:pos x="connsiteX49" y="connsiteY49"/>
+              </a:cxn>
+              <a:cxn ang="0">
+                <a:pos x="connsiteX50" y="connsiteY50"/>
+              </a:cxn>
+              <a:cxn ang="0">
+                <a:pos x="connsiteX51" y="connsiteY51"/>
+              </a:cxn>
+              <a:cxn ang="0">
+                <a:pos x="connsiteX52" y="connsiteY52"/>
+              </a:cxn>
+              <a:cxn ang="0">
+                <a:pos x="connsiteX53" y="connsiteY53"/>
+              </a:cxn>
+            </a:cxnLst>
+            <a:rect l="l" t="t" r="r" b="b"/>
+            <a:pathLst>
+              <a:path w="484502" h="607427">
+                <a:moveTo>
+                  <a:pt x="255087" y="467002"/>
+                </a:moveTo>
+                <a:lnTo>
+                  <a:pt x="383531" y="467002"/>
+                </a:lnTo>
+                <a:cubicBezTo>
+                  <a:pt x="394122" y="467002"/>
+                  <a:pt x="402788" y="475671"/>
+                  <a:pt x="402788" y="486267"/>
+                </a:cubicBezTo>
+                <a:cubicBezTo>
+                  <a:pt x="402788" y="496862"/>
+                  <a:pt x="394122" y="505531"/>
+                  <a:pt x="383531" y="505531"/>
+                </a:cubicBezTo>
+                <a:lnTo>
+                  <a:pt x="255087" y="505531"/>
+                </a:lnTo>
+                <a:cubicBezTo>
+                  <a:pt x="244496" y="505531"/>
+                  <a:pt x="235830" y="496862"/>
+                  <a:pt x="235830" y="486267"/>
+                </a:cubicBezTo>
+                <a:cubicBezTo>
+                  <a:pt x="235830" y="475671"/>
+                  <a:pt x="244496" y="467002"/>
+                  <a:pt x="255087" y="467002"/>
+                </a:cubicBezTo>
+                <a:close/>
+                <a:moveTo>
+                  <a:pt x="102671" y="325236"/>
+                </a:moveTo>
+                <a:lnTo>
+                  <a:pt x="383524" y="325236"/>
+                </a:lnTo>
+                <a:cubicBezTo>
+                  <a:pt x="394119" y="325236"/>
+                  <a:pt x="402787" y="333905"/>
+                  <a:pt x="402787" y="344501"/>
+                </a:cubicBezTo>
+                <a:cubicBezTo>
+                  <a:pt x="402787" y="355096"/>
+                  <a:pt x="394119" y="363765"/>
+                  <a:pt x="383524" y="363765"/>
+                </a:cubicBezTo>
+                <a:lnTo>
+                  <a:pt x="102671" y="363765"/>
+                </a:lnTo>
+                <a:cubicBezTo>
+                  <a:pt x="92076" y="363765"/>
+                  <a:pt x="83408" y="355096"/>
+                  <a:pt x="83408" y="344501"/>
+                </a:cubicBezTo>
+                <a:cubicBezTo>
+                  <a:pt x="83408" y="333905"/>
+                  <a:pt x="92076" y="325236"/>
+                  <a:pt x="102671" y="325236"/>
+                </a:cubicBezTo>
+                <a:close/>
+                <a:moveTo>
+                  <a:pt x="102671" y="234842"/>
+                </a:moveTo>
+                <a:lnTo>
+                  <a:pt x="383524" y="234842"/>
+                </a:lnTo>
+                <a:cubicBezTo>
+                  <a:pt x="394119" y="234842"/>
+                  <a:pt x="402787" y="243303"/>
+                  <a:pt x="402787" y="254071"/>
+                </a:cubicBezTo>
+                <a:cubicBezTo>
+                  <a:pt x="402787" y="264647"/>
+                  <a:pt x="394119" y="273300"/>
+                  <a:pt x="383524" y="273300"/>
+                </a:cubicBezTo>
+                <a:lnTo>
+                  <a:pt x="102671" y="273300"/>
+                </a:lnTo>
+                <a:cubicBezTo>
+                  <a:pt x="92076" y="273300"/>
+                  <a:pt x="83408" y="264647"/>
+                  <a:pt x="83408" y="254071"/>
+                </a:cubicBezTo>
+                <a:cubicBezTo>
+                  <a:pt x="83408" y="243303"/>
+                  <a:pt x="92076" y="234842"/>
+                  <a:pt x="102671" y="234842"/>
+                </a:cubicBezTo>
+                <a:close/>
+                <a:moveTo>
+                  <a:pt x="102673" y="144236"/>
+                </a:moveTo>
+                <a:lnTo>
+                  <a:pt x="231171" y="144236"/>
+                </a:lnTo>
+                <a:cubicBezTo>
+                  <a:pt x="241767" y="144236"/>
+                  <a:pt x="250436" y="152905"/>
+                  <a:pt x="250436" y="163500"/>
+                </a:cubicBezTo>
+                <a:cubicBezTo>
+                  <a:pt x="250436" y="174289"/>
+                  <a:pt x="241767" y="182765"/>
+                  <a:pt x="231171" y="182765"/>
+                </a:cubicBezTo>
+                <a:lnTo>
+                  <a:pt x="102673" y="182765"/>
+                </a:lnTo>
+                <a:cubicBezTo>
+                  <a:pt x="92077" y="182765"/>
+                  <a:pt x="83408" y="174289"/>
+                  <a:pt x="83408" y="163500"/>
+                </a:cubicBezTo>
+                <a:cubicBezTo>
+                  <a:pt x="83408" y="152905"/>
+                  <a:pt x="92077" y="144236"/>
+                  <a:pt x="102673" y="144236"/>
+                </a:cubicBezTo>
+                <a:close/>
+                <a:moveTo>
+                  <a:pt x="345412" y="60589"/>
+                </a:moveTo>
+                <a:lnTo>
+                  <a:pt x="345412" y="137912"/>
+                </a:lnTo>
+                <a:cubicBezTo>
+                  <a:pt x="345412" y="141374"/>
+                  <a:pt x="348302" y="144259"/>
+                  <a:pt x="351770" y="144259"/>
+                </a:cubicBezTo>
+                <a:lnTo>
+                  <a:pt x="429984" y="144259"/>
+                </a:lnTo>
+                <a:close/>
+                <a:moveTo>
+                  <a:pt x="44886" y="38469"/>
+                </a:moveTo>
+                <a:cubicBezTo>
+                  <a:pt x="41419" y="38469"/>
+                  <a:pt x="38529" y="41354"/>
+                  <a:pt x="38529" y="44816"/>
+                </a:cubicBezTo>
+                <a:lnTo>
+                  <a:pt x="38529" y="562418"/>
+                </a:lnTo>
+                <a:cubicBezTo>
+                  <a:pt x="38529" y="565880"/>
+                  <a:pt x="41419" y="568958"/>
+                  <a:pt x="44886" y="568958"/>
+                </a:cubicBezTo>
+                <a:lnTo>
+                  <a:pt x="439616" y="568958"/>
+                </a:lnTo>
+                <a:cubicBezTo>
+                  <a:pt x="443083" y="568958"/>
+                  <a:pt x="445973" y="565880"/>
+                  <a:pt x="445973" y="562418"/>
+                </a:cubicBezTo>
+                <a:lnTo>
+                  <a:pt x="445973" y="182728"/>
+                </a:lnTo>
+                <a:lnTo>
+                  <a:pt x="351770" y="182728"/>
+                </a:lnTo>
+                <a:cubicBezTo>
+                  <a:pt x="327111" y="182728"/>
+                  <a:pt x="306883" y="162724"/>
+                  <a:pt x="306883" y="137912"/>
+                </a:cubicBezTo>
+                <a:lnTo>
+                  <a:pt x="306883" y="38469"/>
+                </a:lnTo>
+                <a:cubicBezTo>
+                  <a:pt x="306498" y="38469"/>
+                  <a:pt x="305920" y="38469"/>
+                  <a:pt x="305535" y="38469"/>
+                </a:cubicBezTo>
+                <a:close/>
+                <a:moveTo>
+                  <a:pt x="44886" y="0"/>
+                </a:moveTo>
+                <a:lnTo>
+                  <a:pt x="305535" y="0"/>
+                </a:lnTo>
+                <a:cubicBezTo>
+                  <a:pt x="324607" y="0"/>
+                  <a:pt x="349265" y="10194"/>
+                  <a:pt x="362943" y="23658"/>
+                </a:cubicBezTo>
+                <a:lnTo>
+                  <a:pt x="460614" y="120601"/>
+                </a:lnTo>
+                <a:cubicBezTo>
+                  <a:pt x="474292" y="134065"/>
+                  <a:pt x="484502" y="158685"/>
+                  <a:pt x="484502" y="177919"/>
+                </a:cubicBezTo>
+                <a:lnTo>
+                  <a:pt x="484502" y="562418"/>
+                </a:lnTo>
+                <a:cubicBezTo>
+                  <a:pt x="484502" y="587231"/>
+                  <a:pt x="464467" y="607427"/>
+                  <a:pt x="439616" y="607427"/>
+                </a:cubicBezTo>
+                <a:lnTo>
+                  <a:pt x="44886" y="607427"/>
+                </a:lnTo>
+                <a:cubicBezTo>
+                  <a:pt x="20228" y="607427"/>
+                  <a:pt x="0" y="587231"/>
+                  <a:pt x="0" y="562418"/>
+                </a:cubicBezTo>
+                <a:lnTo>
+                  <a:pt x="0" y="44816"/>
+                </a:lnTo>
+                <a:cubicBezTo>
+                  <a:pt x="0" y="20196"/>
+                  <a:pt x="20228" y="0"/>
+                  <a:pt x="44886" y="0"/>
+                </a:cubicBezTo>
+                <a:close/>
+              </a:path>
+            </a:pathLst>
+          </a:custGeom>
+          <a:solidFill>
+            <a:srgbClr val="F09BA0"/>
+          </a:solidFill>
+          <a:ln>
+            <a:noFill/>
+          </a:ln>
+        </p:spPr>
+        <p:style>
+          <a:lnRef idx="2">
+            <a:schemeClr val="accent1">
+              <a:shade val="50000"/>
+            </a:schemeClr>
+          </a:lnRef>
+          <a:fillRef idx="1">
+            <a:schemeClr val="accent1"/>
+          </a:fillRef>
+          <a:effectRef idx="0">
+            <a:schemeClr val="accent1"/>
+          </a:effectRef>
+          <a:fontRef idx="minor">
+            <a:schemeClr val="lt1"/>
+          </a:fontRef>
+        </p:style>
+        <p:txBody>
+          <a:bodyPr rtlCol="0" anchor="ctr"/>
+          <a:lstStyle>
+            <a:defPPr>
+              <a:defRPr lang="zh-CN"/>
+            </a:defPPr>
+            <a:lvl1pPr marL="0" algn="l" defTabSz="914400" rtl="0" eaLnBrk="1" latinLnBrk="0" hangingPunct="1">
+              <a:defRPr sz="1800" kern="1200">
+                <a:solidFill>
+                  <a:schemeClr val="lt1"/>
+                </a:solidFill>
+                <a:latin typeface="+mn-lt"/>
+                <a:ea typeface="+mn-ea"/>
+                <a:cs typeface="+mn-cs"/>
+              </a:defRPr>
+            </a:lvl1pPr>
+            <a:lvl2pPr marL="457200" algn="l" defTabSz="914400" rtl="0" eaLnBrk="1" latinLnBrk="0" hangingPunct="1">
+              <a:defRPr sz="1800" kern="1200">
+                <a:solidFill>
+                  <a:schemeClr val="lt1"/>
+                </a:solidFill>
+                <a:latin typeface="+mn-lt"/>
+                <a:ea typeface="+mn-ea"/>
+                <a:cs typeface="+mn-cs"/>
+              </a:defRPr>
+            </a:lvl2pPr>
+            <a:lvl3pPr marL="914400" algn="l" defTabSz="914400" rtl="0" eaLnBrk="1" latinLnBrk="0" hangingPunct="1">
+              <a:defRPr sz="1800" kern="1200">
+                <a:solidFill>
+                  <a:schemeClr val="lt1"/>
+                </a:solidFill>
+                <a:latin typeface="+mn-lt"/>
+                <a:ea typeface="+mn-ea"/>
+                <a:cs typeface="+mn-cs"/>
+              </a:defRPr>
+            </a:lvl3pPr>
+            <a:lvl4pPr marL="1371600" algn="l" defTabSz="914400" rtl="0" eaLnBrk="1" latinLnBrk="0" hangingPunct="1">
+              <a:defRPr sz="1800" kern="1200">
+                <a:solidFill>
+                  <a:schemeClr val="lt1"/>
+                </a:solidFill>
+                <a:latin typeface="+mn-lt"/>
+                <a:ea typeface="+mn-ea"/>
+                <a:cs typeface="+mn-cs"/>
+              </a:defRPr>
+            </a:lvl4pPr>
+            <a:lvl5pPr marL="1828800" algn="l" defTabSz="914400" rtl="0" eaLnBrk="1" latinLnBrk="0" hangingPunct="1">
+              <a:defRPr sz="1800" kern="1200">
+                <a:solidFill>
+                  <a:schemeClr val="lt1"/>
+                </a:solidFill>
+                <a:latin typeface="+mn-lt"/>
+                <a:ea typeface="+mn-ea"/>
+                <a:cs typeface="+mn-cs"/>
+              </a:defRPr>
+            </a:lvl5pPr>
+            <a:lvl6pPr marL="2286000" algn="l" defTabSz="914400" rtl="0" eaLnBrk="1" latinLnBrk="0" hangingPunct="1">
+              <a:defRPr sz="1800" kern="1200">
+                <a:solidFill>
+                  <a:schemeClr val="lt1"/>
+                </a:solidFill>
+                <a:latin typeface="+mn-lt"/>
+                <a:ea typeface="+mn-ea"/>
+                <a:cs typeface="+mn-cs"/>
+              </a:defRPr>
+            </a:lvl6pPr>
+            <a:lvl7pPr marL="2743200" algn="l" defTabSz="914400" rtl="0" eaLnBrk="1" latinLnBrk="0" hangingPunct="1">
+              <a:defRPr sz="1800" kern="1200">
+                <a:solidFill>
+                  <a:schemeClr val="lt1"/>
+                </a:solidFill>
+                <a:latin typeface="+mn-lt"/>
+                <a:ea typeface="+mn-ea"/>
+                <a:cs typeface="+mn-cs"/>
+              </a:defRPr>
+            </a:lvl7pPr>
+            <a:lvl8pPr marL="3200400" algn="l" defTabSz="914400" rtl="0" eaLnBrk="1" latinLnBrk="0" hangingPunct="1">
+              <a:defRPr sz="1800" kern="1200">
+                <a:solidFill>
+                  <a:schemeClr val="lt1"/>
+                </a:solidFill>
+                <a:latin typeface="+mn-lt"/>
+                <a:ea typeface="+mn-ea"/>
+                <a:cs typeface="+mn-cs"/>
+              </a:defRPr>
+            </a:lvl8pPr>
+            <a:lvl9pPr marL="3657600" algn="l" defTabSz="914400" rtl="0" eaLnBrk="1" latinLnBrk="0" hangingPunct="1">
+              <a:defRPr sz="1800" kern="1200">
+                <a:solidFill>
+                  <a:schemeClr val="lt1"/>
+                </a:solidFill>
+                <a:latin typeface="+mn-lt"/>
+                <a:ea typeface="+mn-ea"/>
+                <a:cs typeface="+mn-cs"/>
+              </a:defRPr>
+            </a:lvl9pPr>
+          </a:lstStyle>
+          <a:p>
+            <a:pPr algn="ctr"/>
+            <a:endParaRPr lang="en-US">
+              <a:latin typeface="微软雅黑" panose="020B0503020204020204" pitchFamily="34" charset="-122"/>
+              <a:ea typeface="微软雅黑" panose="020B0503020204020204" pitchFamily="34" charset="-122"/>
+            </a:endParaRPr>
+          </a:p>
+        </p:txBody>
+      </p:sp>
+      <p:sp>
+        <p:nvSpPr>
+          <p:cNvPr id="58" name="letter-with-text-lines_73929">
+            <a:extLst>
+              <a:ext uri="{FF2B5EF4-FFF2-40B4-BE49-F238E27FC236}">
+                <a16:creationId xmlns:a16="http://schemas.microsoft.com/office/drawing/2014/main" id="{EC8DD904-3378-6E34-2E23-6BD3B3CB3242}"/>
+              </a:ext>
+            </a:extLst>
+          </p:cNvPr>
+          <p:cNvSpPr/>
+          <p:nvPr/>
+        </p:nvSpPr>
+        <p:spPr>
+          <a:xfrm>
+            <a:off x="1003178" y="1969498"/>
+            <a:ext cx="486303" cy="609685"/>
+          </a:xfrm>
+          <a:custGeom>
+            <a:avLst/>
+            <a:gdLst>
+              <a:gd name="connsiteX0" fmla="*/ 255087 w 484502"/>
+              <a:gd name="connsiteY0" fmla="*/ 467002 h 607427"/>
+              <a:gd name="connsiteX1" fmla="*/ 383531 w 484502"/>
+              <a:gd name="connsiteY1" fmla="*/ 467002 h 607427"/>
+              <a:gd name="connsiteX2" fmla="*/ 402788 w 484502"/>
+              <a:gd name="connsiteY2" fmla="*/ 486267 h 607427"/>
+              <a:gd name="connsiteX3" fmla="*/ 383531 w 484502"/>
+              <a:gd name="connsiteY3" fmla="*/ 505531 h 607427"/>
+              <a:gd name="connsiteX4" fmla="*/ 255087 w 484502"/>
+              <a:gd name="connsiteY4" fmla="*/ 505531 h 607427"/>
+              <a:gd name="connsiteX5" fmla="*/ 235830 w 484502"/>
+              <a:gd name="connsiteY5" fmla="*/ 486267 h 607427"/>
+              <a:gd name="connsiteX6" fmla="*/ 255087 w 484502"/>
+              <a:gd name="connsiteY6" fmla="*/ 467002 h 607427"/>
+              <a:gd name="connsiteX7" fmla="*/ 102671 w 484502"/>
+              <a:gd name="connsiteY7" fmla="*/ 325236 h 607427"/>
+              <a:gd name="connsiteX8" fmla="*/ 383524 w 484502"/>
+              <a:gd name="connsiteY8" fmla="*/ 325236 h 607427"/>
+              <a:gd name="connsiteX9" fmla="*/ 402787 w 484502"/>
+              <a:gd name="connsiteY9" fmla="*/ 344501 h 607427"/>
+              <a:gd name="connsiteX10" fmla="*/ 383524 w 484502"/>
+              <a:gd name="connsiteY10" fmla="*/ 363765 h 607427"/>
+              <a:gd name="connsiteX11" fmla="*/ 102671 w 484502"/>
+              <a:gd name="connsiteY11" fmla="*/ 363765 h 607427"/>
+              <a:gd name="connsiteX12" fmla="*/ 83408 w 484502"/>
+              <a:gd name="connsiteY12" fmla="*/ 344501 h 607427"/>
+              <a:gd name="connsiteX13" fmla="*/ 102671 w 484502"/>
+              <a:gd name="connsiteY13" fmla="*/ 325236 h 607427"/>
+              <a:gd name="connsiteX14" fmla="*/ 102671 w 484502"/>
+              <a:gd name="connsiteY14" fmla="*/ 234842 h 607427"/>
+              <a:gd name="connsiteX15" fmla="*/ 383524 w 484502"/>
+              <a:gd name="connsiteY15" fmla="*/ 234842 h 607427"/>
+              <a:gd name="connsiteX16" fmla="*/ 402787 w 484502"/>
+              <a:gd name="connsiteY16" fmla="*/ 254071 h 607427"/>
+              <a:gd name="connsiteX17" fmla="*/ 383524 w 484502"/>
+              <a:gd name="connsiteY17" fmla="*/ 273300 h 607427"/>
+              <a:gd name="connsiteX18" fmla="*/ 102671 w 484502"/>
+              <a:gd name="connsiteY18" fmla="*/ 273300 h 607427"/>
+              <a:gd name="connsiteX19" fmla="*/ 83408 w 484502"/>
+              <a:gd name="connsiteY19" fmla="*/ 254071 h 607427"/>
+              <a:gd name="connsiteX20" fmla="*/ 102671 w 484502"/>
+              <a:gd name="connsiteY20" fmla="*/ 234842 h 607427"/>
+              <a:gd name="connsiteX21" fmla="*/ 102673 w 484502"/>
+              <a:gd name="connsiteY21" fmla="*/ 144236 h 607427"/>
+              <a:gd name="connsiteX22" fmla="*/ 231171 w 484502"/>
+              <a:gd name="connsiteY22" fmla="*/ 144236 h 607427"/>
+              <a:gd name="connsiteX23" fmla="*/ 250436 w 484502"/>
+              <a:gd name="connsiteY23" fmla="*/ 163500 h 607427"/>
+              <a:gd name="connsiteX24" fmla="*/ 231171 w 484502"/>
+              <a:gd name="connsiteY24" fmla="*/ 182765 h 607427"/>
+              <a:gd name="connsiteX25" fmla="*/ 102673 w 484502"/>
+              <a:gd name="connsiteY25" fmla="*/ 182765 h 607427"/>
+              <a:gd name="connsiteX26" fmla="*/ 83408 w 484502"/>
+              <a:gd name="connsiteY26" fmla="*/ 163500 h 607427"/>
+              <a:gd name="connsiteX27" fmla="*/ 102673 w 484502"/>
+              <a:gd name="connsiteY27" fmla="*/ 144236 h 607427"/>
+              <a:gd name="connsiteX28" fmla="*/ 345412 w 484502"/>
+              <a:gd name="connsiteY28" fmla="*/ 60589 h 607427"/>
+              <a:gd name="connsiteX29" fmla="*/ 345412 w 484502"/>
+              <a:gd name="connsiteY29" fmla="*/ 137912 h 607427"/>
+              <a:gd name="connsiteX30" fmla="*/ 351770 w 484502"/>
+              <a:gd name="connsiteY30" fmla="*/ 144259 h 607427"/>
+              <a:gd name="connsiteX31" fmla="*/ 429984 w 484502"/>
+              <a:gd name="connsiteY31" fmla="*/ 144259 h 607427"/>
+              <a:gd name="connsiteX32" fmla="*/ 44886 w 484502"/>
+              <a:gd name="connsiteY32" fmla="*/ 38469 h 607427"/>
+              <a:gd name="connsiteX33" fmla="*/ 38529 w 484502"/>
+              <a:gd name="connsiteY33" fmla="*/ 44816 h 607427"/>
+              <a:gd name="connsiteX34" fmla="*/ 38529 w 484502"/>
+              <a:gd name="connsiteY34" fmla="*/ 562418 h 607427"/>
+              <a:gd name="connsiteX35" fmla="*/ 44886 w 484502"/>
+              <a:gd name="connsiteY35" fmla="*/ 568958 h 607427"/>
+              <a:gd name="connsiteX36" fmla="*/ 439616 w 484502"/>
+              <a:gd name="connsiteY36" fmla="*/ 568958 h 607427"/>
+              <a:gd name="connsiteX37" fmla="*/ 445973 w 484502"/>
+              <a:gd name="connsiteY37" fmla="*/ 562418 h 607427"/>
+              <a:gd name="connsiteX38" fmla="*/ 445973 w 484502"/>
+              <a:gd name="connsiteY38" fmla="*/ 182728 h 607427"/>
+              <a:gd name="connsiteX39" fmla="*/ 351770 w 484502"/>
+              <a:gd name="connsiteY39" fmla="*/ 182728 h 607427"/>
+              <a:gd name="connsiteX40" fmla="*/ 306883 w 484502"/>
+              <a:gd name="connsiteY40" fmla="*/ 137912 h 607427"/>
+              <a:gd name="connsiteX41" fmla="*/ 306883 w 484502"/>
+              <a:gd name="connsiteY41" fmla="*/ 38469 h 607427"/>
+              <a:gd name="connsiteX42" fmla="*/ 305535 w 484502"/>
+              <a:gd name="connsiteY42" fmla="*/ 38469 h 607427"/>
+              <a:gd name="connsiteX43" fmla="*/ 44886 w 484502"/>
+              <a:gd name="connsiteY43" fmla="*/ 0 h 607427"/>
+              <a:gd name="connsiteX44" fmla="*/ 305535 w 484502"/>
+              <a:gd name="connsiteY44" fmla="*/ 0 h 607427"/>
+              <a:gd name="connsiteX45" fmla="*/ 362943 w 484502"/>
+              <a:gd name="connsiteY45" fmla="*/ 23658 h 607427"/>
+              <a:gd name="connsiteX46" fmla="*/ 460614 w 484502"/>
+              <a:gd name="connsiteY46" fmla="*/ 120601 h 607427"/>
+              <a:gd name="connsiteX47" fmla="*/ 484502 w 484502"/>
+              <a:gd name="connsiteY47" fmla="*/ 177919 h 607427"/>
+              <a:gd name="connsiteX48" fmla="*/ 484502 w 484502"/>
+              <a:gd name="connsiteY48" fmla="*/ 562418 h 607427"/>
+              <a:gd name="connsiteX49" fmla="*/ 439616 w 484502"/>
+              <a:gd name="connsiteY49" fmla="*/ 607427 h 607427"/>
+              <a:gd name="connsiteX50" fmla="*/ 44886 w 484502"/>
+              <a:gd name="connsiteY50" fmla="*/ 607427 h 607427"/>
+              <a:gd name="connsiteX51" fmla="*/ 0 w 484502"/>
+              <a:gd name="connsiteY51" fmla="*/ 562418 h 607427"/>
+              <a:gd name="connsiteX52" fmla="*/ 0 w 484502"/>
+              <a:gd name="connsiteY52" fmla="*/ 44816 h 607427"/>
+              <a:gd name="connsiteX53" fmla="*/ 44886 w 484502"/>
+              <a:gd name="connsiteY53" fmla="*/ 0 h 607427"/>
+            </a:gdLst>
+            <a:ahLst/>
+            <a:cxnLst>
+              <a:cxn ang="0">
+                <a:pos x="connsiteX0" y="connsiteY0"/>
+              </a:cxn>
+              <a:cxn ang="0">
+                <a:pos x="connsiteX1" y="connsiteY1"/>
+              </a:cxn>
+              <a:cxn ang="0">
+                <a:pos x="connsiteX2" y="connsiteY2"/>
+              </a:cxn>
+              <a:cxn ang="0">
+                <a:pos x="connsiteX3" y="connsiteY3"/>
+              </a:cxn>
+              <a:cxn ang="0">
+                <a:pos x="connsiteX4" y="connsiteY4"/>
+              </a:cxn>
+              <a:cxn ang="0">
+                <a:pos x="connsiteX5" y="connsiteY5"/>
+              </a:cxn>
+              <a:cxn ang="0">
+                <a:pos x="connsiteX6" y="connsiteY6"/>
+              </a:cxn>
+              <a:cxn ang="0">
+                <a:pos x="connsiteX7" y="connsiteY7"/>
+              </a:cxn>
+              <a:cxn ang="0">
+                <a:pos x="connsiteX8" y="connsiteY8"/>
+              </a:cxn>
+              <a:cxn ang="0">
+                <a:pos x="connsiteX9" y="connsiteY9"/>
+              </a:cxn>
+              <a:cxn ang="0">
+                <a:pos x="connsiteX10" y="connsiteY10"/>
+              </a:cxn>
+              <a:cxn ang="0">
+                <a:pos x="connsiteX11" y="connsiteY11"/>
+              </a:cxn>
+              <a:cxn ang="0">
+                <a:pos x="connsiteX12" y="connsiteY12"/>
+              </a:cxn>
+              <a:cxn ang="0">
+                <a:pos x="connsiteX13" y="connsiteY13"/>
+              </a:cxn>
+              <a:cxn ang="0">
+                <a:pos x="connsiteX14" y="connsiteY14"/>
+              </a:cxn>
+              <a:cxn ang="0">
+                <a:pos x="connsiteX15" y="connsiteY15"/>
+              </a:cxn>
+              <a:cxn ang="0">
+                <a:pos x="connsiteX16" y="connsiteY16"/>
+              </a:cxn>
+              <a:cxn ang="0">
+                <a:pos x="connsiteX17" y="connsiteY17"/>
+              </a:cxn>
+              <a:cxn ang="0">
+                <a:pos x="connsiteX18" y="connsiteY18"/>
+              </a:cxn>
+              <a:cxn ang="0">
+                <a:pos x="connsiteX19" y="connsiteY19"/>
+              </a:cxn>
+              <a:cxn ang="0">
+                <a:pos x="connsiteX20" y="connsiteY20"/>
+              </a:cxn>
+              <a:cxn ang="0">
+                <a:pos x="connsiteX21" y="connsiteY21"/>
+              </a:cxn>
+              <a:cxn ang="0">
+                <a:pos x="connsiteX22" y="connsiteY22"/>
+              </a:cxn>
+              <a:cxn ang="0">
+                <a:pos x="connsiteX23" y="connsiteY23"/>
+              </a:cxn>
+              <a:cxn ang="0">
+                <a:pos x="connsiteX24" y="connsiteY24"/>
+              </a:cxn>
+              <a:cxn ang="0">
+                <a:pos x="connsiteX25" y="connsiteY25"/>
+              </a:cxn>
+              <a:cxn ang="0">
+                <a:pos x="connsiteX26" y="connsiteY26"/>
+              </a:cxn>
+              <a:cxn ang="0">
+                <a:pos x="connsiteX27" y="connsiteY27"/>
+              </a:cxn>
+              <a:cxn ang="0">
+                <a:pos x="connsiteX28" y="connsiteY28"/>
+              </a:cxn>
+              <a:cxn ang="0">
+                <a:pos x="connsiteX29" y="connsiteY29"/>
+              </a:cxn>
+              <a:cxn ang="0">
+                <a:pos x="connsiteX30" y="connsiteY30"/>
+              </a:cxn>
+              <a:cxn ang="0">
+                <a:pos x="connsiteX31" y="connsiteY31"/>
+              </a:cxn>
+              <a:cxn ang="0">
+                <a:pos x="connsiteX32" y="connsiteY32"/>
+              </a:cxn>
+              <a:cxn ang="0">
+                <a:pos x="connsiteX33" y="connsiteY33"/>
+              </a:cxn>
+              <a:cxn ang="0">
+                <a:pos x="connsiteX34" y="connsiteY34"/>
+              </a:cxn>
+              <a:cxn ang="0">
+                <a:pos x="connsiteX35" y="connsiteY35"/>
+              </a:cxn>
+              <a:cxn ang="0">
+                <a:pos x="connsiteX36" y="connsiteY36"/>
+              </a:cxn>
+              <a:cxn ang="0">
+                <a:pos x="connsiteX37" y="connsiteY37"/>
+              </a:cxn>
+              <a:cxn ang="0">
+                <a:pos x="connsiteX38" y="connsiteY38"/>
+              </a:cxn>
+              <a:cxn ang="0">
+                <a:pos x="connsiteX39" y="connsiteY39"/>
+              </a:cxn>
+              <a:cxn ang="0">
+                <a:pos x="connsiteX40" y="connsiteY40"/>
+              </a:cxn>
+              <a:cxn ang="0">
+                <a:pos x="connsiteX41" y="connsiteY41"/>
+              </a:cxn>
+              <a:cxn ang="0">
+                <a:pos x="connsiteX42" y="connsiteY42"/>
+              </a:cxn>
+              <a:cxn ang="0">
+                <a:pos x="connsiteX43" y="connsiteY43"/>
+              </a:cxn>
+              <a:cxn ang="0">
+                <a:pos x="connsiteX44" y="connsiteY44"/>
+              </a:cxn>
+              <a:cxn ang="0">
+                <a:pos x="connsiteX45" y="connsiteY45"/>
+              </a:cxn>
+              <a:cxn ang="0">
+                <a:pos x="connsiteX46" y="connsiteY46"/>
+              </a:cxn>
+              <a:cxn ang="0">
+                <a:pos x="connsiteX47" y="connsiteY47"/>
+              </a:cxn>
+              <a:cxn ang="0">
+                <a:pos x="connsiteX48" y="connsiteY48"/>
+              </a:cxn>
+              <a:cxn ang="0">
+                <a:pos x="connsiteX49" y="connsiteY49"/>
+              </a:cxn>
+              <a:cxn ang="0">
+                <a:pos x="connsiteX50" y="connsiteY50"/>
+              </a:cxn>
+              <a:cxn ang="0">
+                <a:pos x="connsiteX51" y="connsiteY51"/>
+              </a:cxn>
+              <a:cxn ang="0">
+                <a:pos x="connsiteX52" y="connsiteY52"/>
+              </a:cxn>
+              <a:cxn ang="0">
+                <a:pos x="connsiteX53" y="connsiteY53"/>
+              </a:cxn>
+            </a:cxnLst>
+            <a:rect l="l" t="t" r="r" b="b"/>
+            <a:pathLst>
+              <a:path w="484502" h="607427">
+                <a:moveTo>
+                  <a:pt x="255087" y="467002"/>
+                </a:moveTo>
+                <a:lnTo>
+                  <a:pt x="383531" y="467002"/>
+                </a:lnTo>
+                <a:cubicBezTo>
+                  <a:pt x="394122" y="467002"/>
+                  <a:pt x="402788" y="475671"/>
+                  <a:pt x="402788" y="486267"/>
+                </a:cubicBezTo>
+                <a:cubicBezTo>
+                  <a:pt x="402788" y="496862"/>
+                  <a:pt x="394122" y="505531"/>
+                  <a:pt x="383531" y="505531"/>
+                </a:cubicBezTo>
+                <a:lnTo>
+                  <a:pt x="255087" y="505531"/>
+                </a:lnTo>
+                <a:cubicBezTo>
+                  <a:pt x="244496" y="505531"/>
+                  <a:pt x="235830" y="496862"/>
+                  <a:pt x="235830" y="486267"/>
+                </a:cubicBezTo>
+                <a:cubicBezTo>
+                  <a:pt x="235830" y="475671"/>
+                  <a:pt x="244496" y="467002"/>
+                  <a:pt x="255087" y="467002"/>
+                </a:cubicBezTo>
+                <a:close/>
+                <a:moveTo>
+                  <a:pt x="102671" y="325236"/>
+                </a:moveTo>
+                <a:lnTo>
+                  <a:pt x="383524" y="325236"/>
+                </a:lnTo>
+                <a:cubicBezTo>
+                  <a:pt x="394119" y="325236"/>
+                  <a:pt x="402787" y="333905"/>
+                  <a:pt x="402787" y="344501"/>
+                </a:cubicBezTo>
+                <a:cubicBezTo>
+                  <a:pt x="402787" y="355096"/>
+                  <a:pt x="394119" y="363765"/>
+                  <a:pt x="383524" y="363765"/>
+                </a:cubicBezTo>
+                <a:lnTo>
+                  <a:pt x="102671" y="363765"/>
+                </a:lnTo>
+                <a:cubicBezTo>
+                  <a:pt x="92076" y="363765"/>
+                  <a:pt x="83408" y="355096"/>
+                  <a:pt x="83408" y="344501"/>
+                </a:cubicBezTo>
+                <a:cubicBezTo>
+                  <a:pt x="83408" y="333905"/>
+                  <a:pt x="92076" y="325236"/>
+                  <a:pt x="102671" y="325236"/>
+                </a:cubicBezTo>
+                <a:close/>
+                <a:moveTo>
+                  <a:pt x="102671" y="234842"/>
+                </a:moveTo>
+                <a:lnTo>
+                  <a:pt x="383524" y="234842"/>
+                </a:lnTo>
+                <a:cubicBezTo>
+                  <a:pt x="394119" y="234842"/>
+                  <a:pt x="402787" y="243303"/>
+                  <a:pt x="402787" y="254071"/>
+                </a:cubicBezTo>
+                <a:cubicBezTo>
+                  <a:pt x="402787" y="264647"/>
+                  <a:pt x="394119" y="273300"/>
+                  <a:pt x="383524" y="273300"/>
+                </a:cubicBezTo>
+                <a:lnTo>
+                  <a:pt x="102671" y="273300"/>
+                </a:lnTo>
+                <a:cubicBezTo>
+                  <a:pt x="92076" y="273300"/>
+                  <a:pt x="83408" y="264647"/>
+                  <a:pt x="83408" y="254071"/>
+                </a:cubicBezTo>
+                <a:cubicBezTo>
+                  <a:pt x="83408" y="243303"/>
+                  <a:pt x="92076" y="234842"/>
+                  <a:pt x="102671" y="234842"/>
+                </a:cubicBezTo>
+                <a:close/>
+                <a:moveTo>
+                  <a:pt x="102673" y="144236"/>
+                </a:moveTo>
+                <a:lnTo>
+                  <a:pt x="231171" y="144236"/>
+                </a:lnTo>
+                <a:cubicBezTo>
+                  <a:pt x="241767" y="144236"/>
+                  <a:pt x="250436" y="152905"/>
+                  <a:pt x="250436" y="163500"/>
+                </a:cubicBezTo>
+                <a:cubicBezTo>
+                  <a:pt x="250436" y="174289"/>
+                  <a:pt x="241767" y="182765"/>
+                  <a:pt x="231171" y="182765"/>
+                </a:cubicBezTo>
+                <a:lnTo>
+                  <a:pt x="102673" y="182765"/>
+                </a:lnTo>
+                <a:cubicBezTo>
+                  <a:pt x="92077" y="182765"/>
+                  <a:pt x="83408" y="174289"/>
+                  <a:pt x="83408" y="163500"/>
+                </a:cubicBezTo>
+                <a:cubicBezTo>
+                  <a:pt x="83408" y="152905"/>
+                  <a:pt x="92077" y="144236"/>
+                  <a:pt x="102673" y="144236"/>
+                </a:cubicBezTo>
+                <a:close/>
+                <a:moveTo>
+                  <a:pt x="345412" y="60589"/>
+                </a:moveTo>
+                <a:lnTo>
+                  <a:pt x="345412" y="137912"/>
+                </a:lnTo>
+                <a:cubicBezTo>
+                  <a:pt x="345412" y="141374"/>
+                  <a:pt x="348302" y="144259"/>
+                  <a:pt x="351770" y="144259"/>
+                </a:cubicBezTo>
+                <a:lnTo>
+                  <a:pt x="429984" y="144259"/>
+                </a:lnTo>
+                <a:close/>
+                <a:moveTo>
+                  <a:pt x="44886" y="38469"/>
+                </a:moveTo>
+                <a:cubicBezTo>
+                  <a:pt x="41419" y="38469"/>
+                  <a:pt x="38529" y="41354"/>
+                  <a:pt x="38529" y="44816"/>
+                </a:cubicBezTo>
+                <a:lnTo>
+                  <a:pt x="38529" y="562418"/>
+                </a:lnTo>
+                <a:cubicBezTo>
+                  <a:pt x="38529" y="565880"/>
+                  <a:pt x="41419" y="568958"/>
+                  <a:pt x="44886" y="568958"/>
+                </a:cubicBezTo>
+                <a:lnTo>
+                  <a:pt x="439616" y="568958"/>
+                </a:lnTo>
+                <a:cubicBezTo>
+                  <a:pt x="443083" y="568958"/>
+                  <a:pt x="445973" y="565880"/>
+                  <a:pt x="445973" y="562418"/>
+                </a:cubicBezTo>
+                <a:lnTo>
+                  <a:pt x="445973" y="182728"/>
+                </a:lnTo>
+                <a:lnTo>
+                  <a:pt x="351770" y="182728"/>
+                </a:lnTo>
+                <a:cubicBezTo>
+                  <a:pt x="327111" y="182728"/>
+                  <a:pt x="306883" y="162724"/>
+                  <a:pt x="306883" y="137912"/>
+                </a:cubicBezTo>
+                <a:lnTo>
+                  <a:pt x="306883" y="38469"/>
+                </a:lnTo>
+                <a:cubicBezTo>
+                  <a:pt x="306498" y="38469"/>
+                  <a:pt x="305920" y="38469"/>
+                  <a:pt x="305535" y="38469"/>
+                </a:cubicBezTo>
+                <a:close/>
+                <a:moveTo>
+                  <a:pt x="44886" y="0"/>
+                </a:moveTo>
+                <a:lnTo>
+                  <a:pt x="305535" y="0"/>
+                </a:lnTo>
+                <a:cubicBezTo>
+                  <a:pt x="324607" y="0"/>
+                  <a:pt x="349265" y="10194"/>
+                  <a:pt x="362943" y="23658"/>
+                </a:cubicBezTo>
+                <a:lnTo>
+                  <a:pt x="460614" y="120601"/>
+                </a:lnTo>
+                <a:cubicBezTo>
+                  <a:pt x="474292" y="134065"/>
+                  <a:pt x="484502" y="158685"/>
+                  <a:pt x="484502" y="177919"/>
+                </a:cubicBezTo>
+                <a:lnTo>
+                  <a:pt x="484502" y="562418"/>
+                </a:lnTo>
+                <a:cubicBezTo>
+                  <a:pt x="484502" y="587231"/>
+                  <a:pt x="464467" y="607427"/>
+                  <a:pt x="439616" y="607427"/>
+                </a:cubicBezTo>
+                <a:lnTo>
+                  <a:pt x="44886" y="607427"/>
+                </a:lnTo>
+                <a:cubicBezTo>
+                  <a:pt x="20228" y="607427"/>
+                  <a:pt x="0" y="587231"/>
+                  <a:pt x="0" y="562418"/>
+                </a:cubicBezTo>
+                <a:lnTo>
+                  <a:pt x="0" y="44816"/>
+                </a:lnTo>
+                <a:cubicBezTo>
+                  <a:pt x="0" y="20196"/>
+                  <a:pt x="20228" y="0"/>
+                  <a:pt x="44886" y="0"/>
+                </a:cubicBezTo>
+                <a:close/>
+              </a:path>
+            </a:pathLst>
+          </a:custGeom>
+          <a:solidFill>
+            <a:srgbClr val="9BBBE1"/>
+          </a:solidFill>
+          <a:ln>
+            <a:noFill/>
+          </a:ln>
+        </p:spPr>
+        <p:style>
+          <a:lnRef idx="2">
+            <a:schemeClr val="accent1">
+              <a:shade val="50000"/>
+            </a:schemeClr>
+          </a:lnRef>
+          <a:fillRef idx="1">
+            <a:schemeClr val="accent1"/>
+          </a:fillRef>
+          <a:effectRef idx="0">
+            <a:schemeClr val="accent1"/>
+          </a:effectRef>
+          <a:fontRef idx="minor">
+            <a:schemeClr val="lt1"/>
+          </a:fontRef>
+        </p:style>
+        <p:txBody>
+          <a:bodyPr rtlCol="0" anchor="ctr"/>
+          <a:lstStyle>
+            <a:defPPr>
+              <a:defRPr lang="zh-CN"/>
+            </a:defPPr>
+            <a:lvl1pPr marL="0" algn="l" defTabSz="914400" rtl="0" eaLnBrk="1" latinLnBrk="0" hangingPunct="1">
+              <a:defRPr sz="1800" kern="1200">
+                <a:solidFill>
+                  <a:schemeClr val="lt1"/>
+                </a:solidFill>
+                <a:latin typeface="+mn-lt"/>
+                <a:ea typeface="+mn-ea"/>
+                <a:cs typeface="+mn-cs"/>
+              </a:defRPr>
+            </a:lvl1pPr>
+            <a:lvl2pPr marL="457200" algn="l" defTabSz="914400" rtl="0" eaLnBrk="1" latinLnBrk="0" hangingPunct="1">
+              <a:defRPr sz="1800" kern="1200">
+                <a:solidFill>
+                  <a:schemeClr val="lt1"/>
+                </a:solidFill>
+                <a:latin typeface="+mn-lt"/>
+                <a:ea typeface="+mn-ea"/>
+                <a:cs typeface="+mn-cs"/>
+              </a:defRPr>
+            </a:lvl2pPr>
+            <a:lvl3pPr marL="914400" algn="l" defTabSz="914400" rtl="0" eaLnBrk="1" latinLnBrk="0" hangingPunct="1">
+              <a:defRPr sz="1800" kern="1200">
+                <a:solidFill>
+                  <a:schemeClr val="lt1"/>
+                </a:solidFill>
+                <a:latin typeface="+mn-lt"/>
+                <a:ea typeface="+mn-ea"/>
+                <a:cs typeface="+mn-cs"/>
+              </a:defRPr>
+            </a:lvl3pPr>
+            <a:lvl4pPr marL="1371600" algn="l" defTabSz="914400" rtl="0" eaLnBrk="1" latinLnBrk="0" hangingPunct="1">
+              <a:defRPr sz="1800" kern="1200">
+                <a:solidFill>
+                  <a:schemeClr val="lt1"/>
+                </a:solidFill>
+                <a:latin typeface="+mn-lt"/>
+                <a:ea typeface="+mn-ea"/>
+                <a:cs typeface="+mn-cs"/>
+              </a:defRPr>
+            </a:lvl4pPr>
+            <a:lvl5pPr marL="1828800" algn="l" defTabSz="914400" rtl="0" eaLnBrk="1" latinLnBrk="0" hangingPunct="1">
+              <a:defRPr sz="1800" kern="1200">
+                <a:solidFill>
+                  <a:schemeClr val="lt1"/>
+                </a:solidFill>
+                <a:latin typeface="+mn-lt"/>
+                <a:ea typeface="+mn-ea"/>
+                <a:cs typeface="+mn-cs"/>
+              </a:defRPr>
+            </a:lvl5pPr>
+            <a:lvl6pPr marL="2286000" algn="l" defTabSz="914400" rtl="0" eaLnBrk="1" latinLnBrk="0" hangingPunct="1">
+              <a:defRPr sz="1800" kern="1200">
+                <a:solidFill>
+                  <a:schemeClr val="lt1"/>
+                </a:solidFill>
+                <a:latin typeface="+mn-lt"/>
+                <a:ea typeface="+mn-ea"/>
+                <a:cs typeface="+mn-cs"/>
+              </a:defRPr>
+            </a:lvl6pPr>
+            <a:lvl7pPr marL="2743200" algn="l" defTabSz="914400" rtl="0" eaLnBrk="1" latinLnBrk="0" hangingPunct="1">
+              <a:defRPr sz="1800" kern="1200">
+                <a:solidFill>
+                  <a:schemeClr val="lt1"/>
+                </a:solidFill>
+                <a:latin typeface="+mn-lt"/>
+                <a:ea typeface="+mn-ea"/>
+                <a:cs typeface="+mn-cs"/>
+              </a:defRPr>
+            </a:lvl7pPr>
+            <a:lvl8pPr marL="3200400" algn="l" defTabSz="914400" rtl="0" eaLnBrk="1" latinLnBrk="0" hangingPunct="1">
+              <a:defRPr sz="1800" kern="1200">
+                <a:solidFill>
+                  <a:schemeClr val="lt1"/>
+                </a:solidFill>
+                <a:latin typeface="+mn-lt"/>
+                <a:ea typeface="+mn-ea"/>
+                <a:cs typeface="+mn-cs"/>
+              </a:defRPr>
+            </a:lvl8pPr>
+            <a:lvl9pPr marL="3657600" algn="l" defTabSz="914400" rtl="0" eaLnBrk="1" latinLnBrk="0" hangingPunct="1">
+              <a:defRPr sz="1800" kern="1200">
+                <a:solidFill>
+                  <a:schemeClr val="lt1"/>
+                </a:solidFill>
+                <a:latin typeface="+mn-lt"/>
+                <a:ea typeface="+mn-ea"/>
+                <a:cs typeface="+mn-cs"/>
+              </a:defRPr>
+            </a:lvl9pPr>
+          </a:lstStyle>
+          <a:p>
+            <a:pPr algn="ctr"/>
+            <a:endParaRPr lang="en-US">
+              <a:latin typeface="微软雅黑" panose="020B0503020204020204" pitchFamily="34" charset="-122"/>
+              <a:ea typeface="微软雅黑" panose="020B0503020204020204" pitchFamily="34" charset="-122"/>
+            </a:endParaRPr>
+          </a:p>
+        </p:txBody>
+      </p:sp>
+      <p:sp>
+        <p:nvSpPr>
+          <p:cNvPr id="63" name="矩形 62">
+            <a:extLst>
+              <a:ext uri="{FF2B5EF4-FFF2-40B4-BE49-F238E27FC236}">
+                <a16:creationId xmlns:a16="http://schemas.microsoft.com/office/drawing/2014/main" id="{D65DF2A2-63DF-74B6-A174-FCC3B6C47E7B}"/>
+              </a:ext>
+            </a:extLst>
+          </p:cNvPr>
+          <p:cNvSpPr/>
+          <p:nvPr/>
+        </p:nvSpPr>
+        <p:spPr>
+          <a:xfrm>
+            <a:off x="598329" y="1245069"/>
+            <a:ext cx="1296000" cy="3893563"/>
+          </a:xfrm>
+          <a:prstGeom prst="rect">
+            <a:avLst/>
+          </a:prstGeom>
+          <a:noFill/>
+          <a:ln w="19050">
+            <a:solidFill>
+              <a:schemeClr val="tx1"/>
+            </a:solidFill>
+            <a:prstDash val="sysDot"/>
+          </a:ln>
+        </p:spPr>
+        <p:style>
+          <a:lnRef idx="2">
+            <a:schemeClr val="accent1">
+              <a:shade val="15000"/>
+            </a:schemeClr>
+          </a:lnRef>
+          <a:fillRef idx="1">
+            <a:schemeClr val="accent1"/>
+          </a:fillRef>
+          <a:effectRef idx="0">
+            <a:schemeClr val="accent1"/>
+          </a:effectRef>
+          <a:fontRef idx="minor">
+            <a:schemeClr val="lt1"/>
+          </a:fontRef>
+        </p:style>
+        <p:txBody>
+          <a:bodyPr rtlCol="0" anchor="ctr"/>
+          <a:lstStyle/>
+          <a:p>
+            <a:pPr algn="ctr"/>
+            <a:endParaRPr lang="zh-CN" altLang="en-US">
+              <a:latin typeface="微软雅黑" panose="020B0503020204020204" pitchFamily="34" charset="-122"/>
+              <a:ea typeface="微软雅黑" panose="020B0503020204020204" pitchFamily="34" charset="-122"/>
+            </a:endParaRPr>
+          </a:p>
+        </p:txBody>
+      </p:sp>
+      <p:sp>
+        <p:nvSpPr>
+          <p:cNvPr id="64" name="矩形 63">
+            <a:extLst>
+              <a:ext uri="{FF2B5EF4-FFF2-40B4-BE49-F238E27FC236}">
+                <a16:creationId xmlns:a16="http://schemas.microsoft.com/office/drawing/2014/main" id="{C324C975-DF14-41B9-A770-02E899B15089}"/>
+              </a:ext>
+            </a:extLst>
+          </p:cNvPr>
+          <p:cNvSpPr/>
+          <p:nvPr/>
+        </p:nvSpPr>
+        <p:spPr>
+          <a:xfrm>
+            <a:off x="3025830" y="1245069"/>
+            <a:ext cx="1296000" cy="3893563"/>
+          </a:xfrm>
+          <a:prstGeom prst="rect">
+            <a:avLst/>
+          </a:prstGeom>
+          <a:noFill/>
+          <a:ln w="19050">
+            <a:solidFill>
+              <a:schemeClr val="tx1"/>
+            </a:solidFill>
+            <a:prstDash val="sysDot"/>
+          </a:ln>
+        </p:spPr>
+        <p:style>
+          <a:lnRef idx="2">
+            <a:schemeClr val="accent1">
+              <a:shade val="15000"/>
+            </a:schemeClr>
+          </a:lnRef>
+          <a:fillRef idx="1">
+            <a:schemeClr val="accent1"/>
+          </a:fillRef>
+          <a:effectRef idx="0">
+            <a:schemeClr val="accent1"/>
+          </a:effectRef>
+          <a:fontRef idx="minor">
+            <a:schemeClr val="lt1"/>
+          </a:fontRef>
+        </p:style>
+        <p:txBody>
+          <a:bodyPr rtlCol="0" anchor="ctr"/>
+          <a:lstStyle/>
+          <a:p>
+            <a:pPr algn="ctr"/>
+            <a:endParaRPr lang="zh-CN" altLang="en-US">
+              <a:latin typeface="微软雅黑" panose="020B0503020204020204" pitchFamily="34" charset="-122"/>
+              <a:ea typeface="微软雅黑" panose="020B0503020204020204" pitchFamily="34" charset="-122"/>
+            </a:endParaRPr>
+          </a:p>
+        </p:txBody>
+      </p:sp>
+      <p:sp>
+        <p:nvSpPr>
+          <p:cNvPr id="65" name="TextBox 51">
+            <a:extLst>
+              <a:ext uri="{FF2B5EF4-FFF2-40B4-BE49-F238E27FC236}">
+                <a16:creationId xmlns:a16="http://schemas.microsoft.com/office/drawing/2014/main" id="{5E499AED-6EEC-E382-2507-353536672497}"/>
+              </a:ext>
+            </a:extLst>
+          </p:cNvPr>
+          <p:cNvSpPr txBox="1"/>
+          <p:nvPr/>
+        </p:nvSpPr>
+        <p:spPr>
+          <a:xfrm>
+            <a:off x="5505300" y="5223472"/>
+            <a:ext cx="1196491" cy="369332"/>
+          </a:xfrm>
+          <a:prstGeom prst="rect">
+            <a:avLst/>
+          </a:prstGeom>
+          <a:noFill/>
+        </p:spPr>
+        <p:txBody>
+          <a:bodyPr wrap="square" rtlCol="0">
+            <a:spAutoFit/>
+          </a:bodyPr>
+          <a:lstStyle/>
+          <a:p>
+            <a:pPr algn="ctr"/>
+            <a:r>
+              <a:rPr lang="zh-CN" altLang="en-US" b="1" dirty="0">
+                <a:latin typeface="微软雅黑" panose="020B0503020204020204" pitchFamily="34" charset="-122"/>
+                <a:ea typeface="微软雅黑" panose="020B0503020204020204" pitchFamily="34" charset="-122"/>
+                <a:cs typeface="Times New Roman" panose="02020603050405020304" pitchFamily="18" charset="0"/>
+              </a:rPr>
+              <a:t>表征向量</a:t>
+            </a:r>
+          </a:p>
+        </p:txBody>
+      </p:sp>
+      <p:sp>
+        <p:nvSpPr>
+          <p:cNvPr id="72" name="矩形 71">
+            <a:extLst>
+              <a:ext uri="{FF2B5EF4-FFF2-40B4-BE49-F238E27FC236}">
+                <a16:creationId xmlns:a16="http://schemas.microsoft.com/office/drawing/2014/main" id="{01BB6738-B674-1A4F-2590-3920BDA3252C}"/>
+              </a:ext>
+            </a:extLst>
+          </p:cNvPr>
+          <p:cNvSpPr/>
+          <p:nvPr/>
+        </p:nvSpPr>
+        <p:spPr>
+          <a:xfrm>
+            <a:off x="5455545" y="1245069"/>
+            <a:ext cx="1296000" cy="3893563"/>
+          </a:xfrm>
+          <a:prstGeom prst="rect">
+            <a:avLst/>
+          </a:prstGeom>
+          <a:noFill/>
+          <a:ln w="19050">
+            <a:solidFill>
+              <a:schemeClr val="tx1"/>
+            </a:solidFill>
+            <a:prstDash val="sysDot"/>
+          </a:ln>
+        </p:spPr>
+        <p:style>
+          <a:lnRef idx="2">
+            <a:schemeClr val="accent1">
+              <a:shade val="15000"/>
+            </a:schemeClr>
+          </a:lnRef>
+          <a:fillRef idx="1">
+            <a:schemeClr val="accent1"/>
+          </a:fillRef>
+          <a:effectRef idx="0">
+            <a:schemeClr val="accent1"/>
+          </a:effectRef>
+          <a:fontRef idx="minor">
+            <a:schemeClr val="lt1"/>
+          </a:fontRef>
+        </p:style>
+        <p:txBody>
+          <a:bodyPr rtlCol="0" anchor="ctr"/>
+          <a:lstStyle/>
+          <a:p>
+            <a:pPr algn="ctr"/>
+            <a:endParaRPr lang="zh-CN" altLang="en-US">
+              <a:latin typeface="微软雅黑" panose="020B0503020204020204" pitchFamily="34" charset="-122"/>
+              <a:ea typeface="微软雅黑" panose="020B0503020204020204" pitchFamily="34" charset="-122"/>
+            </a:endParaRPr>
+          </a:p>
+        </p:txBody>
+      </p:sp>
+      <p:sp>
+        <p:nvSpPr>
+          <p:cNvPr id="73" name="矩形 72">
+            <a:extLst>
+              <a:ext uri="{FF2B5EF4-FFF2-40B4-BE49-F238E27FC236}">
+                <a16:creationId xmlns:a16="http://schemas.microsoft.com/office/drawing/2014/main" id="{DF33DB6F-3915-7BD8-584C-E652C97EBD44}"/>
+              </a:ext>
+            </a:extLst>
+          </p:cNvPr>
+          <p:cNvSpPr/>
+          <p:nvPr/>
+        </p:nvSpPr>
+        <p:spPr>
+          <a:xfrm>
+            <a:off x="7885260" y="1245069"/>
+            <a:ext cx="1296000" cy="3893563"/>
+          </a:xfrm>
+          <a:prstGeom prst="rect">
+            <a:avLst/>
+          </a:prstGeom>
+          <a:noFill/>
+          <a:ln w="19050">
+            <a:solidFill>
+              <a:schemeClr val="tx1"/>
+            </a:solidFill>
+            <a:prstDash val="sysDot"/>
+          </a:ln>
+        </p:spPr>
+        <p:style>
+          <a:lnRef idx="2">
+            <a:schemeClr val="accent1">
+              <a:shade val="15000"/>
+            </a:schemeClr>
+          </a:lnRef>
+          <a:fillRef idx="1">
+            <a:schemeClr val="accent1"/>
+          </a:fillRef>
+          <a:effectRef idx="0">
+            <a:schemeClr val="accent1"/>
+          </a:effectRef>
+          <a:fontRef idx="minor">
+            <a:schemeClr val="lt1"/>
+          </a:fontRef>
+        </p:style>
+        <p:txBody>
+          <a:bodyPr rtlCol="0" anchor="ctr"/>
+          <a:lstStyle/>
+          <a:p>
+            <a:pPr algn="ctr"/>
+            <a:endParaRPr lang="zh-CN" altLang="en-US">
+              <a:latin typeface="微软雅黑" panose="020B0503020204020204" pitchFamily="34" charset="-122"/>
+              <a:ea typeface="微软雅黑" panose="020B0503020204020204" pitchFamily="34" charset="-122"/>
+            </a:endParaRPr>
+          </a:p>
+        </p:txBody>
+      </p:sp>
+      <p:sp>
+        <p:nvSpPr>
+          <p:cNvPr id="74" name="矩形 73">
+            <a:extLst>
+              <a:ext uri="{FF2B5EF4-FFF2-40B4-BE49-F238E27FC236}">
+                <a16:creationId xmlns:a16="http://schemas.microsoft.com/office/drawing/2014/main" id="{5C3AC547-F77A-1B11-20D0-29F15E9600B0}"/>
+              </a:ext>
+            </a:extLst>
+          </p:cNvPr>
+          <p:cNvSpPr/>
+          <p:nvPr/>
+        </p:nvSpPr>
+        <p:spPr>
+          <a:xfrm>
+            <a:off x="10314974" y="1245069"/>
+            <a:ext cx="1296000" cy="3893563"/>
+          </a:xfrm>
+          <a:prstGeom prst="rect">
+            <a:avLst/>
+          </a:prstGeom>
+          <a:noFill/>
+          <a:ln w="19050">
+            <a:solidFill>
+              <a:schemeClr val="tx1"/>
+            </a:solidFill>
+            <a:prstDash val="sysDot"/>
+          </a:ln>
+        </p:spPr>
+        <p:style>
+          <a:lnRef idx="2">
+            <a:schemeClr val="accent1">
+              <a:shade val="15000"/>
+            </a:schemeClr>
+          </a:lnRef>
+          <a:fillRef idx="1">
+            <a:schemeClr val="accent1"/>
+          </a:fillRef>
+          <a:effectRef idx="0">
+            <a:schemeClr val="accent1"/>
+          </a:effectRef>
+          <a:fontRef idx="minor">
+            <a:schemeClr val="lt1"/>
+          </a:fontRef>
+        </p:style>
+        <p:txBody>
+          <a:bodyPr rtlCol="0" anchor="ctr"/>
+          <a:lstStyle/>
+          <a:p>
+            <a:pPr algn="ctr"/>
+            <a:endParaRPr lang="zh-CN" altLang="en-US">
+              <a:latin typeface="微软雅黑" panose="020B0503020204020204" pitchFamily="34" charset="-122"/>
+              <a:ea typeface="微软雅黑" panose="020B0503020204020204" pitchFamily="34" charset="-122"/>
+            </a:endParaRPr>
+          </a:p>
+        </p:txBody>
+      </p:sp>
+      <p:sp>
+        <p:nvSpPr>
+          <p:cNvPr id="76" name="矩形: 圆角 75">
+            <a:extLst>
+              <a:ext uri="{FF2B5EF4-FFF2-40B4-BE49-F238E27FC236}">
+                <a16:creationId xmlns:a16="http://schemas.microsoft.com/office/drawing/2014/main" id="{21D5CCA1-7015-95E8-786C-01E622BED162}"/>
+              </a:ext>
+            </a:extLst>
+          </p:cNvPr>
+          <p:cNvSpPr/>
+          <p:nvPr/>
+        </p:nvSpPr>
+        <p:spPr>
+          <a:xfrm>
+            <a:off x="3189465" y="1457445"/>
+            <a:ext cx="963991" cy="1633790"/>
+          </a:xfrm>
+          <a:prstGeom prst="roundRect">
+            <a:avLst/>
+          </a:prstGeom>
+          <a:solidFill>
+            <a:srgbClr val="9BBBE1">
+              <a:alpha val="50000"/>
+            </a:srgbClr>
+          </a:solidFill>
+          <a:ln>
+            <a:noFill/>
+            <a:prstDash val="sysDot"/>
+          </a:ln>
+        </p:spPr>
+        <p:style>
+          <a:lnRef idx="2">
+            <a:schemeClr val="accent1">
+              <a:shade val="15000"/>
+            </a:schemeClr>
+          </a:lnRef>
+          <a:fillRef idx="1">
+            <a:schemeClr val="accent1"/>
+          </a:fillRef>
+          <a:effectRef idx="0">
+            <a:schemeClr val="accent1"/>
+          </a:effectRef>
+          <a:fontRef idx="minor">
+            <a:schemeClr val="lt1"/>
+          </a:fontRef>
+        </p:style>
+        <p:txBody>
+          <a:bodyPr rtlCol="0" anchor="ctr"/>
+          <a:lstStyle/>
+          <a:p>
+            <a:pPr algn="ctr"/>
+            <a:endParaRPr lang="zh-CN" altLang="en-US">
+              <a:latin typeface="微软雅黑" panose="020B0503020204020204" pitchFamily="34" charset="-122"/>
+              <a:ea typeface="微软雅黑" panose="020B0503020204020204" pitchFamily="34" charset="-122"/>
+            </a:endParaRPr>
+          </a:p>
+        </p:txBody>
+      </p:sp>
+      <p:sp>
+        <p:nvSpPr>
+          <p:cNvPr id="52" name="文本框 51">
+            <a:extLst>
+              <a:ext uri="{FF2B5EF4-FFF2-40B4-BE49-F238E27FC236}">
+                <a16:creationId xmlns:a16="http://schemas.microsoft.com/office/drawing/2014/main" id="{1CF55244-B492-4B3F-B6B8-62E1310663E9}"/>
+              </a:ext>
+            </a:extLst>
+          </p:cNvPr>
+          <p:cNvSpPr txBox="1"/>
+          <p:nvPr/>
+        </p:nvSpPr>
+        <p:spPr>
+          <a:xfrm>
+            <a:off x="3139414" y="1516022"/>
+            <a:ext cx="1064092" cy="369332"/>
+          </a:xfrm>
+          <a:prstGeom prst="rect">
+            <a:avLst/>
+          </a:prstGeom>
+          <a:noFill/>
+        </p:spPr>
+        <p:txBody>
+          <a:bodyPr wrap="square" rtlCol="0">
+            <a:spAutoFit/>
+          </a:bodyPr>
+          <a:lstStyle/>
+          <a:p>
+            <a:pPr algn="ctr"/>
+            <a:r>
+              <a:rPr lang="en-US" altLang="zh-CN" dirty="0">
+                <a:latin typeface="微软雅黑" panose="020B0503020204020204" pitchFamily="34" charset="-122"/>
+                <a:ea typeface="微软雅黑" panose="020B0503020204020204" pitchFamily="34" charset="-122"/>
+              </a:rPr>
+              <a:t>Token</a:t>
+            </a:r>
+            <a:endParaRPr lang="zh-CN" altLang="en-US" dirty="0">
+              <a:latin typeface="微软雅黑" panose="020B0503020204020204" pitchFamily="34" charset="-122"/>
+              <a:ea typeface="微软雅黑" panose="020B0503020204020204" pitchFamily="34" charset="-122"/>
+            </a:endParaRPr>
+          </a:p>
+        </p:txBody>
+      </p:sp>
+      <p:sp>
+        <p:nvSpPr>
+          <p:cNvPr id="53" name="文本框 52">
+            <a:extLst>
+              <a:ext uri="{FF2B5EF4-FFF2-40B4-BE49-F238E27FC236}">
+                <a16:creationId xmlns:a16="http://schemas.microsoft.com/office/drawing/2014/main" id="{54A5EEA9-5A16-478E-219B-0EA4B0A4E552}"/>
+              </a:ext>
+            </a:extLst>
+          </p:cNvPr>
+          <p:cNvSpPr txBox="1"/>
+          <p:nvPr/>
+        </p:nvSpPr>
+        <p:spPr>
+          <a:xfrm>
+            <a:off x="3139414" y="2089674"/>
+            <a:ext cx="1064092" cy="369332"/>
+          </a:xfrm>
+          <a:prstGeom prst="rect">
+            <a:avLst/>
+          </a:prstGeom>
+          <a:noFill/>
+        </p:spPr>
+        <p:txBody>
+          <a:bodyPr wrap="square" rtlCol="0">
+            <a:spAutoFit/>
+          </a:bodyPr>
+          <a:lstStyle/>
+          <a:p>
+            <a:pPr algn="ctr"/>
+            <a:r>
+              <a:rPr lang="en-US" altLang="zh-CN" dirty="0">
+                <a:latin typeface="微软雅黑" panose="020B0503020204020204" pitchFamily="34" charset="-122"/>
+                <a:ea typeface="微软雅黑" panose="020B0503020204020204" pitchFamily="34" charset="-122"/>
+              </a:rPr>
+              <a:t>AST</a:t>
+            </a:r>
+            <a:endParaRPr lang="zh-CN" altLang="en-US" dirty="0">
+              <a:latin typeface="微软雅黑" panose="020B0503020204020204" pitchFamily="34" charset="-122"/>
+              <a:ea typeface="微软雅黑" panose="020B0503020204020204" pitchFamily="34" charset="-122"/>
+            </a:endParaRPr>
+          </a:p>
+        </p:txBody>
+      </p:sp>
+      <p:sp>
+        <p:nvSpPr>
+          <p:cNvPr id="54" name="文本框 53">
+            <a:extLst>
+              <a:ext uri="{FF2B5EF4-FFF2-40B4-BE49-F238E27FC236}">
+                <a16:creationId xmlns:a16="http://schemas.microsoft.com/office/drawing/2014/main" id="{DA7E84A3-1E03-DC12-5A9A-2D5859EC4421}"/>
+              </a:ext>
+            </a:extLst>
+          </p:cNvPr>
+          <p:cNvSpPr txBox="1"/>
+          <p:nvPr/>
+        </p:nvSpPr>
+        <p:spPr>
+          <a:xfrm>
+            <a:off x="3139414" y="2663326"/>
+            <a:ext cx="1064092" cy="369332"/>
+          </a:xfrm>
+          <a:prstGeom prst="rect">
+            <a:avLst/>
+          </a:prstGeom>
+          <a:noFill/>
+        </p:spPr>
+        <p:txBody>
+          <a:bodyPr wrap="square" rtlCol="0">
+            <a:spAutoFit/>
+          </a:bodyPr>
+          <a:lstStyle/>
+          <a:p>
+            <a:pPr algn="ctr"/>
+            <a:r>
+              <a:rPr lang="en-US" altLang="zh-CN" dirty="0">
+                <a:latin typeface="微软雅黑" panose="020B0503020204020204" pitchFamily="34" charset="-122"/>
+                <a:ea typeface="微软雅黑" panose="020B0503020204020204" pitchFamily="34" charset="-122"/>
+              </a:rPr>
+              <a:t>PDG</a:t>
+            </a:r>
+            <a:endParaRPr lang="zh-CN" altLang="en-US" dirty="0">
+              <a:latin typeface="微软雅黑" panose="020B0503020204020204" pitchFamily="34" charset="-122"/>
+              <a:ea typeface="微软雅黑" panose="020B0503020204020204" pitchFamily="34" charset="-122"/>
+            </a:endParaRPr>
+          </a:p>
+        </p:txBody>
+      </p:sp>
+      <p:sp>
+        <p:nvSpPr>
+          <p:cNvPr id="78" name="矩形: 圆角 77">
+            <a:extLst>
+              <a:ext uri="{FF2B5EF4-FFF2-40B4-BE49-F238E27FC236}">
+                <a16:creationId xmlns:a16="http://schemas.microsoft.com/office/drawing/2014/main" id="{4018900E-9D6B-BF25-8F27-FEB511C5D942}"/>
+              </a:ext>
+            </a:extLst>
+          </p:cNvPr>
+          <p:cNvSpPr/>
+          <p:nvPr/>
+        </p:nvSpPr>
+        <p:spPr>
+          <a:xfrm>
+            <a:off x="3194205" y="3292466"/>
+            <a:ext cx="963991" cy="1633790"/>
+          </a:xfrm>
+          <a:prstGeom prst="roundRect">
+            <a:avLst/>
+          </a:prstGeom>
+          <a:solidFill>
+            <a:srgbClr val="F09BA0">
+              <a:alpha val="50000"/>
+            </a:srgbClr>
+          </a:solidFill>
+          <a:ln>
+            <a:noFill/>
+            <a:prstDash val="sysDot"/>
+          </a:ln>
+        </p:spPr>
+        <p:style>
+          <a:lnRef idx="2">
+            <a:schemeClr val="accent1">
+              <a:shade val="15000"/>
+            </a:schemeClr>
+          </a:lnRef>
+          <a:fillRef idx="1">
+            <a:schemeClr val="accent1"/>
+          </a:fillRef>
+          <a:effectRef idx="0">
+            <a:schemeClr val="accent1"/>
+          </a:effectRef>
+          <a:fontRef idx="minor">
+            <a:schemeClr val="lt1"/>
+          </a:fontRef>
+        </p:style>
+        <p:txBody>
+          <a:bodyPr rtlCol="0" anchor="ctr"/>
+          <a:lstStyle/>
+          <a:p>
+            <a:pPr algn="ctr"/>
+            <a:endParaRPr lang="zh-CN" altLang="en-US">
+              <a:latin typeface="微软雅黑" panose="020B0503020204020204" pitchFamily="34" charset="-122"/>
+              <a:ea typeface="微软雅黑" panose="020B0503020204020204" pitchFamily="34" charset="-122"/>
+            </a:endParaRPr>
+          </a:p>
+        </p:txBody>
+      </p:sp>
+      <p:grpSp>
+        <p:nvGrpSpPr>
+          <p:cNvPr id="79" name="组合 78">
+            <a:extLst>
+              <a:ext uri="{FF2B5EF4-FFF2-40B4-BE49-F238E27FC236}">
+                <a16:creationId xmlns:a16="http://schemas.microsoft.com/office/drawing/2014/main" id="{71DF62CD-9332-7341-A9FE-7196F81195E0}"/>
+              </a:ext>
+            </a:extLst>
+          </p:cNvPr>
+          <p:cNvGrpSpPr/>
+          <p:nvPr/>
+        </p:nvGrpSpPr>
+        <p:grpSpPr>
+          <a:xfrm>
+            <a:off x="3144154" y="3351043"/>
+            <a:ext cx="1064092" cy="1516636"/>
+            <a:chOff x="3141784" y="2355682"/>
+            <a:chExt cx="1064092" cy="1516636"/>
+          </a:xfrm>
+        </p:grpSpPr>
+        <p:sp>
+          <p:nvSpPr>
+            <p:cNvPr id="80" name="文本框 79">
+              <a:extLst>
+                <a:ext uri="{FF2B5EF4-FFF2-40B4-BE49-F238E27FC236}">
+                  <a16:creationId xmlns:a16="http://schemas.microsoft.com/office/drawing/2014/main" id="{0E6410A7-540A-4113-2C91-F9260B531745}"/>
+                </a:ext>
+              </a:extLst>
+            </p:cNvPr>
+            <p:cNvSpPr txBox="1"/>
+            <p:nvPr/>
+          </p:nvSpPr>
+          <p:spPr>
+            <a:xfrm>
+              <a:off x="3141784" y="2355682"/>
+              <a:ext cx="1064092" cy="369332"/>
+            </a:xfrm>
+            <a:prstGeom prst="rect">
+              <a:avLst/>
+            </a:prstGeom>
+            <a:noFill/>
+          </p:spPr>
+          <p:txBody>
+            <a:bodyPr wrap="square" rtlCol="0">
+              <a:spAutoFit/>
+            </a:bodyPr>
+            <a:lstStyle/>
+            <a:p>
+              <a:pPr algn="ctr"/>
+              <a:r>
+                <a:rPr lang="en-US" altLang="zh-CN" dirty="0">
+                  <a:latin typeface="微软雅黑" panose="020B0503020204020204" pitchFamily="34" charset="-122"/>
+                  <a:ea typeface="微软雅黑" panose="020B0503020204020204" pitchFamily="34" charset="-122"/>
+                </a:rPr>
+                <a:t>Token</a:t>
+              </a:r>
+              <a:endParaRPr lang="zh-CN" altLang="en-US" dirty="0">
+                <a:latin typeface="微软雅黑" panose="020B0503020204020204" pitchFamily="34" charset="-122"/>
+                <a:ea typeface="微软雅黑" panose="020B0503020204020204" pitchFamily="34" charset="-122"/>
+              </a:endParaRPr>
+            </a:p>
+          </p:txBody>
+        </p:sp>
+        <p:sp>
+          <p:nvSpPr>
+            <p:cNvPr id="81" name="文本框 80">
+              <a:extLst>
+                <a:ext uri="{FF2B5EF4-FFF2-40B4-BE49-F238E27FC236}">
+                  <a16:creationId xmlns:a16="http://schemas.microsoft.com/office/drawing/2014/main" id="{2B55015B-51B7-495F-9747-AB04C31986A3}"/>
+                </a:ext>
+              </a:extLst>
+            </p:cNvPr>
+            <p:cNvSpPr txBox="1"/>
+            <p:nvPr/>
+          </p:nvSpPr>
+          <p:spPr>
+            <a:xfrm>
+              <a:off x="3141784" y="2929334"/>
+              <a:ext cx="1064092" cy="369332"/>
+            </a:xfrm>
+            <a:prstGeom prst="rect">
+              <a:avLst/>
+            </a:prstGeom>
+            <a:noFill/>
+          </p:spPr>
+          <p:txBody>
+            <a:bodyPr wrap="square" rtlCol="0">
+              <a:spAutoFit/>
+            </a:bodyPr>
+            <a:lstStyle/>
+            <a:p>
+              <a:pPr algn="ctr"/>
+              <a:r>
+                <a:rPr lang="en-US" altLang="zh-CN" dirty="0">
+                  <a:latin typeface="微软雅黑" panose="020B0503020204020204" pitchFamily="34" charset="-122"/>
+                  <a:ea typeface="微软雅黑" panose="020B0503020204020204" pitchFamily="34" charset="-122"/>
+                </a:rPr>
+                <a:t>AST</a:t>
+              </a:r>
+              <a:endParaRPr lang="zh-CN" altLang="en-US" dirty="0">
+                <a:latin typeface="微软雅黑" panose="020B0503020204020204" pitchFamily="34" charset="-122"/>
+                <a:ea typeface="微软雅黑" panose="020B0503020204020204" pitchFamily="34" charset="-122"/>
+              </a:endParaRPr>
+            </a:p>
+          </p:txBody>
+        </p:sp>
+        <p:sp>
+          <p:nvSpPr>
+            <p:cNvPr id="82" name="文本框 81">
+              <a:extLst>
+                <a:ext uri="{FF2B5EF4-FFF2-40B4-BE49-F238E27FC236}">
+                  <a16:creationId xmlns:a16="http://schemas.microsoft.com/office/drawing/2014/main" id="{1C9B7B44-E74E-28EC-3A6F-7748F0D02688}"/>
+                </a:ext>
+              </a:extLst>
+            </p:cNvPr>
+            <p:cNvSpPr txBox="1"/>
+            <p:nvPr/>
+          </p:nvSpPr>
+          <p:spPr>
+            <a:xfrm>
+              <a:off x="3141784" y="3502986"/>
+              <a:ext cx="1064092" cy="369332"/>
+            </a:xfrm>
+            <a:prstGeom prst="rect">
+              <a:avLst/>
+            </a:prstGeom>
+            <a:noFill/>
+          </p:spPr>
+          <p:txBody>
+            <a:bodyPr wrap="square" rtlCol="0">
+              <a:spAutoFit/>
+            </a:bodyPr>
+            <a:lstStyle/>
+            <a:p>
+              <a:pPr algn="ctr"/>
+              <a:r>
+                <a:rPr lang="en-US" altLang="zh-CN" dirty="0">
+                  <a:latin typeface="微软雅黑" panose="020B0503020204020204" pitchFamily="34" charset="-122"/>
+                  <a:ea typeface="微软雅黑" panose="020B0503020204020204" pitchFamily="34" charset="-122"/>
+                </a:rPr>
+                <a:t>PDG</a:t>
+              </a:r>
+              <a:endParaRPr lang="zh-CN" altLang="en-US" dirty="0">
+                <a:latin typeface="微软雅黑" panose="020B0503020204020204" pitchFamily="34" charset="-122"/>
+                <a:ea typeface="微软雅黑" panose="020B0503020204020204" pitchFamily="34" charset="-122"/>
+              </a:endParaRPr>
+            </a:p>
+          </p:txBody>
+        </p:sp>
+      </p:grpSp>
+      <p:sp>
+        <p:nvSpPr>
+          <p:cNvPr id="92" name="TextBox 51">
+            <a:extLst>
+              <a:ext uri="{FF2B5EF4-FFF2-40B4-BE49-F238E27FC236}">
+                <a16:creationId xmlns:a16="http://schemas.microsoft.com/office/drawing/2014/main" id="{C18EFD1D-92F7-1DAA-C385-0D0080A56A6C}"/>
+              </a:ext>
+            </a:extLst>
+          </p:cNvPr>
+          <p:cNvSpPr txBox="1"/>
+          <p:nvPr/>
+        </p:nvSpPr>
+        <p:spPr>
+          <a:xfrm>
+            <a:off x="6798347" y="2772771"/>
+            <a:ext cx="1196491" cy="338554"/>
+          </a:xfrm>
+          <a:prstGeom prst="rect">
+            <a:avLst/>
+          </a:prstGeom>
+          <a:noFill/>
+        </p:spPr>
+        <p:txBody>
+          <a:bodyPr wrap="square" rtlCol="0">
+            <a:spAutoFit/>
+          </a:bodyPr>
+          <a:lstStyle/>
+          <a:p>
+            <a:pPr algn="ctr"/>
+            <a:r>
+              <a:rPr lang="zh-CN" altLang="en-US" sz="1600" dirty="0">
+                <a:latin typeface="微软雅黑" panose="020B0503020204020204" pitchFamily="34" charset="-122"/>
+                <a:ea typeface="微软雅黑" panose="020B0503020204020204" pitchFamily="34" charset="-122"/>
+                <a:cs typeface="Times New Roman" panose="02020603050405020304" pitchFamily="18" charset="0"/>
+              </a:rPr>
+              <a:t>特征融合</a:t>
+            </a:r>
+          </a:p>
+        </p:txBody>
+      </p:sp>
+      <mc:AlternateContent xmlns:mc="http://schemas.openxmlformats.org/markup-compatibility/2006" xmlns:a14="http://schemas.microsoft.com/office/drawing/2010/main">
+        <mc:Choice Requires="a14">
+          <p:sp>
+            <p:nvSpPr>
+              <p:cNvPr id="93" name="文本框 92">
+                <a:extLst>
+                  <a:ext uri="{FF2B5EF4-FFF2-40B4-BE49-F238E27FC236}">
+                    <a16:creationId xmlns:a16="http://schemas.microsoft.com/office/drawing/2014/main" id="{CE7CB4E3-DDBC-DBC0-72A9-571C4CF97506}"/>
+                  </a:ext>
+                </a:extLst>
+              </p:cNvPr>
+              <p:cNvSpPr txBox="1"/>
+              <p:nvPr/>
+            </p:nvSpPr>
+            <p:spPr>
+              <a:xfrm>
+                <a:off x="5768345" y="1633825"/>
+                <a:ext cx="738472" cy="281937"/>
+              </a:xfrm>
+              <a:prstGeom prst="rect">
+                <a:avLst/>
+              </a:prstGeom>
+              <a:noFill/>
+            </p:spPr>
+            <p:txBody>
+              <a:bodyPr wrap="none" lIns="0" tIns="0" rIns="0" bIns="0" rtlCol="0">
+                <a:spAutoFit/>
+              </a:bodyPr>
+              <a:lstStyle/>
+              <a:p>
+                <a:pPr/>
+                <a14:m>
+                  <m:oMathPara xmlns:m="http://schemas.openxmlformats.org/officeDocument/2006/math">
+                    <m:oMathParaPr>
+                      <m:jc m:val="centerGroup"/>
+                    </m:oMathParaPr>
+                    <m:oMath xmlns:m="http://schemas.openxmlformats.org/officeDocument/2006/math">
+                      <m:sSubSup>
+                        <m:sSubSupPr>
+                          <m:ctrlPr>
+                            <a:rPr lang="zh-CN" altLang="en-US" i="1" smtClean="0">
+                              <a:solidFill>
+                                <a:srgbClr val="836967"/>
+                              </a:solidFill>
+                              <a:latin typeface="Cambria Math" panose="02040503050406030204" pitchFamily="18" charset="0"/>
+                            </a:rPr>
+                          </m:ctrlPr>
+                        </m:sSubSupPr>
+                        <m:e>
+                          <m:r>
+                            <a:rPr lang="zh-CN" altLang="en-US" i="1">
+                              <a:latin typeface="Cambria Math" panose="02040503050406030204" pitchFamily="18" charset="0"/>
+                            </a:rPr>
+                            <m:t>𝑉</m:t>
+                          </m:r>
+                        </m:e>
+                        <m:sub>
+                          <m:r>
+                            <a:rPr lang="zh-CN" altLang="en-US" i="1">
+                              <a:latin typeface="Cambria Math" panose="02040503050406030204" pitchFamily="18" charset="0"/>
+                            </a:rPr>
+                            <m:t>𝑎</m:t>
+                          </m:r>
+                        </m:sub>
+                        <m:sup>
+                          <m:r>
+                            <a:rPr lang="en-US" altLang="zh-CN" b="0" i="1" smtClean="0">
+                              <a:latin typeface="Cambria Math" panose="02040503050406030204" pitchFamily="18" charset="0"/>
+                            </a:rPr>
+                            <m:t>𝑇𝑜</m:t>
+                          </m:r>
+                          <m:r>
+                            <a:rPr lang="zh-CN" altLang="en-US" i="1">
+                              <a:latin typeface="Cambria Math" panose="02040503050406030204" pitchFamily="18" charset="0"/>
+                            </a:rPr>
+                            <m:t>𝑘𝑒𝑛</m:t>
+                          </m:r>
+                        </m:sup>
+                      </m:sSubSup>
+                    </m:oMath>
+                  </m:oMathPara>
+                </a14:m>
+                <a:endParaRPr lang="zh-CN" altLang="en-US" dirty="0">
+                  <a:latin typeface="微软雅黑" panose="020B0503020204020204" pitchFamily="34" charset="-122"/>
+                  <a:ea typeface="微软雅黑" panose="020B0503020204020204" pitchFamily="34" charset="-122"/>
+                </a:endParaRPr>
+              </a:p>
+            </p:txBody>
+          </p:sp>
+        </mc:Choice>
+        <mc:Fallback xmlns="">
+          <p:sp>
+            <p:nvSpPr>
+              <p:cNvPr id="93" name="文本框 92">
+                <a:extLst>
+                  <a:ext uri="{FF2B5EF4-FFF2-40B4-BE49-F238E27FC236}">
+                    <a16:creationId xmlns:a16="http://schemas.microsoft.com/office/drawing/2014/main" id="{CE7CB4E3-DDBC-DBC0-72A9-571C4CF97506}"/>
+                  </a:ext>
+                </a:extLst>
+              </p:cNvPr>
+              <p:cNvSpPr txBox="1">
+                <a:spLocks noRot="1" noChangeAspect="1" noMove="1" noResize="1" noEditPoints="1" noAdjustHandles="1" noChangeArrowheads="1" noChangeShapeType="1" noTextEdit="1"/>
+              </p:cNvSpPr>
+              <p:nvPr/>
+            </p:nvSpPr>
+            <p:spPr>
+              <a:xfrm>
+                <a:off x="5768345" y="1633825"/>
+                <a:ext cx="738472" cy="281937"/>
+              </a:xfrm>
+              <a:prstGeom prst="rect">
+                <a:avLst/>
+              </a:prstGeom>
+              <a:blipFill>
+                <a:blip r:embed="rId2"/>
+                <a:stretch>
+                  <a:fillRect l="-5785" t="-2174" r="-2479" b="-15217"/>
+                </a:stretch>
+              </a:blipFill>
+            </p:spPr>
+            <p:txBody>
+              <a:bodyPr/>
+              <a:lstStyle/>
+              <a:p>
+                <a:r>
+                  <a:rPr lang="zh-CN" altLang="en-US">
+                    <a:noFill/>
+                  </a:rPr>
+                  <a:t> </a:t>
+                </a:r>
+              </a:p>
+            </p:txBody>
+          </p:sp>
+        </mc:Fallback>
+      </mc:AlternateContent>
+      <mc:AlternateContent xmlns:mc="http://schemas.openxmlformats.org/markup-compatibility/2006" xmlns:a14="http://schemas.microsoft.com/office/drawing/2010/main">
+        <mc:Choice Requires="a14">
+          <p:sp>
+            <p:nvSpPr>
+              <p:cNvPr id="94" name="文本框 93">
+                <a:extLst>
+                  <a:ext uri="{FF2B5EF4-FFF2-40B4-BE49-F238E27FC236}">
+                    <a16:creationId xmlns:a16="http://schemas.microsoft.com/office/drawing/2014/main" id="{86DBED0B-5AEF-5A2F-D490-F9CAF34B0050}"/>
+                  </a:ext>
+                </a:extLst>
+              </p:cNvPr>
+              <p:cNvSpPr txBox="1"/>
+              <p:nvPr/>
+            </p:nvSpPr>
+            <p:spPr>
+              <a:xfrm>
+                <a:off x="5762714" y="2143679"/>
+                <a:ext cx="550022" cy="277897"/>
+              </a:xfrm>
+              <a:prstGeom prst="rect">
+                <a:avLst/>
+              </a:prstGeom>
+              <a:noFill/>
+            </p:spPr>
+            <p:txBody>
+              <a:bodyPr wrap="square" lIns="0" tIns="0" rIns="0" bIns="0" rtlCol="0">
+                <a:spAutoFit/>
+              </a:bodyPr>
+              <a:lstStyle/>
+              <a:p>
+                <a:pPr/>
+                <a14:m>
+                  <m:oMathPara xmlns:m="http://schemas.openxmlformats.org/officeDocument/2006/math">
+                    <m:oMathParaPr>
+                      <m:jc m:val="centerGroup"/>
+                    </m:oMathParaPr>
+                    <m:oMath xmlns:m="http://schemas.openxmlformats.org/officeDocument/2006/math">
+                      <m:sSubSup>
+                        <m:sSubSupPr>
+                          <m:ctrlPr>
+                            <a:rPr lang="zh-CN" altLang="en-US" i="1" smtClean="0">
+                              <a:solidFill>
+                                <a:srgbClr val="836967"/>
+                              </a:solidFill>
+                              <a:latin typeface="Cambria Math" panose="02040503050406030204" pitchFamily="18" charset="0"/>
+                            </a:rPr>
+                          </m:ctrlPr>
+                        </m:sSubSupPr>
+                        <m:e>
+                          <m:r>
+                            <a:rPr lang="zh-CN" altLang="en-US" i="1">
+                              <a:latin typeface="Cambria Math" panose="02040503050406030204" pitchFamily="18" charset="0"/>
+                            </a:rPr>
+                            <m:t>𝑉</m:t>
+                          </m:r>
+                        </m:e>
+                        <m:sub>
+                          <m:r>
+                            <a:rPr lang="zh-CN" altLang="en-US" i="1">
+                              <a:latin typeface="Cambria Math" panose="02040503050406030204" pitchFamily="18" charset="0"/>
+                            </a:rPr>
+                            <m:t>𝑎</m:t>
+                          </m:r>
+                        </m:sub>
+                        <m:sup>
+                          <m:r>
+                            <a:rPr lang="en-US" altLang="zh-CN" b="0" i="1" smtClean="0">
+                              <a:latin typeface="Cambria Math" panose="02040503050406030204" pitchFamily="18" charset="0"/>
+                            </a:rPr>
+                            <m:t>𝐴𝑆𝑇</m:t>
+                          </m:r>
+                        </m:sup>
+                      </m:sSubSup>
+                    </m:oMath>
+                  </m:oMathPara>
+                </a14:m>
+                <a:endParaRPr lang="zh-CN" altLang="en-US" dirty="0">
+                  <a:latin typeface="微软雅黑" panose="020B0503020204020204" pitchFamily="34" charset="-122"/>
+                  <a:ea typeface="微软雅黑" panose="020B0503020204020204" pitchFamily="34" charset="-122"/>
+                </a:endParaRPr>
+              </a:p>
+            </p:txBody>
+          </p:sp>
+        </mc:Choice>
+        <mc:Fallback xmlns="">
+          <p:sp>
+            <p:nvSpPr>
+              <p:cNvPr id="94" name="文本框 93">
+                <a:extLst>
+                  <a:ext uri="{FF2B5EF4-FFF2-40B4-BE49-F238E27FC236}">
+                    <a16:creationId xmlns:a16="http://schemas.microsoft.com/office/drawing/2014/main" id="{86DBED0B-5AEF-5A2F-D490-F9CAF34B0050}"/>
+                  </a:ext>
+                </a:extLst>
+              </p:cNvPr>
+              <p:cNvSpPr txBox="1">
+                <a:spLocks noRot="1" noChangeAspect="1" noMove="1" noResize="1" noEditPoints="1" noAdjustHandles="1" noChangeArrowheads="1" noChangeShapeType="1" noTextEdit="1"/>
+              </p:cNvSpPr>
+              <p:nvPr/>
+            </p:nvSpPr>
+            <p:spPr>
+              <a:xfrm>
+                <a:off x="5762714" y="2143679"/>
+                <a:ext cx="550022" cy="277897"/>
+              </a:xfrm>
+              <a:prstGeom prst="rect">
+                <a:avLst/>
+              </a:prstGeom>
+              <a:blipFill>
+                <a:blip r:embed="rId3"/>
+                <a:stretch>
+                  <a:fillRect l="-8791" t="-2222" r="-2198" b="-13333"/>
+                </a:stretch>
+              </a:blipFill>
+            </p:spPr>
+            <p:txBody>
+              <a:bodyPr/>
+              <a:lstStyle/>
+              <a:p>
+                <a:r>
+                  <a:rPr lang="zh-CN" altLang="en-US">
+                    <a:noFill/>
+                  </a:rPr>
+                  <a:t> </a:t>
+                </a:r>
+              </a:p>
+            </p:txBody>
+          </p:sp>
+        </mc:Fallback>
+      </mc:AlternateContent>
+      <mc:AlternateContent xmlns:mc="http://schemas.openxmlformats.org/markup-compatibility/2006" xmlns:a14="http://schemas.microsoft.com/office/drawing/2010/main">
+        <mc:Choice Requires="a14">
+          <p:sp>
+            <p:nvSpPr>
+              <p:cNvPr id="95" name="文本框 94">
+                <a:extLst>
+                  <a:ext uri="{FF2B5EF4-FFF2-40B4-BE49-F238E27FC236}">
+                    <a16:creationId xmlns:a16="http://schemas.microsoft.com/office/drawing/2014/main" id="{8BBB08D3-8AB5-B7F7-2C1F-8A0261BF30FA}"/>
+                  </a:ext>
+                </a:extLst>
+              </p:cNvPr>
+              <p:cNvSpPr txBox="1"/>
+              <p:nvPr/>
+            </p:nvSpPr>
+            <p:spPr>
+              <a:xfrm>
+                <a:off x="5768345" y="2663326"/>
+                <a:ext cx="582659" cy="277897"/>
+              </a:xfrm>
+              <a:prstGeom prst="rect">
+                <a:avLst/>
+              </a:prstGeom>
+              <a:noFill/>
+            </p:spPr>
+            <p:txBody>
+              <a:bodyPr wrap="none" lIns="0" tIns="0" rIns="0" bIns="0" rtlCol="0">
+                <a:spAutoFit/>
+              </a:bodyPr>
+              <a:lstStyle/>
+              <a:p>
+                <a:pPr/>
+                <a14:m>
+                  <m:oMathPara xmlns:m="http://schemas.openxmlformats.org/officeDocument/2006/math">
+                    <m:oMathParaPr>
+                      <m:jc m:val="centerGroup"/>
+                    </m:oMathParaPr>
+                    <m:oMath xmlns:m="http://schemas.openxmlformats.org/officeDocument/2006/math">
+                      <m:sSubSup>
+                        <m:sSubSupPr>
+                          <m:ctrlPr>
+                            <a:rPr lang="zh-CN" altLang="en-US" i="1" smtClean="0">
+                              <a:solidFill>
+                                <a:srgbClr val="836967"/>
+                              </a:solidFill>
+                              <a:latin typeface="Cambria Math" panose="02040503050406030204" pitchFamily="18" charset="0"/>
+                            </a:rPr>
+                          </m:ctrlPr>
+                        </m:sSubSupPr>
+                        <m:e>
+                          <m:r>
+                            <a:rPr lang="zh-CN" altLang="en-US" i="1">
+                              <a:latin typeface="Cambria Math" panose="02040503050406030204" pitchFamily="18" charset="0"/>
+                            </a:rPr>
+                            <m:t>𝑉</m:t>
+                          </m:r>
+                        </m:e>
+                        <m:sub>
+                          <m:r>
+                            <a:rPr lang="zh-CN" altLang="en-US" i="1">
+                              <a:latin typeface="Cambria Math" panose="02040503050406030204" pitchFamily="18" charset="0"/>
+                            </a:rPr>
+                            <m:t>𝑎</m:t>
+                          </m:r>
+                        </m:sub>
+                        <m:sup>
+                          <m:r>
+                            <a:rPr lang="en-US" altLang="zh-CN" b="0" i="1" smtClean="0">
+                              <a:latin typeface="Cambria Math" panose="02040503050406030204" pitchFamily="18" charset="0"/>
+                            </a:rPr>
+                            <m:t>𝑃𝐷𝐺</m:t>
+                          </m:r>
+                        </m:sup>
+                      </m:sSubSup>
+                    </m:oMath>
+                  </m:oMathPara>
+                </a14:m>
+                <a:endParaRPr lang="zh-CN" altLang="en-US" dirty="0">
+                  <a:latin typeface="微软雅黑" panose="020B0503020204020204" pitchFamily="34" charset="-122"/>
+                  <a:ea typeface="微软雅黑" panose="020B0503020204020204" pitchFamily="34" charset="-122"/>
+                </a:endParaRPr>
+              </a:p>
+            </p:txBody>
+          </p:sp>
+        </mc:Choice>
+        <mc:Fallback xmlns="">
+          <p:sp>
+            <p:nvSpPr>
+              <p:cNvPr id="95" name="文本框 94">
+                <a:extLst>
+                  <a:ext uri="{FF2B5EF4-FFF2-40B4-BE49-F238E27FC236}">
+                    <a16:creationId xmlns:a16="http://schemas.microsoft.com/office/drawing/2014/main" id="{8BBB08D3-8AB5-B7F7-2C1F-8A0261BF30FA}"/>
+                  </a:ext>
+                </a:extLst>
+              </p:cNvPr>
+              <p:cNvSpPr txBox="1">
+                <a:spLocks noRot="1" noChangeAspect="1" noMove="1" noResize="1" noEditPoints="1" noAdjustHandles="1" noChangeArrowheads="1" noChangeShapeType="1" noTextEdit="1"/>
+              </p:cNvSpPr>
+              <p:nvPr/>
+            </p:nvSpPr>
+            <p:spPr>
+              <a:xfrm>
+                <a:off x="5768345" y="2663326"/>
+                <a:ext cx="582659" cy="277897"/>
+              </a:xfrm>
+              <a:prstGeom prst="rect">
+                <a:avLst/>
+              </a:prstGeom>
+              <a:blipFill>
+                <a:blip r:embed="rId4"/>
+                <a:stretch>
+                  <a:fillRect l="-7292" t="-2222" r="-2083" b="-13333"/>
+                </a:stretch>
+              </a:blipFill>
+            </p:spPr>
+            <p:txBody>
+              <a:bodyPr/>
+              <a:lstStyle/>
+              <a:p>
+                <a:r>
+                  <a:rPr lang="zh-CN" altLang="en-US">
+                    <a:noFill/>
+                  </a:rPr>
+                  <a:t> </a:t>
+                </a:r>
+              </a:p>
+            </p:txBody>
+          </p:sp>
+        </mc:Fallback>
+      </mc:AlternateContent>
+      <p:sp>
+        <p:nvSpPr>
+          <p:cNvPr id="99" name="TextBox 51">
+            <a:extLst>
+              <a:ext uri="{FF2B5EF4-FFF2-40B4-BE49-F238E27FC236}">
+                <a16:creationId xmlns:a16="http://schemas.microsoft.com/office/drawing/2014/main" id="{94993C81-CE7C-9B04-D2C1-FF964B75CDED}"/>
+              </a:ext>
+            </a:extLst>
+          </p:cNvPr>
+          <p:cNvSpPr txBox="1"/>
+          <p:nvPr/>
+        </p:nvSpPr>
+        <p:spPr>
+          <a:xfrm>
+            <a:off x="7935015" y="5223472"/>
+            <a:ext cx="1196491" cy="369332"/>
+          </a:xfrm>
+          <a:prstGeom prst="rect">
+            <a:avLst/>
+          </a:prstGeom>
+          <a:noFill/>
+        </p:spPr>
+        <p:txBody>
+          <a:bodyPr wrap="square" rtlCol="0">
+            <a:spAutoFit/>
+          </a:bodyPr>
+          <a:lstStyle/>
+          <a:p>
+            <a:pPr algn="ctr"/>
+            <a:r>
+              <a:rPr lang="zh-CN" altLang="en-US" b="1" dirty="0">
+                <a:latin typeface="微软雅黑" panose="020B0503020204020204" pitchFamily="34" charset="-122"/>
+                <a:ea typeface="微软雅黑" panose="020B0503020204020204" pitchFamily="34" charset="-122"/>
+                <a:cs typeface="Times New Roman" panose="02020603050405020304" pitchFamily="18" charset="0"/>
+              </a:rPr>
+              <a:t>混合向量</a:t>
+            </a:r>
+          </a:p>
+        </p:txBody>
+      </p:sp>
+      <p:sp>
+        <p:nvSpPr>
+          <p:cNvPr id="101" name="矩形: 圆角 100">
+            <a:extLst>
+              <a:ext uri="{FF2B5EF4-FFF2-40B4-BE49-F238E27FC236}">
+                <a16:creationId xmlns:a16="http://schemas.microsoft.com/office/drawing/2014/main" id="{3334296A-D84A-B4E1-7B93-E551CBD7187D}"/>
+              </a:ext>
+            </a:extLst>
+          </p:cNvPr>
+          <p:cNvSpPr/>
+          <p:nvPr/>
+        </p:nvSpPr>
+        <p:spPr>
+          <a:xfrm>
+            <a:off x="5621549" y="3298410"/>
+            <a:ext cx="963991" cy="1633790"/>
+          </a:xfrm>
+          <a:prstGeom prst="roundRect">
+            <a:avLst/>
+          </a:prstGeom>
+          <a:solidFill>
+            <a:srgbClr val="F09BA0">
+              <a:alpha val="50000"/>
+            </a:srgbClr>
+          </a:solidFill>
+          <a:ln>
+            <a:noFill/>
+            <a:prstDash val="sysDot"/>
+          </a:ln>
+        </p:spPr>
+        <p:style>
+          <a:lnRef idx="2">
+            <a:schemeClr val="accent1">
+              <a:shade val="15000"/>
+            </a:schemeClr>
+          </a:lnRef>
+          <a:fillRef idx="1">
+            <a:schemeClr val="accent1"/>
+          </a:fillRef>
+          <a:effectRef idx="0">
+            <a:schemeClr val="accent1"/>
+          </a:effectRef>
+          <a:fontRef idx="minor">
+            <a:schemeClr val="lt1"/>
+          </a:fontRef>
+        </p:style>
+        <p:txBody>
+          <a:bodyPr rtlCol="0" anchor="ctr"/>
+          <a:lstStyle/>
+          <a:p>
+            <a:pPr algn="ctr"/>
+            <a:endParaRPr lang="zh-CN" altLang="en-US">
+              <a:latin typeface="微软雅黑" panose="020B0503020204020204" pitchFamily="34" charset="-122"/>
+              <a:ea typeface="微软雅黑" panose="020B0503020204020204" pitchFamily="34" charset="-122"/>
+            </a:endParaRPr>
+          </a:p>
+        </p:txBody>
+      </p:sp>
+      <mc:AlternateContent xmlns:mc="http://schemas.openxmlformats.org/markup-compatibility/2006" xmlns:a14="http://schemas.microsoft.com/office/drawing/2010/main">
+        <mc:Choice Requires="a14">
+          <p:sp>
+            <p:nvSpPr>
+              <p:cNvPr id="102" name="文本框 101">
+                <a:extLst>
+                  <a:ext uri="{FF2B5EF4-FFF2-40B4-BE49-F238E27FC236}">
+                    <a16:creationId xmlns:a16="http://schemas.microsoft.com/office/drawing/2014/main" id="{B3A5B80B-60BD-02F3-5D73-7BE8B2CEF8D6}"/>
+                  </a:ext>
+                </a:extLst>
+              </p:cNvPr>
+              <p:cNvSpPr txBox="1"/>
+              <p:nvPr/>
+            </p:nvSpPr>
+            <p:spPr>
+              <a:xfrm>
+                <a:off x="5768345" y="3474790"/>
+                <a:ext cx="738471" cy="295209"/>
+              </a:xfrm>
+              <a:prstGeom prst="rect">
+                <a:avLst/>
+              </a:prstGeom>
+              <a:noFill/>
+            </p:spPr>
+            <p:txBody>
+              <a:bodyPr wrap="none" lIns="0" tIns="0" rIns="0" bIns="0" rtlCol="0">
+                <a:spAutoFit/>
+              </a:bodyPr>
+              <a:lstStyle/>
+              <a:p>
+                <a:pPr/>
+                <a14:m>
+                  <m:oMathPara xmlns:m="http://schemas.openxmlformats.org/officeDocument/2006/math">
+                    <m:oMathParaPr>
+                      <m:jc m:val="centerGroup"/>
+                    </m:oMathParaPr>
+                    <m:oMath xmlns:m="http://schemas.openxmlformats.org/officeDocument/2006/math">
+                      <m:sSubSup>
+                        <m:sSubSupPr>
+                          <m:ctrlPr>
+                            <a:rPr lang="zh-CN" altLang="en-US" i="1" smtClean="0">
+                              <a:solidFill>
+                                <a:srgbClr val="836967"/>
+                              </a:solidFill>
+                              <a:latin typeface="Cambria Math" panose="02040503050406030204" pitchFamily="18" charset="0"/>
+                            </a:rPr>
+                          </m:ctrlPr>
+                        </m:sSubSupPr>
+                        <m:e>
+                          <m:r>
+                            <a:rPr lang="zh-CN" altLang="en-US" i="1">
+                              <a:latin typeface="Cambria Math" panose="02040503050406030204" pitchFamily="18" charset="0"/>
+                            </a:rPr>
+                            <m:t>𝑉</m:t>
+                          </m:r>
+                        </m:e>
+                        <m:sub>
+                          <m:r>
+                            <a:rPr lang="en-US" altLang="zh-CN" b="0" i="1" smtClean="0">
+                              <a:latin typeface="Cambria Math" panose="02040503050406030204" pitchFamily="18" charset="0"/>
+                            </a:rPr>
+                            <m:t>𝑏</m:t>
+                          </m:r>
+                        </m:sub>
+                        <m:sup>
+                          <m:r>
+                            <a:rPr lang="en-US" altLang="zh-CN" b="0" i="1" smtClean="0">
+                              <a:latin typeface="Cambria Math" panose="02040503050406030204" pitchFamily="18" charset="0"/>
+                            </a:rPr>
+                            <m:t>𝑇𝑜</m:t>
+                          </m:r>
+                          <m:r>
+                            <a:rPr lang="zh-CN" altLang="en-US" i="1">
+                              <a:latin typeface="Cambria Math" panose="02040503050406030204" pitchFamily="18" charset="0"/>
+                            </a:rPr>
+                            <m:t>𝑘𝑒𝑛</m:t>
+                          </m:r>
+                        </m:sup>
+                      </m:sSubSup>
+                    </m:oMath>
+                  </m:oMathPara>
+                </a14:m>
+                <a:endParaRPr lang="zh-CN" altLang="en-US" dirty="0">
+                  <a:latin typeface="微软雅黑" panose="020B0503020204020204" pitchFamily="34" charset="-122"/>
+                  <a:ea typeface="微软雅黑" panose="020B0503020204020204" pitchFamily="34" charset="-122"/>
+                </a:endParaRPr>
+              </a:p>
+            </p:txBody>
+          </p:sp>
+        </mc:Choice>
+        <mc:Fallback xmlns="">
+          <p:sp>
+            <p:nvSpPr>
+              <p:cNvPr id="102" name="文本框 101">
+                <a:extLst>
+                  <a:ext uri="{FF2B5EF4-FFF2-40B4-BE49-F238E27FC236}">
+                    <a16:creationId xmlns:a16="http://schemas.microsoft.com/office/drawing/2014/main" id="{B3A5B80B-60BD-02F3-5D73-7BE8B2CEF8D6}"/>
+                  </a:ext>
+                </a:extLst>
+              </p:cNvPr>
+              <p:cNvSpPr txBox="1">
+                <a:spLocks noRot="1" noChangeAspect="1" noMove="1" noResize="1" noEditPoints="1" noAdjustHandles="1" noChangeArrowheads="1" noChangeShapeType="1" noTextEdit="1"/>
+              </p:cNvSpPr>
+              <p:nvPr/>
+            </p:nvSpPr>
+            <p:spPr>
+              <a:xfrm>
+                <a:off x="5768345" y="3474790"/>
+                <a:ext cx="738471" cy="295209"/>
+              </a:xfrm>
+              <a:prstGeom prst="rect">
+                <a:avLst/>
+              </a:prstGeom>
+              <a:blipFill>
+                <a:blip r:embed="rId5"/>
+                <a:stretch>
+                  <a:fillRect l="-5785" r="-2479" b="-20833"/>
+                </a:stretch>
+              </a:blipFill>
+            </p:spPr>
+            <p:txBody>
+              <a:bodyPr/>
+              <a:lstStyle/>
+              <a:p>
+                <a:r>
+                  <a:rPr lang="zh-CN" altLang="en-US">
+                    <a:noFill/>
+                  </a:rPr>
+                  <a:t> </a:t>
+                </a:r>
+              </a:p>
+            </p:txBody>
+          </p:sp>
+        </mc:Fallback>
+      </mc:AlternateContent>
+      <mc:AlternateContent xmlns:mc="http://schemas.openxmlformats.org/markup-compatibility/2006" xmlns:a14="http://schemas.microsoft.com/office/drawing/2010/main">
+        <mc:Choice Requires="a14">
+          <p:sp>
+            <p:nvSpPr>
+              <p:cNvPr id="103" name="文本框 102">
+                <a:extLst>
+                  <a:ext uri="{FF2B5EF4-FFF2-40B4-BE49-F238E27FC236}">
+                    <a16:creationId xmlns:a16="http://schemas.microsoft.com/office/drawing/2014/main" id="{49AA6F89-4137-88BD-2367-78F7653FA0AD}"/>
+                  </a:ext>
+                </a:extLst>
+              </p:cNvPr>
+              <p:cNvSpPr txBox="1"/>
+              <p:nvPr/>
+            </p:nvSpPr>
+            <p:spPr>
+              <a:xfrm>
+                <a:off x="5762714" y="3984644"/>
+                <a:ext cx="550022" cy="291490"/>
+              </a:xfrm>
+              <a:prstGeom prst="rect">
+                <a:avLst/>
+              </a:prstGeom>
+              <a:noFill/>
+            </p:spPr>
+            <p:txBody>
+              <a:bodyPr wrap="square" lIns="0" tIns="0" rIns="0" bIns="0" rtlCol="0">
+                <a:spAutoFit/>
+              </a:bodyPr>
+              <a:lstStyle/>
+              <a:p>
+                <a:pPr/>
+                <a14:m>
+                  <m:oMathPara xmlns:m="http://schemas.openxmlformats.org/officeDocument/2006/math">
+                    <m:oMathParaPr>
+                      <m:jc m:val="centerGroup"/>
+                    </m:oMathParaPr>
+                    <m:oMath xmlns:m="http://schemas.openxmlformats.org/officeDocument/2006/math">
+                      <m:sSubSup>
+                        <m:sSubSupPr>
+                          <m:ctrlPr>
+                            <a:rPr lang="zh-CN" altLang="en-US" i="1" smtClean="0">
+                              <a:solidFill>
+                                <a:srgbClr val="836967"/>
+                              </a:solidFill>
+                              <a:latin typeface="Cambria Math" panose="02040503050406030204" pitchFamily="18" charset="0"/>
+                            </a:rPr>
+                          </m:ctrlPr>
+                        </m:sSubSupPr>
+                        <m:e>
+                          <m:r>
+                            <a:rPr lang="zh-CN" altLang="en-US" i="1">
+                              <a:latin typeface="Cambria Math" panose="02040503050406030204" pitchFamily="18" charset="0"/>
+                            </a:rPr>
+                            <m:t>𝑉</m:t>
+                          </m:r>
+                        </m:e>
+                        <m:sub>
+                          <m:r>
+                            <a:rPr lang="en-US" altLang="zh-CN" b="0" i="1" smtClean="0">
+                              <a:latin typeface="Cambria Math" panose="02040503050406030204" pitchFamily="18" charset="0"/>
+                            </a:rPr>
+                            <m:t>𝑏</m:t>
+                          </m:r>
+                        </m:sub>
+                        <m:sup>
+                          <m:r>
+                            <a:rPr lang="en-US" altLang="zh-CN" b="0" i="1" smtClean="0">
+                              <a:latin typeface="Cambria Math" panose="02040503050406030204" pitchFamily="18" charset="0"/>
+                            </a:rPr>
+                            <m:t>𝐴𝑆𝑇</m:t>
+                          </m:r>
+                        </m:sup>
+                      </m:sSubSup>
+                    </m:oMath>
+                  </m:oMathPara>
+                </a14:m>
+                <a:endParaRPr lang="zh-CN" altLang="en-US" dirty="0">
+                  <a:latin typeface="微软雅黑" panose="020B0503020204020204" pitchFamily="34" charset="-122"/>
+                  <a:ea typeface="微软雅黑" panose="020B0503020204020204" pitchFamily="34" charset="-122"/>
+                </a:endParaRPr>
+              </a:p>
+            </p:txBody>
+          </p:sp>
+        </mc:Choice>
+        <mc:Fallback xmlns="">
+          <p:sp>
+            <p:nvSpPr>
+              <p:cNvPr id="103" name="文本框 102">
+                <a:extLst>
+                  <a:ext uri="{FF2B5EF4-FFF2-40B4-BE49-F238E27FC236}">
+                    <a16:creationId xmlns:a16="http://schemas.microsoft.com/office/drawing/2014/main" id="{49AA6F89-4137-88BD-2367-78F7653FA0AD}"/>
+                  </a:ext>
+                </a:extLst>
+              </p:cNvPr>
+              <p:cNvSpPr txBox="1">
+                <a:spLocks noRot="1" noChangeAspect="1" noMove="1" noResize="1" noEditPoints="1" noAdjustHandles="1" noChangeArrowheads="1" noChangeShapeType="1" noTextEdit="1"/>
+              </p:cNvSpPr>
+              <p:nvPr/>
+            </p:nvSpPr>
+            <p:spPr>
+              <a:xfrm>
+                <a:off x="5762714" y="3984644"/>
+                <a:ext cx="550022" cy="291490"/>
+              </a:xfrm>
+              <a:prstGeom prst="rect">
+                <a:avLst/>
+              </a:prstGeom>
+              <a:blipFill>
+                <a:blip r:embed="rId6"/>
+                <a:stretch>
+                  <a:fillRect l="-8791" r="-2198" b="-21277"/>
+                </a:stretch>
+              </a:blipFill>
+            </p:spPr>
+            <p:txBody>
+              <a:bodyPr/>
+              <a:lstStyle/>
+              <a:p>
+                <a:r>
+                  <a:rPr lang="zh-CN" altLang="en-US">
+                    <a:noFill/>
+                  </a:rPr>
+                  <a:t> </a:t>
+                </a:r>
+              </a:p>
+            </p:txBody>
+          </p:sp>
+        </mc:Fallback>
+      </mc:AlternateContent>
+      <mc:AlternateContent xmlns:mc="http://schemas.openxmlformats.org/markup-compatibility/2006" xmlns:a14="http://schemas.microsoft.com/office/drawing/2010/main">
+        <mc:Choice Requires="a14">
+          <p:sp>
+            <p:nvSpPr>
+              <p:cNvPr id="104" name="文本框 103">
+                <a:extLst>
+                  <a:ext uri="{FF2B5EF4-FFF2-40B4-BE49-F238E27FC236}">
+                    <a16:creationId xmlns:a16="http://schemas.microsoft.com/office/drawing/2014/main" id="{9F274BF5-C671-3B64-8169-7EC0E7A5DDF4}"/>
+                  </a:ext>
+                </a:extLst>
+              </p:cNvPr>
+              <p:cNvSpPr txBox="1"/>
+              <p:nvPr/>
+            </p:nvSpPr>
+            <p:spPr>
+              <a:xfrm>
+                <a:off x="5768345" y="4504291"/>
+                <a:ext cx="582659" cy="291490"/>
+              </a:xfrm>
+              <a:prstGeom prst="rect">
+                <a:avLst/>
+              </a:prstGeom>
+              <a:noFill/>
+            </p:spPr>
+            <p:txBody>
+              <a:bodyPr wrap="none" lIns="0" tIns="0" rIns="0" bIns="0" rtlCol="0">
+                <a:spAutoFit/>
+              </a:bodyPr>
+              <a:lstStyle/>
+              <a:p>
+                <a:pPr/>
+                <a14:m>
+                  <m:oMathPara xmlns:m="http://schemas.openxmlformats.org/officeDocument/2006/math">
+                    <m:oMathParaPr>
+                      <m:jc m:val="centerGroup"/>
+                    </m:oMathParaPr>
+                    <m:oMath xmlns:m="http://schemas.openxmlformats.org/officeDocument/2006/math">
+                      <m:sSubSup>
+                        <m:sSubSupPr>
+                          <m:ctrlPr>
+                            <a:rPr lang="zh-CN" altLang="en-US" i="1" smtClean="0">
+                              <a:solidFill>
+                                <a:srgbClr val="836967"/>
+                              </a:solidFill>
+                              <a:latin typeface="Cambria Math" panose="02040503050406030204" pitchFamily="18" charset="0"/>
+                            </a:rPr>
+                          </m:ctrlPr>
+                        </m:sSubSupPr>
+                        <m:e>
+                          <m:r>
+                            <a:rPr lang="zh-CN" altLang="en-US" i="1">
+                              <a:latin typeface="Cambria Math" panose="02040503050406030204" pitchFamily="18" charset="0"/>
+                            </a:rPr>
+                            <m:t>𝑉</m:t>
+                          </m:r>
+                        </m:e>
+                        <m:sub>
+                          <m:r>
+                            <a:rPr lang="en-US" altLang="zh-CN" b="0" i="1" smtClean="0">
+                              <a:latin typeface="Cambria Math" panose="02040503050406030204" pitchFamily="18" charset="0"/>
+                            </a:rPr>
+                            <m:t>𝑏</m:t>
+                          </m:r>
+                        </m:sub>
+                        <m:sup>
+                          <m:r>
+                            <a:rPr lang="en-US" altLang="zh-CN" b="0" i="1" smtClean="0">
+                              <a:latin typeface="Cambria Math" panose="02040503050406030204" pitchFamily="18" charset="0"/>
+                            </a:rPr>
+                            <m:t>𝑃𝐷𝐺</m:t>
+                          </m:r>
+                        </m:sup>
+                      </m:sSubSup>
+                    </m:oMath>
+                  </m:oMathPara>
+                </a14:m>
+                <a:endParaRPr lang="zh-CN" altLang="en-US" dirty="0">
+                  <a:latin typeface="微软雅黑" panose="020B0503020204020204" pitchFamily="34" charset="-122"/>
+                  <a:ea typeface="微软雅黑" panose="020B0503020204020204" pitchFamily="34" charset="-122"/>
+                </a:endParaRPr>
+              </a:p>
+            </p:txBody>
+          </p:sp>
+        </mc:Choice>
+        <mc:Fallback xmlns="">
+          <p:sp>
+            <p:nvSpPr>
+              <p:cNvPr id="104" name="文本框 103">
+                <a:extLst>
+                  <a:ext uri="{FF2B5EF4-FFF2-40B4-BE49-F238E27FC236}">
+                    <a16:creationId xmlns:a16="http://schemas.microsoft.com/office/drawing/2014/main" id="{9F274BF5-C671-3B64-8169-7EC0E7A5DDF4}"/>
+                  </a:ext>
+                </a:extLst>
+              </p:cNvPr>
+              <p:cNvSpPr txBox="1">
+                <a:spLocks noRot="1" noChangeAspect="1" noMove="1" noResize="1" noEditPoints="1" noAdjustHandles="1" noChangeArrowheads="1" noChangeShapeType="1" noTextEdit="1"/>
+              </p:cNvSpPr>
+              <p:nvPr/>
+            </p:nvSpPr>
+            <p:spPr>
+              <a:xfrm>
+                <a:off x="5768345" y="4504291"/>
+                <a:ext cx="582659" cy="291490"/>
+              </a:xfrm>
+              <a:prstGeom prst="rect">
+                <a:avLst/>
+              </a:prstGeom>
+              <a:blipFill>
+                <a:blip r:embed="rId7"/>
+                <a:stretch>
+                  <a:fillRect l="-7292" r="-2083" b="-18750"/>
+                </a:stretch>
+              </a:blipFill>
+            </p:spPr>
+            <p:txBody>
+              <a:bodyPr/>
+              <a:lstStyle/>
+              <a:p>
+                <a:r>
+                  <a:rPr lang="zh-CN" altLang="en-US">
+                    <a:noFill/>
+                  </a:rPr>
+                  <a:t> </a:t>
+                </a:r>
+              </a:p>
+            </p:txBody>
+          </p:sp>
+        </mc:Fallback>
+      </mc:AlternateContent>
+      <p:sp>
+        <p:nvSpPr>
+          <p:cNvPr id="105" name="矩形: 圆角 104">
+            <a:extLst>
+              <a:ext uri="{FF2B5EF4-FFF2-40B4-BE49-F238E27FC236}">
+                <a16:creationId xmlns:a16="http://schemas.microsoft.com/office/drawing/2014/main" id="{8076388A-DE35-0368-D3E2-3A304BFEC2D8}"/>
+              </a:ext>
+            </a:extLst>
+          </p:cNvPr>
+          <p:cNvSpPr/>
+          <p:nvPr/>
+        </p:nvSpPr>
+        <p:spPr>
+          <a:xfrm>
+            <a:off x="8051265" y="1997331"/>
+            <a:ext cx="963991" cy="554019"/>
+          </a:xfrm>
+          <a:prstGeom prst="roundRect">
+            <a:avLst/>
+          </a:prstGeom>
+          <a:solidFill>
+            <a:srgbClr val="9BBBE1">
+              <a:alpha val="50000"/>
+            </a:srgbClr>
+          </a:solidFill>
+          <a:ln>
+            <a:noFill/>
+            <a:prstDash val="sysDot"/>
+          </a:ln>
+        </p:spPr>
+        <p:style>
+          <a:lnRef idx="2">
+            <a:schemeClr val="accent1">
+              <a:shade val="15000"/>
+            </a:schemeClr>
+          </a:lnRef>
+          <a:fillRef idx="1">
+            <a:schemeClr val="accent1"/>
+          </a:fillRef>
+          <a:effectRef idx="0">
+            <a:schemeClr val="accent1"/>
+          </a:effectRef>
+          <a:fontRef idx="minor">
+            <a:schemeClr val="lt1"/>
+          </a:fontRef>
+        </p:style>
+        <p:txBody>
+          <a:bodyPr rtlCol="0" anchor="ctr"/>
+          <a:lstStyle/>
+          <a:p>
+            <a:pPr algn="ctr"/>
+            <a:endParaRPr lang="zh-CN" altLang="en-US">
+              <a:latin typeface="微软雅黑" panose="020B0503020204020204" pitchFamily="34" charset="-122"/>
+              <a:ea typeface="微软雅黑" panose="020B0503020204020204" pitchFamily="34" charset="-122"/>
+            </a:endParaRPr>
+          </a:p>
+        </p:txBody>
+      </p:sp>
+      <p:sp>
+        <p:nvSpPr>
+          <p:cNvPr id="106" name="矩形: 圆角 105">
+            <a:extLst>
+              <a:ext uri="{FF2B5EF4-FFF2-40B4-BE49-F238E27FC236}">
+                <a16:creationId xmlns:a16="http://schemas.microsoft.com/office/drawing/2014/main" id="{7720EAE9-5093-883E-A1A6-E389A4B3E81A}"/>
+              </a:ext>
+            </a:extLst>
+          </p:cNvPr>
+          <p:cNvSpPr/>
+          <p:nvPr/>
+        </p:nvSpPr>
+        <p:spPr>
+          <a:xfrm>
+            <a:off x="8051265" y="3838296"/>
+            <a:ext cx="963991" cy="554019"/>
+          </a:xfrm>
+          <a:prstGeom prst="roundRect">
+            <a:avLst/>
+          </a:prstGeom>
+          <a:solidFill>
+            <a:srgbClr val="F09BA0">
+              <a:alpha val="50000"/>
+            </a:srgbClr>
+          </a:solidFill>
+          <a:ln>
+            <a:noFill/>
+            <a:prstDash val="sysDot"/>
+          </a:ln>
+        </p:spPr>
+        <p:style>
+          <a:lnRef idx="2">
+            <a:schemeClr val="accent1">
+              <a:shade val="15000"/>
+            </a:schemeClr>
+          </a:lnRef>
+          <a:fillRef idx="1">
+            <a:schemeClr val="accent1"/>
+          </a:fillRef>
+          <a:effectRef idx="0">
+            <a:schemeClr val="accent1"/>
+          </a:effectRef>
+          <a:fontRef idx="minor">
+            <a:schemeClr val="lt1"/>
+          </a:fontRef>
+        </p:style>
+        <p:txBody>
+          <a:bodyPr rtlCol="0" anchor="ctr"/>
+          <a:lstStyle/>
+          <a:p>
+            <a:pPr algn="ctr"/>
+            <a:endParaRPr lang="zh-CN" altLang="en-US">
+              <a:latin typeface="微软雅黑" panose="020B0503020204020204" pitchFamily="34" charset="-122"/>
+              <a:ea typeface="微软雅黑" panose="020B0503020204020204" pitchFamily="34" charset="-122"/>
+            </a:endParaRPr>
+          </a:p>
+        </p:txBody>
+      </p:sp>
+      <mc:AlternateContent xmlns:mc="http://schemas.openxmlformats.org/markup-compatibility/2006" xmlns:a14="http://schemas.microsoft.com/office/drawing/2010/main">
+        <mc:Choice Requires="a14">
+          <p:sp>
+            <p:nvSpPr>
+              <p:cNvPr id="107" name="文本框 106">
+                <a:extLst>
+                  <a:ext uri="{FF2B5EF4-FFF2-40B4-BE49-F238E27FC236}">
+                    <a16:creationId xmlns:a16="http://schemas.microsoft.com/office/drawing/2014/main" id="{9E5BE5C9-81CD-BCF9-4AFC-655DF9530635}"/>
+                  </a:ext>
+                </a:extLst>
+              </p:cNvPr>
+              <p:cNvSpPr txBox="1"/>
+              <p:nvPr/>
+            </p:nvSpPr>
+            <p:spPr>
+              <a:xfrm>
+                <a:off x="8397197" y="2135841"/>
+                <a:ext cx="278538" cy="276999"/>
+              </a:xfrm>
+              <a:prstGeom prst="rect">
+                <a:avLst/>
+              </a:prstGeom>
+              <a:noFill/>
+            </p:spPr>
+            <p:txBody>
+              <a:bodyPr wrap="none" lIns="0" tIns="0" rIns="0" bIns="0" rtlCol="0">
+                <a:spAutoFit/>
+              </a:bodyPr>
+              <a:lstStyle/>
+              <a:p>
+                <a:pPr/>
+                <a14:m>
+                  <m:oMathPara xmlns:m="http://schemas.openxmlformats.org/officeDocument/2006/math">
+                    <m:oMathParaPr>
+                      <m:jc m:val="centerGroup"/>
+                    </m:oMathParaPr>
+                    <m:oMath xmlns:m="http://schemas.openxmlformats.org/officeDocument/2006/math">
+                      <m:sSub>
+                        <m:sSubPr>
+                          <m:ctrlPr>
+                            <a:rPr lang="zh-CN" altLang="en-US" i="1" smtClean="0">
+                              <a:solidFill>
+                                <a:srgbClr val="836967"/>
+                              </a:solidFill>
+                              <a:latin typeface="Cambria Math" panose="02040503050406030204" pitchFamily="18" charset="0"/>
+                            </a:rPr>
+                          </m:ctrlPr>
+                        </m:sSubPr>
+                        <m:e>
+                          <m:r>
+                            <a:rPr lang="en-US" altLang="zh-CN" b="0" i="1" smtClean="0">
+                              <a:solidFill>
+                                <a:schemeClr val="tx1"/>
+                              </a:solidFill>
+                              <a:latin typeface="Cambria Math" panose="02040503050406030204" pitchFamily="18" charset="0"/>
+                            </a:rPr>
+                            <m:t>𝑉</m:t>
+                          </m:r>
+                        </m:e>
+                        <m:sub>
+                          <m:r>
+                            <a:rPr lang="zh-CN" altLang="en-US" i="1">
+                              <a:latin typeface="Cambria Math" panose="02040503050406030204" pitchFamily="18" charset="0"/>
+                            </a:rPr>
+                            <m:t>𝑎</m:t>
+                          </m:r>
+                        </m:sub>
+                      </m:sSub>
+                    </m:oMath>
+                  </m:oMathPara>
+                </a14:m>
+                <a:endParaRPr lang="zh-CN" altLang="en-US" dirty="0">
+                  <a:latin typeface="微软雅黑" panose="020B0503020204020204" pitchFamily="34" charset="-122"/>
+                  <a:ea typeface="微软雅黑" panose="020B0503020204020204" pitchFamily="34" charset="-122"/>
+                </a:endParaRPr>
+              </a:p>
+            </p:txBody>
+          </p:sp>
+        </mc:Choice>
+        <mc:Fallback xmlns="">
+          <p:sp>
+            <p:nvSpPr>
+              <p:cNvPr id="107" name="文本框 106">
+                <a:extLst>
+                  <a:ext uri="{FF2B5EF4-FFF2-40B4-BE49-F238E27FC236}">
+                    <a16:creationId xmlns:a16="http://schemas.microsoft.com/office/drawing/2014/main" id="{9E5BE5C9-81CD-BCF9-4AFC-655DF9530635}"/>
+                  </a:ext>
+                </a:extLst>
+              </p:cNvPr>
+              <p:cNvSpPr txBox="1">
+                <a:spLocks noRot="1" noChangeAspect="1" noMove="1" noResize="1" noEditPoints="1" noAdjustHandles="1" noChangeArrowheads="1" noChangeShapeType="1" noTextEdit="1"/>
+              </p:cNvSpPr>
+              <p:nvPr/>
+            </p:nvSpPr>
+            <p:spPr>
+              <a:xfrm>
+                <a:off x="8397197" y="2135841"/>
+                <a:ext cx="278538" cy="276999"/>
+              </a:xfrm>
+              <a:prstGeom prst="rect">
+                <a:avLst/>
+              </a:prstGeom>
+              <a:blipFill>
+                <a:blip r:embed="rId8"/>
+                <a:stretch>
+                  <a:fillRect l="-15217" b="-13043"/>
+                </a:stretch>
+              </a:blipFill>
+            </p:spPr>
+            <p:txBody>
+              <a:bodyPr/>
+              <a:lstStyle/>
+              <a:p>
+                <a:r>
+                  <a:rPr lang="zh-CN" altLang="en-US">
+                    <a:noFill/>
+                  </a:rPr>
+                  <a:t> </a:t>
+                </a:r>
+              </a:p>
+            </p:txBody>
+          </p:sp>
+        </mc:Fallback>
+      </mc:AlternateContent>
+      <mc:AlternateContent xmlns:mc="http://schemas.openxmlformats.org/markup-compatibility/2006" xmlns:a14="http://schemas.microsoft.com/office/drawing/2010/main">
+        <mc:Choice Requires="a14">
+          <p:sp>
+            <p:nvSpPr>
+              <p:cNvPr id="108" name="文本框 107">
+                <a:extLst>
+                  <a:ext uri="{FF2B5EF4-FFF2-40B4-BE49-F238E27FC236}">
+                    <a16:creationId xmlns:a16="http://schemas.microsoft.com/office/drawing/2014/main" id="{C9F62A31-DB13-49C6-E46D-1BDED215E7C4}"/>
+                  </a:ext>
+                </a:extLst>
+              </p:cNvPr>
+              <p:cNvSpPr txBox="1"/>
+              <p:nvPr/>
+            </p:nvSpPr>
+            <p:spPr>
+              <a:xfrm>
+                <a:off x="8388316" y="3976806"/>
+                <a:ext cx="296300" cy="276999"/>
+              </a:xfrm>
+              <a:prstGeom prst="rect">
+                <a:avLst/>
+              </a:prstGeom>
+              <a:noFill/>
+            </p:spPr>
+            <p:txBody>
+              <a:bodyPr wrap="none" lIns="0" tIns="0" rIns="0" bIns="0" rtlCol="0">
+                <a:spAutoFit/>
+              </a:bodyPr>
+              <a:lstStyle/>
+              <a:p>
+                <a:pPr/>
+                <a14:m>
+                  <m:oMathPara xmlns:m="http://schemas.openxmlformats.org/officeDocument/2006/math">
+                    <m:oMathParaPr>
+                      <m:jc m:val="centerGroup"/>
+                    </m:oMathParaPr>
+                    <m:oMath xmlns:m="http://schemas.openxmlformats.org/officeDocument/2006/math">
+                      <m:sSub>
+                        <m:sSubPr>
+                          <m:ctrlPr>
+                            <a:rPr lang="zh-CN" altLang="en-US" i="1" smtClean="0">
+                              <a:solidFill>
+                                <a:srgbClr val="836967"/>
+                              </a:solidFill>
+                              <a:latin typeface="Cambria Math" panose="02040503050406030204" pitchFamily="18" charset="0"/>
+                            </a:rPr>
+                          </m:ctrlPr>
+                        </m:sSubPr>
+                        <m:e>
+                          <m:r>
+                            <a:rPr lang="en-US" altLang="zh-CN" b="0" i="1" smtClean="0">
+                              <a:solidFill>
+                                <a:schemeClr val="tx1"/>
+                              </a:solidFill>
+                              <a:latin typeface="Cambria Math" panose="02040503050406030204" pitchFamily="18" charset="0"/>
+                            </a:rPr>
+                            <m:t>𝑉</m:t>
+                          </m:r>
+                        </m:e>
+                        <m:sub>
+                          <m:r>
+                            <m:rPr>
+                              <m:sty m:val="p"/>
+                            </m:rPr>
+                            <a:rPr lang="en-US" altLang="zh-CN" i="1" smtClean="0">
+                              <a:latin typeface="Cambria Math" panose="02040503050406030204" pitchFamily="18" charset="0"/>
+                            </a:rPr>
+                            <m:t>b</m:t>
+                          </m:r>
+                        </m:sub>
+                      </m:sSub>
+                    </m:oMath>
+                  </m:oMathPara>
+                </a14:m>
+                <a:endParaRPr lang="zh-CN" altLang="en-US" dirty="0">
+                  <a:latin typeface="微软雅黑" panose="020B0503020204020204" pitchFamily="34" charset="-122"/>
+                  <a:ea typeface="微软雅黑" panose="020B0503020204020204" pitchFamily="34" charset="-122"/>
+                </a:endParaRPr>
+              </a:p>
+            </p:txBody>
+          </p:sp>
+        </mc:Choice>
+        <mc:Fallback xmlns="">
+          <p:sp>
+            <p:nvSpPr>
+              <p:cNvPr id="108" name="文本框 107">
+                <a:extLst>
+                  <a:ext uri="{FF2B5EF4-FFF2-40B4-BE49-F238E27FC236}">
+                    <a16:creationId xmlns:a16="http://schemas.microsoft.com/office/drawing/2014/main" id="{C9F62A31-DB13-49C6-E46D-1BDED215E7C4}"/>
+                  </a:ext>
+                </a:extLst>
+              </p:cNvPr>
+              <p:cNvSpPr txBox="1">
+                <a:spLocks noRot="1" noChangeAspect="1" noMove="1" noResize="1" noEditPoints="1" noAdjustHandles="1" noChangeArrowheads="1" noChangeShapeType="1" noTextEdit="1"/>
+              </p:cNvSpPr>
+              <p:nvPr/>
+            </p:nvSpPr>
+            <p:spPr>
+              <a:xfrm>
+                <a:off x="8388316" y="3976806"/>
+                <a:ext cx="296300" cy="276999"/>
+              </a:xfrm>
+              <a:prstGeom prst="rect">
+                <a:avLst/>
+              </a:prstGeom>
+              <a:blipFill>
+                <a:blip r:embed="rId9"/>
+                <a:stretch>
+                  <a:fillRect l="-14286" r="-8163" b="-19565"/>
+                </a:stretch>
+              </a:blipFill>
+            </p:spPr>
+            <p:txBody>
+              <a:bodyPr/>
+              <a:lstStyle/>
+              <a:p>
+                <a:r>
+                  <a:rPr lang="zh-CN" altLang="en-US">
+                    <a:noFill/>
+                  </a:rPr>
+                  <a:t> </a:t>
+                </a:r>
+              </a:p>
+            </p:txBody>
+          </p:sp>
+        </mc:Fallback>
+      </mc:AlternateContent>
+      <p:cxnSp>
+        <p:nvCxnSpPr>
+          <p:cNvPr id="109" name="直接箭头连接符 108">
+            <a:extLst>
+              <a:ext uri="{FF2B5EF4-FFF2-40B4-BE49-F238E27FC236}">
+                <a16:creationId xmlns:a16="http://schemas.microsoft.com/office/drawing/2014/main" id="{F7351E6B-8F2D-65C8-DB16-1632FD2C487E}"/>
+              </a:ext>
+            </a:extLst>
+          </p:cNvPr>
+          <p:cNvCxnSpPr>
+            <a:cxnSpLocks/>
+          </p:cNvCxnSpPr>
+          <p:nvPr/>
+        </p:nvCxnSpPr>
+        <p:spPr>
+          <a:xfrm rot="16200000">
+            <a:off x="9749840" y="2774064"/>
+            <a:ext cx="0" cy="835572"/>
+          </a:xfrm>
+          <a:prstGeom prst="straightConnector1">
+            <a:avLst/>
+          </a:prstGeom>
+          <a:ln w="38100">
+            <a:solidFill>
+              <a:schemeClr val="tx1">
+                <a:lumMod val="95000"/>
+                <a:lumOff val="5000"/>
+              </a:schemeClr>
+            </a:solidFill>
+            <a:tailEnd type="triangle"/>
+          </a:ln>
+        </p:spPr>
+        <p:style>
+          <a:lnRef idx="1">
+            <a:schemeClr val="accent1"/>
+          </a:lnRef>
+          <a:fillRef idx="0">
+            <a:schemeClr val="accent1"/>
+          </a:fillRef>
+          <a:effectRef idx="0">
+            <a:schemeClr val="accent1"/>
+          </a:effectRef>
+          <a:fontRef idx="minor">
+            <a:schemeClr val="tx1"/>
+          </a:fontRef>
+        </p:style>
+      </p:cxnSp>
+      <p:sp>
+        <p:nvSpPr>
+          <p:cNvPr id="110" name="TextBox 51">
+            <a:extLst>
+              <a:ext uri="{FF2B5EF4-FFF2-40B4-BE49-F238E27FC236}">
+                <a16:creationId xmlns:a16="http://schemas.microsoft.com/office/drawing/2014/main" id="{212B4309-21A2-E0FF-A17F-F682DECC5797}"/>
+              </a:ext>
+            </a:extLst>
+          </p:cNvPr>
+          <p:cNvSpPr txBox="1"/>
+          <p:nvPr/>
+        </p:nvSpPr>
+        <p:spPr>
+          <a:xfrm>
+            <a:off x="9187791" y="2772771"/>
+            <a:ext cx="1196491" cy="338554"/>
+          </a:xfrm>
+          <a:prstGeom prst="rect">
+            <a:avLst/>
+          </a:prstGeom>
+          <a:noFill/>
+        </p:spPr>
+        <p:txBody>
+          <a:bodyPr wrap="square" rtlCol="0">
+            <a:spAutoFit/>
+          </a:bodyPr>
+          <a:lstStyle/>
+          <a:p>
+            <a:pPr algn="ctr"/>
+            <a:r>
+              <a:rPr lang="zh-CN" altLang="en-US" sz="1600" dirty="0">
+                <a:latin typeface="微软雅黑" panose="020B0503020204020204" pitchFamily="34" charset="-122"/>
+                <a:ea typeface="微软雅黑" panose="020B0503020204020204" pitchFamily="34" charset="-122"/>
+                <a:cs typeface="Times New Roman" panose="02020603050405020304" pitchFamily="18" charset="0"/>
+              </a:rPr>
+              <a:t>克隆检测</a:t>
+            </a:r>
+          </a:p>
+        </p:txBody>
+      </p:sp>
+      <p:sp>
+        <p:nvSpPr>
+          <p:cNvPr id="111" name="TextBox 51">
+            <a:extLst>
+              <a:ext uri="{FF2B5EF4-FFF2-40B4-BE49-F238E27FC236}">
+                <a16:creationId xmlns:a16="http://schemas.microsoft.com/office/drawing/2014/main" id="{624ACE2E-8EEE-63F7-84D5-007BC7CB9D1D}"/>
+              </a:ext>
+            </a:extLst>
+          </p:cNvPr>
+          <p:cNvSpPr txBox="1"/>
+          <p:nvPr/>
+        </p:nvSpPr>
+        <p:spPr>
+          <a:xfrm>
+            <a:off x="661652" y="5223472"/>
+            <a:ext cx="1196491" cy="369332"/>
+          </a:xfrm>
+          <a:prstGeom prst="rect">
+            <a:avLst/>
+          </a:prstGeom>
+          <a:noFill/>
+        </p:spPr>
+        <p:txBody>
+          <a:bodyPr wrap="square" rtlCol="0">
+            <a:spAutoFit/>
+          </a:bodyPr>
+          <a:lstStyle/>
+          <a:p>
+            <a:pPr algn="ctr"/>
+            <a:r>
+              <a:rPr lang="zh-CN" altLang="en-US" b="1" dirty="0">
+                <a:latin typeface="微软雅黑" panose="020B0503020204020204" pitchFamily="34" charset="-122"/>
+                <a:ea typeface="微软雅黑" panose="020B0503020204020204" pitchFamily="34" charset="-122"/>
+                <a:cs typeface="Times New Roman" panose="02020603050405020304" pitchFamily="18" charset="0"/>
+              </a:rPr>
+              <a:t>输入</a:t>
+            </a:r>
+          </a:p>
+        </p:txBody>
+      </p:sp>
+      <p:sp>
+        <p:nvSpPr>
+          <p:cNvPr id="112" name="TextBox 51">
+            <a:extLst>
+              <a:ext uri="{FF2B5EF4-FFF2-40B4-BE49-F238E27FC236}">
+                <a16:creationId xmlns:a16="http://schemas.microsoft.com/office/drawing/2014/main" id="{37F2CC27-3668-720D-0FC5-52D74B3D8D06}"/>
+              </a:ext>
+            </a:extLst>
+          </p:cNvPr>
+          <p:cNvSpPr txBox="1"/>
+          <p:nvPr/>
+        </p:nvSpPr>
+        <p:spPr>
+          <a:xfrm>
+            <a:off x="10364729" y="5223472"/>
+            <a:ext cx="1196491" cy="369332"/>
+          </a:xfrm>
+          <a:prstGeom prst="rect">
+            <a:avLst/>
+          </a:prstGeom>
+          <a:noFill/>
+        </p:spPr>
+        <p:txBody>
+          <a:bodyPr wrap="square" rtlCol="0">
+            <a:spAutoFit/>
+          </a:bodyPr>
+          <a:lstStyle/>
+          <a:p>
+            <a:pPr algn="ctr"/>
+            <a:r>
+              <a:rPr lang="zh-CN" altLang="en-US" b="1" dirty="0">
+                <a:latin typeface="微软雅黑" panose="020B0503020204020204" pitchFamily="34" charset="-122"/>
+                <a:ea typeface="微软雅黑" panose="020B0503020204020204" pitchFamily="34" charset="-122"/>
+                <a:cs typeface="Times New Roman" panose="02020603050405020304" pitchFamily="18" charset="0"/>
+              </a:rPr>
+              <a:t>输出</a:t>
+            </a:r>
+          </a:p>
+        </p:txBody>
+      </p:sp>
+      <p:sp>
+        <p:nvSpPr>
+          <p:cNvPr id="113" name="文本框 112">
+            <a:extLst>
+              <a:ext uri="{FF2B5EF4-FFF2-40B4-BE49-F238E27FC236}">
+                <a16:creationId xmlns:a16="http://schemas.microsoft.com/office/drawing/2014/main" id="{60D00AA6-F11B-125E-6F8A-3984922FD39E}"/>
+              </a:ext>
+            </a:extLst>
+          </p:cNvPr>
+          <p:cNvSpPr txBox="1"/>
+          <p:nvPr/>
+        </p:nvSpPr>
+        <p:spPr>
+          <a:xfrm>
+            <a:off x="10485094" y="3733840"/>
+            <a:ext cx="955760" cy="369332"/>
+          </a:xfrm>
+          <a:prstGeom prst="rect">
+            <a:avLst/>
+          </a:prstGeom>
+          <a:noFill/>
+        </p:spPr>
+        <p:txBody>
+          <a:bodyPr wrap="square" rtlCol="0">
+            <a:spAutoFit/>
+          </a:bodyPr>
+          <a:lstStyle/>
+          <a:p>
+            <a:pPr algn="ctr"/>
+            <a:r>
+              <a:rPr lang="en-US" altLang="zh-CN" b="1" dirty="0">
+                <a:latin typeface="微软雅黑" panose="020B0503020204020204" pitchFamily="34" charset="-122"/>
+                <a:ea typeface="微软雅黑" panose="020B0503020204020204" pitchFamily="34" charset="-122"/>
+              </a:rPr>
+              <a:t>0/1</a:t>
+            </a:r>
+            <a:endParaRPr lang="zh-CN" altLang="en-US" b="1" dirty="0">
+              <a:latin typeface="微软雅黑" panose="020B0503020204020204" pitchFamily="34" charset="-122"/>
+              <a:ea typeface="微软雅黑" panose="020B0503020204020204" pitchFamily="34" charset="-122"/>
+            </a:endParaRPr>
+          </a:p>
+        </p:txBody>
+      </p:sp>
+      <p:sp>
+        <p:nvSpPr>
+          <p:cNvPr id="114" name="checked_165381">
+            <a:extLst>
+              <a:ext uri="{FF2B5EF4-FFF2-40B4-BE49-F238E27FC236}">
+                <a16:creationId xmlns:a16="http://schemas.microsoft.com/office/drawing/2014/main" id="{2BAA572B-6D2A-6B14-1459-820ECA737D15}"/>
+              </a:ext>
+            </a:extLst>
+          </p:cNvPr>
+          <p:cNvSpPr/>
+          <p:nvPr/>
+        </p:nvSpPr>
+        <p:spPr>
+          <a:xfrm>
+            <a:off x="10658132" y="3244425"/>
+            <a:ext cx="609685" cy="364643"/>
+          </a:xfrm>
+          <a:custGeom>
+            <a:avLst/>
+            <a:gdLst>
+              <a:gd name="connsiteX0" fmla="*/ 381597 w 605739"/>
+              <a:gd name="connsiteY0" fmla="*/ 115778 h 362283"/>
+              <a:gd name="connsiteX1" fmla="*/ 397459 w 605739"/>
+              <a:gd name="connsiteY1" fmla="*/ 126244 h 362283"/>
+              <a:gd name="connsiteX2" fmla="*/ 391054 w 605739"/>
+              <a:gd name="connsiteY2" fmla="*/ 161015 h 362283"/>
+              <a:gd name="connsiteX3" fmla="*/ 277522 w 605739"/>
+              <a:gd name="connsiteY3" fmla="*/ 240848 h 362283"/>
+              <a:gd name="connsiteX4" fmla="*/ 241411 w 605739"/>
+              <a:gd name="connsiteY4" fmla="*/ 231854 h 362283"/>
+              <a:gd name="connsiteX5" fmla="*/ 206600 w 605739"/>
+              <a:gd name="connsiteY5" fmla="*/ 171307 h 362283"/>
+              <a:gd name="connsiteX6" fmla="*/ 215697 w 605739"/>
+              <a:gd name="connsiteY6" fmla="*/ 136536 h 362283"/>
+              <a:gd name="connsiteX7" fmla="*/ 250416 w 605739"/>
+              <a:gd name="connsiteY7" fmla="*/ 145530 h 362283"/>
+              <a:gd name="connsiteX8" fmla="*/ 271117 w 605739"/>
+              <a:gd name="connsiteY8" fmla="*/ 181692 h 362283"/>
+              <a:gd name="connsiteX9" fmla="*/ 362741 w 605739"/>
+              <a:gd name="connsiteY9" fmla="*/ 119847 h 362283"/>
+              <a:gd name="connsiteX10" fmla="*/ 381597 w 605739"/>
+              <a:gd name="connsiteY10" fmla="*/ 115778 h 362283"/>
+              <a:gd name="connsiteX11" fmla="*/ 50511 w 605739"/>
+              <a:gd name="connsiteY11" fmla="*/ 51543 h 362283"/>
+              <a:gd name="connsiteX12" fmla="*/ 50511 w 605739"/>
+              <a:gd name="connsiteY12" fmla="*/ 311853 h 362283"/>
+              <a:gd name="connsiteX13" fmla="*/ 419596 w 605739"/>
+              <a:gd name="connsiteY13" fmla="*/ 311853 h 362283"/>
+              <a:gd name="connsiteX14" fmla="*/ 546245 w 605739"/>
+              <a:gd name="connsiteY14" fmla="*/ 181698 h 362283"/>
+              <a:gd name="connsiteX15" fmla="*/ 419689 w 605739"/>
+              <a:gd name="connsiteY15" fmla="*/ 51543 h 362283"/>
+              <a:gd name="connsiteX16" fmla="*/ 25905 w 605739"/>
+              <a:gd name="connsiteY16" fmla="*/ 0 h 362283"/>
+              <a:gd name="connsiteX17" fmla="*/ 429809 w 605739"/>
+              <a:gd name="connsiteY17" fmla="*/ 0 h 362283"/>
+              <a:gd name="connsiteX18" fmla="*/ 447915 w 605739"/>
+              <a:gd name="connsiteY18" fmla="*/ 7787 h 362283"/>
+              <a:gd name="connsiteX19" fmla="*/ 598985 w 605739"/>
+              <a:gd name="connsiteY19" fmla="*/ 163621 h 362283"/>
+              <a:gd name="connsiteX20" fmla="*/ 598985 w 605739"/>
+              <a:gd name="connsiteY20" fmla="*/ 198570 h 362283"/>
+              <a:gd name="connsiteX21" fmla="*/ 447915 w 605739"/>
+              <a:gd name="connsiteY21" fmla="*/ 354496 h 362283"/>
+              <a:gd name="connsiteX22" fmla="*/ 429809 w 605739"/>
+              <a:gd name="connsiteY22" fmla="*/ 362283 h 362283"/>
+              <a:gd name="connsiteX23" fmla="*/ 25905 w 605739"/>
+              <a:gd name="connsiteY23" fmla="*/ 362283 h 362283"/>
+              <a:gd name="connsiteX24" fmla="*/ 0 w 605739"/>
+              <a:gd name="connsiteY24" fmla="*/ 336419 h 362283"/>
+              <a:gd name="connsiteX25" fmla="*/ 0 w 605739"/>
+              <a:gd name="connsiteY25" fmla="*/ 25771 h 362283"/>
+              <a:gd name="connsiteX26" fmla="*/ 25905 w 605739"/>
+              <a:gd name="connsiteY26" fmla="*/ 0 h 362283"/>
+            </a:gdLst>
+            <a:ahLst/>
+            <a:cxnLst>
+              <a:cxn ang="0">
+                <a:pos x="connsiteX0" y="connsiteY0"/>
+              </a:cxn>
+              <a:cxn ang="0">
+                <a:pos x="connsiteX1" y="connsiteY1"/>
+              </a:cxn>
+              <a:cxn ang="0">
+                <a:pos x="connsiteX2" y="connsiteY2"/>
+              </a:cxn>
+              <a:cxn ang="0">
+                <a:pos x="connsiteX3" y="connsiteY3"/>
+              </a:cxn>
+              <a:cxn ang="0">
+                <a:pos x="connsiteX4" y="connsiteY4"/>
+              </a:cxn>
+              <a:cxn ang="0">
+                <a:pos x="connsiteX5" y="connsiteY5"/>
+              </a:cxn>
+              <a:cxn ang="0">
+                <a:pos x="connsiteX6" y="connsiteY6"/>
+              </a:cxn>
+              <a:cxn ang="0">
+                <a:pos x="connsiteX7" y="connsiteY7"/>
+              </a:cxn>
+              <a:cxn ang="0">
+                <a:pos x="connsiteX8" y="connsiteY8"/>
+              </a:cxn>
+              <a:cxn ang="0">
+                <a:pos x="connsiteX9" y="connsiteY9"/>
+              </a:cxn>
+              <a:cxn ang="0">
+                <a:pos x="connsiteX10" y="connsiteY10"/>
+              </a:cxn>
+              <a:cxn ang="0">
+                <a:pos x="connsiteX11" y="connsiteY11"/>
+              </a:cxn>
+              <a:cxn ang="0">
+                <a:pos x="connsiteX12" y="connsiteY12"/>
+              </a:cxn>
+              <a:cxn ang="0">
+                <a:pos x="connsiteX13" y="connsiteY13"/>
+              </a:cxn>
+              <a:cxn ang="0">
+                <a:pos x="connsiteX14" y="connsiteY14"/>
+              </a:cxn>
+              <a:cxn ang="0">
+                <a:pos x="connsiteX15" y="connsiteY15"/>
+              </a:cxn>
+              <a:cxn ang="0">
+                <a:pos x="connsiteX16" y="connsiteY16"/>
+              </a:cxn>
+              <a:cxn ang="0">
+                <a:pos x="connsiteX17" y="connsiteY17"/>
+              </a:cxn>
+              <a:cxn ang="0">
+                <a:pos x="connsiteX18" y="connsiteY18"/>
+              </a:cxn>
+              <a:cxn ang="0">
+                <a:pos x="connsiteX19" y="connsiteY19"/>
+              </a:cxn>
+              <a:cxn ang="0">
+                <a:pos x="connsiteX20" y="connsiteY20"/>
+              </a:cxn>
+              <a:cxn ang="0">
+                <a:pos x="connsiteX21" y="connsiteY21"/>
+              </a:cxn>
+              <a:cxn ang="0">
+                <a:pos x="connsiteX22" y="connsiteY22"/>
+              </a:cxn>
+              <a:cxn ang="0">
+                <a:pos x="connsiteX23" y="connsiteY23"/>
+              </a:cxn>
+              <a:cxn ang="0">
+                <a:pos x="connsiteX24" y="connsiteY24"/>
+              </a:cxn>
+              <a:cxn ang="0">
+                <a:pos x="connsiteX25" y="connsiteY25"/>
+              </a:cxn>
+              <a:cxn ang="0">
+                <a:pos x="connsiteX26" y="connsiteY26"/>
+              </a:cxn>
+            </a:cxnLst>
+            <a:rect l="l" t="t" r="r" b="b"/>
+            <a:pathLst>
+              <a:path w="605739" h="362283">
+                <a:moveTo>
+                  <a:pt x="381597" y="115778"/>
+                </a:moveTo>
+                <a:cubicBezTo>
+                  <a:pt x="387875" y="116903"/>
+                  <a:pt x="393653" y="120449"/>
+                  <a:pt x="397459" y="126244"/>
+                </a:cubicBezTo>
+                <a:cubicBezTo>
+                  <a:pt x="405257" y="137742"/>
+                  <a:pt x="402658" y="153226"/>
+                  <a:pt x="391054" y="161015"/>
+                </a:cubicBezTo>
+                <a:lnTo>
+                  <a:pt x="277522" y="240848"/>
+                </a:lnTo>
+                <a:cubicBezTo>
+                  <a:pt x="272138" y="244742"/>
+                  <a:pt x="254779" y="249378"/>
+                  <a:pt x="241411" y="231854"/>
+                </a:cubicBezTo>
+                <a:lnTo>
+                  <a:pt x="206600" y="171307"/>
+                </a:lnTo>
+                <a:cubicBezTo>
+                  <a:pt x="200194" y="159809"/>
+                  <a:pt x="204000" y="144325"/>
+                  <a:pt x="215697" y="136536"/>
+                </a:cubicBezTo>
+                <a:cubicBezTo>
+                  <a:pt x="227208" y="130139"/>
+                  <a:pt x="242618" y="133940"/>
+                  <a:pt x="250416" y="145530"/>
+                </a:cubicBezTo>
+                <a:lnTo>
+                  <a:pt x="271117" y="181692"/>
+                </a:lnTo>
+                <a:lnTo>
+                  <a:pt x="362741" y="119847"/>
+                </a:lnTo>
+                <a:cubicBezTo>
+                  <a:pt x="368543" y="115953"/>
+                  <a:pt x="375319" y="114654"/>
+                  <a:pt x="381597" y="115778"/>
+                </a:cubicBezTo>
+                <a:close/>
+                <a:moveTo>
+                  <a:pt x="50511" y="51543"/>
+                </a:moveTo>
+                <a:lnTo>
+                  <a:pt x="50511" y="311853"/>
+                </a:lnTo>
+                <a:lnTo>
+                  <a:pt x="419596" y="311853"/>
+                </a:lnTo>
+                <a:lnTo>
+                  <a:pt x="546245" y="181698"/>
+                </a:lnTo>
+                <a:lnTo>
+                  <a:pt x="419689" y="51543"/>
+                </a:lnTo>
+                <a:close/>
+                <a:moveTo>
+                  <a:pt x="25905" y="0"/>
+                </a:moveTo>
+                <a:lnTo>
+                  <a:pt x="429809" y="0"/>
+                </a:lnTo>
+                <a:cubicBezTo>
+                  <a:pt x="436309" y="0"/>
+                  <a:pt x="442716" y="2596"/>
+                  <a:pt x="447915" y="7787"/>
+                </a:cubicBezTo>
+                <a:lnTo>
+                  <a:pt x="598985" y="163621"/>
+                </a:lnTo>
+                <a:cubicBezTo>
+                  <a:pt x="607991" y="174003"/>
+                  <a:pt x="607991" y="189485"/>
+                  <a:pt x="598985" y="198570"/>
+                </a:cubicBezTo>
+                <a:lnTo>
+                  <a:pt x="447915" y="354496"/>
+                </a:lnTo>
+                <a:cubicBezTo>
+                  <a:pt x="442716" y="359687"/>
+                  <a:pt x="436309" y="362283"/>
+                  <a:pt x="429809" y="362283"/>
+                </a:cubicBezTo>
+                <a:lnTo>
+                  <a:pt x="25905" y="362283"/>
+                </a:lnTo>
+                <a:cubicBezTo>
+                  <a:pt x="11606" y="362283"/>
+                  <a:pt x="0" y="350602"/>
+                  <a:pt x="0" y="336419"/>
+                </a:cubicBezTo>
+                <a:lnTo>
+                  <a:pt x="0" y="25771"/>
+                </a:lnTo>
+                <a:cubicBezTo>
+                  <a:pt x="0" y="11588"/>
+                  <a:pt x="11606" y="0"/>
+                  <a:pt x="25905" y="0"/>
+                </a:cubicBezTo>
+                <a:close/>
+              </a:path>
+            </a:pathLst>
+          </a:custGeom>
+          <a:solidFill>
+            <a:srgbClr val="EAB883"/>
+          </a:solidFill>
+          <a:ln>
+            <a:solidFill>
+              <a:srgbClr val="EAB883"/>
+            </a:solidFill>
+          </a:ln>
+        </p:spPr>
+        <p:style>
+          <a:lnRef idx="2">
+            <a:schemeClr val="accent1">
+              <a:shade val="50000"/>
+            </a:schemeClr>
+          </a:lnRef>
+          <a:fillRef idx="1">
+            <a:schemeClr val="accent1"/>
+          </a:fillRef>
+          <a:effectRef idx="0">
+            <a:schemeClr val="accent1"/>
+          </a:effectRef>
+          <a:fontRef idx="minor">
+            <a:schemeClr val="lt1"/>
+          </a:fontRef>
+        </p:style>
+        <p:txBody>
+          <a:bodyPr rtlCol="0" anchor="ctr"/>
+          <a:lstStyle/>
+          <a:p>
+            <a:pPr algn="ctr"/>
+            <a:endParaRPr lang="en-US">
+              <a:latin typeface="微软雅黑" panose="020B0503020204020204" pitchFamily="34" charset="-122"/>
+              <a:ea typeface="微软雅黑" panose="020B0503020204020204" pitchFamily="34" charset="-122"/>
+            </a:endParaRPr>
+          </a:p>
+        </p:txBody>
+      </p:sp>
+      <p:sp>
+        <p:nvSpPr>
+          <p:cNvPr id="115" name="文本框 114">
+            <a:extLst>
+              <a:ext uri="{FF2B5EF4-FFF2-40B4-BE49-F238E27FC236}">
+                <a16:creationId xmlns:a16="http://schemas.microsoft.com/office/drawing/2014/main" id="{6D2AB34A-9605-3E09-5DB4-ACBEB33EE42D}"/>
+              </a:ext>
+            </a:extLst>
+          </p:cNvPr>
+          <p:cNvSpPr txBox="1"/>
+          <p:nvPr/>
+        </p:nvSpPr>
+        <p:spPr>
+          <a:xfrm>
+            <a:off x="10485094" y="2281959"/>
+            <a:ext cx="955760" cy="369332"/>
+          </a:xfrm>
+          <a:prstGeom prst="rect">
+            <a:avLst/>
+          </a:prstGeom>
+          <a:noFill/>
+        </p:spPr>
+        <p:txBody>
+          <a:bodyPr wrap="square" rtlCol="0">
+            <a:spAutoFit/>
+          </a:bodyPr>
+          <a:lstStyle/>
+          <a:p>
+            <a:pPr algn="ctr"/>
+            <a:r>
+              <a:rPr lang="en-US" altLang="zh-CN" dirty="0">
+                <a:latin typeface="微软雅黑" panose="020B0503020204020204" pitchFamily="34" charset="-122"/>
+                <a:ea typeface="微软雅黑" panose="020B0503020204020204" pitchFamily="34" charset="-122"/>
+              </a:rPr>
+              <a:t>d</a:t>
+            </a:r>
+            <a:endParaRPr lang="zh-CN" altLang="en-US" dirty="0">
+              <a:latin typeface="微软雅黑" panose="020B0503020204020204" pitchFamily="34" charset="-122"/>
+              <a:ea typeface="微软雅黑" panose="020B0503020204020204" pitchFamily="34" charset="-122"/>
+            </a:endParaRPr>
+          </a:p>
+        </p:txBody>
+      </p:sp>
+      <p:sp>
+        <p:nvSpPr>
+          <p:cNvPr id="117" name="TextBox 51">
+            <a:extLst>
+              <a:ext uri="{FF2B5EF4-FFF2-40B4-BE49-F238E27FC236}">
+                <a16:creationId xmlns:a16="http://schemas.microsoft.com/office/drawing/2014/main" id="{09D0ABD9-AF6E-63C5-76BA-7FC4BD9B293F}"/>
+              </a:ext>
+            </a:extLst>
+          </p:cNvPr>
+          <p:cNvSpPr txBox="1"/>
+          <p:nvPr/>
+        </p:nvSpPr>
+        <p:spPr>
+          <a:xfrm>
+            <a:off x="7935014" y="2601699"/>
+            <a:ext cx="1196491" cy="338554"/>
+          </a:xfrm>
+          <a:prstGeom prst="rect">
+            <a:avLst/>
+          </a:prstGeom>
+          <a:noFill/>
+        </p:spPr>
+        <p:txBody>
+          <a:bodyPr wrap="square" rtlCol="0">
+            <a:spAutoFit/>
+          </a:bodyPr>
+          <a:lstStyle/>
+          <a:p>
+            <a:pPr algn="ctr"/>
+            <a:r>
+              <a:rPr lang="zh-CN" altLang="en-US" sz="1600" dirty="0">
+                <a:latin typeface="微软雅黑" panose="020B0503020204020204" pitchFamily="34" charset="-122"/>
+                <a:ea typeface="微软雅黑" panose="020B0503020204020204" pitchFamily="34" charset="-122"/>
+                <a:cs typeface="Times New Roman" panose="02020603050405020304" pitchFamily="18" charset="0"/>
+              </a:rPr>
+              <a:t>向量</a:t>
+            </a:r>
+            <a:r>
+              <a:rPr lang="en-US" altLang="zh-CN" sz="1600" dirty="0">
+                <a:latin typeface="微软雅黑" panose="020B0503020204020204" pitchFamily="34" charset="-122"/>
+                <a:ea typeface="微软雅黑" panose="020B0503020204020204" pitchFamily="34" charset="-122"/>
+                <a:cs typeface="Times New Roman" panose="02020603050405020304" pitchFamily="18" charset="0"/>
+              </a:rPr>
+              <a:t>a</a:t>
+            </a:r>
+          </a:p>
+        </p:txBody>
+      </p:sp>
+      <p:sp>
+        <p:nvSpPr>
+          <p:cNvPr id="118" name="TextBox 51">
+            <a:extLst>
+              <a:ext uri="{FF2B5EF4-FFF2-40B4-BE49-F238E27FC236}">
+                <a16:creationId xmlns:a16="http://schemas.microsoft.com/office/drawing/2014/main" id="{2527FA38-B21E-A5BA-AE8B-E4B3A19DEE88}"/>
+              </a:ext>
+            </a:extLst>
+          </p:cNvPr>
+          <p:cNvSpPr txBox="1"/>
+          <p:nvPr/>
+        </p:nvSpPr>
+        <p:spPr>
+          <a:xfrm>
+            <a:off x="7969679" y="4437640"/>
+            <a:ext cx="1196491" cy="338554"/>
+          </a:xfrm>
+          <a:prstGeom prst="rect">
+            <a:avLst/>
+          </a:prstGeom>
+          <a:noFill/>
+        </p:spPr>
+        <p:txBody>
+          <a:bodyPr wrap="square" rtlCol="0">
+            <a:spAutoFit/>
+          </a:bodyPr>
+          <a:lstStyle/>
+          <a:p>
+            <a:pPr algn="ctr"/>
+            <a:r>
+              <a:rPr lang="zh-CN" altLang="en-US" sz="1600" dirty="0">
+                <a:latin typeface="微软雅黑" panose="020B0503020204020204" pitchFamily="34" charset="-122"/>
+                <a:ea typeface="微软雅黑" panose="020B0503020204020204" pitchFamily="34" charset="-122"/>
+                <a:cs typeface="Times New Roman" panose="02020603050405020304" pitchFamily="18" charset="0"/>
+              </a:rPr>
+              <a:t>向量</a:t>
+            </a:r>
+            <a:r>
+              <a:rPr lang="en-US" altLang="zh-CN" sz="1600" dirty="0">
+                <a:latin typeface="微软雅黑" panose="020B0503020204020204" pitchFamily="34" charset="-122"/>
+                <a:ea typeface="微软雅黑" panose="020B0503020204020204" pitchFamily="34" charset="-122"/>
+                <a:cs typeface="Times New Roman" panose="02020603050405020304" pitchFamily="18" charset="0"/>
+              </a:rPr>
+              <a:t>b</a:t>
+            </a:r>
+          </a:p>
+        </p:txBody>
+      </p:sp>
+      <p:cxnSp>
+        <p:nvCxnSpPr>
+          <p:cNvPr id="119" name="直接箭头连接符 118">
+            <a:extLst>
+              <a:ext uri="{FF2B5EF4-FFF2-40B4-BE49-F238E27FC236}">
+                <a16:creationId xmlns:a16="http://schemas.microsoft.com/office/drawing/2014/main" id="{C513F67E-4FA9-7362-6419-79F0F8A9A577}"/>
+              </a:ext>
+            </a:extLst>
+          </p:cNvPr>
+          <p:cNvCxnSpPr>
+            <a:cxnSpLocks/>
+          </p:cNvCxnSpPr>
+          <p:nvPr/>
+        </p:nvCxnSpPr>
+        <p:spPr>
+          <a:xfrm>
+            <a:off x="10962974" y="2741845"/>
+            <a:ext cx="0" cy="387065"/>
+          </a:xfrm>
+          <a:prstGeom prst="straightConnector1">
+            <a:avLst/>
+          </a:prstGeom>
+          <a:ln w="38100">
+            <a:solidFill>
+              <a:schemeClr val="tx1">
+                <a:lumMod val="95000"/>
+                <a:lumOff val="5000"/>
+              </a:schemeClr>
+            </a:solidFill>
+            <a:tailEnd type="triangle"/>
+          </a:ln>
+        </p:spPr>
+        <p:style>
+          <a:lnRef idx="1">
+            <a:schemeClr val="accent1"/>
+          </a:lnRef>
+          <a:fillRef idx="0">
+            <a:schemeClr val="accent1"/>
+          </a:fillRef>
+          <a:effectRef idx="0">
+            <a:schemeClr val="accent1"/>
+          </a:effectRef>
+          <a:fontRef idx="minor">
+            <a:schemeClr val="tx1"/>
+          </a:fontRef>
+        </p:style>
+      </p:cxnSp>
+      <p:sp>
+        <p:nvSpPr>
+          <p:cNvPr id="122" name="TextBox 51">
+            <a:extLst>
+              <a:ext uri="{FF2B5EF4-FFF2-40B4-BE49-F238E27FC236}">
+                <a16:creationId xmlns:a16="http://schemas.microsoft.com/office/drawing/2014/main" id="{4D22BB34-F5F2-2D50-4DC7-55876D12F67C}"/>
+              </a:ext>
+            </a:extLst>
+          </p:cNvPr>
+          <p:cNvSpPr txBox="1"/>
+          <p:nvPr/>
+        </p:nvSpPr>
+        <p:spPr>
+          <a:xfrm>
+            <a:off x="10364729" y="1975708"/>
+            <a:ext cx="1196491" cy="338554"/>
+          </a:xfrm>
+          <a:prstGeom prst="rect">
+            <a:avLst/>
+          </a:prstGeom>
+          <a:noFill/>
+        </p:spPr>
+        <p:txBody>
+          <a:bodyPr wrap="square" rtlCol="0">
+            <a:spAutoFit/>
+          </a:bodyPr>
+          <a:lstStyle/>
+          <a:p>
+            <a:pPr algn="ctr"/>
+            <a:r>
+              <a:rPr lang="zh-CN" altLang="en-US" sz="1600" dirty="0">
+                <a:latin typeface="微软雅黑" panose="020B0503020204020204" pitchFamily="34" charset="-122"/>
+                <a:ea typeface="微软雅黑" panose="020B0503020204020204" pitchFamily="34" charset="-122"/>
+                <a:cs typeface="Times New Roman" panose="02020603050405020304" pitchFamily="18" charset="0"/>
+              </a:rPr>
+              <a:t>向量距离</a:t>
+            </a:r>
+            <a:endParaRPr lang="en-US" altLang="zh-CN" sz="1600" dirty="0">
+              <a:latin typeface="微软雅黑" panose="020B0503020204020204" pitchFamily="34" charset="-122"/>
+              <a:ea typeface="微软雅黑" panose="020B0503020204020204" pitchFamily="34" charset="-122"/>
+              <a:cs typeface="Times New Roman" panose="02020603050405020304" pitchFamily="18" charset="0"/>
+            </a:endParaRPr>
+          </a:p>
+        </p:txBody>
+      </p:sp>
+      <p:sp>
+        <p:nvSpPr>
+          <p:cNvPr id="123" name="TextBox 51">
+            <a:extLst>
+              <a:ext uri="{FF2B5EF4-FFF2-40B4-BE49-F238E27FC236}">
+                <a16:creationId xmlns:a16="http://schemas.microsoft.com/office/drawing/2014/main" id="{56FE911F-B5E5-FEE0-03E6-7627E0B2712C}"/>
+              </a:ext>
+            </a:extLst>
+          </p:cNvPr>
+          <p:cNvSpPr txBox="1"/>
+          <p:nvPr/>
+        </p:nvSpPr>
+        <p:spPr>
+          <a:xfrm>
+            <a:off x="10364729" y="4150614"/>
+            <a:ext cx="1196491" cy="338554"/>
+          </a:xfrm>
+          <a:prstGeom prst="rect">
+            <a:avLst/>
+          </a:prstGeom>
+          <a:noFill/>
+        </p:spPr>
+        <p:txBody>
+          <a:bodyPr wrap="square" rtlCol="0">
+            <a:spAutoFit/>
+          </a:bodyPr>
+          <a:lstStyle/>
+          <a:p>
+            <a:pPr algn="ctr"/>
+            <a:r>
+              <a:rPr lang="zh-CN" altLang="en-US" sz="1600" dirty="0">
+                <a:latin typeface="微软雅黑" panose="020B0503020204020204" pitchFamily="34" charset="-122"/>
+                <a:ea typeface="微软雅黑" panose="020B0503020204020204" pitchFamily="34" charset="-122"/>
+                <a:cs typeface="Times New Roman" panose="02020603050405020304" pitchFamily="18" charset="0"/>
+              </a:rPr>
+              <a:t>标签</a:t>
+            </a:r>
+            <a:endParaRPr lang="en-US" altLang="zh-CN" sz="1600" dirty="0">
+              <a:latin typeface="微软雅黑" panose="020B0503020204020204" pitchFamily="34" charset="-122"/>
+              <a:ea typeface="微软雅黑" panose="020B0503020204020204" pitchFamily="34" charset="-122"/>
+              <a:cs typeface="Times New Roman" panose="02020603050405020304" pitchFamily="18" charset="0"/>
+            </a:endParaRPr>
+          </a:p>
+        </p:txBody>
+      </p:sp>
+    </p:spTree>
+    <p:extLst>
+      <p:ext uri="{BB962C8B-B14F-4D97-AF65-F5344CB8AC3E}">
+        <p14:creationId xmlns:p14="http://schemas.microsoft.com/office/powerpoint/2010/main" val="1453800947"/>
+      </p:ext>
+    </p:extLst>
+  </p:cSld>
+  <p:clrMapOvr>
+    <a:masterClrMapping/>
+  </p:clrMapOvr>
+</p:sld>
+</file>
+
 <file path=ppt/theme/theme1.xml><?xml version="1.0" encoding="utf-8"?>
 <a:theme xmlns:a="http://schemas.openxmlformats.org/drawingml/2006/main" name="Office 主题​​">
   <a:themeElements>

--- a/graduate-thesis/figures/ppt.pptx
+++ b/graduate-thesis/figures/ppt.pptx
@@ -1428,7 +1428,7 @@
           <a:p>
             <a:fld id="{45015B89-2F5E-4669-B7A0-C312F8064276}" type="datetimeFigureOut">
               <a:rPr lang="zh-CN" altLang="en-US" smtClean="0"/>
-              <a:t>2024/4/2</a:t>
+              <a:t>2024/4/3</a:t>
             </a:fld>
             <a:endParaRPr lang="zh-CN" altLang="en-US"/>
           </a:p>
@@ -1626,7 +1626,7 @@
           <a:p>
             <a:fld id="{45015B89-2F5E-4669-B7A0-C312F8064276}" type="datetimeFigureOut">
               <a:rPr lang="zh-CN" altLang="en-US" smtClean="0"/>
-              <a:t>2024/4/2</a:t>
+              <a:t>2024/4/3</a:t>
             </a:fld>
             <a:endParaRPr lang="zh-CN" altLang="en-US"/>
           </a:p>
@@ -1834,7 +1834,7 @@
           <a:p>
             <a:fld id="{45015B89-2F5E-4669-B7A0-C312F8064276}" type="datetimeFigureOut">
               <a:rPr lang="zh-CN" altLang="en-US" smtClean="0"/>
-              <a:t>2024/4/2</a:t>
+              <a:t>2024/4/3</a:t>
             </a:fld>
             <a:endParaRPr lang="zh-CN" altLang="en-US"/>
           </a:p>
@@ -2032,7 +2032,7 @@
           <a:p>
             <a:fld id="{45015B89-2F5E-4669-B7A0-C312F8064276}" type="datetimeFigureOut">
               <a:rPr lang="zh-CN" altLang="en-US" smtClean="0"/>
-              <a:t>2024/4/2</a:t>
+              <a:t>2024/4/3</a:t>
             </a:fld>
             <a:endParaRPr lang="zh-CN" altLang="en-US"/>
           </a:p>
@@ -2307,7 +2307,7 @@
           <a:p>
             <a:fld id="{45015B89-2F5E-4669-B7A0-C312F8064276}" type="datetimeFigureOut">
               <a:rPr lang="zh-CN" altLang="en-US" smtClean="0"/>
-              <a:t>2024/4/2</a:t>
+              <a:t>2024/4/3</a:t>
             </a:fld>
             <a:endParaRPr lang="zh-CN" altLang="en-US"/>
           </a:p>
@@ -2572,7 +2572,7 @@
           <a:p>
             <a:fld id="{45015B89-2F5E-4669-B7A0-C312F8064276}" type="datetimeFigureOut">
               <a:rPr lang="zh-CN" altLang="en-US" smtClean="0"/>
-              <a:t>2024/4/2</a:t>
+              <a:t>2024/4/3</a:t>
             </a:fld>
             <a:endParaRPr lang="zh-CN" altLang="en-US"/>
           </a:p>
@@ -2984,7 +2984,7 @@
           <a:p>
             <a:fld id="{45015B89-2F5E-4669-B7A0-C312F8064276}" type="datetimeFigureOut">
               <a:rPr lang="zh-CN" altLang="en-US" smtClean="0"/>
-              <a:t>2024/4/2</a:t>
+              <a:t>2024/4/3</a:t>
             </a:fld>
             <a:endParaRPr lang="zh-CN" altLang="en-US"/>
           </a:p>
@@ -3125,7 +3125,7 @@
           <a:p>
             <a:fld id="{45015B89-2F5E-4669-B7A0-C312F8064276}" type="datetimeFigureOut">
               <a:rPr lang="zh-CN" altLang="en-US" smtClean="0"/>
-              <a:t>2024/4/2</a:t>
+              <a:t>2024/4/3</a:t>
             </a:fld>
             <a:endParaRPr lang="zh-CN" altLang="en-US"/>
           </a:p>
@@ -3238,7 +3238,7 @@
           <a:p>
             <a:fld id="{45015B89-2F5E-4669-B7A0-C312F8064276}" type="datetimeFigureOut">
               <a:rPr lang="zh-CN" altLang="en-US" smtClean="0"/>
-              <a:t>2024/4/2</a:t>
+              <a:t>2024/4/3</a:t>
             </a:fld>
             <a:endParaRPr lang="zh-CN" altLang="en-US"/>
           </a:p>
@@ -3549,7 +3549,7 @@
           <a:p>
             <a:fld id="{45015B89-2F5E-4669-B7A0-C312F8064276}" type="datetimeFigureOut">
               <a:rPr lang="zh-CN" altLang="en-US" smtClean="0"/>
-              <a:t>2024/4/2</a:t>
+              <a:t>2024/4/3</a:t>
             </a:fld>
             <a:endParaRPr lang="zh-CN" altLang="en-US"/>
           </a:p>
@@ -3837,7 +3837,7 @@
           <a:p>
             <a:fld id="{45015B89-2F5E-4669-B7A0-C312F8064276}" type="datetimeFigureOut">
               <a:rPr lang="zh-CN" altLang="en-US" smtClean="0"/>
-              <a:t>2024/4/2</a:t>
+              <a:t>2024/4/3</a:t>
             </a:fld>
             <a:endParaRPr lang="zh-CN" altLang="en-US"/>
           </a:p>
@@ -4078,7 +4078,7 @@
           <a:p>
             <a:fld id="{45015B89-2F5E-4669-B7A0-C312F8064276}" type="datetimeFigureOut">
               <a:rPr lang="zh-CN" altLang="en-US" smtClean="0"/>
-              <a:t>2024/4/2</a:t>
+              <a:t>2024/4/3</a:t>
             </a:fld>
             <a:endParaRPr lang="zh-CN" altLang="en-US"/>
           </a:p>

--- a/graduate-thesis/figures/ppt.pptx
+++ b/graduate-thesis/figures/ppt.pptx
@@ -4,14 +4,23 @@
   <p:sldMasterIdLst>
     <p:sldMasterId id="2147483648" r:id="rId1"/>
   </p:sldMasterIdLst>
+  <p:notesMasterIdLst>
+    <p:notesMasterId r:id="rId15"/>
+  </p:notesMasterIdLst>
   <p:sldIdLst>
     <p:sldId id="258" r:id="rId2"/>
-    <p:sldId id="259" r:id="rId3"/>
-    <p:sldId id="261" r:id="rId4"/>
-    <p:sldId id="256" r:id="rId5"/>
-    <p:sldId id="262" r:id="rId6"/>
-    <p:sldId id="257" r:id="rId7"/>
-    <p:sldId id="263" r:id="rId8"/>
+    <p:sldId id="268" r:id="rId3"/>
+    <p:sldId id="259" r:id="rId4"/>
+    <p:sldId id="269" r:id="rId5"/>
+    <p:sldId id="261" r:id="rId6"/>
+    <p:sldId id="256" r:id="rId7"/>
+    <p:sldId id="262" r:id="rId8"/>
+    <p:sldId id="257" r:id="rId9"/>
+    <p:sldId id="263" r:id="rId10"/>
+    <p:sldId id="264" r:id="rId11"/>
+    <p:sldId id="265" r:id="rId12"/>
+    <p:sldId id="266" r:id="rId13"/>
+    <p:sldId id="267" r:id="rId14"/>
   </p:sldIdLst>
   <p:sldSz cx="12192000" cy="6858000"/>
   <p:notesSz cx="6858000" cy="9144000"/>
@@ -155,14 +164,74 @@
           </c:tx>
           <c:spPr>
             <a:solidFill>
-              <a:schemeClr val="accent3"/>
+              <a:srgbClr val="136783"/>
             </a:solidFill>
             <a:ln>
-              <a:noFill/>
+              <a:solidFill>
+                <a:srgbClr val="136783"/>
+              </a:solidFill>
             </a:ln>
             <a:effectLst/>
           </c:spPr>
           <c:invertIfNegative val="0"/>
+          <c:dLbls>
+            <c:spPr>
+              <a:noFill/>
+              <a:ln>
+                <a:noFill/>
+              </a:ln>
+              <a:effectLst/>
+            </c:spPr>
+            <c:txPr>
+              <a:bodyPr rot="0" spcFirstLastPara="1" vertOverflow="ellipsis" vert="horz" wrap="square" lIns="38100" tIns="19050" rIns="38100" bIns="19050" anchor="ctr" anchorCtr="1">
+                <a:spAutoFit/>
+              </a:bodyPr>
+              <a:lstStyle/>
+              <a:p>
+                <a:pPr>
+                  <a:defRPr sz="1000" b="0" i="0" u="none" strike="noStrike" kern="1200" baseline="0">
+                    <a:solidFill>
+                      <a:schemeClr val="tx1">
+                        <a:lumMod val="75000"/>
+                        <a:lumOff val="25000"/>
+                      </a:schemeClr>
+                    </a:solidFill>
+                    <a:latin typeface="微软雅黑" panose="020B0503020204020204" pitchFamily="34" charset="-122"/>
+                    <a:ea typeface="微软雅黑" panose="020B0503020204020204" pitchFamily="34" charset="-122"/>
+                    <a:cs typeface="+mn-cs"/>
+                  </a:defRPr>
+                </a:pPr>
+                <a:endParaRPr lang="zh-CN"/>
+              </a:p>
+            </c:txPr>
+            <c:dLblPos val="outEnd"/>
+            <c:showLegendKey val="0"/>
+            <c:showVal val="1"/>
+            <c:showCatName val="0"/>
+            <c:showSerName val="0"/>
+            <c:showPercent val="0"/>
+            <c:showBubbleSize val="0"/>
+            <c:showLeaderLines val="0"/>
+            <c:extLst>
+              <c:ext xmlns:c15="http://schemas.microsoft.com/office/drawing/2012/chart" uri="{CE6537A1-D6FC-4f65-9D91-7224C49458BB}">
+                <c15:showLeaderLines val="1"/>
+                <c15:leaderLines>
+                  <c:spPr>
+                    <a:ln w="9525" cap="flat" cmpd="sng" algn="ctr">
+                      <a:solidFill>
+                        <a:schemeClr val="tx1">
+                          <a:lumMod val="35000"/>
+                          <a:lumOff val="65000"/>
+                        </a:schemeClr>
+                      </a:solidFill>
+                      <a:round/>
+                    </a:ln>
+                    <a:effectLst/>
+                  </c:spPr>
+                </c15:leaderLines>
+              </c:ext>
+            </c:extLst>
+          </c:dLbls>
           <c:cat>
             <c:numRef>
               <c:f>Sheet1!$A$2:$A$6</c:f>
@@ -233,14 +302,74 @@
           </c:tx>
           <c:spPr>
             <a:solidFill>
-              <a:schemeClr val="accent5"/>
+              <a:srgbClr val="219EBC"/>
             </a:solidFill>
             <a:ln>
-              <a:noFill/>
+              <a:solidFill>
+                <a:srgbClr val="219EBC"/>
+              </a:solidFill>
             </a:ln>
             <a:effectLst/>
           </c:spPr>
           <c:invertIfNegative val="0"/>
+          <c:dLbls>
+            <c:spPr>
+              <a:noFill/>
+              <a:ln>
+                <a:noFill/>
+              </a:ln>
+              <a:effectLst/>
+            </c:spPr>
+            <c:txPr>
+              <a:bodyPr rot="0" spcFirstLastPara="1" vertOverflow="ellipsis" vert="horz" wrap="square" lIns="38100" tIns="19050" rIns="38100" bIns="19050" anchor="ctr" anchorCtr="1">
+                <a:spAutoFit/>
+              </a:bodyPr>
+              <a:lstStyle/>
+              <a:p>
+                <a:pPr>
+                  <a:defRPr sz="1000" b="0" i="0" u="none" strike="noStrike" kern="1200" baseline="0">
+                    <a:solidFill>
+                      <a:schemeClr val="tx1">
+                        <a:lumMod val="75000"/>
+                        <a:lumOff val="25000"/>
+                      </a:schemeClr>
+                    </a:solidFill>
+                    <a:latin typeface="微软雅黑" panose="020B0503020204020204" pitchFamily="34" charset="-122"/>
+                    <a:ea typeface="微软雅黑" panose="020B0503020204020204" pitchFamily="34" charset="-122"/>
+                    <a:cs typeface="+mn-cs"/>
+                  </a:defRPr>
+                </a:pPr>
+                <a:endParaRPr lang="zh-CN"/>
+              </a:p>
+            </c:txPr>
+            <c:dLblPos val="outEnd"/>
+            <c:showLegendKey val="0"/>
+            <c:showVal val="1"/>
+            <c:showCatName val="0"/>
+            <c:showSerName val="0"/>
+            <c:showPercent val="0"/>
+            <c:showBubbleSize val="0"/>
+            <c:showLeaderLines val="0"/>
+            <c:extLst>
+              <c:ext xmlns:c15="http://schemas.microsoft.com/office/drawing/2012/chart" uri="{CE6537A1-D6FC-4f65-9D91-7224C49458BB}">
+                <c15:showLeaderLines val="1"/>
+                <c15:leaderLines>
+                  <c:spPr>
+                    <a:ln w="9525" cap="flat" cmpd="sng" algn="ctr">
+                      <a:solidFill>
+                        <a:schemeClr val="tx1">
+                          <a:lumMod val="35000"/>
+                          <a:lumOff val="65000"/>
+                        </a:schemeClr>
+                      </a:solidFill>
+                      <a:round/>
+                    </a:ln>
+                    <a:effectLst/>
+                  </c:spPr>
+                </c15:leaderLines>
+              </c:ext>
+            </c:extLst>
+          </c:dLbls>
           <c:cat>
             <c:numRef>
               <c:f>Sheet1!$A$2:$A$6</c:f>
@@ -311,16 +440,74 @@
           </c:tx>
           <c:spPr>
             <a:solidFill>
-              <a:schemeClr val="accent1">
-                <a:lumMod val="60000"/>
-              </a:schemeClr>
+              <a:srgbClr val="90C9E7"/>
             </a:solidFill>
             <a:ln>
-              <a:noFill/>
+              <a:solidFill>
+                <a:srgbClr val="90C9E7"/>
+              </a:solidFill>
             </a:ln>
             <a:effectLst/>
           </c:spPr>
           <c:invertIfNegative val="0"/>
+          <c:dLbls>
+            <c:spPr>
+              <a:noFill/>
+              <a:ln>
+                <a:noFill/>
+              </a:ln>
+              <a:effectLst/>
+            </c:spPr>
+            <c:txPr>
+              <a:bodyPr rot="0" spcFirstLastPara="1" vertOverflow="ellipsis" vert="horz" wrap="square" lIns="38100" tIns="19050" rIns="38100" bIns="19050" anchor="ctr" anchorCtr="1">
+                <a:spAutoFit/>
+              </a:bodyPr>
+              <a:lstStyle/>
+              <a:p>
+                <a:pPr>
+                  <a:defRPr sz="1000" b="0" i="0" u="none" strike="noStrike" kern="1200" baseline="0">
+                    <a:solidFill>
+                      <a:schemeClr val="tx1">
+                        <a:lumMod val="75000"/>
+                        <a:lumOff val="25000"/>
+                      </a:schemeClr>
+                    </a:solidFill>
+                    <a:latin typeface="微软雅黑" panose="020B0503020204020204" pitchFamily="34" charset="-122"/>
+                    <a:ea typeface="微软雅黑" panose="020B0503020204020204" pitchFamily="34" charset="-122"/>
+                    <a:cs typeface="+mn-cs"/>
+                  </a:defRPr>
+                </a:pPr>
+                <a:endParaRPr lang="zh-CN"/>
+              </a:p>
+            </c:txPr>
+            <c:dLblPos val="outEnd"/>
+            <c:showLegendKey val="0"/>
+            <c:showVal val="1"/>
+            <c:showCatName val="0"/>
+            <c:showSerName val="0"/>
+            <c:showPercent val="0"/>
+            <c:showBubbleSize val="0"/>
+            <c:showLeaderLines val="0"/>
+            <c:extLst>
+              <c:ext xmlns:c15="http://schemas.microsoft.com/office/drawing/2012/chart" uri="{CE6537A1-D6FC-4f65-9D91-7224C49458BB}">
+                <c15:showLeaderLines val="1"/>
+                <c15:leaderLines>
+                  <c:spPr>
+                    <a:ln w="9525" cap="flat" cmpd="sng" algn="ctr">
+                      <a:solidFill>
+                        <a:schemeClr val="tx1">
+                          <a:lumMod val="35000"/>
+                          <a:lumOff val="65000"/>
+                        </a:schemeClr>
+                      </a:solidFill>
+                      <a:round/>
+                    </a:ln>
+                    <a:effectLst/>
+                  </c:spPr>
+                </c15:leaderLines>
+              </c:ext>
+            </c:extLst>
+          </c:dLbls>
           <c:cat>
             <c:numRef>
               <c:f>Sheet1!$A$2:$A$6</c:f>
@@ -498,17 +685,14 @@
         <c:delete val="0"/>
         <c:axPos val="b"/>
         <c:numFmt formatCode="General" sourceLinked="0"/>
-        <c:majorTickMark val="none"/>
+        <c:majorTickMark val="in"/>
         <c:minorTickMark val="none"/>
         <c:tickLblPos val="nextTo"/>
         <c:spPr>
           <a:noFill/>
-          <a:ln w="9525" cap="flat" cmpd="sng" algn="ctr">
+          <a:ln w="12700" cap="flat" cmpd="sng" algn="ctr">
             <a:solidFill>
-              <a:schemeClr val="tx1">
-                <a:lumMod val="15000"/>
-                <a:lumOff val="85000"/>
-              </a:schemeClr>
+              <a:schemeClr val="tx1"/>
             </a:solidFill>
             <a:round/>
           </a:ln>
@@ -519,7 +703,7 @@
           <a:lstStyle/>
           <a:p>
             <a:pPr>
-              <a:defRPr sz="900" b="1" i="0" u="none" strike="noStrike" kern="1200" baseline="0">
+              <a:defRPr sz="1200" b="1" i="0" u="none" strike="noStrike" kern="1200" baseline="0">
                 <a:solidFill>
                   <a:schemeClr val="tx1">
                     <a:lumMod val="65000"/>
@@ -552,25 +736,26 @@
         <c:majorGridlines>
           <c:spPr>
             <a:ln w="9525" cap="flat" cmpd="sng" algn="ctr">
-              <a:solidFill>
-                <a:schemeClr val="tx1">
-                  <a:lumMod val="15000"/>
-                  <a:lumOff val="85000"/>
-                </a:schemeClr>
-              </a:solidFill>
+              <a:noFill/>
               <a:round/>
             </a:ln>
             <a:effectLst/>
           </c:spPr>
         </c:majorGridlines>
         <c:numFmt formatCode="General" sourceLinked="1"/>
-        <c:majorTickMark val="none"/>
+        <c:majorTickMark val="in"/>
         <c:minorTickMark val="none"/>
         <c:tickLblPos val="nextTo"/>
         <c:spPr>
-          <a:noFill/>
-          <a:ln>
-            <a:noFill/>
+          <a:solidFill>
+            <a:schemeClr val="bg1"/>
+          </a:solidFill>
+          <a:ln w="12700">
+            <a:solidFill>
+              <a:schemeClr val="tx1">
+                <a:alpha val="98000"/>
+              </a:schemeClr>
+            </a:solidFill>
           </a:ln>
           <a:effectLst/>
         </c:spPr>
@@ -579,7 +764,7 @@
           <a:lstStyle/>
           <a:p>
             <a:pPr>
-              <a:defRPr sz="900" b="1" i="0" u="none" strike="noStrike" kern="1200" baseline="0">
+              <a:defRPr sz="1200" b="1" i="0" u="none" strike="noStrike" kern="1200" baseline="0">
                 <a:solidFill>
                   <a:schemeClr val="tx1">
                     <a:lumMod val="65000"/>
@@ -616,7 +801,7 @@
           <a:lstStyle/>
           <a:p>
             <a:pPr>
-              <a:defRPr sz="900" b="1" i="0" u="none" strike="noStrike" kern="1200" baseline="0">
+              <a:defRPr sz="1200" b="1" i="0" u="none" strike="noStrike" kern="1200" baseline="0">
                 <a:solidFill>
                   <a:schemeClr val="tx1">
                     <a:lumMod val="65000"/>
@@ -639,7 +824,7 @@
           <a:lstStyle/>
           <a:p>
             <a:pPr>
-              <a:defRPr sz="900" b="1" i="0" u="none" strike="noStrike" kern="1200" baseline="0">
+              <a:defRPr sz="1200" b="1" i="0" u="none" strike="noStrike" kern="1200" baseline="0">
                 <a:solidFill>
                   <a:schemeClr val="tx1">
                     <a:lumMod val="65000"/>
@@ -662,7 +847,7 @@
           <a:lstStyle/>
           <a:p>
             <a:pPr>
-              <a:defRPr sz="900" b="1" i="0" u="none" strike="noStrike" kern="1200" baseline="0">
+              <a:defRPr sz="1200" b="1" i="0" u="none" strike="noStrike" kern="1200" baseline="0">
                 <a:solidFill>
                   <a:schemeClr val="tx1">
                     <a:lumMod val="65000"/>
@@ -691,7 +876,7 @@
         <a:lstStyle/>
         <a:p>
           <a:pPr>
-            <a:defRPr sz="900" b="0" i="0" u="none" strike="noStrike" kern="1200" baseline="0">
+            <a:defRPr sz="1200" b="0" i="0" u="none" strike="noStrike" kern="1200" baseline="0">
               <a:solidFill>
                 <a:schemeClr val="tx1">
                   <a:lumMod val="65000"/>
@@ -1281,6 +1466,439 @@
 </cs:chartStyle>
 </file>
 
+<file path=ppt/notesMasters/notesMaster1.xml><?xml version="1.0" encoding="utf-8"?>
+<p:notesMaster xmlns:a="http://schemas.openxmlformats.org/drawingml/2006/main" xmlns:r="http://schemas.openxmlformats.org/officeDocument/2006/relationships" xmlns:p="http://schemas.openxmlformats.org/presentationml/2006/main">
+  <p:cSld>
+    <p:bg>
+      <p:bgRef idx="1001">
+        <a:schemeClr val="bg1"/>
+      </p:bgRef>
+    </p:bg>
+    <p:spTree>
+      <p:nvGrpSpPr>
+        <p:cNvPr id="1" name=""/>
+        <p:cNvGrpSpPr/>
+        <p:nvPr/>
+      </p:nvGrpSpPr>
+      <p:grpSpPr>
+        <a:xfrm>
+          <a:off x="0" y="0"/>
+          <a:ext cx="0" cy="0"/>
+          <a:chOff x="0" y="0"/>
+          <a:chExt cx="0" cy="0"/>
+        </a:xfrm>
+      </p:grpSpPr>
+      <p:sp>
+        <p:nvSpPr>
+          <p:cNvPr id="2" name="页眉占位符 1"/>
+          <p:cNvSpPr>
+            <a:spLocks noGrp="1"/>
+          </p:cNvSpPr>
+          <p:nvPr>
+            <p:ph type="hdr" sz="quarter"/>
+          </p:nvPr>
+        </p:nvSpPr>
+        <p:spPr>
+          <a:xfrm>
+            <a:off x="0" y="0"/>
+            <a:ext cx="2971800" cy="458788"/>
+          </a:xfrm>
+          <a:prstGeom prst="rect">
+            <a:avLst/>
+          </a:prstGeom>
+        </p:spPr>
+        <p:txBody>
+          <a:bodyPr vert="horz" lIns="91440" tIns="45720" rIns="91440" bIns="45720" rtlCol="0"/>
+          <a:lstStyle>
+            <a:lvl1pPr algn="l">
+              <a:defRPr sz="1200"/>
+            </a:lvl1pPr>
+          </a:lstStyle>
+          <a:p>
+            <a:endParaRPr lang="zh-CN" altLang="en-US"/>
+          </a:p>
+        </p:txBody>
+      </p:sp>
+      <p:sp>
+        <p:nvSpPr>
+          <p:cNvPr id="3" name="日期占位符 2"/>
+          <p:cNvSpPr>
+            <a:spLocks noGrp="1"/>
+          </p:cNvSpPr>
+          <p:nvPr>
+            <p:ph type="dt" idx="1"/>
+          </p:nvPr>
+        </p:nvSpPr>
+        <p:spPr>
+          <a:xfrm>
+            <a:off x="3884613" y="0"/>
+            <a:ext cx="2971800" cy="458788"/>
+          </a:xfrm>
+          <a:prstGeom prst="rect">
+            <a:avLst/>
+          </a:prstGeom>
+        </p:spPr>
+        <p:txBody>
+          <a:bodyPr vert="horz" lIns="91440" tIns="45720" rIns="91440" bIns="45720" rtlCol="0"/>
+          <a:lstStyle>
+            <a:lvl1pPr algn="r">
+              <a:defRPr sz="1200"/>
+            </a:lvl1pPr>
+          </a:lstStyle>
+          <a:p>
+            <a:fld id="{6AD21B29-4B2C-45D3-A635-AAD919103DBC}" type="datetimeFigureOut">
+              <a:rPr lang="zh-CN" altLang="en-US" smtClean="0"/>
+              <a:t>2024/4/6</a:t>
+            </a:fld>
+            <a:endParaRPr lang="zh-CN" altLang="en-US"/>
+          </a:p>
+        </p:txBody>
+      </p:sp>
+      <p:sp>
+        <p:nvSpPr>
+          <p:cNvPr id="4" name="幻灯片图像占位符 3"/>
+          <p:cNvSpPr>
+            <a:spLocks noGrp="1" noRot="1" noChangeAspect="1"/>
+          </p:cNvSpPr>
+          <p:nvPr>
+            <p:ph type="sldImg" idx="2"/>
+          </p:nvPr>
+        </p:nvSpPr>
+        <p:spPr>
+          <a:xfrm>
+            <a:off x="685800" y="1143000"/>
+            <a:ext cx="5486400" cy="3086100"/>
+          </a:xfrm>
+          <a:prstGeom prst="rect">
+            <a:avLst/>
+          </a:prstGeom>
+          <a:noFill/>
+          <a:ln w="12700">
+            <a:solidFill>
+              <a:prstClr val="black"/>
+            </a:solidFill>
+          </a:ln>
+        </p:spPr>
+        <p:txBody>
+          <a:bodyPr vert="horz" lIns="91440" tIns="45720" rIns="91440" bIns="45720" rtlCol="0" anchor="ctr"/>
+          <a:lstStyle/>
+          <a:p>
+            <a:endParaRPr lang="zh-CN" altLang="en-US"/>
+          </a:p>
+        </p:txBody>
+      </p:sp>
+      <p:sp>
+        <p:nvSpPr>
+          <p:cNvPr id="5" name="备注占位符 4"/>
+          <p:cNvSpPr>
+            <a:spLocks noGrp="1"/>
+          </p:cNvSpPr>
+          <p:nvPr>
+            <p:ph type="body" sz="quarter" idx="3"/>
+          </p:nvPr>
+        </p:nvSpPr>
+        <p:spPr>
+          <a:xfrm>
+            <a:off x="685800" y="4400550"/>
+            <a:ext cx="5486400" cy="3600450"/>
+          </a:xfrm>
+          <a:prstGeom prst="rect">
+            <a:avLst/>
+          </a:prstGeom>
+        </p:spPr>
+        <p:txBody>
+          <a:bodyPr vert="horz" lIns="91440" tIns="45720" rIns="91440" bIns="45720" rtlCol="0"/>
+          <a:lstStyle/>
+          <a:p>
+            <a:pPr lvl="0"/>
+            <a:r>
+              <a:rPr lang="zh-CN" altLang="en-US"/>
+              <a:t>单击此处编辑母版文本样式</a:t>
+            </a:r>
+          </a:p>
+          <a:p>
+            <a:pPr lvl="1"/>
+            <a:r>
+              <a:rPr lang="zh-CN" altLang="en-US"/>
+              <a:t>二级</a:t>
+            </a:r>
+          </a:p>
+          <a:p>
+            <a:pPr lvl="2"/>
+            <a:r>
+              <a:rPr lang="zh-CN" altLang="en-US"/>
+              <a:t>三级</a:t>
+            </a:r>
+          </a:p>
+          <a:p>
+            <a:pPr lvl="3"/>
+            <a:r>
+              <a:rPr lang="zh-CN" altLang="en-US"/>
+              <a:t>四级</a:t>
+            </a:r>
+          </a:p>
+          <a:p>
+            <a:pPr lvl="4"/>
+            <a:r>
+              <a:rPr lang="zh-CN" altLang="en-US"/>
+              <a:t>五级</a:t>
+            </a:r>
+          </a:p>
+        </p:txBody>
+      </p:sp>
+      <p:sp>
+        <p:nvSpPr>
+          <p:cNvPr id="6" name="页脚占位符 5"/>
+          <p:cNvSpPr>
+            <a:spLocks noGrp="1"/>
+          </p:cNvSpPr>
+          <p:nvPr>
+            <p:ph type="ftr" sz="quarter" idx="4"/>
+          </p:nvPr>
+        </p:nvSpPr>
+        <p:spPr>
+          <a:xfrm>
+            <a:off x="0" y="8685213"/>
+            <a:ext cx="2971800" cy="458787"/>
+          </a:xfrm>
+          <a:prstGeom prst="rect">
+            <a:avLst/>
+          </a:prstGeom>
+        </p:spPr>
+        <p:txBody>
+          <a:bodyPr vert="horz" lIns="91440" tIns="45720" rIns="91440" bIns="45720" rtlCol="0" anchor="b"/>
+          <a:lstStyle>
+            <a:lvl1pPr algn="l">
+              <a:defRPr sz="1200"/>
+            </a:lvl1pPr>
+          </a:lstStyle>
+          <a:p>
+            <a:endParaRPr lang="zh-CN" altLang="en-US"/>
+          </a:p>
+        </p:txBody>
+      </p:sp>
+      <p:sp>
+        <p:nvSpPr>
+          <p:cNvPr id="7" name="灯片编号占位符 6"/>
+          <p:cNvSpPr>
+            <a:spLocks noGrp="1"/>
+          </p:cNvSpPr>
+          <p:nvPr>
+            <p:ph type="sldNum" sz="quarter" idx="5"/>
+          </p:nvPr>
+        </p:nvSpPr>
+        <p:spPr>
+          <a:xfrm>
+            <a:off x="3884613" y="8685213"/>
+            <a:ext cx="2971800" cy="458787"/>
+          </a:xfrm>
+          <a:prstGeom prst="rect">
+            <a:avLst/>
+          </a:prstGeom>
+        </p:spPr>
+        <p:txBody>
+          <a:bodyPr vert="horz" lIns="91440" tIns="45720" rIns="91440" bIns="45720" rtlCol="0" anchor="b"/>
+          <a:lstStyle>
+            <a:lvl1pPr algn="r">
+              <a:defRPr sz="1200"/>
+            </a:lvl1pPr>
+          </a:lstStyle>
+          <a:p>
+            <a:fld id="{842F2834-E7F9-4270-A66E-AB61FE286B97}" type="slidenum">
+              <a:rPr lang="zh-CN" altLang="en-US" smtClean="0"/>
+              <a:t>‹#›</a:t>
+            </a:fld>
+            <a:endParaRPr lang="zh-CN" altLang="en-US"/>
+          </a:p>
+        </p:txBody>
+      </p:sp>
+    </p:spTree>
+    <p:extLst>
+      <p:ext uri="{BB962C8B-B14F-4D97-AF65-F5344CB8AC3E}">
+        <p14:creationId xmlns:p14="http://schemas.microsoft.com/office/powerpoint/2010/main" val="780765266"/>
+      </p:ext>
+    </p:extLst>
+  </p:cSld>
+  <p:clrMap bg1="lt1" tx1="dk1" bg2="lt2" tx2="dk2" accent1="accent1" accent2="accent2" accent3="accent3" accent4="accent4" accent5="accent5" accent6="accent6" hlink="hlink" folHlink="folHlink"/>
+  <p:notesStyle>
+    <a:lvl1pPr marL="0" algn="l" defTabSz="914400" rtl="0" eaLnBrk="1" latinLnBrk="0" hangingPunct="1">
+      <a:defRPr sz="1200" kern="1200">
+        <a:solidFill>
+          <a:schemeClr val="tx1"/>
+        </a:solidFill>
+        <a:latin typeface="+mn-lt"/>
+        <a:ea typeface="+mn-ea"/>
+        <a:cs typeface="+mn-cs"/>
+      </a:defRPr>
+    </a:lvl1pPr>
+    <a:lvl2pPr marL="457200" algn="l" defTabSz="914400" rtl="0" eaLnBrk="1" latinLnBrk="0" hangingPunct="1">
+      <a:defRPr sz="1200" kern="1200">
+        <a:solidFill>
+          <a:schemeClr val="tx1"/>
+        </a:solidFill>
+        <a:latin typeface="+mn-lt"/>
+        <a:ea typeface="+mn-ea"/>
+        <a:cs typeface="+mn-cs"/>
+      </a:defRPr>
+    </a:lvl2pPr>
+    <a:lvl3pPr marL="914400" algn="l" defTabSz="914400" rtl="0" eaLnBrk="1" latinLnBrk="0" hangingPunct="1">
+      <a:defRPr sz="1200" kern="1200">
+        <a:solidFill>
+          <a:schemeClr val="tx1"/>
+        </a:solidFill>
+        <a:latin typeface="+mn-lt"/>
+        <a:ea typeface="+mn-ea"/>
+        <a:cs typeface="+mn-cs"/>
+      </a:defRPr>
+    </a:lvl3pPr>
+    <a:lvl4pPr marL="1371600" algn="l" defTabSz="914400" rtl="0" eaLnBrk="1" latinLnBrk="0" hangingPunct="1">
+      <a:defRPr sz="1200" kern="1200">
+        <a:solidFill>
+          <a:schemeClr val="tx1"/>
+        </a:solidFill>
+        <a:latin typeface="+mn-lt"/>
+        <a:ea typeface="+mn-ea"/>
+        <a:cs typeface="+mn-cs"/>
+      </a:defRPr>
+    </a:lvl4pPr>
+    <a:lvl5pPr marL="1828800" algn="l" defTabSz="914400" rtl="0" eaLnBrk="1" latinLnBrk="0" hangingPunct="1">
+      <a:defRPr sz="1200" kern="1200">
+        <a:solidFill>
+          <a:schemeClr val="tx1"/>
+        </a:solidFill>
+        <a:latin typeface="+mn-lt"/>
+        <a:ea typeface="+mn-ea"/>
+        <a:cs typeface="+mn-cs"/>
+      </a:defRPr>
+    </a:lvl5pPr>
+    <a:lvl6pPr marL="2286000" algn="l" defTabSz="914400" rtl="0" eaLnBrk="1" latinLnBrk="0" hangingPunct="1">
+      <a:defRPr sz="1200" kern="1200">
+        <a:solidFill>
+          <a:schemeClr val="tx1"/>
+        </a:solidFill>
+        <a:latin typeface="+mn-lt"/>
+        <a:ea typeface="+mn-ea"/>
+        <a:cs typeface="+mn-cs"/>
+      </a:defRPr>
+    </a:lvl6pPr>
+    <a:lvl7pPr marL="2743200" algn="l" defTabSz="914400" rtl="0" eaLnBrk="1" latinLnBrk="0" hangingPunct="1">
+      <a:defRPr sz="1200" kern="1200">
+        <a:solidFill>
+          <a:schemeClr val="tx1"/>
+        </a:solidFill>
+        <a:latin typeface="+mn-lt"/>
+        <a:ea typeface="+mn-ea"/>
+        <a:cs typeface="+mn-cs"/>
+      </a:defRPr>
+    </a:lvl7pPr>
+    <a:lvl8pPr marL="3200400" algn="l" defTabSz="914400" rtl="0" eaLnBrk="1" latinLnBrk="0" hangingPunct="1">
+      <a:defRPr sz="1200" kern="1200">
+        <a:solidFill>
+          <a:schemeClr val="tx1"/>
+        </a:solidFill>
+        <a:latin typeface="+mn-lt"/>
+        <a:ea typeface="+mn-ea"/>
+        <a:cs typeface="+mn-cs"/>
+      </a:defRPr>
+    </a:lvl8pPr>
+    <a:lvl9pPr marL="3657600" algn="l" defTabSz="914400" rtl="0" eaLnBrk="1" latinLnBrk="0" hangingPunct="1">
+      <a:defRPr sz="1200" kern="1200">
+        <a:solidFill>
+          <a:schemeClr val="tx1"/>
+        </a:solidFill>
+        <a:latin typeface="+mn-lt"/>
+        <a:ea typeface="+mn-ea"/>
+        <a:cs typeface="+mn-cs"/>
+      </a:defRPr>
+    </a:lvl9pPr>
+  </p:notesStyle>
+</p:notesMaster>
+</file>
+
+<file path=ppt/notesSlides/notesSlide1.xml><?xml version="1.0" encoding="utf-8"?>
+<p:notes xmlns:a="http://schemas.openxmlformats.org/drawingml/2006/main" xmlns:r="http://schemas.openxmlformats.org/officeDocument/2006/relationships" xmlns:p="http://schemas.openxmlformats.org/presentationml/2006/main">
+  <p:cSld>
+    <p:spTree>
+      <p:nvGrpSpPr>
+        <p:cNvPr id="1" name=""/>
+        <p:cNvGrpSpPr/>
+        <p:nvPr/>
+      </p:nvGrpSpPr>
+      <p:grpSpPr>
+        <a:xfrm>
+          <a:off x="0" y="0"/>
+          <a:ext cx="0" cy="0"/>
+          <a:chOff x="0" y="0"/>
+          <a:chExt cx="0" cy="0"/>
+        </a:xfrm>
+      </p:grpSpPr>
+      <p:sp>
+        <p:nvSpPr>
+          <p:cNvPr id="2" name="幻灯片图像占位符 1"/>
+          <p:cNvSpPr>
+            <a:spLocks noGrp="1" noRot="1" noChangeAspect="1"/>
+          </p:cNvSpPr>
+          <p:nvPr>
+            <p:ph type="sldImg"/>
+          </p:nvPr>
+        </p:nvSpPr>
+        <p:spPr/>
+      </p:sp>
+      <p:sp>
+        <p:nvSpPr>
+          <p:cNvPr id="3" name="备注占位符 2"/>
+          <p:cNvSpPr>
+            <a:spLocks noGrp="1"/>
+          </p:cNvSpPr>
+          <p:nvPr>
+            <p:ph type="body" idx="1"/>
+          </p:nvPr>
+        </p:nvSpPr>
+        <p:spPr/>
+        <p:txBody>
+          <a:bodyPr/>
+          <a:lstStyle/>
+          <a:p>
+            <a:endParaRPr lang="zh-CN" altLang="en-US" dirty="0"/>
+          </a:p>
+        </p:txBody>
+      </p:sp>
+      <p:sp>
+        <p:nvSpPr>
+          <p:cNvPr id="4" name="灯片编号占位符 3"/>
+          <p:cNvSpPr>
+            <a:spLocks noGrp="1"/>
+          </p:cNvSpPr>
+          <p:nvPr>
+            <p:ph type="sldNum" sz="quarter" idx="5"/>
+          </p:nvPr>
+        </p:nvSpPr>
+        <p:spPr/>
+        <p:txBody>
+          <a:bodyPr/>
+          <a:lstStyle/>
+          <a:p>
+            <a:fld id="{842F2834-E7F9-4270-A66E-AB61FE286B97}" type="slidenum">
+              <a:rPr lang="zh-CN" altLang="en-US" smtClean="0"/>
+              <a:t>1</a:t>
+            </a:fld>
+            <a:endParaRPr lang="zh-CN" altLang="en-US"/>
+          </a:p>
+        </p:txBody>
+      </p:sp>
+    </p:spTree>
+    <p:extLst>
+      <p:ext uri="{BB962C8B-B14F-4D97-AF65-F5344CB8AC3E}">
+        <p14:creationId xmlns:p14="http://schemas.microsoft.com/office/powerpoint/2010/main" val="2770875498"/>
+      </p:ext>
+    </p:extLst>
+  </p:cSld>
+  <p:clrMapOvr>
+    <a:masterClrMapping/>
+  </p:clrMapOvr>
+</p:notes>
+</file>
+
 <file path=ppt/slideLayouts/slideLayout1.xml><?xml version="1.0" encoding="utf-8"?>
 <p:sldLayout xmlns:a="http://schemas.openxmlformats.org/drawingml/2006/main" xmlns:r="http://schemas.openxmlformats.org/officeDocument/2006/relationships" xmlns:p="http://schemas.openxmlformats.org/presentationml/2006/main" type="title" preserve="1">
   <p:cSld name="标题幻灯片">
@@ -1428,7 +2046,7 @@
           <a:p>
             <a:fld id="{45015B89-2F5E-4669-B7A0-C312F8064276}" type="datetimeFigureOut">
               <a:rPr lang="zh-CN" altLang="en-US" smtClean="0"/>
-              <a:t>2024/4/3</a:t>
+              <a:t>2024/4/6</a:t>
             </a:fld>
             <a:endParaRPr lang="zh-CN" altLang="en-US"/>
           </a:p>
@@ -1626,7 +2244,7 @@
           <a:p>
             <a:fld id="{45015B89-2F5E-4669-B7A0-C312F8064276}" type="datetimeFigureOut">
               <a:rPr lang="zh-CN" altLang="en-US" smtClean="0"/>
-              <a:t>2024/4/3</a:t>
+              <a:t>2024/4/6</a:t>
             </a:fld>
             <a:endParaRPr lang="zh-CN" altLang="en-US"/>
           </a:p>
@@ -1834,7 +2452,7 @@
           <a:p>
             <a:fld id="{45015B89-2F5E-4669-B7A0-C312F8064276}" type="datetimeFigureOut">
               <a:rPr lang="zh-CN" altLang="en-US" smtClean="0"/>
-              <a:t>2024/4/3</a:t>
+              <a:t>2024/4/6</a:t>
             </a:fld>
             <a:endParaRPr lang="zh-CN" altLang="en-US"/>
           </a:p>
@@ -2032,7 +2650,7 @@
           <a:p>
             <a:fld id="{45015B89-2F5E-4669-B7A0-C312F8064276}" type="datetimeFigureOut">
               <a:rPr lang="zh-CN" altLang="en-US" smtClean="0"/>
-              <a:t>2024/4/3</a:t>
+              <a:t>2024/4/6</a:t>
             </a:fld>
             <a:endParaRPr lang="zh-CN" altLang="en-US"/>
           </a:p>
@@ -2307,7 +2925,7 @@
           <a:p>
             <a:fld id="{45015B89-2F5E-4669-B7A0-C312F8064276}" type="datetimeFigureOut">
               <a:rPr lang="zh-CN" altLang="en-US" smtClean="0"/>
-              <a:t>2024/4/3</a:t>
+              <a:t>2024/4/6</a:t>
             </a:fld>
             <a:endParaRPr lang="zh-CN" altLang="en-US"/>
           </a:p>
@@ -2572,7 +3190,7 @@
           <a:p>
             <a:fld id="{45015B89-2F5E-4669-B7A0-C312F8064276}" type="datetimeFigureOut">
               <a:rPr lang="zh-CN" altLang="en-US" smtClean="0"/>
-              <a:t>2024/4/3</a:t>
+              <a:t>2024/4/6</a:t>
             </a:fld>
             <a:endParaRPr lang="zh-CN" altLang="en-US"/>
           </a:p>
@@ -2984,7 +3602,7 @@
           <a:p>
             <a:fld id="{45015B89-2F5E-4669-B7A0-C312F8064276}" type="datetimeFigureOut">
               <a:rPr lang="zh-CN" altLang="en-US" smtClean="0"/>
-              <a:t>2024/4/3</a:t>
+              <a:t>2024/4/6</a:t>
             </a:fld>
             <a:endParaRPr lang="zh-CN" altLang="en-US"/>
           </a:p>
@@ -3125,7 +3743,7 @@
           <a:p>
             <a:fld id="{45015B89-2F5E-4669-B7A0-C312F8064276}" type="datetimeFigureOut">
               <a:rPr lang="zh-CN" altLang="en-US" smtClean="0"/>
-              <a:t>2024/4/3</a:t>
+              <a:t>2024/4/6</a:t>
             </a:fld>
             <a:endParaRPr lang="zh-CN" altLang="en-US"/>
           </a:p>
@@ -3238,7 +3856,7 @@
           <a:p>
             <a:fld id="{45015B89-2F5E-4669-B7A0-C312F8064276}" type="datetimeFigureOut">
               <a:rPr lang="zh-CN" altLang="en-US" smtClean="0"/>
-              <a:t>2024/4/3</a:t>
+              <a:t>2024/4/6</a:t>
             </a:fld>
             <a:endParaRPr lang="zh-CN" altLang="en-US"/>
           </a:p>
@@ -3549,7 +4167,7 @@
           <a:p>
             <a:fld id="{45015B89-2F5E-4669-B7A0-C312F8064276}" type="datetimeFigureOut">
               <a:rPr lang="zh-CN" altLang="en-US" smtClean="0"/>
-              <a:t>2024/4/3</a:t>
+              <a:t>2024/4/6</a:t>
             </a:fld>
             <a:endParaRPr lang="zh-CN" altLang="en-US"/>
           </a:p>
@@ -3837,7 +4455,7 @@
           <a:p>
             <a:fld id="{45015B89-2F5E-4669-B7A0-C312F8064276}" type="datetimeFigureOut">
               <a:rPr lang="zh-CN" altLang="en-US" smtClean="0"/>
-              <a:t>2024/4/3</a:t>
+              <a:t>2024/4/6</a:t>
             </a:fld>
             <a:endParaRPr lang="zh-CN" altLang="en-US"/>
           </a:p>
@@ -4078,7 +4696,7 @@
           <a:p>
             <a:fld id="{45015B89-2F5E-4669-B7A0-C312F8064276}" type="datetimeFigureOut">
               <a:rPr lang="zh-CN" altLang="en-US" smtClean="0"/>
-              <a:t>2024/4/3</a:t>
+              <a:t>2024/4/6</a:t>
             </a:fld>
             <a:endParaRPr lang="zh-CN" altLang="en-US"/>
           </a:p>
@@ -4510,18 +5128,18 @@
           <p:nvPr>
             <p:extLst>
               <p:ext uri="{D42A27DB-BD31-4B8C-83A1-F6EECF244321}">
-                <p14:modId xmlns:p14="http://schemas.microsoft.com/office/powerpoint/2010/main" val="2389832486"/>
+                <p14:modId xmlns:p14="http://schemas.microsoft.com/office/powerpoint/2010/main" val="1793565534"/>
               </p:ext>
             </p:extLst>
           </p:nvPr>
         </p:nvGraphicFramePr>
         <p:xfrm>
-          <a:off x="2766848" y="1604141"/>
-          <a:ext cx="6658303" cy="3649717"/>
+          <a:off x="1097705" y="1371913"/>
+          <a:ext cx="8641381" cy="3649717"/>
         </p:xfrm>
         <a:graphic>
           <a:graphicData uri="http://schemas.openxmlformats.org/drawingml/2006/chart">
-            <c:chart xmlns:c="http://schemas.openxmlformats.org/drawingml/2006/chart" xmlns:r="http://schemas.openxmlformats.org/officeDocument/2006/relationships" r:id="rId2"/>
+            <c:chart xmlns:c="http://schemas.openxmlformats.org/drawingml/2006/chart" xmlns:r="http://schemas.openxmlformats.org/officeDocument/2006/relationships" r:id="rId3"/>
           </a:graphicData>
         </a:graphic>
       </p:graphicFrame>
@@ -4529,6 +5147,269 @@
     <p:extLst>
       <p:ext uri="{BB962C8B-B14F-4D97-AF65-F5344CB8AC3E}">
         <p14:creationId xmlns:p14="http://schemas.microsoft.com/office/powerpoint/2010/main" val="3856689411"/>
+      </p:ext>
+    </p:extLst>
+  </p:cSld>
+  <p:clrMapOvr>
+    <a:masterClrMapping/>
+  </p:clrMapOvr>
+</p:sld>
+</file>
+
+<file path=ppt/slides/slide10.xml><?xml version="1.0" encoding="utf-8"?>
+<p:sld xmlns:a="http://schemas.openxmlformats.org/drawingml/2006/main" xmlns:r="http://schemas.openxmlformats.org/officeDocument/2006/relationships" xmlns:p="http://schemas.openxmlformats.org/presentationml/2006/main">
+  <p:cSld>
+    <p:spTree>
+      <p:nvGrpSpPr>
+        <p:cNvPr id="1" name=""/>
+        <p:cNvGrpSpPr/>
+        <p:nvPr/>
+      </p:nvGrpSpPr>
+      <p:grpSpPr>
+        <a:xfrm>
+          <a:off x="0" y="0"/>
+          <a:ext cx="0" cy="0"/>
+          <a:chOff x="0" y="0"/>
+          <a:chExt cx="0" cy="0"/>
+        </a:xfrm>
+      </p:grpSpPr>
+      <p:sp>
+        <p:nvSpPr>
+          <p:cNvPr id="2" name="文本框 1">
+            <a:extLst>
+              <a:ext uri="{FF2B5EF4-FFF2-40B4-BE49-F238E27FC236}">
+                <a16:creationId xmlns:a16="http://schemas.microsoft.com/office/drawing/2014/main" id="{7CCBD6CE-971E-378C-3799-17506DE18EC6}"/>
+              </a:ext>
+            </a:extLst>
+          </p:cNvPr>
+          <p:cNvSpPr txBox="1"/>
+          <p:nvPr/>
+        </p:nvSpPr>
+        <p:spPr>
+          <a:xfrm>
+            <a:off x="194872" y="175098"/>
+            <a:ext cx="1199213" cy="369332"/>
+          </a:xfrm>
+          <a:prstGeom prst="rect">
+            <a:avLst/>
+          </a:prstGeom>
+          <a:noFill/>
+        </p:spPr>
+        <p:txBody>
+          <a:bodyPr wrap="square" rtlCol="0">
+            <a:spAutoFit/>
+          </a:bodyPr>
+          <a:lstStyle/>
+          <a:p>
+            <a:r>
+              <a:rPr lang="en-US" altLang="zh-CN" dirty="0"/>
+              <a:t>Token</a:t>
+            </a:r>
+            <a:endParaRPr lang="zh-CN" altLang="en-US" dirty="0"/>
+          </a:p>
+        </p:txBody>
+      </p:sp>
+    </p:spTree>
+    <p:extLst>
+      <p:ext uri="{BB962C8B-B14F-4D97-AF65-F5344CB8AC3E}">
+        <p14:creationId xmlns:p14="http://schemas.microsoft.com/office/powerpoint/2010/main" val="428533179"/>
+      </p:ext>
+    </p:extLst>
+  </p:cSld>
+  <p:clrMapOvr>
+    <a:masterClrMapping/>
+  </p:clrMapOvr>
+</p:sld>
+</file>
+
+<file path=ppt/slides/slide11.xml><?xml version="1.0" encoding="utf-8"?>
+<p:sld xmlns:a="http://schemas.openxmlformats.org/drawingml/2006/main" xmlns:r="http://schemas.openxmlformats.org/officeDocument/2006/relationships" xmlns:p="http://schemas.openxmlformats.org/presentationml/2006/main">
+  <p:cSld>
+    <p:spTree>
+      <p:nvGrpSpPr>
+        <p:cNvPr id="1" name=""/>
+        <p:cNvGrpSpPr/>
+        <p:nvPr/>
+      </p:nvGrpSpPr>
+      <p:grpSpPr>
+        <a:xfrm>
+          <a:off x="0" y="0"/>
+          <a:ext cx="0" cy="0"/>
+          <a:chOff x="0" y="0"/>
+          <a:chExt cx="0" cy="0"/>
+        </a:xfrm>
+      </p:grpSpPr>
+      <p:sp>
+        <p:nvSpPr>
+          <p:cNvPr id="2" name="文本框 1">
+            <a:extLst>
+              <a:ext uri="{FF2B5EF4-FFF2-40B4-BE49-F238E27FC236}">
+                <a16:creationId xmlns:a16="http://schemas.microsoft.com/office/drawing/2014/main" id="{7CCBD6CE-971E-378C-3799-17506DE18EC6}"/>
+              </a:ext>
+            </a:extLst>
+          </p:cNvPr>
+          <p:cNvSpPr txBox="1"/>
+          <p:nvPr/>
+        </p:nvSpPr>
+        <p:spPr>
+          <a:xfrm>
+            <a:off x="194872" y="175098"/>
+            <a:ext cx="1199213" cy="369332"/>
+          </a:xfrm>
+          <a:prstGeom prst="rect">
+            <a:avLst/>
+          </a:prstGeom>
+          <a:noFill/>
+        </p:spPr>
+        <p:txBody>
+          <a:bodyPr wrap="square" rtlCol="0">
+            <a:spAutoFit/>
+          </a:bodyPr>
+          <a:lstStyle/>
+          <a:p>
+            <a:r>
+              <a:rPr lang="en-US" altLang="zh-CN" dirty="0"/>
+              <a:t>AST</a:t>
+            </a:r>
+            <a:endParaRPr lang="zh-CN" altLang="en-US" dirty="0"/>
+          </a:p>
+        </p:txBody>
+      </p:sp>
+    </p:spTree>
+    <p:extLst>
+      <p:ext uri="{BB962C8B-B14F-4D97-AF65-F5344CB8AC3E}">
+        <p14:creationId xmlns:p14="http://schemas.microsoft.com/office/powerpoint/2010/main" val="601160923"/>
+      </p:ext>
+    </p:extLst>
+  </p:cSld>
+  <p:clrMapOvr>
+    <a:masterClrMapping/>
+  </p:clrMapOvr>
+</p:sld>
+</file>
+
+<file path=ppt/slides/slide12.xml><?xml version="1.0" encoding="utf-8"?>
+<p:sld xmlns:a="http://schemas.openxmlformats.org/drawingml/2006/main" xmlns:r="http://schemas.openxmlformats.org/officeDocument/2006/relationships" xmlns:p="http://schemas.openxmlformats.org/presentationml/2006/main">
+  <p:cSld>
+    <p:spTree>
+      <p:nvGrpSpPr>
+        <p:cNvPr id="1" name=""/>
+        <p:cNvGrpSpPr/>
+        <p:nvPr/>
+      </p:nvGrpSpPr>
+      <p:grpSpPr>
+        <a:xfrm>
+          <a:off x="0" y="0"/>
+          <a:ext cx="0" cy="0"/>
+          <a:chOff x="0" y="0"/>
+          <a:chExt cx="0" cy="0"/>
+        </a:xfrm>
+      </p:grpSpPr>
+      <p:sp>
+        <p:nvSpPr>
+          <p:cNvPr id="2" name="文本框 1">
+            <a:extLst>
+              <a:ext uri="{FF2B5EF4-FFF2-40B4-BE49-F238E27FC236}">
+                <a16:creationId xmlns:a16="http://schemas.microsoft.com/office/drawing/2014/main" id="{7CCBD6CE-971E-378C-3799-17506DE18EC6}"/>
+              </a:ext>
+            </a:extLst>
+          </p:cNvPr>
+          <p:cNvSpPr txBox="1"/>
+          <p:nvPr/>
+        </p:nvSpPr>
+        <p:spPr>
+          <a:xfrm>
+            <a:off x="194872" y="175098"/>
+            <a:ext cx="1199213" cy="369332"/>
+          </a:xfrm>
+          <a:prstGeom prst="rect">
+            <a:avLst/>
+          </a:prstGeom>
+          <a:noFill/>
+        </p:spPr>
+        <p:txBody>
+          <a:bodyPr wrap="square" rtlCol="0">
+            <a:spAutoFit/>
+          </a:bodyPr>
+          <a:lstStyle/>
+          <a:p>
+            <a:r>
+              <a:rPr lang="en-US" altLang="zh-CN" dirty="0"/>
+              <a:t>PDG</a:t>
+            </a:r>
+            <a:endParaRPr lang="zh-CN" altLang="en-US" dirty="0"/>
+          </a:p>
+        </p:txBody>
+      </p:sp>
+    </p:spTree>
+    <p:extLst>
+      <p:ext uri="{BB962C8B-B14F-4D97-AF65-F5344CB8AC3E}">
+        <p14:creationId xmlns:p14="http://schemas.microsoft.com/office/powerpoint/2010/main" val="2058910298"/>
+      </p:ext>
+    </p:extLst>
+  </p:cSld>
+  <p:clrMapOvr>
+    <a:masterClrMapping/>
+  </p:clrMapOvr>
+</p:sld>
+</file>
+
+<file path=ppt/slides/slide13.xml><?xml version="1.0" encoding="utf-8"?>
+<p:sld xmlns:a="http://schemas.openxmlformats.org/drawingml/2006/main" xmlns:r="http://schemas.openxmlformats.org/officeDocument/2006/relationships" xmlns:p="http://schemas.openxmlformats.org/presentationml/2006/main">
+  <p:cSld>
+    <p:spTree>
+      <p:nvGrpSpPr>
+        <p:cNvPr id="1" name=""/>
+        <p:cNvGrpSpPr/>
+        <p:nvPr/>
+      </p:nvGrpSpPr>
+      <p:grpSpPr>
+        <a:xfrm>
+          <a:off x="0" y="0"/>
+          <a:ext cx="0" cy="0"/>
+          <a:chOff x="0" y="0"/>
+          <a:chExt cx="0" cy="0"/>
+        </a:xfrm>
+      </p:grpSpPr>
+      <p:sp>
+        <p:nvSpPr>
+          <p:cNvPr id="2" name="文本框 1">
+            <a:extLst>
+              <a:ext uri="{FF2B5EF4-FFF2-40B4-BE49-F238E27FC236}">
+                <a16:creationId xmlns:a16="http://schemas.microsoft.com/office/drawing/2014/main" id="{7CCBD6CE-971E-378C-3799-17506DE18EC6}"/>
+              </a:ext>
+            </a:extLst>
+          </p:cNvPr>
+          <p:cNvSpPr txBox="1"/>
+          <p:nvPr/>
+        </p:nvSpPr>
+        <p:spPr>
+          <a:xfrm>
+            <a:off x="194872" y="175098"/>
+            <a:ext cx="1199213" cy="369332"/>
+          </a:xfrm>
+          <a:prstGeom prst="rect">
+            <a:avLst/>
+          </a:prstGeom>
+          <a:noFill/>
+        </p:spPr>
+        <p:txBody>
+          <a:bodyPr wrap="square" rtlCol="0">
+            <a:spAutoFit/>
+          </a:bodyPr>
+          <a:lstStyle/>
+          <a:p>
+            <a:r>
+              <a:rPr lang="zh-CN" altLang="en-US" dirty="0"/>
+              <a:t>融合</a:t>
+            </a:r>
+          </a:p>
+        </p:txBody>
+      </p:sp>
+    </p:spTree>
+    <p:extLst>
+      <p:ext uri="{BB962C8B-B14F-4D97-AF65-F5344CB8AC3E}">
+        <p14:creationId xmlns:p14="http://schemas.microsoft.com/office/powerpoint/2010/main" val="104669580"/>
       </p:ext>
     </p:extLst>
   </p:cSld>
@@ -4560,6 +5441,72 @@
           <p:cNvPr id="3" name="图片 2">
             <a:extLst>
               <a:ext uri="{FF2B5EF4-FFF2-40B4-BE49-F238E27FC236}">
+                <a16:creationId xmlns:a16="http://schemas.microsoft.com/office/drawing/2014/main" id="{C8D235C2-38CE-EBEF-217D-67EDC921C8C7}"/>
+              </a:ext>
+            </a:extLst>
+          </p:cNvPr>
+          <p:cNvPicPr>
+            <a:picLocks noChangeAspect="1"/>
+          </p:cNvPicPr>
+          <p:nvPr/>
+        </p:nvPicPr>
+        <p:blipFill>
+          <a:blip r:embed="rId2">
+            <a:extLst>
+              <a:ext uri="{28A0092B-C50C-407E-A947-70E740481C1C}">
+                <a14:useLocalDpi xmlns:a14="http://schemas.microsoft.com/office/drawing/2010/main" val="0"/>
+              </a:ext>
+            </a:extLst>
+          </a:blip>
+          <a:stretch>
+            <a:fillRect/>
+          </a:stretch>
+        </p:blipFill>
+        <p:spPr>
+          <a:xfrm>
+            <a:off x="1297118" y="1194062"/>
+            <a:ext cx="9424305" cy="4637111"/>
+          </a:xfrm>
+          <a:prstGeom prst="rect">
+            <a:avLst/>
+          </a:prstGeom>
+        </p:spPr>
+      </p:pic>
+    </p:spTree>
+    <p:extLst>
+      <p:ext uri="{BB962C8B-B14F-4D97-AF65-F5344CB8AC3E}">
+        <p14:creationId xmlns:p14="http://schemas.microsoft.com/office/powerpoint/2010/main" val="715170323"/>
+      </p:ext>
+    </p:extLst>
+  </p:cSld>
+  <p:clrMapOvr>
+    <a:masterClrMapping/>
+  </p:clrMapOvr>
+</p:sld>
+</file>
+
+<file path=ppt/slides/slide3.xml><?xml version="1.0" encoding="utf-8"?>
+<p:sld xmlns:a="http://schemas.openxmlformats.org/drawingml/2006/main" xmlns:r="http://schemas.openxmlformats.org/officeDocument/2006/relationships" xmlns:p="http://schemas.openxmlformats.org/presentationml/2006/main">
+  <p:cSld>
+    <p:spTree>
+      <p:nvGrpSpPr>
+        <p:cNvPr id="1" name=""/>
+        <p:cNvGrpSpPr/>
+        <p:nvPr/>
+      </p:nvGrpSpPr>
+      <p:grpSpPr>
+        <a:xfrm>
+          <a:off x="0" y="0"/>
+          <a:ext cx="0" cy="0"/>
+          <a:chOff x="0" y="0"/>
+          <a:chExt cx="0" cy="0"/>
+        </a:xfrm>
+      </p:grpSpPr>
+      <p:pic>
+        <p:nvPicPr>
+          <p:cNvPr id="3" name="图片 2">
+            <a:extLst>
+              <a:ext uri="{FF2B5EF4-FFF2-40B4-BE49-F238E27FC236}">
                 <a16:creationId xmlns:a16="http://schemas.microsoft.com/office/drawing/2014/main" id="{5B9CAAF9-84F9-B1C2-0B59-5C36E79BE296}"/>
               </a:ext>
             </a:extLst>
@@ -4604,7 +5551,73 @@
 </p:sld>
 </file>
 
-<file path=ppt/slides/slide3.xml><?xml version="1.0" encoding="utf-8"?>
+<file path=ppt/slides/slide4.xml><?xml version="1.0" encoding="utf-8"?>
+<p:sld xmlns:a="http://schemas.openxmlformats.org/drawingml/2006/main" xmlns:r="http://schemas.openxmlformats.org/officeDocument/2006/relationships" xmlns:p="http://schemas.openxmlformats.org/presentationml/2006/main">
+  <p:cSld>
+    <p:spTree>
+      <p:nvGrpSpPr>
+        <p:cNvPr id="1" name=""/>
+        <p:cNvGrpSpPr/>
+        <p:nvPr/>
+      </p:nvGrpSpPr>
+      <p:grpSpPr>
+        <a:xfrm>
+          <a:off x="0" y="0"/>
+          <a:ext cx="0" cy="0"/>
+          <a:chOff x="0" y="0"/>
+          <a:chExt cx="0" cy="0"/>
+        </a:xfrm>
+      </p:grpSpPr>
+      <p:pic>
+        <p:nvPicPr>
+          <p:cNvPr id="3" name="图片 2">
+            <a:extLst>
+              <a:ext uri="{FF2B5EF4-FFF2-40B4-BE49-F238E27FC236}">
+                <a16:creationId xmlns:a16="http://schemas.microsoft.com/office/drawing/2014/main" id="{4F028E05-5EE1-989F-7959-B4EC8A15F689}"/>
+              </a:ext>
+            </a:extLst>
+          </p:cNvPr>
+          <p:cNvPicPr>
+            <a:picLocks noChangeAspect="1"/>
+          </p:cNvPicPr>
+          <p:nvPr/>
+        </p:nvPicPr>
+        <p:blipFill>
+          <a:blip r:embed="rId2">
+            <a:extLst>
+              <a:ext uri="{28A0092B-C50C-407E-A947-70E740481C1C}">
+                <a14:useLocalDpi xmlns:a14="http://schemas.microsoft.com/office/drawing/2010/main" val="0"/>
+              </a:ext>
+            </a:extLst>
+          </a:blip>
+          <a:stretch>
+            <a:fillRect/>
+          </a:stretch>
+        </p:blipFill>
+        <p:spPr>
+          <a:xfrm>
+            <a:off x="1746794" y="489317"/>
+            <a:ext cx="8698412" cy="5879365"/>
+          </a:xfrm>
+          <a:prstGeom prst="rect">
+            <a:avLst/>
+          </a:prstGeom>
+        </p:spPr>
+      </p:pic>
+    </p:spTree>
+    <p:extLst>
+      <p:ext uri="{BB962C8B-B14F-4D97-AF65-F5344CB8AC3E}">
+        <p14:creationId xmlns:p14="http://schemas.microsoft.com/office/powerpoint/2010/main" val="2735149014"/>
+      </p:ext>
+    </p:extLst>
+  </p:cSld>
+  <p:clrMapOvr>
+    <a:masterClrMapping/>
+  </p:clrMapOvr>
+</p:sld>
+</file>
+
+<file path=ppt/slides/slide5.xml><?xml version="1.0" encoding="utf-8"?>
 <p:sld xmlns:a="http://schemas.openxmlformats.org/drawingml/2006/main" xmlns:r="http://schemas.openxmlformats.org/officeDocument/2006/relationships" xmlns:p="http://schemas.openxmlformats.org/presentationml/2006/main">
   <p:cSld>
     <p:spTree>
@@ -5781,7 +6794,7 @@
 </p:sld>
 </file>
 
-<file path=ppt/slides/slide4.xml><?xml version="1.0" encoding="utf-8"?>
+<file path=ppt/slides/slide6.xml><?xml version="1.0" encoding="utf-8"?>
 <p:sld xmlns:a="http://schemas.openxmlformats.org/drawingml/2006/main" xmlns:r="http://schemas.openxmlformats.org/officeDocument/2006/relationships" xmlns:p="http://schemas.openxmlformats.org/presentationml/2006/main">
   <p:cSld>
     <p:spTree>
@@ -10916,7 +11929,7 @@
 </p:sld>
 </file>
 
-<file path=ppt/slides/slide5.xml><?xml version="1.0" encoding="utf-8"?>
+<file path=ppt/slides/slide7.xml><?xml version="1.0" encoding="utf-8"?>
 <p:sld xmlns:a="http://schemas.openxmlformats.org/drawingml/2006/main" xmlns:r="http://schemas.openxmlformats.org/officeDocument/2006/relationships" xmlns:p="http://schemas.openxmlformats.org/presentationml/2006/main">
   <p:cSld>
     <p:spTree>
@@ -12815,7 +13828,7 @@
 </p:sld>
 </file>
 
-<file path=ppt/slides/slide6.xml><?xml version="1.0" encoding="utf-8"?>
+<file path=ppt/slides/slide8.xml><?xml version="1.0" encoding="utf-8"?>
 <p:sld xmlns:a="http://schemas.openxmlformats.org/drawingml/2006/main" xmlns:r="http://schemas.openxmlformats.org/officeDocument/2006/relationships" xmlns:p="http://schemas.openxmlformats.org/presentationml/2006/main">
   <p:cSld>
     <p:spTree>
@@ -20148,7 +21161,7 @@
 </p:sld>
 </file>
 
-<file path=ppt/slides/slide7.xml><?xml version="1.0" encoding="utf-8"?>
+<file path=ppt/slides/slide9.xml><?xml version="1.0" encoding="utf-8"?>
 <p:sld xmlns:a="http://schemas.openxmlformats.org/drawingml/2006/main" xmlns:r="http://schemas.openxmlformats.org/officeDocument/2006/relationships" xmlns:p="http://schemas.openxmlformats.org/presentationml/2006/main">
   <p:cSld>
     <p:spTree>
@@ -24994,4 +26007,299 @@
     </a:ext>
   </a:extLst>
 </a:theme>
+</file>
+
+<file path=ppt/theme/theme2.xml><?xml version="1.0" encoding="utf-8"?>
+<a:theme xmlns:a="http://schemas.openxmlformats.org/drawingml/2006/main" name="Office 主题​​">
+  <a:themeElements>
+    <a:clrScheme name="Office">
+      <a:dk1>
+        <a:sysClr val="windowText" lastClr="000000"/>
+      </a:dk1>
+      <a:lt1>
+        <a:sysClr val="window" lastClr="FFFFFF"/>
+      </a:lt1>
+      <a:dk2>
+        <a:srgbClr val="44546A"/>
+      </a:dk2>
+      <a:lt2>
+        <a:srgbClr val="E7E6E6"/>
+      </a:lt2>
+      <a:accent1>
+        <a:srgbClr val="4472C4"/>
+      </a:accent1>
+      <a:accent2>
+        <a:srgbClr val="ED7D31"/>
+      </a:accent2>
+      <a:accent3>
+        <a:srgbClr val="A5A5A5"/>
+      </a:accent3>
+      <a:accent4>
+        <a:srgbClr val="FFC000"/>
+      </a:accent4>
+      <a:accent5>
+        <a:srgbClr val="5B9BD5"/>
+      </a:accent5>
+      <a:accent6>
+        <a:srgbClr val="70AD47"/>
+      </a:accent6>
+      <a:hlink>
+        <a:srgbClr val="0563C1"/>
+      </a:hlink>
+      <a:folHlink>
+        <a:srgbClr val="954F72"/>
+      </a:folHlink>
+    </a:clrScheme>
+    <a:fontScheme name="Office">
+      <a:majorFont>
+        <a:latin typeface="等线 Light" panose="020F0302020204030204"/>
+        <a:ea typeface=""/>
+        <a:cs typeface=""/>
+        <a:font script="Jpan" typeface="游ゴシック Light"/>
+        <a:font script="Hang" typeface="맑은 고딕"/>
+        <a:font script="Hans" typeface="等线 Light"/>
+        <a:font script="Hant" typeface="新細明體"/>
+        <a:font script="Arab" typeface="Times New Roman"/>
+        <a:font script="Hebr" typeface="Times New Roman"/>
+        <a:font script="Thai" typeface="Angsana New"/>
+        <a:font script="Ethi" typeface="Nyala"/>
+        <a:font script="Beng" typeface="Vrinda"/>
+        <a:font script="Gujr" typeface="Shruti"/>
+        <a:font script="Khmr" typeface="MoolBoran"/>
+        <a:font script="Knda" typeface="Tunga"/>
+        <a:font script="Guru" typeface="Raavi"/>
+        <a:font script="Cans" typeface="Euphemia"/>
+        <a:font script="Cher" typeface="Plantagenet Cherokee"/>
+        <a:font script="Yiii" typeface="Microsoft Yi Baiti"/>
+        <a:font script="Tibt" typeface="Microsoft Himalaya"/>
+        <a:font script="Thaa" typeface="MV Boli"/>
+        <a:font script="Deva" typeface="Mangal"/>
+        <a:font script="Telu" typeface="Gautami"/>
+        <a:font script="Taml" typeface="Latha"/>
+        <a:font script="Syrc" typeface="Estrangelo Edessa"/>
+        <a:font script="Orya" typeface="Kalinga"/>
+        <a:font script="Mlym" typeface="Kartika"/>
+        <a:font script="Laoo" typeface="DokChampa"/>
+        <a:font script="Sinh" typeface="Iskoola Pota"/>
+        <a:font script="Mong" typeface="Mongolian Baiti"/>
+        <a:font script="Viet" typeface="Times New Roman"/>
+        <a:font script="Uigh" typeface="Microsoft Uighur"/>
+        <a:font script="Geor" typeface="Sylfaen"/>
+        <a:font script="Armn" typeface="Arial"/>
+        <a:font script="Bugi" typeface="Leelawadee UI"/>
+        <a:font script="Bopo" typeface="Microsoft JhengHei"/>
+        <a:font script="Java" typeface="Javanese Text"/>
+        <a:font script="Lisu" typeface="Segoe UI"/>
+        <a:font script="Mymr" typeface="Myanmar Text"/>
+        <a:font script="Nkoo" typeface="Ebrima"/>
+        <a:font script="Olck" typeface="Nirmala UI"/>
+        <a:font script="Osma" typeface="Ebrima"/>
+        <a:font script="Phag" typeface="Phagspa"/>
+        <a:font script="Syrn" typeface="Estrangelo Edessa"/>
+        <a:font script="Syrj" typeface="Estrangelo Edessa"/>
+        <a:font script="Syre" typeface="Estrangelo Edessa"/>
+        <a:font script="Sora" typeface="Nirmala UI"/>
+        <a:font script="Tale" typeface="Microsoft Tai Le"/>
+        <a:font script="Talu" typeface="Microsoft New Tai Lue"/>
+        <a:font script="Tfng" typeface="Ebrima"/>
+      </a:majorFont>
+      <a:minorFont>
+        <a:latin typeface="等线" panose="020F0502020204030204"/>
+        <a:ea typeface=""/>
+        <a:cs typeface=""/>
+        <a:font script="Jpan" typeface="游ゴシック"/>
+        <a:font script="Hang" typeface="맑은 고딕"/>
+        <a:font script="Hans" typeface="等线"/>
+        <a:font script="Hant" typeface="新細明體"/>
+        <a:font script="Arab" typeface="Arial"/>
+        <a:font script="Hebr" typeface="Arial"/>
+        <a:font script="Thai" typeface="Cordia New"/>
+        <a:font script="Ethi" typeface="Nyala"/>
+        <a:font script="Beng" typeface="Vrinda"/>
+        <a:font script="Gujr" typeface="Shruti"/>
+        <a:font script="Khmr" typeface="DaunPenh"/>
+        <a:font script="Knda" typeface="Tunga"/>
+        <a:font script="Guru" typeface="Raavi"/>
+        <a:font script="Cans" typeface="Euphemia"/>
+        <a:font script="Cher" typeface="Plantagenet Cherokee"/>
+        <a:font script="Yiii" typeface="Microsoft Yi Baiti"/>
+        <a:font script="Tibt" typeface="Microsoft Himalaya"/>
+        <a:font script="Thaa" typeface="MV Boli"/>
+        <a:font script="Deva" typeface="Mangal"/>
+        <a:font script="Telu" typeface="Gautami"/>
+        <a:font script="Taml" typeface="Latha"/>
+        <a:font script="Syrc" typeface="Estrangelo Edessa"/>
+        <a:font script="Orya" typeface="Kalinga"/>
+        <a:font script="Mlym" typeface="Kartika"/>
+        <a:font script="Laoo" typeface="DokChampa"/>
+        <a:font script="Sinh" typeface="Iskoola Pota"/>
+        <a:font script="Mong" typeface="Mongolian Baiti"/>
+        <a:font script="Viet" typeface="Arial"/>
+        <a:font script="Uigh" typeface="Microsoft Uighur"/>
+        <a:font script="Geor" typeface="Sylfaen"/>
+        <a:font script="Armn" typeface="Arial"/>
+        <a:font script="Bugi" typeface="Leelawadee UI"/>
+        <a:font script="Bopo" typeface="Microsoft JhengHei"/>
+        <a:font script="Java" typeface="Javanese Text"/>
+        <a:font script="Lisu" typeface="Segoe UI"/>
+        <a:font script="Mymr" typeface="Myanmar Text"/>
+        <a:font script="Nkoo" typeface="Ebrima"/>
+        <a:font script="Olck" typeface="Nirmala UI"/>
+        <a:font script="Osma" typeface="Ebrima"/>
+        <a:font script="Phag" typeface="Phagspa"/>
+        <a:font script="Syrn" typeface="Estrangelo Edessa"/>
+        <a:font script="Syrj" typeface="Estrangelo Edessa"/>
+        <a:font script="Syre" typeface="Estrangelo Edessa"/>
+        <a:font script="Sora" typeface="Nirmala UI"/>
+        <a:font script="Tale" typeface="Microsoft Tai Le"/>
+        <a:font script="Talu" typeface="Microsoft New Tai Lue"/>
+        <a:font script="Tfng" typeface="Ebrima"/>
+      </a:minorFont>
+    </a:fontScheme>
+    <a:fmtScheme name="Office">
+      <a:fillStyleLst>
+        <a:solidFill>
+          <a:schemeClr val="phClr"/>
+        </a:solidFill>
+        <a:gradFill rotWithShape="1">
+          <a:gsLst>
+            <a:gs pos="0">
+              <a:schemeClr val="phClr">
+                <a:lumMod val="110000"/>
+                <a:satMod val="105000"/>
+                <a:tint val="67000"/>
+              </a:schemeClr>
+            </a:gs>
+            <a:gs pos="50000">
+              <a:schemeClr val="phClr">
+                <a:lumMod val="105000"/>
+                <a:satMod val="103000"/>
+                <a:tint val="73000"/>
+              </a:schemeClr>
+            </a:gs>
+            <a:gs pos="100000">
+              <a:schemeClr val="phClr">
+                <a:lumMod val="105000"/>
+                <a:satMod val="109000"/>
+                <a:tint val="81000"/>
+              </a:schemeClr>
+            </a:gs>
+          </a:gsLst>
+          <a:lin ang="5400000" scaled="0"/>
+        </a:gradFill>
+        <a:gradFill rotWithShape="1">
+          <a:gsLst>
+            <a:gs pos="0">
+              <a:schemeClr val="phClr">
+                <a:satMod val="103000"/>
+                <a:lumMod val="102000"/>
+                <a:tint val="94000"/>
+              </a:schemeClr>
+            </a:gs>
+            <a:gs pos="50000">
+              <a:schemeClr val="phClr">
+                <a:satMod val="110000"/>
+                <a:lumMod val="100000"/>
+                <a:shade val="100000"/>
+              </a:schemeClr>
+            </a:gs>
+            <a:gs pos="100000">
+              <a:schemeClr val="phClr">
+                <a:lumMod val="99000"/>
+                <a:satMod val="120000"/>
+                <a:shade val="78000"/>
+              </a:schemeClr>
+            </a:gs>
+          </a:gsLst>
+          <a:lin ang="5400000" scaled="0"/>
+        </a:gradFill>
+      </a:fillStyleLst>
+      <a:lnStyleLst>
+        <a:ln w="6350" cap="flat" cmpd="sng" algn="ctr">
+          <a:solidFill>
+            <a:schemeClr val="phClr"/>
+          </a:solidFill>
+          <a:prstDash val="solid"/>
+          <a:miter lim="800000"/>
+        </a:ln>
+        <a:ln w="12700" cap="flat" cmpd="sng" algn="ctr">
+          <a:solidFill>
+            <a:schemeClr val="phClr"/>
+          </a:solidFill>
+          <a:prstDash val="solid"/>
+          <a:miter lim="800000"/>
+        </a:ln>
+        <a:ln w="19050" cap="flat" cmpd="sng" algn="ctr">
+          <a:solidFill>
+            <a:schemeClr val="phClr"/>
+          </a:solidFill>
+          <a:prstDash val="solid"/>
+          <a:miter lim="800000"/>
+        </a:ln>
+      </a:lnStyleLst>
+      <a:effectStyleLst>
+        <a:effectStyle>
+          <a:effectLst/>
+        </a:effectStyle>
+        <a:effectStyle>
+          <a:effectLst/>
+        </a:effectStyle>
+        <a:effectStyle>
+          <a:effectLst>
+            <a:outerShdw blurRad="57150" dist="19050" dir="5400000" algn="ctr" rotWithShape="0">
+              <a:srgbClr val="000000">
+                <a:alpha val="63000"/>
+              </a:srgbClr>
+            </a:outerShdw>
+          </a:effectLst>
+        </a:effectStyle>
+      </a:effectStyleLst>
+      <a:bgFillStyleLst>
+        <a:solidFill>
+          <a:schemeClr val="phClr"/>
+        </a:solidFill>
+        <a:solidFill>
+          <a:schemeClr val="phClr">
+            <a:tint val="95000"/>
+            <a:satMod val="170000"/>
+          </a:schemeClr>
+        </a:solidFill>
+        <a:gradFill rotWithShape="1">
+          <a:gsLst>
+            <a:gs pos="0">
+              <a:schemeClr val="phClr">
+                <a:tint val="93000"/>
+                <a:satMod val="150000"/>
+                <a:shade val="98000"/>
+                <a:lumMod val="102000"/>
+              </a:schemeClr>
+            </a:gs>
+            <a:gs pos="50000">
+              <a:schemeClr val="phClr">
+                <a:tint val="98000"/>
+                <a:satMod val="130000"/>
+                <a:shade val="90000"/>
+                <a:lumMod val="103000"/>
+              </a:schemeClr>
+            </a:gs>
+            <a:gs pos="100000">
+              <a:schemeClr val="phClr">
+                <a:shade val="63000"/>
+                <a:satMod val="120000"/>
+              </a:schemeClr>
+            </a:gs>
+          </a:gsLst>
+          <a:lin ang="5400000" scaled="0"/>
+        </a:gradFill>
+      </a:bgFillStyleLst>
+    </a:fmtScheme>
+  </a:themeElements>
+  <a:objectDefaults/>
+  <a:extraClrSchemeLst/>
+  <a:extLst>
+    <a:ext uri="{05A4C25C-085E-4340-85A3-A5531E510DB2}">
+      <thm15:themeFamily xmlns:thm15="http://schemas.microsoft.com/office/thememl/2012/main" name="Office Theme" id="{62F939B6-93AF-4DB8-9C6B-D6C7DFDC589F}" vid="{4A3C46E8-61CC-4603-A589-7422A47A8E4A}"/>
+    </a:ext>
+  </a:extLst>
+</a:theme>
 </file>
--- a/graduate-thesis/figures/ppt.pptx
+++ b/graduate-thesis/figures/ppt.pptx
@@ -1548,7 +1548,7 @@
           <a:p>
             <a:fld id="{6AD21B29-4B2C-45D3-A635-AAD919103DBC}" type="datetimeFigureOut">
               <a:rPr lang="zh-CN" altLang="en-US" smtClean="0"/>
-              <a:t>2024/4/6</a:t>
+              <a:t>2024/4/7</a:t>
             </a:fld>
             <a:endParaRPr lang="zh-CN" altLang="en-US"/>
           </a:p>
@@ -2046,7 +2046,7 @@
           <a:p>
             <a:fld id="{45015B89-2F5E-4669-B7A0-C312F8064276}" type="datetimeFigureOut">
               <a:rPr lang="zh-CN" altLang="en-US" smtClean="0"/>
-              <a:t>2024/4/6</a:t>
+              <a:t>2024/4/7</a:t>
             </a:fld>
             <a:endParaRPr lang="zh-CN" altLang="en-US"/>
           </a:p>
@@ -2244,7 +2244,7 @@
           <a:p>
             <a:fld id="{45015B89-2F5E-4669-B7A0-C312F8064276}" type="datetimeFigureOut">
               <a:rPr lang="zh-CN" altLang="en-US" smtClean="0"/>
-              <a:t>2024/4/6</a:t>
+              <a:t>2024/4/7</a:t>
             </a:fld>
             <a:endParaRPr lang="zh-CN" altLang="en-US"/>
           </a:p>
@@ -2452,7 +2452,7 @@
           <a:p>
             <a:fld id="{45015B89-2F5E-4669-B7A0-C312F8064276}" type="datetimeFigureOut">
               <a:rPr lang="zh-CN" altLang="en-US" smtClean="0"/>
-              <a:t>2024/4/6</a:t>
+              <a:t>2024/4/7</a:t>
             </a:fld>
             <a:endParaRPr lang="zh-CN" altLang="en-US"/>
           </a:p>
@@ -2650,7 +2650,7 @@
           <a:p>
             <a:fld id="{45015B89-2F5E-4669-B7A0-C312F8064276}" type="datetimeFigureOut">
               <a:rPr lang="zh-CN" altLang="en-US" smtClean="0"/>
-              <a:t>2024/4/6</a:t>
+              <a:t>2024/4/7</a:t>
             </a:fld>
             <a:endParaRPr lang="zh-CN" altLang="en-US"/>
           </a:p>
@@ -2925,7 +2925,7 @@
           <a:p>
             <a:fld id="{45015B89-2F5E-4669-B7A0-C312F8064276}" type="datetimeFigureOut">
               <a:rPr lang="zh-CN" altLang="en-US" smtClean="0"/>
-              <a:t>2024/4/6</a:t>
+              <a:t>2024/4/7</a:t>
             </a:fld>
             <a:endParaRPr lang="zh-CN" altLang="en-US"/>
           </a:p>
@@ -3190,7 +3190,7 @@
           <a:p>
             <a:fld id="{45015B89-2F5E-4669-B7A0-C312F8064276}" type="datetimeFigureOut">
               <a:rPr lang="zh-CN" altLang="en-US" smtClean="0"/>
-              <a:t>2024/4/6</a:t>
+              <a:t>2024/4/7</a:t>
             </a:fld>
             <a:endParaRPr lang="zh-CN" altLang="en-US"/>
           </a:p>
@@ -3602,7 +3602,7 @@
           <a:p>
             <a:fld id="{45015B89-2F5E-4669-B7A0-C312F8064276}" type="datetimeFigureOut">
               <a:rPr lang="zh-CN" altLang="en-US" smtClean="0"/>
-              <a:t>2024/4/6</a:t>
+              <a:t>2024/4/7</a:t>
             </a:fld>
             <a:endParaRPr lang="zh-CN" altLang="en-US"/>
           </a:p>
@@ -3743,7 +3743,7 @@
           <a:p>
             <a:fld id="{45015B89-2F5E-4669-B7A0-C312F8064276}" type="datetimeFigureOut">
               <a:rPr lang="zh-CN" altLang="en-US" smtClean="0"/>
-              <a:t>2024/4/6</a:t>
+              <a:t>2024/4/7</a:t>
             </a:fld>
             <a:endParaRPr lang="zh-CN" altLang="en-US"/>
           </a:p>
@@ -3856,7 +3856,7 @@
           <a:p>
             <a:fld id="{45015B89-2F5E-4669-B7A0-C312F8064276}" type="datetimeFigureOut">
               <a:rPr lang="zh-CN" altLang="en-US" smtClean="0"/>
-              <a:t>2024/4/6</a:t>
+              <a:t>2024/4/7</a:t>
             </a:fld>
             <a:endParaRPr lang="zh-CN" altLang="en-US"/>
           </a:p>
@@ -4167,7 +4167,7 @@
           <a:p>
             <a:fld id="{45015B89-2F5E-4669-B7A0-C312F8064276}" type="datetimeFigureOut">
               <a:rPr lang="zh-CN" altLang="en-US" smtClean="0"/>
-              <a:t>2024/4/6</a:t>
+              <a:t>2024/4/7</a:t>
             </a:fld>
             <a:endParaRPr lang="zh-CN" altLang="en-US"/>
           </a:p>
@@ -4455,7 +4455,7 @@
           <a:p>
             <a:fld id="{45015B89-2F5E-4669-B7A0-C312F8064276}" type="datetimeFigureOut">
               <a:rPr lang="zh-CN" altLang="en-US" smtClean="0"/>
-              <a:t>2024/4/6</a:t>
+              <a:t>2024/4/7</a:t>
             </a:fld>
             <a:endParaRPr lang="zh-CN" altLang="en-US"/>
           </a:p>
@@ -4696,7 +4696,7 @@
           <a:p>
             <a:fld id="{45015B89-2F5E-4669-B7A0-C312F8064276}" type="datetimeFigureOut">
               <a:rPr lang="zh-CN" altLang="en-US" smtClean="0"/>
-              <a:t>2024/4/6</a:t>
+              <a:t>2024/4/7</a:t>
             </a:fld>
             <a:endParaRPr lang="zh-CN" altLang="en-US"/>
           </a:p>
@@ -5202,13 +5202,1642 @@
           <a:lstStyle/>
           <a:p>
             <a:r>
-              <a:rPr lang="en-US" altLang="zh-CN" dirty="0"/>
+              <a:rPr lang="en-US" altLang="zh-CN" dirty="0">
+                <a:latin typeface="微软雅黑" panose="020B0503020204020204" pitchFamily="34" charset="-122"/>
+                <a:ea typeface="微软雅黑" panose="020B0503020204020204" pitchFamily="34" charset="-122"/>
+              </a:rPr>
               <a:t>Token</a:t>
             </a:r>
-            <a:endParaRPr lang="zh-CN" altLang="en-US" dirty="0"/>
+            <a:endParaRPr lang="zh-CN" altLang="en-US" dirty="0">
+              <a:latin typeface="微软雅黑" panose="020B0503020204020204" pitchFamily="34" charset="-122"/>
+              <a:ea typeface="微软雅黑" panose="020B0503020204020204" pitchFamily="34" charset="-122"/>
+            </a:endParaRPr>
           </a:p>
         </p:txBody>
       </p:sp>
+      <p:sp>
+        <p:nvSpPr>
+          <p:cNvPr id="3" name="Rectangle 2">
+            <a:extLst>
+              <a:ext uri="{FF2B5EF4-FFF2-40B4-BE49-F238E27FC236}">
+                <a16:creationId xmlns:a16="http://schemas.microsoft.com/office/drawing/2014/main" id="{5932284D-9589-3B8F-38EF-C7E09404E6B5}"/>
+              </a:ext>
+            </a:extLst>
+          </p:cNvPr>
+          <p:cNvSpPr>
+            <a:spLocks noChangeArrowheads="1"/>
+          </p:cNvSpPr>
+          <p:nvPr/>
+        </p:nvSpPr>
+        <p:spPr bwMode="auto">
+          <a:xfrm>
+            <a:off x="0" y="-184666"/>
+            <a:ext cx="184731" cy="369332"/>
+          </a:xfrm>
+          <a:prstGeom prst="rect">
+            <a:avLst/>
+          </a:prstGeom>
+          <a:noFill/>
+          <a:ln>
+            <a:noFill/>
+          </a:ln>
+          <a:effectLst/>
+          <a:extLst>
+            <a:ext uri="{909E8E84-426E-40DD-AFC4-6F175D3DCCD1}">
+              <a14:hiddenFill xmlns:a14="http://schemas.microsoft.com/office/drawing/2010/main">
+                <a:solidFill>
+                  <a:schemeClr val="accent1"/>
+                </a:solidFill>
+              </a14:hiddenFill>
+            </a:ext>
+            <a:ext uri="{91240B29-F687-4F45-9708-019B960494DF}">
+              <a14:hiddenLine xmlns:a14="http://schemas.microsoft.com/office/drawing/2010/main" w="9525">
+                <a:solidFill>
+                  <a:schemeClr val="tx1"/>
+                </a:solidFill>
+                <a:miter lim="800000"/>
+                <a:headEnd/>
+                <a:tailEnd/>
+              </a14:hiddenLine>
+            </a:ext>
+            <a:ext uri="{AF507438-7753-43E0-B8FC-AC1667EBCBE1}">
+              <a14:hiddenEffects xmlns:a14="http://schemas.microsoft.com/office/drawing/2010/main">
+                <a:effectLst>
+                  <a:outerShdw dist="35921" dir="2700000" algn="ctr" rotWithShape="0">
+                    <a:schemeClr val="bg2"/>
+                  </a:outerShdw>
+                </a:effectLst>
+              </a14:hiddenEffects>
+            </a:ext>
+          </a:extLst>
+        </p:spPr>
+        <p:txBody>
+          <a:bodyPr vert="horz" wrap="none" lIns="91440" tIns="45720" rIns="91440" bIns="45720" numCol="1" anchor="ctr" anchorCtr="0" compatLnSpc="1">
+            <a:prstTxWarp prst="textNoShape">
+              <a:avLst/>
+            </a:prstTxWarp>
+            <a:spAutoFit/>
+          </a:bodyPr>
+          <a:lstStyle/>
+          <a:p>
+            <a:endParaRPr lang="zh-CN" altLang="en-US">
+              <a:latin typeface="微软雅黑" panose="020B0503020204020204" pitchFamily="34" charset="-122"/>
+              <a:ea typeface="微软雅黑" panose="020B0503020204020204" pitchFamily="34" charset="-122"/>
+            </a:endParaRPr>
+          </a:p>
+        </p:txBody>
+      </p:sp>
+      <p:graphicFrame>
+        <p:nvGraphicFramePr>
+          <p:cNvPr id="4" name="对象 3">
+            <a:extLst>
+              <a:ext uri="{FF2B5EF4-FFF2-40B4-BE49-F238E27FC236}">
+                <a16:creationId xmlns:a16="http://schemas.microsoft.com/office/drawing/2014/main" id="{9202E878-A795-2C47-9F9E-8200741A22DB}"/>
+              </a:ext>
+            </a:extLst>
+          </p:cNvPr>
+          <p:cNvGraphicFramePr>
+            <a:graphicFrameLocks noChangeAspect="1"/>
+          </p:cNvGraphicFramePr>
+          <p:nvPr>
+            <p:extLst>
+              <p:ext uri="{D42A27DB-BD31-4B8C-83A1-F6EECF244321}">
+                <p14:modId xmlns:p14="http://schemas.microsoft.com/office/powerpoint/2010/main" val="2150489821"/>
+              </p:ext>
+            </p:extLst>
+          </p:nvPr>
+        </p:nvGraphicFramePr>
+        <p:xfrm>
+          <a:off x="7518235" y="51957"/>
+          <a:ext cx="4524375" cy="4295775"/>
+        </p:xfrm>
+        <a:graphic>
+          <a:graphicData uri="http://schemas.openxmlformats.org/presentationml/2006/ole">
+            <mc:AlternateContent xmlns:mc="http://schemas.openxmlformats.org/markup-compatibility/2006">
+              <mc:Choice xmlns:v="urn:schemas-microsoft-com:vml" Requires="v">
+                <p:oleObj name="Visio" r:id="rId2" imgW="5638669" imgH="5381574" progId="Visio.Drawing.15">
+                  <p:embed/>
+                </p:oleObj>
+              </mc:Choice>
+              <mc:Fallback>
+                <p:oleObj name="Visio" r:id="rId2" imgW="5638669" imgH="5381574" progId="Visio.Drawing.15">
+                  <p:embed/>
+                  <p:pic>
+                    <p:nvPicPr>
+                      <p:cNvPr id="0" name="Object 1"/>
+                      <p:cNvPicPr>
+                        <a:picLocks noChangeAspect="1" noChangeArrowheads="1"/>
+                      </p:cNvPicPr>
+                      <p:nvPr/>
+                    </p:nvPicPr>
+                    <p:blipFill>
+                      <a:blip r:embed="rId3"/>
+                      <a:srcRect/>
+                      <a:stretch>
+                        <a:fillRect/>
+                      </a:stretch>
+                    </p:blipFill>
+                    <p:spPr bwMode="auto">
+                      <a:xfrm>
+                        <a:off x="7518235" y="51957"/>
+                        <a:ext cx="4524375" cy="4295775"/>
+                      </a:xfrm>
+                      <a:prstGeom prst="rect">
+                        <a:avLst/>
+                      </a:prstGeom>
+                      <a:noFill/>
+                      <a:extLst>
+                        <a:ext uri="{909E8E84-426E-40DD-AFC4-6F175D3DCCD1}">
+                          <a14:hiddenFill xmlns:a14="http://schemas.microsoft.com/office/drawing/2010/main">
+                            <a:solidFill>
+                              <a:srgbClr val="FFFFFF"/>
+                            </a:solidFill>
+                          </a14:hiddenFill>
+                        </a:ext>
+                      </a:extLst>
+                    </p:spPr>
+                  </p:pic>
+                </p:oleObj>
+              </mc:Fallback>
+            </mc:AlternateContent>
+          </a:graphicData>
+        </a:graphic>
+      </p:graphicFrame>
+      <p:sp>
+        <p:nvSpPr>
+          <p:cNvPr id="5" name="TextBox 49">
+            <a:extLst>
+              <a:ext uri="{FF2B5EF4-FFF2-40B4-BE49-F238E27FC236}">
+                <a16:creationId xmlns:a16="http://schemas.microsoft.com/office/drawing/2014/main" id="{D6051625-C230-639D-A905-131182C9FEAB}"/>
+              </a:ext>
+            </a:extLst>
+          </p:cNvPr>
+          <p:cNvSpPr txBox="1"/>
+          <p:nvPr/>
+        </p:nvSpPr>
+        <p:spPr>
+          <a:xfrm>
+            <a:off x="194872" y="721255"/>
+            <a:ext cx="1196491" cy="338554"/>
+          </a:xfrm>
+          <a:prstGeom prst="rect">
+            <a:avLst/>
+          </a:prstGeom>
+          <a:noFill/>
+        </p:spPr>
+        <p:txBody>
+          <a:bodyPr wrap="square" rtlCol="0">
+            <a:spAutoFit/>
+          </a:bodyPr>
+          <a:lstStyle/>
+          <a:p>
+            <a:pPr algn="ctr"/>
+            <a:r>
+              <a:rPr lang="en-US" altLang="zh-CN" sz="1600" dirty="0">
+                <a:latin typeface="微软雅黑" panose="020B0503020204020204" pitchFamily="34" charset="-122"/>
+                <a:ea typeface="微软雅黑" panose="020B0503020204020204" pitchFamily="34" charset="-122"/>
+                <a:cs typeface="Times New Roman" panose="02020603050405020304" pitchFamily="18" charset="0"/>
+              </a:rPr>
+              <a:t>Token</a:t>
+            </a:r>
+            <a:r>
+              <a:rPr lang="zh-CN" altLang="en-US" sz="1600" dirty="0">
+                <a:latin typeface="微软雅黑" panose="020B0503020204020204" pitchFamily="34" charset="-122"/>
+                <a:ea typeface="微软雅黑" panose="020B0503020204020204" pitchFamily="34" charset="-122"/>
+                <a:cs typeface="Times New Roman" panose="02020603050405020304" pitchFamily="18" charset="0"/>
+              </a:rPr>
+              <a:t>序列</a:t>
+            </a:r>
+          </a:p>
+        </p:txBody>
+      </p:sp>
+      <p:sp>
+        <p:nvSpPr>
+          <p:cNvPr id="6" name="流程图: 过程 5">
+            <a:extLst>
+              <a:ext uri="{FF2B5EF4-FFF2-40B4-BE49-F238E27FC236}">
+                <a16:creationId xmlns:a16="http://schemas.microsoft.com/office/drawing/2014/main" id="{CEA316F1-027F-BA80-C8AC-929DA0E3C97E}"/>
+              </a:ext>
+            </a:extLst>
+          </p:cNvPr>
+          <p:cNvSpPr/>
+          <p:nvPr/>
+        </p:nvSpPr>
+        <p:spPr>
+          <a:xfrm>
+            <a:off x="454496" y="1250530"/>
+            <a:ext cx="609600" cy="236002"/>
+          </a:xfrm>
+          <a:prstGeom prst="flowChartProcess">
+            <a:avLst/>
+          </a:prstGeom>
+          <a:solidFill>
+            <a:srgbClr val="F2F2F2"/>
+          </a:solidFill>
+          <a:ln>
+            <a:solidFill>
+              <a:schemeClr val="tx1"/>
+            </a:solidFill>
+          </a:ln>
+        </p:spPr>
+        <p:style>
+          <a:lnRef idx="2">
+            <a:schemeClr val="accent1">
+              <a:shade val="50000"/>
+            </a:schemeClr>
+          </a:lnRef>
+          <a:fillRef idx="1">
+            <a:schemeClr val="accent1"/>
+          </a:fillRef>
+          <a:effectRef idx="0">
+            <a:schemeClr val="accent1"/>
+          </a:effectRef>
+          <a:fontRef idx="minor">
+            <a:schemeClr val="lt1"/>
+          </a:fontRef>
+        </p:style>
+        <p:txBody>
+          <a:bodyPr rtlCol="0" anchor="ctr"/>
+          <a:lstStyle/>
+          <a:p>
+            <a:pPr algn="ctr"/>
+            <a:endParaRPr lang="zh-CN" altLang="en-US">
+              <a:latin typeface="微软雅黑" panose="020B0503020204020204" pitchFamily="34" charset="-122"/>
+              <a:ea typeface="微软雅黑" panose="020B0503020204020204" pitchFamily="34" charset="-122"/>
+            </a:endParaRPr>
+          </a:p>
+        </p:txBody>
+      </p:sp>
+      <p:sp>
+        <p:nvSpPr>
+          <p:cNvPr id="7" name="流程图: 过程 6">
+            <a:extLst>
+              <a:ext uri="{FF2B5EF4-FFF2-40B4-BE49-F238E27FC236}">
+                <a16:creationId xmlns:a16="http://schemas.microsoft.com/office/drawing/2014/main" id="{A91F9BE9-D572-7262-197C-878C559FE3C6}"/>
+              </a:ext>
+            </a:extLst>
+          </p:cNvPr>
+          <p:cNvSpPr/>
+          <p:nvPr/>
+        </p:nvSpPr>
+        <p:spPr>
+          <a:xfrm>
+            <a:off x="454496" y="1591302"/>
+            <a:ext cx="609600" cy="236002"/>
+          </a:xfrm>
+          <a:prstGeom prst="flowChartProcess">
+            <a:avLst/>
+          </a:prstGeom>
+          <a:solidFill>
+            <a:srgbClr val="F2F2F2"/>
+          </a:solidFill>
+          <a:ln>
+            <a:solidFill>
+              <a:schemeClr val="tx1"/>
+            </a:solidFill>
+          </a:ln>
+        </p:spPr>
+        <p:style>
+          <a:lnRef idx="2">
+            <a:schemeClr val="accent1">
+              <a:shade val="50000"/>
+            </a:schemeClr>
+          </a:lnRef>
+          <a:fillRef idx="1">
+            <a:schemeClr val="accent1"/>
+          </a:fillRef>
+          <a:effectRef idx="0">
+            <a:schemeClr val="accent1"/>
+          </a:effectRef>
+          <a:fontRef idx="minor">
+            <a:schemeClr val="lt1"/>
+          </a:fontRef>
+        </p:style>
+        <p:txBody>
+          <a:bodyPr rtlCol="0" anchor="ctr"/>
+          <a:lstStyle/>
+          <a:p>
+            <a:pPr algn="ctr"/>
+            <a:endParaRPr lang="zh-CN" altLang="en-US">
+              <a:latin typeface="微软雅黑" panose="020B0503020204020204" pitchFamily="34" charset="-122"/>
+              <a:ea typeface="微软雅黑" panose="020B0503020204020204" pitchFamily="34" charset="-122"/>
+            </a:endParaRPr>
+          </a:p>
+        </p:txBody>
+      </p:sp>
+      <p:sp>
+        <p:nvSpPr>
+          <p:cNvPr id="8" name="流程图: 过程 7">
+            <a:extLst>
+              <a:ext uri="{FF2B5EF4-FFF2-40B4-BE49-F238E27FC236}">
+                <a16:creationId xmlns:a16="http://schemas.microsoft.com/office/drawing/2014/main" id="{AD22A590-848F-71D9-C317-B8B96DA2EAFE}"/>
+              </a:ext>
+            </a:extLst>
+          </p:cNvPr>
+          <p:cNvSpPr/>
+          <p:nvPr/>
+        </p:nvSpPr>
+        <p:spPr>
+          <a:xfrm>
+            <a:off x="454496" y="2081844"/>
+            <a:ext cx="609600" cy="236002"/>
+          </a:xfrm>
+          <a:prstGeom prst="flowChartProcess">
+            <a:avLst/>
+          </a:prstGeom>
+          <a:solidFill>
+            <a:srgbClr val="F2F2F2"/>
+          </a:solidFill>
+          <a:ln>
+            <a:solidFill>
+              <a:schemeClr val="tx1"/>
+            </a:solidFill>
+          </a:ln>
+        </p:spPr>
+        <p:style>
+          <a:lnRef idx="2">
+            <a:schemeClr val="accent1">
+              <a:shade val="50000"/>
+            </a:schemeClr>
+          </a:lnRef>
+          <a:fillRef idx="1">
+            <a:schemeClr val="accent1"/>
+          </a:fillRef>
+          <a:effectRef idx="0">
+            <a:schemeClr val="accent1"/>
+          </a:effectRef>
+          <a:fontRef idx="minor">
+            <a:schemeClr val="lt1"/>
+          </a:fontRef>
+        </p:style>
+        <p:txBody>
+          <a:bodyPr rtlCol="0" anchor="ctr"/>
+          <a:lstStyle/>
+          <a:p>
+            <a:pPr algn="ctr"/>
+            <a:endParaRPr lang="zh-CN" altLang="en-US">
+              <a:latin typeface="微软雅黑" panose="020B0503020204020204" pitchFamily="34" charset="-122"/>
+              <a:ea typeface="微软雅黑" panose="020B0503020204020204" pitchFamily="34" charset="-122"/>
+            </a:endParaRPr>
+          </a:p>
+        </p:txBody>
+      </p:sp>
+      <p:sp>
+        <p:nvSpPr>
+          <p:cNvPr id="9" name="TextBox 148">
+            <a:extLst>
+              <a:ext uri="{FF2B5EF4-FFF2-40B4-BE49-F238E27FC236}">
+                <a16:creationId xmlns:a16="http://schemas.microsoft.com/office/drawing/2014/main" id="{C69A55E0-F77C-B637-7336-3046FFDA73C6}"/>
+              </a:ext>
+            </a:extLst>
+          </p:cNvPr>
+          <p:cNvSpPr txBox="1"/>
+          <p:nvPr/>
+        </p:nvSpPr>
+        <p:spPr>
+          <a:xfrm>
+            <a:off x="555958" y="1712512"/>
+            <a:ext cx="406676" cy="369332"/>
+          </a:xfrm>
+          <a:prstGeom prst="rect">
+            <a:avLst/>
+          </a:prstGeom>
+          <a:noFill/>
+        </p:spPr>
+        <p:txBody>
+          <a:bodyPr wrap="square" rtlCol="0">
+            <a:spAutoFit/>
+          </a:bodyPr>
+          <a:lstStyle/>
+          <a:p>
+            <a:r>
+              <a:rPr lang="en-US" altLang="zh-CN" dirty="0">
+                <a:latin typeface="微软雅黑" panose="020B0503020204020204" pitchFamily="34" charset="-122"/>
+                <a:ea typeface="微软雅黑" panose="020B0503020204020204" pitchFamily="34" charset="-122"/>
+              </a:rPr>
+              <a:t>…</a:t>
+            </a:r>
+            <a:endParaRPr lang="zh-CN" altLang="en-US" dirty="0">
+              <a:latin typeface="微软雅黑" panose="020B0503020204020204" pitchFamily="34" charset="-122"/>
+              <a:ea typeface="微软雅黑" panose="020B0503020204020204" pitchFamily="34" charset="-122"/>
+            </a:endParaRPr>
+          </a:p>
+        </p:txBody>
+      </p:sp>
+      <p:sp>
+        <p:nvSpPr>
+          <p:cNvPr id="10" name="TextBox 195">
+            <a:extLst>
+              <a:ext uri="{FF2B5EF4-FFF2-40B4-BE49-F238E27FC236}">
+                <a16:creationId xmlns:a16="http://schemas.microsoft.com/office/drawing/2014/main" id="{F1FB77EB-392A-7A85-0183-0A4FBFE02858}"/>
+              </a:ext>
+            </a:extLst>
+          </p:cNvPr>
+          <p:cNvSpPr txBox="1"/>
+          <p:nvPr/>
+        </p:nvSpPr>
+        <p:spPr>
+          <a:xfrm>
+            <a:off x="2008141" y="721255"/>
+            <a:ext cx="1759753" cy="338554"/>
+          </a:xfrm>
+          <a:prstGeom prst="rect">
+            <a:avLst/>
+          </a:prstGeom>
+          <a:noFill/>
+        </p:spPr>
+        <p:txBody>
+          <a:bodyPr wrap="square" rtlCol="0">
+            <a:spAutoFit/>
+          </a:bodyPr>
+          <a:lstStyle/>
+          <a:p>
+            <a:pPr algn="ctr"/>
+            <a:r>
+              <a:rPr lang="zh-CN" altLang="en-US" sz="1600" dirty="0">
+                <a:latin typeface="微软雅黑" panose="020B0503020204020204" pitchFamily="34" charset="-122"/>
+                <a:ea typeface="微软雅黑" panose="020B0503020204020204" pitchFamily="34" charset="-122"/>
+                <a:cs typeface="Times New Roman" panose="02020603050405020304" pitchFamily="18" charset="0"/>
+              </a:rPr>
+              <a:t>预训练辅助模型</a:t>
+            </a:r>
+          </a:p>
+        </p:txBody>
+      </p:sp>
+      <p:sp>
+        <p:nvSpPr>
+          <p:cNvPr id="11" name="矩形 10">
+            <a:extLst>
+              <a:ext uri="{FF2B5EF4-FFF2-40B4-BE49-F238E27FC236}">
+                <a16:creationId xmlns:a16="http://schemas.microsoft.com/office/drawing/2014/main" id="{9DAB37DE-C3D4-75B9-F8DD-0F8674CB2BA1}"/>
+              </a:ext>
+            </a:extLst>
+          </p:cNvPr>
+          <p:cNvSpPr/>
+          <p:nvPr/>
+        </p:nvSpPr>
+        <p:spPr>
+          <a:xfrm>
+            <a:off x="6117735" y="1049665"/>
+            <a:ext cx="381000" cy="1258037"/>
+          </a:xfrm>
+          <a:prstGeom prst="rect">
+            <a:avLst/>
+          </a:prstGeom>
+          <a:solidFill>
+            <a:schemeClr val="bg1">
+              <a:lumMod val="95000"/>
+            </a:schemeClr>
+          </a:solidFill>
+          <a:ln w="12700" algn="ctr">
+            <a:solidFill>
+              <a:schemeClr val="tx1"/>
+            </a:solidFill>
+            <a:prstDash val="sysDash"/>
+            <a:round/>
+            <a:headEnd/>
+            <a:tailEnd/>
+          </a:ln>
+        </p:spPr>
+        <p:txBody>
+          <a:bodyPr anchor="ctr" anchorCtr="0"/>
+          <a:lstStyle/>
+          <a:p>
+            <a:pPr algn="ctr"/>
+            <a:endParaRPr lang="zh-CN" altLang="en-US" sz="1600">
+              <a:solidFill>
+                <a:schemeClr val="tx1"/>
+              </a:solidFill>
+              <a:latin typeface="微软雅黑" panose="020B0503020204020204" pitchFamily="34" charset="-122"/>
+              <a:ea typeface="微软雅黑" panose="020B0503020204020204" pitchFamily="34" charset="-122"/>
+            </a:endParaRPr>
+          </a:p>
+        </p:txBody>
+      </p:sp>
+      <p:grpSp>
+        <p:nvGrpSpPr>
+          <p:cNvPr id="12" name="组合 11">
+            <a:extLst>
+              <a:ext uri="{FF2B5EF4-FFF2-40B4-BE49-F238E27FC236}">
+                <a16:creationId xmlns:a16="http://schemas.microsoft.com/office/drawing/2014/main" id="{6B8DA055-CF2F-2408-290A-E7B43CDCC67A}"/>
+              </a:ext>
+            </a:extLst>
+          </p:cNvPr>
+          <p:cNvGrpSpPr/>
+          <p:nvPr/>
+        </p:nvGrpSpPr>
+        <p:grpSpPr>
+          <a:xfrm>
+            <a:off x="6168535" y="1114547"/>
+            <a:ext cx="279400" cy="1128272"/>
+            <a:chOff x="7660640" y="853970"/>
+            <a:chExt cx="279400" cy="1128272"/>
+          </a:xfrm>
+        </p:grpSpPr>
+        <p:sp>
+          <p:nvSpPr>
+            <p:cNvPr id="13" name="椭圆 12">
+              <a:extLst>
+                <a:ext uri="{FF2B5EF4-FFF2-40B4-BE49-F238E27FC236}">
+                  <a16:creationId xmlns:a16="http://schemas.microsoft.com/office/drawing/2014/main" id="{E5F729D9-2857-BA34-4396-5B1C3D294EE2}"/>
+                </a:ext>
+              </a:extLst>
+            </p:cNvPr>
+            <p:cNvSpPr/>
+            <p:nvPr/>
+          </p:nvSpPr>
+          <p:spPr>
+            <a:xfrm>
+              <a:off x="7660640" y="853970"/>
+              <a:ext cx="279400" cy="279400"/>
+            </a:xfrm>
+            <a:prstGeom prst="ellipse">
+              <a:avLst/>
+            </a:prstGeom>
+            <a:solidFill>
+              <a:schemeClr val="accent3">
+                <a:lumMod val="20000"/>
+                <a:lumOff val="80000"/>
+              </a:schemeClr>
+            </a:solidFill>
+            <a:ln w="12700">
+              <a:solidFill>
+                <a:schemeClr val="tx1"/>
+              </a:solidFill>
+            </a:ln>
+          </p:spPr>
+          <p:style>
+            <a:lnRef idx="2">
+              <a:schemeClr val="accent1">
+                <a:shade val="50000"/>
+              </a:schemeClr>
+            </a:lnRef>
+            <a:fillRef idx="1">
+              <a:schemeClr val="accent1"/>
+            </a:fillRef>
+            <a:effectRef idx="0">
+              <a:schemeClr val="accent1"/>
+            </a:effectRef>
+            <a:fontRef idx="minor">
+              <a:schemeClr val="lt1"/>
+            </a:fontRef>
+          </p:style>
+          <p:txBody>
+            <a:bodyPr rtlCol="0" anchor="ctr"/>
+            <a:lstStyle/>
+            <a:p>
+              <a:pPr algn="ctr"/>
+              <a:endParaRPr lang="zh-CN" altLang="en-US">
+                <a:latin typeface="微软雅黑" panose="020B0503020204020204" pitchFamily="34" charset="-122"/>
+                <a:ea typeface="微软雅黑" panose="020B0503020204020204" pitchFamily="34" charset="-122"/>
+              </a:endParaRPr>
+            </a:p>
+          </p:txBody>
+        </p:sp>
+        <p:sp>
+          <p:nvSpPr>
+            <p:cNvPr id="14" name="椭圆 13">
+              <a:extLst>
+                <a:ext uri="{FF2B5EF4-FFF2-40B4-BE49-F238E27FC236}">
+                  <a16:creationId xmlns:a16="http://schemas.microsoft.com/office/drawing/2014/main" id="{E9CFCDE5-1E04-F40D-6675-7F9CBE07EF29}"/>
+                </a:ext>
+              </a:extLst>
+            </p:cNvPr>
+            <p:cNvSpPr/>
+            <p:nvPr/>
+          </p:nvSpPr>
+          <p:spPr>
+            <a:xfrm>
+              <a:off x="7660640" y="1278406"/>
+              <a:ext cx="279400" cy="279400"/>
+            </a:xfrm>
+            <a:prstGeom prst="ellipse">
+              <a:avLst/>
+            </a:prstGeom>
+            <a:solidFill>
+              <a:schemeClr val="accent3">
+                <a:lumMod val="20000"/>
+                <a:lumOff val="80000"/>
+              </a:schemeClr>
+            </a:solidFill>
+            <a:ln w="12700">
+              <a:solidFill>
+                <a:schemeClr val="tx1"/>
+              </a:solidFill>
+            </a:ln>
+          </p:spPr>
+          <p:style>
+            <a:lnRef idx="2">
+              <a:schemeClr val="accent1">
+                <a:shade val="50000"/>
+              </a:schemeClr>
+            </a:lnRef>
+            <a:fillRef idx="1">
+              <a:schemeClr val="accent1"/>
+            </a:fillRef>
+            <a:effectRef idx="0">
+              <a:schemeClr val="accent1"/>
+            </a:effectRef>
+            <a:fontRef idx="minor">
+              <a:schemeClr val="lt1"/>
+            </a:fontRef>
+          </p:style>
+          <p:txBody>
+            <a:bodyPr rtlCol="0" anchor="ctr"/>
+            <a:lstStyle/>
+            <a:p>
+              <a:pPr algn="ctr"/>
+              <a:endParaRPr lang="zh-CN" altLang="en-US">
+                <a:latin typeface="微软雅黑" panose="020B0503020204020204" pitchFamily="34" charset="-122"/>
+                <a:ea typeface="微软雅黑" panose="020B0503020204020204" pitchFamily="34" charset="-122"/>
+              </a:endParaRPr>
+            </a:p>
+          </p:txBody>
+        </p:sp>
+        <p:sp>
+          <p:nvSpPr>
+            <p:cNvPr id="15" name="椭圆 14">
+              <a:extLst>
+                <a:ext uri="{FF2B5EF4-FFF2-40B4-BE49-F238E27FC236}">
+                  <a16:creationId xmlns:a16="http://schemas.microsoft.com/office/drawing/2014/main" id="{DEC48201-5B48-B3B8-C291-3C6418E3B65E}"/>
+                </a:ext>
+              </a:extLst>
+            </p:cNvPr>
+            <p:cNvSpPr/>
+            <p:nvPr/>
+          </p:nvSpPr>
+          <p:spPr>
+            <a:xfrm>
+              <a:off x="7660640" y="1702842"/>
+              <a:ext cx="279400" cy="279400"/>
+            </a:xfrm>
+            <a:prstGeom prst="ellipse">
+              <a:avLst/>
+            </a:prstGeom>
+            <a:solidFill>
+              <a:schemeClr val="accent3">
+                <a:lumMod val="20000"/>
+                <a:lumOff val="80000"/>
+              </a:schemeClr>
+            </a:solidFill>
+            <a:ln w="12700">
+              <a:solidFill>
+                <a:schemeClr val="tx1"/>
+              </a:solidFill>
+            </a:ln>
+          </p:spPr>
+          <p:style>
+            <a:lnRef idx="2">
+              <a:schemeClr val="accent1">
+                <a:shade val="50000"/>
+              </a:schemeClr>
+            </a:lnRef>
+            <a:fillRef idx="1">
+              <a:schemeClr val="accent1"/>
+            </a:fillRef>
+            <a:effectRef idx="0">
+              <a:schemeClr val="accent1"/>
+            </a:effectRef>
+            <a:fontRef idx="minor">
+              <a:schemeClr val="lt1"/>
+            </a:fontRef>
+          </p:style>
+          <p:txBody>
+            <a:bodyPr rtlCol="0" anchor="ctr"/>
+            <a:lstStyle/>
+            <a:p>
+              <a:pPr algn="ctr"/>
+              <a:endParaRPr lang="zh-CN" altLang="en-US">
+                <a:latin typeface="微软雅黑" panose="020B0503020204020204" pitchFamily="34" charset="-122"/>
+                <a:ea typeface="微软雅黑" panose="020B0503020204020204" pitchFamily="34" charset="-122"/>
+              </a:endParaRPr>
+            </a:p>
+          </p:txBody>
+        </p:sp>
+      </p:grpSp>
+      <p:sp>
+        <p:nvSpPr>
+          <p:cNvPr id="16" name="TextBox 202">
+            <a:extLst>
+              <a:ext uri="{FF2B5EF4-FFF2-40B4-BE49-F238E27FC236}">
+                <a16:creationId xmlns:a16="http://schemas.microsoft.com/office/drawing/2014/main" id="{CE84426F-2301-4358-0F9E-52150BC7D6EC}"/>
+              </a:ext>
+            </a:extLst>
+          </p:cNvPr>
+          <p:cNvSpPr txBox="1"/>
+          <p:nvPr/>
+        </p:nvSpPr>
+        <p:spPr>
+          <a:xfrm>
+            <a:off x="5844685" y="719527"/>
+            <a:ext cx="1404000" cy="338554"/>
+          </a:xfrm>
+          <a:prstGeom prst="rect">
+            <a:avLst/>
+          </a:prstGeom>
+          <a:noFill/>
+        </p:spPr>
+        <p:txBody>
+          <a:bodyPr wrap="square" rtlCol="0">
+            <a:spAutoFit/>
+          </a:bodyPr>
+          <a:lstStyle/>
+          <a:p>
+            <a:pPr algn="ctr"/>
+            <a:r>
+              <a:rPr lang="zh-CN" altLang="en-US" sz="1600" dirty="0">
+                <a:latin typeface="微软雅黑" panose="020B0503020204020204" pitchFamily="34" charset="-122"/>
+                <a:ea typeface="微软雅黑" panose="020B0503020204020204" pitchFamily="34" charset="-122"/>
+              </a:rPr>
+              <a:t>属性特征向量</a:t>
+            </a:r>
+          </a:p>
+        </p:txBody>
+      </p:sp>
+      <p:sp>
+        <p:nvSpPr>
+          <p:cNvPr id="17" name="流程图: 过程 16">
+            <a:extLst>
+              <a:ext uri="{FF2B5EF4-FFF2-40B4-BE49-F238E27FC236}">
+                <a16:creationId xmlns:a16="http://schemas.microsoft.com/office/drawing/2014/main" id="{29818C39-5DA6-99CD-6334-FED6FF9592EE}"/>
+              </a:ext>
+            </a:extLst>
+          </p:cNvPr>
+          <p:cNvSpPr/>
+          <p:nvPr/>
+        </p:nvSpPr>
+        <p:spPr>
+          <a:xfrm>
+            <a:off x="4357118" y="1215249"/>
+            <a:ext cx="812800" cy="926868"/>
+          </a:xfrm>
+          <a:prstGeom prst="flowChartProcess">
+            <a:avLst/>
+          </a:prstGeom>
+          <a:solidFill>
+            <a:schemeClr val="bg1">
+              <a:lumMod val="95000"/>
+            </a:schemeClr>
+          </a:solidFill>
+          <a:ln w="12700" algn="ctr">
+            <a:solidFill>
+              <a:schemeClr val="tx1"/>
+            </a:solidFill>
+            <a:prstDash val="sysDash"/>
+            <a:round/>
+            <a:headEnd/>
+            <a:tailEnd/>
+          </a:ln>
+        </p:spPr>
+        <p:txBody>
+          <a:bodyPr anchor="ctr" anchorCtr="0"/>
+          <a:lstStyle/>
+          <a:p>
+            <a:pPr algn="ctr"/>
+            <a:r>
+              <a:rPr lang="en-US" altLang="zh-CN" sz="1600" dirty="0">
+                <a:latin typeface="微软雅黑" panose="020B0503020204020204" pitchFamily="34" charset="-122"/>
+                <a:ea typeface="微软雅黑" panose="020B0503020204020204" pitchFamily="34" charset="-122"/>
+              </a:rPr>
+              <a:t>Bi LSTM</a:t>
+            </a:r>
+            <a:endParaRPr lang="zh-CN" altLang="en-US" sz="1600" dirty="0">
+              <a:solidFill>
+                <a:schemeClr val="tx1"/>
+              </a:solidFill>
+              <a:latin typeface="微软雅黑" pitchFamily="34" charset="-122"/>
+              <a:ea typeface="微软雅黑" panose="020B0503020204020204" pitchFamily="34" charset="-122"/>
+            </a:endParaRPr>
+          </a:p>
+        </p:txBody>
+      </p:sp>
+      <p:sp>
+        <p:nvSpPr>
+          <p:cNvPr id="18" name="燕尾形 240">
+            <a:extLst>
+              <a:ext uri="{FF2B5EF4-FFF2-40B4-BE49-F238E27FC236}">
+                <a16:creationId xmlns:a16="http://schemas.microsoft.com/office/drawing/2014/main" id="{9E7234D3-3978-B3B5-4B01-91F094CA8840}"/>
+              </a:ext>
+            </a:extLst>
+          </p:cNvPr>
+          <p:cNvSpPr/>
+          <p:nvPr/>
+        </p:nvSpPr>
+        <p:spPr>
+          <a:xfrm>
+            <a:off x="1674492" y="1552683"/>
+            <a:ext cx="252000" cy="252000"/>
+          </a:xfrm>
+          <a:prstGeom prst="chevron">
+            <a:avLst/>
+          </a:prstGeom>
+          <a:solidFill>
+            <a:srgbClr val="FDF2EA"/>
+          </a:solidFill>
+          <a:ln>
+            <a:solidFill>
+              <a:schemeClr val="tx1"/>
+            </a:solidFill>
+          </a:ln>
+        </p:spPr>
+        <p:style>
+          <a:lnRef idx="2">
+            <a:schemeClr val="accent1">
+              <a:shade val="50000"/>
+            </a:schemeClr>
+          </a:lnRef>
+          <a:fillRef idx="1">
+            <a:schemeClr val="accent1"/>
+          </a:fillRef>
+          <a:effectRef idx="0">
+            <a:schemeClr val="accent1"/>
+          </a:effectRef>
+          <a:fontRef idx="minor">
+            <a:schemeClr val="lt1"/>
+          </a:fontRef>
+        </p:style>
+        <p:txBody>
+          <a:bodyPr rtlCol="0" anchor="ctr"/>
+          <a:lstStyle/>
+          <a:p>
+            <a:pPr algn="ctr"/>
+            <a:endParaRPr lang="zh-CN" altLang="en-US">
+              <a:solidFill>
+                <a:schemeClr val="tx1"/>
+              </a:solidFill>
+              <a:latin typeface="微软雅黑" panose="020B0503020204020204" pitchFamily="34" charset="-122"/>
+              <a:ea typeface="微软雅黑" panose="020B0503020204020204" pitchFamily="34" charset="-122"/>
+            </a:endParaRPr>
+          </a:p>
+        </p:txBody>
+      </p:sp>
+      <p:sp>
+        <p:nvSpPr>
+          <p:cNvPr id="19" name="燕尾形 241">
+            <a:extLst>
+              <a:ext uri="{FF2B5EF4-FFF2-40B4-BE49-F238E27FC236}">
+                <a16:creationId xmlns:a16="http://schemas.microsoft.com/office/drawing/2014/main" id="{1221E4BD-CB2B-343C-92B9-C3974AD63321}"/>
+              </a:ext>
+            </a:extLst>
+          </p:cNvPr>
+          <p:cNvSpPr/>
+          <p:nvPr/>
+        </p:nvSpPr>
+        <p:spPr>
+          <a:xfrm>
+            <a:off x="3830727" y="1552683"/>
+            <a:ext cx="252000" cy="252000"/>
+          </a:xfrm>
+          <a:prstGeom prst="chevron">
+            <a:avLst/>
+          </a:prstGeom>
+          <a:solidFill>
+            <a:srgbClr val="FDF2EA"/>
+          </a:solidFill>
+          <a:ln>
+            <a:solidFill>
+              <a:schemeClr val="tx1"/>
+            </a:solidFill>
+          </a:ln>
+        </p:spPr>
+        <p:style>
+          <a:lnRef idx="2">
+            <a:schemeClr val="accent1">
+              <a:shade val="50000"/>
+            </a:schemeClr>
+          </a:lnRef>
+          <a:fillRef idx="1">
+            <a:schemeClr val="accent1"/>
+          </a:fillRef>
+          <a:effectRef idx="0">
+            <a:schemeClr val="accent1"/>
+          </a:effectRef>
+          <a:fontRef idx="minor">
+            <a:schemeClr val="lt1"/>
+          </a:fontRef>
+        </p:style>
+        <p:txBody>
+          <a:bodyPr rtlCol="0" anchor="ctr"/>
+          <a:lstStyle/>
+          <a:p>
+            <a:pPr algn="ctr"/>
+            <a:endParaRPr lang="zh-CN" altLang="en-US">
+              <a:solidFill>
+                <a:schemeClr val="tx1"/>
+              </a:solidFill>
+              <a:latin typeface="微软雅黑" panose="020B0503020204020204" pitchFamily="34" charset="-122"/>
+              <a:ea typeface="微软雅黑" panose="020B0503020204020204" pitchFamily="34" charset="-122"/>
+            </a:endParaRPr>
+          </a:p>
+        </p:txBody>
+      </p:sp>
+      <p:sp>
+        <p:nvSpPr>
+          <p:cNvPr id="20" name="燕尾形 242">
+            <a:extLst>
+              <a:ext uri="{FF2B5EF4-FFF2-40B4-BE49-F238E27FC236}">
+                <a16:creationId xmlns:a16="http://schemas.microsoft.com/office/drawing/2014/main" id="{220A6A3A-C37D-B3C1-C24D-4719B2965157}"/>
+              </a:ext>
+            </a:extLst>
+          </p:cNvPr>
+          <p:cNvSpPr/>
+          <p:nvPr/>
+        </p:nvSpPr>
+        <p:spPr>
+          <a:xfrm>
+            <a:off x="5451779" y="1552683"/>
+            <a:ext cx="252000" cy="252000"/>
+          </a:xfrm>
+          <a:prstGeom prst="chevron">
+            <a:avLst/>
+          </a:prstGeom>
+          <a:solidFill>
+            <a:srgbClr val="FDF2EA"/>
+          </a:solidFill>
+          <a:ln>
+            <a:solidFill>
+              <a:schemeClr val="tx1"/>
+            </a:solidFill>
+          </a:ln>
+        </p:spPr>
+        <p:style>
+          <a:lnRef idx="2">
+            <a:schemeClr val="accent1">
+              <a:shade val="50000"/>
+            </a:schemeClr>
+          </a:lnRef>
+          <a:fillRef idx="1">
+            <a:schemeClr val="accent1"/>
+          </a:fillRef>
+          <a:effectRef idx="0">
+            <a:schemeClr val="accent1"/>
+          </a:effectRef>
+          <a:fontRef idx="minor">
+            <a:schemeClr val="lt1"/>
+          </a:fontRef>
+        </p:style>
+        <p:txBody>
+          <a:bodyPr rtlCol="0" anchor="ctr"/>
+          <a:lstStyle/>
+          <a:p>
+            <a:pPr algn="ctr"/>
+            <a:endParaRPr lang="zh-CN" altLang="en-US">
+              <a:solidFill>
+                <a:schemeClr val="tx1"/>
+              </a:solidFill>
+              <a:latin typeface="微软雅黑" panose="020B0503020204020204" pitchFamily="34" charset="-122"/>
+              <a:ea typeface="微软雅黑" panose="020B0503020204020204" pitchFamily="34" charset="-122"/>
+            </a:endParaRPr>
+          </a:p>
+        </p:txBody>
+      </p:sp>
+      <mc:AlternateContent xmlns:mc="http://schemas.openxmlformats.org/markup-compatibility/2006">
+        <mc:Choice xmlns:a14="http://schemas.microsoft.com/office/drawing/2010/main" Requires="a14">
+          <p:sp>
+            <p:nvSpPr>
+              <p:cNvPr id="21" name="矩形 20">
+                <a:extLst>
+                  <a:ext uri="{FF2B5EF4-FFF2-40B4-BE49-F238E27FC236}">
+                    <a16:creationId xmlns:a16="http://schemas.microsoft.com/office/drawing/2014/main" id="{C4B41C00-5EF0-53E9-ECFB-0389B49C7ED5}"/>
+                  </a:ext>
+                </a:extLst>
+              </p:cNvPr>
+              <p:cNvSpPr/>
+              <p:nvPr/>
+            </p:nvSpPr>
+            <p:spPr>
+              <a:xfrm>
+                <a:off x="6438085" y="1487862"/>
+                <a:ext cx="900183" cy="381643"/>
+              </a:xfrm>
+              <a:prstGeom prst="rect">
+                <a:avLst/>
+              </a:prstGeom>
+            </p:spPr>
+            <p:txBody>
+              <a:bodyPr wrap="none">
+                <a:spAutoFit/>
+              </a:bodyPr>
+              <a:lstStyle/>
+              <a:p>
+                <a:pPr/>
+                <a14:m>
+                  <m:oMathPara xmlns:m="http://schemas.openxmlformats.org/officeDocument/2006/math">
+                    <m:oMathParaPr>
+                      <m:jc m:val="centerGroup"/>
+                    </m:oMathParaPr>
+                    <m:oMath xmlns:m="http://schemas.openxmlformats.org/officeDocument/2006/math">
+                      <m:sSup>
+                        <m:sSupPr>
+                          <m:ctrlPr>
+                            <a:rPr lang="en-US" altLang="zh-CN" i="1">
+                              <a:latin typeface="Cambria Math" panose="02040503050406030204" pitchFamily="18" charset="0"/>
+                            </a:rPr>
+                          </m:ctrlPr>
+                        </m:sSupPr>
+                        <m:e>
+                          <m:r>
+                            <a:rPr lang="en-US" altLang="zh-CN">
+                              <a:latin typeface="Cambria Math"/>
+                            </a:rPr>
+                            <m:t>𝑣</m:t>
+                          </m:r>
+                        </m:e>
+                        <m:sup>
+                          <m:r>
+                            <a:rPr lang="en-US" altLang="zh-CN">
+                              <a:latin typeface="Cambria Math"/>
+                            </a:rPr>
+                            <m:t>𝑇</m:t>
+                          </m:r>
+                          <m:r>
+                            <m:rPr>
+                              <m:sty m:val="p"/>
+                            </m:rPr>
+                            <a:rPr lang="en-US" altLang="zh-CN">
+                              <a:latin typeface="Cambria Math"/>
+                            </a:rPr>
+                            <m:t>oken</m:t>
+                          </m:r>
+                        </m:sup>
+                      </m:sSup>
+                    </m:oMath>
+                  </m:oMathPara>
+                </a14:m>
+                <a:endParaRPr lang="zh-CN" altLang="en-US" dirty="0">
+                  <a:latin typeface="微软雅黑" panose="020B0503020204020204" pitchFamily="34" charset="-122"/>
+                  <a:ea typeface="微软雅黑" panose="020B0503020204020204" pitchFamily="34" charset="-122"/>
+                </a:endParaRPr>
+              </a:p>
+            </p:txBody>
+          </p:sp>
+        </mc:Choice>
+        <mc:Fallback>
+          <p:sp>
+            <p:nvSpPr>
+              <p:cNvPr id="21" name="矩形 20">
+                <a:extLst>
+                  <a:ext uri="{FF2B5EF4-FFF2-40B4-BE49-F238E27FC236}">
+                    <a16:creationId xmlns:a16="http://schemas.microsoft.com/office/drawing/2014/main" id="{C4B41C00-5EF0-53E9-ECFB-0389B49C7ED5}"/>
+                  </a:ext>
+                </a:extLst>
+              </p:cNvPr>
+              <p:cNvSpPr>
+                <a:spLocks noRot="1" noChangeAspect="1" noMove="1" noResize="1" noEditPoints="1" noAdjustHandles="1" noChangeArrowheads="1" noChangeShapeType="1" noTextEdit="1"/>
+              </p:cNvSpPr>
+              <p:nvPr/>
+            </p:nvSpPr>
+            <p:spPr>
+              <a:xfrm>
+                <a:off x="6438085" y="1487862"/>
+                <a:ext cx="900183" cy="381643"/>
+              </a:xfrm>
+              <a:prstGeom prst="rect">
+                <a:avLst/>
+              </a:prstGeom>
+              <a:blipFill>
+                <a:blip r:embed="rId4"/>
+                <a:stretch>
+                  <a:fillRect/>
+                </a:stretch>
+              </a:blipFill>
+            </p:spPr>
+            <p:txBody>
+              <a:bodyPr/>
+              <a:lstStyle/>
+              <a:p>
+                <a:r>
+                  <a:rPr lang="zh-CN" altLang="en-US">
+                    <a:noFill/>
+                  </a:rPr>
+                  <a:t> </a:t>
+                </a:r>
+              </a:p>
+            </p:txBody>
+          </p:sp>
+        </mc:Fallback>
+      </mc:AlternateContent>
+      <p:sp>
+        <p:nvSpPr>
+          <p:cNvPr id="22" name="TextBox 247">
+            <a:extLst>
+              <a:ext uri="{FF2B5EF4-FFF2-40B4-BE49-F238E27FC236}">
+                <a16:creationId xmlns:a16="http://schemas.microsoft.com/office/drawing/2014/main" id="{18011538-7BAD-AAB9-0C94-C71E267FCF63}"/>
+              </a:ext>
+            </a:extLst>
+          </p:cNvPr>
+          <p:cNvSpPr txBox="1"/>
+          <p:nvPr/>
+        </p:nvSpPr>
+        <p:spPr>
+          <a:xfrm>
+            <a:off x="4061518" y="721255"/>
+            <a:ext cx="1404000" cy="338554"/>
+          </a:xfrm>
+          <a:prstGeom prst="rect">
+            <a:avLst/>
+          </a:prstGeom>
+          <a:noFill/>
+        </p:spPr>
+        <p:txBody>
+          <a:bodyPr wrap="square" rtlCol="0">
+            <a:spAutoFit/>
+          </a:bodyPr>
+          <a:lstStyle/>
+          <a:p>
+            <a:pPr algn="ctr"/>
+            <a:r>
+              <a:rPr lang="zh-CN" altLang="en-US" sz="1600" dirty="0">
+                <a:latin typeface="微软雅黑" panose="020B0503020204020204" pitchFamily="34" charset="-122"/>
+                <a:ea typeface="微软雅黑" panose="020B0503020204020204" pitchFamily="34" charset="-122"/>
+              </a:rPr>
+              <a:t>表征模型</a:t>
+            </a:r>
+          </a:p>
+        </p:txBody>
+      </p:sp>
+      <p:sp>
+        <p:nvSpPr>
+          <p:cNvPr id="23" name="流程图: 数据 6">
+            <a:extLst>
+              <a:ext uri="{FF2B5EF4-FFF2-40B4-BE49-F238E27FC236}">
+                <a16:creationId xmlns:a16="http://schemas.microsoft.com/office/drawing/2014/main" id="{C2F1A7AD-0B76-F65E-85FA-A85B52414AD7}"/>
+              </a:ext>
+            </a:extLst>
+          </p:cNvPr>
+          <p:cNvSpPr>
+            <a:spLocks noChangeArrowheads="1"/>
+          </p:cNvSpPr>
+          <p:nvPr/>
+        </p:nvSpPr>
+        <p:spPr bwMode="auto">
+          <a:xfrm>
+            <a:off x="2008141" y="1032676"/>
+            <a:ext cx="1702902" cy="1346067"/>
+          </a:xfrm>
+          <a:prstGeom prst="roundRect">
+            <a:avLst>
+              <a:gd name="adj" fmla="val 8196"/>
+            </a:avLst>
+          </a:prstGeom>
+          <a:solidFill>
+            <a:schemeClr val="bg1">
+              <a:lumMod val="95000"/>
+            </a:schemeClr>
+          </a:solidFill>
+          <a:ln w="9525" algn="ctr">
+            <a:solidFill>
+              <a:schemeClr val="tx1"/>
+            </a:solidFill>
+            <a:round/>
+            <a:headEnd/>
+            <a:tailEnd/>
+          </a:ln>
+        </p:spPr>
+        <p:txBody>
+          <a:bodyPr anchor="ctr" anchorCtr="0"/>
+          <a:lstStyle/>
+          <a:p>
+            <a:pPr algn="ctr"/>
+            <a:endParaRPr lang="zh-CN" altLang="en-US" sz="1600" dirty="0">
+              <a:latin typeface="微软雅黑" panose="020B0503020204020204" pitchFamily="34" charset="-122"/>
+              <a:ea typeface="微软雅黑" panose="020B0503020204020204" pitchFamily="34" charset="-122"/>
+            </a:endParaRPr>
+          </a:p>
+        </p:txBody>
+      </p:sp>
+      <p:sp>
+        <p:nvSpPr>
+          <p:cNvPr id="24" name="流程图: 过程 23">
+            <a:extLst>
+              <a:ext uri="{FF2B5EF4-FFF2-40B4-BE49-F238E27FC236}">
+                <a16:creationId xmlns:a16="http://schemas.microsoft.com/office/drawing/2014/main" id="{4C4EF96F-9A37-23DF-C8BD-A6819D9EAF41}"/>
+              </a:ext>
+            </a:extLst>
+          </p:cNvPr>
+          <p:cNvSpPr/>
+          <p:nvPr/>
+        </p:nvSpPr>
+        <p:spPr>
+          <a:xfrm>
+            <a:off x="2155880" y="1133355"/>
+            <a:ext cx="540000" cy="468000"/>
+          </a:xfrm>
+          <a:prstGeom prst="flowChartProcess">
+            <a:avLst/>
+          </a:prstGeom>
+          <a:solidFill>
+            <a:schemeClr val="bg1">
+              <a:lumMod val="85000"/>
+            </a:schemeClr>
+          </a:solidFill>
+          <a:ln w="9525" algn="ctr">
+            <a:solidFill>
+              <a:schemeClr val="tx1"/>
+            </a:solidFill>
+            <a:round/>
+            <a:headEnd/>
+            <a:tailEnd/>
+          </a:ln>
+        </p:spPr>
+        <p:txBody>
+          <a:bodyPr anchor="ctr" anchorCtr="0"/>
+          <a:lstStyle/>
+          <a:p>
+            <a:pPr algn="ctr"/>
+            <a:r>
+              <a:rPr lang="zh-CN" altLang="en-US" sz="1400" dirty="0">
+                <a:latin typeface="微软雅黑" panose="020B0503020204020204" pitchFamily="34" charset="-122"/>
+                <a:ea typeface="微软雅黑" panose="020B0503020204020204" pitchFamily="34" charset="-122"/>
+              </a:rPr>
+              <a:t>相邻单元</a:t>
+            </a:r>
+            <a:endParaRPr lang="zh-CN" altLang="en-US" sz="1400" dirty="0">
+              <a:solidFill>
+                <a:schemeClr val="tx1"/>
+              </a:solidFill>
+              <a:latin typeface="微软雅黑" panose="020B0503020204020204" pitchFamily="34" charset="-122"/>
+              <a:ea typeface="微软雅黑" panose="020B0503020204020204" pitchFamily="34" charset="-122"/>
+            </a:endParaRPr>
+          </a:p>
+        </p:txBody>
+      </p:sp>
+      <p:sp>
+        <p:nvSpPr>
+          <p:cNvPr id="25" name="流程图: 过程 24">
+            <a:extLst>
+              <a:ext uri="{FF2B5EF4-FFF2-40B4-BE49-F238E27FC236}">
+                <a16:creationId xmlns:a16="http://schemas.microsoft.com/office/drawing/2014/main" id="{DDFE2B5A-A834-B3B0-3B26-17795D309BCD}"/>
+              </a:ext>
+            </a:extLst>
+          </p:cNvPr>
+          <p:cNvSpPr/>
+          <p:nvPr/>
+        </p:nvSpPr>
+        <p:spPr>
+          <a:xfrm>
+            <a:off x="3021948" y="1774819"/>
+            <a:ext cx="540000" cy="468000"/>
+          </a:xfrm>
+          <a:prstGeom prst="flowChartProcess">
+            <a:avLst/>
+          </a:prstGeom>
+          <a:solidFill>
+            <a:schemeClr val="bg1">
+              <a:lumMod val="85000"/>
+            </a:schemeClr>
+          </a:solidFill>
+          <a:ln w="9525" algn="ctr">
+            <a:solidFill>
+              <a:schemeClr val="tx1"/>
+            </a:solidFill>
+            <a:round/>
+            <a:headEnd/>
+            <a:tailEnd/>
+          </a:ln>
+        </p:spPr>
+        <p:txBody>
+          <a:bodyPr anchor="ctr" anchorCtr="0"/>
+          <a:lstStyle/>
+          <a:p>
+            <a:pPr algn="ctr"/>
+            <a:r>
+              <a:rPr lang="zh-CN" altLang="en-US" sz="1400" dirty="0">
+                <a:solidFill>
+                  <a:schemeClr val="tx1"/>
+                </a:solidFill>
+                <a:latin typeface="微软雅黑" panose="020B0503020204020204" pitchFamily="34" charset="-122"/>
+                <a:ea typeface="微软雅黑" panose="020B0503020204020204" pitchFamily="34" charset="-122"/>
+              </a:rPr>
+              <a:t>迭代</a:t>
+            </a:r>
+          </a:p>
+        </p:txBody>
+      </p:sp>
+      <p:sp>
+        <p:nvSpPr>
+          <p:cNvPr id="26" name="流程图: 过程 25">
+            <a:extLst>
+              <a:ext uri="{FF2B5EF4-FFF2-40B4-BE49-F238E27FC236}">
+                <a16:creationId xmlns:a16="http://schemas.microsoft.com/office/drawing/2014/main" id="{37D03970-561F-9120-9B7C-9DD5711E70EE}"/>
+              </a:ext>
+            </a:extLst>
+          </p:cNvPr>
+          <p:cNvSpPr/>
+          <p:nvPr/>
+        </p:nvSpPr>
+        <p:spPr>
+          <a:xfrm>
+            <a:off x="2837217" y="1133355"/>
+            <a:ext cx="724731" cy="463590"/>
+          </a:xfrm>
+          <a:prstGeom prst="flowChartProcess">
+            <a:avLst/>
+          </a:prstGeom>
+          <a:solidFill>
+            <a:schemeClr val="bg1">
+              <a:lumMod val="85000"/>
+            </a:schemeClr>
+          </a:solidFill>
+          <a:ln w="9525" algn="ctr">
+            <a:solidFill>
+              <a:schemeClr val="tx1"/>
+            </a:solidFill>
+            <a:round/>
+            <a:headEnd/>
+            <a:tailEnd/>
+          </a:ln>
+        </p:spPr>
+        <p:txBody>
+          <a:bodyPr anchor="ctr" anchorCtr="0"/>
+          <a:lstStyle/>
+          <a:p>
+            <a:pPr algn="ctr"/>
+            <a:r>
+              <a:rPr lang="zh-CN" altLang="en-US" sz="1400" dirty="0">
+                <a:solidFill>
+                  <a:schemeClr val="tx1"/>
+                </a:solidFill>
+                <a:latin typeface="微软雅黑" pitchFamily="34" charset="-122"/>
+                <a:ea typeface="微软雅黑" pitchFamily="34" charset="-122"/>
+              </a:rPr>
+              <a:t>更新</a:t>
+            </a:r>
+            <a:endParaRPr lang="en-US" altLang="zh-CN" sz="1400" dirty="0">
+              <a:solidFill>
+                <a:schemeClr val="tx1"/>
+              </a:solidFill>
+              <a:latin typeface="微软雅黑" pitchFamily="34" charset="-122"/>
+              <a:ea typeface="微软雅黑" pitchFamily="34" charset="-122"/>
+            </a:endParaRPr>
+          </a:p>
+          <a:p>
+            <a:pPr algn="ctr"/>
+            <a:r>
+              <a:rPr lang="zh-CN" altLang="en-US" sz="1400" dirty="0">
+                <a:solidFill>
+                  <a:schemeClr val="tx1"/>
+                </a:solidFill>
+                <a:latin typeface="微软雅黑" pitchFamily="34" charset="-122"/>
+                <a:ea typeface="微软雅黑" pitchFamily="34" charset="-122"/>
+              </a:rPr>
+              <a:t>词汇表</a:t>
+            </a:r>
+          </a:p>
+        </p:txBody>
+      </p:sp>
+      <p:sp>
+        <p:nvSpPr>
+          <p:cNvPr id="27" name="流程图: 过程 26">
+            <a:extLst>
+              <a:ext uri="{FF2B5EF4-FFF2-40B4-BE49-F238E27FC236}">
+                <a16:creationId xmlns:a16="http://schemas.microsoft.com/office/drawing/2014/main" id="{21284261-D993-5BF0-566D-C8D796BF7DAB}"/>
+              </a:ext>
+            </a:extLst>
+          </p:cNvPr>
+          <p:cNvSpPr/>
+          <p:nvPr/>
+        </p:nvSpPr>
+        <p:spPr>
+          <a:xfrm>
+            <a:off x="2155880" y="1774819"/>
+            <a:ext cx="540000" cy="468000"/>
+          </a:xfrm>
+          <a:prstGeom prst="flowChartProcess">
+            <a:avLst/>
+          </a:prstGeom>
+          <a:solidFill>
+            <a:schemeClr val="bg1">
+              <a:lumMod val="85000"/>
+            </a:schemeClr>
+          </a:solidFill>
+          <a:ln w="9525" algn="ctr">
+            <a:solidFill>
+              <a:schemeClr val="tx1"/>
+            </a:solidFill>
+            <a:round/>
+            <a:headEnd/>
+            <a:tailEnd/>
+          </a:ln>
+        </p:spPr>
+        <p:txBody>
+          <a:bodyPr lIns="0" tIns="0" rIns="0" bIns="0" anchor="ctr" anchorCtr="0"/>
+          <a:lstStyle/>
+          <a:p>
+            <a:pPr algn="ctr"/>
+            <a:r>
+              <a:rPr lang="zh-CN" altLang="en-US" sz="1400" dirty="0">
+                <a:solidFill>
+                  <a:schemeClr val="tx1"/>
+                </a:solidFill>
+                <a:latin typeface="微软雅黑" pitchFamily="34" charset="-122"/>
+                <a:ea typeface="微软雅黑" pitchFamily="34" charset="-122"/>
+              </a:rPr>
+              <a:t>计算</a:t>
+            </a:r>
+            <a:endParaRPr lang="en-US" altLang="zh-CN" sz="1400" dirty="0">
+              <a:solidFill>
+                <a:schemeClr val="tx1"/>
+              </a:solidFill>
+              <a:latin typeface="微软雅黑" pitchFamily="34" charset="-122"/>
+              <a:ea typeface="微软雅黑" pitchFamily="34" charset="-122"/>
+            </a:endParaRPr>
+          </a:p>
+          <a:p>
+            <a:pPr algn="ctr"/>
+            <a:r>
+              <a:rPr lang="zh-CN" altLang="en-US" sz="1400" dirty="0">
+                <a:solidFill>
+                  <a:schemeClr val="tx1"/>
+                </a:solidFill>
+                <a:latin typeface="微软雅黑" pitchFamily="34" charset="-122"/>
+                <a:ea typeface="微软雅黑" pitchFamily="34" charset="-122"/>
+              </a:rPr>
+              <a:t>频率</a:t>
+            </a:r>
+          </a:p>
+        </p:txBody>
+      </p:sp>
+      <p:cxnSp>
+        <p:nvCxnSpPr>
+          <p:cNvPr id="28" name="直接箭头连接符 27">
+            <a:extLst>
+              <a:ext uri="{FF2B5EF4-FFF2-40B4-BE49-F238E27FC236}">
+                <a16:creationId xmlns:a16="http://schemas.microsoft.com/office/drawing/2014/main" id="{FEBC0415-D52D-1F81-E32A-5062A7D69036}"/>
+              </a:ext>
+            </a:extLst>
+          </p:cNvPr>
+          <p:cNvCxnSpPr/>
+          <p:nvPr/>
+        </p:nvCxnSpPr>
+        <p:spPr>
+          <a:xfrm>
+            <a:off x="2435945" y="1601355"/>
+            <a:ext cx="0" cy="157067"/>
+          </a:xfrm>
+          <a:prstGeom prst="straightConnector1">
+            <a:avLst/>
+          </a:prstGeom>
+          <a:ln w="12700">
+            <a:solidFill>
+              <a:schemeClr val="tx1"/>
+            </a:solidFill>
+            <a:headEnd type="none" w="med" len="med"/>
+            <a:tailEnd type="triangle" w="med" len="med"/>
+          </a:ln>
+        </p:spPr>
+        <p:style>
+          <a:lnRef idx="1">
+            <a:schemeClr val="accent1"/>
+          </a:lnRef>
+          <a:fillRef idx="0">
+            <a:schemeClr val="accent1"/>
+          </a:fillRef>
+          <a:effectRef idx="0">
+            <a:schemeClr val="accent1"/>
+          </a:effectRef>
+          <a:fontRef idx="minor">
+            <a:schemeClr val="tx1"/>
+          </a:fontRef>
+        </p:style>
+      </p:cxnSp>
+      <p:cxnSp>
+        <p:nvCxnSpPr>
+          <p:cNvPr id="29" name="直接箭头连接符 28">
+            <a:extLst>
+              <a:ext uri="{FF2B5EF4-FFF2-40B4-BE49-F238E27FC236}">
+                <a16:creationId xmlns:a16="http://schemas.microsoft.com/office/drawing/2014/main" id="{388ED630-2ECF-7432-D130-FC5DEB7F8A98}"/>
+              </a:ext>
+            </a:extLst>
+          </p:cNvPr>
+          <p:cNvCxnSpPr>
+            <a:stCxn id="27" idx="3"/>
+            <a:endCxn id="25" idx="1"/>
+          </p:cNvCxnSpPr>
+          <p:nvPr/>
+        </p:nvCxnSpPr>
+        <p:spPr>
+          <a:xfrm>
+            <a:off x="2695880" y="2008819"/>
+            <a:ext cx="326068" cy="0"/>
+          </a:xfrm>
+          <a:prstGeom prst="straightConnector1">
+            <a:avLst/>
+          </a:prstGeom>
+          <a:ln w="12700">
+            <a:solidFill>
+              <a:schemeClr val="tx1"/>
+            </a:solidFill>
+            <a:headEnd type="none" w="med" len="med"/>
+            <a:tailEnd type="triangle" w="med" len="med"/>
+          </a:ln>
+        </p:spPr>
+        <p:style>
+          <a:lnRef idx="1">
+            <a:schemeClr val="accent1"/>
+          </a:lnRef>
+          <a:fillRef idx="0">
+            <a:schemeClr val="accent1"/>
+          </a:fillRef>
+          <a:effectRef idx="0">
+            <a:schemeClr val="accent1"/>
+          </a:effectRef>
+          <a:fontRef idx="minor">
+            <a:schemeClr val="tx1"/>
+          </a:fontRef>
+        </p:style>
+      </p:cxnSp>
+      <p:cxnSp>
+        <p:nvCxnSpPr>
+          <p:cNvPr id="30" name="直接箭头连接符 29">
+            <a:extLst>
+              <a:ext uri="{FF2B5EF4-FFF2-40B4-BE49-F238E27FC236}">
+                <a16:creationId xmlns:a16="http://schemas.microsoft.com/office/drawing/2014/main" id="{1571004A-A679-9FF8-A8FC-AEDCCA9C2ED7}"/>
+              </a:ext>
+            </a:extLst>
+          </p:cNvPr>
+          <p:cNvCxnSpPr>
+            <a:stCxn id="25" idx="0"/>
+          </p:cNvCxnSpPr>
+          <p:nvPr/>
+        </p:nvCxnSpPr>
+        <p:spPr>
+          <a:xfrm flipV="1">
+            <a:off x="3291948" y="1601355"/>
+            <a:ext cx="0" cy="173464"/>
+          </a:xfrm>
+          <a:prstGeom prst="straightConnector1">
+            <a:avLst/>
+          </a:prstGeom>
+          <a:ln w="12700">
+            <a:solidFill>
+              <a:schemeClr val="tx1"/>
+            </a:solidFill>
+            <a:headEnd type="none" w="med" len="med"/>
+            <a:tailEnd type="triangle" w="med" len="med"/>
+          </a:ln>
+        </p:spPr>
+        <p:style>
+          <a:lnRef idx="1">
+            <a:schemeClr val="accent1"/>
+          </a:lnRef>
+          <a:fillRef idx="0">
+            <a:schemeClr val="accent1"/>
+          </a:fillRef>
+          <a:effectRef idx="0">
+            <a:schemeClr val="accent1"/>
+          </a:effectRef>
+          <a:fontRef idx="minor">
+            <a:schemeClr val="tx1"/>
+          </a:fontRef>
+        </p:style>
+      </p:cxnSp>
+      <p:cxnSp>
+        <p:nvCxnSpPr>
+          <p:cNvPr id="31" name="直接箭头连接符 30">
+            <a:extLst>
+              <a:ext uri="{FF2B5EF4-FFF2-40B4-BE49-F238E27FC236}">
+                <a16:creationId xmlns:a16="http://schemas.microsoft.com/office/drawing/2014/main" id="{9DA0BE8E-AAA2-8193-4357-AACB0F3F3385}"/>
+              </a:ext>
+            </a:extLst>
+          </p:cNvPr>
+          <p:cNvCxnSpPr>
+            <a:stCxn id="26" idx="1"/>
+            <a:endCxn id="24" idx="3"/>
+          </p:cNvCxnSpPr>
+          <p:nvPr/>
+        </p:nvCxnSpPr>
+        <p:spPr>
+          <a:xfrm flipH="1">
+            <a:off x="2695880" y="1365150"/>
+            <a:ext cx="141337" cy="2205"/>
+          </a:xfrm>
+          <a:prstGeom prst="straightConnector1">
+            <a:avLst/>
+          </a:prstGeom>
+          <a:ln w="12700">
+            <a:solidFill>
+              <a:schemeClr val="tx1"/>
+            </a:solidFill>
+            <a:headEnd type="none" w="med" len="med"/>
+            <a:tailEnd type="triangle" w="med" len="med"/>
+          </a:ln>
+        </p:spPr>
+        <p:style>
+          <a:lnRef idx="1">
+            <a:schemeClr val="accent1"/>
+          </a:lnRef>
+          <a:fillRef idx="0">
+            <a:schemeClr val="accent1"/>
+          </a:fillRef>
+          <a:effectRef idx="0">
+            <a:schemeClr val="accent1"/>
+          </a:effectRef>
+          <a:fontRef idx="minor">
+            <a:schemeClr val="tx1"/>
+          </a:fontRef>
+        </p:style>
+      </p:cxnSp>
     </p:spTree>
     <p:extLst>
       <p:ext uri="{BB962C8B-B14F-4D97-AF65-F5344CB8AC3E}">
@@ -5241,10 +6870,2092 @@
       </p:grpSpPr>
       <p:sp>
         <p:nvSpPr>
-          <p:cNvPr id="2" name="文本框 1">
+          <p:cNvPr id="45" name="矩形 44">
             <a:extLst>
               <a:ext uri="{FF2B5EF4-FFF2-40B4-BE49-F238E27FC236}">
-                <a16:creationId xmlns:a16="http://schemas.microsoft.com/office/drawing/2014/main" id="{7CCBD6CE-971E-378C-3799-17506DE18EC6}"/>
+                <a16:creationId xmlns:a16="http://schemas.microsoft.com/office/drawing/2014/main" id="{33049244-EC8C-EC0E-4A29-2E8E702F4CE1}"/>
+              </a:ext>
+            </a:extLst>
+          </p:cNvPr>
+          <p:cNvSpPr/>
+          <p:nvPr/>
+        </p:nvSpPr>
+        <p:spPr>
+          <a:xfrm>
+            <a:off x="179785" y="3665469"/>
+            <a:ext cx="5685014" cy="1440000"/>
+          </a:xfrm>
+          <a:prstGeom prst="rect">
+            <a:avLst/>
+          </a:prstGeom>
+          <a:solidFill>
+            <a:srgbClr val="9BBBE1">
+              <a:alpha val="50000"/>
+            </a:srgbClr>
+          </a:solidFill>
+          <a:ln>
+            <a:noFill/>
+            <a:prstDash val="sysDot"/>
+          </a:ln>
+        </p:spPr>
+        <p:style>
+          <a:lnRef idx="2">
+            <a:schemeClr val="accent1">
+              <a:shade val="15000"/>
+            </a:schemeClr>
+          </a:lnRef>
+          <a:fillRef idx="1">
+            <a:schemeClr val="accent1"/>
+          </a:fillRef>
+          <a:effectRef idx="0">
+            <a:schemeClr val="accent1"/>
+          </a:effectRef>
+          <a:fontRef idx="minor">
+            <a:schemeClr val="lt1"/>
+          </a:fontRef>
+        </p:style>
+        <p:txBody>
+          <a:bodyPr rtlCol="0" anchor="ctr"/>
+          <a:lstStyle/>
+          <a:p>
+            <a:pPr algn="ctr"/>
+            <a:endParaRPr lang="zh-CN" altLang="en-US" dirty="0">
+              <a:latin typeface="微软雅黑" panose="020B0503020204020204" pitchFamily="34" charset="-122"/>
+              <a:ea typeface="微软雅黑" panose="020B0503020204020204" pitchFamily="34" charset="-122"/>
+              <a:cs typeface="Times New Roman" panose="02020603050405020304" pitchFamily="18" charset="0"/>
+            </a:endParaRPr>
+          </a:p>
+        </p:txBody>
+      </p:sp>
+      <p:sp>
+        <p:nvSpPr>
+          <p:cNvPr id="14" name="矩形 13">
+            <a:extLst>
+              <a:ext uri="{FF2B5EF4-FFF2-40B4-BE49-F238E27FC236}">
+                <a16:creationId xmlns:a16="http://schemas.microsoft.com/office/drawing/2014/main" id="{B5362BC2-0907-DBFA-1125-06377F52C87F}"/>
+              </a:ext>
+            </a:extLst>
+          </p:cNvPr>
+          <p:cNvSpPr/>
+          <p:nvPr/>
+        </p:nvSpPr>
+        <p:spPr>
+          <a:xfrm>
+            <a:off x="5864799" y="1778525"/>
+            <a:ext cx="5822829" cy="1440000"/>
+          </a:xfrm>
+          <a:prstGeom prst="rect">
+            <a:avLst/>
+          </a:prstGeom>
+          <a:solidFill>
+            <a:srgbClr val="F09BA0">
+              <a:alpha val="50000"/>
+            </a:srgbClr>
+          </a:solidFill>
+          <a:ln>
+            <a:noFill/>
+            <a:prstDash val="sysDot"/>
+          </a:ln>
+        </p:spPr>
+        <p:style>
+          <a:lnRef idx="2">
+            <a:schemeClr val="accent1">
+              <a:shade val="15000"/>
+            </a:schemeClr>
+          </a:lnRef>
+          <a:fillRef idx="1">
+            <a:schemeClr val="accent1"/>
+          </a:fillRef>
+          <a:effectRef idx="0">
+            <a:schemeClr val="accent1"/>
+          </a:effectRef>
+          <a:fontRef idx="minor">
+            <a:schemeClr val="lt1"/>
+          </a:fontRef>
+        </p:style>
+        <p:txBody>
+          <a:bodyPr rtlCol="0" anchor="ctr"/>
+          <a:lstStyle/>
+          <a:p>
+            <a:pPr algn="ctr"/>
+            <a:endParaRPr lang="zh-CN" altLang="en-US">
+              <a:latin typeface="微软雅黑" panose="020B0503020204020204" pitchFamily="34" charset="-122"/>
+              <a:ea typeface="微软雅黑" panose="020B0503020204020204" pitchFamily="34" charset="-122"/>
+              <a:cs typeface="Times New Roman" panose="02020603050405020304" pitchFamily="18" charset="0"/>
+            </a:endParaRPr>
+          </a:p>
+        </p:txBody>
+      </p:sp>
+      <p:sp>
+        <p:nvSpPr>
+          <p:cNvPr id="13" name="矩形 12">
+            <a:extLst>
+              <a:ext uri="{FF2B5EF4-FFF2-40B4-BE49-F238E27FC236}">
+                <a16:creationId xmlns:a16="http://schemas.microsoft.com/office/drawing/2014/main" id="{D48E5EE4-6AC0-539A-07BF-E930A437829D}"/>
+              </a:ext>
+            </a:extLst>
+          </p:cNvPr>
+          <p:cNvSpPr/>
+          <p:nvPr/>
+        </p:nvSpPr>
+        <p:spPr>
+          <a:xfrm>
+            <a:off x="241300" y="1778528"/>
+            <a:ext cx="5623499" cy="1440000"/>
+          </a:xfrm>
+          <a:prstGeom prst="rect">
+            <a:avLst/>
+          </a:prstGeom>
+          <a:solidFill>
+            <a:srgbClr val="9BBBE1">
+              <a:alpha val="50000"/>
+            </a:srgbClr>
+          </a:solidFill>
+          <a:ln>
+            <a:noFill/>
+            <a:prstDash val="sysDot"/>
+          </a:ln>
+        </p:spPr>
+        <p:style>
+          <a:lnRef idx="2">
+            <a:schemeClr val="accent1">
+              <a:shade val="15000"/>
+            </a:schemeClr>
+          </a:lnRef>
+          <a:fillRef idx="1">
+            <a:schemeClr val="accent1"/>
+          </a:fillRef>
+          <a:effectRef idx="0">
+            <a:schemeClr val="accent1"/>
+          </a:effectRef>
+          <a:fontRef idx="minor">
+            <a:schemeClr val="lt1"/>
+          </a:fontRef>
+        </p:style>
+        <p:txBody>
+          <a:bodyPr rtlCol="0" anchor="ctr"/>
+          <a:lstStyle/>
+          <a:p>
+            <a:pPr algn="ctr"/>
+            <a:endParaRPr lang="zh-CN" altLang="en-US">
+              <a:latin typeface="微软雅黑" panose="020B0503020204020204" pitchFamily="34" charset="-122"/>
+              <a:ea typeface="微软雅黑" panose="020B0503020204020204" pitchFamily="34" charset="-122"/>
+              <a:cs typeface="Times New Roman" panose="02020603050405020304" pitchFamily="18" charset="0"/>
+            </a:endParaRPr>
+          </a:p>
+        </p:txBody>
+      </p:sp>
+      <mc:AlternateContent xmlns:mc="http://schemas.openxmlformats.org/markup-compatibility/2006">
+        <mc:Choice xmlns:a14="http://schemas.microsoft.com/office/drawing/2010/main" Requires="a14">
+          <p:sp>
+            <p:nvSpPr>
+              <p:cNvPr id="3" name="矩形 2">
+                <a:extLst>
+                  <a:ext uri="{FF2B5EF4-FFF2-40B4-BE49-F238E27FC236}">
+                    <a16:creationId xmlns:a16="http://schemas.microsoft.com/office/drawing/2014/main" id="{DCECC1BB-2C57-CF76-C2D2-F5BE34637F0A}"/>
+                  </a:ext>
+                </a:extLst>
+              </p:cNvPr>
+              <p:cNvSpPr/>
+              <p:nvPr/>
+            </p:nvSpPr>
+            <p:spPr>
+              <a:xfrm>
+                <a:off x="377372" y="2641600"/>
+                <a:ext cx="828000" cy="402771"/>
+              </a:xfrm>
+              <a:prstGeom prst="rect">
+                <a:avLst/>
+              </a:prstGeom>
+              <a:noFill/>
+              <a:ln w="12700">
+                <a:solidFill>
+                  <a:schemeClr val="tx1"/>
+                </a:solidFill>
+              </a:ln>
+            </p:spPr>
+            <p:style>
+              <a:lnRef idx="2">
+                <a:schemeClr val="accent1">
+                  <a:shade val="15000"/>
+                </a:schemeClr>
+              </a:lnRef>
+              <a:fillRef idx="1">
+                <a:schemeClr val="accent1"/>
+              </a:fillRef>
+              <a:effectRef idx="0">
+                <a:schemeClr val="accent1"/>
+              </a:effectRef>
+              <a:fontRef idx="minor">
+                <a:schemeClr val="lt1"/>
+              </a:fontRef>
+            </p:style>
+            <p:txBody>
+              <a:bodyPr rtlCol="0" anchor="ctr"/>
+              <a:lstStyle/>
+              <a:p>
+                <a:pPr algn="ctr"/>
+                <a14:m>
+                  <m:oMathPara xmlns:m="http://schemas.openxmlformats.org/officeDocument/2006/math">
+                    <m:oMathParaPr>
+                      <m:jc m:val="centerGroup"/>
+                    </m:oMathParaPr>
+                    <m:oMath xmlns:m="http://schemas.openxmlformats.org/officeDocument/2006/math">
+                      <m:sSubSup>
+                        <m:sSubSupPr>
+                          <m:ctrlPr>
+                            <a:rPr lang="en-US" altLang="zh-CN" i="1" smtClean="0">
+                              <a:solidFill>
+                                <a:schemeClr val="tx1"/>
+                              </a:solidFill>
+                              <a:latin typeface="Cambria Math" panose="02040503050406030204" pitchFamily="18" charset="0"/>
+                            </a:rPr>
+                          </m:ctrlPr>
+                        </m:sSubSupPr>
+                        <m:e>
+                          <m:r>
+                            <m:rPr>
+                              <m:sty m:val="p"/>
+                            </m:rPr>
+                            <a:rPr lang="en-US" altLang="zh-CN" i="1">
+                              <a:solidFill>
+                                <a:schemeClr val="tx1"/>
+                              </a:solidFill>
+                              <a:latin typeface="Cambria Math" panose="02040503050406030204" pitchFamily="18" charset="0"/>
+                            </a:rPr>
+                            <m:t>h</m:t>
+                          </m:r>
+                        </m:e>
+                        <m:sub>
+                          <m:r>
+                            <a:rPr lang="en-US" altLang="zh-CN" i="1">
+                              <a:solidFill>
+                                <a:schemeClr val="tx1"/>
+                              </a:solidFill>
+                              <a:latin typeface="Cambria Math" panose="02040503050406030204" pitchFamily="18" charset="0"/>
+                            </a:rPr>
+                            <m:t>1</m:t>
+                          </m:r>
+                        </m:sub>
+                        <m:sup>
+                          <m:r>
+                            <a:rPr lang="en-US" altLang="zh-CN" b="0" i="1" smtClean="0">
+                              <a:solidFill>
+                                <a:schemeClr val="tx1"/>
+                              </a:solidFill>
+                              <a:latin typeface="Cambria Math" panose="02040503050406030204" pitchFamily="18" charset="0"/>
+                            </a:rPr>
+                            <m:t>𝐵</m:t>
+                          </m:r>
+                          <m:r>
+                            <m:rPr>
+                              <m:sty m:val="p"/>
+                            </m:rPr>
+                            <a:rPr lang="en-US" altLang="zh-CN" i="1">
+                              <a:solidFill>
+                                <a:schemeClr val="tx1"/>
+                              </a:solidFill>
+                              <a:latin typeface="Cambria Math" panose="02040503050406030204" pitchFamily="18" charset="0"/>
+                            </a:rPr>
+                            <m:t>i</m:t>
+                          </m:r>
+                          <m:r>
+                            <a:rPr lang="en-US" altLang="zh-CN" b="0" i="1" smtClean="0">
+                              <a:solidFill>
+                                <a:schemeClr val="tx1"/>
+                              </a:solidFill>
+                              <a:latin typeface="Cambria Math" panose="02040503050406030204" pitchFamily="18" charset="0"/>
+                            </a:rPr>
+                            <m:t>𝐿𝑆𝑇𝑀</m:t>
+                          </m:r>
+                        </m:sup>
+                      </m:sSubSup>
+                    </m:oMath>
+                  </m:oMathPara>
+                </a14:m>
+                <a:endParaRPr lang="zh-CN" altLang="en-US" dirty="0">
+                  <a:solidFill>
+                    <a:schemeClr val="tx1"/>
+                  </a:solidFill>
+                  <a:latin typeface="微软雅黑" panose="020B0503020204020204" pitchFamily="34" charset="-122"/>
+                  <a:ea typeface="微软雅黑" panose="020B0503020204020204" pitchFamily="34" charset="-122"/>
+                  <a:cs typeface="Times New Roman" panose="02020603050405020304" pitchFamily="18" charset="0"/>
+                </a:endParaRPr>
+              </a:p>
+            </p:txBody>
+          </p:sp>
+        </mc:Choice>
+        <mc:Fallback>
+          <p:sp>
+            <p:nvSpPr>
+              <p:cNvPr id="3" name="矩形 2">
+                <a:extLst>
+                  <a:ext uri="{FF2B5EF4-FFF2-40B4-BE49-F238E27FC236}">
+                    <a16:creationId xmlns:a16="http://schemas.microsoft.com/office/drawing/2014/main" id="{DCECC1BB-2C57-CF76-C2D2-F5BE34637F0A}"/>
+                  </a:ext>
+                </a:extLst>
+              </p:cNvPr>
+              <p:cNvSpPr>
+                <a:spLocks noRot="1" noChangeAspect="1" noMove="1" noResize="1" noEditPoints="1" noAdjustHandles="1" noChangeArrowheads="1" noChangeShapeType="1" noTextEdit="1"/>
+              </p:cNvSpPr>
+              <p:nvPr/>
+            </p:nvSpPr>
+            <p:spPr>
+              <a:xfrm>
+                <a:off x="377372" y="2641600"/>
+                <a:ext cx="828000" cy="402771"/>
+              </a:xfrm>
+              <a:prstGeom prst="rect">
+                <a:avLst/>
+              </a:prstGeom>
+              <a:blipFill>
+                <a:blip r:embed="rId2"/>
+                <a:stretch>
+                  <a:fillRect l="-7971"/>
+                </a:stretch>
+              </a:blipFill>
+              <a:ln w="12700">
+                <a:solidFill>
+                  <a:schemeClr val="tx1"/>
+                </a:solidFill>
+              </a:ln>
+            </p:spPr>
+            <p:txBody>
+              <a:bodyPr/>
+              <a:lstStyle/>
+              <a:p>
+                <a:r>
+                  <a:rPr lang="zh-CN" altLang="en-US">
+                    <a:noFill/>
+                  </a:rPr>
+                  <a:t> </a:t>
+                </a:r>
+              </a:p>
+            </p:txBody>
+          </p:sp>
+        </mc:Fallback>
+      </mc:AlternateContent>
+      <mc:AlternateContent xmlns:mc="http://schemas.openxmlformats.org/markup-compatibility/2006">
+        <mc:Choice xmlns:a14="http://schemas.microsoft.com/office/drawing/2010/main" Requires="a14">
+          <p:sp>
+            <p:nvSpPr>
+              <p:cNvPr id="4" name="矩形: 圆角 3">
+                <a:extLst>
+                  <a:ext uri="{FF2B5EF4-FFF2-40B4-BE49-F238E27FC236}">
+                    <a16:creationId xmlns:a16="http://schemas.microsoft.com/office/drawing/2014/main" id="{05E91935-52EA-5D0D-5792-44C2AAE2959B}"/>
+                  </a:ext>
+                </a:extLst>
+              </p:cNvPr>
+              <p:cNvSpPr/>
+              <p:nvPr/>
+            </p:nvSpPr>
+            <p:spPr>
+              <a:xfrm>
+                <a:off x="2608292" y="717888"/>
+                <a:ext cx="828000" cy="402771"/>
+              </a:xfrm>
+              <a:prstGeom prst="roundRect">
+                <a:avLst/>
+              </a:prstGeom>
+              <a:noFill/>
+              <a:ln w="12700"/>
+            </p:spPr>
+            <p:style>
+              <a:lnRef idx="2">
+                <a:schemeClr val="accent1">
+                  <a:shade val="15000"/>
+                </a:schemeClr>
+              </a:lnRef>
+              <a:fillRef idx="1">
+                <a:schemeClr val="accent1"/>
+              </a:fillRef>
+              <a:effectRef idx="0">
+                <a:schemeClr val="accent1"/>
+              </a:effectRef>
+              <a:fontRef idx="minor">
+                <a:schemeClr val="lt1"/>
+              </a:fontRef>
+            </p:style>
+            <p:txBody>
+              <a:bodyPr rtlCol="0" anchor="ctr"/>
+              <a:lstStyle/>
+              <a:p>
+                <a:pPr algn="ctr"/>
+                <a14:m>
+                  <m:oMathPara xmlns:m="http://schemas.openxmlformats.org/officeDocument/2006/math">
+                    <m:oMathParaPr>
+                      <m:jc m:val="centerGroup"/>
+                    </m:oMathParaPr>
+                    <m:oMath xmlns:m="http://schemas.openxmlformats.org/officeDocument/2006/math">
+                      <m:sSubSup>
+                        <m:sSubSupPr>
+                          <m:ctrlPr>
+                            <a:rPr lang="en-US" altLang="zh-CN" i="1" smtClean="0">
+                              <a:solidFill>
+                                <a:schemeClr val="tx1"/>
+                              </a:solidFill>
+                              <a:latin typeface="Cambria Math" panose="02040503050406030204" pitchFamily="18" charset="0"/>
+                            </a:rPr>
+                          </m:ctrlPr>
+                        </m:sSubSupPr>
+                        <m:e>
+                          <m:r>
+                            <a:rPr lang="en-US" altLang="zh-CN" b="0" i="1" smtClean="0">
+                              <a:solidFill>
+                                <a:schemeClr val="tx1"/>
+                              </a:solidFill>
+                              <a:latin typeface="Cambria Math" panose="02040503050406030204" pitchFamily="18" charset="0"/>
+                            </a:rPr>
+                            <m:t>𝑉</m:t>
+                          </m:r>
+                        </m:e>
+                        <m:sub>
+                          <m:r>
+                            <m:rPr>
+                              <m:sty m:val="p"/>
+                            </m:rPr>
+                            <a:rPr lang="en-US" altLang="zh-CN" i="1">
+                              <a:solidFill>
+                                <a:schemeClr val="tx1"/>
+                              </a:solidFill>
+                              <a:latin typeface="Cambria Math" panose="02040503050406030204" pitchFamily="18" charset="0"/>
+                            </a:rPr>
+                            <m:t>a</m:t>
+                          </m:r>
+                        </m:sub>
+                        <m:sup>
+                          <m:r>
+                            <a:rPr lang="en-US" altLang="zh-CN" b="0" i="1" smtClean="0">
+                              <a:solidFill>
+                                <a:schemeClr val="tx1"/>
+                              </a:solidFill>
+                              <a:latin typeface="Cambria Math" panose="02040503050406030204" pitchFamily="18" charset="0"/>
+                            </a:rPr>
+                            <m:t>𝑇</m:t>
+                          </m:r>
+                          <m:r>
+                            <m:rPr>
+                              <m:sty m:val="p"/>
+                            </m:rPr>
+                            <a:rPr lang="en-US" altLang="zh-CN" i="1">
+                              <a:solidFill>
+                                <a:schemeClr val="tx1"/>
+                              </a:solidFill>
+                              <a:latin typeface="Cambria Math" panose="02040503050406030204" pitchFamily="18" charset="0"/>
+                            </a:rPr>
+                            <m:t>oken</m:t>
+                          </m:r>
+                        </m:sup>
+                      </m:sSubSup>
+                    </m:oMath>
+                  </m:oMathPara>
+                </a14:m>
+                <a:endParaRPr lang="zh-CN" altLang="en-US" dirty="0">
+                  <a:solidFill>
+                    <a:schemeClr val="tx1"/>
+                  </a:solidFill>
+                  <a:latin typeface="微软雅黑" panose="020B0503020204020204" pitchFamily="34" charset="-122"/>
+                  <a:ea typeface="微软雅黑" panose="020B0503020204020204" pitchFamily="34" charset="-122"/>
+                  <a:cs typeface="Times New Roman" panose="02020603050405020304" pitchFamily="18" charset="0"/>
+                </a:endParaRPr>
+              </a:p>
+            </p:txBody>
+          </p:sp>
+        </mc:Choice>
+        <mc:Fallback>
+          <p:sp>
+            <p:nvSpPr>
+              <p:cNvPr id="4" name="矩形: 圆角 3">
+                <a:extLst>
+                  <a:ext uri="{FF2B5EF4-FFF2-40B4-BE49-F238E27FC236}">
+                    <a16:creationId xmlns:a16="http://schemas.microsoft.com/office/drawing/2014/main" id="{05E91935-52EA-5D0D-5792-44C2AAE2959B}"/>
+                  </a:ext>
+                </a:extLst>
+              </p:cNvPr>
+              <p:cNvSpPr>
+                <a:spLocks noRot="1" noChangeAspect="1" noMove="1" noResize="1" noEditPoints="1" noAdjustHandles="1" noChangeArrowheads="1" noChangeShapeType="1" noTextEdit="1"/>
+              </p:cNvSpPr>
+              <p:nvPr/>
+            </p:nvSpPr>
+            <p:spPr>
+              <a:xfrm>
+                <a:off x="2608292" y="717888"/>
+                <a:ext cx="828000" cy="402771"/>
+              </a:xfrm>
+              <a:prstGeom prst="roundRect">
+                <a:avLst/>
+              </a:prstGeom>
+              <a:blipFill>
+                <a:blip r:embed="rId3"/>
+                <a:stretch>
+                  <a:fillRect l="-3623"/>
+                </a:stretch>
+              </a:blipFill>
+              <a:ln w="12700"/>
+            </p:spPr>
+            <p:txBody>
+              <a:bodyPr/>
+              <a:lstStyle/>
+              <a:p>
+                <a:r>
+                  <a:rPr lang="zh-CN" altLang="en-US">
+                    <a:noFill/>
+                  </a:rPr>
+                  <a:t> </a:t>
+                </a:r>
+              </a:p>
+            </p:txBody>
+          </p:sp>
+        </mc:Fallback>
+      </mc:AlternateContent>
+      <mc:AlternateContent xmlns:mc="http://schemas.openxmlformats.org/markup-compatibility/2006">
+        <mc:Choice xmlns:a14="http://schemas.microsoft.com/office/drawing/2010/main" Requires="a14">
+          <p:sp>
+            <p:nvSpPr>
+              <p:cNvPr id="5" name="矩形: 圆角 4">
+                <a:extLst>
+                  <a:ext uri="{FF2B5EF4-FFF2-40B4-BE49-F238E27FC236}">
+                    <a16:creationId xmlns:a16="http://schemas.microsoft.com/office/drawing/2014/main" id="{1B5D5C74-04FD-0515-8888-C861F81F56CF}"/>
+                  </a:ext>
+                </a:extLst>
+              </p:cNvPr>
+              <p:cNvSpPr/>
+              <p:nvPr/>
+            </p:nvSpPr>
+            <p:spPr>
+              <a:xfrm>
+                <a:off x="8776213" y="712711"/>
+                <a:ext cx="828000" cy="402771"/>
+              </a:xfrm>
+              <a:prstGeom prst="roundRect">
+                <a:avLst/>
+              </a:prstGeom>
+              <a:noFill/>
+              <a:ln w="12700"/>
+            </p:spPr>
+            <p:style>
+              <a:lnRef idx="2">
+                <a:schemeClr val="accent1">
+                  <a:shade val="15000"/>
+                </a:schemeClr>
+              </a:lnRef>
+              <a:fillRef idx="1">
+                <a:schemeClr val="accent1"/>
+              </a:fillRef>
+              <a:effectRef idx="0">
+                <a:schemeClr val="accent1"/>
+              </a:effectRef>
+              <a:fontRef idx="minor">
+                <a:schemeClr val="lt1"/>
+              </a:fontRef>
+            </p:style>
+            <p:txBody>
+              <a:bodyPr rtlCol="0" anchor="ctr"/>
+              <a:lstStyle/>
+              <a:p>
+                <a:pPr algn="ctr"/>
+                <a14:m>
+                  <m:oMathPara xmlns:m="http://schemas.openxmlformats.org/officeDocument/2006/math">
+                    <m:oMathParaPr>
+                      <m:jc m:val="centerGroup"/>
+                    </m:oMathParaPr>
+                    <m:oMath xmlns:m="http://schemas.openxmlformats.org/officeDocument/2006/math">
+                      <m:sSubSup>
+                        <m:sSubSupPr>
+                          <m:ctrlPr>
+                            <a:rPr lang="en-US" altLang="zh-CN" i="1" smtClean="0">
+                              <a:solidFill>
+                                <a:schemeClr val="tx1"/>
+                              </a:solidFill>
+                              <a:latin typeface="Cambria Math" panose="02040503050406030204" pitchFamily="18" charset="0"/>
+                            </a:rPr>
+                          </m:ctrlPr>
+                        </m:sSubSupPr>
+                        <m:e>
+                          <m:r>
+                            <a:rPr lang="en-US" altLang="zh-CN" b="0" i="1" smtClean="0">
+                              <a:solidFill>
+                                <a:schemeClr val="tx1"/>
+                              </a:solidFill>
+                              <a:latin typeface="Cambria Math" panose="02040503050406030204" pitchFamily="18" charset="0"/>
+                            </a:rPr>
+                            <m:t>𝑉</m:t>
+                          </m:r>
+                        </m:e>
+                        <m:sub>
+                          <m:r>
+                            <a:rPr lang="en-US" altLang="zh-CN" b="0" i="1" smtClean="0">
+                              <a:solidFill>
+                                <a:schemeClr val="tx1"/>
+                              </a:solidFill>
+                              <a:latin typeface="Cambria Math" panose="02040503050406030204" pitchFamily="18" charset="0"/>
+                            </a:rPr>
+                            <m:t>𝑏</m:t>
+                          </m:r>
+                        </m:sub>
+                        <m:sup>
+                          <m:r>
+                            <a:rPr lang="en-US" altLang="zh-CN" b="0" i="1" smtClean="0">
+                              <a:solidFill>
+                                <a:schemeClr val="tx1"/>
+                              </a:solidFill>
+                              <a:latin typeface="Cambria Math" panose="02040503050406030204" pitchFamily="18" charset="0"/>
+                            </a:rPr>
+                            <m:t>𝑇</m:t>
+                          </m:r>
+                          <m:r>
+                            <m:rPr>
+                              <m:sty m:val="p"/>
+                            </m:rPr>
+                            <a:rPr lang="en-US" altLang="zh-CN" i="1">
+                              <a:solidFill>
+                                <a:schemeClr val="tx1"/>
+                              </a:solidFill>
+                              <a:latin typeface="Cambria Math" panose="02040503050406030204" pitchFamily="18" charset="0"/>
+                            </a:rPr>
+                            <m:t>oken</m:t>
+                          </m:r>
+                        </m:sup>
+                      </m:sSubSup>
+                    </m:oMath>
+                  </m:oMathPara>
+                </a14:m>
+                <a:endParaRPr lang="zh-CN" altLang="en-US" dirty="0">
+                  <a:solidFill>
+                    <a:schemeClr val="tx1"/>
+                  </a:solidFill>
+                  <a:latin typeface="微软雅黑" panose="020B0503020204020204" pitchFamily="34" charset="-122"/>
+                  <a:ea typeface="微软雅黑" panose="020B0503020204020204" pitchFamily="34" charset="-122"/>
+                  <a:cs typeface="Times New Roman" panose="02020603050405020304" pitchFamily="18" charset="0"/>
+                </a:endParaRPr>
+              </a:p>
+            </p:txBody>
+          </p:sp>
+        </mc:Choice>
+        <mc:Fallback>
+          <p:sp>
+            <p:nvSpPr>
+              <p:cNvPr id="5" name="矩形: 圆角 4">
+                <a:extLst>
+                  <a:ext uri="{FF2B5EF4-FFF2-40B4-BE49-F238E27FC236}">
+                    <a16:creationId xmlns:a16="http://schemas.microsoft.com/office/drawing/2014/main" id="{1B5D5C74-04FD-0515-8888-C861F81F56CF}"/>
+                  </a:ext>
+                </a:extLst>
+              </p:cNvPr>
+              <p:cNvSpPr>
+                <a:spLocks noRot="1" noChangeAspect="1" noMove="1" noResize="1" noEditPoints="1" noAdjustHandles="1" noChangeArrowheads="1" noChangeShapeType="1" noTextEdit="1"/>
+              </p:cNvSpPr>
+              <p:nvPr/>
+            </p:nvSpPr>
+            <p:spPr>
+              <a:xfrm>
+                <a:off x="8776213" y="712711"/>
+                <a:ext cx="828000" cy="402771"/>
+              </a:xfrm>
+              <a:prstGeom prst="roundRect">
+                <a:avLst/>
+              </a:prstGeom>
+              <a:blipFill>
+                <a:blip r:embed="rId4"/>
+                <a:stretch>
+                  <a:fillRect l="-3650"/>
+                </a:stretch>
+              </a:blipFill>
+              <a:ln w="12700"/>
+            </p:spPr>
+            <p:txBody>
+              <a:bodyPr/>
+              <a:lstStyle/>
+              <a:p>
+                <a:r>
+                  <a:rPr lang="zh-CN" altLang="en-US">
+                    <a:noFill/>
+                  </a:rPr>
+                  <a:t> </a:t>
+                </a:r>
+              </a:p>
+            </p:txBody>
+          </p:sp>
+        </mc:Fallback>
+      </mc:AlternateContent>
+      <mc:AlternateContent xmlns:mc="http://schemas.openxmlformats.org/markup-compatibility/2006">
+        <mc:Choice xmlns:a14="http://schemas.microsoft.com/office/drawing/2010/main" Requires="a14">
+          <p:sp>
+            <p:nvSpPr>
+              <p:cNvPr id="6" name="矩形 5">
+                <a:extLst>
+                  <a:ext uri="{FF2B5EF4-FFF2-40B4-BE49-F238E27FC236}">
+                    <a16:creationId xmlns:a16="http://schemas.microsoft.com/office/drawing/2014/main" id="{F8FBBD50-780F-D491-F596-0F1642EB185C}"/>
+                  </a:ext>
+                </a:extLst>
+              </p:cNvPr>
+              <p:cNvSpPr/>
+              <p:nvPr/>
+            </p:nvSpPr>
+            <p:spPr>
+              <a:xfrm>
+                <a:off x="1538172" y="2641596"/>
+                <a:ext cx="828000" cy="402771"/>
+              </a:xfrm>
+              <a:prstGeom prst="rect">
+                <a:avLst/>
+              </a:prstGeom>
+              <a:noFill/>
+              <a:ln w="12700">
+                <a:solidFill>
+                  <a:schemeClr val="tx1"/>
+                </a:solidFill>
+              </a:ln>
+            </p:spPr>
+            <p:style>
+              <a:lnRef idx="2">
+                <a:schemeClr val="accent1">
+                  <a:shade val="15000"/>
+                </a:schemeClr>
+              </a:lnRef>
+              <a:fillRef idx="1">
+                <a:schemeClr val="accent1"/>
+              </a:fillRef>
+              <a:effectRef idx="0">
+                <a:schemeClr val="accent1"/>
+              </a:effectRef>
+              <a:fontRef idx="minor">
+                <a:schemeClr val="lt1"/>
+              </a:fontRef>
+            </p:style>
+            <p:txBody>
+              <a:bodyPr rtlCol="0" anchor="ctr"/>
+              <a:lstStyle/>
+              <a:p>
+                <a:pPr algn="ctr"/>
+                <a14:m>
+                  <m:oMathPara xmlns:m="http://schemas.openxmlformats.org/officeDocument/2006/math">
+                    <m:oMathParaPr>
+                      <m:jc m:val="centerGroup"/>
+                    </m:oMathParaPr>
+                    <m:oMath xmlns:m="http://schemas.openxmlformats.org/officeDocument/2006/math">
+                      <m:sSubSup>
+                        <m:sSubSupPr>
+                          <m:ctrlPr>
+                            <a:rPr lang="en-US" altLang="zh-CN" i="1" smtClean="0">
+                              <a:solidFill>
+                                <a:schemeClr val="tx1"/>
+                              </a:solidFill>
+                              <a:latin typeface="Cambria Math" panose="02040503050406030204" pitchFamily="18" charset="0"/>
+                            </a:rPr>
+                          </m:ctrlPr>
+                        </m:sSubSupPr>
+                        <m:e>
+                          <m:r>
+                            <m:rPr>
+                              <m:sty m:val="p"/>
+                            </m:rPr>
+                            <a:rPr lang="en-US" altLang="zh-CN" i="1">
+                              <a:solidFill>
+                                <a:schemeClr val="tx1"/>
+                              </a:solidFill>
+                              <a:latin typeface="Cambria Math" panose="02040503050406030204" pitchFamily="18" charset="0"/>
+                            </a:rPr>
+                            <m:t>h</m:t>
+                          </m:r>
+                        </m:e>
+                        <m:sub>
+                          <m:r>
+                            <a:rPr lang="en-US" altLang="zh-CN" b="0" i="1" smtClean="0">
+                              <a:solidFill>
+                                <a:schemeClr val="tx1"/>
+                              </a:solidFill>
+                              <a:latin typeface="Cambria Math" panose="02040503050406030204" pitchFamily="18" charset="0"/>
+                            </a:rPr>
+                            <m:t>2</m:t>
+                          </m:r>
+                        </m:sub>
+                        <m:sup>
+                          <m:r>
+                            <a:rPr lang="en-US" altLang="zh-CN" b="0" i="1" smtClean="0">
+                              <a:solidFill>
+                                <a:schemeClr val="tx1"/>
+                              </a:solidFill>
+                              <a:latin typeface="Cambria Math" panose="02040503050406030204" pitchFamily="18" charset="0"/>
+                            </a:rPr>
+                            <m:t>𝐵</m:t>
+                          </m:r>
+                          <m:r>
+                            <m:rPr>
+                              <m:sty m:val="p"/>
+                            </m:rPr>
+                            <a:rPr lang="en-US" altLang="zh-CN" i="1">
+                              <a:solidFill>
+                                <a:schemeClr val="tx1"/>
+                              </a:solidFill>
+                              <a:latin typeface="Cambria Math" panose="02040503050406030204" pitchFamily="18" charset="0"/>
+                            </a:rPr>
+                            <m:t>i</m:t>
+                          </m:r>
+                          <m:r>
+                            <a:rPr lang="en-US" altLang="zh-CN" b="0" i="1" smtClean="0">
+                              <a:solidFill>
+                                <a:schemeClr val="tx1"/>
+                              </a:solidFill>
+                              <a:latin typeface="Cambria Math" panose="02040503050406030204" pitchFamily="18" charset="0"/>
+                            </a:rPr>
+                            <m:t>𝐿𝑆𝑇𝑀</m:t>
+                          </m:r>
+                        </m:sup>
+                      </m:sSubSup>
+                    </m:oMath>
+                  </m:oMathPara>
+                </a14:m>
+                <a:endParaRPr lang="zh-CN" altLang="en-US" dirty="0">
+                  <a:solidFill>
+                    <a:schemeClr val="tx1"/>
+                  </a:solidFill>
+                  <a:latin typeface="微软雅黑" panose="020B0503020204020204" pitchFamily="34" charset="-122"/>
+                  <a:ea typeface="微软雅黑" panose="020B0503020204020204" pitchFamily="34" charset="-122"/>
+                  <a:cs typeface="Times New Roman" panose="02020603050405020304" pitchFamily="18" charset="0"/>
+                </a:endParaRPr>
+              </a:p>
+            </p:txBody>
+          </p:sp>
+        </mc:Choice>
+        <mc:Fallback>
+          <p:sp>
+            <p:nvSpPr>
+              <p:cNvPr id="6" name="矩形 5">
+                <a:extLst>
+                  <a:ext uri="{FF2B5EF4-FFF2-40B4-BE49-F238E27FC236}">
+                    <a16:creationId xmlns:a16="http://schemas.microsoft.com/office/drawing/2014/main" id="{F8FBBD50-780F-D491-F596-0F1642EB185C}"/>
+                  </a:ext>
+                </a:extLst>
+              </p:cNvPr>
+              <p:cNvSpPr>
+                <a:spLocks noRot="1" noChangeAspect="1" noMove="1" noResize="1" noEditPoints="1" noAdjustHandles="1" noChangeArrowheads="1" noChangeShapeType="1" noTextEdit="1"/>
+              </p:cNvSpPr>
+              <p:nvPr/>
+            </p:nvSpPr>
+            <p:spPr>
+              <a:xfrm>
+                <a:off x="1538172" y="2641596"/>
+                <a:ext cx="828000" cy="402771"/>
+              </a:xfrm>
+              <a:prstGeom prst="rect">
+                <a:avLst/>
+              </a:prstGeom>
+              <a:blipFill>
+                <a:blip r:embed="rId5"/>
+                <a:stretch>
+                  <a:fillRect l="-7971"/>
+                </a:stretch>
+              </a:blipFill>
+              <a:ln w="12700">
+                <a:solidFill>
+                  <a:schemeClr val="tx1"/>
+                </a:solidFill>
+              </a:ln>
+            </p:spPr>
+            <p:txBody>
+              <a:bodyPr/>
+              <a:lstStyle/>
+              <a:p>
+                <a:r>
+                  <a:rPr lang="zh-CN" altLang="en-US">
+                    <a:noFill/>
+                  </a:rPr>
+                  <a:t> </a:t>
+                </a:r>
+              </a:p>
+            </p:txBody>
+          </p:sp>
+        </mc:Fallback>
+      </mc:AlternateContent>
+      <mc:AlternateContent xmlns:mc="http://schemas.openxmlformats.org/markup-compatibility/2006">
+        <mc:Choice xmlns:a14="http://schemas.microsoft.com/office/drawing/2010/main" Requires="a14">
+          <p:sp>
+            <p:nvSpPr>
+              <p:cNvPr id="7" name="矩形 6">
+                <a:extLst>
+                  <a:ext uri="{FF2B5EF4-FFF2-40B4-BE49-F238E27FC236}">
+                    <a16:creationId xmlns:a16="http://schemas.microsoft.com/office/drawing/2014/main" id="{7351EA46-F79D-2147-04FF-4E6799A49231}"/>
+                  </a:ext>
+                </a:extLst>
+              </p:cNvPr>
+              <p:cNvSpPr/>
+              <p:nvPr/>
+            </p:nvSpPr>
+            <p:spPr>
+              <a:xfrm>
+                <a:off x="3483430" y="2641598"/>
+                <a:ext cx="828000" cy="402771"/>
+              </a:xfrm>
+              <a:prstGeom prst="rect">
+                <a:avLst/>
+              </a:prstGeom>
+              <a:noFill/>
+              <a:ln w="12700">
+                <a:solidFill>
+                  <a:schemeClr val="tx1"/>
+                </a:solidFill>
+              </a:ln>
+            </p:spPr>
+            <p:style>
+              <a:lnRef idx="2">
+                <a:schemeClr val="accent1">
+                  <a:shade val="15000"/>
+                </a:schemeClr>
+              </a:lnRef>
+              <a:fillRef idx="1">
+                <a:schemeClr val="accent1"/>
+              </a:fillRef>
+              <a:effectRef idx="0">
+                <a:schemeClr val="accent1"/>
+              </a:effectRef>
+              <a:fontRef idx="minor">
+                <a:schemeClr val="lt1"/>
+              </a:fontRef>
+            </p:style>
+            <p:txBody>
+              <a:bodyPr rtlCol="0" anchor="ctr"/>
+              <a:lstStyle/>
+              <a:p>
+                <a:pPr algn="ctr"/>
+                <a14:m>
+                  <m:oMathPara xmlns:m="http://schemas.openxmlformats.org/officeDocument/2006/math">
+                    <m:oMathParaPr>
+                      <m:jc m:val="centerGroup"/>
+                    </m:oMathParaPr>
+                    <m:oMath xmlns:m="http://schemas.openxmlformats.org/officeDocument/2006/math">
+                      <m:sSubSup>
+                        <m:sSubSupPr>
+                          <m:ctrlPr>
+                            <a:rPr lang="en-US" altLang="zh-CN" i="1" smtClean="0">
+                              <a:solidFill>
+                                <a:schemeClr val="tx1"/>
+                              </a:solidFill>
+                              <a:latin typeface="Cambria Math" panose="02040503050406030204" pitchFamily="18" charset="0"/>
+                            </a:rPr>
+                          </m:ctrlPr>
+                        </m:sSubSupPr>
+                        <m:e>
+                          <m:r>
+                            <m:rPr>
+                              <m:sty m:val="p"/>
+                            </m:rPr>
+                            <a:rPr lang="en-US" altLang="zh-CN" i="1">
+                              <a:solidFill>
+                                <a:schemeClr val="tx1"/>
+                              </a:solidFill>
+                              <a:latin typeface="Cambria Math" panose="02040503050406030204" pitchFamily="18" charset="0"/>
+                            </a:rPr>
+                            <m:t>h</m:t>
+                          </m:r>
+                        </m:e>
+                        <m:sub>
+                          <m:r>
+                            <m:rPr>
+                              <m:sty m:val="p"/>
+                            </m:rPr>
+                            <a:rPr lang="en-US" altLang="zh-CN" i="1">
+                              <a:solidFill>
+                                <a:schemeClr val="tx1"/>
+                              </a:solidFill>
+                              <a:latin typeface="Cambria Math" panose="02040503050406030204" pitchFamily="18" charset="0"/>
+                            </a:rPr>
+                            <m:t>m</m:t>
+                          </m:r>
+                          <m:r>
+                            <a:rPr lang="en-US" altLang="zh-CN" i="1" smtClean="0">
+                              <a:solidFill>
+                                <a:schemeClr val="tx1"/>
+                              </a:solidFill>
+                              <a:latin typeface="Cambria Math" panose="02040503050406030204" pitchFamily="18" charset="0"/>
+                            </a:rPr>
+                            <m:t>-</m:t>
+                          </m:r>
+                          <m:r>
+                            <a:rPr lang="en-US" altLang="zh-CN" i="1">
+                              <a:solidFill>
+                                <a:schemeClr val="tx1"/>
+                              </a:solidFill>
+                              <a:latin typeface="Cambria Math" panose="02040503050406030204" pitchFamily="18" charset="0"/>
+                            </a:rPr>
+                            <m:t>1</m:t>
+                          </m:r>
+                        </m:sub>
+                        <m:sup>
+                          <m:r>
+                            <a:rPr lang="en-US" altLang="zh-CN" b="0" i="1" smtClean="0">
+                              <a:solidFill>
+                                <a:schemeClr val="tx1"/>
+                              </a:solidFill>
+                              <a:latin typeface="Cambria Math" panose="02040503050406030204" pitchFamily="18" charset="0"/>
+                            </a:rPr>
+                            <m:t>𝐵</m:t>
+                          </m:r>
+                          <m:r>
+                            <m:rPr>
+                              <m:sty m:val="p"/>
+                            </m:rPr>
+                            <a:rPr lang="en-US" altLang="zh-CN" i="1">
+                              <a:solidFill>
+                                <a:schemeClr val="tx1"/>
+                              </a:solidFill>
+                              <a:latin typeface="Cambria Math" panose="02040503050406030204" pitchFamily="18" charset="0"/>
+                            </a:rPr>
+                            <m:t>i</m:t>
+                          </m:r>
+                          <m:r>
+                            <a:rPr lang="en-US" altLang="zh-CN" b="0" i="1" smtClean="0">
+                              <a:solidFill>
+                                <a:schemeClr val="tx1"/>
+                              </a:solidFill>
+                              <a:latin typeface="Cambria Math" panose="02040503050406030204" pitchFamily="18" charset="0"/>
+                            </a:rPr>
+                            <m:t>𝐿𝑆𝑇𝑀</m:t>
+                          </m:r>
+                        </m:sup>
+                      </m:sSubSup>
+                    </m:oMath>
+                  </m:oMathPara>
+                </a14:m>
+                <a:endParaRPr lang="zh-CN" altLang="en-US" dirty="0">
+                  <a:solidFill>
+                    <a:schemeClr val="tx1"/>
+                  </a:solidFill>
+                  <a:latin typeface="微软雅黑" panose="020B0503020204020204" pitchFamily="34" charset="-122"/>
+                  <a:ea typeface="微软雅黑" panose="020B0503020204020204" pitchFamily="34" charset="-122"/>
+                  <a:cs typeface="Times New Roman" panose="02020603050405020304" pitchFamily="18" charset="0"/>
+                </a:endParaRPr>
+              </a:p>
+            </p:txBody>
+          </p:sp>
+        </mc:Choice>
+        <mc:Fallback>
+          <p:sp>
+            <p:nvSpPr>
+              <p:cNvPr id="7" name="矩形 6">
+                <a:extLst>
+                  <a:ext uri="{FF2B5EF4-FFF2-40B4-BE49-F238E27FC236}">
+                    <a16:creationId xmlns:a16="http://schemas.microsoft.com/office/drawing/2014/main" id="{7351EA46-F79D-2147-04FF-4E6799A49231}"/>
+                  </a:ext>
+                </a:extLst>
+              </p:cNvPr>
+              <p:cNvSpPr>
+                <a:spLocks noRot="1" noChangeAspect="1" noMove="1" noResize="1" noEditPoints="1" noAdjustHandles="1" noChangeArrowheads="1" noChangeShapeType="1" noTextEdit="1"/>
+              </p:cNvSpPr>
+              <p:nvPr/>
+            </p:nvSpPr>
+            <p:spPr>
+              <a:xfrm>
+                <a:off x="3483430" y="2641598"/>
+                <a:ext cx="828000" cy="402771"/>
+              </a:xfrm>
+              <a:prstGeom prst="rect">
+                <a:avLst/>
+              </a:prstGeom>
+              <a:blipFill>
+                <a:blip r:embed="rId6"/>
+                <a:stretch>
+                  <a:fillRect l="-7971"/>
+                </a:stretch>
+              </a:blipFill>
+              <a:ln w="12700">
+                <a:solidFill>
+                  <a:schemeClr val="tx1"/>
+                </a:solidFill>
+              </a:ln>
+            </p:spPr>
+            <p:txBody>
+              <a:bodyPr/>
+              <a:lstStyle/>
+              <a:p>
+                <a:r>
+                  <a:rPr lang="zh-CN" altLang="en-US">
+                    <a:noFill/>
+                  </a:rPr>
+                  <a:t> </a:t>
+                </a:r>
+              </a:p>
+            </p:txBody>
+          </p:sp>
+        </mc:Fallback>
+      </mc:AlternateContent>
+      <mc:AlternateContent xmlns:mc="http://schemas.openxmlformats.org/markup-compatibility/2006">
+        <mc:Choice xmlns:a14="http://schemas.microsoft.com/office/drawing/2010/main" Requires="a14">
+          <p:sp>
+            <p:nvSpPr>
+              <p:cNvPr id="8" name="矩形 7">
+                <a:extLst>
+                  <a:ext uri="{FF2B5EF4-FFF2-40B4-BE49-F238E27FC236}">
+                    <a16:creationId xmlns:a16="http://schemas.microsoft.com/office/drawing/2014/main" id="{AEE983D4-4D81-87A7-8DFC-89F4953EB8C0}"/>
+                  </a:ext>
+                </a:extLst>
+              </p:cNvPr>
+              <p:cNvSpPr/>
+              <p:nvPr/>
+            </p:nvSpPr>
+            <p:spPr>
+              <a:xfrm>
+                <a:off x="4644230" y="2641596"/>
+                <a:ext cx="828000" cy="402771"/>
+              </a:xfrm>
+              <a:prstGeom prst="rect">
+                <a:avLst/>
+              </a:prstGeom>
+              <a:noFill/>
+              <a:ln w="12700">
+                <a:solidFill>
+                  <a:schemeClr val="tx1"/>
+                </a:solidFill>
+              </a:ln>
+            </p:spPr>
+            <p:style>
+              <a:lnRef idx="2">
+                <a:schemeClr val="accent1">
+                  <a:shade val="15000"/>
+                </a:schemeClr>
+              </a:lnRef>
+              <a:fillRef idx="1">
+                <a:schemeClr val="accent1"/>
+              </a:fillRef>
+              <a:effectRef idx="0">
+                <a:schemeClr val="accent1"/>
+              </a:effectRef>
+              <a:fontRef idx="minor">
+                <a:schemeClr val="lt1"/>
+              </a:fontRef>
+            </p:style>
+            <p:txBody>
+              <a:bodyPr rtlCol="0" anchor="ctr"/>
+              <a:lstStyle/>
+              <a:p>
+                <a:pPr algn="ctr"/>
+                <a14:m>
+                  <m:oMathPara xmlns:m="http://schemas.openxmlformats.org/officeDocument/2006/math">
+                    <m:oMathParaPr>
+                      <m:jc m:val="centerGroup"/>
+                    </m:oMathParaPr>
+                    <m:oMath xmlns:m="http://schemas.openxmlformats.org/officeDocument/2006/math">
+                      <m:sSubSup>
+                        <m:sSubSupPr>
+                          <m:ctrlPr>
+                            <a:rPr lang="en-US" altLang="zh-CN" i="1" smtClean="0">
+                              <a:solidFill>
+                                <a:schemeClr val="tx1"/>
+                              </a:solidFill>
+                              <a:latin typeface="Cambria Math" panose="02040503050406030204" pitchFamily="18" charset="0"/>
+                            </a:rPr>
+                          </m:ctrlPr>
+                        </m:sSubSupPr>
+                        <m:e>
+                          <m:r>
+                            <m:rPr>
+                              <m:sty m:val="p"/>
+                            </m:rPr>
+                            <a:rPr lang="en-US" altLang="zh-CN" i="1">
+                              <a:solidFill>
+                                <a:schemeClr val="tx1"/>
+                              </a:solidFill>
+                              <a:latin typeface="Cambria Math" panose="02040503050406030204" pitchFamily="18" charset="0"/>
+                            </a:rPr>
+                            <m:t>h</m:t>
+                          </m:r>
+                        </m:e>
+                        <m:sub>
+                          <m:r>
+                            <a:rPr lang="en-US" altLang="zh-CN" b="0" i="1" smtClean="0">
+                              <a:solidFill>
+                                <a:schemeClr val="tx1"/>
+                              </a:solidFill>
+                              <a:latin typeface="Cambria Math" panose="02040503050406030204" pitchFamily="18" charset="0"/>
+                            </a:rPr>
+                            <m:t>𝑚</m:t>
+                          </m:r>
+                        </m:sub>
+                        <m:sup>
+                          <m:r>
+                            <a:rPr lang="en-US" altLang="zh-CN" b="0" i="1" smtClean="0">
+                              <a:solidFill>
+                                <a:schemeClr val="tx1"/>
+                              </a:solidFill>
+                              <a:latin typeface="Cambria Math" panose="02040503050406030204" pitchFamily="18" charset="0"/>
+                            </a:rPr>
+                            <m:t>𝐵</m:t>
+                          </m:r>
+                          <m:r>
+                            <m:rPr>
+                              <m:sty m:val="p"/>
+                            </m:rPr>
+                            <a:rPr lang="en-US" altLang="zh-CN" i="1">
+                              <a:solidFill>
+                                <a:schemeClr val="tx1"/>
+                              </a:solidFill>
+                              <a:latin typeface="Cambria Math" panose="02040503050406030204" pitchFamily="18" charset="0"/>
+                            </a:rPr>
+                            <m:t>i</m:t>
+                          </m:r>
+                          <m:r>
+                            <a:rPr lang="en-US" altLang="zh-CN" b="0" i="1" smtClean="0">
+                              <a:solidFill>
+                                <a:schemeClr val="tx1"/>
+                              </a:solidFill>
+                              <a:latin typeface="Cambria Math" panose="02040503050406030204" pitchFamily="18" charset="0"/>
+                            </a:rPr>
+                            <m:t>𝐿𝑆𝑇𝑀</m:t>
+                          </m:r>
+                        </m:sup>
+                      </m:sSubSup>
+                    </m:oMath>
+                  </m:oMathPara>
+                </a14:m>
+                <a:endParaRPr lang="zh-CN" altLang="en-US" dirty="0">
+                  <a:solidFill>
+                    <a:schemeClr val="tx1"/>
+                  </a:solidFill>
+                  <a:latin typeface="微软雅黑" panose="020B0503020204020204" pitchFamily="34" charset="-122"/>
+                  <a:ea typeface="微软雅黑" panose="020B0503020204020204" pitchFamily="34" charset="-122"/>
+                  <a:cs typeface="Times New Roman" panose="02020603050405020304" pitchFamily="18" charset="0"/>
+                </a:endParaRPr>
+              </a:p>
+            </p:txBody>
+          </p:sp>
+        </mc:Choice>
+        <mc:Fallback>
+          <p:sp>
+            <p:nvSpPr>
+              <p:cNvPr id="8" name="矩形 7">
+                <a:extLst>
+                  <a:ext uri="{FF2B5EF4-FFF2-40B4-BE49-F238E27FC236}">
+                    <a16:creationId xmlns:a16="http://schemas.microsoft.com/office/drawing/2014/main" id="{AEE983D4-4D81-87A7-8DFC-89F4953EB8C0}"/>
+                  </a:ext>
+                </a:extLst>
+              </p:cNvPr>
+              <p:cNvSpPr>
+                <a:spLocks noRot="1" noChangeAspect="1" noMove="1" noResize="1" noEditPoints="1" noAdjustHandles="1" noChangeArrowheads="1" noChangeShapeType="1" noTextEdit="1"/>
+              </p:cNvSpPr>
+              <p:nvPr/>
+            </p:nvSpPr>
+            <p:spPr>
+              <a:xfrm>
+                <a:off x="4644230" y="2641596"/>
+                <a:ext cx="828000" cy="402771"/>
+              </a:xfrm>
+              <a:prstGeom prst="rect">
+                <a:avLst/>
+              </a:prstGeom>
+              <a:blipFill>
+                <a:blip r:embed="rId7"/>
+                <a:stretch>
+                  <a:fillRect l="-7971"/>
+                </a:stretch>
+              </a:blipFill>
+              <a:ln w="12700">
+                <a:solidFill>
+                  <a:schemeClr val="tx1"/>
+                </a:solidFill>
+              </a:ln>
+            </p:spPr>
+            <p:txBody>
+              <a:bodyPr/>
+              <a:lstStyle/>
+              <a:p>
+                <a:r>
+                  <a:rPr lang="zh-CN" altLang="en-US">
+                    <a:noFill/>
+                  </a:rPr>
+                  <a:t> </a:t>
+                </a:r>
+              </a:p>
+            </p:txBody>
+          </p:sp>
+        </mc:Fallback>
+      </mc:AlternateContent>
+      <mc:AlternateContent xmlns:mc="http://schemas.openxmlformats.org/markup-compatibility/2006">
+        <mc:Choice xmlns:a14="http://schemas.microsoft.com/office/drawing/2010/main" Requires="a14">
+          <p:sp>
+            <p:nvSpPr>
+              <p:cNvPr id="9" name="矩形 8">
+                <a:extLst>
+                  <a:ext uri="{FF2B5EF4-FFF2-40B4-BE49-F238E27FC236}">
+                    <a16:creationId xmlns:a16="http://schemas.microsoft.com/office/drawing/2014/main" id="{B9FEC5F5-791A-7A8F-B8F5-86AB1A3A50AF}"/>
+                  </a:ext>
+                </a:extLst>
+              </p:cNvPr>
+              <p:cNvSpPr/>
+              <p:nvPr/>
+            </p:nvSpPr>
+            <p:spPr>
+              <a:xfrm>
+                <a:off x="6460672" y="2641598"/>
+                <a:ext cx="828000" cy="402771"/>
+              </a:xfrm>
+              <a:prstGeom prst="rect">
+                <a:avLst/>
+              </a:prstGeom>
+              <a:noFill/>
+              <a:ln w="12700">
+                <a:solidFill>
+                  <a:schemeClr val="tx1"/>
+                </a:solidFill>
+              </a:ln>
+            </p:spPr>
+            <p:style>
+              <a:lnRef idx="2">
+                <a:schemeClr val="accent1">
+                  <a:shade val="15000"/>
+                </a:schemeClr>
+              </a:lnRef>
+              <a:fillRef idx="1">
+                <a:schemeClr val="accent1"/>
+              </a:fillRef>
+              <a:effectRef idx="0">
+                <a:schemeClr val="accent1"/>
+              </a:effectRef>
+              <a:fontRef idx="minor">
+                <a:schemeClr val="lt1"/>
+              </a:fontRef>
+            </p:style>
+            <p:txBody>
+              <a:bodyPr rtlCol="0" anchor="ctr"/>
+              <a:lstStyle/>
+              <a:p>
+                <a:pPr algn="ctr"/>
+                <a14:m>
+                  <m:oMathPara xmlns:m="http://schemas.openxmlformats.org/officeDocument/2006/math">
+                    <m:oMathParaPr>
+                      <m:jc m:val="centerGroup"/>
+                    </m:oMathParaPr>
+                    <m:oMath xmlns:m="http://schemas.openxmlformats.org/officeDocument/2006/math">
+                      <m:sSubSup>
+                        <m:sSubSupPr>
+                          <m:ctrlPr>
+                            <a:rPr lang="en-US" altLang="zh-CN" i="1" smtClean="0">
+                              <a:solidFill>
+                                <a:schemeClr val="tx1"/>
+                              </a:solidFill>
+                              <a:latin typeface="Cambria Math" panose="02040503050406030204" pitchFamily="18" charset="0"/>
+                            </a:rPr>
+                          </m:ctrlPr>
+                        </m:sSubSupPr>
+                        <m:e>
+                          <m:r>
+                            <m:rPr>
+                              <m:sty m:val="p"/>
+                            </m:rPr>
+                            <a:rPr lang="en-US" altLang="zh-CN" i="1">
+                              <a:solidFill>
+                                <a:schemeClr val="tx1"/>
+                              </a:solidFill>
+                              <a:latin typeface="Cambria Math" panose="02040503050406030204" pitchFamily="18" charset="0"/>
+                            </a:rPr>
+                            <m:t>h</m:t>
+                          </m:r>
+                        </m:e>
+                        <m:sub>
+                          <m:r>
+                            <a:rPr lang="en-US" altLang="zh-CN" i="1">
+                              <a:solidFill>
+                                <a:schemeClr val="tx1"/>
+                              </a:solidFill>
+                              <a:latin typeface="Cambria Math" panose="02040503050406030204" pitchFamily="18" charset="0"/>
+                            </a:rPr>
+                            <m:t>1</m:t>
+                          </m:r>
+                        </m:sub>
+                        <m:sup>
+                          <m:r>
+                            <a:rPr lang="en-US" altLang="zh-CN" b="0" i="1" smtClean="0">
+                              <a:solidFill>
+                                <a:schemeClr val="tx1"/>
+                              </a:solidFill>
+                              <a:latin typeface="Cambria Math" panose="02040503050406030204" pitchFamily="18" charset="0"/>
+                            </a:rPr>
+                            <m:t>𝐵</m:t>
+                          </m:r>
+                          <m:r>
+                            <m:rPr>
+                              <m:sty m:val="p"/>
+                            </m:rPr>
+                            <a:rPr lang="en-US" altLang="zh-CN" i="1">
+                              <a:solidFill>
+                                <a:schemeClr val="tx1"/>
+                              </a:solidFill>
+                              <a:latin typeface="Cambria Math" panose="02040503050406030204" pitchFamily="18" charset="0"/>
+                            </a:rPr>
+                            <m:t>i</m:t>
+                          </m:r>
+                          <m:r>
+                            <a:rPr lang="en-US" altLang="zh-CN" b="0" i="1" smtClean="0">
+                              <a:solidFill>
+                                <a:schemeClr val="tx1"/>
+                              </a:solidFill>
+                              <a:latin typeface="Cambria Math" panose="02040503050406030204" pitchFamily="18" charset="0"/>
+                            </a:rPr>
+                            <m:t>𝐿𝑆𝑇𝑀</m:t>
+                          </m:r>
+                        </m:sup>
+                      </m:sSubSup>
+                    </m:oMath>
+                  </m:oMathPara>
+                </a14:m>
+                <a:endParaRPr lang="zh-CN" altLang="en-US" dirty="0">
+                  <a:solidFill>
+                    <a:schemeClr val="tx1"/>
+                  </a:solidFill>
+                  <a:latin typeface="微软雅黑" panose="020B0503020204020204" pitchFamily="34" charset="-122"/>
+                  <a:ea typeface="微软雅黑" panose="020B0503020204020204" pitchFamily="34" charset="-122"/>
+                  <a:cs typeface="Times New Roman" panose="02020603050405020304" pitchFamily="18" charset="0"/>
+                </a:endParaRPr>
+              </a:p>
+            </p:txBody>
+          </p:sp>
+        </mc:Choice>
+        <mc:Fallback>
+          <p:sp>
+            <p:nvSpPr>
+              <p:cNvPr id="9" name="矩形 8">
+                <a:extLst>
+                  <a:ext uri="{FF2B5EF4-FFF2-40B4-BE49-F238E27FC236}">
+                    <a16:creationId xmlns:a16="http://schemas.microsoft.com/office/drawing/2014/main" id="{B9FEC5F5-791A-7A8F-B8F5-86AB1A3A50AF}"/>
+                  </a:ext>
+                </a:extLst>
+              </p:cNvPr>
+              <p:cNvSpPr>
+                <a:spLocks noRot="1" noChangeAspect="1" noMove="1" noResize="1" noEditPoints="1" noAdjustHandles="1" noChangeArrowheads="1" noChangeShapeType="1" noTextEdit="1"/>
+              </p:cNvSpPr>
+              <p:nvPr/>
+            </p:nvSpPr>
+            <p:spPr>
+              <a:xfrm>
+                <a:off x="6460672" y="2641598"/>
+                <a:ext cx="828000" cy="402771"/>
+              </a:xfrm>
+              <a:prstGeom prst="rect">
+                <a:avLst/>
+              </a:prstGeom>
+              <a:blipFill>
+                <a:blip r:embed="rId8"/>
+                <a:stretch>
+                  <a:fillRect l="-7971"/>
+                </a:stretch>
+              </a:blipFill>
+              <a:ln w="12700">
+                <a:solidFill>
+                  <a:schemeClr val="tx1"/>
+                </a:solidFill>
+              </a:ln>
+            </p:spPr>
+            <p:txBody>
+              <a:bodyPr/>
+              <a:lstStyle/>
+              <a:p>
+                <a:r>
+                  <a:rPr lang="zh-CN" altLang="en-US">
+                    <a:noFill/>
+                  </a:rPr>
+                  <a:t> </a:t>
+                </a:r>
+              </a:p>
+            </p:txBody>
+          </p:sp>
+        </mc:Fallback>
+      </mc:AlternateContent>
+      <mc:AlternateContent xmlns:mc="http://schemas.openxmlformats.org/markup-compatibility/2006">
+        <mc:Choice xmlns:a14="http://schemas.microsoft.com/office/drawing/2010/main" Requires="a14">
+          <p:sp>
+            <p:nvSpPr>
+              <p:cNvPr id="10" name="矩形 9">
+                <a:extLst>
+                  <a:ext uri="{FF2B5EF4-FFF2-40B4-BE49-F238E27FC236}">
+                    <a16:creationId xmlns:a16="http://schemas.microsoft.com/office/drawing/2014/main" id="{D2A28B92-8D44-7551-30AB-F2E4FD4637E0}"/>
+                  </a:ext>
+                </a:extLst>
+              </p:cNvPr>
+              <p:cNvSpPr/>
+              <p:nvPr/>
+            </p:nvSpPr>
+            <p:spPr>
+              <a:xfrm>
+                <a:off x="7621472" y="2641594"/>
+                <a:ext cx="828000" cy="402771"/>
+              </a:xfrm>
+              <a:prstGeom prst="rect">
+                <a:avLst/>
+              </a:prstGeom>
+              <a:noFill/>
+              <a:ln w="12700">
+                <a:solidFill>
+                  <a:schemeClr val="tx1"/>
+                </a:solidFill>
+              </a:ln>
+            </p:spPr>
+            <p:style>
+              <a:lnRef idx="2">
+                <a:schemeClr val="accent1">
+                  <a:shade val="15000"/>
+                </a:schemeClr>
+              </a:lnRef>
+              <a:fillRef idx="1">
+                <a:schemeClr val="accent1"/>
+              </a:fillRef>
+              <a:effectRef idx="0">
+                <a:schemeClr val="accent1"/>
+              </a:effectRef>
+              <a:fontRef idx="minor">
+                <a:schemeClr val="lt1"/>
+              </a:fontRef>
+            </p:style>
+            <p:txBody>
+              <a:bodyPr rtlCol="0" anchor="ctr"/>
+              <a:lstStyle/>
+              <a:p>
+                <a:pPr algn="ctr"/>
+                <a14:m>
+                  <m:oMathPara xmlns:m="http://schemas.openxmlformats.org/officeDocument/2006/math">
+                    <m:oMathParaPr>
+                      <m:jc m:val="centerGroup"/>
+                    </m:oMathParaPr>
+                    <m:oMath xmlns:m="http://schemas.openxmlformats.org/officeDocument/2006/math">
+                      <m:sSubSup>
+                        <m:sSubSupPr>
+                          <m:ctrlPr>
+                            <a:rPr lang="en-US" altLang="zh-CN" i="1" smtClean="0">
+                              <a:solidFill>
+                                <a:schemeClr val="tx1"/>
+                              </a:solidFill>
+                              <a:latin typeface="Cambria Math" panose="02040503050406030204" pitchFamily="18" charset="0"/>
+                            </a:rPr>
+                          </m:ctrlPr>
+                        </m:sSubSupPr>
+                        <m:e>
+                          <m:r>
+                            <m:rPr>
+                              <m:sty m:val="p"/>
+                            </m:rPr>
+                            <a:rPr lang="en-US" altLang="zh-CN" i="1">
+                              <a:solidFill>
+                                <a:schemeClr val="tx1"/>
+                              </a:solidFill>
+                              <a:latin typeface="Cambria Math" panose="02040503050406030204" pitchFamily="18" charset="0"/>
+                            </a:rPr>
+                            <m:t>h</m:t>
+                          </m:r>
+                        </m:e>
+                        <m:sub>
+                          <m:r>
+                            <a:rPr lang="en-US" altLang="zh-CN" b="0" i="1" smtClean="0">
+                              <a:solidFill>
+                                <a:schemeClr val="tx1"/>
+                              </a:solidFill>
+                              <a:latin typeface="Cambria Math" panose="02040503050406030204" pitchFamily="18" charset="0"/>
+                            </a:rPr>
+                            <m:t>2</m:t>
+                          </m:r>
+                        </m:sub>
+                        <m:sup>
+                          <m:r>
+                            <a:rPr lang="en-US" altLang="zh-CN" b="0" i="1" smtClean="0">
+                              <a:solidFill>
+                                <a:schemeClr val="tx1"/>
+                              </a:solidFill>
+                              <a:latin typeface="Cambria Math" panose="02040503050406030204" pitchFamily="18" charset="0"/>
+                            </a:rPr>
+                            <m:t>𝐵</m:t>
+                          </m:r>
+                          <m:r>
+                            <m:rPr>
+                              <m:sty m:val="p"/>
+                            </m:rPr>
+                            <a:rPr lang="en-US" altLang="zh-CN" i="1">
+                              <a:solidFill>
+                                <a:schemeClr val="tx1"/>
+                              </a:solidFill>
+                              <a:latin typeface="Cambria Math" panose="02040503050406030204" pitchFamily="18" charset="0"/>
+                            </a:rPr>
+                            <m:t>i</m:t>
+                          </m:r>
+                          <m:r>
+                            <a:rPr lang="en-US" altLang="zh-CN" b="0" i="1" smtClean="0">
+                              <a:solidFill>
+                                <a:schemeClr val="tx1"/>
+                              </a:solidFill>
+                              <a:latin typeface="Cambria Math" panose="02040503050406030204" pitchFamily="18" charset="0"/>
+                            </a:rPr>
+                            <m:t>𝐿𝑆𝑇𝑀</m:t>
+                          </m:r>
+                        </m:sup>
+                      </m:sSubSup>
+                    </m:oMath>
+                  </m:oMathPara>
+                </a14:m>
+                <a:endParaRPr lang="zh-CN" altLang="en-US" dirty="0">
+                  <a:solidFill>
+                    <a:schemeClr val="tx1"/>
+                  </a:solidFill>
+                  <a:latin typeface="微软雅黑" panose="020B0503020204020204" pitchFamily="34" charset="-122"/>
+                  <a:ea typeface="微软雅黑" panose="020B0503020204020204" pitchFamily="34" charset="-122"/>
+                  <a:cs typeface="Times New Roman" panose="02020603050405020304" pitchFamily="18" charset="0"/>
+                </a:endParaRPr>
+              </a:p>
+            </p:txBody>
+          </p:sp>
+        </mc:Choice>
+        <mc:Fallback>
+          <p:sp>
+            <p:nvSpPr>
+              <p:cNvPr id="10" name="矩形 9">
+                <a:extLst>
+                  <a:ext uri="{FF2B5EF4-FFF2-40B4-BE49-F238E27FC236}">
+                    <a16:creationId xmlns:a16="http://schemas.microsoft.com/office/drawing/2014/main" id="{D2A28B92-8D44-7551-30AB-F2E4FD4637E0}"/>
+                  </a:ext>
+                </a:extLst>
+              </p:cNvPr>
+              <p:cNvSpPr>
+                <a:spLocks noRot="1" noChangeAspect="1" noMove="1" noResize="1" noEditPoints="1" noAdjustHandles="1" noChangeArrowheads="1" noChangeShapeType="1" noTextEdit="1"/>
+              </p:cNvSpPr>
+              <p:nvPr/>
+            </p:nvSpPr>
+            <p:spPr>
+              <a:xfrm>
+                <a:off x="7621472" y="2641594"/>
+                <a:ext cx="828000" cy="402771"/>
+              </a:xfrm>
+              <a:prstGeom prst="rect">
+                <a:avLst/>
+              </a:prstGeom>
+              <a:blipFill>
+                <a:blip r:embed="rId9"/>
+                <a:stretch>
+                  <a:fillRect l="-7971"/>
+                </a:stretch>
+              </a:blipFill>
+              <a:ln w="12700">
+                <a:solidFill>
+                  <a:schemeClr val="tx1"/>
+                </a:solidFill>
+              </a:ln>
+            </p:spPr>
+            <p:txBody>
+              <a:bodyPr/>
+              <a:lstStyle/>
+              <a:p>
+                <a:r>
+                  <a:rPr lang="zh-CN" altLang="en-US">
+                    <a:noFill/>
+                  </a:rPr>
+                  <a:t> </a:t>
+                </a:r>
+              </a:p>
+            </p:txBody>
+          </p:sp>
+        </mc:Fallback>
+      </mc:AlternateContent>
+      <mc:AlternateContent xmlns:mc="http://schemas.openxmlformats.org/markup-compatibility/2006">
+        <mc:Choice xmlns:a14="http://schemas.microsoft.com/office/drawing/2010/main" Requires="a14">
+          <p:sp>
+            <p:nvSpPr>
+              <p:cNvPr id="11" name="矩形 10">
+                <a:extLst>
+                  <a:ext uri="{FF2B5EF4-FFF2-40B4-BE49-F238E27FC236}">
+                    <a16:creationId xmlns:a16="http://schemas.microsoft.com/office/drawing/2014/main" id="{33474F72-98D3-3153-BC33-A4EAA9EB6AD0}"/>
+                  </a:ext>
+                </a:extLst>
+              </p:cNvPr>
+              <p:cNvSpPr/>
+              <p:nvPr/>
+            </p:nvSpPr>
+            <p:spPr>
+              <a:xfrm>
+                <a:off x="9566730" y="2641596"/>
+                <a:ext cx="828000" cy="402771"/>
+              </a:xfrm>
+              <a:prstGeom prst="rect">
+                <a:avLst/>
+              </a:prstGeom>
+              <a:noFill/>
+              <a:ln w="12700">
+                <a:solidFill>
+                  <a:schemeClr val="tx1"/>
+                </a:solidFill>
+              </a:ln>
+            </p:spPr>
+            <p:style>
+              <a:lnRef idx="2">
+                <a:schemeClr val="accent1">
+                  <a:shade val="15000"/>
+                </a:schemeClr>
+              </a:lnRef>
+              <a:fillRef idx="1">
+                <a:schemeClr val="accent1"/>
+              </a:fillRef>
+              <a:effectRef idx="0">
+                <a:schemeClr val="accent1"/>
+              </a:effectRef>
+              <a:fontRef idx="minor">
+                <a:schemeClr val="lt1"/>
+              </a:fontRef>
+            </p:style>
+            <p:txBody>
+              <a:bodyPr rtlCol="0" anchor="ctr"/>
+              <a:lstStyle/>
+              <a:p>
+                <a:pPr algn="ctr"/>
+                <a14:m>
+                  <m:oMathPara xmlns:m="http://schemas.openxmlformats.org/officeDocument/2006/math">
+                    <m:oMathParaPr>
+                      <m:jc m:val="centerGroup"/>
+                    </m:oMathParaPr>
+                    <m:oMath xmlns:m="http://schemas.openxmlformats.org/officeDocument/2006/math">
+                      <m:sSubSup>
+                        <m:sSubSupPr>
+                          <m:ctrlPr>
+                            <a:rPr lang="en-US" altLang="zh-CN" i="1" smtClean="0">
+                              <a:solidFill>
+                                <a:schemeClr val="tx1"/>
+                              </a:solidFill>
+                              <a:latin typeface="Cambria Math" panose="02040503050406030204" pitchFamily="18" charset="0"/>
+                            </a:rPr>
+                          </m:ctrlPr>
+                        </m:sSubSupPr>
+                        <m:e>
+                          <m:r>
+                            <m:rPr>
+                              <m:sty m:val="p"/>
+                            </m:rPr>
+                            <a:rPr lang="en-US" altLang="zh-CN" i="1">
+                              <a:solidFill>
+                                <a:schemeClr val="tx1"/>
+                              </a:solidFill>
+                              <a:latin typeface="Cambria Math" panose="02040503050406030204" pitchFamily="18" charset="0"/>
+                            </a:rPr>
+                            <m:t>h</m:t>
+                          </m:r>
+                        </m:e>
+                        <m:sub>
+                          <m:r>
+                            <m:rPr>
+                              <m:sty m:val="p"/>
+                            </m:rPr>
+                            <a:rPr lang="en-US" altLang="zh-CN" i="1">
+                              <a:solidFill>
+                                <a:schemeClr val="tx1"/>
+                              </a:solidFill>
+                              <a:latin typeface="Cambria Math" panose="02040503050406030204" pitchFamily="18" charset="0"/>
+                            </a:rPr>
+                            <m:t>m</m:t>
+                          </m:r>
+                          <m:r>
+                            <a:rPr lang="en-US" altLang="zh-CN" i="1" smtClean="0">
+                              <a:solidFill>
+                                <a:schemeClr val="tx1"/>
+                              </a:solidFill>
+                              <a:latin typeface="Cambria Math" panose="02040503050406030204" pitchFamily="18" charset="0"/>
+                            </a:rPr>
+                            <m:t>-</m:t>
+                          </m:r>
+                          <m:r>
+                            <a:rPr lang="en-US" altLang="zh-CN" i="1">
+                              <a:solidFill>
+                                <a:schemeClr val="tx1"/>
+                              </a:solidFill>
+                              <a:latin typeface="Cambria Math" panose="02040503050406030204" pitchFamily="18" charset="0"/>
+                            </a:rPr>
+                            <m:t>1</m:t>
+                          </m:r>
+                        </m:sub>
+                        <m:sup>
+                          <m:r>
+                            <a:rPr lang="en-US" altLang="zh-CN" b="0" i="1" smtClean="0">
+                              <a:solidFill>
+                                <a:schemeClr val="tx1"/>
+                              </a:solidFill>
+                              <a:latin typeface="Cambria Math" panose="02040503050406030204" pitchFamily="18" charset="0"/>
+                            </a:rPr>
+                            <m:t>𝐵</m:t>
+                          </m:r>
+                          <m:r>
+                            <m:rPr>
+                              <m:sty m:val="p"/>
+                            </m:rPr>
+                            <a:rPr lang="en-US" altLang="zh-CN" i="1">
+                              <a:solidFill>
+                                <a:schemeClr val="tx1"/>
+                              </a:solidFill>
+                              <a:latin typeface="Cambria Math" panose="02040503050406030204" pitchFamily="18" charset="0"/>
+                            </a:rPr>
+                            <m:t>i</m:t>
+                          </m:r>
+                          <m:r>
+                            <a:rPr lang="en-US" altLang="zh-CN" b="0" i="1" smtClean="0">
+                              <a:solidFill>
+                                <a:schemeClr val="tx1"/>
+                              </a:solidFill>
+                              <a:latin typeface="Cambria Math" panose="02040503050406030204" pitchFamily="18" charset="0"/>
+                            </a:rPr>
+                            <m:t>𝐿𝑆𝑇𝑀</m:t>
+                          </m:r>
+                        </m:sup>
+                      </m:sSubSup>
+                    </m:oMath>
+                  </m:oMathPara>
+                </a14:m>
+                <a:endParaRPr lang="zh-CN" altLang="en-US" dirty="0">
+                  <a:solidFill>
+                    <a:schemeClr val="tx1"/>
+                  </a:solidFill>
+                  <a:latin typeface="微软雅黑" panose="020B0503020204020204" pitchFamily="34" charset="-122"/>
+                  <a:ea typeface="微软雅黑" panose="020B0503020204020204" pitchFamily="34" charset="-122"/>
+                  <a:cs typeface="Times New Roman" panose="02020603050405020304" pitchFamily="18" charset="0"/>
+                </a:endParaRPr>
+              </a:p>
+            </p:txBody>
+          </p:sp>
+        </mc:Choice>
+        <mc:Fallback>
+          <p:sp>
+            <p:nvSpPr>
+              <p:cNvPr id="11" name="矩形 10">
+                <a:extLst>
+                  <a:ext uri="{FF2B5EF4-FFF2-40B4-BE49-F238E27FC236}">
+                    <a16:creationId xmlns:a16="http://schemas.microsoft.com/office/drawing/2014/main" id="{33474F72-98D3-3153-BC33-A4EAA9EB6AD0}"/>
+                  </a:ext>
+                </a:extLst>
+              </p:cNvPr>
+              <p:cNvSpPr>
+                <a:spLocks noRot="1" noChangeAspect="1" noMove="1" noResize="1" noEditPoints="1" noAdjustHandles="1" noChangeArrowheads="1" noChangeShapeType="1" noTextEdit="1"/>
+              </p:cNvSpPr>
+              <p:nvPr/>
+            </p:nvSpPr>
+            <p:spPr>
+              <a:xfrm>
+                <a:off x="9566730" y="2641596"/>
+                <a:ext cx="828000" cy="402771"/>
+              </a:xfrm>
+              <a:prstGeom prst="rect">
+                <a:avLst/>
+              </a:prstGeom>
+              <a:blipFill>
+                <a:blip r:embed="rId10"/>
+                <a:stretch>
+                  <a:fillRect l="-7971"/>
+                </a:stretch>
+              </a:blipFill>
+              <a:ln w="12700">
+                <a:solidFill>
+                  <a:schemeClr val="tx1"/>
+                </a:solidFill>
+              </a:ln>
+            </p:spPr>
+            <p:txBody>
+              <a:bodyPr/>
+              <a:lstStyle/>
+              <a:p>
+                <a:r>
+                  <a:rPr lang="zh-CN" altLang="en-US">
+                    <a:noFill/>
+                  </a:rPr>
+                  <a:t> </a:t>
+                </a:r>
+              </a:p>
+            </p:txBody>
+          </p:sp>
+        </mc:Fallback>
+      </mc:AlternateContent>
+      <mc:AlternateContent xmlns:mc="http://schemas.openxmlformats.org/markup-compatibility/2006">
+        <mc:Choice xmlns:a14="http://schemas.microsoft.com/office/drawing/2010/main" Requires="a14">
+          <p:sp>
+            <p:nvSpPr>
+              <p:cNvPr id="12" name="矩形 11">
+                <a:extLst>
+                  <a:ext uri="{FF2B5EF4-FFF2-40B4-BE49-F238E27FC236}">
+                    <a16:creationId xmlns:a16="http://schemas.microsoft.com/office/drawing/2014/main" id="{3F10BD84-6825-BEBF-5F6F-0A46543ECAE2}"/>
+                  </a:ext>
+                </a:extLst>
+              </p:cNvPr>
+              <p:cNvSpPr/>
+              <p:nvPr/>
+            </p:nvSpPr>
+            <p:spPr>
+              <a:xfrm>
+                <a:off x="10727530" y="2641594"/>
+                <a:ext cx="828000" cy="402771"/>
+              </a:xfrm>
+              <a:prstGeom prst="rect">
+                <a:avLst/>
+              </a:prstGeom>
+              <a:noFill/>
+              <a:ln w="12700">
+                <a:solidFill>
+                  <a:schemeClr val="tx1"/>
+                </a:solidFill>
+              </a:ln>
+            </p:spPr>
+            <p:style>
+              <a:lnRef idx="2">
+                <a:schemeClr val="accent1">
+                  <a:shade val="15000"/>
+                </a:schemeClr>
+              </a:lnRef>
+              <a:fillRef idx="1">
+                <a:schemeClr val="accent1"/>
+              </a:fillRef>
+              <a:effectRef idx="0">
+                <a:schemeClr val="accent1"/>
+              </a:effectRef>
+              <a:fontRef idx="minor">
+                <a:schemeClr val="lt1"/>
+              </a:fontRef>
+            </p:style>
+            <p:txBody>
+              <a:bodyPr rtlCol="0" anchor="ctr"/>
+              <a:lstStyle/>
+              <a:p>
+                <a:pPr algn="ctr"/>
+                <a14:m>
+                  <m:oMathPara xmlns:m="http://schemas.openxmlformats.org/officeDocument/2006/math">
+                    <m:oMathParaPr>
+                      <m:jc m:val="centerGroup"/>
+                    </m:oMathParaPr>
+                    <m:oMath xmlns:m="http://schemas.openxmlformats.org/officeDocument/2006/math">
+                      <m:sSubSup>
+                        <m:sSubSupPr>
+                          <m:ctrlPr>
+                            <a:rPr lang="en-US" altLang="zh-CN" i="1" smtClean="0">
+                              <a:solidFill>
+                                <a:schemeClr val="tx1"/>
+                              </a:solidFill>
+                              <a:latin typeface="Cambria Math" panose="02040503050406030204" pitchFamily="18" charset="0"/>
+                            </a:rPr>
+                          </m:ctrlPr>
+                        </m:sSubSupPr>
+                        <m:e>
+                          <m:r>
+                            <m:rPr>
+                              <m:sty m:val="p"/>
+                            </m:rPr>
+                            <a:rPr lang="en-US" altLang="zh-CN" i="1">
+                              <a:solidFill>
+                                <a:schemeClr val="tx1"/>
+                              </a:solidFill>
+                              <a:latin typeface="Cambria Math" panose="02040503050406030204" pitchFamily="18" charset="0"/>
+                            </a:rPr>
+                            <m:t>h</m:t>
+                          </m:r>
+                        </m:e>
+                        <m:sub>
+                          <m:r>
+                            <a:rPr lang="en-US" altLang="zh-CN" b="0" i="1" smtClean="0">
+                              <a:solidFill>
+                                <a:schemeClr val="tx1"/>
+                              </a:solidFill>
+                              <a:latin typeface="Cambria Math" panose="02040503050406030204" pitchFamily="18" charset="0"/>
+                            </a:rPr>
+                            <m:t>𝑚</m:t>
+                          </m:r>
+                        </m:sub>
+                        <m:sup>
+                          <m:r>
+                            <a:rPr lang="en-US" altLang="zh-CN" b="0" i="1" smtClean="0">
+                              <a:solidFill>
+                                <a:schemeClr val="tx1"/>
+                              </a:solidFill>
+                              <a:latin typeface="Cambria Math" panose="02040503050406030204" pitchFamily="18" charset="0"/>
+                            </a:rPr>
+                            <m:t>𝐵</m:t>
+                          </m:r>
+                          <m:r>
+                            <m:rPr>
+                              <m:sty m:val="p"/>
+                            </m:rPr>
+                            <a:rPr lang="en-US" altLang="zh-CN" i="1">
+                              <a:solidFill>
+                                <a:schemeClr val="tx1"/>
+                              </a:solidFill>
+                              <a:latin typeface="Cambria Math" panose="02040503050406030204" pitchFamily="18" charset="0"/>
+                            </a:rPr>
+                            <m:t>i</m:t>
+                          </m:r>
+                          <m:r>
+                            <a:rPr lang="en-US" altLang="zh-CN" b="0" i="1" smtClean="0">
+                              <a:solidFill>
+                                <a:schemeClr val="tx1"/>
+                              </a:solidFill>
+                              <a:latin typeface="Cambria Math" panose="02040503050406030204" pitchFamily="18" charset="0"/>
+                            </a:rPr>
+                            <m:t>𝐿𝑆𝑇𝑀</m:t>
+                          </m:r>
+                        </m:sup>
+                      </m:sSubSup>
+                    </m:oMath>
+                  </m:oMathPara>
+                </a14:m>
+                <a:endParaRPr lang="zh-CN" altLang="en-US" dirty="0">
+                  <a:solidFill>
+                    <a:schemeClr val="tx1"/>
+                  </a:solidFill>
+                  <a:latin typeface="微软雅黑" panose="020B0503020204020204" pitchFamily="34" charset="-122"/>
+                  <a:ea typeface="微软雅黑" panose="020B0503020204020204" pitchFamily="34" charset="-122"/>
+                  <a:cs typeface="Times New Roman" panose="02020603050405020304" pitchFamily="18" charset="0"/>
+                </a:endParaRPr>
+              </a:p>
+            </p:txBody>
+          </p:sp>
+        </mc:Choice>
+        <mc:Fallback>
+          <p:sp>
+            <p:nvSpPr>
+              <p:cNvPr id="12" name="矩形 11">
+                <a:extLst>
+                  <a:ext uri="{FF2B5EF4-FFF2-40B4-BE49-F238E27FC236}">
+                    <a16:creationId xmlns:a16="http://schemas.microsoft.com/office/drawing/2014/main" id="{3F10BD84-6825-BEBF-5F6F-0A46543ECAE2}"/>
+                  </a:ext>
+                </a:extLst>
+              </p:cNvPr>
+              <p:cNvSpPr>
+                <a:spLocks noRot="1" noChangeAspect="1" noMove="1" noResize="1" noEditPoints="1" noAdjustHandles="1" noChangeArrowheads="1" noChangeShapeType="1" noTextEdit="1"/>
+              </p:cNvSpPr>
+              <p:nvPr/>
+            </p:nvSpPr>
+            <p:spPr>
+              <a:xfrm>
+                <a:off x="10727530" y="2641594"/>
+                <a:ext cx="828000" cy="402771"/>
+              </a:xfrm>
+              <a:prstGeom prst="rect">
+                <a:avLst/>
+              </a:prstGeom>
+              <a:blipFill>
+                <a:blip r:embed="rId11"/>
+                <a:stretch>
+                  <a:fillRect l="-7971"/>
+                </a:stretch>
+              </a:blipFill>
+              <a:ln w="12700">
+                <a:solidFill>
+                  <a:schemeClr val="tx1"/>
+                </a:solidFill>
+              </a:ln>
+            </p:spPr>
+            <p:txBody>
+              <a:bodyPr/>
+              <a:lstStyle/>
+              <a:p>
+                <a:r>
+                  <a:rPr lang="zh-CN" altLang="en-US">
+                    <a:noFill/>
+                  </a:rPr>
+                  <a:t> </a:t>
+                </a:r>
+              </a:p>
+            </p:txBody>
+          </p:sp>
+        </mc:Fallback>
+      </mc:AlternateContent>
+      <p:sp>
+        <p:nvSpPr>
+          <p:cNvPr id="18" name="文本框 17">
+            <a:extLst>
+              <a:ext uri="{FF2B5EF4-FFF2-40B4-BE49-F238E27FC236}">
+                <a16:creationId xmlns:a16="http://schemas.microsoft.com/office/drawing/2014/main" id="{D666146F-BBF3-4185-D2BF-1B7C04794E1E}"/>
               </a:ext>
             </a:extLst>
           </p:cNvPr>
@@ -5253,8 +8964,2901 @@
         </p:nvSpPr>
         <p:spPr>
           <a:xfrm>
-            <a:off x="194872" y="175098"/>
-            <a:ext cx="1199213" cy="369332"/>
+            <a:off x="-43459" y="6265898"/>
+            <a:ext cx="6096000" cy="369332"/>
+          </a:xfrm>
+          <a:prstGeom prst="rect">
+            <a:avLst/>
+          </a:prstGeom>
+          <a:noFill/>
+        </p:spPr>
+        <p:txBody>
+          <a:bodyPr wrap="square">
+            <a:spAutoFit/>
+          </a:bodyPr>
+          <a:lstStyle/>
+          <a:p>
+            <a:pPr algn="ctr"/>
+            <a:r>
+              <a:rPr lang="zh-CN" altLang="en-US" dirty="0">
+                <a:latin typeface="微软雅黑" panose="020B0503020204020204" pitchFamily="34" charset="-122"/>
+                <a:ea typeface="微软雅黑" panose="020B0503020204020204" pitchFamily="34" charset="-122"/>
+                <a:cs typeface="Times New Roman" panose="02020603050405020304" pitchFamily="18" charset="0"/>
+              </a:rPr>
+              <a:t>代码片段</a:t>
+            </a:r>
+            <a:r>
+              <a:rPr lang="en-US" altLang="zh-CN" dirty="0">
+                <a:latin typeface="微软雅黑" panose="020B0503020204020204" pitchFamily="34" charset="-122"/>
+                <a:ea typeface="微软雅黑" panose="020B0503020204020204" pitchFamily="34" charset="-122"/>
+                <a:cs typeface="Times New Roman" panose="02020603050405020304" pitchFamily="18" charset="0"/>
+              </a:rPr>
+              <a:t>A</a:t>
+            </a:r>
+            <a:r>
+              <a:rPr lang="zh-CN" altLang="en-US" dirty="0">
+                <a:latin typeface="微软雅黑" panose="020B0503020204020204" pitchFamily="34" charset="-122"/>
+                <a:ea typeface="微软雅黑" panose="020B0503020204020204" pitchFamily="34" charset="-122"/>
+                <a:cs typeface="Times New Roman" panose="02020603050405020304" pitchFamily="18" charset="0"/>
+              </a:rPr>
+              <a:t>的</a:t>
+            </a:r>
+            <a:r>
+              <a:rPr lang="en-US" altLang="zh-CN" dirty="0">
+                <a:solidFill>
+                  <a:schemeClr val="tx1"/>
+                </a:solidFill>
+                <a:latin typeface="微软雅黑" panose="020B0503020204020204" pitchFamily="34" charset="-122"/>
+                <a:ea typeface="微软雅黑" panose="020B0503020204020204" pitchFamily="34" charset="-122"/>
+                <a:cs typeface="Times New Roman" panose="02020603050405020304" pitchFamily="18" charset="0"/>
+              </a:rPr>
+              <a:t>Token</a:t>
+            </a:r>
+            <a:r>
+              <a:rPr lang="zh-CN" altLang="en-US" dirty="0">
+                <a:solidFill>
+                  <a:schemeClr val="tx1"/>
+                </a:solidFill>
+                <a:latin typeface="微软雅黑" panose="020B0503020204020204" pitchFamily="34" charset="-122"/>
+                <a:ea typeface="微软雅黑" panose="020B0503020204020204" pitchFamily="34" charset="-122"/>
+                <a:cs typeface="Times New Roman" panose="02020603050405020304" pitchFamily="18" charset="0"/>
+              </a:rPr>
+              <a:t>序列</a:t>
+            </a:r>
+            <a:endParaRPr lang="zh-CN" altLang="en-US" dirty="0">
+              <a:latin typeface="微软雅黑" panose="020B0503020204020204" pitchFamily="34" charset="-122"/>
+              <a:ea typeface="微软雅黑" panose="020B0503020204020204" pitchFamily="34" charset="-122"/>
+              <a:cs typeface="Times New Roman" panose="02020603050405020304" pitchFamily="18" charset="0"/>
+            </a:endParaRPr>
+          </a:p>
+        </p:txBody>
+      </p:sp>
+      <mc:AlternateContent xmlns:mc="http://schemas.openxmlformats.org/markup-compatibility/2006">
+        <mc:Choice xmlns:a14="http://schemas.microsoft.com/office/drawing/2010/main" Requires="a14">
+          <p:sp>
+            <p:nvSpPr>
+              <p:cNvPr id="23" name="矩形 22">
+                <a:extLst>
+                  <a:ext uri="{FF2B5EF4-FFF2-40B4-BE49-F238E27FC236}">
+                    <a16:creationId xmlns:a16="http://schemas.microsoft.com/office/drawing/2014/main" id="{C1FE1C99-6A3F-8612-ECDD-490CDA34FB27}"/>
+                  </a:ext>
+                </a:extLst>
+              </p:cNvPr>
+              <p:cNvSpPr/>
+              <p:nvPr/>
+            </p:nvSpPr>
+            <p:spPr>
+              <a:xfrm>
+                <a:off x="675708" y="4376034"/>
+                <a:ext cx="631028" cy="495300"/>
+              </a:xfrm>
+              <a:prstGeom prst="rect">
+                <a:avLst/>
+              </a:prstGeom>
+              <a:noFill/>
+              <a:ln w="12700">
+                <a:solidFill>
+                  <a:schemeClr val="tx1"/>
+                </a:solidFill>
+              </a:ln>
+            </p:spPr>
+            <p:style>
+              <a:lnRef idx="2">
+                <a:schemeClr val="accent1">
+                  <a:shade val="15000"/>
+                </a:schemeClr>
+              </a:lnRef>
+              <a:fillRef idx="1">
+                <a:schemeClr val="accent1"/>
+              </a:fillRef>
+              <a:effectRef idx="0">
+                <a:schemeClr val="accent1"/>
+              </a:effectRef>
+              <a:fontRef idx="minor">
+                <a:schemeClr val="lt1"/>
+              </a:fontRef>
+            </p:style>
+            <p:txBody>
+              <a:bodyPr rtlCol="0" anchor="ctr"/>
+              <a:lstStyle/>
+              <a:p>
+                <a:pPr algn="ctr"/>
+                <a14:m>
+                  <m:oMathPara xmlns:m="http://schemas.openxmlformats.org/officeDocument/2006/math">
+                    <m:oMathParaPr>
+                      <m:jc m:val="centerGroup"/>
+                    </m:oMathParaPr>
+                    <m:oMath xmlns:m="http://schemas.openxmlformats.org/officeDocument/2006/math">
+                      <m:sSubSup>
+                        <m:sSubSupPr>
+                          <m:ctrlPr>
+                            <a:rPr lang="en-US" altLang="zh-CN" i="1">
+                              <a:solidFill>
+                                <a:schemeClr val="tx1"/>
+                              </a:solidFill>
+                              <a:latin typeface="Cambria Math" panose="02040503050406030204" pitchFamily="18" charset="0"/>
+                            </a:rPr>
+                          </m:ctrlPr>
+                        </m:sSubSupPr>
+                        <m:e>
+                          <m:r>
+                            <a:rPr lang="en-US" altLang="zh-CN" i="1">
+                              <a:solidFill>
+                                <a:schemeClr val="tx1"/>
+                              </a:solidFill>
+                              <a:latin typeface="Cambria Math" panose="02040503050406030204" pitchFamily="18" charset="0"/>
+                            </a:rPr>
+                            <m:t>𝑥</m:t>
+                          </m:r>
+                        </m:e>
+                        <m:sub>
+                          <m:r>
+                            <a:rPr lang="en-US" altLang="zh-CN" i="1">
+                              <a:solidFill>
+                                <a:schemeClr val="tx1"/>
+                              </a:solidFill>
+                              <a:latin typeface="Cambria Math" panose="02040503050406030204" pitchFamily="18" charset="0"/>
+                            </a:rPr>
+                            <m:t>1</m:t>
+                          </m:r>
+                        </m:sub>
+                        <m:sup>
+                          <m:r>
+                            <a:rPr lang="en-US" altLang="zh-CN" i="1">
+                              <a:solidFill>
+                                <a:schemeClr val="tx1"/>
+                              </a:solidFill>
+                              <a:latin typeface="Cambria Math" panose="02040503050406030204" pitchFamily="18" charset="0"/>
+                            </a:rPr>
+                            <m:t>𝑎</m:t>
+                          </m:r>
+                        </m:sup>
+                      </m:sSubSup>
+                    </m:oMath>
+                  </m:oMathPara>
+                </a14:m>
+                <a:endParaRPr lang="zh-CN" altLang="en-US" i="1" dirty="0">
+                  <a:solidFill>
+                    <a:schemeClr val="tx1"/>
+                  </a:solidFill>
+                  <a:latin typeface="微软雅黑" panose="020B0503020204020204" pitchFamily="34" charset="-122"/>
+                  <a:ea typeface="微软雅黑" panose="020B0503020204020204" pitchFamily="34" charset="-122"/>
+                  <a:cs typeface="Times New Roman" panose="02020603050405020304" pitchFamily="18" charset="0"/>
+                </a:endParaRPr>
+              </a:p>
+            </p:txBody>
+          </p:sp>
+        </mc:Choice>
+        <mc:Fallback>
+          <p:sp>
+            <p:nvSpPr>
+              <p:cNvPr id="23" name="矩形 22">
+                <a:extLst>
+                  <a:ext uri="{FF2B5EF4-FFF2-40B4-BE49-F238E27FC236}">
+                    <a16:creationId xmlns:a16="http://schemas.microsoft.com/office/drawing/2014/main" id="{C1FE1C99-6A3F-8612-ECDD-490CDA34FB27}"/>
+                  </a:ext>
+                </a:extLst>
+              </p:cNvPr>
+              <p:cNvSpPr>
+                <a:spLocks noRot="1" noChangeAspect="1" noMove="1" noResize="1" noEditPoints="1" noAdjustHandles="1" noChangeArrowheads="1" noChangeShapeType="1" noTextEdit="1"/>
+              </p:cNvSpPr>
+              <p:nvPr/>
+            </p:nvSpPr>
+            <p:spPr>
+              <a:xfrm>
+                <a:off x="675708" y="4376034"/>
+                <a:ext cx="631028" cy="495300"/>
+              </a:xfrm>
+              <a:prstGeom prst="rect">
+                <a:avLst/>
+              </a:prstGeom>
+              <a:blipFill>
+                <a:blip r:embed="rId12"/>
+                <a:stretch>
+                  <a:fillRect/>
+                </a:stretch>
+              </a:blipFill>
+              <a:ln w="12700">
+                <a:solidFill>
+                  <a:schemeClr val="tx1"/>
+                </a:solidFill>
+              </a:ln>
+            </p:spPr>
+            <p:txBody>
+              <a:bodyPr/>
+              <a:lstStyle/>
+              <a:p>
+                <a:r>
+                  <a:rPr lang="zh-CN" altLang="en-US">
+                    <a:noFill/>
+                  </a:rPr>
+                  <a:t> </a:t>
+                </a:r>
+              </a:p>
+            </p:txBody>
+          </p:sp>
+        </mc:Fallback>
+      </mc:AlternateContent>
+      <mc:AlternateContent xmlns:mc="http://schemas.openxmlformats.org/markup-compatibility/2006">
+        <mc:Choice xmlns:a14="http://schemas.microsoft.com/office/drawing/2010/main" Requires="a14">
+          <p:sp>
+            <p:nvSpPr>
+              <p:cNvPr id="24" name="矩形 23">
+                <a:extLst>
+                  <a:ext uri="{FF2B5EF4-FFF2-40B4-BE49-F238E27FC236}">
+                    <a16:creationId xmlns:a16="http://schemas.microsoft.com/office/drawing/2014/main" id="{36A5FA9B-02BA-C18B-80B7-AF2EF6E06E70}"/>
+                  </a:ext>
+                </a:extLst>
+              </p:cNvPr>
+              <p:cNvSpPr/>
+              <p:nvPr/>
+            </p:nvSpPr>
+            <p:spPr>
+              <a:xfrm>
+                <a:off x="1552063" y="4304241"/>
+                <a:ext cx="631028" cy="495300"/>
+              </a:xfrm>
+              <a:prstGeom prst="rect">
+                <a:avLst/>
+              </a:prstGeom>
+              <a:noFill/>
+              <a:ln w="12700">
+                <a:solidFill>
+                  <a:schemeClr val="tx1"/>
+                </a:solidFill>
+              </a:ln>
+            </p:spPr>
+            <p:style>
+              <a:lnRef idx="2">
+                <a:schemeClr val="accent1">
+                  <a:shade val="15000"/>
+                </a:schemeClr>
+              </a:lnRef>
+              <a:fillRef idx="1">
+                <a:schemeClr val="accent1"/>
+              </a:fillRef>
+              <a:effectRef idx="0">
+                <a:schemeClr val="accent1"/>
+              </a:effectRef>
+              <a:fontRef idx="minor">
+                <a:schemeClr val="lt1"/>
+              </a:fontRef>
+            </p:style>
+            <p:txBody>
+              <a:bodyPr rtlCol="0" anchor="ctr"/>
+              <a:lstStyle/>
+              <a:p>
+                <a:pPr algn="ctr"/>
+                <a14:m>
+                  <m:oMathPara xmlns:m="http://schemas.openxmlformats.org/officeDocument/2006/math">
+                    <m:oMathParaPr>
+                      <m:jc m:val="centerGroup"/>
+                    </m:oMathParaPr>
+                    <m:oMath xmlns:m="http://schemas.openxmlformats.org/officeDocument/2006/math">
+                      <m:sSubSup>
+                        <m:sSubSupPr>
+                          <m:ctrlPr>
+                            <a:rPr lang="en-US" altLang="zh-CN" i="1">
+                              <a:solidFill>
+                                <a:schemeClr val="tx1"/>
+                              </a:solidFill>
+                              <a:latin typeface="Cambria Math" panose="02040503050406030204" pitchFamily="18" charset="0"/>
+                            </a:rPr>
+                          </m:ctrlPr>
+                        </m:sSubSupPr>
+                        <m:e>
+                          <m:r>
+                            <a:rPr lang="en-US" altLang="zh-CN" i="1">
+                              <a:solidFill>
+                                <a:schemeClr val="tx1"/>
+                              </a:solidFill>
+                              <a:latin typeface="Cambria Math" panose="02040503050406030204" pitchFamily="18" charset="0"/>
+                            </a:rPr>
+                            <m:t>𝑥</m:t>
+                          </m:r>
+                        </m:e>
+                        <m:sub>
+                          <m:r>
+                            <a:rPr lang="en-US" altLang="zh-CN" i="1">
+                              <a:solidFill>
+                                <a:schemeClr val="tx1"/>
+                              </a:solidFill>
+                              <a:latin typeface="Cambria Math" panose="02040503050406030204" pitchFamily="18" charset="0"/>
+                            </a:rPr>
+                            <m:t>2</m:t>
+                          </m:r>
+                        </m:sub>
+                        <m:sup>
+                          <m:r>
+                            <a:rPr lang="en-US" altLang="zh-CN" i="1">
+                              <a:solidFill>
+                                <a:schemeClr val="tx1"/>
+                              </a:solidFill>
+                              <a:latin typeface="Cambria Math" panose="02040503050406030204" pitchFamily="18" charset="0"/>
+                            </a:rPr>
+                            <m:t>𝑎</m:t>
+                          </m:r>
+                        </m:sup>
+                      </m:sSubSup>
+                    </m:oMath>
+                  </m:oMathPara>
+                </a14:m>
+                <a:endParaRPr lang="zh-CN" altLang="en-US" i="1" dirty="0">
+                  <a:solidFill>
+                    <a:schemeClr val="tx1"/>
+                  </a:solidFill>
+                  <a:latin typeface="微软雅黑" panose="020B0503020204020204" pitchFamily="34" charset="-122"/>
+                  <a:ea typeface="微软雅黑" panose="020B0503020204020204" pitchFamily="34" charset="-122"/>
+                  <a:cs typeface="Times New Roman" panose="02020603050405020304" pitchFamily="18" charset="0"/>
+                </a:endParaRPr>
+              </a:p>
+            </p:txBody>
+          </p:sp>
+        </mc:Choice>
+        <mc:Fallback>
+          <p:sp>
+            <p:nvSpPr>
+              <p:cNvPr id="24" name="矩形 23">
+                <a:extLst>
+                  <a:ext uri="{FF2B5EF4-FFF2-40B4-BE49-F238E27FC236}">
+                    <a16:creationId xmlns:a16="http://schemas.microsoft.com/office/drawing/2014/main" id="{36A5FA9B-02BA-C18B-80B7-AF2EF6E06E70}"/>
+                  </a:ext>
+                </a:extLst>
+              </p:cNvPr>
+              <p:cNvSpPr>
+                <a:spLocks noRot="1" noChangeAspect="1" noMove="1" noResize="1" noEditPoints="1" noAdjustHandles="1" noChangeArrowheads="1" noChangeShapeType="1" noTextEdit="1"/>
+              </p:cNvSpPr>
+              <p:nvPr/>
+            </p:nvSpPr>
+            <p:spPr>
+              <a:xfrm>
+                <a:off x="1552063" y="4304241"/>
+                <a:ext cx="631028" cy="495300"/>
+              </a:xfrm>
+              <a:prstGeom prst="rect">
+                <a:avLst/>
+              </a:prstGeom>
+              <a:blipFill>
+                <a:blip r:embed="rId13"/>
+                <a:stretch>
+                  <a:fillRect/>
+                </a:stretch>
+              </a:blipFill>
+              <a:ln w="12700">
+                <a:solidFill>
+                  <a:schemeClr val="tx1"/>
+                </a:solidFill>
+              </a:ln>
+            </p:spPr>
+            <p:txBody>
+              <a:bodyPr/>
+              <a:lstStyle/>
+              <a:p>
+                <a:r>
+                  <a:rPr lang="zh-CN" altLang="en-US">
+                    <a:noFill/>
+                  </a:rPr>
+                  <a:t> </a:t>
+                </a:r>
+              </a:p>
+            </p:txBody>
+          </p:sp>
+        </mc:Fallback>
+      </mc:AlternateContent>
+      <mc:AlternateContent xmlns:mc="http://schemas.openxmlformats.org/markup-compatibility/2006">
+        <mc:Choice xmlns:a14="http://schemas.microsoft.com/office/drawing/2010/main" Requires="a14">
+          <p:sp>
+            <p:nvSpPr>
+              <p:cNvPr id="25" name="矩形 24">
+                <a:extLst>
+                  <a:ext uri="{FF2B5EF4-FFF2-40B4-BE49-F238E27FC236}">
+                    <a16:creationId xmlns:a16="http://schemas.microsoft.com/office/drawing/2014/main" id="{E7122DB4-CEC4-E469-0ED6-9AD5668429BD}"/>
+                  </a:ext>
+                </a:extLst>
+              </p:cNvPr>
+              <p:cNvSpPr/>
+              <p:nvPr/>
+            </p:nvSpPr>
+            <p:spPr>
+              <a:xfrm>
+                <a:off x="3849734" y="4304241"/>
+                <a:ext cx="631028" cy="495300"/>
+              </a:xfrm>
+              <a:prstGeom prst="rect">
+                <a:avLst/>
+              </a:prstGeom>
+              <a:noFill/>
+              <a:ln w="12700">
+                <a:solidFill>
+                  <a:schemeClr val="tx1"/>
+                </a:solidFill>
+              </a:ln>
+            </p:spPr>
+            <p:style>
+              <a:lnRef idx="2">
+                <a:schemeClr val="accent1">
+                  <a:shade val="15000"/>
+                </a:schemeClr>
+              </a:lnRef>
+              <a:fillRef idx="1">
+                <a:schemeClr val="accent1"/>
+              </a:fillRef>
+              <a:effectRef idx="0">
+                <a:schemeClr val="accent1"/>
+              </a:effectRef>
+              <a:fontRef idx="minor">
+                <a:schemeClr val="lt1"/>
+              </a:fontRef>
+            </p:style>
+            <p:txBody>
+              <a:bodyPr rtlCol="0" anchor="ctr"/>
+              <a:lstStyle/>
+              <a:p>
+                <a:pPr algn="ctr"/>
+                <a14:m>
+                  <m:oMathPara xmlns:m="http://schemas.openxmlformats.org/officeDocument/2006/math">
+                    <m:oMathParaPr>
+                      <m:jc m:val="centerGroup"/>
+                    </m:oMathParaPr>
+                    <m:oMath xmlns:m="http://schemas.openxmlformats.org/officeDocument/2006/math">
+                      <m:sSubSup>
+                        <m:sSubSupPr>
+                          <m:ctrlPr>
+                            <a:rPr lang="en-US" altLang="zh-CN" i="1">
+                              <a:solidFill>
+                                <a:schemeClr val="tx1"/>
+                              </a:solidFill>
+                              <a:latin typeface="Cambria Math" panose="02040503050406030204" pitchFamily="18" charset="0"/>
+                            </a:rPr>
+                          </m:ctrlPr>
+                        </m:sSubSupPr>
+                        <m:e>
+                          <m:r>
+                            <a:rPr lang="en-US" altLang="zh-CN" i="1">
+                              <a:solidFill>
+                                <a:schemeClr val="tx1"/>
+                              </a:solidFill>
+                              <a:latin typeface="Cambria Math" panose="02040503050406030204" pitchFamily="18" charset="0"/>
+                            </a:rPr>
+                            <m:t>𝑥</m:t>
+                          </m:r>
+                        </m:e>
+                        <m:sub>
+                          <m:r>
+                            <a:rPr lang="en-US" altLang="zh-CN" i="1">
+                              <a:solidFill>
+                                <a:schemeClr val="tx1"/>
+                              </a:solidFill>
+                              <a:latin typeface="Cambria Math" panose="02040503050406030204" pitchFamily="18" charset="0"/>
+                            </a:rPr>
+                            <m:t>𝑚</m:t>
+                          </m:r>
+                          <m:r>
+                            <a:rPr lang="en-US" altLang="zh-CN" i="1">
+                              <a:solidFill>
+                                <a:schemeClr val="tx1"/>
+                              </a:solidFill>
+                              <a:latin typeface="Cambria Math" panose="02040503050406030204" pitchFamily="18" charset="0"/>
+                            </a:rPr>
+                            <m:t>−1</m:t>
+                          </m:r>
+                        </m:sub>
+                        <m:sup>
+                          <m:r>
+                            <a:rPr lang="en-US" altLang="zh-CN" i="1">
+                              <a:solidFill>
+                                <a:schemeClr val="tx1"/>
+                              </a:solidFill>
+                              <a:latin typeface="Cambria Math" panose="02040503050406030204" pitchFamily="18" charset="0"/>
+                            </a:rPr>
+                            <m:t>𝑎</m:t>
+                          </m:r>
+                        </m:sup>
+                      </m:sSubSup>
+                    </m:oMath>
+                  </m:oMathPara>
+                </a14:m>
+                <a:endParaRPr lang="zh-CN" altLang="en-US" i="1" dirty="0">
+                  <a:solidFill>
+                    <a:schemeClr val="tx1"/>
+                  </a:solidFill>
+                  <a:latin typeface="微软雅黑" panose="020B0503020204020204" pitchFamily="34" charset="-122"/>
+                  <a:ea typeface="微软雅黑" panose="020B0503020204020204" pitchFamily="34" charset="-122"/>
+                  <a:cs typeface="Times New Roman" panose="02020603050405020304" pitchFamily="18" charset="0"/>
+                </a:endParaRPr>
+              </a:p>
+            </p:txBody>
+          </p:sp>
+        </mc:Choice>
+        <mc:Fallback>
+          <p:sp>
+            <p:nvSpPr>
+              <p:cNvPr id="25" name="矩形 24">
+                <a:extLst>
+                  <a:ext uri="{FF2B5EF4-FFF2-40B4-BE49-F238E27FC236}">
+                    <a16:creationId xmlns:a16="http://schemas.microsoft.com/office/drawing/2014/main" id="{E7122DB4-CEC4-E469-0ED6-9AD5668429BD}"/>
+                  </a:ext>
+                </a:extLst>
+              </p:cNvPr>
+              <p:cNvSpPr>
+                <a:spLocks noRot="1" noChangeAspect="1" noMove="1" noResize="1" noEditPoints="1" noAdjustHandles="1" noChangeArrowheads="1" noChangeShapeType="1" noTextEdit="1"/>
+              </p:cNvSpPr>
+              <p:nvPr/>
+            </p:nvSpPr>
+            <p:spPr>
+              <a:xfrm>
+                <a:off x="3849734" y="4304241"/>
+                <a:ext cx="631028" cy="495300"/>
+              </a:xfrm>
+              <a:prstGeom prst="rect">
+                <a:avLst/>
+              </a:prstGeom>
+              <a:blipFill>
+                <a:blip r:embed="rId14"/>
+                <a:stretch>
+                  <a:fillRect l="-4762"/>
+                </a:stretch>
+              </a:blipFill>
+              <a:ln w="12700">
+                <a:solidFill>
+                  <a:schemeClr val="tx1"/>
+                </a:solidFill>
+              </a:ln>
+            </p:spPr>
+            <p:txBody>
+              <a:bodyPr/>
+              <a:lstStyle/>
+              <a:p>
+                <a:r>
+                  <a:rPr lang="zh-CN" altLang="en-US">
+                    <a:noFill/>
+                  </a:rPr>
+                  <a:t> </a:t>
+                </a:r>
+              </a:p>
+            </p:txBody>
+          </p:sp>
+        </mc:Fallback>
+      </mc:AlternateContent>
+      <mc:AlternateContent xmlns:mc="http://schemas.openxmlformats.org/markup-compatibility/2006">
+        <mc:Choice xmlns:a14="http://schemas.microsoft.com/office/drawing/2010/main" Requires="a14">
+          <p:sp>
+            <p:nvSpPr>
+              <p:cNvPr id="26" name="矩形 25">
+                <a:extLst>
+                  <a:ext uri="{FF2B5EF4-FFF2-40B4-BE49-F238E27FC236}">
+                    <a16:creationId xmlns:a16="http://schemas.microsoft.com/office/drawing/2014/main" id="{52D53362-7D58-FCB1-FD3F-75745FB598E3}"/>
+                  </a:ext>
+                </a:extLst>
+              </p:cNvPr>
+              <p:cNvSpPr/>
+              <p:nvPr/>
+            </p:nvSpPr>
+            <p:spPr>
+              <a:xfrm>
+                <a:off x="4702346" y="4304241"/>
+                <a:ext cx="631028" cy="495300"/>
+              </a:xfrm>
+              <a:prstGeom prst="rect">
+                <a:avLst/>
+              </a:prstGeom>
+              <a:noFill/>
+              <a:ln w="12700">
+                <a:solidFill>
+                  <a:schemeClr val="tx1"/>
+                </a:solidFill>
+              </a:ln>
+            </p:spPr>
+            <p:style>
+              <a:lnRef idx="2">
+                <a:schemeClr val="accent1">
+                  <a:shade val="15000"/>
+                </a:schemeClr>
+              </a:lnRef>
+              <a:fillRef idx="1">
+                <a:schemeClr val="accent1"/>
+              </a:fillRef>
+              <a:effectRef idx="0">
+                <a:schemeClr val="accent1"/>
+              </a:effectRef>
+              <a:fontRef idx="minor">
+                <a:schemeClr val="lt1"/>
+              </a:fontRef>
+            </p:style>
+            <p:txBody>
+              <a:bodyPr rtlCol="0" anchor="ctr"/>
+              <a:lstStyle/>
+              <a:p>
+                <a:pPr algn="ctr"/>
+                <a14:m>
+                  <m:oMathPara xmlns:m="http://schemas.openxmlformats.org/officeDocument/2006/math">
+                    <m:oMathParaPr>
+                      <m:jc m:val="centerGroup"/>
+                    </m:oMathParaPr>
+                    <m:oMath xmlns:m="http://schemas.openxmlformats.org/officeDocument/2006/math">
+                      <m:sSubSup>
+                        <m:sSubSupPr>
+                          <m:ctrlPr>
+                            <a:rPr lang="en-US" altLang="zh-CN" i="1">
+                              <a:solidFill>
+                                <a:schemeClr val="tx1"/>
+                              </a:solidFill>
+                              <a:latin typeface="Cambria Math" panose="02040503050406030204" pitchFamily="18" charset="0"/>
+                            </a:rPr>
+                          </m:ctrlPr>
+                        </m:sSubSupPr>
+                        <m:e>
+                          <m:r>
+                            <a:rPr lang="en-US" altLang="zh-CN" i="1">
+                              <a:solidFill>
+                                <a:schemeClr val="tx1"/>
+                              </a:solidFill>
+                              <a:latin typeface="Cambria Math" panose="02040503050406030204" pitchFamily="18" charset="0"/>
+                            </a:rPr>
+                            <m:t>𝑥</m:t>
+                          </m:r>
+                        </m:e>
+                        <m:sub>
+                          <m:r>
+                            <a:rPr lang="en-US" altLang="zh-CN" i="1">
+                              <a:solidFill>
+                                <a:schemeClr val="tx1"/>
+                              </a:solidFill>
+                              <a:latin typeface="Cambria Math" panose="02040503050406030204" pitchFamily="18" charset="0"/>
+                            </a:rPr>
+                            <m:t>𝑚</m:t>
+                          </m:r>
+                        </m:sub>
+                        <m:sup>
+                          <m:r>
+                            <a:rPr lang="en-US" altLang="zh-CN" i="1">
+                              <a:solidFill>
+                                <a:schemeClr val="tx1"/>
+                              </a:solidFill>
+                              <a:latin typeface="Cambria Math" panose="02040503050406030204" pitchFamily="18" charset="0"/>
+                            </a:rPr>
+                            <m:t>𝑎</m:t>
+                          </m:r>
+                        </m:sup>
+                      </m:sSubSup>
+                    </m:oMath>
+                  </m:oMathPara>
+                </a14:m>
+                <a:endParaRPr lang="zh-CN" altLang="en-US" i="1" dirty="0">
+                  <a:solidFill>
+                    <a:schemeClr val="tx1"/>
+                  </a:solidFill>
+                  <a:latin typeface="微软雅黑" panose="020B0503020204020204" pitchFamily="34" charset="-122"/>
+                  <a:ea typeface="微软雅黑" panose="020B0503020204020204" pitchFamily="34" charset="-122"/>
+                  <a:cs typeface="Times New Roman" panose="02020603050405020304" pitchFamily="18" charset="0"/>
+                </a:endParaRPr>
+              </a:p>
+            </p:txBody>
+          </p:sp>
+        </mc:Choice>
+        <mc:Fallback>
+          <p:sp>
+            <p:nvSpPr>
+              <p:cNvPr id="26" name="矩形 25">
+                <a:extLst>
+                  <a:ext uri="{FF2B5EF4-FFF2-40B4-BE49-F238E27FC236}">
+                    <a16:creationId xmlns:a16="http://schemas.microsoft.com/office/drawing/2014/main" id="{52D53362-7D58-FCB1-FD3F-75745FB598E3}"/>
+                  </a:ext>
+                </a:extLst>
+              </p:cNvPr>
+              <p:cNvSpPr>
+                <a:spLocks noRot="1" noChangeAspect="1" noMove="1" noResize="1" noEditPoints="1" noAdjustHandles="1" noChangeArrowheads="1" noChangeShapeType="1" noTextEdit="1"/>
+              </p:cNvSpPr>
+              <p:nvPr/>
+            </p:nvSpPr>
+            <p:spPr>
+              <a:xfrm>
+                <a:off x="4702346" y="4304241"/>
+                <a:ext cx="631028" cy="495300"/>
+              </a:xfrm>
+              <a:prstGeom prst="rect">
+                <a:avLst/>
+              </a:prstGeom>
+              <a:blipFill>
+                <a:blip r:embed="rId15"/>
+                <a:stretch>
+                  <a:fillRect/>
+                </a:stretch>
+              </a:blipFill>
+              <a:ln w="12700">
+                <a:solidFill>
+                  <a:schemeClr val="tx1"/>
+                </a:solidFill>
+              </a:ln>
+            </p:spPr>
+            <p:txBody>
+              <a:bodyPr/>
+              <a:lstStyle/>
+              <a:p>
+                <a:r>
+                  <a:rPr lang="zh-CN" altLang="en-US">
+                    <a:noFill/>
+                  </a:rPr>
+                  <a:t> </a:t>
+                </a:r>
+              </a:p>
+            </p:txBody>
+          </p:sp>
+        </mc:Fallback>
+      </mc:AlternateContent>
+      <p:sp>
+        <p:nvSpPr>
+          <p:cNvPr id="27" name="文本框 26">
+            <a:extLst>
+              <a:ext uri="{FF2B5EF4-FFF2-40B4-BE49-F238E27FC236}">
+                <a16:creationId xmlns:a16="http://schemas.microsoft.com/office/drawing/2014/main" id="{56170171-FD51-CAA0-BA4D-ABB9C4946F4E}"/>
+              </a:ext>
+            </a:extLst>
+          </p:cNvPr>
+          <p:cNvSpPr txBox="1"/>
+          <p:nvPr/>
+        </p:nvSpPr>
+        <p:spPr>
+          <a:xfrm>
+            <a:off x="2436794" y="3970117"/>
+            <a:ext cx="781615" cy="369332"/>
+          </a:xfrm>
+          <a:prstGeom prst="rect">
+            <a:avLst/>
+          </a:prstGeom>
+          <a:noFill/>
+        </p:spPr>
+        <p:txBody>
+          <a:bodyPr wrap="square" rtlCol="0">
+            <a:spAutoFit/>
+          </a:bodyPr>
+          <a:lstStyle/>
+          <a:p>
+            <a:pPr algn="ctr"/>
+            <a:r>
+              <a:rPr lang="en-US" altLang="zh-CN" b="1" dirty="0">
+                <a:latin typeface="微软雅黑" panose="020B0503020204020204" pitchFamily="34" charset="-122"/>
+                <a:ea typeface="微软雅黑" panose="020B0503020204020204" pitchFamily="34" charset="-122"/>
+                <a:cs typeface="Times New Roman" panose="02020603050405020304" pitchFamily="18" charset="0"/>
+              </a:rPr>
+              <a:t>……</a:t>
+            </a:r>
+            <a:endParaRPr lang="zh-CN" altLang="en-US" b="1" dirty="0">
+              <a:latin typeface="微软雅黑" panose="020B0503020204020204" pitchFamily="34" charset="-122"/>
+              <a:ea typeface="微软雅黑" panose="020B0503020204020204" pitchFamily="34" charset="-122"/>
+              <a:cs typeface="Times New Roman" panose="02020603050405020304" pitchFamily="18" charset="0"/>
+            </a:endParaRPr>
+          </a:p>
+        </p:txBody>
+      </p:sp>
+      <p:grpSp>
+        <p:nvGrpSpPr>
+          <p:cNvPr id="32" name="组合 31">
+            <a:extLst>
+              <a:ext uri="{FF2B5EF4-FFF2-40B4-BE49-F238E27FC236}">
+                <a16:creationId xmlns:a16="http://schemas.microsoft.com/office/drawing/2014/main" id="{AEE8CDA7-6AEE-8AE9-2724-A09140F46EA0}"/>
+              </a:ext>
+            </a:extLst>
+          </p:cNvPr>
+          <p:cNvGrpSpPr/>
+          <p:nvPr/>
+        </p:nvGrpSpPr>
+        <p:grpSpPr>
+          <a:xfrm>
+            <a:off x="1211553" y="2767976"/>
+            <a:ext cx="309103" cy="150018"/>
+            <a:chOff x="1211553" y="2768600"/>
+            <a:chExt cx="309103" cy="150018"/>
+          </a:xfrm>
+        </p:grpSpPr>
+        <p:cxnSp>
+          <p:nvCxnSpPr>
+            <p:cNvPr id="29" name="直接箭头连接符 28">
+              <a:extLst>
+                <a:ext uri="{FF2B5EF4-FFF2-40B4-BE49-F238E27FC236}">
+                  <a16:creationId xmlns:a16="http://schemas.microsoft.com/office/drawing/2014/main" id="{26330D6C-50EA-75A2-6651-0016A49E652D}"/>
+                </a:ext>
+              </a:extLst>
+            </p:cNvPr>
+            <p:cNvCxnSpPr>
+              <a:cxnSpLocks/>
+            </p:cNvCxnSpPr>
+            <p:nvPr/>
+          </p:nvCxnSpPr>
+          <p:spPr>
+            <a:xfrm>
+              <a:off x="1211553" y="2768600"/>
+              <a:ext cx="309103" cy="0"/>
+            </a:xfrm>
+            <a:prstGeom prst="straightConnector1">
+              <a:avLst/>
+            </a:prstGeom>
+            <a:ln>
+              <a:solidFill>
+                <a:schemeClr val="tx1"/>
+              </a:solidFill>
+              <a:tailEnd type="triangle"/>
+            </a:ln>
+          </p:spPr>
+          <p:style>
+            <a:lnRef idx="1">
+              <a:schemeClr val="accent1"/>
+            </a:lnRef>
+            <a:fillRef idx="0">
+              <a:schemeClr val="accent1"/>
+            </a:fillRef>
+            <a:effectRef idx="0">
+              <a:schemeClr val="accent1"/>
+            </a:effectRef>
+            <a:fontRef idx="minor">
+              <a:schemeClr val="tx1"/>
+            </a:fontRef>
+          </p:style>
+        </p:cxnSp>
+        <p:cxnSp>
+          <p:nvCxnSpPr>
+            <p:cNvPr id="31" name="直接箭头连接符 30">
+              <a:extLst>
+                <a:ext uri="{FF2B5EF4-FFF2-40B4-BE49-F238E27FC236}">
+                  <a16:creationId xmlns:a16="http://schemas.microsoft.com/office/drawing/2014/main" id="{75D60CC3-163C-9266-FED6-2F9FBCF961CE}"/>
+                </a:ext>
+              </a:extLst>
+            </p:cNvPr>
+            <p:cNvCxnSpPr>
+              <a:cxnSpLocks/>
+            </p:cNvCxnSpPr>
+            <p:nvPr/>
+          </p:nvCxnSpPr>
+          <p:spPr>
+            <a:xfrm flipH="1">
+              <a:off x="1211553" y="2918618"/>
+              <a:ext cx="309103" cy="0"/>
+            </a:xfrm>
+            <a:prstGeom prst="straightConnector1">
+              <a:avLst/>
+            </a:prstGeom>
+            <a:ln>
+              <a:solidFill>
+                <a:schemeClr val="tx1"/>
+              </a:solidFill>
+              <a:tailEnd type="triangle"/>
+            </a:ln>
+          </p:spPr>
+          <p:style>
+            <a:lnRef idx="1">
+              <a:schemeClr val="accent1"/>
+            </a:lnRef>
+            <a:fillRef idx="0">
+              <a:schemeClr val="accent1"/>
+            </a:fillRef>
+            <a:effectRef idx="0">
+              <a:schemeClr val="accent1"/>
+            </a:effectRef>
+            <a:fontRef idx="minor">
+              <a:schemeClr val="tx1"/>
+            </a:fontRef>
+          </p:style>
+        </p:cxnSp>
+      </p:grpSp>
+      <p:grpSp>
+        <p:nvGrpSpPr>
+          <p:cNvPr id="33" name="组合 32">
+            <a:extLst>
+              <a:ext uri="{FF2B5EF4-FFF2-40B4-BE49-F238E27FC236}">
+                <a16:creationId xmlns:a16="http://schemas.microsoft.com/office/drawing/2014/main" id="{EB2C8129-9711-7222-FC6B-C6675DCAB00D}"/>
+              </a:ext>
+            </a:extLst>
+          </p:cNvPr>
+          <p:cNvGrpSpPr/>
+          <p:nvPr/>
+        </p:nvGrpSpPr>
+        <p:grpSpPr>
+          <a:xfrm>
+            <a:off x="4311430" y="2757091"/>
+            <a:ext cx="309103" cy="150018"/>
+            <a:chOff x="1211553" y="2768600"/>
+            <a:chExt cx="309103" cy="150018"/>
+          </a:xfrm>
+        </p:grpSpPr>
+        <p:cxnSp>
+          <p:nvCxnSpPr>
+            <p:cNvPr id="34" name="直接箭头连接符 33">
+              <a:extLst>
+                <a:ext uri="{FF2B5EF4-FFF2-40B4-BE49-F238E27FC236}">
+                  <a16:creationId xmlns:a16="http://schemas.microsoft.com/office/drawing/2014/main" id="{6D5075E5-E014-CD04-B2B3-A677261C4095}"/>
+                </a:ext>
+              </a:extLst>
+            </p:cNvPr>
+            <p:cNvCxnSpPr>
+              <a:cxnSpLocks/>
+            </p:cNvCxnSpPr>
+            <p:nvPr/>
+          </p:nvCxnSpPr>
+          <p:spPr>
+            <a:xfrm>
+              <a:off x="1211553" y="2768600"/>
+              <a:ext cx="309103" cy="0"/>
+            </a:xfrm>
+            <a:prstGeom prst="straightConnector1">
+              <a:avLst/>
+            </a:prstGeom>
+            <a:ln>
+              <a:solidFill>
+                <a:schemeClr val="tx1"/>
+              </a:solidFill>
+              <a:tailEnd type="triangle"/>
+            </a:ln>
+          </p:spPr>
+          <p:style>
+            <a:lnRef idx="1">
+              <a:schemeClr val="accent1"/>
+            </a:lnRef>
+            <a:fillRef idx="0">
+              <a:schemeClr val="accent1"/>
+            </a:fillRef>
+            <a:effectRef idx="0">
+              <a:schemeClr val="accent1"/>
+            </a:effectRef>
+            <a:fontRef idx="minor">
+              <a:schemeClr val="tx1"/>
+            </a:fontRef>
+          </p:style>
+        </p:cxnSp>
+        <p:cxnSp>
+          <p:nvCxnSpPr>
+            <p:cNvPr id="35" name="直接箭头连接符 34">
+              <a:extLst>
+                <a:ext uri="{FF2B5EF4-FFF2-40B4-BE49-F238E27FC236}">
+                  <a16:creationId xmlns:a16="http://schemas.microsoft.com/office/drawing/2014/main" id="{DFCD6D70-BC5A-7A22-E12D-6185DAE0E4AB}"/>
+                </a:ext>
+              </a:extLst>
+            </p:cNvPr>
+            <p:cNvCxnSpPr>
+              <a:cxnSpLocks/>
+            </p:cNvCxnSpPr>
+            <p:nvPr/>
+          </p:nvCxnSpPr>
+          <p:spPr>
+            <a:xfrm flipH="1">
+              <a:off x="1211553" y="2918618"/>
+              <a:ext cx="309103" cy="0"/>
+            </a:xfrm>
+            <a:prstGeom prst="straightConnector1">
+              <a:avLst/>
+            </a:prstGeom>
+            <a:ln>
+              <a:solidFill>
+                <a:schemeClr val="tx1"/>
+              </a:solidFill>
+              <a:tailEnd type="triangle"/>
+            </a:ln>
+          </p:spPr>
+          <p:style>
+            <a:lnRef idx="1">
+              <a:schemeClr val="accent1"/>
+            </a:lnRef>
+            <a:fillRef idx="0">
+              <a:schemeClr val="accent1"/>
+            </a:fillRef>
+            <a:effectRef idx="0">
+              <a:schemeClr val="accent1"/>
+            </a:effectRef>
+            <a:fontRef idx="minor">
+              <a:schemeClr val="tx1"/>
+            </a:fontRef>
+          </p:style>
+        </p:cxnSp>
+      </p:grpSp>
+      <p:grpSp>
+        <p:nvGrpSpPr>
+          <p:cNvPr id="36" name="组合 35">
+            <a:extLst>
+              <a:ext uri="{FF2B5EF4-FFF2-40B4-BE49-F238E27FC236}">
+                <a16:creationId xmlns:a16="http://schemas.microsoft.com/office/drawing/2014/main" id="{1A33E3B5-0479-EEB0-A198-5F815DE2C69D}"/>
+              </a:ext>
+            </a:extLst>
+          </p:cNvPr>
+          <p:cNvGrpSpPr/>
+          <p:nvPr/>
+        </p:nvGrpSpPr>
+        <p:grpSpPr>
+          <a:xfrm>
+            <a:off x="3135839" y="2767976"/>
+            <a:ext cx="309103" cy="150018"/>
+            <a:chOff x="1211553" y="2768600"/>
+            <a:chExt cx="309103" cy="150018"/>
+          </a:xfrm>
+        </p:grpSpPr>
+        <p:cxnSp>
+          <p:nvCxnSpPr>
+            <p:cNvPr id="37" name="直接箭头连接符 36">
+              <a:extLst>
+                <a:ext uri="{FF2B5EF4-FFF2-40B4-BE49-F238E27FC236}">
+                  <a16:creationId xmlns:a16="http://schemas.microsoft.com/office/drawing/2014/main" id="{A056CE4F-A326-7461-47DB-20F257214D5E}"/>
+                </a:ext>
+              </a:extLst>
+            </p:cNvPr>
+            <p:cNvCxnSpPr>
+              <a:cxnSpLocks/>
+            </p:cNvCxnSpPr>
+            <p:nvPr/>
+          </p:nvCxnSpPr>
+          <p:spPr>
+            <a:xfrm>
+              <a:off x="1211553" y="2768600"/>
+              <a:ext cx="309103" cy="0"/>
+            </a:xfrm>
+            <a:prstGeom prst="straightConnector1">
+              <a:avLst/>
+            </a:prstGeom>
+            <a:ln>
+              <a:solidFill>
+                <a:schemeClr val="tx1"/>
+              </a:solidFill>
+              <a:tailEnd type="triangle"/>
+            </a:ln>
+          </p:spPr>
+          <p:style>
+            <a:lnRef idx="1">
+              <a:schemeClr val="accent1"/>
+            </a:lnRef>
+            <a:fillRef idx="0">
+              <a:schemeClr val="accent1"/>
+            </a:fillRef>
+            <a:effectRef idx="0">
+              <a:schemeClr val="accent1"/>
+            </a:effectRef>
+            <a:fontRef idx="minor">
+              <a:schemeClr val="tx1"/>
+            </a:fontRef>
+          </p:style>
+        </p:cxnSp>
+        <p:cxnSp>
+          <p:nvCxnSpPr>
+            <p:cNvPr id="38" name="直接箭头连接符 37">
+              <a:extLst>
+                <a:ext uri="{FF2B5EF4-FFF2-40B4-BE49-F238E27FC236}">
+                  <a16:creationId xmlns:a16="http://schemas.microsoft.com/office/drawing/2014/main" id="{CDADA6C4-6685-8599-5ED5-A268C45698A8}"/>
+                </a:ext>
+              </a:extLst>
+            </p:cNvPr>
+            <p:cNvCxnSpPr>
+              <a:cxnSpLocks/>
+            </p:cNvCxnSpPr>
+            <p:nvPr/>
+          </p:nvCxnSpPr>
+          <p:spPr>
+            <a:xfrm flipH="1">
+              <a:off x="1211553" y="2918618"/>
+              <a:ext cx="309103" cy="0"/>
+            </a:xfrm>
+            <a:prstGeom prst="straightConnector1">
+              <a:avLst/>
+            </a:prstGeom>
+            <a:ln>
+              <a:solidFill>
+                <a:schemeClr val="tx1"/>
+              </a:solidFill>
+              <a:tailEnd type="triangle"/>
+            </a:ln>
+          </p:spPr>
+          <p:style>
+            <a:lnRef idx="1">
+              <a:schemeClr val="accent1"/>
+            </a:lnRef>
+            <a:fillRef idx="0">
+              <a:schemeClr val="accent1"/>
+            </a:fillRef>
+            <a:effectRef idx="0">
+              <a:schemeClr val="accent1"/>
+            </a:effectRef>
+            <a:fontRef idx="minor">
+              <a:schemeClr val="tx1"/>
+            </a:fontRef>
+          </p:style>
+        </p:cxnSp>
+      </p:grpSp>
+      <p:grpSp>
+        <p:nvGrpSpPr>
+          <p:cNvPr id="39" name="组合 38">
+            <a:extLst>
+              <a:ext uri="{FF2B5EF4-FFF2-40B4-BE49-F238E27FC236}">
+                <a16:creationId xmlns:a16="http://schemas.microsoft.com/office/drawing/2014/main" id="{680FA173-2E07-0CC9-B388-1347757A4F1E}"/>
+              </a:ext>
+            </a:extLst>
+          </p:cNvPr>
+          <p:cNvGrpSpPr/>
+          <p:nvPr/>
+        </p:nvGrpSpPr>
+        <p:grpSpPr>
+          <a:xfrm>
+            <a:off x="2389869" y="2757091"/>
+            <a:ext cx="309103" cy="150018"/>
+            <a:chOff x="1211553" y="2768600"/>
+            <a:chExt cx="309103" cy="150018"/>
+          </a:xfrm>
+        </p:grpSpPr>
+        <p:cxnSp>
+          <p:nvCxnSpPr>
+            <p:cNvPr id="40" name="直接箭头连接符 39">
+              <a:extLst>
+                <a:ext uri="{FF2B5EF4-FFF2-40B4-BE49-F238E27FC236}">
+                  <a16:creationId xmlns:a16="http://schemas.microsoft.com/office/drawing/2014/main" id="{207C882D-3E14-171A-2A63-4994714ADCC6}"/>
+                </a:ext>
+              </a:extLst>
+            </p:cNvPr>
+            <p:cNvCxnSpPr>
+              <a:cxnSpLocks/>
+            </p:cNvCxnSpPr>
+            <p:nvPr/>
+          </p:nvCxnSpPr>
+          <p:spPr>
+            <a:xfrm>
+              <a:off x="1211553" y="2768600"/>
+              <a:ext cx="309103" cy="0"/>
+            </a:xfrm>
+            <a:prstGeom prst="straightConnector1">
+              <a:avLst/>
+            </a:prstGeom>
+            <a:ln>
+              <a:solidFill>
+                <a:schemeClr val="tx1"/>
+              </a:solidFill>
+              <a:tailEnd type="triangle"/>
+            </a:ln>
+          </p:spPr>
+          <p:style>
+            <a:lnRef idx="1">
+              <a:schemeClr val="accent1"/>
+            </a:lnRef>
+            <a:fillRef idx="0">
+              <a:schemeClr val="accent1"/>
+            </a:fillRef>
+            <a:effectRef idx="0">
+              <a:schemeClr val="accent1"/>
+            </a:effectRef>
+            <a:fontRef idx="minor">
+              <a:schemeClr val="tx1"/>
+            </a:fontRef>
+          </p:style>
+        </p:cxnSp>
+        <p:cxnSp>
+          <p:nvCxnSpPr>
+            <p:cNvPr id="41" name="直接箭头连接符 40">
+              <a:extLst>
+                <a:ext uri="{FF2B5EF4-FFF2-40B4-BE49-F238E27FC236}">
+                  <a16:creationId xmlns:a16="http://schemas.microsoft.com/office/drawing/2014/main" id="{025AF0A9-DE46-6E4E-3337-83D928088E3C}"/>
+                </a:ext>
+              </a:extLst>
+            </p:cNvPr>
+            <p:cNvCxnSpPr>
+              <a:cxnSpLocks/>
+            </p:cNvCxnSpPr>
+            <p:nvPr/>
+          </p:nvCxnSpPr>
+          <p:spPr>
+            <a:xfrm flipH="1">
+              <a:off x="1211553" y="2918618"/>
+              <a:ext cx="309103" cy="0"/>
+            </a:xfrm>
+            <a:prstGeom prst="straightConnector1">
+              <a:avLst/>
+            </a:prstGeom>
+            <a:ln>
+              <a:solidFill>
+                <a:schemeClr val="tx1"/>
+              </a:solidFill>
+              <a:tailEnd type="triangle"/>
+            </a:ln>
+          </p:spPr>
+          <p:style>
+            <a:lnRef idx="1">
+              <a:schemeClr val="accent1"/>
+            </a:lnRef>
+            <a:fillRef idx="0">
+              <a:schemeClr val="accent1"/>
+            </a:fillRef>
+            <a:effectRef idx="0">
+              <a:schemeClr val="accent1"/>
+            </a:effectRef>
+            <a:fontRef idx="minor">
+              <a:schemeClr val="tx1"/>
+            </a:fontRef>
+          </p:style>
+        </p:cxnSp>
+      </p:grpSp>
+      <p:sp>
+        <p:nvSpPr>
+          <p:cNvPr id="42" name="文本框 41">
+            <a:extLst>
+              <a:ext uri="{FF2B5EF4-FFF2-40B4-BE49-F238E27FC236}">
+                <a16:creationId xmlns:a16="http://schemas.microsoft.com/office/drawing/2014/main" id="{ACC99ABD-7BA9-50A7-6259-5DB997741C48}"/>
+              </a:ext>
+            </a:extLst>
+          </p:cNvPr>
+          <p:cNvSpPr txBox="1"/>
+          <p:nvPr/>
+        </p:nvSpPr>
+        <p:spPr>
+          <a:xfrm>
+            <a:off x="2533993" y="2647434"/>
+            <a:ext cx="781615" cy="369332"/>
+          </a:xfrm>
+          <a:prstGeom prst="rect">
+            <a:avLst/>
+          </a:prstGeom>
+          <a:noFill/>
+        </p:spPr>
+        <p:txBody>
+          <a:bodyPr wrap="square" rtlCol="0">
+            <a:spAutoFit/>
+          </a:bodyPr>
+          <a:lstStyle/>
+          <a:p>
+            <a:pPr algn="ctr"/>
+            <a:r>
+              <a:rPr lang="en-US" altLang="zh-CN" b="1" dirty="0">
+                <a:latin typeface="微软雅黑" panose="020B0503020204020204" pitchFamily="34" charset="-122"/>
+                <a:ea typeface="微软雅黑" panose="020B0503020204020204" pitchFamily="34" charset="-122"/>
+                <a:cs typeface="Times New Roman" panose="02020603050405020304" pitchFamily="18" charset="0"/>
+              </a:rPr>
+              <a:t>……</a:t>
+            </a:r>
+            <a:endParaRPr lang="zh-CN" altLang="en-US" b="1" dirty="0">
+              <a:latin typeface="微软雅黑" panose="020B0503020204020204" pitchFamily="34" charset="-122"/>
+              <a:ea typeface="微软雅黑" panose="020B0503020204020204" pitchFamily="34" charset="-122"/>
+              <a:cs typeface="Times New Roman" panose="02020603050405020304" pitchFamily="18" charset="0"/>
+            </a:endParaRPr>
+          </a:p>
+        </p:txBody>
+      </p:sp>
+      <p:sp>
+        <p:nvSpPr>
+          <p:cNvPr id="46" name="矩形 45">
+            <a:extLst>
+              <a:ext uri="{FF2B5EF4-FFF2-40B4-BE49-F238E27FC236}">
+                <a16:creationId xmlns:a16="http://schemas.microsoft.com/office/drawing/2014/main" id="{566580B8-C2EF-01C4-5050-6E87D42AFB88}"/>
+              </a:ext>
+            </a:extLst>
+          </p:cNvPr>
+          <p:cNvSpPr/>
+          <p:nvPr/>
+        </p:nvSpPr>
+        <p:spPr>
+          <a:xfrm>
+            <a:off x="5864799" y="3665469"/>
+            <a:ext cx="5791289" cy="1440000"/>
+          </a:xfrm>
+          <a:prstGeom prst="rect">
+            <a:avLst/>
+          </a:prstGeom>
+          <a:solidFill>
+            <a:srgbClr val="F09BA0">
+              <a:alpha val="50000"/>
+            </a:srgbClr>
+          </a:solidFill>
+          <a:ln>
+            <a:noFill/>
+            <a:prstDash val="sysDot"/>
+          </a:ln>
+        </p:spPr>
+        <p:style>
+          <a:lnRef idx="2">
+            <a:schemeClr val="accent1">
+              <a:shade val="15000"/>
+            </a:schemeClr>
+          </a:lnRef>
+          <a:fillRef idx="1">
+            <a:schemeClr val="accent1"/>
+          </a:fillRef>
+          <a:effectRef idx="0">
+            <a:schemeClr val="accent1"/>
+          </a:effectRef>
+          <a:fontRef idx="minor">
+            <a:schemeClr val="lt1"/>
+          </a:fontRef>
+        </p:style>
+        <p:txBody>
+          <a:bodyPr rtlCol="0" anchor="ctr"/>
+          <a:lstStyle/>
+          <a:p>
+            <a:pPr algn="ctr"/>
+            <a:endParaRPr lang="zh-CN" altLang="en-US">
+              <a:latin typeface="微软雅黑" panose="020B0503020204020204" pitchFamily="34" charset="-122"/>
+              <a:ea typeface="微软雅黑" panose="020B0503020204020204" pitchFamily="34" charset="-122"/>
+              <a:cs typeface="Times New Roman" panose="02020603050405020304" pitchFamily="18" charset="0"/>
+            </a:endParaRPr>
+          </a:p>
+        </p:txBody>
+      </p:sp>
+      <p:sp>
+        <p:nvSpPr>
+          <p:cNvPr id="47" name="文本框 46">
+            <a:extLst>
+              <a:ext uri="{FF2B5EF4-FFF2-40B4-BE49-F238E27FC236}">
+                <a16:creationId xmlns:a16="http://schemas.microsoft.com/office/drawing/2014/main" id="{3AACDDB9-8337-D53C-BD28-98B0ADC5BD96}"/>
+              </a:ext>
+            </a:extLst>
+          </p:cNvPr>
+          <p:cNvSpPr txBox="1"/>
+          <p:nvPr/>
+        </p:nvSpPr>
+        <p:spPr>
+          <a:xfrm>
+            <a:off x="5838188" y="6265898"/>
+            <a:ext cx="6096000" cy="369332"/>
+          </a:xfrm>
+          <a:prstGeom prst="rect">
+            <a:avLst/>
+          </a:prstGeom>
+          <a:noFill/>
+        </p:spPr>
+        <p:txBody>
+          <a:bodyPr wrap="square">
+            <a:spAutoFit/>
+          </a:bodyPr>
+          <a:lstStyle/>
+          <a:p>
+            <a:pPr algn="ctr"/>
+            <a:r>
+              <a:rPr lang="zh-CN" altLang="en-US" dirty="0">
+                <a:latin typeface="微软雅黑" panose="020B0503020204020204" pitchFamily="34" charset="-122"/>
+                <a:ea typeface="微软雅黑" panose="020B0503020204020204" pitchFamily="34" charset="-122"/>
+                <a:cs typeface="Times New Roman" panose="02020603050405020304" pitchFamily="18" charset="0"/>
+              </a:rPr>
+              <a:t>代码片段</a:t>
+            </a:r>
+            <a:r>
+              <a:rPr lang="en-US" altLang="zh-CN" dirty="0">
+                <a:latin typeface="微软雅黑" panose="020B0503020204020204" pitchFamily="34" charset="-122"/>
+                <a:ea typeface="微软雅黑" panose="020B0503020204020204" pitchFamily="34" charset="-122"/>
+                <a:cs typeface="Times New Roman" panose="02020603050405020304" pitchFamily="18" charset="0"/>
+              </a:rPr>
+              <a:t>B</a:t>
+            </a:r>
+            <a:r>
+              <a:rPr lang="zh-CN" altLang="en-US" dirty="0">
+                <a:latin typeface="微软雅黑" panose="020B0503020204020204" pitchFamily="34" charset="-122"/>
+                <a:ea typeface="微软雅黑" panose="020B0503020204020204" pitchFamily="34" charset="-122"/>
+                <a:cs typeface="Times New Roman" panose="02020603050405020304" pitchFamily="18" charset="0"/>
+              </a:rPr>
+              <a:t>的</a:t>
+            </a:r>
+            <a:r>
+              <a:rPr lang="en-US" altLang="zh-CN" dirty="0">
+                <a:solidFill>
+                  <a:schemeClr val="tx1"/>
+                </a:solidFill>
+                <a:latin typeface="微软雅黑" panose="020B0503020204020204" pitchFamily="34" charset="-122"/>
+                <a:ea typeface="微软雅黑" panose="020B0503020204020204" pitchFamily="34" charset="-122"/>
+                <a:cs typeface="Times New Roman" panose="02020603050405020304" pitchFamily="18" charset="0"/>
+              </a:rPr>
+              <a:t>Token</a:t>
+            </a:r>
+            <a:r>
+              <a:rPr lang="zh-CN" altLang="en-US" dirty="0">
+                <a:solidFill>
+                  <a:schemeClr val="tx1"/>
+                </a:solidFill>
+                <a:latin typeface="微软雅黑" panose="020B0503020204020204" pitchFamily="34" charset="-122"/>
+                <a:ea typeface="微软雅黑" panose="020B0503020204020204" pitchFamily="34" charset="-122"/>
+                <a:cs typeface="Times New Roman" panose="02020603050405020304" pitchFamily="18" charset="0"/>
+              </a:rPr>
+              <a:t>序列</a:t>
+            </a:r>
+            <a:endParaRPr lang="zh-CN" altLang="en-US" dirty="0">
+              <a:latin typeface="微软雅黑" panose="020B0503020204020204" pitchFamily="34" charset="-122"/>
+              <a:ea typeface="微软雅黑" panose="020B0503020204020204" pitchFamily="34" charset="-122"/>
+              <a:cs typeface="Times New Roman" panose="02020603050405020304" pitchFamily="18" charset="0"/>
+            </a:endParaRPr>
+          </a:p>
+        </p:txBody>
+      </p:sp>
+      <p:grpSp>
+        <p:nvGrpSpPr>
+          <p:cNvPr id="65" name="组合 64">
+            <a:extLst>
+              <a:ext uri="{FF2B5EF4-FFF2-40B4-BE49-F238E27FC236}">
+                <a16:creationId xmlns:a16="http://schemas.microsoft.com/office/drawing/2014/main" id="{AC93BB6B-D4D1-EF8B-C3C2-D307808AE2E8}"/>
+              </a:ext>
+            </a:extLst>
+          </p:cNvPr>
+          <p:cNvGrpSpPr/>
+          <p:nvPr/>
+        </p:nvGrpSpPr>
+        <p:grpSpPr>
+          <a:xfrm>
+            <a:off x="6512869" y="5594487"/>
+            <a:ext cx="4746638" cy="504000"/>
+            <a:chOff x="6519537" y="5585232"/>
+            <a:chExt cx="4746638" cy="504000"/>
+          </a:xfrm>
+        </p:grpSpPr>
+        <mc:AlternateContent xmlns:mc="http://schemas.openxmlformats.org/markup-compatibility/2006">
+          <mc:Choice xmlns:a14="http://schemas.microsoft.com/office/drawing/2010/main" Requires="a14">
+            <p:sp>
+              <p:nvSpPr>
+                <p:cNvPr id="48" name="矩形: 圆角 47">
+                  <a:extLst>
+                    <a:ext uri="{FF2B5EF4-FFF2-40B4-BE49-F238E27FC236}">
+                      <a16:creationId xmlns:a16="http://schemas.microsoft.com/office/drawing/2014/main" id="{50237D62-2906-F2D9-994B-F6D1C50422A4}"/>
+                    </a:ext>
+                  </a:extLst>
+                </p:cNvPr>
+                <p:cNvSpPr/>
+                <p:nvPr/>
+              </p:nvSpPr>
+              <p:spPr>
+                <a:xfrm>
+                  <a:off x="6519537" y="5585232"/>
+                  <a:ext cx="720000" cy="504000"/>
+                </a:xfrm>
+                <a:prstGeom prst="roundRect">
+                  <a:avLst/>
+                </a:prstGeom>
+                <a:noFill/>
+                <a:ln w="12700">
+                  <a:solidFill>
+                    <a:schemeClr val="tx1"/>
+                  </a:solidFill>
+                </a:ln>
+              </p:spPr>
+              <p:style>
+                <a:lnRef idx="2">
+                  <a:schemeClr val="accent1">
+                    <a:shade val="15000"/>
+                  </a:schemeClr>
+                </a:lnRef>
+                <a:fillRef idx="1">
+                  <a:schemeClr val="accent1"/>
+                </a:fillRef>
+                <a:effectRef idx="0">
+                  <a:schemeClr val="accent1"/>
+                </a:effectRef>
+                <a:fontRef idx="minor">
+                  <a:schemeClr val="lt1"/>
+                </a:fontRef>
+              </p:style>
+              <p:txBody>
+                <a:bodyPr rtlCol="0" anchor="ctr"/>
+                <a:lstStyle/>
+                <a:p>
+                  <a:pPr algn="ctr"/>
+                  <a14:m>
+                    <m:oMathPara xmlns:m="http://schemas.openxmlformats.org/officeDocument/2006/math">
+                      <m:oMathParaPr>
+                        <m:jc m:val="centerGroup"/>
+                      </m:oMathParaPr>
+                      <m:oMath xmlns:m="http://schemas.openxmlformats.org/officeDocument/2006/math">
+                        <m:sSubSup>
+                          <m:sSubSupPr>
+                            <m:ctrlPr>
+                              <a:rPr lang="en-US" altLang="zh-CN" i="1" smtClean="0">
+                                <a:solidFill>
+                                  <a:schemeClr val="tx1"/>
+                                </a:solidFill>
+                                <a:latin typeface="Cambria Math" panose="02040503050406030204" pitchFamily="18" charset="0"/>
+                              </a:rPr>
+                            </m:ctrlPr>
+                          </m:sSubSupPr>
+                          <m:e>
+                            <m:r>
+                              <m:rPr>
+                                <m:sty m:val="p"/>
+                              </m:rPr>
+                              <a:rPr lang="en-US" altLang="zh-CN" i="1" smtClean="0">
+                                <a:solidFill>
+                                  <a:schemeClr val="tx1"/>
+                                </a:solidFill>
+                                <a:latin typeface="Cambria Math" panose="02040503050406030204" pitchFamily="18" charset="0"/>
+                              </a:rPr>
+                              <m:t>w</m:t>
+                            </m:r>
+                          </m:e>
+                          <m:sub>
+                            <m:r>
+                              <a:rPr lang="en-US" altLang="zh-CN" i="1">
+                                <a:solidFill>
+                                  <a:schemeClr val="tx1"/>
+                                </a:solidFill>
+                                <a:latin typeface="Cambria Math" panose="02040503050406030204" pitchFamily="18" charset="0"/>
+                              </a:rPr>
+                              <m:t>1</m:t>
+                            </m:r>
+                          </m:sub>
+                          <m:sup>
+                            <m:r>
+                              <a:rPr lang="en-US" altLang="zh-CN" b="0" i="1" smtClean="0">
+                                <a:solidFill>
+                                  <a:schemeClr val="tx1"/>
+                                </a:solidFill>
+                                <a:latin typeface="Cambria Math" panose="02040503050406030204" pitchFamily="18" charset="0"/>
+                              </a:rPr>
+                              <m:t>𝑏</m:t>
+                            </m:r>
+                          </m:sup>
+                        </m:sSubSup>
+                      </m:oMath>
+                    </m:oMathPara>
+                  </a14:m>
+                  <a:endParaRPr lang="zh-CN" altLang="en-US" i="1" dirty="0">
+                    <a:solidFill>
+                      <a:schemeClr val="tx1"/>
+                    </a:solidFill>
+                    <a:latin typeface="微软雅黑" panose="020B0503020204020204" pitchFamily="34" charset="-122"/>
+                    <a:ea typeface="微软雅黑" panose="020B0503020204020204" pitchFamily="34" charset="-122"/>
+                    <a:cs typeface="Times New Roman" panose="02020603050405020304" pitchFamily="18" charset="0"/>
+                  </a:endParaRPr>
+                </a:p>
+              </p:txBody>
+            </p:sp>
+          </mc:Choice>
+          <mc:Fallback>
+            <p:sp>
+              <p:nvSpPr>
+                <p:cNvPr id="48" name="矩形: 圆角 47">
+                  <a:extLst>
+                    <a:ext uri="{FF2B5EF4-FFF2-40B4-BE49-F238E27FC236}">
+                      <a16:creationId xmlns:a16="http://schemas.microsoft.com/office/drawing/2014/main" id="{50237D62-2906-F2D9-994B-F6D1C50422A4}"/>
+                    </a:ext>
+                  </a:extLst>
+                </p:cNvPr>
+                <p:cNvSpPr>
+                  <a:spLocks noRot="1" noChangeAspect="1" noMove="1" noResize="1" noEditPoints="1" noAdjustHandles="1" noChangeArrowheads="1" noChangeShapeType="1" noTextEdit="1"/>
+                </p:cNvSpPr>
+                <p:nvPr/>
+              </p:nvSpPr>
+              <p:spPr>
+                <a:xfrm>
+                  <a:off x="6519537" y="5585232"/>
+                  <a:ext cx="720000" cy="504000"/>
+                </a:xfrm>
+                <a:prstGeom prst="roundRect">
+                  <a:avLst/>
+                </a:prstGeom>
+                <a:blipFill>
+                  <a:blip r:embed="rId16"/>
+                  <a:stretch>
+                    <a:fillRect/>
+                  </a:stretch>
+                </a:blipFill>
+                <a:ln w="12700">
+                  <a:solidFill>
+                    <a:schemeClr val="tx1"/>
+                  </a:solidFill>
+                </a:ln>
+              </p:spPr>
+              <p:txBody>
+                <a:bodyPr/>
+                <a:lstStyle/>
+                <a:p>
+                  <a:r>
+                    <a:rPr lang="zh-CN" altLang="en-US">
+                      <a:noFill/>
+                    </a:rPr>
+                    <a:t> </a:t>
+                  </a:r>
+                </a:p>
+              </p:txBody>
+            </p:sp>
+          </mc:Fallback>
+        </mc:AlternateContent>
+        <mc:AlternateContent xmlns:mc="http://schemas.openxmlformats.org/markup-compatibility/2006">
+          <mc:Choice xmlns:a14="http://schemas.microsoft.com/office/drawing/2010/main" Requires="a14">
+            <p:sp>
+              <p:nvSpPr>
+                <p:cNvPr id="49" name="矩形: 圆角 48">
+                  <a:extLst>
+                    <a:ext uri="{FF2B5EF4-FFF2-40B4-BE49-F238E27FC236}">
+                      <a16:creationId xmlns:a16="http://schemas.microsoft.com/office/drawing/2014/main" id="{61AC78DC-EE99-3474-B5F5-70ABF7D12AA1}"/>
+                    </a:ext>
+                  </a:extLst>
+                </p:cNvPr>
+                <p:cNvSpPr/>
+                <p:nvPr/>
+              </p:nvSpPr>
+              <p:spPr>
+                <a:xfrm>
+                  <a:off x="7380637" y="5585232"/>
+                  <a:ext cx="720000" cy="504000"/>
+                </a:xfrm>
+                <a:prstGeom prst="roundRect">
+                  <a:avLst/>
+                </a:prstGeom>
+                <a:noFill/>
+                <a:ln w="12700">
+                  <a:solidFill>
+                    <a:schemeClr val="tx1"/>
+                  </a:solidFill>
+                </a:ln>
+              </p:spPr>
+              <p:style>
+                <a:lnRef idx="2">
+                  <a:schemeClr val="accent1">
+                    <a:shade val="15000"/>
+                  </a:schemeClr>
+                </a:lnRef>
+                <a:fillRef idx="1">
+                  <a:schemeClr val="accent1"/>
+                </a:fillRef>
+                <a:effectRef idx="0">
+                  <a:schemeClr val="accent1"/>
+                </a:effectRef>
+                <a:fontRef idx="minor">
+                  <a:schemeClr val="lt1"/>
+                </a:fontRef>
+              </p:style>
+              <p:txBody>
+                <a:bodyPr rtlCol="0" anchor="ctr"/>
+                <a:lstStyle/>
+                <a:p>
+                  <a:pPr algn="ctr"/>
+                  <a14:m>
+                    <m:oMathPara xmlns:m="http://schemas.openxmlformats.org/officeDocument/2006/math">
+                      <m:oMathParaPr>
+                        <m:jc m:val="centerGroup"/>
+                      </m:oMathParaPr>
+                      <m:oMath xmlns:m="http://schemas.openxmlformats.org/officeDocument/2006/math">
+                        <m:sSubSup>
+                          <m:sSubSupPr>
+                            <m:ctrlPr>
+                              <a:rPr lang="en-US" altLang="zh-CN" i="1" smtClean="0">
+                                <a:solidFill>
+                                  <a:schemeClr val="tx1"/>
+                                </a:solidFill>
+                                <a:latin typeface="Cambria Math" panose="02040503050406030204" pitchFamily="18" charset="0"/>
+                              </a:rPr>
+                            </m:ctrlPr>
+                          </m:sSubSupPr>
+                          <m:e>
+                            <m:r>
+                              <m:rPr>
+                                <m:sty m:val="p"/>
+                              </m:rPr>
+                              <a:rPr lang="en-US" altLang="zh-CN" i="1" smtClean="0">
+                                <a:solidFill>
+                                  <a:schemeClr val="tx1"/>
+                                </a:solidFill>
+                                <a:latin typeface="Cambria Math" panose="02040503050406030204" pitchFamily="18" charset="0"/>
+                              </a:rPr>
+                              <m:t>w</m:t>
+                            </m:r>
+                          </m:e>
+                          <m:sub>
+                            <m:r>
+                              <a:rPr lang="en-US" altLang="zh-CN" i="1">
+                                <a:solidFill>
+                                  <a:schemeClr val="tx1"/>
+                                </a:solidFill>
+                                <a:latin typeface="Cambria Math" panose="02040503050406030204" pitchFamily="18" charset="0"/>
+                              </a:rPr>
+                              <m:t>2</m:t>
+                            </m:r>
+                          </m:sub>
+                          <m:sup>
+                            <m:r>
+                              <a:rPr lang="en-US" altLang="zh-CN" b="0" i="1" smtClean="0">
+                                <a:solidFill>
+                                  <a:schemeClr val="tx1"/>
+                                </a:solidFill>
+                                <a:latin typeface="Cambria Math" panose="02040503050406030204" pitchFamily="18" charset="0"/>
+                              </a:rPr>
+                              <m:t>𝑏</m:t>
+                            </m:r>
+                          </m:sup>
+                        </m:sSubSup>
+                      </m:oMath>
+                    </m:oMathPara>
+                  </a14:m>
+                  <a:endParaRPr lang="zh-CN" altLang="en-US" i="1" dirty="0">
+                    <a:solidFill>
+                      <a:schemeClr val="tx1"/>
+                    </a:solidFill>
+                    <a:latin typeface="微软雅黑" panose="020B0503020204020204" pitchFamily="34" charset="-122"/>
+                    <a:ea typeface="微软雅黑" panose="020B0503020204020204" pitchFamily="34" charset="-122"/>
+                    <a:cs typeface="Times New Roman" panose="02020603050405020304" pitchFamily="18" charset="0"/>
+                  </a:endParaRPr>
+                </a:p>
+              </p:txBody>
+            </p:sp>
+          </mc:Choice>
+          <mc:Fallback>
+            <p:sp>
+              <p:nvSpPr>
+                <p:cNvPr id="49" name="矩形: 圆角 48">
+                  <a:extLst>
+                    <a:ext uri="{FF2B5EF4-FFF2-40B4-BE49-F238E27FC236}">
+                      <a16:creationId xmlns:a16="http://schemas.microsoft.com/office/drawing/2014/main" id="{61AC78DC-EE99-3474-B5F5-70ABF7D12AA1}"/>
+                    </a:ext>
+                  </a:extLst>
+                </p:cNvPr>
+                <p:cNvSpPr>
+                  <a:spLocks noRot="1" noChangeAspect="1" noMove="1" noResize="1" noEditPoints="1" noAdjustHandles="1" noChangeArrowheads="1" noChangeShapeType="1" noTextEdit="1"/>
+                </p:cNvSpPr>
+                <p:nvPr/>
+              </p:nvSpPr>
+              <p:spPr>
+                <a:xfrm>
+                  <a:off x="7380637" y="5585232"/>
+                  <a:ext cx="720000" cy="504000"/>
+                </a:xfrm>
+                <a:prstGeom prst="roundRect">
+                  <a:avLst/>
+                </a:prstGeom>
+                <a:blipFill>
+                  <a:blip r:embed="rId17"/>
+                  <a:stretch>
+                    <a:fillRect/>
+                  </a:stretch>
+                </a:blipFill>
+                <a:ln w="12700">
+                  <a:solidFill>
+                    <a:schemeClr val="tx1"/>
+                  </a:solidFill>
+                </a:ln>
+              </p:spPr>
+              <p:txBody>
+                <a:bodyPr/>
+                <a:lstStyle/>
+                <a:p>
+                  <a:r>
+                    <a:rPr lang="zh-CN" altLang="en-US">
+                      <a:noFill/>
+                    </a:rPr>
+                    <a:t> </a:t>
+                  </a:r>
+                </a:p>
+              </p:txBody>
+            </p:sp>
+          </mc:Fallback>
+        </mc:AlternateContent>
+        <mc:AlternateContent xmlns:mc="http://schemas.openxmlformats.org/markup-compatibility/2006">
+          <mc:Choice xmlns:a14="http://schemas.microsoft.com/office/drawing/2010/main" Requires="a14">
+            <p:sp>
+              <p:nvSpPr>
+                <p:cNvPr id="50" name="矩形: 圆角 49">
+                  <a:extLst>
+                    <a:ext uri="{FF2B5EF4-FFF2-40B4-BE49-F238E27FC236}">
+                      <a16:creationId xmlns:a16="http://schemas.microsoft.com/office/drawing/2014/main" id="{C6D27C26-8FCF-125D-D585-A9CA7A8E7D08}"/>
+                    </a:ext>
+                  </a:extLst>
+                </p:cNvPr>
+                <p:cNvSpPr/>
+                <p:nvPr/>
+              </p:nvSpPr>
+              <p:spPr>
+                <a:xfrm>
+                  <a:off x="9680760" y="5585232"/>
+                  <a:ext cx="720000" cy="504000"/>
+                </a:xfrm>
+                <a:prstGeom prst="roundRect">
+                  <a:avLst/>
+                </a:prstGeom>
+                <a:noFill/>
+                <a:ln w="12700">
+                  <a:solidFill>
+                    <a:schemeClr val="tx1"/>
+                  </a:solidFill>
+                </a:ln>
+              </p:spPr>
+              <p:style>
+                <a:lnRef idx="2">
+                  <a:schemeClr val="accent1">
+                    <a:shade val="15000"/>
+                  </a:schemeClr>
+                </a:lnRef>
+                <a:fillRef idx="1">
+                  <a:schemeClr val="accent1"/>
+                </a:fillRef>
+                <a:effectRef idx="0">
+                  <a:schemeClr val="accent1"/>
+                </a:effectRef>
+                <a:fontRef idx="minor">
+                  <a:schemeClr val="lt1"/>
+                </a:fontRef>
+              </p:style>
+              <p:txBody>
+                <a:bodyPr rtlCol="0" anchor="ctr"/>
+                <a:lstStyle/>
+                <a:p>
+                  <a:pPr algn="ctr"/>
+                  <a14:m>
+                    <m:oMathPara xmlns:m="http://schemas.openxmlformats.org/officeDocument/2006/math">
+                      <m:oMathParaPr>
+                        <m:jc m:val="centerGroup"/>
+                      </m:oMathParaPr>
+                      <m:oMath xmlns:m="http://schemas.openxmlformats.org/officeDocument/2006/math">
+                        <m:sSubSup>
+                          <m:sSubSupPr>
+                            <m:ctrlPr>
+                              <a:rPr lang="en-US" altLang="zh-CN" i="1" smtClean="0">
+                                <a:solidFill>
+                                  <a:schemeClr val="tx1"/>
+                                </a:solidFill>
+                                <a:latin typeface="Cambria Math" panose="02040503050406030204" pitchFamily="18" charset="0"/>
+                              </a:rPr>
+                            </m:ctrlPr>
+                          </m:sSubSupPr>
+                          <m:e>
+                            <m:r>
+                              <m:rPr>
+                                <m:sty m:val="p"/>
+                              </m:rPr>
+                              <a:rPr lang="en-US" altLang="zh-CN" i="1" smtClean="0">
+                                <a:solidFill>
+                                  <a:schemeClr val="tx1"/>
+                                </a:solidFill>
+                                <a:latin typeface="Cambria Math" panose="02040503050406030204" pitchFamily="18" charset="0"/>
+                              </a:rPr>
+                              <m:t>w</m:t>
+                            </m:r>
+                          </m:e>
+                          <m:sub>
+                            <m:r>
+                              <a:rPr lang="en-US" altLang="zh-CN" b="0" i="1" smtClean="0">
+                                <a:solidFill>
+                                  <a:schemeClr val="tx1"/>
+                                </a:solidFill>
+                                <a:latin typeface="Cambria Math" panose="02040503050406030204" pitchFamily="18" charset="0"/>
+                              </a:rPr>
+                              <m:t>𝑛</m:t>
+                            </m:r>
+                            <m:r>
+                              <a:rPr lang="en-US" altLang="zh-CN" i="1">
+                                <a:solidFill>
+                                  <a:schemeClr val="tx1"/>
+                                </a:solidFill>
+                                <a:latin typeface="Cambria Math" panose="02040503050406030204" pitchFamily="18" charset="0"/>
+                              </a:rPr>
+                              <m:t>−1</m:t>
+                            </m:r>
+                          </m:sub>
+                          <m:sup>
+                            <m:r>
+                              <a:rPr lang="en-US" altLang="zh-CN" b="0" i="1" smtClean="0">
+                                <a:solidFill>
+                                  <a:schemeClr val="tx1"/>
+                                </a:solidFill>
+                                <a:latin typeface="Cambria Math" panose="02040503050406030204" pitchFamily="18" charset="0"/>
+                              </a:rPr>
+                              <m:t>𝑏</m:t>
+                            </m:r>
+                          </m:sup>
+                        </m:sSubSup>
+                      </m:oMath>
+                    </m:oMathPara>
+                  </a14:m>
+                  <a:endParaRPr lang="zh-CN" altLang="en-US" i="1" dirty="0">
+                    <a:solidFill>
+                      <a:schemeClr val="tx1"/>
+                    </a:solidFill>
+                    <a:latin typeface="微软雅黑" panose="020B0503020204020204" pitchFamily="34" charset="-122"/>
+                    <a:ea typeface="微软雅黑" panose="020B0503020204020204" pitchFamily="34" charset="-122"/>
+                    <a:cs typeface="Times New Roman" panose="02020603050405020304" pitchFamily="18" charset="0"/>
+                  </a:endParaRPr>
+                </a:p>
+              </p:txBody>
+            </p:sp>
+          </mc:Choice>
+          <mc:Fallback>
+            <p:sp>
+              <p:nvSpPr>
+                <p:cNvPr id="50" name="矩形: 圆角 49">
+                  <a:extLst>
+                    <a:ext uri="{FF2B5EF4-FFF2-40B4-BE49-F238E27FC236}">
+                      <a16:creationId xmlns:a16="http://schemas.microsoft.com/office/drawing/2014/main" id="{C6D27C26-8FCF-125D-D585-A9CA7A8E7D08}"/>
+                    </a:ext>
+                  </a:extLst>
+                </p:cNvPr>
+                <p:cNvSpPr>
+                  <a:spLocks noRot="1" noChangeAspect="1" noMove="1" noResize="1" noEditPoints="1" noAdjustHandles="1" noChangeArrowheads="1" noChangeShapeType="1" noTextEdit="1"/>
+                </p:cNvSpPr>
+                <p:nvPr/>
+              </p:nvSpPr>
+              <p:spPr>
+                <a:xfrm>
+                  <a:off x="9680760" y="5585232"/>
+                  <a:ext cx="720000" cy="504000"/>
+                </a:xfrm>
+                <a:prstGeom prst="roundRect">
+                  <a:avLst/>
+                </a:prstGeom>
+                <a:blipFill>
+                  <a:blip r:embed="rId18"/>
+                  <a:stretch>
+                    <a:fillRect/>
+                  </a:stretch>
+                </a:blipFill>
+                <a:ln w="12700">
+                  <a:solidFill>
+                    <a:schemeClr val="tx1"/>
+                  </a:solidFill>
+                </a:ln>
+              </p:spPr>
+              <p:txBody>
+                <a:bodyPr/>
+                <a:lstStyle/>
+                <a:p>
+                  <a:r>
+                    <a:rPr lang="zh-CN" altLang="en-US">
+                      <a:noFill/>
+                    </a:rPr>
+                    <a:t> </a:t>
+                  </a:r>
+                </a:p>
+              </p:txBody>
+            </p:sp>
+          </mc:Fallback>
+        </mc:AlternateContent>
+        <mc:AlternateContent xmlns:mc="http://schemas.openxmlformats.org/markup-compatibility/2006">
+          <mc:Choice xmlns:a14="http://schemas.microsoft.com/office/drawing/2010/main" Requires="a14">
+            <p:sp>
+              <p:nvSpPr>
+                <p:cNvPr id="51" name="矩形: 圆角 50">
+                  <a:extLst>
+                    <a:ext uri="{FF2B5EF4-FFF2-40B4-BE49-F238E27FC236}">
+                      <a16:creationId xmlns:a16="http://schemas.microsoft.com/office/drawing/2014/main" id="{0B98291F-A4B5-DF0A-EB63-914F90EDF1B9}"/>
+                    </a:ext>
+                  </a:extLst>
+                </p:cNvPr>
+                <p:cNvSpPr/>
+                <p:nvPr/>
+              </p:nvSpPr>
+              <p:spPr>
+                <a:xfrm>
+                  <a:off x="10546175" y="5585232"/>
+                  <a:ext cx="720000" cy="504000"/>
+                </a:xfrm>
+                <a:prstGeom prst="roundRect">
+                  <a:avLst/>
+                </a:prstGeom>
+                <a:noFill/>
+                <a:ln w="12700">
+                  <a:solidFill>
+                    <a:schemeClr val="tx1"/>
+                  </a:solidFill>
+                </a:ln>
+              </p:spPr>
+              <p:style>
+                <a:lnRef idx="2">
+                  <a:schemeClr val="accent1">
+                    <a:shade val="15000"/>
+                  </a:schemeClr>
+                </a:lnRef>
+                <a:fillRef idx="1">
+                  <a:schemeClr val="accent1"/>
+                </a:fillRef>
+                <a:effectRef idx="0">
+                  <a:schemeClr val="accent1"/>
+                </a:effectRef>
+                <a:fontRef idx="minor">
+                  <a:schemeClr val="lt1"/>
+                </a:fontRef>
+              </p:style>
+              <p:txBody>
+                <a:bodyPr rtlCol="0" anchor="ctr"/>
+                <a:lstStyle/>
+                <a:p>
+                  <a:pPr algn="ctr"/>
+                  <a14:m>
+                    <m:oMathPara xmlns:m="http://schemas.openxmlformats.org/officeDocument/2006/math">
+                      <m:oMathParaPr>
+                        <m:jc m:val="centerGroup"/>
+                      </m:oMathParaPr>
+                      <m:oMath xmlns:m="http://schemas.openxmlformats.org/officeDocument/2006/math">
+                        <m:sSubSup>
+                          <m:sSubSupPr>
+                            <m:ctrlPr>
+                              <a:rPr lang="en-US" altLang="zh-CN" i="1" smtClean="0">
+                                <a:solidFill>
+                                  <a:schemeClr val="tx1"/>
+                                </a:solidFill>
+                                <a:latin typeface="Cambria Math" panose="02040503050406030204" pitchFamily="18" charset="0"/>
+                              </a:rPr>
+                            </m:ctrlPr>
+                          </m:sSubSupPr>
+                          <m:e>
+                            <m:r>
+                              <m:rPr>
+                                <m:sty m:val="p"/>
+                              </m:rPr>
+                              <a:rPr lang="en-US" altLang="zh-CN" i="1" smtClean="0">
+                                <a:solidFill>
+                                  <a:schemeClr val="tx1"/>
+                                </a:solidFill>
+                                <a:latin typeface="Cambria Math" panose="02040503050406030204" pitchFamily="18" charset="0"/>
+                              </a:rPr>
+                              <m:t>w</m:t>
+                            </m:r>
+                          </m:e>
+                          <m:sub>
+                            <m:r>
+                              <a:rPr lang="en-US" altLang="zh-CN" b="0" i="1" smtClean="0">
+                                <a:solidFill>
+                                  <a:schemeClr val="tx1"/>
+                                </a:solidFill>
+                                <a:latin typeface="Cambria Math" panose="02040503050406030204" pitchFamily="18" charset="0"/>
+                              </a:rPr>
+                              <m:t>𝑛</m:t>
+                            </m:r>
+                          </m:sub>
+                          <m:sup>
+                            <m:r>
+                              <a:rPr lang="en-US" altLang="zh-CN" b="0" i="1" smtClean="0">
+                                <a:solidFill>
+                                  <a:schemeClr val="tx1"/>
+                                </a:solidFill>
+                                <a:latin typeface="Cambria Math" panose="02040503050406030204" pitchFamily="18" charset="0"/>
+                              </a:rPr>
+                              <m:t>𝑏</m:t>
+                            </m:r>
+                          </m:sup>
+                        </m:sSubSup>
+                      </m:oMath>
+                    </m:oMathPara>
+                  </a14:m>
+                  <a:endParaRPr lang="zh-CN" altLang="en-US" i="1" dirty="0">
+                    <a:solidFill>
+                      <a:schemeClr val="tx1"/>
+                    </a:solidFill>
+                    <a:latin typeface="微软雅黑" panose="020B0503020204020204" pitchFamily="34" charset="-122"/>
+                    <a:ea typeface="微软雅黑" panose="020B0503020204020204" pitchFamily="34" charset="-122"/>
+                    <a:cs typeface="Times New Roman" panose="02020603050405020304" pitchFamily="18" charset="0"/>
+                  </a:endParaRPr>
+                </a:p>
+              </p:txBody>
+            </p:sp>
+          </mc:Choice>
+          <mc:Fallback>
+            <p:sp>
+              <p:nvSpPr>
+                <p:cNvPr id="51" name="矩形: 圆角 50">
+                  <a:extLst>
+                    <a:ext uri="{FF2B5EF4-FFF2-40B4-BE49-F238E27FC236}">
+                      <a16:creationId xmlns:a16="http://schemas.microsoft.com/office/drawing/2014/main" id="{0B98291F-A4B5-DF0A-EB63-914F90EDF1B9}"/>
+                    </a:ext>
+                  </a:extLst>
+                </p:cNvPr>
+                <p:cNvSpPr>
+                  <a:spLocks noRot="1" noChangeAspect="1" noMove="1" noResize="1" noEditPoints="1" noAdjustHandles="1" noChangeArrowheads="1" noChangeShapeType="1" noTextEdit="1"/>
+                </p:cNvSpPr>
+                <p:nvPr/>
+              </p:nvSpPr>
+              <p:spPr>
+                <a:xfrm>
+                  <a:off x="10546175" y="5585232"/>
+                  <a:ext cx="720000" cy="504000"/>
+                </a:xfrm>
+                <a:prstGeom prst="roundRect">
+                  <a:avLst/>
+                </a:prstGeom>
+                <a:blipFill>
+                  <a:blip r:embed="rId19"/>
+                  <a:stretch>
+                    <a:fillRect/>
+                  </a:stretch>
+                </a:blipFill>
+                <a:ln w="12700">
+                  <a:solidFill>
+                    <a:schemeClr val="tx1"/>
+                  </a:solidFill>
+                </a:ln>
+              </p:spPr>
+              <p:txBody>
+                <a:bodyPr/>
+                <a:lstStyle/>
+                <a:p>
+                  <a:r>
+                    <a:rPr lang="zh-CN" altLang="en-US">
+                      <a:noFill/>
+                    </a:rPr>
+                    <a:t> </a:t>
+                  </a:r>
+                </a:p>
+              </p:txBody>
+            </p:sp>
+          </mc:Fallback>
+        </mc:AlternateContent>
+        <p:sp>
+          <p:nvSpPr>
+            <p:cNvPr id="52" name="文本框 51">
+              <a:extLst>
+                <a:ext uri="{FF2B5EF4-FFF2-40B4-BE49-F238E27FC236}">
+                  <a16:creationId xmlns:a16="http://schemas.microsoft.com/office/drawing/2014/main" id="{7947C689-F390-7442-A2C8-032D993A52AA}"/>
+                </a:ext>
+              </a:extLst>
+            </p:cNvPr>
+            <p:cNvSpPr txBox="1"/>
+            <p:nvPr/>
+          </p:nvSpPr>
+          <p:spPr>
+            <a:xfrm>
+              <a:off x="8495381" y="5628571"/>
+              <a:ext cx="781615" cy="408623"/>
+            </a:xfrm>
+            <a:prstGeom prst="roundRect">
+              <a:avLst/>
+            </a:prstGeom>
+            <a:noFill/>
+          </p:spPr>
+          <p:txBody>
+            <a:bodyPr wrap="square" rtlCol="0">
+              <a:spAutoFit/>
+            </a:bodyPr>
+            <a:lstStyle/>
+            <a:p>
+              <a:pPr algn="ctr"/>
+              <a:r>
+                <a:rPr lang="en-US" altLang="zh-CN" b="1" dirty="0">
+                  <a:latin typeface="微软雅黑" panose="020B0503020204020204" pitchFamily="34" charset="-122"/>
+                  <a:ea typeface="微软雅黑" panose="020B0503020204020204" pitchFamily="34" charset="-122"/>
+                  <a:cs typeface="Times New Roman" panose="02020603050405020304" pitchFamily="18" charset="0"/>
+                </a:rPr>
+                <a:t>……</a:t>
+              </a:r>
+              <a:endParaRPr lang="zh-CN" altLang="en-US" b="1" dirty="0">
+                <a:latin typeface="微软雅黑" panose="020B0503020204020204" pitchFamily="34" charset="-122"/>
+                <a:ea typeface="微软雅黑" panose="020B0503020204020204" pitchFamily="34" charset="-122"/>
+                <a:cs typeface="Times New Roman" panose="02020603050405020304" pitchFamily="18" charset="0"/>
+              </a:endParaRPr>
+            </a:p>
+          </p:txBody>
+        </p:sp>
+      </p:grpSp>
+      <mc:AlternateContent xmlns:mc="http://schemas.openxmlformats.org/markup-compatibility/2006">
+        <mc:Choice xmlns:a14="http://schemas.microsoft.com/office/drawing/2010/main" Requires="a14">
+          <p:sp>
+            <p:nvSpPr>
+              <p:cNvPr id="53" name="矩形 52">
+                <a:extLst>
+                  <a:ext uri="{FF2B5EF4-FFF2-40B4-BE49-F238E27FC236}">
+                    <a16:creationId xmlns:a16="http://schemas.microsoft.com/office/drawing/2014/main" id="{49C0AE23-4298-4B02-B2EE-F1BA4EBBDA75}"/>
+                  </a:ext>
+                </a:extLst>
+              </p:cNvPr>
+              <p:cNvSpPr/>
+              <p:nvPr/>
+            </p:nvSpPr>
+            <p:spPr>
+              <a:xfrm>
+                <a:off x="6519537" y="3956899"/>
+                <a:ext cx="631028" cy="495300"/>
+              </a:xfrm>
+              <a:prstGeom prst="rect">
+                <a:avLst/>
+              </a:prstGeom>
+              <a:noFill/>
+              <a:ln w="12700">
+                <a:solidFill>
+                  <a:schemeClr val="tx1"/>
+                </a:solidFill>
+              </a:ln>
+            </p:spPr>
+            <p:style>
+              <a:lnRef idx="2">
+                <a:schemeClr val="accent1">
+                  <a:shade val="15000"/>
+                </a:schemeClr>
+              </a:lnRef>
+              <a:fillRef idx="1">
+                <a:schemeClr val="accent1"/>
+              </a:fillRef>
+              <a:effectRef idx="0">
+                <a:schemeClr val="accent1"/>
+              </a:effectRef>
+              <a:fontRef idx="minor">
+                <a:schemeClr val="lt1"/>
+              </a:fontRef>
+            </p:style>
+            <p:txBody>
+              <a:bodyPr rtlCol="0" anchor="ctr"/>
+              <a:lstStyle/>
+              <a:p>
+                <a:pPr algn="ctr"/>
+                <a14:m>
+                  <m:oMathPara xmlns:m="http://schemas.openxmlformats.org/officeDocument/2006/math">
+                    <m:oMathParaPr>
+                      <m:jc m:val="centerGroup"/>
+                    </m:oMathParaPr>
+                    <m:oMath xmlns:m="http://schemas.openxmlformats.org/officeDocument/2006/math">
+                      <m:sSubSup>
+                        <m:sSubSupPr>
+                          <m:ctrlPr>
+                            <a:rPr lang="en-US" altLang="zh-CN" i="1" smtClean="0">
+                              <a:solidFill>
+                                <a:schemeClr val="tx1"/>
+                              </a:solidFill>
+                              <a:latin typeface="Cambria Math" panose="02040503050406030204" pitchFamily="18" charset="0"/>
+                            </a:rPr>
+                          </m:ctrlPr>
+                        </m:sSubSupPr>
+                        <m:e>
+                          <m:r>
+                            <a:rPr lang="en-US" altLang="zh-CN" i="1">
+                              <a:solidFill>
+                                <a:schemeClr val="tx1"/>
+                              </a:solidFill>
+                              <a:latin typeface="Cambria Math" panose="02040503050406030204" pitchFamily="18" charset="0"/>
+                            </a:rPr>
+                            <m:t>𝑥</m:t>
+                          </m:r>
+                        </m:e>
+                        <m:sub>
+                          <m:r>
+                            <a:rPr lang="en-US" altLang="zh-CN" i="1">
+                              <a:solidFill>
+                                <a:schemeClr val="tx1"/>
+                              </a:solidFill>
+                              <a:latin typeface="Cambria Math" panose="02040503050406030204" pitchFamily="18" charset="0"/>
+                            </a:rPr>
+                            <m:t>1</m:t>
+                          </m:r>
+                        </m:sub>
+                        <m:sup>
+                          <m:r>
+                            <a:rPr lang="en-US" altLang="zh-CN" b="0" i="1" smtClean="0">
+                              <a:solidFill>
+                                <a:schemeClr val="tx1"/>
+                              </a:solidFill>
+                              <a:latin typeface="Cambria Math" panose="02040503050406030204" pitchFamily="18" charset="0"/>
+                            </a:rPr>
+                            <m:t>𝑏</m:t>
+                          </m:r>
+                        </m:sup>
+                      </m:sSubSup>
+                    </m:oMath>
+                  </m:oMathPara>
+                </a14:m>
+                <a:endParaRPr lang="zh-CN" altLang="en-US" i="1" dirty="0">
+                  <a:solidFill>
+                    <a:schemeClr val="tx1"/>
+                  </a:solidFill>
+                  <a:latin typeface="微软雅黑" panose="020B0503020204020204" pitchFamily="34" charset="-122"/>
+                  <a:ea typeface="微软雅黑" panose="020B0503020204020204" pitchFamily="34" charset="-122"/>
+                  <a:cs typeface="Times New Roman" panose="02020603050405020304" pitchFamily="18" charset="0"/>
+                </a:endParaRPr>
+              </a:p>
+            </p:txBody>
+          </p:sp>
+        </mc:Choice>
+        <mc:Fallback>
+          <p:sp>
+            <p:nvSpPr>
+              <p:cNvPr id="53" name="矩形 52">
+                <a:extLst>
+                  <a:ext uri="{FF2B5EF4-FFF2-40B4-BE49-F238E27FC236}">
+                    <a16:creationId xmlns:a16="http://schemas.microsoft.com/office/drawing/2014/main" id="{49C0AE23-4298-4B02-B2EE-F1BA4EBBDA75}"/>
+                  </a:ext>
+                </a:extLst>
+              </p:cNvPr>
+              <p:cNvSpPr>
+                <a:spLocks noRot="1" noChangeAspect="1" noMove="1" noResize="1" noEditPoints="1" noAdjustHandles="1" noChangeArrowheads="1" noChangeShapeType="1" noTextEdit="1"/>
+              </p:cNvSpPr>
+              <p:nvPr/>
+            </p:nvSpPr>
+            <p:spPr>
+              <a:xfrm>
+                <a:off x="6519537" y="3956899"/>
+                <a:ext cx="631028" cy="495300"/>
+              </a:xfrm>
+              <a:prstGeom prst="rect">
+                <a:avLst/>
+              </a:prstGeom>
+              <a:blipFill>
+                <a:blip r:embed="rId20"/>
+                <a:stretch>
+                  <a:fillRect/>
+                </a:stretch>
+              </a:blipFill>
+              <a:ln w="12700">
+                <a:solidFill>
+                  <a:schemeClr val="tx1"/>
+                </a:solidFill>
+              </a:ln>
+            </p:spPr>
+            <p:txBody>
+              <a:bodyPr/>
+              <a:lstStyle/>
+              <a:p>
+                <a:r>
+                  <a:rPr lang="zh-CN" altLang="en-US">
+                    <a:noFill/>
+                  </a:rPr>
+                  <a:t> </a:t>
+                </a:r>
+              </a:p>
+            </p:txBody>
+          </p:sp>
+        </mc:Fallback>
+      </mc:AlternateContent>
+      <mc:AlternateContent xmlns:mc="http://schemas.openxmlformats.org/markup-compatibility/2006">
+        <mc:Choice xmlns:a14="http://schemas.microsoft.com/office/drawing/2010/main" Requires="a14">
+          <p:sp>
+            <p:nvSpPr>
+              <p:cNvPr id="54" name="矩形 53">
+                <a:extLst>
+                  <a:ext uri="{FF2B5EF4-FFF2-40B4-BE49-F238E27FC236}">
+                    <a16:creationId xmlns:a16="http://schemas.microsoft.com/office/drawing/2014/main" id="{5F54D241-9321-C8A9-D916-43E814015969}"/>
+                  </a:ext>
+                </a:extLst>
+              </p:cNvPr>
+              <p:cNvSpPr/>
+              <p:nvPr/>
+            </p:nvSpPr>
+            <p:spPr>
+              <a:xfrm>
+                <a:off x="7380637" y="3956899"/>
+                <a:ext cx="631028" cy="495300"/>
+              </a:xfrm>
+              <a:prstGeom prst="rect">
+                <a:avLst/>
+              </a:prstGeom>
+              <a:noFill/>
+              <a:ln w="12700">
+                <a:solidFill>
+                  <a:schemeClr val="tx1"/>
+                </a:solidFill>
+              </a:ln>
+            </p:spPr>
+            <p:style>
+              <a:lnRef idx="2">
+                <a:schemeClr val="accent1">
+                  <a:shade val="15000"/>
+                </a:schemeClr>
+              </a:lnRef>
+              <a:fillRef idx="1">
+                <a:schemeClr val="accent1"/>
+              </a:fillRef>
+              <a:effectRef idx="0">
+                <a:schemeClr val="accent1"/>
+              </a:effectRef>
+              <a:fontRef idx="minor">
+                <a:schemeClr val="lt1"/>
+              </a:fontRef>
+            </p:style>
+            <p:txBody>
+              <a:bodyPr rtlCol="0" anchor="ctr"/>
+              <a:lstStyle/>
+              <a:p>
+                <a:pPr algn="ctr"/>
+                <a14:m>
+                  <m:oMathPara xmlns:m="http://schemas.openxmlformats.org/officeDocument/2006/math">
+                    <m:oMathParaPr>
+                      <m:jc m:val="centerGroup"/>
+                    </m:oMathParaPr>
+                    <m:oMath xmlns:m="http://schemas.openxmlformats.org/officeDocument/2006/math">
+                      <m:sSubSup>
+                        <m:sSubSupPr>
+                          <m:ctrlPr>
+                            <a:rPr lang="en-US" altLang="zh-CN" i="1" smtClean="0">
+                              <a:solidFill>
+                                <a:schemeClr val="tx1"/>
+                              </a:solidFill>
+                              <a:latin typeface="Cambria Math" panose="02040503050406030204" pitchFamily="18" charset="0"/>
+                            </a:rPr>
+                          </m:ctrlPr>
+                        </m:sSubSupPr>
+                        <m:e>
+                          <m:r>
+                            <a:rPr lang="en-US" altLang="zh-CN" i="1">
+                              <a:solidFill>
+                                <a:schemeClr val="tx1"/>
+                              </a:solidFill>
+                              <a:latin typeface="Cambria Math" panose="02040503050406030204" pitchFamily="18" charset="0"/>
+                            </a:rPr>
+                            <m:t>𝑥</m:t>
+                          </m:r>
+                        </m:e>
+                        <m:sub>
+                          <m:r>
+                            <a:rPr lang="en-US" altLang="zh-CN" i="1">
+                              <a:solidFill>
+                                <a:schemeClr val="tx1"/>
+                              </a:solidFill>
+                              <a:latin typeface="Cambria Math" panose="02040503050406030204" pitchFamily="18" charset="0"/>
+                            </a:rPr>
+                            <m:t>2</m:t>
+                          </m:r>
+                        </m:sub>
+                        <m:sup>
+                          <m:r>
+                            <a:rPr lang="en-US" altLang="zh-CN" b="0" i="1" smtClean="0">
+                              <a:solidFill>
+                                <a:schemeClr val="tx1"/>
+                              </a:solidFill>
+                              <a:latin typeface="Cambria Math" panose="02040503050406030204" pitchFamily="18" charset="0"/>
+                            </a:rPr>
+                            <m:t>𝑏</m:t>
+                          </m:r>
+                        </m:sup>
+                      </m:sSubSup>
+                    </m:oMath>
+                  </m:oMathPara>
+                </a14:m>
+                <a:endParaRPr lang="zh-CN" altLang="en-US" i="1" dirty="0">
+                  <a:solidFill>
+                    <a:schemeClr val="tx1"/>
+                  </a:solidFill>
+                  <a:latin typeface="微软雅黑" panose="020B0503020204020204" pitchFamily="34" charset="-122"/>
+                  <a:ea typeface="微软雅黑" panose="020B0503020204020204" pitchFamily="34" charset="-122"/>
+                  <a:cs typeface="Times New Roman" panose="02020603050405020304" pitchFamily="18" charset="0"/>
+                </a:endParaRPr>
+              </a:p>
+            </p:txBody>
+          </p:sp>
+        </mc:Choice>
+        <mc:Fallback>
+          <p:sp>
+            <p:nvSpPr>
+              <p:cNvPr id="54" name="矩形 53">
+                <a:extLst>
+                  <a:ext uri="{FF2B5EF4-FFF2-40B4-BE49-F238E27FC236}">
+                    <a16:creationId xmlns:a16="http://schemas.microsoft.com/office/drawing/2014/main" id="{5F54D241-9321-C8A9-D916-43E814015969}"/>
+                  </a:ext>
+                </a:extLst>
+              </p:cNvPr>
+              <p:cNvSpPr>
+                <a:spLocks noRot="1" noChangeAspect="1" noMove="1" noResize="1" noEditPoints="1" noAdjustHandles="1" noChangeArrowheads="1" noChangeShapeType="1" noTextEdit="1"/>
+              </p:cNvSpPr>
+              <p:nvPr/>
+            </p:nvSpPr>
+            <p:spPr>
+              <a:xfrm>
+                <a:off x="7380637" y="3956899"/>
+                <a:ext cx="631028" cy="495300"/>
+              </a:xfrm>
+              <a:prstGeom prst="rect">
+                <a:avLst/>
+              </a:prstGeom>
+              <a:blipFill>
+                <a:blip r:embed="rId21"/>
+                <a:stretch>
+                  <a:fillRect/>
+                </a:stretch>
+              </a:blipFill>
+              <a:ln w="12700">
+                <a:solidFill>
+                  <a:schemeClr val="tx1"/>
+                </a:solidFill>
+              </a:ln>
+            </p:spPr>
+            <p:txBody>
+              <a:bodyPr/>
+              <a:lstStyle/>
+              <a:p>
+                <a:r>
+                  <a:rPr lang="zh-CN" altLang="en-US">
+                    <a:noFill/>
+                  </a:rPr>
+                  <a:t> </a:t>
+                </a:r>
+              </a:p>
+            </p:txBody>
+          </p:sp>
+        </mc:Fallback>
+      </mc:AlternateContent>
+      <mc:AlternateContent xmlns:mc="http://schemas.openxmlformats.org/markup-compatibility/2006">
+        <mc:Choice xmlns:a14="http://schemas.microsoft.com/office/drawing/2010/main" Requires="a14">
+          <p:sp>
+            <p:nvSpPr>
+              <p:cNvPr id="55" name="矩形 54">
+                <a:extLst>
+                  <a:ext uri="{FF2B5EF4-FFF2-40B4-BE49-F238E27FC236}">
+                    <a16:creationId xmlns:a16="http://schemas.microsoft.com/office/drawing/2014/main" id="{8B36B167-FA9F-EEA8-C079-63442432379C}"/>
+                  </a:ext>
+                </a:extLst>
+              </p:cNvPr>
+              <p:cNvSpPr/>
+              <p:nvPr/>
+            </p:nvSpPr>
+            <p:spPr>
+              <a:xfrm>
+                <a:off x="9680760" y="3970117"/>
+                <a:ext cx="631028" cy="495300"/>
+              </a:xfrm>
+              <a:prstGeom prst="rect">
+                <a:avLst/>
+              </a:prstGeom>
+              <a:noFill/>
+              <a:ln w="12700">
+                <a:solidFill>
+                  <a:schemeClr val="tx1"/>
+                </a:solidFill>
+              </a:ln>
+            </p:spPr>
+            <p:style>
+              <a:lnRef idx="2">
+                <a:schemeClr val="accent1">
+                  <a:shade val="15000"/>
+                </a:schemeClr>
+              </a:lnRef>
+              <a:fillRef idx="1">
+                <a:schemeClr val="accent1"/>
+              </a:fillRef>
+              <a:effectRef idx="0">
+                <a:schemeClr val="accent1"/>
+              </a:effectRef>
+              <a:fontRef idx="minor">
+                <a:schemeClr val="lt1"/>
+              </a:fontRef>
+            </p:style>
+            <p:txBody>
+              <a:bodyPr rtlCol="0" anchor="ctr"/>
+              <a:lstStyle/>
+              <a:p>
+                <a:pPr algn="ctr"/>
+                <a14:m>
+                  <m:oMathPara xmlns:m="http://schemas.openxmlformats.org/officeDocument/2006/math">
+                    <m:oMathParaPr>
+                      <m:jc m:val="centerGroup"/>
+                    </m:oMathParaPr>
+                    <m:oMath xmlns:m="http://schemas.openxmlformats.org/officeDocument/2006/math">
+                      <m:sSubSup>
+                        <m:sSubSupPr>
+                          <m:ctrlPr>
+                            <a:rPr lang="en-US" altLang="zh-CN" i="1" smtClean="0">
+                              <a:solidFill>
+                                <a:schemeClr val="tx1"/>
+                              </a:solidFill>
+                              <a:latin typeface="Cambria Math" panose="02040503050406030204" pitchFamily="18" charset="0"/>
+                            </a:rPr>
+                          </m:ctrlPr>
+                        </m:sSubSupPr>
+                        <m:e>
+                          <m:r>
+                            <a:rPr lang="en-US" altLang="zh-CN" i="1">
+                              <a:solidFill>
+                                <a:schemeClr val="tx1"/>
+                              </a:solidFill>
+                              <a:latin typeface="Cambria Math" panose="02040503050406030204" pitchFamily="18" charset="0"/>
+                            </a:rPr>
+                            <m:t>𝑥</m:t>
+                          </m:r>
+                        </m:e>
+                        <m:sub>
+                          <m:r>
+                            <a:rPr lang="en-US" altLang="zh-CN" i="1">
+                              <a:solidFill>
+                                <a:schemeClr val="tx1"/>
+                              </a:solidFill>
+                              <a:latin typeface="Cambria Math" panose="02040503050406030204" pitchFamily="18" charset="0"/>
+                            </a:rPr>
+                            <m:t>𝑚</m:t>
+                          </m:r>
+                          <m:r>
+                            <a:rPr lang="en-US" altLang="zh-CN" i="1">
+                              <a:solidFill>
+                                <a:schemeClr val="tx1"/>
+                              </a:solidFill>
+                              <a:latin typeface="Cambria Math" panose="02040503050406030204" pitchFamily="18" charset="0"/>
+                            </a:rPr>
+                            <m:t>−1</m:t>
+                          </m:r>
+                        </m:sub>
+                        <m:sup>
+                          <m:r>
+                            <a:rPr lang="en-US" altLang="zh-CN" b="0" i="1" smtClean="0">
+                              <a:solidFill>
+                                <a:schemeClr val="tx1"/>
+                              </a:solidFill>
+                              <a:latin typeface="Cambria Math" panose="02040503050406030204" pitchFamily="18" charset="0"/>
+                            </a:rPr>
+                            <m:t>𝑏</m:t>
+                          </m:r>
+                        </m:sup>
+                      </m:sSubSup>
+                    </m:oMath>
+                  </m:oMathPara>
+                </a14:m>
+                <a:endParaRPr lang="zh-CN" altLang="en-US" i="1" dirty="0">
+                  <a:solidFill>
+                    <a:schemeClr val="tx1"/>
+                  </a:solidFill>
+                  <a:latin typeface="微软雅黑" panose="020B0503020204020204" pitchFamily="34" charset="-122"/>
+                  <a:ea typeface="微软雅黑" panose="020B0503020204020204" pitchFamily="34" charset="-122"/>
+                  <a:cs typeface="Times New Roman" panose="02020603050405020304" pitchFamily="18" charset="0"/>
+                </a:endParaRPr>
+              </a:p>
+            </p:txBody>
+          </p:sp>
+        </mc:Choice>
+        <mc:Fallback>
+          <p:sp>
+            <p:nvSpPr>
+              <p:cNvPr id="55" name="矩形 54">
+                <a:extLst>
+                  <a:ext uri="{FF2B5EF4-FFF2-40B4-BE49-F238E27FC236}">
+                    <a16:creationId xmlns:a16="http://schemas.microsoft.com/office/drawing/2014/main" id="{8B36B167-FA9F-EEA8-C079-63442432379C}"/>
+                  </a:ext>
+                </a:extLst>
+              </p:cNvPr>
+              <p:cNvSpPr>
+                <a:spLocks noRot="1" noChangeAspect="1" noMove="1" noResize="1" noEditPoints="1" noAdjustHandles="1" noChangeArrowheads="1" noChangeShapeType="1" noTextEdit="1"/>
+              </p:cNvSpPr>
+              <p:nvPr/>
+            </p:nvSpPr>
+            <p:spPr>
+              <a:xfrm>
+                <a:off x="9680760" y="3970117"/>
+                <a:ext cx="631028" cy="495300"/>
+              </a:xfrm>
+              <a:prstGeom prst="rect">
+                <a:avLst/>
+              </a:prstGeom>
+              <a:blipFill>
+                <a:blip r:embed="rId22"/>
+                <a:stretch>
+                  <a:fillRect l="-3774"/>
+                </a:stretch>
+              </a:blipFill>
+              <a:ln w="12700">
+                <a:solidFill>
+                  <a:schemeClr val="tx1"/>
+                </a:solidFill>
+              </a:ln>
+            </p:spPr>
+            <p:txBody>
+              <a:bodyPr/>
+              <a:lstStyle/>
+              <a:p>
+                <a:r>
+                  <a:rPr lang="zh-CN" altLang="en-US">
+                    <a:noFill/>
+                  </a:rPr>
+                  <a:t> </a:t>
+                </a:r>
+              </a:p>
+            </p:txBody>
+          </p:sp>
+        </mc:Fallback>
+      </mc:AlternateContent>
+      <mc:AlternateContent xmlns:mc="http://schemas.openxmlformats.org/markup-compatibility/2006">
+        <mc:Choice xmlns:a14="http://schemas.microsoft.com/office/drawing/2010/main" Requires="a14">
+          <p:sp>
+            <p:nvSpPr>
+              <p:cNvPr id="56" name="矩形 55">
+                <a:extLst>
+                  <a:ext uri="{FF2B5EF4-FFF2-40B4-BE49-F238E27FC236}">
+                    <a16:creationId xmlns:a16="http://schemas.microsoft.com/office/drawing/2014/main" id="{2476E202-32C8-FB5B-834E-7B9E8535D5BD}"/>
+                  </a:ext>
+                </a:extLst>
+              </p:cNvPr>
+              <p:cNvSpPr/>
+              <p:nvPr/>
+            </p:nvSpPr>
+            <p:spPr>
+              <a:xfrm>
+                <a:off x="10861689" y="3970117"/>
+                <a:ext cx="631028" cy="495300"/>
+              </a:xfrm>
+              <a:prstGeom prst="rect">
+                <a:avLst/>
+              </a:prstGeom>
+              <a:noFill/>
+              <a:ln w="12700">
+                <a:solidFill>
+                  <a:schemeClr val="tx1"/>
+                </a:solidFill>
+              </a:ln>
+            </p:spPr>
+            <p:style>
+              <a:lnRef idx="2">
+                <a:schemeClr val="accent1">
+                  <a:shade val="15000"/>
+                </a:schemeClr>
+              </a:lnRef>
+              <a:fillRef idx="1">
+                <a:schemeClr val="accent1"/>
+              </a:fillRef>
+              <a:effectRef idx="0">
+                <a:schemeClr val="accent1"/>
+              </a:effectRef>
+              <a:fontRef idx="minor">
+                <a:schemeClr val="lt1"/>
+              </a:fontRef>
+            </p:style>
+            <p:txBody>
+              <a:bodyPr rtlCol="0" anchor="ctr"/>
+              <a:lstStyle/>
+              <a:p>
+                <a:pPr algn="ctr"/>
+                <a14:m>
+                  <m:oMathPara xmlns:m="http://schemas.openxmlformats.org/officeDocument/2006/math">
+                    <m:oMathParaPr>
+                      <m:jc m:val="centerGroup"/>
+                    </m:oMathParaPr>
+                    <m:oMath xmlns:m="http://schemas.openxmlformats.org/officeDocument/2006/math">
+                      <m:sSubSup>
+                        <m:sSubSupPr>
+                          <m:ctrlPr>
+                            <a:rPr lang="en-US" altLang="zh-CN" i="1" smtClean="0">
+                              <a:solidFill>
+                                <a:schemeClr val="tx1"/>
+                              </a:solidFill>
+                              <a:latin typeface="Cambria Math" panose="02040503050406030204" pitchFamily="18" charset="0"/>
+                            </a:rPr>
+                          </m:ctrlPr>
+                        </m:sSubSupPr>
+                        <m:e>
+                          <m:r>
+                            <a:rPr lang="en-US" altLang="zh-CN" i="1">
+                              <a:solidFill>
+                                <a:schemeClr val="tx1"/>
+                              </a:solidFill>
+                              <a:latin typeface="Cambria Math" panose="02040503050406030204" pitchFamily="18" charset="0"/>
+                            </a:rPr>
+                            <m:t>𝑥</m:t>
+                          </m:r>
+                        </m:e>
+                        <m:sub>
+                          <m:r>
+                            <a:rPr lang="en-US" altLang="zh-CN" i="1">
+                              <a:solidFill>
+                                <a:schemeClr val="tx1"/>
+                              </a:solidFill>
+                              <a:latin typeface="Cambria Math" panose="02040503050406030204" pitchFamily="18" charset="0"/>
+                            </a:rPr>
+                            <m:t>𝑚</m:t>
+                          </m:r>
+                        </m:sub>
+                        <m:sup>
+                          <m:r>
+                            <a:rPr lang="en-US" altLang="zh-CN" b="0" i="1" smtClean="0">
+                              <a:solidFill>
+                                <a:schemeClr val="tx1"/>
+                              </a:solidFill>
+                              <a:latin typeface="Cambria Math" panose="02040503050406030204" pitchFamily="18" charset="0"/>
+                            </a:rPr>
+                            <m:t>𝑏</m:t>
+                          </m:r>
+                        </m:sup>
+                      </m:sSubSup>
+                    </m:oMath>
+                  </m:oMathPara>
+                </a14:m>
+                <a:endParaRPr lang="zh-CN" altLang="en-US" i="1" dirty="0">
+                  <a:solidFill>
+                    <a:schemeClr val="tx1"/>
+                  </a:solidFill>
+                  <a:latin typeface="微软雅黑" panose="020B0503020204020204" pitchFamily="34" charset="-122"/>
+                  <a:ea typeface="微软雅黑" panose="020B0503020204020204" pitchFamily="34" charset="-122"/>
+                  <a:cs typeface="Times New Roman" panose="02020603050405020304" pitchFamily="18" charset="0"/>
+                </a:endParaRPr>
+              </a:p>
+            </p:txBody>
+          </p:sp>
+        </mc:Choice>
+        <mc:Fallback>
+          <p:sp>
+            <p:nvSpPr>
+              <p:cNvPr id="56" name="矩形 55">
+                <a:extLst>
+                  <a:ext uri="{FF2B5EF4-FFF2-40B4-BE49-F238E27FC236}">
+                    <a16:creationId xmlns:a16="http://schemas.microsoft.com/office/drawing/2014/main" id="{2476E202-32C8-FB5B-834E-7B9E8535D5BD}"/>
+                  </a:ext>
+                </a:extLst>
+              </p:cNvPr>
+              <p:cNvSpPr>
+                <a:spLocks noRot="1" noChangeAspect="1" noMove="1" noResize="1" noEditPoints="1" noAdjustHandles="1" noChangeArrowheads="1" noChangeShapeType="1" noTextEdit="1"/>
+              </p:cNvSpPr>
+              <p:nvPr/>
+            </p:nvSpPr>
+            <p:spPr>
+              <a:xfrm>
+                <a:off x="10861689" y="3970117"/>
+                <a:ext cx="631028" cy="495300"/>
+              </a:xfrm>
+              <a:prstGeom prst="rect">
+                <a:avLst/>
+              </a:prstGeom>
+              <a:blipFill>
+                <a:blip r:embed="rId23"/>
+                <a:stretch>
+                  <a:fillRect/>
+                </a:stretch>
+              </a:blipFill>
+              <a:ln w="12700">
+                <a:solidFill>
+                  <a:schemeClr val="tx1"/>
+                </a:solidFill>
+              </a:ln>
+            </p:spPr>
+            <p:txBody>
+              <a:bodyPr/>
+              <a:lstStyle/>
+              <a:p>
+                <a:r>
+                  <a:rPr lang="zh-CN" altLang="en-US">
+                    <a:noFill/>
+                  </a:rPr>
+                  <a:t> </a:t>
+                </a:r>
+              </a:p>
+            </p:txBody>
+          </p:sp>
+        </mc:Fallback>
+      </mc:AlternateContent>
+      <p:sp>
+        <p:nvSpPr>
+          <p:cNvPr id="57" name="文本框 56">
+            <a:extLst>
+              <a:ext uri="{FF2B5EF4-FFF2-40B4-BE49-F238E27FC236}">
+                <a16:creationId xmlns:a16="http://schemas.microsoft.com/office/drawing/2014/main" id="{773B73C3-1316-373E-A0AB-66745D447537}"/>
+              </a:ext>
+            </a:extLst>
+          </p:cNvPr>
+          <p:cNvSpPr txBox="1"/>
+          <p:nvPr/>
+        </p:nvSpPr>
+        <p:spPr>
+          <a:xfrm>
+            <a:off x="8457281" y="4019883"/>
+            <a:ext cx="781615" cy="369332"/>
+          </a:xfrm>
+          <a:prstGeom prst="rect">
+            <a:avLst/>
+          </a:prstGeom>
+          <a:noFill/>
+        </p:spPr>
+        <p:txBody>
+          <a:bodyPr wrap="square" rtlCol="0">
+            <a:spAutoFit/>
+          </a:bodyPr>
+          <a:lstStyle/>
+          <a:p>
+            <a:pPr algn="ctr"/>
+            <a:r>
+              <a:rPr lang="en-US" altLang="zh-CN" b="1" dirty="0">
+                <a:latin typeface="微软雅黑" panose="020B0503020204020204" pitchFamily="34" charset="-122"/>
+                <a:ea typeface="微软雅黑" panose="020B0503020204020204" pitchFamily="34" charset="-122"/>
+                <a:cs typeface="Times New Roman" panose="02020603050405020304" pitchFamily="18" charset="0"/>
+              </a:rPr>
+              <a:t>……</a:t>
+            </a:r>
+            <a:endParaRPr lang="zh-CN" altLang="en-US" b="1" dirty="0">
+              <a:latin typeface="微软雅黑" panose="020B0503020204020204" pitchFamily="34" charset="-122"/>
+              <a:ea typeface="微软雅黑" panose="020B0503020204020204" pitchFamily="34" charset="-122"/>
+              <a:cs typeface="Times New Roman" panose="02020603050405020304" pitchFamily="18" charset="0"/>
+            </a:endParaRPr>
+          </a:p>
+        </p:txBody>
+      </p:sp>
+      <p:sp>
+        <p:nvSpPr>
+          <p:cNvPr id="58" name="文本框 57">
+            <a:extLst>
+              <a:ext uri="{FF2B5EF4-FFF2-40B4-BE49-F238E27FC236}">
+                <a16:creationId xmlns:a16="http://schemas.microsoft.com/office/drawing/2014/main" id="{4D1B2CC9-D85D-5B4C-DF19-5EDC9ACAE4A3}"/>
+              </a:ext>
+            </a:extLst>
+          </p:cNvPr>
+          <p:cNvSpPr txBox="1"/>
+          <p:nvPr/>
+        </p:nvSpPr>
+        <p:spPr>
+          <a:xfrm>
+            <a:off x="5276496" y="4459138"/>
+            <a:ext cx="1375933" cy="646331"/>
           </a:xfrm>
           <a:prstGeom prst="rect">
             <a:avLst/>
@@ -5268,13 +11872,1094 @@
           <a:lstStyle/>
           <a:p>
             <a:r>
-              <a:rPr lang="en-US" altLang="zh-CN" dirty="0"/>
-              <a:t>AST</a:t>
+              <a:rPr lang="zh-CN" altLang="en-US" dirty="0">
+                <a:latin typeface="微软雅黑" panose="020B0503020204020204" pitchFamily="34" charset="-122"/>
+                <a:ea typeface="微软雅黑" panose="020B0503020204020204" pitchFamily="34" charset="-122"/>
+                <a:cs typeface="Times New Roman" panose="02020603050405020304" pitchFamily="18" charset="0"/>
+              </a:rPr>
+              <a:t>子词丰富的词嵌入模型</a:t>
             </a:r>
-            <a:endParaRPr lang="zh-CN" altLang="en-US" dirty="0"/>
           </a:p>
         </p:txBody>
       </p:sp>
+      <p:sp>
+        <p:nvSpPr>
+          <p:cNvPr id="59" name="文本框 58">
+            <a:extLst>
+              <a:ext uri="{FF2B5EF4-FFF2-40B4-BE49-F238E27FC236}">
+                <a16:creationId xmlns:a16="http://schemas.microsoft.com/office/drawing/2014/main" id="{46B60585-0A74-3C29-6584-8030E5E74FBD}"/>
+              </a:ext>
+            </a:extLst>
+          </p:cNvPr>
+          <p:cNvSpPr txBox="1"/>
+          <p:nvPr/>
+        </p:nvSpPr>
+        <p:spPr>
+          <a:xfrm>
+            <a:off x="5214313" y="2052590"/>
+            <a:ext cx="1335545" cy="646331"/>
+          </a:xfrm>
+          <a:prstGeom prst="rect">
+            <a:avLst/>
+          </a:prstGeom>
+          <a:noFill/>
+        </p:spPr>
+        <p:txBody>
+          <a:bodyPr wrap="square" rtlCol="0">
+            <a:spAutoFit/>
+          </a:bodyPr>
+          <a:lstStyle/>
+          <a:p>
+            <a:pPr algn="ctr"/>
+            <a:r>
+              <a:rPr lang="en-US" altLang="zh-CN" dirty="0" err="1">
+                <a:latin typeface="微软雅黑" panose="020B0503020204020204" pitchFamily="34" charset="-122"/>
+                <a:ea typeface="微软雅黑" panose="020B0503020204020204" pitchFamily="34" charset="-122"/>
+                <a:cs typeface="Times New Roman" panose="02020603050405020304" pitchFamily="18" charset="0"/>
+              </a:rPr>
+              <a:t>AttBiLSTM</a:t>
+            </a:r>
+            <a:r>
+              <a:rPr lang="zh-CN" altLang="en-US" dirty="0">
+                <a:latin typeface="微软雅黑" panose="020B0503020204020204" pitchFamily="34" charset="-122"/>
+                <a:ea typeface="微软雅黑" panose="020B0503020204020204" pitchFamily="34" charset="-122"/>
+                <a:cs typeface="Times New Roman" panose="02020603050405020304" pitchFamily="18" charset="0"/>
+              </a:rPr>
+              <a:t>模型</a:t>
+            </a:r>
+          </a:p>
+        </p:txBody>
+      </p:sp>
+      <p:sp>
+        <p:nvSpPr>
+          <p:cNvPr id="60" name="矩形 59">
+            <a:extLst>
+              <a:ext uri="{FF2B5EF4-FFF2-40B4-BE49-F238E27FC236}">
+                <a16:creationId xmlns:a16="http://schemas.microsoft.com/office/drawing/2014/main" id="{548789DD-0219-93A8-3BAB-F38182D5604F}"/>
+              </a:ext>
+            </a:extLst>
+          </p:cNvPr>
+          <p:cNvSpPr/>
+          <p:nvPr/>
+        </p:nvSpPr>
+        <p:spPr>
+          <a:xfrm>
+            <a:off x="241300" y="1800917"/>
+            <a:ext cx="11446327" cy="1440000"/>
+          </a:xfrm>
+          <a:prstGeom prst="rect">
+            <a:avLst/>
+          </a:prstGeom>
+          <a:noFill/>
+          <a:ln w="19050">
+            <a:solidFill>
+              <a:schemeClr val="tx1"/>
+            </a:solidFill>
+            <a:prstDash val="sysDot"/>
+          </a:ln>
+        </p:spPr>
+        <p:style>
+          <a:lnRef idx="2">
+            <a:schemeClr val="accent1">
+              <a:shade val="15000"/>
+            </a:schemeClr>
+          </a:lnRef>
+          <a:fillRef idx="1">
+            <a:schemeClr val="accent1"/>
+          </a:fillRef>
+          <a:effectRef idx="0">
+            <a:schemeClr val="accent1"/>
+          </a:effectRef>
+          <a:fontRef idx="minor">
+            <a:schemeClr val="lt1"/>
+          </a:fontRef>
+        </p:style>
+        <p:txBody>
+          <a:bodyPr rtlCol="0" anchor="ctr"/>
+          <a:lstStyle/>
+          <a:p>
+            <a:pPr algn="ctr"/>
+            <a:endParaRPr lang="zh-CN" altLang="en-US">
+              <a:latin typeface="微软雅黑" panose="020B0503020204020204" pitchFamily="34" charset="-122"/>
+              <a:ea typeface="微软雅黑" panose="020B0503020204020204" pitchFamily="34" charset="-122"/>
+            </a:endParaRPr>
+          </a:p>
+        </p:txBody>
+      </p:sp>
+      <p:sp>
+        <p:nvSpPr>
+          <p:cNvPr id="61" name="矩形 60">
+            <a:extLst>
+              <a:ext uri="{FF2B5EF4-FFF2-40B4-BE49-F238E27FC236}">
+                <a16:creationId xmlns:a16="http://schemas.microsoft.com/office/drawing/2014/main" id="{0C89DDAD-D565-F82D-C9EC-A7C874FABBCF}"/>
+              </a:ext>
+            </a:extLst>
+          </p:cNvPr>
+          <p:cNvSpPr/>
+          <p:nvPr/>
+        </p:nvSpPr>
+        <p:spPr>
+          <a:xfrm>
+            <a:off x="179785" y="3674479"/>
+            <a:ext cx="11446327" cy="1440000"/>
+          </a:xfrm>
+          <a:prstGeom prst="rect">
+            <a:avLst/>
+          </a:prstGeom>
+          <a:noFill/>
+          <a:ln w="19050">
+            <a:solidFill>
+              <a:schemeClr val="tx1"/>
+            </a:solidFill>
+            <a:prstDash val="sysDot"/>
+          </a:ln>
+        </p:spPr>
+        <p:style>
+          <a:lnRef idx="2">
+            <a:schemeClr val="accent1">
+              <a:shade val="15000"/>
+            </a:schemeClr>
+          </a:lnRef>
+          <a:fillRef idx="1">
+            <a:schemeClr val="accent1"/>
+          </a:fillRef>
+          <a:effectRef idx="0">
+            <a:schemeClr val="accent1"/>
+          </a:effectRef>
+          <a:fontRef idx="minor">
+            <a:schemeClr val="lt1"/>
+          </a:fontRef>
+        </p:style>
+        <p:txBody>
+          <a:bodyPr rtlCol="0" anchor="ctr"/>
+          <a:lstStyle/>
+          <a:p>
+            <a:pPr algn="ctr"/>
+            <a:endParaRPr lang="zh-CN" altLang="en-US">
+              <a:latin typeface="微软雅黑" panose="020B0503020204020204" pitchFamily="34" charset="-122"/>
+              <a:ea typeface="微软雅黑" panose="020B0503020204020204" pitchFamily="34" charset="-122"/>
+            </a:endParaRPr>
+          </a:p>
+        </p:txBody>
+      </p:sp>
+      <p:sp>
+        <p:nvSpPr>
+          <p:cNvPr id="62" name="文本框 61">
+            <a:extLst>
+              <a:ext uri="{FF2B5EF4-FFF2-40B4-BE49-F238E27FC236}">
+                <a16:creationId xmlns:a16="http://schemas.microsoft.com/office/drawing/2014/main" id="{9A5355C4-B1F3-0B9F-4ADA-3145870B6EE3}"/>
+              </a:ext>
+            </a:extLst>
+          </p:cNvPr>
+          <p:cNvSpPr txBox="1"/>
+          <p:nvPr/>
+        </p:nvSpPr>
+        <p:spPr>
+          <a:xfrm>
+            <a:off x="-43459" y="208371"/>
+            <a:ext cx="6096000" cy="369332"/>
+          </a:xfrm>
+          <a:prstGeom prst="rect">
+            <a:avLst/>
+          </a:prstGeom>
+          <a:noFill/>
+        </p:spPr>
+        <p:txBody>
+          <a:bodyPr wrap="square">
+            <a:spAutoFit/>
+          </a:bodyPr>
+          <a:lstStyle/>
+          <a:p>
+            <a:pPr algn="ctr"/>
+            <a:r>
+              <a:rPr lang="zh-CN" altLang="en-US" dirty="0">
+                <a:latin typeface="微软雅黑" panose="020B0503020204020204" pitchFamily="34" charset="-122"/>
+                <a:ea typeface="微软雅黑" panose="020B0503020204020204" pitchFamily="34" charset="-122"/>
+                <a:cs typeface="Times New Roman" panose="02020603050405020304" pitchFamily="18" charset="0"/>
+              </a:rPr>
+              <a:t>代码片段</a:t>
+            </a:r>
+            <a:r>
+              <a:rPr lang="en-US" altLang="zh-CN" dirty="0">
+                <a:latin typeface="微软雅黑" panose="020B0503020204020204" pitchFamily="34" charset="-122"/>
+                <a:ea typeface="微软雅黑" panose="020B0503020204020204" pitchFamily="34" charset="-122"/>
+                <a:cs typeface="Times New Roman" panose="02020603050405020304" pitchFamily="18" charset="0"/>
+              </a:rPr>
+              <a:t>A</a:t>
+            </a:r>
+            <a:r>
+              <a:rPr lang="zh-CN" altLang="en-US" dirty="0">
+                <a:latin typeface="微软雅黑" panose="020B0503020204020204" pitchFamily="34" charset="-122"/>
+                <a:ea typeface="微软雅黑" panose="020B0503020204020204" pitchFamily="34" charset="-122"/>
+                <a:cs typeface="Times New Roman" panose="02020603050405020304" pitchFamily="18" charset="0"/>
+              </a:rPr>
+              <a:t>的</a:t>
+            </a:r>
+            <a:r>
+              <a:rPr lang="zh-CN" altLang="en-US" dirty="0">
+                <a:solidFill>
+                  <a:schemeClr val="tx1"/>
+                </a:solidFill>
+                <a:latin typeface="微软雅黑" panose="020B0503020204020204" pitchFamily="34" charset="-122"/>
+                <a:ea typeface="微软雅黑" panose="020B0503020204020204" pitchFamily="34" charset="-122"/>
+                <a:cs typeface="Times New Roman" panose="02020603050405020304" pitchFamily="18" charset="0"/>
+              </a:rPr>
+              <a:t>属性特征向量</a:t>
+            </a:r>
+            <a:endParaRPr lang="zh-CN" altLang="en-US" dirty="0">
+              <a:latin typeface="微软雅黑" panose="020B0503020204020204" pitchFamily="34" charset="-122"/>
+              <a:ea typeface="微软雅黑" panose="020B0503020204020204" pitchFamily="34" charset="-122"/>
+              <a:cs typeface="Times New Roman" panose="02020603050405020304" pitchFamily="18" charset="0"/>
+            </a:endParaRPr>
+          </a:p>
+        </p:txBody>
+      </p:sp>
+      <p:sp>
+        <p:nvSpPr>
+          <p:cNvPr id="63" name="文本框 62">
+            <a:extLst>
+              <a:ext uri="{FF2B5EF4-FFF2-40B4-BE49-F238E27FC236}">
+                <a16:creationId xmlns:a16="http://schemas.microsoft.com/office/drawing/2014/main" id="{07B2327B-5AA6-3096-7DB9-0CFED64EB9EE}"/>
+              </a:ext>
+            </a:extLst>
+          </p:cNvPr>
+          <p:cNvSpPr txBox="1"/>
+          <p:nvPr/>
+        </p:nvSpPr>
+        <p:spPr>
+          <a:xfrm>
+            <a:off x="5838188" y="199361"/>
+            <a:ext cx="6096000" cy="369332"/>
+          </a:xfrm>
+          <a:prstGeom prst="rect">
+            <a:avLst/>
+          </a:prstGeom>
+          <a:noFill/>
+        </p:spPr>
+        <p:txBody>
+          <a:bodyPr wrap="square">
+            <a:spAutoFit/>
+          </a:bodyPr>
+          <a:lstStyle/>
+          <a:p>
+            <a:pPr algn="ctr"/>
+            <a:r>
+              <a:rPr lang="zh-CN" altLang="en-US" dirty="0">
+                <a:latin typeface="微软雅黑" panose="020B0503020204020204" pitchFamily="34" charset="-122"/>
+                <a:ea typeface="微软雅黑" panose="020B0503020204020204" pitchFamily="34" charset="-122"/>
+                <a:cs typeface="Times New Roman" panose="02020603050405020304" pitchFamily="18" charset="0"/>
+              </a:rPr>
+              <a:t>代码片段</a:t>
+            </a:r>
+            <a:r>
+              <a:rPr lang="en-US" altLang="zh-CN" dirty="0">
+                <a:latin typeface="微软雅黑" panose="020B0503020204020204" pitchFamily="34" charset="-122"/>
+                <a:ea typeface="微软雅黑" panose="020B0503020204020204" pitchFamily="34" charset="-122"/>
+                <a:cs typeface="Times New Roman" panose="02020603050405020304" pitchFamily="18" charset="0"/>
+              </a:rPr>
+              <a:t>B</a:t>
+            </a:r>
+            <a:r>
+              <a:rPr lang="zh-CN" altLang="en-US" dirty="0">
+                <a:latin typeface="微软雅黑" panose="020B0503020204020204" pitchFamily="34" charset="-122"/>
+                <a:ea typeface="微软雅黑" panose="020B0503020204020204" pitchFamily="34" charset="-122"/>
+                <a:cs typeface="Times New Roman" panose="02020603050405020304" pitchFamily="18" charset="0"/>
+              </a:rPr>
+              <a:t>的</a:t>
+            </a:r>
+            <a:r>
+              <a:rPr lang="zh-CN" altLang="en-US" dirty="0">
+                <a:solidFill>
+                  <a:schemeClr val="tx1"/>
+                </a:solidFill>
+                <a:latin typeface="微软雅黑" panose="020B0503020204020204" pitchFamily="34" charset="-122"/>
+                <a:ea typeface="微软雅黑" panose="020B0503020204020204" pitchFamily="34" charset="-122"/>
+                <a:cs typeface="Times New Roman" panose="02020603050405020304" pitchFamily="18" charset="0"/>
+              </a:rPr>
+              <a:t>属性特征向量</a:t>
+            </a:r>
+            <a:endParaRPr lang="zh-CN" altLang="en-US" dirty="0">
+              <a:latin typeface="微软雅黑" panose="020B0503020204020204" pitchFamily="34" charset="-122"/>
+              <a:ea typeface="微软雅黑" panose="020B0503020204020204" pitchFamily="34" charset="-122"/>
+              <a:cs typeface="Times New Roman" panose="02020603050405020304" pitchFamily="18" charset="0"/>
+            </a:endParaRPr>
+          </a:p>
+        </p:txBody>
+      </p:sp>
+      <mc:AlternateContent xmlns:mc="http://schemas.openxmlformats.org/markup-compatibility/2006">
+        <mc:Choice xmlns:a14="http://schemas.microsoft.com/office/drawing/2010/main" Requires="a14">
+          <p:sp>
+            <p:nvSpPr>
+              <p:cNvPr id="67" name="矩形: 圆角 66">
+                <a:extLst>
+                  <a:ext uri="{FF2B5EF4-FFF2-40B4-BE49-F238E27FC236}">
+                    <a16:creationId xmlns:a16="http://schemas.microsoft.com/office/drawing/2014/main" id="{2444FA7A-CDB0-BA61-45A5-7881AB25CCBF}"/>
+                  </a:ext>
+                </a:extLst>
+              </p:cNvPr>
+              <p:cNvSpPr/>
+              <p:nvPr/>
+            </p:nvSpPr>
+            <p:spPr>
+              <a:xfrm>
+                <a:off x="631222" y="5594487"/>
+                <a:ext cx="720000" cy="504000"/>
+              </a:xfrm>
+              <a:prstGeom prst="roundRect">
+                <a:avLst/>
+              </a:prstGeom>
+              <a:noFill/>
+              <a:ln w="12700">
+                <a:solidFill>
+                  <a:schemeClr val="tx1"/>
+                </a:solidFill>
+              </a:ln>
+            </p:spPr>
+            <p:style>
+              <a:lnRef idx="2">
+                <a:schemeClr val="accent1">
+                  <a:shade val="15000"/>
+                </a:schemeClr>
+              </a:lnRef>
+              <a:fillRef idx="1">
+                <a:schemeClr val="accent1"/>
+              </a:fillRef>
+              <a:effectRef idx="0">
+                <a:schemeClr val="accent1"/>
+              </a:effectRef>
+              <a:fontRef idx="minor">
+                <a:schemeClr val="lt1"/>
+              </a:fontRef>
+            </p:style>
+            <p:txBody>
+              <a:bodyPr rtlCol="0" anchor="ctr"/>
+              <a:lstStyle/>
+              <a:p>
+                <a:pPr algn="ctr"/>
+                <a14:m>
+                  <m:oMathPara xmlns:m="http://schemas.openxmlformats.org/officeDocument/2006/math">
+                    <m:oMathParaPr>
+                      <m:jc m:val="centerGroup"/>
+                    </m:oMathParaPr>
+                    <m:oMath xmlns:m="http://schemas.openxmlformats.org/officeDocument/2006/math">
+                      <m:sSubSup>
+                        <m:sSubSupPr>
+                          <m:ctrlPr>
+                            <a:rPr lang="en-US" altLang="zh-CN" i="1" smtClean="0">
+                              <a:solidFill>
+                                <a:schemeClr val="tx1"/>
+                              </a:solidFill>
+                              <a:latin typeface="Cambria Math" panose="02040503050406030204" pitchFamily="18" charset="0"/>
+                            </a:rPr>
+                          </m:ctrlPr>
+                        </m:sSubSupPr>
+                        <m:e>
+                          <m:r>
+                            <m:rPr>
+                              <m:sty m:val="p"/>
+                            </m:rPr>
+                            <a:rPr lang="en-US" altLang="zh-CN" i="1" smtClean="0">
+                              <a:solidFill>
+                                <a:schemeClr val="tx1"/>
+                              </a:solidFill>
+                              <a:latin typeface="Cambria Math" panose="02040503050406030204" pitchFamily="18" charset="0"/>
+                            </a:rPr>
+                            <m:t>w</m:t>
+                          </m:r>
+                        </m:e>
+                        <m:sub>
+                          <m:r>
+                            <a:rPr lang="en-US" altLang="zh-CN" i="1">
+                              <a:solidFill>
+                                <a:schemeClr val="tx1"/>
+                              </a:solidFill>
+                              <a:latin typeface="Cambria Math" panose="02040503050406030204" pitchFamily="18" charset="0"/>
+                            </a:rPr>
+                            <m:t>1</m:t>
+                          </m:r>
+                        </m:sub>
+                        <m:sup>
+                          <m:r>
+                            <a:rPr lang="en-US" altLang="zh-CN" b="0" i="1" smtClean="0">
+                              <a:solidFill>
+                                <a:schemeClr val="tx1"/>
+                              </a:solidFill>
+                              <a:latin typeface="Cambria Math" panose="02040503050406030204" pitchFamily="18" charset="0"/>
+                            </a:rPr>
+                            <m:t>𝑎</m:t>
+                          </m:r>
+                        </m:sup>
+                      </m:sSubSup>
+                    </m:oMath>
+                  </m:oMathPara>
+                </a14:m>
+                <a:endParaRPr lang="zh-CN" altLang="en-US" i="1" dirty="0">
+                  <a:solidFill>
+                    <a:schemeClr val="tx1"/>
+                  </a:solidFill>
+                  <a:latin typeface="微软雅黑" panose="020B0503020204020204" pitchFamily="34" charset="-122"/>
+                  <a:ea typeface="微软雅黑" panose="020B0503020204020204" pitchFamily="34" charset="-122"/>
+                  <a:cs typeface="Times New Roman" panose="02020603050405020304" pitchFamily="18" charset="0"/>
+                </a:endParaRPr>
+              </a:p>
+            </p:txBody>
+          </p:sp>
+        </mc:Choice>
+        <mc:Fallback>
+          <p:sp>
+            <p:nvSpPr>
+              <p:cNvPr id="67" name="矩形: 圆角 66">
+                <a:extLst>
+                  <a:ext uri="{FF2B5EF4-FFF2-40B4-BE49-F238E27FC236}">
+                    <a16:creationId xmlns:a16="http://schemas.microsoft.com/office/drawing/2014/main" id="{2444FA7A-CDB0-BA61-45A5-7881AB25CCBF}"/>
+                  </a:ext>
+                </a:extLst>
+              </p:cNvPr>
+              <p:cNvSpPr>
+                <a:spLocks noRot="1" noChangeAspect="1" noMove="1" noResize="1" noEditPoints="1" noAdjustHandles="1" noChangeArrowheads="1" noChangeShapeType="1" noTextEdit="1"/>
+              </p:cNvSpPr>
+              <p:nvPr/>
+            </p:nvSpPr>
+            <p:spPr>
+              <a:xfrm>
+                <a:off x="631222" y="5594487"/>
+                <a:ext cx="720000" cy="504000"/>
+              </a:xfrm>
+              <a:prstGeom prst="roundRect">
+                <a:avLst/>
+              </a:prstGeom>
+              <a:blipFill>
+                <a:blip r:embed="rId24"/>
+                <a:stretch>
+                  <a:fillRect/>
+                </a:stretch>
+              </a:blipFill>
+              <a:ln w="12700">
+                <a:solidFill>
+                  <a:schemeClr val="tx1"/>
+                </a:solidFill>
+              </a:ln>
+            </p:spPr>
+            <p:txBody>
+              <a:bodyPr/>
+              <a:lstStyle/>
+              <a:p>
+                <a:r>
+                  <a:rPr lang="zh-CN" altLang="en-US">
+                    <a:noFill/>
+                  </a:rPr>
+                  <a:t> </a:t>
+                </a:r>
+              </a:p>
+            </p:txBody>
+          </p:sp>
+        </mc:Fallback>
+      </mc:AlternateContent>
+      <mc:AlternateContent xmlns:mc="http://schemas.openxmlformats.org/markup-compatibility/2006">
+        <mc:Choice xmlns:a14="http://schemas.microsoft.com/office/drawing/2010/main" Requires="a14">
+          <p:sp>
+            <p:nvSpPr>
+              <p:cNvPr id="68" name="矩形: 圆角 67">
+                <a:extLst>
+                  <a:ext uri="{FF2B5EF4-FFF2-40B4-BE49-F238E27FC236}">
+                    <a16:creationId xmlns:a16="http://schemas.microsoft.com/office/drawing/2014/main" id="{AF0B1D78-3F9D-C08E-2A50-27E1A7536246}"/>
+                  </a:ext>
+                </a:extLst>
+              </p:cNvPr>
+              <p:cNvSpPr/>
+              <p:nvPr/>
+            </p:nvSpPr>
+            <p:spPr>
+              <a:xfrm>
+                <a:off x="1507577" y="5594487"/>
+                <a:ext cx="720000" cy="504000"/>
+              </a:xfrm>
+              <a:prstGeom prst="roundRect">
+                <a:avLst/>
+              </a:prstGeom>
+              <a:noFill/>
+              <a:ln w="12700">
+                <a:solidFill>
+                  <a:schemeClr val="tx1"/>
+                </a:solidFill>
+              </a:ln>
+            </p:spPr>
+            <p:style>
+              <a:lnRef idx="2">
+                <a:schemeClr val="accent1">
+                  <a:shade val="15000"/>
+                </a:schemeClr>
+              </a:lnRef>
+              <a:fillRef idx="1">
+                <a:schemeClr val="accent1"/>
+              </a:fillRef>
+              <a:effectRef idx="0">
+                <a:schemeClr val="accent1"/>
+              </a:effectRef>
+              <a:fontRef idx="minor">
+                <a:schemeClr val="lt1"/>
+              </a:fontRef>
+            </p:style>
+            <p:txBody>
+              <a:bodyPr rtlCol="0" anchor="ctr"/>
+              <a:lstStyle/>
+              <a:p>
+                <a:pPr algn="ctr"/>
+                <a14:m>
+                  <m:oMathPara xmlns:m="http://schemas.openxmlformats.org/officeDocument/2006/math">
+                    <m:oMathParaPr>
+                      <m:jc m:val="centerGroup"/>
+                    </m:oMathParaPr>
+                    <m:oMath xmlns:m="http://schemas.openxmlformats.org/officeDocument/2006/math">
+                      <m:sSubSup>
+                        <m:sSubSupPr>
+                          <m:ctrlPr>
+                            <a:rPr lang="en-US" altLang="zh-CN" i="1" smtClean="0">
+                              <a:solidFill>
+                                <a:schemeClr val="tx1"/>
+                              </a:solidFill>
+                              <a:latin typeface="Cambria Math" panose="02040503050406030204" pitchFamily="18" charset="0"/>
+                            </a:rPr>
+                          </m:ctrlPr>
+                        </m:sSubSupPr>
+                        <m:e>
+                          <m:r>
+                            <m:rPr>
+                              <m:sty m:val="p"/>
+                            </m:rPr>
+                            <a:rPr lang="en-US" altLang="zh-CN" i="1" smtClean="0">
+                              <a:solidFill>
+                                <a:schemeClr val="tx1"/>
+                              </a:solidFill>
+                              <a:latin typeface="Cambria Math" panose="02040503050406030204" pitchFamily="18" charset="0"/>
+                            </a:rPr>
+                            <m:t>w</m:t>
+                          </m:r>
+                        </m:e>
+                        <m:sub>
+                          <m:r>
+                            <a:rPr lang="en-US" altLang="zh-CN" i="1">
+                              <a:solidFill>
+                                <a:schemeClr val="tx1"/>
+                              </a:solidFill>
+                              <a:latin typeface="Cambria Math" panose="02040503050406030204" pitchFamily="18" charset="0"/>
+                            </a:rPr>
+                            <m:t>2</m:t>
+                          </m:r>
+                        </m:sub>
+                        <m:sup>
+                          <m:r>
+                            <a:rPr lang="en-US" altLang="zh-CN" b="0" i="1" smtClean="0">
+                              <a:solidFill>
+                                <a:schemeClr val="tx1"/>
+                              </a:solidFill>
+                              <a:latin typeface="Cambria Math" panose="02040503050406030204" pitchFamily="18" charset="0"/>
+                            </a:rPr>
+                            <m:t>𝑎</m:t>
+                          </m:r>
+                        </m:sup>
+                      </m:sSubSup>
+                    </m:oMath>
+                  </m:oMathPara>
+                </a14:m>
+                <a:endParaRPr lang="zh-CN" altLang="en-US" i="1" dirty="0">
+                  <a:solidFill>
+                    <a:schemeClr val="tx1"/>
+                  </a:solidFill>
+                  <a:latin typeface="微软雅黑" panose="020B0503020204020204" pitchFamily="34" charset="-122"/>
+                  <a:ea typeface="微软雅黑" panose="020B0503020204020204" pitchFamily="34" charset="-122"/>
+                  <a:cs typeface="Times New Roman" panose="02020603050405020304" pitchFamily="18" charset="0"/>
+                </a:endParaRPr>
+              </a:p>
+            </p:txBody>
+          </p:sp>
+        </mc:Choice>
+        <mc:Fallback>
+          <p:sp>
+            <p:nvSpPr>
+              <p:cNvPr id="68" name="矩形: 圆角 67">
+                <a:extLst>
+                  <a:ext uri="{FF2B5EF4-FFF2-40B4-BE49-F238E27FC236}">
+                    <a16:creationId xmlns:a16="http://schemas.microsoft.com/office/drawing/2014/main" id="{AF0B1D78-3F9D-C08E-2A50-27E1A7536246}"/>
+                  </a:ext>
+                </a:extLst>
+              </p:cNvPr>
+              <p:cNvSpPr>
+                <a:spLocks noRot="1" noChangeAspect="1" noMove="1" noResize="1" noEditPoints="1" noAdjustHandles="1" noChangeArrowheads="1" noChangeShapeType="1" noTextEdit="1"/>
+              </p:cNvSpPr>
+              <p:nvPr/>
+            </p:nvSpPr>
+            <p:spPr>
+              <a:xfrm>
+                <a:off x="1507577" y="5594487"/>
+                <a:ext cx="720000" cy="504000"/>
+              </a:xfrm>
+              <a:prstGeom prst="roundRect">
+                <a:avLst/>
+              </a:prstGeom>
+              <a:blipFill>
+                <a:blip r:embed="rId25"/>
+                <a:stretch>
+                  <a:fillRect/>
+                </a:stretch>
+              </a:blipFill>
+              <a:ln w="12700">
+                <a:solidFill>
+                  <a:schemeClr val="tx1"/>
+                </a:solidFill>
+              </a:ln>
+            </p:spPr>
+            <p:txBody>
+              <a:bodyPr/>
+              <a:lstStyle/>
+              <a:p>
+                <a:r>
+                  <a:rPr lang="zh-CN" altLang="en-US">
+                    <a:noFill/>
+                  </a:rPr>
+                  <a:t> </a:t>
+                </a:r>
+              </a:p>
+            </p:txBody>
+          </p:sp>
+        </mc:Fallback>
+      </mc:AlternateContent>
+      <mc:AlternateContent xmlns:mc="http://schemas.openxmlformats.org/markup-compatibility/2006">
+        <mc:Choice xmlns:a14="http://schemas.microsoft.com/office/drawing/2010/main" Requires="a14">
+          <p:sp>
+            <p:nvSpPr>
+              <p:cNvPr id="69" name="矩形: 圆角 68">
+                <a:extLst>
+                  <a:ext uri="{FF2B5EF4-FFF2-40B4-BE49-F238E27FC236}">
+                    <a16:creationId xmlns:a16="http://schemas.microsoft.com/office/drawing/2014/main" id="{B2F130AC-4E78-32AA-429C-E1784E051F01}"/>
+                  </a:ext>
+                </a:extLst>
+              </p:cNvPr>
+              <p:cNvSpPr/>
+              <p:nvPr/>
+            </p:nvSpPr>
+            <p:spPr>
+              <a:xfrm>
+                <a:off x="3792445" y="5594487"/>
+                <a:ext cx="720000" cy="504000"/>
+              </a:xfrm>
+              <a:prstGeom prst="roundRect">
+                <a:avLst/>
+              </a:prstGeom>
+              <a:noFill/>
+              <a:ln w="12700">
+                <a:solidFill>
+                  <a:schemeClr val="tx1"/>
+                </a:solidFill>
+              </a:ln>
+            </p:spPr>
+            <p:style>
+              <a:lnRef idx="2">
+                <a:schemeClr val="accent1">
+                  <a:shade val="15000"/>
+                </a:schemeClr>
+              </a:lnRef>
+              <a:fillRef idx="1">
+                <a:schemeClr val="accent1"/>
+              </a:fillRef>
+              <a:effectRef idx="0">
+                <a:schemeClr val="accent1"/>
+              </a:effectRef>
+              <a:fontRef idx="minor">
+                <a:schemeClr val="lt1"/>
+              </a:fontRef>
+            </p:style>
+            <p:txBody>
+              <a:bodyPr rtlCol="0" anchor="ctr"/>
+              <a:lstStyle/>
+              <a:p>
+                <a:pPr algn="ctr"/>
+                <a14:m>
+                  <m:oMathPara xmlns:m="http://schemas.openxmlformats.org/officeDocument/2006/math">
+                    <m:oMathParaPr>
+                      <m:jc m:val="centerGroup"/>
+                    </m:oMathParaPr>
+                    <m:oMath xmlns:m="http://schemas.openxmlformats.org/officeDocument/2006/math">
+                      <m:sSubSup>
+                        <m:sSubSupPr>
+                          <m:ctrlPr>
+                            <a:rPr lang="en-US" altLang="zh-CN" i="1" smtClean="0">
+                              <a:solidFill>
+                                <a:schemeClr val="tx1"/>
+                              </a:solidFill>
+                              <a:latin typeface="Cambria Math" panose="02040503050406030204" pitchFamily="18" charset="0"/>
+                            </a:rPr>
+                          </m:ctrlPr>
+                        </m:sSubSupPr>
+                        <m:e>
+                          <m:r>
+                            <m:rPr>
+                              <m:sty m:val="p"/>
+                            </m:rPr>
+                            <a:rPr lang="en-US" altLang="zh-CN" i="1" smtClean="0">
+                              <a:solidFill>
+                                <a:schemeClr val="tx1"/>
+                              </a:solidFill>
+                              <a:latin typeface="Cambria Math" panose="02040503050406030204" pitchFamily="18" charset="0"/>
+                            </a:rPr>
+                            <m:t>w</m:t>
+                          </m:r>
+                        </m:e>
+                        <m:sub>
+                          <m:r>
+                            <a:rPr lang="en-US" altLang="zh-CN" i="1">
+                              <a:solidFill>
+                                <a:schemeClr val="tx1"/>
+                              </a:solidFill>
+                              <a:latin typeface="Cambria Math" panose="02040503050406030204" pitchFamily="18" charset="0"/>
+                            </a:rPr>
+                            <m:t>𝑚</m:t>
+                          </m:r>
+                          <m:r>
+                            <a:rPr lang="en-US" altLang="zh-CN" i="1">
+                              <a:solidFill>
+                                <a:schemeClr val="tx1"/>
+                              </a:solidFill>
+                              <a:latin typeface="Cambria Math" panose="02040503050406030204" pitchFamily="18" charset="0"/>
+                            </a:rPr>
+                            <m:t>−1</m:t>
+                          </m:r>
+                        </m:sub>
+                        <m:sup>
+                          <m:r>
+                            <a:rPr lang="en-US" altLang="zh-CN" b="0" i="1" smtClean="0">
+                              <a:solidFill>
+                                <a:schemeClr val="tx1"/>
+                              </a:solidFill>
+                              <a:latin typeface="Cambria Math" panose="02040503050406030204" pitchFamily="18" charset="0"/>
+                            </a:rPr>
+                            <m:t>𝑎</m:t>
+                          </m:r>
+                        </m:sup>
+                      </m:sSubSup>
+                    </m:oMath>
+                  </m:oMathPara>
+                </a14:m>
+                <a:endParaRPr lang="zh-CN" altLang="en-US" i="1" dirty="0">
+                  <a:solidFill>
+                    <a:schemeClr val="tx1"/>
+                  </a:solidFill>
+                  <a:latin typeface="微软雅黑" panose="020B0503020204020204" pitchFamily="34" charset="-122"/>
+                  <a:ea typeface="微软雅黑" panose="020B0503020204020204" pitchFamily="34" charset="-122"/>
+                  <a:cs typeface="Times New Roman" panose="02020603050405020304" pitchFamily="18" charset="0"/>
+                </a:endParaRPr>
+              </a:p>
+            </p:txBody>
+          </p:sp>
+        </mc:Choice>
+        <mc:Fallback>
+          <p:sp>
+            <p:nvSpPr>
+              <p:cNvPr id="69" name="矩形: 圆角 68">
+                <a:extLst>
+                  <a:ext uri="{FF2B5EF4-FFF2-40B4-BE49-F238E27FC236}">
+                    <a16:creationId xmlns:a16="http://schemas.microsoft.com/office/drawing/2014/main" id="{B2F130AC-4E78-32AA-429C-E1784E051F01}"/>
+                  </a:ext>
+                </a:extLst>
+              </p:cNvPr>
+              <p:cNvSpPr>
+                <a:spLocks noRot="1" noChangeAspect="1" noMove="1" noResize="1" noEditPoints="1" noAdjustHandles="1" noChangeArrowheads="1" noChangeShapeType="1" noTextEdit="1"/>
+              </p:cNvSpPr>
+              <p:nvPr/>
+            </p:nvSpPr>
+            <p:spPr>
+              <a:xfrm>
+                <a:off x="3792445" y="5594487"/>
+                <a:ext cx="720000" cy="504000"/>
+              </a:xfrm>
+              <a:prstGeom prst="roundRect">
+                <a:avLst/>
+              </a:prstGeom>
+              <a:blipFill>
+                <a:blip r:embed="rId26"/>
+                <a:stretch>
+                  <a:fillRect l="-1667"/>
+                </a:stretch>
+              </a:blipFill>
+              <a:ln w="12700">
+                <a:solidFill>
+                  <a:schemeClr val="tx1"/>
+                </a:solidFill>
+              </a:ln>
+            </p:spPr>
+            <p:txBody>
+              <a:bodyPr/>
+              <a:lstStyle/>
+              <a:p>
+                <a:r>
+                  <a:rPr lang="zh-CN" altLang="en-US">
+                    <a:noFill/>
+                  </a:rPr>
+                  <a:t> </a:t>
+                </a:r>
+              </a:p>
+            </p:txBody>
+          </p:sp>
+        </mc:Fallback>
+      </mc:AlternateContent>
+      <mc:AlternateContent xmlns:mc="http://schemas.openxmlformats.org/markup-compatibility/2006">
+        <mc:Choice xmlns:a14="http://schemas.microsoft.com/office/drawing/2010/main" Requires="a14">
+          <p:sp>
+            <p:nvSpPr>
+              <p:cNvPr id="70" name="矩形: 圆角 69">
+                <a:extLst>
+                  <a:ext uri="{FF2B5EF4-FFF2-40B4-BE49-F238E27FC236}">
+                    <a16:creationId xmlns:a16="http://schemas.microsoft.com/office/drawing/2014/main" id="{62AC1A59-8D5B-8E78-387F-B5222750087C}"/>
+                  </a:ext>
+                </a:extLst>
+              </p:cNvPr>
+              <p:cNvSpPr/>
+              <p:nvPr/>
+            </p:nvSpPr>
+            <p:spPr>
+              <a:xfrm>
+                <a:off x="4657860" y="5594487"/>
+                <a:ext cx="720000" cy="504000"/>
+              </a:xfrm>
+              <a:prstGeom prst="roundRect">
+                <a:avLst/>
+              </a:prstGeom>
+              <a:noFill/>
+              <a:ln w="12700">
+                <a:solidFill>
+                  <a:schemeClr val="tx1"/>
+                </a:solidFill>
+              </a:ln>
+            </p:spPr>
+            <p:style>
+              <a:lnRef idx="2">
+                <a:schemeClr val="accent1">
+                  <a:shade val="15000"/>
+                </a:schemeClr>
+              </a:lnRef>
+              <a:fillRef idx="1">
+                <a:schemeClr val="accent1"/>
+              </a:fillRef>
+              <a:effectRef idx="0">
+                <a:schemeClr val="accent1"/>
+              </a:effectRef>
+              <a:fontRef idx="minor">
+                <a:schemeClr val="lt1"/>
+              </a:fontRef>
+            </p:style>
+            <p:txBody>
+              <a:bodyPr rtlCol="0" anchor="ctr"/>
+              <a:lstStyle/>
+              <a:p>
+                <a:pPr algn="ctr"/>
+                <a14:m>
+                  <m:oMathPara xmlns:m="http://schemas.openxmlformats.org/officeDocument/2006/math">
+                    <m:oMathParaPr>
+                      <m:jc m:val="centerGroup"/>
+                    </m:oMathParaPr>
+                    <m:oMath xmlns:m="http://schemas.openxmlformats.org/officeDocument/2006/math">
+                      <m:sSubSup>
+                        <m:sSubSupPr>
+                          <m:ctrlPr>
+                            <a:rPr lang="en-US" altLang="zh-CN" i="1" smtClean="0">
+                              <a:solidFill>
+                                <a:schemeClr val="tx1"/>
+                              </a:solidFill>
+                              <a:latin typeface="Cambria Math" panose="02040503050406030204" pitchFamily="18" charset="0"/>
+                            </a:rPr>
+                          </m:ctrlPr>
+                        </m:sSubSupPr>
+                        <m:e>
+                          <m:r>
+                            <m:rPr>
+                              <m:sty m:val="p"/>
+                            </m:rPr>
+                            <a:rPr lang="en-US" altLang="zh-CN" i="1" smtClean="0">
+                              <a:solidFill>
+                                <a:schemeClr val="tx1"/>
+                              </a:solidFill>
+                              <a:latin typeface="Cambria Math" panose="02040503050406030204" pitchFamily="18" charset="0"/>
+                            </a:rPr>
+                            <m:t>w</m:t>
+                          </m:r>
+                        </m:e>
+                        <m:sub>
+                          <m:r>
+                            <a:rPr lang="en-US" altLang="zh-CN" i="1">
+                              <a:solidFill>
+                                <a:schemeClr val="tx1"/>
+                              </a:solidFill>
+                              <a:latin typeface="Cambria Math" panose="02040503050406030204" pitchFamily="18" charset="0"/>
+                            </a:rPr>
+                            <m:t>𝑚</m:t>
+                          </m:r>
+                        </m:sub>
+                        <m:sup>
+                          <m:r>
+                            <a:rPr lang="en-US" altLang="zh-CN" b="0" i="1" smtClean="0">
+                              <a:solidFill>
+                                <a:schemeClr val="tx1"/>
+                              </a:solidFill>
+                              <a:latin typeface="Cambria Math" panose="02040503050406030204" pitchFamily="18" charset="0"/>
+                            </a:rPr>
+                            <m:t>𝑎</m:t>
+                          </m:r>
+                        </m:sup>
+                      </m:sSubSup>
+                    </m:oMath>
+                  </m:oMathPara>
+                </a14:m>
+                <a:endParaRPr lang="zh-CN" altLang="en-US" i="1" dirty="0">
+                  <a:solidFill>
+                    <a:schemeClr val="tx1"/>
+                  </a:solidFill>
+                  <a:latin typeface="微软雅黑" panose="020B0503020204020204" pitchFamily="34" charset="-122"/>
+                  <a:ea typeface="微软雅黑" panose="020B0503020204020204" pitchFamily="34" charset="-122"/>
+                  <a:cs typeface="Times New Roman" panose="02020603050405020304" pitchFamily="18" charset="0"/>
+                </a:endParaRPr>
+              </a:p>
+            </p:txBody>
+          </p:sp>
+        </mc:Choice>
+        <mc:Fallback>
+          <p:sp>
+            <p:nvSpPr>
+              <p:cNvPr id="70" name="矩形: 圆角 69">
+                <a:extLst>
+                  <a:ext uri="{FF2B5EF4-FFF2-40B4-BE49-F238E27FC236}">
+                    <a16:creationId xmlns:a16="http://schemas.microsoft.com/office/drawing/2014/main" id="{62AC1A59-8D5B-8E78-387F-B5222750087C}"/>
+                  </a:ext>
+                </a:extLst>
+              </p:cNvPr>
+              <p:cNvSpPr>
+                <a:spLocks noRot="1" noChangeAspect="1" noMove="1" noResize="1" noEditPoints="1" noAdjustHandles="1" noChangeArrowheads="1" noChangeShapeType="1" noTextEdit="1"/>
+              </p:cNvSpPr>
+              <p:nvPr/>
+            </p:nvSpPr>
+            <p:spPr>
+              <a:xfrm>
+                <a:off x="4657860" y="5594487"/>
+                <a:ext cx="720000" cy="504000"/>
+              </a:xfrm>
+              <a:prstGeom prst="roundRect">
+                <a:avLst/>
+              </a:prstGeom>
+              <a:blipFill>
+                <a:blip r:embed="rId27"/>
+                <a:stretch>
+                  <a:fillRect/>
+                </a:stretch>
+              </a:blipFill>
+              <a:ln w="12700">
+                <a:solidFill>
+                  <a:schemeClr val="tx1"/>
+                </a:solidFill>
+              </a:ln>
+            </p:spPr>
+            <p:txBody>
+              <a:bodyPr/>
+              <a:lstStyle/>
+              <a:p>
+                <a:r>
+                  <a:rPr lang="zh-CN" altLang="en-US">
+                    <a:noFill/>
+                  </a:rPr>
+                  <a:t> </a:t>
+                </a:r>
+              </a:p>
+            </p:txBody>
+          </p:sp>
+        </mc:Fallback>
+      </mc:AlternateContent>
+      <p:sp>
+        <p:nvSpPr>
+          <p:cNvPr id="71" name="文本框 70">
+            <a:extLst>
+              <a:ext uri="{FF2B5EF4-FFF2-40B4-BE49-F238E27FC236}">
+                <a16:creationId xmlns:a16="http://schemas.microsoft.com/office/drawing/2014/main" id="{F1F7CED8-A684-77C4-784C-4498A2AEB501}"/>
+              </a:ext>
+            </a:extLst>
+          </p:cNvPr>
+          <p:cNvSpPr txBox="1"/>
+          <p:nvPr/>
+        </p:nvSpPr>
+        <p:spPr>
+          <a:xfrm>
+            <a:off x="2607066" y="5637826"/>
+            <a:ext cx="781615" cy="408623"/>
+          </a:xfrm>
+          <a:prstGeom prst="roundRect">
+            <a:avLst/>
+          </a:prstGeom>
+          <a:noFill/>
+        </p:spPr>
+        <p:txBody>
+          <a:bodyPr wrap="square" rtlCol="0">
+            <a:spAutoFit/>
+          </a:bodyPr>
+          <a:lstStyle/>
+          <a:p>
+            <a:pPr algn="ctr"/>
+            <a:r>
+              <a:rPr lang="en-US" altLang="zh-CN" b="1" dirty="0">
+                <a:latin typeface="微软雅黑" panose="020B0503020204020204" pitchFamily="34" charset="-122"/>
+                <a:ea typeface="微软雅黑" panose="020B0503020204020204" pitchFamily="34" charset="-122"/>
+                <a:cs typeface="Times New Roman" panose="02020603050405020304" pitchFamily="18" charset="0"/>
+              </a:rPr>
+              <a:t>……</a:t>
+            </a:r>
+            <a:endParaRPr lang="zh-CN" altLang="en-US" b="1" dirty="0">
+              <a:latin typeface="微软雅黑" panose="020B0503020204020204" pitchFamily="34" charset="-122"/>
+              <a:ea typeface="微软雅黑" panose="020B0503020204020204" pitchFamily="34" charset="-122"/>
+              <a:cs typeface="Times New Roman" panose="02020603050405020304" pitchFamily="18" charset="0"/>
+            </a:endParaRPr>
+          </a:p>
+        </p:txBody>
+      </p:sp>
+      <p:cxnSp>
+        <p:nvCxnSpPr>
+          <p:cNvPr id="73" name="直接箭头连接符 72">
+            <a:extLst>
+              <a:ext uri="{FF2B5EF4-FFF2-40B4-BE49-F238E27FC236}">
+                <a16:creationId xmlns:a16="http://schemas.microsoft.com/office/drawing/2014/main" id="{0E30D2EC-6DEC-7DA1-5AD3-27A86262367C}"/>
+              </a:ext>
+            </a:extLst>
+          </p:cNvPr>
+          <p:cNvCxnSpPr>
+            <a:stCxn id="67" idx="0"/>
+          </p:cNvCxnSpPr>
+          <p:nvPr/>
+        </p:nvCxnSpPr>
+        <p:spPr>
+          <a:xfrm flipH="1" flipV="1">
+            <a:off x="982980" y="4799541"/>
+            <a:ext cx="8242" cy="794946"/>
+          </a:xfrm>
+          <a:prstGeom prst="straightConnector1">
+            <a:avLst/>
+          </a:prstGeom>
+          <a:ln>
+            <a:solidFill>
+              <a:schemeClr val="tx1"/>
+            </a:solidFill>
+            <a:tailEnd type="triangle"/>
+          </a:ln>
+        </p:spPr>
+        <p:style>
+          <a:lnRef idx="1">
+            <a:schemeClr val="accent1"/>
+          </a:lnRef>
+          <a:fillRef idx="0">
+            <a:schemeClr val="accent1"/>
+          </a:fillRef>
+          <a:effectRef idx="0">
+            <a:schemeClr val="accent1"/>
+          </a:effectRef>
+          <a:fontRef idx="minor">
+            <a:schemeClr val="tx1"/>
+          </a:fontRef>
+        </p:style>
+      </p:cxnSp>
     </p:spTree>
     <p:extLst>
       <p:ext uri="{BB962C8B-B14F-4D97-AF65-F5344CB8AC3E}">
@@ -12172,6 +19857,14 @@
           <a:prstGeom prst="roundRect">
             <a:avLst/>
           </a:prstGeom>
+          <a:solidFill>
+            <a:srgbClr val="136783"/>
+          </a:solidFill>
+          <a:ln>
+            <a:solidFill>
+              <a:srgbClr val="136783"/>
+            </a:solidFill>
+          </a:ln>
         </p:spPr>
         <p:style>
           <a:lnRef idx="1">
@@ -12295,6 +19988,14 @@
           <a:prstGeom prst="roundRect">
             <a:avLst/>
           </a:prstGeom>
+          <a:solidFill>
+            <a:srgbClr val="136783"/>
+          </a:solidFill>
+          <a:ln>
+            <a:solidFill>
+              <a:srgbClr val="136783"/>
+            </a:solidFill>
+          </a:ln>
         </p:spPr>
         <p:style>
           <a:lnRef idx="1">
@@ -12656,6 +20357,14 @@
           <a:prstGeom prst="roundRect">
             <a:avLst/>
           </a:prstGeom>
+          <a:solidFill>
+            <a:srgbClr val="136783"/>
+          </a:solidFill>
+          <a:ln>
+            <a:solidFill>
+              <a:srgbClr val="136783"/>
+            </a:solidFill>
+          </a:ln>
         </p:spPr>
         <p:style>
           <a:lnRef idx="1">
@@ -13783,6 +21492,14 @@
           <a:prstGeom prst="roundRect">
             <a:avLst/>
           </a:prstGeom>
+          <a:solidFill>
+            <a:srgbClr val="136783"/>
+          </a:solidFill>
+          <a:ln>
+            <a:solidFill>
+              <a:srgbClr val="136783"/>
+            </a:solidFill>
+          </a:ln>
         </p:spPr>
         <p:style>
           <a:lnRef idx="1">
@@ -14159,7 +21876,7 @@
             <a:pPr algn="ctr"/>
             <a:r>
               <a:rPr lang="zh-CN" altLang="en-US" sz="1600" dirty="0">
-                <a:latin typeface="Times New Roman" panose="02020603050405020304" pitchFamily="18" charset="0"/>
+                <a:latin typeface="微软雅黑" panose="020B0503020204020204" pitchFamily="34" charset="-122"/>
                 <a:ea typeface="微软雅黑" panose="020B0503020204020204" pitchFamily="34" charset="-122"/>
                 <a:cs typeface="Times New Roman" panose="02020603050405020304" pitchFamily="18" charset="0"/>
               </a:rPr>
@@ -14167,14 +21884,14 @@
             </a:r>
             <a:r>
               <a:rPr lang="en-US" altLang="zh-CN" sz="1600" dirty="0">
-                <a:latin typeface="Times New Roman" panose="02020603050405020304" pitchFamily="18" charset="0"/>
+                <a:latin typeface="微软雅黑" panose="020B0503020204020204" pitchFamily="34" charset="-122"/>
                 <a:ea typeface="微软雅黑" panose="020B0503020204020204" pitchFamily="34" charset="-122"/>
                 <a:cs typeface="Times New Roman" panose="02020603050405020304" pitchFamily="18" charset="0"/>
               </a:rPr>
               <a:t>Token</a:t>
             </a:r>
             <a:endParaRPr lang="zh-CN" altLang="en-US" sz="1600" dirty="0">
-              <a:latin typeface="Times New Roman" panose="02020603050405020304" pitchFamily="18" charset="0"/>
+              <a:latin typeface="微软雅黑" panose="020B0503020204020204" pitchFamily="34" charset="-122"/>
               <a:ea typeface="微软雅黑" panose="020B0503020204020204" pitchFamily="34" charset="-122"/>
               <a:cs typeface="Times New Roman" panose="02020603050405020304" pitchFamily="18" charset="0"/>
             </a:endParaRPr>
@@ -14212,7 +21929,7 @@
             <a:pPr algn="ctr"/>
             <a:r>
               <a:rPr lang="zh-CN" altLang="en-US" sz="1600" dirty="0">
-                <a:latin typeface="Times New Roman" panose="02020603050405020304" pitchFamily="18" charset="0"/>
+                <a:latin typeface="微软雅黑" panose="020B0503020204020204" pitchFamily="34" charset="-122"/>
                 <a:ea typeface="微软雅黑" panose="020B0503020204020204" pitchFamily="34" charset="-122"/>
                 <a:cs typeface="Times New Roman" panose="02020603050405020304" pitchFamily="18" charset="0"/>
               </a:rPr>
@@ -14220,14 +21937,14 @@
             </a:r>
             <a:r>
               <a:rPr lang="en-US" altLang="zh-CN" sz="1600" dirty="0">
-                <a:latin typeface="Times New Roman" panose="02020603050405020304" pitchFamily="18" charset="0"/>
+                <a:latin typeface="微软雅黑" panose="020B0503020204020204" pitchFamily="34" charset="-122"/>
                 <a:ea typeface="微软雅黑" panose="020B0503020204020204" pitchFamily="34" charset="-122"/>
                 <a:cs typeface="Times New Roman" panose="02020603050405020304" pitchFamily="18" charset="0"/>
               </a:rPr>
               <a:t>AST</a:t>
             </a:r>
             <a:endParaRPr lang="zh-CN" altLang="en-US" sz="1600" dirty="0">
-              <a:latin typeface="Times New Roman" panose="02020603050405020304" pitchFamily="18" charset="0"/>
+              <a:latin typeface="微软雅黑" panose="020B0503020204020204" pitchFamily="34" charset="-122"/>
               <a:ea typeface="微软雅黑" panose="020B0503020204020204" pitchFamily="34" charset="-122"/>
               <a:cs typeface="Times New Roman" panose="02020603050405020304" pitchFamily="18" charset="0"/>
             </a:endParaRPr>
@@ -14265,7 +21982,7 @@
             <a:pPr algn="ctr"/>
             <a:r>
               <a:rPr lang="zh-CN" altLang="en-US" sz="1600" dirty="0">
-                <a:latin typeface="Times New Roman" panose="02020603050405020304" pitchFamily="18" charset="0"/>
+                <a:latin typeface="微软雅黑" panose="020B0503020204020204" pitchFamily="34" charset="-122"/>
                 <a:ea typeface="微软雅黑" panose="020B0503020204020204" pitchFamily="34" charset="-122"/>
                 <a:cs typeface="Times New Roman" panose="02020603050405020304" pitchFamily="18" charset="0"/>
               </a:rPr>
@@ -14273,14 +21990,14 @@
             </a:r>
             <a:r>
               <a:rPr lang="en-US" altLang="zh-CN" sz="1600" dirty="0">
-                <a:latin typeface="Times New Roman" panose="02020603050405020304" pitchFamily="18" charset="0"/>
+                <a:latin typeface="微软雅黑" panose="020B0503020204020204" pitchFamily="34" charset="-122"/>
                 <a:ea typeface="微软雅黑" panose="020B0503020204020204" pitchFamily="34" charset="-122"/>
                 <a:cs typeface="Times New Roman" panose="02020603050405020304" pitchFamily="18" charset="0"/>
               </a:rPr>
               <a:t>PDG</a:t>
             </a:r>
             <a:endParaRPr lang="zh-CN" altLang="en-US" sz="1600" dirty="0">
-              <a:latin typeface="Times New Roman" panose="02020603050405020304" pitchFamily="18" charset="0"/>
+              <a:latin typeface="微软雅黑" panose="020B0503020204020204" pitchFamily="34" charset="-122"/>
               <a:ea typeface="微软雅黑" panose="020B0503020204020204" pitchFamily="34" charset="-122"/>
               <a:cs typeface="Times New Roman" panose="02020603050405020304" pitchFamily="18" charset="0"/>
             </a:endParaRPr>
@@ -15099,7 +22816,10 @@
           <a:lstStyle/>
           <a:p>
             <a:pPr algn="ctr"/>
-            <a:endParaRPr lang="zh-CN" altLang="en-US"/>
+            <a:endParaRPr lang="zh-CN" altLang="en-US">
+              <a:latin typeface="微软雅黑" panose="020B0503020204020204" pitchFamily="34" charset="-122"/>
+              <a:ea typeface="微软雅黑" panose="020B0503020204020204" pitchFamily="34" charset="-122"/>
+            </a:endParaRPr>
           </a:p>
         </p:txBody>
       </p:sp>
@@ -15153,7 +22873,10 @@
           <a:lstStyle/>
           <a:p>
             <a:pPr algn="ctr"/>
-            <a:endParaRPr lang="zh-CN" altLang="en-US"/>
+            <a:endParaRPr lang="zh-CN" altLang="en-US">
+              <a:latin typeface="微软雅黑" panose="020B0503020204020204" pitchFamily="34" charset="-122"/>
+              <a:ea typeface="微软雅黑" panose="020B0503020204020204" pitchFamily="34" charset="-122"/>
+            </a:endParaRPr>
           </a:p>
         </p:txBody>
       </p:sp>
@@ -15207,7 +22930,10 @@
           <a:lstStyle/>
           <a:p>
             <a:pPr algn="ctr"/>
-            <a:endParaRPr lang="zh-CN" altLang="en-US"/>
+            <a:endParaRPr lang="zh-CN" altLang="en-US">
+              <a:latin typeface="微软雅黑" panose="020B0503020204020204" pitchFamily="34" charset="-122"/>
+              <a:ea typeface="微软雅黑" panose="020B0503020204020204" pitchFamily="34" charset="-122"/>
+            </a:endParaRPr>
           </a:p>
         </p:txBody>
       </p:sp>
@@ -15264,7 +22990,10 @@
           <a:lstStyle/>
           <a:p>
             <a:pPr algn="ctr"/>
-            <a:endParaRPr lang="zh-CN" altLang="en-US"/>
+            <a:endParaRPr lang="zh-CN" altLang="en-US">
+              <a:latin typeface="微软雅黑" panose="020B0503020204020204" pitchFamily="34" charset="-122"/>
+              <a:ea typeface="微软雅黑" panose="020B0503020204020204" pitchFamily="34" charset="-122"/>
+            </a:endParaRPr>
           </a:p>
         </p:txBody>
       </p:sp>
@@ -15321,7 +23050,10 @@
           <a:lstStyle/>
           <a:p>
             <a:pPr algn="ctr"/>
-            <a:endParaRPr lang="zh-CN" altLang="en-US"/>
+            <a:endParaRPr lang="zh-CN" altLang="en-US">
+              <a:latin typeface="微软雅黑" panose="020B0503020204020204" pitchFamily="34" charset="-122"/>
+              <a:ea typeface="微软雅黑" panose="020B0503020204020204" pitchFamily="34" charset="-122"/>
+            </a:endParaRPr>
           </a:p>
         </p:txBody>
       </p:sp>
@@ -15378,7 +23110,10 @@
           <a:lstStyle/>
           <a:p>
             <a:pPr algn="ctr"/>
-            <a:endParaRPr lang="zh-CN" altLang="en-US"/>
+            <a:endParaRPr lang="zh-CN" altLang="en-US">
+              <a:latin typeface="微软雅黑" panose="020B0503020204020204" pitchFamily="34" charset="-122"/>
+              <a:ea typeface="微软雅黑" panose="020B0503020204020204" pitchFamily="34" charset="-122"/>
+            </a:endParaRPr>
           </a:p>
         </p:txBody>
       </p:sp>
@@ -15435,7 +23170,10 @@
           <a:lstStyle/>
           <a:p>
             <a:pPr algn="ctr"/>
-            <a:endParaRPr lang="zh-CN" altLang="en-US"/>
+            <a:endParaRPr lang="zh-CN" altLang="en-US">
+              <a:latin typeface="微软雅黑" panose="020B0503020204020204" pitchFamily="34" charset="-122"/>
+              <a:ea typeface="微软雅黑" panose="020B0503020204020204" pitchFamily="34" charset="-122"/>
+            </a:endParaRPr>
           </a:p>
         </p:txBody>
       </p:sp>
@@ -15492,7 +23230,10 @@
           <a:lstStyle/>
           <a:p>
             <a:pPr algn="ctr"/>
-            <a:endParaRPr lang="zh-CN" altLang="en-US"/>
+            <a:endParaRPr lang="zh-CN" altLang="en-US">
+              <a:latin typeface="微软雅黑" panose="020B0503020204020204" pitchFamily="34" charset="-122"/>
+              <a:ea typeface="微软雅黑" panose="020B0503020204020204" pitchFamily="34" charset="-122"/>
+            </a:endParaRPr>
           </a:p>
         </p:txBody>
       </p:sp>
@@ -15549,7 +23290,10 @@
           <a:lstStyle/>
           <a:p>
             <a:pPr algn="ctr"/>
-            <a:endParaRPr lang="zh-CN" altLang="en-US"/>
+            <a:endParaRPr lang="zh-CN" altLang="en-US">
+              <a:latin typeface="微软雅黑" panose="020B0503020204020204" pitchFamily="34" charset="-122"/>
+              <a:ea typeface="微软雅黑" panose="020B0503020204020204" pitchFamily="34" charset="-122"/>
+            </a:endParaRPr>
           </a:p>
         </p:txBody>
       </p:sp>
@@ -15826,7 +23570,10 @@
           <a:lstStyle/>
           <a:p>
             <a:pPr algn="ctr"/>
-            <a:endParaRPr lang="zh-CN" altLang="en-US"/>
+            <a:endParaRPr lang="zh-CN" altLang="en-US">
+              <a:latin typeface="微软雅黑" panose="020B0503020204020204" pitchFamily="34" charset="-122"/>
+              <a:ea typeface="微软雅黑" panose="020B0503020204020204" pitchFamily="34" charset="-122"/>
+            </a:endParaRPr>
           </a:p>
         </p:txBody>
       </p:sp>
@@ -15883,7 +23630,10 @@
           <a:lstStyle/>
           <a:p>
             <a:pPr algn="ctr"/>
-            <a:endParaRPr lang="zh-CN" altLang="en-US"/>
+            <a:endParaRPr lang="zh-CN" altLang="en-US">
+              <a:latin typeface="微软雅黑" panose="020B0503020204020204" pitchFamily="34" charset="-122"/>
+              <a:ea typeface="微软雅黑" panose="020B0503020204020204" pitchFamily="34" charset="-122"/>
+            </a:endParaRPr>
           </a:p>
         </p:txBody>
       </p:sp>
@@ -15940,7 +23690,10 @@
           <a:lstStyle/>
           <a:p>
             <a:pPr algn="ctr"/>
-            <a:endParaRPr lang="zh-CN" altLang="en-US"/>
+            <a:endParaRPr lang="zh-CN" altLang="en-US">
+              <a:latin typeface="微软雅黑" panose="020B0503020204020204" pitchFamily="34" charset="-122"/>
+              <a:ea typeface="微软雅黑" panose="020B0503020204020204" pitchFamily="34" charset="-122"/>
+            </a:endParaRPr>
           </a:p>
         </p:txBody>
       </p:sp>
@@ -15997,7 +23750,10 @@
           <a:lstStyle/>
           <a:p>
             <a:pPr algn="ctr"/>
-            <a:endParaRPr lang="zh-CN" altLang="en-US"/>
+            <a:endParaRPr lang="zh-CN" altLang="en-US">
+              <a:latin typeface="微软雅黑" panose="020B0503020204020204" pitchFamily="34" charset="-122"/>
+              <a:ea typeface="微软雅黑" panose="020B0503020204020204" pitchFamily="34" charset="-122"/>
+            </a:endParaRPr>
           </a:p>
         </p:txBody>
       </p:sp>
@@ -16054,7 +23810,10 @@
           <a:lstStyle/>
           <a:p>
             <a:pPr algn="ctr"/>
-            <a:endParaRPr lang="zh-CN" altLang="en-US"/>
+            <a:endParaRPr lang="zh-CN" altLang="en-US">
+              <a:latin typeface="微软雅黑" panose="020B0503020204020204" pitchFamily="34" charset="-122"/>
+              <a:ea typeface="微软雅黑" panose="020B0503020204020204" pitchFamily="34" charset="-122"/>
+            </a:endParaRPr>
           </a:p>
         </p:txBody>
       </p:sp>
@@ -16111,7 +23870,10 @@
           <a:lstStyle/>
           <a:p>
             <a:pPr algn="ctr"/>
-            <a:endParaRPr lang="zh-CN" altLang="en-US"/>
+            <a:endParaRPr lang="zh-CN" altLang="en-US">
+              <a:latin typeface="微软雅黑" panose="020B0503020204020204" pitchFamily="34" charset="-122"/>
+              <a:ea typeface="微软雅黑" panose="020B0503020204020204" pitchFamily="34" charset="-122"/>
+            </a:endParaRPr>
           </a:p>
         </p:txBody>
       </p:sp>
@@ -16352,7 +24114,10 @@
           <a:lstStyle/>
           <a:p>
             <a:pPr algn="ctr"/>
-            <a:endParaRPr lang="zh-CN" altLang="en-US"/>
+            <a:endParaRPr lang="zh-CN" altLang="en-US">
+              <a:latin typeface="微软雅黑" panose="020B0503020204020204" pitchFamily="34" charset="-122"/>
+              <a:ea typeface="微软雅黑" panose="020B0503020204020204" pitchFamily="34" charset="-122"/>
+            </a:endParaRPr>
           </a:p>
         </p:txBody>
       </p:sp>
@@ -16409,7 +24174,10 @@
           <a:lstStyle/>
           <a:p>
             <a:pPr algn="ctr"/>
-            <a:endParaRPr lang="zh-CN" altLang="en-US"/>
+            <a:endParaRPr lang="zh-CN" altLang="en-US">
+              <a:latin typeface="微软雅黑" panose="020B0503020204020204" pitchFamily="34" charset="-122"/>
+              <a:ea typeface="微软雅黑" panose="020B0503020204020204" pitchFamily="34" charset="-122"/>
+            </a:endParaRPr>
           </a:p>
         </p:txBody>
       </p:sp>
@@ -16626,10 +24394,16 @@
           <a:lstStyle/>
           <a:p>
             <a:r>
-              <a:rPr lang="en-US" altLang="zh-CN" dirty="0"/>
+              <a:rPr lang="en-US" altLang="zh-CN" dirty="0">
+                <a:latin typeface="微软雅黑" panose="020B0503020204020204" pitchFamily="34" charset="-122"/>
+                <a:ea typeface="微软雅黑" panose="020B0503020204020204" pitchFamily="34" charset="-122"/>
+              </a:rPr>
               <a:t>…</a:t>
             </a:r>
-            <a:endParaRPr lang="zh-CN" altLang="en-US" dirty="0"/>
+            <a:endParaRPr lang="zh-CN" altLang="en-US" dirty="0">
+              <a:latin typeface="微软雅黑" panose="020B0503020204020204" pitchFamily="34" charset="-122"/>
+              <a:ea typeface="微软雅黑" panose="020B0503020204020204" pitchFamily="34" charset="-122"/>
+            </a:endParaRPr>
           </a:p>
         </p:txBody>
       </p:sp>
@@ -16686,7 +24460,10 @@
           <a:lstStyle/>
           <a:p>
             <a:pPr algn="ctr"/>
-            <a:endParaRPr lang="zh-CN" altLang="en-US"/>
+            <a:endParaRPr lang="zh-CN" altLang="en-US">
+              <a:latin typeface="微软雅黑" panose="020B0503020204020204" pitchFamily="34" charset="-122"/>
+              <a:ea typeface="微软雅黑" panose="020B0503020204020204" pitchFamily="34" charset="-122"/>
+            </a:endParaRPr>
           </a:p>
         </p:txBody>
       </p:sp>
@@ -16743,7 +24520,10 @@
           <a:lstStyle/>
           <a:p>
             <a:pPr algn="ctr"/>
-            <a:endParaRPr lang="zh-CN" altLang="en-US"/>
+            <a:endParaRPr lang="zh-CN" altLang="en-US">
+              <a:latin typeface="微软雅黑" panose="020B0503020204020204" pitchFamily="34" charset="-122"/>
+              <a:ea typeface="微软雅黑" panose="020B0503020204020204" pitchFamily="34" charset="-122"/>
+            </a:endParaRPr>
           </a:p>
         </p:txBody>
       </p:sp>
@@ -16800,7 +24580,10 @@
           <a:lstStyle/>
           <a:p>
             <a:pPr algn="ctr"/>
-            <a:endParaRPr lang="zh-CN" altLang="en-US"/>
+            <a:endParaRPr lang="zh-CN" altLang="en-US">
+              <a:latin typeface="微软雅黑" panose="020B0503020204020204" pitchFamily="34" charset="-122"/>
+              <a:ea typeface="微软雅黑" panose="020B0503020204020204" pitchFamily="34" charset="-122"/>
+            </a:endParaRPr>
           </a:p>
         </p:txBody>
       </p:sp>
@@ -16857,7 +24640,10 @@
           <a:lstStyle/>
           <a:p>
             <a:pPr algn="ctr"/>
-            <a:endParaRPr lang="zh-CN" altLang="en-US"/>
+            <a:endParaRPr lang="zh-CN" altLang="en-US">
+              <a:latin typeface="微软雅黑" panose="020B0503020204020204" pitchFamily="34" charset="-122"/>
+              <a:ea typeface="微软雅黑" panose="020B0503020204020204" pitchFamily="34" charset="-122"/>
+            </a:endParaRPr>
           </a:p>
         </p:txBody>
       </p:sp>
@@ -16914,7 +24700,10 @@
           <a:lstStyle/>
           <a:p>
             <a:pPr algn="ctr"/>
-            <a:endParaRPr lang="zh-CN" altLang="en-US"/>
+            <a:endParaRPr lang="zh-CN" altLang="en-US">
+              <a:latin typeface="微软雅黑" panose="020B0503020204020204" pitchFamily="34" charset="-122"/>
+              <a:ea typeface="微软雅黑" panose="020B0503020204020204" pitchFamily="34" charset="-122"/>
+            </a:endParaRPr>
           </a:p>
         </p:txBody>
       </p:sp>
@@ -17103,7 +24892,10 @@
           <a:lstStyle/>
           <a:p>
             <a:pPr algn="ctr"/>
-            <a:endParaRPr lang="zh-CN" altLang="en-US"/>
+            <a:endParaRPr lang="zh-CN" altLang="en-US">
+              <a:latin typeface="微软雅黑" panose="020B0503020204020204" pitchFamily="34" charset="-122"/>
+              <a:ea typeface="微软雅黑" panose="020B0503020204020204" pitchFamily="34" charset="-122"/>
+            </a:endParaRPr>
           </a:p>
         </p:txBody>
       </p:sp>
@@ -17160,7 +24952,10 @@
           <a:lstStyle/>
           <a:p>
             <a:pPr algn="ctr"/>
-            <a:endParaRPr lang="zh-CN" altLang="en-US"/>
+            <a:endParaRPr lang="zh-CN" altLang="en-US">
+              <a:latin typeface="微软雅黑" panose="020B0503020204020204" pitchFamily="34" charset="-122"/>
+              <a:ea typeface="微软雅黑" panose="020B0503020204020204" pitchFamily="34" charset="-122"/>
+            </a:endParaRPr>
           </a:p>
         </p:txBody>
       </p:sp>
@@ -17217,7 +25012,10 @@
           <a:lstStyle/>
           <a:p>
             <a:pPr algn="ctr"/>
-            <a:endParaRPr lang="zh-CN" altLang="en-US"/>
+            <a:endParaRPr lang="zh-CN" altLang="en-US">
+              <a:latin typeface="微软雅黑" panose="020B0503020204020204" pitchFamily="34" charset="-122"/>
+              <a:ea typeface="微软雅黑" panose="020B0503020204020204" pitchFamily="34" charset="-122"/>
+            </a:endParaRPr>
           </a:p>
         </p:txBody>
       </p:sp>
@@ -17406,7 +25204,10 @@
           <a:lstStyle/>
           <a:p>
             <a:pPr algn="ctr"/>
-            <a:endParaRPr lang="zh-CN" altLang="en-US"/>
+            <a:endParaRPr lang="zh-CN" altLang="en-US">
+              <a:latin typeface="微软雅黑" panose="020B0503020204020204" pitchFamily="34" charset="-122"/>
+              <a:ea typeface="微软雅黑" panose="020B0503020204020204" pitchFamily="34" charset="-122"/>
+            </a:endParaRPr>
           </a:p>
         </p:txBody>
       </p:sp>
@@ -17463,7 +25264,10 @@
           <a:lstStyle/>
           <a:p>
             <a:pPr algn="ctr"/>
-            <a:endParaRPr lang="zh-CN" altLang="en-US"/>
+            <a:endParaRPr lang="zh-CN" altLang="en-US">
+              <a:latin typeface="微软雅黑" panose="020B0503020204020204" pitchFamily="34" charset="-122"/>
+              <a:ea typeface="微软雅黑" panose="020B0503020204020204" pitchFamily="34" charset="-122"/>
+            </a:endParaRPr>
           </a:p>
         </p:txBody>
       </p:sp>
@@ -17520,7 +25324,10 @@
           <a:lstStyle/>
           <a:p>
             <a:pPr algn="ctr"/>
-            <a:endParaRPr lang="zh-CN" altLang="en-US"/>
+            <a:endParaRPr lang="zh-CN" altLang="en-US">
+              <a:latin typeface="微软雅黑" panose="020B0503020204020204" pitchFamily="34" charset="-122"/>
+              <a:ea typeface="微软雅黑" panose="020B0503020204020204" pitchFamily="34" charset="-122"/>
+            </a:endParaRPr>
           </a:p>
         </p:txBody>
       </p:sp>
@@ -17577,7 +25384,10 @@
           <a:lstStyle/>
           <a:p>
             <a:pPr algn="ctr"/>
-            <a:endParaRPr lang="zh-CN" altLang="en-US"/>
+            <a:endParaRPr lang="zh-CN" altLang="en-US">
+              <a:latin typeface="微软雅黑" panose="020B0503020204020204" pitchFamily="34" charset="-122"/>
+              <a:ea typeface="微软雅黑" panose="020B0503020204020204" pitchFamily="34" charset="-122"/>
+            </a:endParaRPr>
           </a:p>
         </p:txBody>
       </p:sp>
@@ -17741,16 +25551,12 @@
             <a:pPr algn="ctr"/>
             <a:r>
               <a:rPr lang="zh-CN" altLang="en-US" sz="1600" dirty="0">
-                <a:latin typeface="Times New Roman" panose="02020603050405020304" pitchFamily="18" charset="0"/>
+                <a:latin typeface="微软雅黑" panose="020B0503020204020204" pitchFamily="34" charset="-122"/>
+                <a:ea typeface="微软雅黑" panose="020B0503020204020204" pitchFamily="34" charset="-122"/>
                 <a:cs typeface="Times New Roman" panose="02020603050405020304" pitchFamily="18" charset="0"/>
               </a:rPr>
               <a:t>子树划分</a:t>
             </a:r>
-            <a:endParaRPr lang="zh-CN" altLang="en-US" sz="1600" dirty="0">
-              <a:latin typeface="Times New Roman" panose="02020603050405020304" pitchFamily="18" charset="0"/>
-              <a:ea typeface="微软雅黑" panose="020B0503020204020204" pitchFamily="34" charset="-122"/>
-              <a:cs typeface="Times New Roman" panose="02020603050405020304" pitchFamily="18" charset="0"/>
-            </a:endParaRPr>
           </a:p>
         </p:txBody>
       </p:sp>
@@ -17785,16 +25591,12 @@
             <a:pPr algn="ctr"/>
             <a:r>
               <a:rPr lang="zh-CN" altLang="en-US" sz="1600" dirty="0">
-                <a:latin typeface="Times New Roman" panose="02020603050405020304" pitchFamily="18" charset="0"/>
+                <a:latin typeface="微软雅黑" panose="020B0503020204020204" pitchFamily="34" charset="-122"/>
+                <a:ea typeface="微软雅黑" panose="020B0503020204020204" pitchFamily="34" charset="-122"/>
                 <a:cs typeface="Times New Roman" panose="02020603050405020304" pitchFamily="18" charset="0"/>
               </a:rPr>
               <a:t>图过滤</a:t>
             </a:r>
-            <a:endParaRPr lang="zh-CN" altLang="en-US" sz="1600" dirty="0">
-              <a:latin typeface="Times New Roman" panose="02020603050405020304" pitchFamily="18" charset="0"/>
-              <a:ea typeface="微软雅黑" panose="020B0503020204020204" pitchFamily="34" charset="-122"/>
-              <a:cs typeface="Times New Roman" panose="02020603050405020304" pitchFamily="18" charset="0"/>
-            </a:endParaRPr>
           </a:p>
         </p:txBody>
       </p:sp>
@@ -17842,7 +25644,8 @@
           <a:p>
             <a:pPr algn="ctr"/>
             <a:endParaRPr lang="zh-CN" altLang="en-US" sz="1600" dirty="0">
-              <a:latin typeface="微软雅黑" pitchFamily="34" charset="-122"/>
+              <a:latin typeface="微软雅黑" panose="020B0503020204020204" pitchFamily="34" charset="-122"/>
+              <a:ea typeface="微软雅黑" panose="020B0503020204020204" pitchFamily="34" charset="-122"/>
             </a:endParaRPr>
           </a:p>
         </p:txBody>
@@ -17887,15 +25690,18 @@
           <a:p>
             <a:pPr algn="ctr"/>
             <a:r>
-              <a:rPr lang="zh-CN" altLang="zh-CN" sz="1600" dirty="0"/>
+              <a:rPr lang="zh-CN" altLang="zh-CN" sz="1600" dirty="0">
+                <a:latin typeface="微软雅黑" panose="020B0503020204020204" pitchFamily="34" charset="-122"/>
+                <a:ea typeface="微软雅黑" panose="020B0503020204020204" pitchFamily="34" charset="-122"/>
+              </a:rPr>
               <a:t>节点个数</a:t>
             </a:r>
             <a:endParaRPr lang="zh-CN" altLang="en-US" sz="1600" dirty="0">
               <a:solidFill>
                 <a:schemeClr val="tx1"/>
               </a:solidFill>
-              <a:latin typeface="微软雅黑" pitchFamily="34" charset="-122"/>
-              <a:ea typeface="微软雅黑" pitchFamily="34" charset="-122"/>
+              <a:latin typeface="微软雅黑" panose="020B0503020204020204" pitchFamily="34" charset="-122"/>
+              <a:ea typeface="微软雅黑" panose="020B0503020204020204" pitchFamily="34" charset="-122"/>
             </a:endParaRPr>
           </a:p>
         </p:txBody>
@@ -17940,19 +25746,25 @@
           <a:p>
             <a:pPr algn="ctr"/>
             <a:r>
-              <a:rPr lang="zh-CN" altLang="en-US" sz="1600" dirty="0"/>
+              <a:rPr lang="zh-CN" altLang="en-US" sz="1600" dirty="0">
+                <a:latin typeface="微软雅黑" panose="020B0503020204020204" pitchFamily="34" charset="-122"/>
+                <a:ea typeface="微软雅黑" panose="020B0503020204020204" pitchFamily="34" charset="-122"/>
+              </a:rPr>
               <a:t>控制边</a:t>
             </a:r>
             <a:r>
-              <a:rPr lang="zh-CN" altLang="zh-CN" sz="1600" dirty="0"/>
+              <a:rPr lang="zh-CN" altLang="zh-CN" sz="1600" dirty="0">
+                <a:latin typeface="微软雅黑" panose="020B0503020204020204" pitchFamily="34" charset="-122"/>
+                <a:ea typeface="微软雅黑" panose="020B0503020204020204" pitchFamily="34" charset="-122"/>
+              </a:rPr>
               <a:t>数</a:t>
             </a:r>
             <a:endParaRPr lang="zh-CN" altLang="en-US" sz="1600" dirty="0">
               <a:solidFill>
                 <a:schemeClr val="tx1"/>
               </a:solidFill>
-              <a:latin typeface="微软雅黑" pitchFamily="34" charset="-122"/>
-              <a:ea typeface="微软雅黑" pitchFamily="34" charset="-122"/>
+              <a:latin typeface="微软雅黑" panose="020B0503020204020204" pitchFamily="34" charset="-122"/>
+              <a:ea typeface="微软雅黑" panose="020B0503020204020204" pitchFamily="34" charset="-122"/>
             </a:endParaRPr>
           </a:p>
         </p:txBody>
@@ -18001,8 +25813,8 @@
                 <a:solidFill>
                   <a:schemeClr val="tx1"/>
                 </a:solidFill>
-                <a:latin typeface="微软雅黑" pitchFamily="34" charset="-122"/>
-                <a:ea typeface="微软雅黑" pitchFamily="34" charset="-122"/>
+                <a:latin typeface="微软雅黑" panose="020B0503020204020204" pitchFamily="34" charset="-122"/>
+                <a:ea typeface="微软雅黑" panose="020B0503020204020204" pitchFamily="34" charset="-122"/>
               </a:rPr>
               <a:t>传入参数</a:t>
             </a:r>
@@ -18039,10 +25851,16 @@
           <a:p>
             <a:pPr algn="ctr"/>
             <a:r>
-              <a:rPr lang="en-US" altLang="zh-CN" dirty="0"/>
+              <a:rPr lang="en-US" altLang="zh-CN" dirty="0">
+                <a:latin typeface="微软雅黑" panose="020B0503020204020204" pitchFamily="34" charset="-122"/>
+                <a:ea typeface="微软雅黑" panose="020B0503020204020204" pitchFamily="34" charset="-122"/>
+              </a:rPr>
               <a:t>…</a:t>
             </a:r>
-            <a:endParaRPr lang="zh-CN" altLang="en-US" dirty="0"/>
+            <a:endParaRPr lang="zh-CN" altLang="en-US" dirty="0">
+              <a:latin typeface="微软雅黑" panose="020B0503020204020204" pitchFamily="34" charset="-122"/>
+              <a:ea typeface="微软雅黑" panose="020B0503020204020204" pitchFamily="34" charset="-122"/>
+            </a:endParaRPr>
           </a:p>
         </p:txBody>
       </p:sp>
@@ -18077,7 +25895,7 @@
             <a:pPr algn="ctr"/>
             <a:r>
               <a:rPr lang="zh-CN" altLang="en-US" sz="1600" dirty="0">
-                <a:latin typeface="Times New Roman" panose="02020603050405020304" pitchFamily="18" charset="0"/>
+                <a:latin typeface="微软雅黑" panose="020B0503020204020204" pitchFamily="34" charset="-122"/>
                 <a:ea typeface="微软雅黑" panose="020B0503020204020204" pitchFamily="34" charset="-122"/>
                 <a:cs typeface="Times New Roman" panose="02020603050405020304" pitchFamily="18" charset="0"/>
               </a:rPr>
@@ -18130,7 +25948,7 @@
               <a:solidFill>
                 <a:schemeClr val="tx1"/>
               </a:solidFill>
-              <a:latin typeface="微软雅黑" pitchFamily="34" charset="-122"/>
+              <a:latin typeface="微软雅黑" panose="020B0503020204020204" pitchFamily="34" charset="-122"/>
               <a:ea typeface="微软雅黑" panose="020B0503020204020204" pitchFamily="34" charset="-122"/>
             </a:endParaRPr>
           </a:p>
@@ -18209,7 +26027,10 @@
             <a:lstStyle/>
             <a:p>
               <a:pPr algn="ctr"/>
-              <a:endParaRPr lang="zh-CN" altLang="en-US"/>
+              <a:endParaRPr lang="zh-CN" altLang="en-US">
+                <a:latin typeface="微软雅黑" panose="020B0503020204020204" pitchFamily="34" charset="-122"/>
+                <a:ea typeface="微软雅黑" panose="020B0503020204020204" pitchFamily="34" charset="-122"/>
+              </a:endParaRPr>
             </a:p>
           </p:txBody>
         </p:sp>
@@ -18266,7 +26087,10 @@
             <a:lstStyle/>
             <a:p>
               <a:pPr algn="ctr"/>
-              <a:endParaRPr lang="zh-CN" altLang="en-US"/>
+              <a:endParaRPr lang="zh-CN" altLang="en-US">
+                <a:latin typeface="微软雅黑" panose="020B0503020204020204" pitchFamily="34" charset="-122"/>
+                <a:ea typeface="微软雅黑" panose="020B0503020204020204" pitchFamily="34" charset="-122"/>
+              </a:endParaRPr>
             </a:p>
           </p:txBody>
         </p:sp>
@@ -18323,7 +26147,10 @@
             <a:lstStyle/>
             <a:p>
               <a:pPr algn="ctr"/>
-              <a:endParaRPr lang="zh-CN" altLang="en-US"/>
+              <a:endParaRPr lang="zh-CN" altLang="en-US">
+                <a:latin typeface="微软雅黑" panose="020B0503020204020204" pitchFamily="34" charset="-122"/>
+                <a:ea typeface="微软雅黑" panose="020B0503020204020204" pitchFamily="34" charset="-122"/>
+              </a:endParaRPr>
             </a:p>
           </p:txBody>
         </p:sp>
@@ -18359,11 +26186,11 @@
             <a:pPr algn="ctr"/>
             <a:r>
               <a:rPr lang="zh-CN" altLang="en-US" sz="1600" dirty="0">
-                <a:latin typeface="微软雅黑" pitchFamily="34" charset="-122"/>
+                <a:latin typeface="微软雅黑" panose="020B0503020204020204" pitchFamily="34" charset="-122"/>
+                <a:ea typeface="微软雅黑" panose="020B0503020204020204" pitchFamily="34" charset="-122"/>
               </a:rPr>
               <a:t>属性特征向量</a:t>
             </a:r>
-            <a:endParaRPr lang="zh-CN" altLang="en-US" sz="1600" dirty="0"/>
           </a:p>
         </p:txBody>
       </p:sp>
@@ -18411,7 +26238,7 @@
               <a:solidFill>
                 <a:schemeClr val="tx1"/>
               </a:solidFill>
-              <a:latin typeface="微软雅黑" pitchFamily="34" charset="-122"/>
+              <a:latin typeface="微软雅黑" panose="020B0503020204020204" pitchFamily="34" charset="-122"/>
               <a:ea typeface="微软雅黑" panose="020B0503020204020204" pitchFamily="34" charset="-122"/>
             </a:endParaRPr>
           </a:p>
@@ -18490,7 +26317,10 @@
             <a:lstStyle/>
             <a:p>
               <a:pPr algn="ctr"/>
-              <a:endParaRPr lang="zh-CN" altLang="en-US"/>
+              <a:endParaRPr lang="zh-CN" altLang="en-US">
+                <a:latin typeface="微软雅黑" panose="020B0503020204020204" pitchFamily="34" charset="-122"/>
+                <a:ea typeface="微软雅黑" panose="020B0503020204020204" pitchFamily="34" charset="-122"/>
+              </a:endParaRPr>
             </a:p>
           </p:txBody>
         </p:sp>
@@ -18547,7 +26377,10 @@
             <a:lstStyle/>
             <a:p>
               <a:pPr algn="ctr"/>
-              <a:endParaRPr lang="zh-CN" altLang="en-US"/>
+              <a:endParaRPr lang="zh-CN" altLang="en-US">
+                <a:latin typeface="微软雅黑" panose="020B0503020204020204" pitchFamily="34" charset="-122"/>
+                <a:ea typeface="微软雅黑" panose="020B0503020204020204" pitchFamily="34" charset="-122"/>
+              </a:endParaRPr>
             </a:p>
           </p:txBody>
         </p:sp>
@@ -18604,7 +26437,10 @@
             <a:lstStyle/>
             <a:p>
               <a:pPr algn="ctr"/>
-              <a:endParaRPr lang="zh-CN" altLang="en-US"/>
+              <a:endParaRPr lang="zh-CN" altLang="en-US">
+                <a:latin typeface="微软雅黑" panose="020B0503020204020204" pitchFamily="34" charset="-122"/>
+                <a:ea typeface="微软雅黑" panose="020B0503020204020204" pitchFamily="34" charset="-122"/>
+              </a:endParaRPr>
             </a:p>
           </p:txBody>
         </p:sp>
@@ -18640,11 +26476,11 @@
             <a:pPr algn="ctr"/>
             <a:r>
               <a:rPr lang="zh-CN" altLang="en-US" sz="1600" dirty="0">
-                <a:latin typeface="微软雅黑" pitchFamily="34" charset="-122"/>
+                <a:latin typeface="微软雅黑" panose="020B0503020204020204" pitchFamily="34" charset="-122"/>
+                <a:ea typeface="微软雅黑" panose="020B0503020204020204" pitchFamily="34" charset="-122"/>
               </a:rPr>
               <a:t>结构特征向量</a:t>
             </a:r>
-            <a:endParaRPr lang="zh-CN" altLang="en-US" sz="1600" dirty="0"/>
           </a:p>
         </p:txBody>
       </p:sp>
@@ -18692,7 +26528,7 @@
               <a:solidFill>
                 <a:schemeClr val="tx1"/>
               </a:solidFill>
-              <a:latin typeface="微软雅黑" pitchFamily="34" charset="-122"/>
+              <a:latin typeface="微软雅黑" panose="020B0503020204020204" pitchFamily="34" charset="-122"/>
               <a:ea typeface="微软雅黑" panose="020B0503020204020204" pitchFamily="34" charset="-122"/>
             </a:endParaRPr>
           </a:p>
@@ -18771,7 +26607,10 @@
             <a:lstStyle/>
             <a:p>
               <a:pPr algn="ctr"/>
-              <a:endParaRPr lang="zh-CN" altLang="en-US"/>
+              <a:endParaRPr lang="zh-CN" altLang="en-US">
+                <a:latin typeface="微软雅黑" panose="020B0503020204020204" pitchFamily="34" charset="-122"/>
+                <a:ea typeface="微软雅黑" panose="020B0503020204020204" pitchFamily="34" charset="-122"/>
+              </a:endParaRPr>
             </a:p>
           </p:txBody>
         </p:sp>
@@ -18828,7 +26667,10 @@
             <a:lstStyle/>
             <a:p>
               <a:pPr algn="ctr"/>
-              <a:endParaRPr lang="zh-CN" altLang="en-US"/>
+              <a:endParaRPr lang="zh-CN" altLang="en-US">
+                <a:latin typeface="微软雅黑" panose="020B0503020204020204" pitchFamily="34" charset="-122"/>
+                <a:ea typeface="微软雅黑" panose="020B0503020204020204" pitchFamily="34" charset="-122"/>
+              </a:endParaRPr>
             </a:p>
           </p:txBody>
         </p:sp>
@@ -18885,7 +26727,10 @@
             <a:lstStyle/>
             <a:p>
               <a:pPr algn="ctr"/>
-              <a:endParaRPr lang="zh-CN" altLang="en-US"/>
+              <a:endParaRPr lang="zh-CN" altLang="en-US">
+                <a:latin typeface="微软雅黑" panose="020B0503020204020204" pitchFamily="34" charset="-122"/>
+                <a:ea typeface="微软雅黑" panose="020B0503020204020204" pitchFamily="34" charset="-122"/>
+              </a:endParaRPr>
             </a:p>
           </p:txBody>
         </p:sp>
@@ -18921,11 +26766,11 @@
             <a:pPr algn="ctr"/>
             <a:r>
               <a:rPr lang="zh-CN" altLang="en-US" sz="1600" dirty="0">
-                <a:latin typeface="微软雅黑" pitchFamily="34" charset="-122"/>
+                <a:latin typeface="微软雅黑" panose="020B0503020204020204" pitchFamily="34" charset="-122"/>
+                <a:ea typeface="微软雅黑" panose="020B0503020204020204" pitchFamily="34" charset="-122"/>
               </a:rPr>
               <a:t>语义特征向量</a:t>
             </a:r>
-            <a:endParaRPr lang="zh-CN" altLang="en-US" sz="1600" dirty="0"/>
           </a:p>
         </p:txBody>
       </p:sp>
@@ -18971,7 +26816,8 @@
             <a:pPr algn="ctr"/>
             <a:r>
               <a:rPr lang="en-US" altLang="zh-CN" sz="1600" dirty="0">
-                <a:latin typeface="微软雅黑" pitchFamily="34" charset="-122"/>
+                <a:latin typeface="微软雅黑" panose="020B0503020204020204" pitchFamily="34" charset="-122"/>
+                <a:ea typeface="微软雅黑" panose="020B0503020204020204" pitchFamily="34" charset="-122"/>
               </a:rPr>
               <a:t>Tree</a:t>
             </a:r>
@@ -18980,7 +26826,8 @@
             <a:pPr algn="ctr"/>
             <a:r>
               <a:rPr lang="en-US" altLang="zh-CN" sz="1600" dirty="0">
-                <a:latin typeface="微软雅黑" pitchFamily="34" charset="-122"/>
+                <a:latin typeface="微软雅黑" panose="020B0503020204020204" pitchFamily="34" charset="-122"/>
+                <a:ea typeface="微软雅黑" panose="020B0503020204020204" pitchFamily="34" charset="-122"/>
               </a:rPr>
               <a:t>LSTM</a:t>
             </a:r>
@@ -18988,7 +26835,7 @@
               <a:solidFill>
                 <a:schemeClr val="tx1"/>
               </a:solidFill>
-              <a:latin typeface="微软雅黑" pitchFamily="34" charset="-122"/>
+              <a:latin typeface="微软雅黑" panose="020B0503020204020204" pitchFamily="34" charset="-122"/>
               <a:ea typeface="微软雅黑" panose="020B0503020204020204" pitchFamily="34" charset="-122"/>
             </a:endParaRPr>
           </a:p>
@@ -19039,7 +26886,7 @@
                 <a:solidFill>
                   <a:schemeClr val="tx1"/>
                 </a:solidFill>
-                <a:latin typeface="微软雅黑" pitchFamily="34" charset="-122"/>
+                <a:latin typeface="微软雅黑" panose="020B0503020204020204" pitchFamily="34" charset="-122"/>
                 <a:ea typeface="微软雅黑" panose="020B0503020204020204" pitchFamily="34" charset="-122"/>
               </a:rPr>
               <a:t>图卷积神经网络</a:t>
@@ -19088,14 +26935,17 @@
           <a:p>
             <a:pPr algn="ctr"/>
             <a:r>
-              <a:rPr lang="en-US" altLang="zh-CN" sz="1600" dirty="0"/>
+              <a:rPr lang="en-US" altLang="zh-CN" sz="1600" dirty="0">
+                <a:latin typeface="微软雅黑" panose="020B0503020204020204" pitchFamily="34" charset="-122"/>
+                <a:ea typeface="微软雅黑" panose="020B0503020204020204" pitchFamily="34" charset="-122"/>
+              </a:rPr>
               <a:t>Bi LSTM</a:t>
             </a:r>
             <a:endParaRPr lang="zh-CN" altLang="en-US" sz="1600" dirty="0">
               <a:solidFill>
                 <a:schemeClr val="tx1"/>
               </a:solidFill>
-              <a:latin typeface="微软雅黑" pitchFamily="34" charset="-122"/>
+              <a:latin typeface="微软雅黑" panose="020B0503020204020204" pitchFamily="34" charset="-122"/>
               <a:ea typeface="微软雅黑" panose="020B0503020204020204" pitchFamily="34" charset="-122"/>
             </a:endParaRPr>
           </a:p>
@@ -19411,6 +27261,8 @@
               <a:solidFill>
                 <a:schemeClr val="tx1"/>
               </a:solidFill>
+              <a:latin typeface="微软雅黑" panose="020B0503020204020204" pitchFamily="34" charset="-122"/>
+              <a:ea typeface="微软雅黑" panose="020B0503020204020204" pitchFamily="34" charset="-122"/>
             </a:endParaRPr>
           </a:p>
         </p:txBody>
@@ -19469,6 +27321,8 @@
               <a:solidFill>
                 <a:schemeClr val="tx1"/>
               </a:solidFill>
+              <a:latin typeface="微软雅黑" panose="020B0503020204020204" pitchFamily="34" charset="-122"/>
+              <a:ea typeface="微软雅黑" panose="020B0503020204020204" pitchFamily="34" charset="-122"/>
             </a:endParaRPr>
           </a:p>
         </p:txBody>
@@ -19527,6 +27381,8 @@
               <a:solidFill>
                 <a:schemeClr val="tx1"/>
               </a:solidFill>
+              <a:latin typeface="微软雅黑" panose="020B0503020204020204" pitchFamily="34" charset="-122"/>
+              <a:ea typeface="微软雅黑" panose="020B0503020204020204" pitchFamily="34" charset="-122"/>
             </a:endParaRPr>
           </a:p>
         </p:txBody>
@@ -19585,6 +27441,8 @@
               <a:solidFill>
                 <a:schemeClr val="tx1"/>
               </a:solidFill>
+              <a:latin typeface="微软雅黑" panose="020B0503020204020204" pitchFamily="34" charset="-122"/>
+              <a:ea typeface="微软雅黑" panose="020B0503020204020204" pitchFamily="34" charset="-122"/>
             </a:endParaRPr>
           </a:p>
         </p:txBody>
@@ -19643,6 +27501,8 @@
               <a:solidFill>
                 <a:schemeClr val="tx1"/>
               </a:solidFill>
+              <a:latin typeface="微软雅黑" panose="020B0503020204020204" pitchFamily="34" charset="-122"/>
+              <a:ea typeface="微软雅黑" panose="020B0503020204020204" pitchFamily="34" charset="-122"/>
             </a:endParaRPr>
           </a:p>
         </p:txBody>
@@ -19701,6 +27561,8 @@
               <a:solidFill>
                 <a:schemeClr val="tx1"/>
               </a:solidFill>
+              <a:latin typeface="微软雅黑" panose="020B0503020204020204" pitchFamily="34" charset="-122"/>
+              <a:ea typeface="微软雅黑" panose="020B0503020204020204" pitchFamily="34" charset="-122"/>
             </a:endParaRPr>
           </a:p>
         </p:txBody>
@@ -19759,6 +27621,8 @@
               <a:solidFill>
                 <a:schemeClr val="tx1"/>
               </a:solidFill>
+              <a:latin typeface="微软雅黑" panose="020B0503020204020204" pitchFamily="34" charset="-122"/>
+              <a:ea typeface="微软雅黑" panose="020B0503020204020204" pitchFamily="34" charset="-122"/>
             </a:endParaRPr>
           </a:p>
         </p:txBody>
@@ -19817,6 +27681,8 @@
               <a:solidFill>
                 <a:schemeClr val="tx1"/>
               </a:solidFill>
+              <a:latin typeface="微软雅黑" panose="020B0503020204020204" pitchFamily="34" charset="-122"/>
+              <a:ea typeface="微软雅黑" panose="020B0503020204020204" pitchFamily="34" charset="-122"/>
             </a:endParaRPr>
           </a:p>
         </p:txBody>
@@ -19875,12 +27741,14 @@
               <a:solidFill>
                 <a:schemeClr val="tx1"/>
               </a:solidFill>
+              <a:latin typeface="微软雅黑" panose="020B0503020204020204" pitchFamily="34" charset="-122"/>
+              <a:ea typeface="微软雅黑" panose="020B0503020204020204" pitchFamily="34" charset="-122"/>
             </a:endParaRPr>
           </a:p>
         </p:txBody>
       </p:sp>
-      <mc:AlternateContent xmlns:mc="http://schemas.openxmlformats.org/markup-compatibility/2006" xmlns:a14="http://schemas.microsoft.com/office/drawing/2010/main">
-        <mc:Choice Requires="a14">
+      <mc:AlternateContent xmlns:mc="http://schemas.openxmlformats.org/markup-compatibility/2006">
+        <mc:Choice xmlns:a14="http://schemas.microsoft.com/office/drawing/2010/main" Requires="a14">
           <p:sp>
             <p:nvSpPr>
               <p:cNvPr id="257" name="矩形 256">
@@ -19952,12 +27820,15 @@
                     </m:oMath>
                   </m:oMathPara>
                 </a14:m>
-                <a:endParaRPr lang="zh-CN" altLang="en-US" dirty="0"/>
+                <a:endParaRPr lang="zh-CN" altLang="en-US" dirty="0">
+                  <a:latin typeface="微软雅黑" panose="020B0503020204020204" pitchFamily="34" charset="-122"/>
+                  <a:ea typeface="微软雅黑" panose="020B0503020204020204" pitchFamily="34" charset="-122"/>
+                </a:endParaRPr>
               </a:p>
             </p:txBody>
           </p:sp>
         </mc:Choice>
-        <mc:Fallback xmlns="">
+        <mc:Fallback>
           <p:sp>
             <p:nvSpPr>
               <p:cNvPr id="257" name="矩形 256">
@@ -20002,8 +27873,8 @@
           </p:sp>
         </mc:Fallback>
       </mc:AlternateContent>
-      <mc:AlternateContent xmlns:mc="http://schemas.openxmlformats.org/markup-compatibility/2006" xmlns:a14="http://schemas.microsoft.com/office/drawing/2010/main">
-        <mc:Choice Requires="a14">
+      <mc:AlternateContent xmlns:mc="http://schemas.openxmlformats.org/markup-compatibility/2006">
+        <mc:Choice xmlns:a14="http://schemas.microsoft.com/office/drawing/2010/main" Requires="a14">
           <p:sp>
             <p:nvSpPr>
               <p:cNvPr id="258" name="矩形 257">
@@ -20066,12 +27937,15 @@
                     </m:oMath>
                   </m:oMathPara>
                 </a14:m>
-                <a:endParaRPr lang="zh-CN" altLang="en-US" dirty="0"/>
+                <a:endParaRPr lang="zh-CN" altLang="en-US" dirty="0">
+                  <a:latin typeface="微软雅黑" panose="020B0503020204020204" pitchFamily="34" charset="-122"/>
+                  <a:ea typeface="微软雅黑" panose="020B0503020204020204" pitchFamily="34" charset="-122"/>
+                </a:endParaRPr>
               </a:p>
             </p:txBody>
           </p:sp>
         </mc:Choice>
-        <mc:Fallback xmlns="">
+        <mc:Fallback>
           <p:sp>
             <p:nvSpPr>
               <p:cNvPr id="258" name="矩形 257">
@@ -20116,8 +27990,8 @@
           </p:sp>
         </mc:Fallback>
       </mc:AlternateContent>
-      <mc:AlternateContent xmlns:mc="http://schemas.openxmlformats.org/markup-compatibility/2006" xmlns:a14="http://schemas.microsoft.com/office/drawing/2010/main">
-        <mc:Choice Requires="a14">
+      <mc:AlternateContent xmlns:mc="http://schemas.openxmlformats.org/markup-compatibility/2006">
+        <mc:Choice xmlns:a14="http://schemas.microsoft.com/office/drawing/2010/main" Requires="a14">
           <p:sp>
             <p:nvSpPr>
               <p:cNvPr id="259" name="矩形 258">
@@ -20189,12 +28063,15 @@
                     </m:oMath>
                   </m:oMathPara>
                 </a14:m>
-                <a:endParaRPr lang="zh-CN" altLang="en-US" dirty="0"/>
+                <a:endParaRPr lang="zh-CN" altLang="en-US" dirty="0">
+                  <a:latin typeface="微软雅黑" panose="020B0503020204020204" pitchFamily="34" charset="-122"/>
+                  <a:ea typeface="微软雅黑" panose="020B0503020204020204" pitchFamily="34" charset="-122"/>
+                </a:endParaRPr>
               </a:p>
             </p:txBody>
           </p:sp>
         </mc:Choice>
-        <mc:Fallback xmlns="">
+        <mc:Fallback>
           <p:sp>
             <p:nvSpPr>
               <p:cNvPr id="259" name="矩形 258">
@@ -20270,11 +28147,11 @@
             <a:pPr algn="ctr"/>
             <a:r>
               <a:rPr lang="zh-CN" altLang="en-US" sz="1600" dirty="0">
-                <a:latin typeface="微软雅黑" pitchFamily="34" charset="-122"/>
+                <a:latin typeface="微软雅黑" panose="020B0503020204020204" pitchFamily="34" charset="-122"/>
+                <a:ea typeface="微软雅黑" panose="020B0503020204020204" pitchFamily="34" charset="-122"/>
               </a:rPr>
               <a:t>表征模型</a:t>
             </a:r>
-            <a:endParaRPr lang="zh-CN" altLang="en-US" sz="1600" dirty="0"/>
           </a:p>
         </p:txBody>
       </p:sp>
@@ -20309,11 +28186,11 @@
             <a:pPr algn="ctr"/>
             <a:r>
               <a:rPr lang="zh-CN" altLang="en-US" sz="1600" dirty="0">
-                <a:latin typeface="微软雅黑" pitchFamily="34" charset="-122"/>
+                <a:latin typeface="微软雅黑" panose="020B0503020204020204" pitchFamily="34" charset="-122"/>
+                <a:ea typeface="微软雅黑" panose="020B0503020204020204" pitchFamily="34" charset="-122"/>
               </a:rPr>
               <a:t>表征模型</a:t>
             </a:r>
-            <a:endParaRPr lang="zh-CN" altLang="en-US" sz="1600" dirty="0"/>
           </a:p>
         </p:txBody>
       </p:sp>
@@ -20348,11 +28225,11 @@
             <a:pPr algn="ctr"/>
             <a:r>
               <a:rPr lang="zh-CN" altLang="en-US" sz="1600" dirty="0">
-                <a:latin typeface="微软雅黑" pitchFamily="34" charset="-122"/>
+                <a:latin typeface="微软雅黑" panose="020B0503020204020204" pitchFamily="34" charset="-122"/>
+                <a:ea typeface="微软雅黑" panose="020B0503020204020204" pitchFamily="34" charset="-122"/>
               </a:rPr>
               <a:t>表征模型</a:t>
             </a:r>
-            <a:endParaRPr lang="zh-CN" altLang="en-US" sz="1600" dirty="0"/>
           </a:p>
         </p:txBody>
       </p:sp>
@@ -20405,7 +28282,10 @@
           <a:lstStyle/>
           <a:p>
             <a:pPr algn="ctr"/>
-            <a:endParaRPr lang="zh-CN" altLang="en-US"/>
+            <a:endParaRPr lang="zh-CN" altLang="en-US">
+              <a:latin typeface="微软雅黑" panose="020B0503020204020204" pitchFamily="34" charset="-122"/>
+              <a:ea typeface="微软雅黑" panose="020B0503020204020204" pitchFamily="34" charset="-122"/>
+            </a:endParaRPr>
           </a:p>
         </p:txBody>
       </p:sp>
@@ -20458,7 +28338,10 @@
           <a:lstStyle/>
           <a:p>
             <a:pPr algn="ctr"/>
-            <a:endParaRPr lang="zh-CN" altLang="en-US"/>
+            <a:endParaRPr lang="zh-CN" altLang="en-US">
+              <a:latin typeface="微软雅黑" panose="020B0503020204020204" pitchFamily="34" charset="-122"/>
+              <a:ea typeface="微软雅黑" panose="020B0503020204020204" pitchFamily="34" charset="-122"/>
+            </a:endParaRPr>
           </a:p>
         </p:txBody>
       </p:sp>
@@ -20511,7 +28394,10 @@
           <a:lstStyle/>
           <a:p>
             <a:pPr algn="ctr"/>
-            <a:endParaRPr lang="zh-CN" altLang="en-US"/>
+            <a:endParaRPr lang="zh-CN" altLang="en-US">
+              <a:latin typeface="微软雅黑" panose="020B0503020204020204" pitchFamily="34" charset="-122"/>
+              <a:ea typeface="微软雅黑" panose="020B0503020204020204" pitchFamily="34" charset="-122"/>
+            </a:endParaRPr>
           </a:p>
         </p:txBody>
       </p:sp>
@@ -20559,7 +28445,8 @@
           <a:p>
             <a:pPr algn="ctr"/>
             <a:endParaRPr lang="zh-CN" altLang="en-US" sz="1600" dirty="0">
-              <a:latin typeface="微软雅黑" pitchFamily="34" charset="-122"/>
+              <a:latin typeface="微软雅黑" panose="020B0503020204020204" pitchFamily="34" charset="-122"/>
+              <a:ea typeface="微软雅黑" panose="020B0503020204020204" pitchFamily="34" charset="-122"/>
             </a:endParaRPr>
           </a:p>
         </p:txBody>
@@ -20604,14 +28491,18 @@
           <a:p>
             <a:pPr algn="ctr"/>
             <a:r>
-              <a:rPr lang="zh-CN" altLang="en-US" sz="1400" dirty="0"/>
+              <a:rPr lang="zh-CN" altLang="en-US" sz="1400" dirty="0">
+                <a:latin typeface="微软雅黑" panose="020B0503020204020204" pitchFamily="34" charset="-122"/>
+                <a:ea typeface="微软雅黑" panose="020B0503020204020204" pitchFamily="34" charset="-122"/>
+              </a:rPr>
               <a:t>相邻单元</a:t>
             </a:r>
             <a:endParaRPr lang="zh-CN" altLang="en-US" sz="1400" dirty="0">
               <a:solidFill>
                 <a:schemeClr val="tx1"/>
               </a:solidFill>
-              <a:latin typeface="微软雅黑" pitchFamily="34" charset="-122"/>
+              <a:latin typeface="微软雅黑" panose="020B0503020204020204" pitchFamily="34" charset="-122"/>
+              <a:ea typeface="微软雅黑" panose="020B0503020204020204" pitchFamily="34" charset="-122"/>
             </a:endParaRPr>
           </a:p>
         </p:txBody>
@@ -20660,8 +28551,8 @@
                 <a:solidFill>
                   <a:schemeClr val="tx1"/>
                 </a:solidFill>
-                <a:latin typeface="微软雅黑" pitchFamily="34" charset="-122"/>
-                <a:ea typeface="微软雅黑" pitchFamily="34" charset="-122"/>
+                <a:latin typeface="微软雅黑" panose="020B0503020204020204" pitchFamily="34" charset="-122"/>
+                <a:ea typeface="微软雅黑" panose="020B0503020204020204" pitchFamily="34" charset="-122"/>
               </a:rPr>
               <a:t>迭代</a:t>
             </a:r>
@@ -20712,8 +28603,8 @@
                 <a:solidFill>
                   <a:schemeClr val="tx1"/>
                 </a:solidFill>
-                <a:latin typeface="微软雅黑" pitchFamily="34" charset="-122"/>
-                <a:ea typeface="微软雅黑" pitchFamily="34" charset="-122"/>
+                <a:latin typeface="微软雅黑" panose="020B0503020204020204" pitchFamily="34" charset="-122"/>
+                <a:ea typeface="微软雅黑" panose="020B0503020204020204" pitchFamily="34" charset="-122"/>
               </a:rPr>
               <a:t>更新</a:t>
             </a:r>
@@ -20721,8 +28612,8 @@
               <a:solidFill>
                 <a:schemeClr val="tx1"/>
               </a:solidFill>
-              <a:latin typeface="微软雅黑" pitchFamily="34" charset="-122"/>
-              <a:ea typeface="微软雅黑" pitchFamily="34" charset="-122"/>
+              <a:latin typeface="微软雅黑" panose="020B0503020204020204" pitchFamily="34" charset="-122"/>
+              <a:ea typeface="微软雅黑" panose="020B0503020204020204" pitchFamily="34" charset="-122"/>
             </a:endParaRPr>
           </a:p>
           <a:p>
@@ -20732,8 +28623,8 @@
                 <a:solidFill>
                   <a:schemeClr val="tx1"/>
                 </a:solidFill>
-                <a:latin typeface="微软雅黑" pitchFamily="34" charset="-122"/>
-                <a:ea typeface="微软雅黑" pitchFamily="34" charset="-122"/>
+                <a:latin typeface="微软雅黑" panose="020B0503020204020204" pitchFamily="34" charset="-122"/>
+                <a:ea typeface="微软雅黑" panose="020B0503020204020204" pitchFamily="34" charset="-122"/>
               </a:rPr>
               <a:t>词汇表</a:t>
             </a:r>
@@ -20784,8 +28675,8 @@
                 <a:solidFill>
                   <a:schemeClr val="tx1"/>
                 </a:solidFill>
-                <a:latin typeface="微软雅黑" pitchFamily="34" charset="-122"/>
-                <a:ea typeface="微软雅黑" pitchFamily="34" charset="-122"/>
+                <a:latin typeface="微软雅黑" panose="020B0503020204020204" pitchFamily="34" charset="-122"/>
+                <a:ea typeface="微软雅黑" panose="020B0503020204020204" pitchFamily="34" charset="-122"/>
               </a:rPr>
               <a:t>计算</a:t>
             </a:r>
@@ -20793,8 +28684,8 @@
               <a:solidFill>
                 <a:schemeClr val="tx1"/>
               </a:solidFill>
-              <a:latin typeface="微软雅黑" pitchFamily="34" charset="-122"/>
-              <a:ea typeface="微软雅黑" pitchFamily="34" charset="-122"/>
+              <a:latin typeface="微软雅黑" panose="020B0503020204020204" pitchFamily="34" charset="-122"/>
+              <a:ea typeface="微软雅黑" panose="020B0503020204020204" pitchFamily="34" charset="-122"/>
             </a:endParaRPr>
           </a:p>
           <a:p>
@@ -20804,8 +28695,8 @@
                 <a:solidFill>
                   <a:schemeClr val="tx1"/>
                 </a:solidFill>
-                <a:latin typeface="微软雅黑" pitchFamily="34" charset="-122"/>
-                <a:ea typeface="微软雅黑" pitchFamily="34" charset="-122"/>
+                <a:latin typeface="微软雅黑" panose="020B0503020204020204" pitchFamily="34" charset="-122"/>
+                <a:ea typeface="微软雅黑" panose="020B0503020204020204" pitchFamily="34" charset="-122"/>
               </a:rPr>
               <a:t>频率</a:t>
             </a:r>

--- a/graduate-thesis/figures/ppt.pptx
+++ b/graduate-thesis/figures/ppt.pptx
@@ -5,22 +5,21 @@
     <p:sldMasterId id="2147483648" r:id="rId1"/>
   </p:sldMasterIdLst>
   <p:notesMasterIdLst>
-    <p:notesMasterId r:id="rId15"/>
+    <p:notesMasterId r:id="rId14"/>
   </p:notesMasterIdLst>
   <p:sldIdLst>
-    <p:sldId id="258" r:id="rId2"/>
-    <p:sldId id="268" r:id="rId3"/>
-    <p:sldId id="259" r:id="rId4"/>
-    <p:sldId id="269" r:id="rId5"/>
-    <p:sldId id="261" r:id="rId6"/>
-    <p:sldId id="256" r:id="rId7"/>
-    <p:sldId id="262" r:id="rId8"/>
-    <p:sldId id="257" r:id="rId9"/>
-    <p:sldId id="263" r:id="rId10"/>
-    <p:sldId id="264" r:id="rId11"/>
-    <p:sldId id="265" r:id="rId12"/>
-    <p:sldId id="266" r:id="rId13"/>
-    <p:sldId id="267" r:id="rId14"/>
+    <p:sldId id="268" r:id="rId2"/>
+    <p:sldId id="269" r:id="rId3"/>
+    <p:sldId id="270" r:id="rId4"/>
+    <p:sldId id="261" r:id="rId5"/>
+    <p:sldId id="256" r:id="rId6"/>
+    <p:sldId id="262" r:id="rId7"/>
+    <p:sldId id="257" r:id="rId8"/>
+    <p:sldId id="263" r:id="rId9"/>
+    <p:sldId id="264" r:id="rId10"/>
+    <p:sldId id="265" r:id="rId11"/>
+    <p:sldId id="266" r:id="rId12"/>
+    <p:sldId id="267" r:id="rId13"/>
   </p:sldIdLst>
   <p:sldSz cx="12192000" cy="6858000"/>
   <p:notesSz cx="6858000" cy="9144000"/>
@@ -167,9 +166,7 @@
               <a:srgbClr val="136783"/>
             </a:solidFill>
             <a:ln>
-              <a:solidFill>
-                <a:srgbClr val="136783"/>
-              </a:solidFill>
+              <a:noFill/>
             </a:ln>
             <a:effectLst/>
           </c:spPr>
@@ -189,7 +186,7 @@
               <a:lstStyle/>
               <a:p>
                 <a:pPr>
-                  <a:defRPr sz="1000" b="0" i="0" u="none" strike="noStrike" kern="1200" baseline="0">
+                  <a:defRPr sz="900" b="0" i="0" u="none" strike="noStrike" kern="1200" baseline="0">
                     <a:solidFill>
                       <a:schemeClr val="tx1">
                         <a:lumMod val="75000"/>
@@ -234,10 +231,10 @@
           </c:dLbls>
           <c:cat>
             <c:numRef>
-              <c:f>Sheet1!$A$2:$A$6</c:f>
+              <c:f>Sheet1!$A$2:$A$7</c:f>
               <c:numCache>
                 <c:formatCode>General</c:formatCode>
-                <c:ptCount val="5"/>
+                <c:ptCount val="6"/>
                 <c:pt idx="0">
                   <c:v>2018</c:v>
                 </c:pt>
@@ -253,15 +250,18 @@
                 <c:pt idx="4">
                   <c:v>2022</c:v>
                 </c:pt>
+                <c:pt idx="5">
+                  <c:v>2023</c:v>
+                </c:pt>
               </c:numCache>
             </c:numRef>
           </c:cat>
           <c:val>
             <c:numRef>
-              <c:f>Sheet1!$B$2:$B$6</c:f>
+              <c:f>Sheet1!$B$2:$B$7</c:f>
               <c:numCache>
                 <c:formatCode>General</c:formatCode>
-                <c:ptCount val="5"/>
+                <c:ptCount val="6"/>
                 <c:pt idx="0">
                   <c:v>92</c:v>
                 </c:pt>
@@ -277,12 +277,15 @@
                 <c:pt idx="4">
                   <c:v>98</c:v>
                 </c:pt>
+                <c:pt idx="5">
+                  <c:v>96</c:v>
+                </c:pt>
               </c:numCache>
             </c:numRef>
           </c:val>
           <c:extLst>
             <c:ext xmlns:c16="http://schemas.microsoft.com/office/drawing/2014/chart" uri="{C3380CC4-5D6E-409C-BE32-E72D297353CC}">
-              <c16:uniqueId val="{00000000-EED4-42F0-A1D5-6D1DED853535}"/>
+              <c16:uniqueId val="{00000000-D807-496B-B621-2B45E5B21266}"/>
             </c:ext>
           </c:extLst>
         </c:ser>
@@ -305,9 +308,7 @@
               <a:srgbClr val="219EBC"/>
             </a:solidFill>
             <a:ln>
-              <a:solidFill>
-                <a:srgbClr val="219EBC"/>
-              </a:solidFill>
+              <a:noFill/>
             </a:ln>
             <a:effectLst/>
           </c:spPr>
@@ -327,7 +328,7 @@
               <a:lstStyle/>
               <a:p>
                 <a:pPr>
-                  <a:defRPr sz="1000" b="0" i="0" u="none" strike="noStrike" kern="1200" baseline="0">
+                  <a:defRPr sz="900" b="0" i="0" u="none" strike="noStrike" kern="1200" baseline="0">
                     <a:solidFill>
                       <a:schemeClr val="tx1">
                         <a:lumMod val="75000"/>
@@ -372,10 +373,10 @@
           </c:dLbls>
           <c:cat>
             <c:numRef>
-              <c:f>Sheet1!$A$2:$A$6</c:f>
+              <c:f>Sheet1!$A$2:$A$7</c:f>
               <c:numCache>
                 <c:formatCode>General</c:formatCode>
-                <c:ptCount val="5"/>
+                <c:ptCount val="6"/>
                 <c:pt idx="0">
                   <c:v>2018</c:v>
                 </c:pt>
@@ -391,15 +392,18 @@
                 <c:pt idx="4">
                   <c:v>2022</c:v>
                 </c:pt>
+                <c:pt idx="5">
+                  <c:v>2023</c:v>
+                </c:pt>
               </c:numCache>
             </c:numRef>
           </c:cat>
           <c:val>
             <c:numRef>
-              <c:f>Sheet1!$C$2:$C$6</c:f>
+              <c:f>Sheet1!$C$2:$C$7</c:f>
               <c:numCache>
                 <c:formatCode>General</c:formatCode>
-                <c:ptCount val="5"/>
+                <c:ptCount val="6"/>
                 <c:pt idx="0">
                   <c:v>60</c:v>
                 </c:pt>
@@ -415,12 +419,15 @@
                 <c:pt idx="4">
                   <c:v>84</c:v>
                 </c:pt>
+                <c:pt idx="5">
+                  <c:v>84</c:v>
+                </c:pt>
               </c:numCache>
             </c:numRef>
           </c:val>
           <c:extLst>
             <c:ext xmlns:c16="http://schemas.microsoft.com/office/drawing/2014/chart" uri="{C3380CC4-5D6E-409C-BE32-E72D297353CC}">
-              <c16:uniqueId val="{00000001-EED4-42F0-A1D5-6D1DED853535}"/>
+              <c16:uniqueId val="{00000001-D807-496B-B621-2B45E5B21266}"/>
             </c:ext>
           </c:extLst>
         </c:ser>
@@ -443,9 +450,7 @@
               <a:srgbClr val="90C9E7"/>
             </a:solidFill>
             <a:ln>
-              <a:solidFill>
-                <a:srgbClr val="90C9E7"/>
-              </a:solidFill>
+              <a:noFill/>
             </a:ln>
             <a:effectLst/>
           </c:spPr>
@@ -465,7 +470,7 @@
               <a:lstStyle/>
               <a:p>
                 <a:pPr>
-                  <a:defRPr sz="1000" b="0" i="0" u="none" strike="noStrike" kern="1200" baseline="0">
+                  <a:defRPr sz="900" b="0" i="0" u="none" strike="noStrike" kern="1200" baseline="0">
                     <a:solidFill>
                       <a:schemeClr val="tx1">
                         <a:lumMod val="75000"/>
@@ -510,10 +515,10 @@
           </c:dLbls>
           <c:cat>
             <c:numRef>
-              <c:f>Sheet1!$A$2:$A$6</c:f>
+              <c:f>Sheet1!$A$2:$A$7</c:f>
               <c:numCache>
                 <c:formatCode>General</c:formatCode>
-                <c:ptCount val="5"/>
+                <c:ptCount val="6"/>
                 <c:pt idx="0">
                   <c:v>2018</c:v>
                 </c:pt>
@@ -529,15 +534,18 @@
                 <c:pt idx="4">
                   <c:v>2022</c:v>
                 </c:pt>
+                <c:pt idx="5">
+                  <c:v>2023</c:v>
+                </c:pt>
               </c:numCache>
             </c:numRef>
           </c:cat>
           <c:val>
             <c:numRef>
-              <c:f>Sheet1!$D$2:$D$6</c:f>
+              <c:f>Sheet1!$D$2:$D$7</c:f>
               <c:numCache>
                 <c:formatCode>General</c:formatCode>
-                <c:ptCount val="5"/>
+                <c:ptCount val="6"/>
                 <c:pt idx="0">
                   <c:v>40</c:v>
                 </c:pt>
@@ -553,12 +561,15 @@
                 <c:pt idx="4">
                   <c:v>48</c:v>
                 </c:pt>
+                <c:pt idx="5">
+                  <c:v>74</c:v>
+                </c:pt>
               </c:numCache>
             </c:numRef>
           </c:val>
           <c:extLst>
             <c:ext xmlns:c16="http://schemas.microsoft.com/office/drawing/2014/chart" uri="{C3380CC4-5D6E-409C-BE32-E72D297353CC}">
-              <c16:uniqueId val="{00000002-EED4-42F0-A1D5-6D1DED853535}"/>
+              <c16:uniqueId val="{00000002-D807-496B-B621-2B45E5B21266}"/>
             </c:ext>
           </c:extLst>
         </c:ser>
@@ -572,8 +583,8 @@
         </c:dLbls>
         <c:gapWidth val="219"/>
         <c:overlap val="-27"/>
-        <c:axId val="2046203407"/>
-        <c:axId val="104791231"/>
+        <c:axId val="1439074991"/>
+        <c:axId val="1439072591"/>
         <c:extLst>
           <c:ext xmlns:c15="http://schemas.microsoft.com/office/drawing/2012/chart" uri="{02D57815-91ED-43cb-92C2-25804820EDAC}">
             <c15:filteredBarSeries>
@@ -612,13 +623,13 @@
                     <c:extLst>
                       <c:ext uri="{02D57815-91ED-43cb-92C2-25804820EDAC}">
                         <c15:formulaRef>
-                          <c15:sqref>Sheet1!$A$2:$A$6</c15:sqref>
+                          <c15:sqref>Sheet1!$A$2:$A$7</c15:sqref>
                         </c15:formulaRef>
                       </c:ext>
                     </c:extLst>
                     <c:numCache>
                       <c:formatCode>General</c:formatCode>
-                      <c:ptCount val="5"/>
+                      <c:ptCount val="6"/>
                       <c:pt idx="0">
                         <c:v>2018</c:v>
                       </c:pt>
@@ -634,6 +645,9 @@
                       <c:pt idx="4">
                         <c:v>2022</c:v>
                       </c:pt>
+                      <c:pt idx="5">
+                        <c:v>2023</c:v>
+                      </c:pt>
                     </c:numCache>
                   </c:numRef>
                 </c:cat>
@@ -642,13 +656,13 @@
                     <c:extLst>
                       <c:ext uri="{02D57815-91ED-43cb-92C2-25804820EDAC}">
                         <c15:formulaRef>
-                          <c15:sqref>Sheet1!$A$2:$A$6</c15:sqref>
+                          <c15:sqref>Sheet1!$A$2:$A$7</c15:sqref>
                         </c15:formulaRef>
                       </c:ext>
                     </c:extLst>
                     <c:numCache>
                       <c:formatCode>General</c:formatCode>
-                      <c:ptCount val="5"/>
+                      <c:ptCount val="6"/>
                       <c:pt idx="0">
                         <c:v>2018</c:v>
                       </c:pt>
@@ -664,12 +678,15 @@
                       <c:pt idx="4">
                         <c:v>2022</c:v>
                       </c:pt>
+                      <c:pt idx="5">
+                        <c:v>2023</c:v>
+                      </c:pt>
                     </c:numCache>
                   </c:numRef>
                 </c:val>
                 <c:extLst>
                   <c:ext xmlns:c16="http://schemas.microsoft.com/office/drawing/2014/chart" uri="{C3380CC4-5D6E-409C-BE32-E72D297353CC}">
-                    <c16:uniqueId val="{00000003-EED4-42F0-A1D5-6D1DED853535}"/>
+                    <c16:uniqueId val="{00000003-D807-496B-B621-2B45E5B21266}"/>
                   </c:ext>
                 </c:extLst>
               </c15:ser>
@@ -678,21 +695,93 @@
         </c:extLst>
       </c:barChart>
       <c:catAx>
-        <c:axId val="2046203407"/>
+        <c:axId val="1439074991"/>
         <c:scaling>
           <c:orientation val="minMax"/>
         </c:scaling>
         <c:delete val="0"/>
         <c:axPos val="b"/>
-        <c:numFmt formatCode="General" sourceLinked="0"/>
+        <c:title>
+          <c:tx>
+            <c:rich>
+              <a:bodyPr rot="0" spcFirstLastPara="1" vertOverflow="ellipsis" vert="horz" wrap="square" anchor="ctr" anchorCtr="1"/>
+              <a:lstStyle/>
+              <a:p>
+                <a:pPr>
+                  <a:defRPr sz="1200" b="0" i="0" u="none" strike="noStrike" kern="1200" baseline="0">
+                    <a:solidFill>
+                      <a:schemeClr val="tx1"/>
+                    </a:solidFill>
+                    <a:latin typeface="微软雅黑" panose="020B0503020204020204" pitchFamily="34" charset="-122"/>
+                    <a:ea typeface="微软雅黑" panose="020B0503020204020204" pitchFamily="34" charset="-122"/>
+                    <a:cs typeface="+mn-cs"/>
+                  </a:defRPr>
+                </a:pPr>
+                <a:r>
+                  <a:rPr lang="en-US" altLang="zh-CN" sz="1200" b="0" dirty="0">
+                    <a:solidFill>
+                      <a:schemeClr val="tx1"/>
+                    </a:solidFill>
+                    <a:latin typeface="Times New Roman" panose="02020603050405020304" pitchFamily="18" charset="0"/>
+                    <a:cs typeface="Times New Roman" panose="02020603050405020304" pitchFamily="18" charset="0"/>
+                  </a:rPr>
+                  <a:t>Years</a:t>
+                </a:r>
+                <a:endParaRPr lang="zh-CN" altLang="en-US" sz="1200" b="0" dirty="0">
+                  <a:solidFill>
+                    <a:schemeClr val="tx1"/>
+                  </a:solidFill>
+                  <a:latin typeface="Times New Roman" panose="02020603050405020304" pitchFamily="18" charset="0"/>
+                  <a:cs typeface="Times New Roman" panose="02020603050405020304" pitchFamily="18" charset="0"/>
+                </a:endParaRPr>
+              </a:p>
+            </c:rich>
+          </c:tx>
+          <c:layout>
+            <c:manualLayout>
+              <c:xMode val="edge"/>
+              <c:yMode val="edge"/>
+              <c:x val="0.95072651462965263"/>
+              <c:y val="0.78400458475082613"/>
+            </c:manualLayout>
+          </c:layout>
+          <c:overlay val="0"/>
+          <c:spPr>
+            <a:noFill/>
+            <a:ln>
+              <a:noFill/>
+            </a:ln>
+            <a:effectLst/>
+          </c:spPr>
+          <c:txPr>
+            <a:bodyPr rot="0" spcFirstLastPara="1" vertOverflow="ellipsis" vert="horz" wrap="square" anchor="ctr" anchorCtr="1"/>
+            <a:lstStyle/>
+            <a:p>
+              <a:pPr>
+                <a:defRPr sz="1200" b="0" i="0" u="none" strike="noStrike" kern="1200" baseline="0">
+                  <a:solidFill>
+                    <a:schemeClr val="tx1"/>
+                  </a:solidFill>
+                  <a:latin typeface="微软雅黑" panose="020B0503020204020204" pitchFamily="34" charset="-122"/>
+                  <a:ea typeface="微软雅黑" panose="020B0503020204020204" pitchFamily="34" charset="-122"/>
+                  <a:cs typeface="+mn-cs"/>
+                </a:defRPr>
+              </a:pPr>
+              <a:endParaRPr lang="zh-CN"/>
+            </a:p>
+          </c:txPr>
+        </c:title>
+        <c:numFmt formatCode="General" sourceLinked="1"/>
         <c:majorTickMark val="in"/>
         <c:minorTickMark val="none"/>
         <c:tickLblPos val="nextTo"/>
         <c:spPr>
           <a:noFill/>
-          <a:ln w="12700" cap="flat" cmpd="sng" algn="ctr">
+          <a:ln w="9525" cap="flat" cmpd="sng" algn="ctr">
             <a:solidFill>
-              <a:schemeClr val="tx1"/>
+              <a:schemeClr val="tx1">
+                <a:alpha val="99000"/>
+              </a:schemeClr>
             </a:solidFill>
             <a:round/>
           </a:ln>
@@ -703,12 +792,9 @@
           <a:lstStyle/>
           <a:p>
             <a:pPr>
-              <a:defRPr sz="1200" b="1" i="0" u="none" strike="noStrike" kern="1200" baseline="0">
+              <a:defRPr sz="1100" b="1" i="0" u="none" strike="noStrike" kern="1200" baseline="0">
                 <a:solidFill>
-                  <a:schemeClr val="tx1">
-                    <a:lumMod val="65000"/>
-                    <a:lumOff val="35000"/>
-                  </a:schemeClr>
+                  <a:schemeClr val="tx1"/>
                 </a:solidFill>
                 <a:latin typeface="微软雅黑" panose="020B0503020204020204" pitchFamily="34" charset="-122"/>
                 <a:ea typeface="微软雅黑" panose="020B0503020204020204" pitchFamily="34" charset="-122"/>
@@ -718,7 +804,7 @@
             <a:endParaRPr lang="zh-CN"/>
           </a:p>
         </c:txPr>
-        <c:crossAx val="104791231"/>
+        <c:crossAx val="1439072591"/>
         <c:crosses val="autoZero"/>
         <c:auto val="1"/>
         <c:lblAlgn val="ctr"/>
@@ -726,7 +812,7 @@
         <c:noMultiLvlLbl val="0"/>
       </c:catAx>
       <c:valAx>
-        <c:axId val="104791231"/>
+        <c:axId val="1439072591"/>
         <c:scaling>
           <c:orientation val="minMax"/>
           <c:max val="100"/>
@@ -742,19 +828,85 @@
             <a:effectLst/>
           </c:spPr>
         </c:majorGridlines>
+        <c:title>
+          <c:tx>
+            <c:rich>
+              <a:bodyPr rot="-5400000" spcFirstLastPara="1" vertOverflow="ellipsis" vert="horz" wrap="square" anchor="ctr" anchorCtr="1"/>
+              <a:lstStyle/>
+              <a:p>
+                <a:pPr>
+                  <a:defRPr sz="1200" b="0" i="0" u="none" strike="noStrike" kern="1200" baseline="0">
+                    <a:solidFill>
+                      <a:schemeClr val="tx1"/>
+                    </a:solidFill>
+                    <a:latin typeface="Times New Roman" panose="02020603050405020304" pitchFamily="18" charset="0"/>
+                    <a:ea typeface="微软雅黑" panose="020B0503020204020204" pitchFamily="34" charset="-122"/>
+                    <a:cs typeface="Times New Roman" panose="02020603050405020304" pitchFamily="18" charset="0"/>
+                  </a:defRPr>
+                </a:pPr>
+                <a:r>
+                  <a:rPr lang="en-US" altLang="zh-CN" sz="1200" b="0" dirty="0">
+                    <a:solidFill>
+                      <a:schemeClr val="tx1"/>
+                    </a:solidFill>
+                    <a:latin typeface="Times New Roman" panose="02020603050405020304" pitchFamily="18" charset="0"/>
+                    <a:cs typeface="Times New Roman" panose="02020603050405020304" pitchFamily="18" charset="0"/>
+                  </a:rPr>
+                  <a:t>Percentage</a:t>
+                </a:r>
+                <a:endParaRPr lang="zh-CN" altLang="en-US" sz="1200" b="0" dirty="0">
+                  <a:solidFill>
+                    <a:schemeClr val="tx1"/>
+                  </a:solidFill>
+                  <a:latin typeface="Times New Roman" panose="02020603050405020304" pitchFamily="18" charset="0"/>
+                  <a:cs typeface="Times New Roman" panose="02020603050405020304" pitchFamily="18" charset="0"/>
+                </a:endParaRPr>
+              </a:p>
+            </c:rich>
+          </c:tx>
+          <c:layout>
+            <c:manualLayout>
+              <c:xMode val="edge"/>
+              <c:yMode val="edge"/>
+              <c:x val="1.2121212121212121E-2"/>
+              <c:y val="2.9405530027397805E-2"/>
+            </c:manualLayout>
+          </c:layout>
+          <c:overlay val="0"/>
+          <c:spPr>
+            <a:noFill/>
+            <a:ln>
+              <a:noFill/>
+            </a:ln>
+            <a:effectLst/>
+          </c:spPr>
+          <c:txPr>
+            <a:bodyPr rot="-5400000" spcFirstLastPara="1" vertOverflow="ellipsis" vert="horz" wrap="square" anchor="ctr" anchorCtr="1"/>
+            <a:lstStyle/>
+            <a:p>
+              <a:pPr>
+                <a:defRPr sz="1200" b="0" i="0" u="none" strike="noStrike" kern="1200" baseline="0">
+                  <a:solidFill>
+                    <a:schemeClr val="tx1"/>
+                  </a:solidFill>
+                  <a:latin typeface="Times New Roman" panose="02020603050405020304" pitchFamily="18" charset="0"/>
+                  <a:ea typeface="微软雅黑" panose="020B0503020204020204" pitchFamily="34" charset="-122"/>
+                  <a:cs typeface="Times New Roman" panose="02020603050405020304" pitchFamily="18" charset="0"/>
+                </a:defRPr>
+              </a:pPr>
+              <a:endParaRPr lang="zh-CN"/>
+            </a:p>
+          </c:txPr>
+        </c:title>
         <c:numFmt formatCode="General" sourceLinked="1"/>
         <c:majorTickMark val="in"/>
         <c:minorTickMark val="none"/>
         <c:tickLblPos val="nextTo"/>
         <c:spPr>
-          <a:solidFill>
-            <a:schemeClr val="bg1"/>
-          </a:solidFill>
-          <a:ln w="12700">
+          <a:noFill/>
+          <a:ln>
             <a:solidFill>
-              <a:schemeClr val="tx1">
-                <a:alpha val="98000"/>
-              </a:schemeClr>
+              <a:schemeClr val="tx1"/>
             </a:solidFill>
           </a:ln>
           <a:effectLst/>
@@ -764,12 +916,9 @@
           <a:lstStyle/>
           <a:p>
             <a:pPr>
-              <a:defRPr sz="1200" b="1" i="0" u="none" strike="noStrike" kern="1200" baseline="0">
+              <a:defRPr sz="1050" b="1" i="0" u="none" strike="noStrike" kern="1200" baseline="0">
                 <a:solidFill>
-                  <a:schemeClr val="tx1">
-                    <a:lumMod val="65000"/>
-                    <a:lumOff val="35000"/>
-                  </a:schemeClr>
+                  <a:schemeClr val="tx1"/>
                 </a:solidFill>
                 <a:latin typeface="微软雅黑" panose="020B0503020204020204" pitchFamily="34" charset="-122"/>
                 <a:ea typeface="微软雅黑" panose="020B0503020204020204" pitchFamily="34" charset="-122"/>
@@ -779,7 +928,7 @@
             <a:endParaRPr lang="zh-CN"/>
           </a:p>
         </c:txPr>
-        <c:crossAx val="2046203407"/>
+        <c:crossAx val="1439074991"/>
         <c:crosses val="autoZero"/>
         <c:crossBetween val="between"/>
         <c:majorUnit val="20"/>
@@ -794,75 +943,16 @@
     </c:plotArea>
     <c:legend>
       <c:legendPos val="b"/>
-      <c:legendEntry>
-        <c:idx val="0"/>
-        <c:txPr>
-          <a:bodyPr rot="0" spcFirstLastPara="1" vertOverflow="ellipsis" vert="horz" wrap="square" anchor="ctr" anchorCtr="1"/>
-          <a:lstStyle/>
-          <a:p>
-            <a:pPr>
-              <a:defRPr sz="1200" b="1" i="0" u="none" strike="noStrike" kern="1200" baseline="0">
-                <a:solidFill>
-                  <a:schemeClr val="tx1">
-                    <a:lumMod val="65000"/>
-                    <a:lumOff val="35000"/>
-                  </a:schemeClr>
-                </a:solidFill>
-                <a:latin typeface="微软雅黑" panose="020B0503020204020204" pitchFamily="34" charset="-122"/>
-                <a:ea typeface="微软雅黑" panose="020B0503020204020204" pitchFamily="34" charset="-122"/>
-                <a:cs typeface="+mn-cs"/>
-              </a:defRPr>
-            </a:pPr>
-            <a:endParaRPr lang="zh-CN"/>
-          </a:p>
-        </c:txPr>
-      </c:legendEntry>
-      <c:legendEntry>
-        <c:idx val="1"/>
-        <c:txPr>
-          <a:bodyPr rot="0" spcFirstLastPara="1" vertOverflow="ellipsis" vert="horz" wrap="square" anchor="ctr" anchorCtr="1"/>
-          <a:lstStyle/>
-          <a:p>
-            <a:pPr>
-              <a:defRPr sz="1200" b="1" i="0" u="none" strike="noStrike" kern="1200" baseline="0">
-                <a:solidFill>
-                  <a:schemeClr val="tx1">
-                    <a:lumMod val="65000"/>
-                    <a:lumOff val="35000"/>
-                  </a:schemeClr>
-                </a:solidFill>
-                <a:latin typeface="微软雅黑" panose="020B0503020204020204" pitchFamily="34" charset="-122"/>
-                <a:ea typeface="微软雅黑" panose="020B0503020204020204" pitchFamily="34" charset="-122"/>
-                <a:cs typeface="+mn-cs"/>
-              </a:defRPr>
-            </a:pPr>
-            <a:endParaRPr lang="zh-CN"/>
-          </a:p>
-        </c:txPr>
-      </c:legendEntry>
-      <c:legendEntry>
-        <c:idx val="2"/>
-        <c:txPr>
-          <a:bodyPr rot="0" spcFirstLastPara="1" vertOverflow="ellipsis" vert="horz" wrap="square" anchor="ctr" anchorCtr="1"/>
-          <a:lstStyle/>
-          <a:p>
-            <a:pPr>
-              <a:defRPr sz="1200" b="1" i="0" u="none" strike="noStrike" kern="1200" baseline="0">
-                <a:solidFill>
-                  <a:schemeClr val="tx1">
-                    <a:lumMod val="65000"/>
-                    <a:lumOff val="35000"/>
-                  </a:schemeClr>
-                </a:solidFill>
-                <a:latin typeface="微软雅黑" panose="020B0503020204020204" pitchFamily="34" charset="-122"/>
-                <a:ea typeface="微软雅黑" panose="020B0503020204020204" pitchFamily="34" charset="-122"/>
-                <a:cs typeface="+mn-cs"/>
-              </a:defRPr>
-            </a:pPr>
-            <a:endParaRPr lang="zh-CN"/>
-          </a:p>
-        </c:txPr>
-      </c:legendEntry>
+      <c:layout>
+        <c:manualLayout>
+          <c:xMode val="edge"/>
+          <c:yMode val="edge"/>
+          <c:x val="7.850793653992362E-2"/>
+          <c:y val="0.87976308056236363"/>
+          <c:w val="0.9"/>
+          <c:h val="6.0676428959342228E-2"/>
+        </c:manualLayout>
+      </c:layout>
       <c:overlay val="0"/>
       <c:spPr>
         <a:noFill/>
@@ -876,12 +966,941 @@
         <a:lstStyle/>
         <a:p>
           <a:pPr>
-            <a:defRPr sz="1200" b="0" i="0" u="none" strike="noStrike" kern="1200" baseline="0">
+            <a:defRPr sz="1200" b="1" i="0" u="none" strike="noStrike" kern="1200" baseline="0">
               <a:solidFill>
-                <a:schemeClr val="tx1">
-                  <a:lumMod val="65000"/>
-                  <a:lumOff val="35000"/>
-                </a:schemeClr>
+                <a:schemeClr val="tx1"/>
+              </a:solidFill>
+              <a:latin typeface="微软雅黑" panose="020B0503020204020204" pitchFamily="34" charset="-122"/>
+              <a:ea typeface="微软雅黑" panose="020B0503020204020204" pitchFamily="34" charset="-122"/>
+              <a:cs typeface="+mn-cs"/>
+            </a:defRPr>
+          </a:pPr>
+          <a:endParaRPr lang="zh-CN"/>
+        </a:p>
+      </c:txPr>
+    </c:legend>
+    <c:plotVisOnly val="1"/>
+    <c:dispBlanksAs val="gap"/>
+    <c:extLst>
+      <c:ext xmlns:c16r3="http://schemas.microsoft.com/office/drawing/2017/03/chart" uri="{56B9EC1D-385E-4148-901F-78D8002777C0}">
+        <c16r3:dataDisplayOptions16>
+          <c16r3:dispNaAsBlank val="1"/>
+        </c16r3:dataDisplayOptions16>
+      </c:ext>
+    </c:extLst>
+    <c:showDLblsOverMax val="0"/>
+  </c:chart>
+  <c:spPr>
+    <a:noFill/>
+    <a:ln>
+      <a:noFill/>
+    </a:ln>
+    <a:effectLst/>
+  </c:spPr>
+  <c:txPr>
+    <a:bodyPr/>
+    <a:lstStyle/>
+    <a:p>
+      <a:pPr>
+        <a:defRPr>
+          <a:latin typeface="微软雅黑" panose="020B0503020204020204" pitchFamily="34" charset="-122"/>
+          <a:ea typeface="微软雅黑" panose="020B0503020204020204" pitchFamily="34" charset="-122"/>
+        </a:defRPr>
+      </a:pPr>
+      <a:endParaRPr lang="zh-CN"/>
+    </a:p>
+  </c:txPr>
+  <c:externalData r:id="rId3">
+    <c:autoUpdate val="0"/>
+  </c:externalData>
+</c:chartSpace>
+</file>
+
+<file path=ppt/charts/chart2.xml><?xml version="1.0" encoding="utf-8"?>
+<c:chartSpace xmlns:c="http://schemas.openxmlformats.org/drawingml/2006/chart" xmlns:a="http://schemas.openxmlformats.org/drawingml/2006/main" xmlns:r="http://schemas.openxmlformats.org/officeDocument/2006/relationships" xmlns:c16r2="http://schemas.microsoft.com/office/drawing/2015/06/chart">
+  <c:date1904 val="0"/>
+  <c:lang val="zh-CN"/>
+  <c:roundedCorners val="0"/>
+  <mc:AlternateContent xmlns:mc="http://schemas.openxmlformats.org/markup-compatibility/2006">
+    <mc:Choice xmlns:c14="http://schemas.microsoft.com/office/drawing/2007/8/2/chart" Requires="c14">
+      <c14:style val="102"/>
+    </mc:Choice>
+    <mc:Fallback>
+      <c:style val="2"/>
+    </mc:Fallback>
+  </mc:AlternateContent>
+  <c:chart>
+    <c:autoTitleDeleted val="1"/>
+    <c:plotArea>
+      <c:layout/>
+      <c:barChart>
+        <c:barDir val="bar"/>
+        <c:grouping val="clustered"/>
+        <c:varyColors val="0"/>
+        <c:ser>
+          <c:idx val="0"/>
+          <c:order val="0"/>
+          <c:tx>
+            <c:strRef>
+              <c:f>Sheet2!$B$1</c:f>
+              <c:strCache>
+                <c:ptCount val="1"/>
+                <c:pt idx="0">
+                  <c:v>包含开源代码的代码库占比</c:v>
+                </c:pt>
+              </c:strCache>
+            </c:strRef>
+          </c:tx>
+          <c:spPr>
+            <a:solidFill>
+              <a:srgbClr val="FC8C5A"/>
+            </a:solidFill>
+            <a:ln>
+              <a:solidFill>
+                <a:srgbClr val="FC8C5A"/>
+              </a:solidFill>
+            </a:ln>
+            <a:effectLst/>
+          </c:spPr>
+          <c:invertIfNegative val="0"/>
+          <c:dLbls>
+            <c:spPr>
+              <a:noFill/>
+              <a:ln>
+                <a:noFill/>
+              </a:ln>
+              <a:effectLst/>
+            </c:spPr>
+            <c:txPr>
+              <a:bodyPr rot="0" spcFirstLastPara="1" vertOverflow="ellipsis" vert="horz" wrap="square" lIns="38100" tIns="19050" rIns="38100" bIns="19050" anchor="ctr" anchorCtr="1">
+                <a:spAutoFit/>
+              </a:bodyPr>
+              <a:lstStyle/>
+              <a:p>
+                <a:pPr>
+                  <a:defRPr sz="1100" b="0" i="0" u="none" strike="noStrike" kern="1200" baseline="0">
+                    <a:solidFill>
+                      <a:schemeClr val="tx1">
+                        <a:lumMod val="75000"/>
+                        <a:lumOff val="25000"/>
+                      </a:schemeClr>
+                    </a:solidFill>
+                    <a:latin typeface="Times New Roman" panose="02020603050405020304" pitchFamily="18" charset="0"/>
+                    <a:ea typeface="+mn-ea"/>
+                    <a:cs typeface="Times New Roman" panose="02020603050405020304" pitchFamily="18" charset="0"/>
+                  </a:defRPr>
+                </a:pPr>
+                <a:endParaRPr lang="zh-CN"/>
+              </a:p>
+            </c:txPr>
+            <c:dLblPos val="outEnd"/>
+            <c:showLegendKey val="0"/>
+            <c:showVal val="1"/>
+            <c:showCatName val="0"/>
+            <c:showSerName val="0"/>
+            <c:showPercent val="0"/>
+            <c:showBubbleSize val="0"/>
+            <c:showLeaderLines val="0"/>
+            <c:extLst>
+              <c:ext xmlns:c15="http://schemas.microsoft.com/office/drawing/2012/chart" uri="{CE6537A1-D6FC-4f65-9D91-7224C49458BB}">
+                <c15:showLeaderLines val="1"/>
+                <c15:leaderLines>
+                  <c:spPr>
+                    <a:ln w="9525" cap="flat" cmpd="sng" algn="ctr">
+                      <a:solidFill>
+                        <a:schemeClr val="tx1">
+                          <a:lumMod val="35000"/>
+                          <a:lumOff val="65000"/>
+                        </a:schemeClr>
+                      </a:solidFill>
+                      <a:round/>
+                    </a:ln>
+                    <a:effectLst/>
+                  </c:spPr>
+                </c15:leaderLines>
+              </c:ext>
+            </c:extLst>
+          </c:dLbls>
+          <c:cat>
+            <c:strRef>
+              <c:f>Sheet2!$A$2:$A$6</c:f>
+              <c:strCache>
+                <c:ptCount val="5"/>
+                <c:pt idx="0">
+                  <c:v>航空航天</c:v>
+                </c:pt>
+                <c:pt idx="1">
+                  <c:v>互联网</c:v>
+                </c:pt>
+                <c:pt idx="2">
+                  <c:v>物联网</c:v>
+                </c:pt>
+                <c:pt idx="3">
+                  <c:v>制造业</c:v>
+                </c:pt>
+                <c:pt idx="4">
+                  <c:v>电子商务</c:v>
+                </c:pt>
+              </c:strCache>
+            </c:strRef>
+          </c:cat>
+          <c:val>
+            <c:numRef>
+              <c:f>Sheet2!$B$2:$B$6</c:f>
+              <c:numCache>
+                <c:formatCode>General</c:formatCode>
+                <c:ptCount val="5"/>
+                <c:pt idx="0">
+                  <c:v>100</c:v>
+                </c:pt>
+                <c:pt idx="1">
+                  <c:v>100</c:v>
+                </c:pt>
+                <c:pt idx="2">
+                  <c:v>100</c:v>
+                </c:pt>
+                <c:pt idx="3">
+                  <c:v>100</c:v>
+                </c:pt>
+                <c:pt idx="4">
+                  <c:v>100</c:v>
+                </c:pt>
+              </c:numCache>
+            </c:numRef>
+          </c:val>
+          <c:extLst>
+            <c:ext xmlns:c16="http://schemas.microsoft.com/office/drawing/2014/chart" uri="{C3380CC4-5D6E-409C-BE32-E72D297353CC}">
+              <c16:uniqueId val="{00000000-91DE-4976-98E3-B35C1A1AAF78}"/>
+            </c:ext>
+          </c:extLst>
+        </c:ser>
+        <c:ser>
+          <c:idx val="1"/>
+          <c:order val="1"/>
+          <c:tx>
+            <c:strRef>
+              <c:f>Sheet2!$C$1</c:f>
+              <c:strCache>
+                <c:ptCount val="1"/>
+                <c:pt idx="0">
+                  <c:v>代码库中开源代码的占比</c:v>
+                </c:pt>
+              </c:strCache>
+            </c:strRef>
+          </c:tx>
+          <c:spPr>
+            <a:solidFill>
+              <a:srgbClr val="FFDF92"/>
+            </a:solidFill>
+            <a:ln>
+              <a:solidFill>
+                <a:srgbClr val="FFDF92"/>
+              </a:solidFill>
+            </a:ln>
+            <a:effectLst/>
+          </c:spPr>
+          <c:invertIfNegative val="0"/>
+          <c:dLbls>
+            <c:spPr>
+              <a:noFill/>
+              <a:ln>
+                <a:noFill/>
+              </a:ln>
+              <a:effectLst/>
+            </c:spPr>
+            <c:txPr>
+              <a:bodyPr rot="0" spcFirstLastPara="1" vertOverflow="ellipsis" vert="horz" wrap="square" lIns="38100" tIns="19050" rIns="38100" bIns="19050" anchor="ctr" anchorCtr="1">
+                <a:spAutoFit/>
+              </a:bodyPr>
+              <a:lstStyle/>
+              <a:p>
+                <a:pPr>
+                  <a:defRPr sz="1100" b="0" i="0" u="none" strike="noStrike" kern="1200" baseline="0">
+                    <a:solidFill>
+                      <a:schemeClr val="tx1">
+                        <a:lumMod val="75000"/>
+                        <a:lumOff val="25000"/>
+                      </a:schemeClr>
+                    </a:solidFill>
+                    <a:latin typeface="Times New Roman" panose="02020603050405020304" pitchFamily="18" charset="0"/>
+                    <a:ea typeface="+mn-ea"/>
+                    <a:cs typeface="Times New Roman" panose="02020603050405020304" pitchFamily="18" charset="0"/>
+                  </a:defRPr>
+                </a:pPr>
+                <a:endParaRPr lang="zh-CN"/>
+              </a:p>
+            </c:txPr>
+            <c:dLblPos val="outEnd"/>
+            <c:showLegendKey val="0"/>
+            <c:showVal val="1"/>
+            <c:showCatName val="0"/>
+            <c:showSerName val="0"/>
+            <c:showPercent val="0"/>
+            <c:showBubbleSize val="0"/>
+            <c:showLeaderLines val="0"/>
+            <c:extLst>
+              <c:ext xmlns:c15="http://schemas.microsoft.com/office/drawing/2012/chart" uri="{CE6537A1-D6FC-4f65-9D91-7224C49458BB}">
+                <c15:showLeaderLines val="1"/>
+                <c15:leaderLines>
+                  <c:spPr>
+                    <a:ln w="9525" cap="flat" cmpd="sng" algn="ctr">
+                      <a:solidFill>
+                        <a:schemeClr val="tx1">
+                          <a:lumMod val="35000"/>
+                          <a:lumOff val="65000"/>
+                        </a:schemeClr>
+                      </a:solidFill>
+                      <a:round/>
+                    </a:ln>
+                    <a:effectLst/>
+                  </c:spPr>
+                </c15:leaderLines>
+              </c:ext>
+            </c:extLst>
+          </c:dLbls>
+          <c:cat>
+            <c:strRef>
+              <c:f>Sheet2!$A$2:$A$6</c:f>
+              <c:strCache>
+                <c:ptCount val="5"/>
+                <c:pt idx="0">
+                  <c:v>航空航天</c:v>
+                </c:pt>
+                <c:pt idx="1">
+                  <c:v>互联网</c:v>
+                </c:pt>
+                <c:pt idx="2">
+                  <c:v>物联网</c:v>
+                </c:pt>
+                <c:pt idx="3">
+                  <c:v>制造业</c:v>
+                </c:pt>
+                <c:pt idx="4">
+                  <c:v>电子商务</c:v>
+                </c:pt>
+              </c:strCache>
+            </c:strRef>
+          </c:cat>
+          <c:val>
+            <c:numRef>
+              <c:f>Sheet2!$C$2:$C$6</c:f>
+              <c:numCache>
+                <c:formatCode>General</c:formatCode>
+                <c:ptCount val="5"/>
+                <c:pt idx="0">
+                  <c:v>69</c:v>
+                </c:pt>
+                <c:pt idx="1">
+                  <c:v>64</c:v>
+                </c:pt>
+                <c:pt idx="2">
+                  <c:v>50</c:v>
+                </c:pt>
+                <c:pt idx="3">
+                  <c:v>88</c:v>
+                </c:pt>
+                <c:pt idx="4">
+                  <c:v>84</c:v>
+                </c:pt>
+              </c:numCache>
+            </c:numRef>
+          </c:val>
+          <c:extLst>
+            <c:ext xmlns:c16="http://schemas.microsoft.com/office/drawing/2014/chart" uri="{C3380CC4-5D6E-409C-BE32-E72D297353CC}">
+              <c16:uniqueId val="{00000001-91DE-4976-98E3-B35C1A1AAF78}"/>
+            </c:ext>
+          </c:extLst>
+        </c:ser>
+        <c:dLbls>
+          <c:showLegendKey val="0"/>
+          <c:showVal val="0"/>
+          <c:showCatName val="0"/>
+          <c:showSerName val="0"/>
+          <c:showPercent val="0"/>
+          <c:showBubbleSize val="0"/>
+        </c:dLbls>
+        <c:gapWidth val="182"/>
+        <c:axId val="68132191"/>
+        <c:axId val="68133151"/>
+      </c:barChart>
+      <c:catAx>
+        <c:axId val="68132191"/>
+        <c:scaling>
+          <c:orientation val="minMax"/>
+        </c:scaling>
+        <c:delete val="0"/>
+        <c:axPos val="l"/>
+        <c:numFmt formatCode="General" sourceLinked="1"/>
+        <c:majorTickMark val="in"/>
+        <c:minorTickMark val="none"/>
+        <c:tickLblPos val="nextTo"/>
+        <c:spPr>
+          <a:noFill/>
+          <a:ln w="9525" cap="flat" cmpd="sng" algn="ctr">
+            <a:solidFill>
+              <a:schemeClr val="tx1"/>
+            </a:solidFill>
+            <a:round/>
+          </a:ln>
+          <a:effectLst/>
+        </c:spPr>
+        <c:txPr>
+          <a:bodyPr rot="-60000000" spcFirstLastPara="1" vertOverflow="ellipsis" vert="horz" wrap="square" anchor="ctr" anchorCtr="1"/>
+          <a:lstStyle/>
+          <a:p>
+            <a:pPr>
+              <a:defRPr sz="1200" b="0" i="0" u="none" strike="noStrike" kern="1200" baseline="0">
+                <a:solidFill>
+                  <a:schemeClr val="tx1"/>
+                </a:solidFill>
+                <a:latin typeface="微软雅黑" panose="020B0503020204020204" pitchFamily="34" charset="-122"/>
+                <a:ea typeface="微软雅黑" panose="020B0503020204020204" pitchFamily="34" charset="-122"/>
+                <a:cs typeface="+mn-cs"/>
+              </a:defRPr>
+            </a:pPr>
+            <a:endParaRPr lang="zh-CN"/>
+          </a:p>
+        </c:txPr>
+        <c:crossAx val="68133151"/>
+        <c:crosses val="autoZero"/>
+        <c:auto val="1"/>
+        <c:lblAlgn val="ctr"/>
+        <c:lblOffset val="100"/>
+        <c:noMultiLvlLbl val="0"/>
+      </c:catAx>
+      <c:valAx>
+        <c:axId val="68133151"/>
+        <c:scaling>
+          <c:orientation val="minMax"/>
+          <c:max val="100"/>
+        </c:scaling>
+        <c:delete val="0"/>
+        <c:axPos val="b"/>
+        <c:numFmt formatCode="General" sourceLinked="1"/>
+        <c:majorTickMark val="in"/>
+        <c:minorTickMark val="none"/>
+        <c:tickLblPos val="nextTo"/>
+        <c:spPr>
+          <a:noFill/>
+          <a:ln>
+            <a:solidFill>
+              <a:schemeClr val="tx1"/>
+            </a:solidFill>
+          </a:ln>
+          <a:effectLst/>
+        </c:spPr>
+        <c:txPr>
+          <a:bodyPr rot="-60000000" spcFirstLastPara="1" vertOverflow="ellipsis" vert="horz" wrap="square" anchor="ctr" anchorCtr="1"/>
+          <a:lstStyle/>
+          <a:p>
+            <a:pPr>
+              <a:defRPr sz="1200" b="0" i="0" u="none" strike="noStrike" kern="1200" baseline="0">
+                <a:solidFill>
+                  <a:schemeClr val="tx1"/>
+                </a:solidFill>
+                <a:latin typeface="微软雅黑" panose="020B0503020204020204" pitchFamily="34" charset="-122"/>
+                <a:ea typeface="微软雅黑" panose="020B0503020204020204" pitchFamily="34" charset="-122"/>
+                <a:cs typeface="+mn-cs"/>
+              </a:defRPr>
+            </a:pPr>
+            <a:endParaRPr lang="zh-CN"/>
+          </a:p>
+        </c:txPr>
+        <c:crossAx val="68132191"/>
+        <c:crosses val="autoZero"/>
+        <c:crossBetween val="between"/>
+      </c:valAx>
+      <c:spPr>
+        <a:noFill/>
+        <a:ln>
+          <a:noFill/>
+        </a:ln>
+        <a:effectLst/>
+      </c:spPr>
+    </c:plotArea>
+    <c:legend>
+      <c:legendPos val="b"/>
+      <c:overlay val="0"/>
+      <c:spPr>
+        <a:noFill/>
+        <a:ln>
+          <a:noFill/>
+        </a:ln>
+        <a:effectLst/>
+      </c:spPr>
+      <c:txPr>
+        <a:bodyPr rot="0" spcFirstLastPara="1" vertOverflow="ellipsis" vert="horz" wrap="square" anchor="ctr" anchorCtr="1"/>
+        <a:lstStyle/>
+        <a:p>
+          <a:pPr>
+            <a:defRPr sz="1200" b="1" i="0" u="none" strike="noStrike" kern="1200" baseline="0">
+              <a:solidFill>
+                <a:schemeClr val="tx1"/>
+              </a:solidFill>
+              <a:latin typeface="微软雅黑" panose="020B0503020204020204" pitchFamily="34" charset="-122"/>
+              <a:ea typeface="微软雅黑" panose="020B0503020204020204" pitchFamily="34" charset="-122"/>
+              <a:cs typeface="+mn-cs"/>
+            </a:defRPr>
+          </a:pPr>
+          <a:endParaRPr lang="zh-CN"/>
+        </a:p>
+      </c:txPr>
+    </c:legend>
+    <c:plotVisOnly val="1"/>
+    <c:dispBlanksAs val="gap"/>
+    <c:extLst>
+      <c:ext xmlns:c16r3="http://schemas.microsoft.com/office/drawing/2017/03/chart" uri="{56B9EC1D-385E-4148-901F-78D8002777C0}">
+        <c16r3:dataDisplayOptions16>
+          <c16r3:dispNaAsBlank val="1"/>
+        </c16r3:dataDisplayOptions16>
+      </c:ext>
+    </c:extLst>
+    <c:showDLblsOverMax val="0"/>
+  </c:chart>
+  <c:spPr>
+    <a:noFill/>
+    <a:ln>
+      <a:noFill/>
+    </a:ln>
+    <a:effectLst/>
+  </c:spPr>
+  <c:txPr>
+    <a:bodyPr/>
+    <a:lstStyle/>
+    <a:p>
+      <a:pPr>
+        <a:defRPr/>
+      </a:pPr>
+      <a:endParaRPr lang="zh-CN"/>
+    </a:p>
+  </c:txPr>
+  <c:externalData r:id="rId3">
+    <c:autoUpdate val="0"/>
+  </c:externalData>
+</c:chartSpace>
+</file>
+
+<file path=ppt/charts/chart3.xml><?xml version="1.0" encoding="utf-8"?>
+<c:chartSpace xmlns:c="http://schemas.openxmlformats.org/drawingml/2006/chart" xmlns:a="http://schemas.openxmlformats.org/drawingml/2006/main" xmlns:r="http://schemas.openxmlformats.org/officeDocument/2006/relationships" xmlns:c16r2="http://schemas.microsoft.com/office/drawing/2015/06/chart">
+  <c:date1904 val="0"/>
+  <c:lang val="zh-CN"/>
+  <c:roundedCorners val="0"/>
+  <mc:AlternateContent xmlns:mc="http://schemas.openxmlformats.org/markup-compatibility/2006">
+    <mc:Choice xmlns:c14="http://schemas.microsoft.com/office/drawing/2007/8/2/chart" Requires="c14">
+      <c14:style val="102"/>
+    </mc:Choice>
+    <mc:Fallback>
+      <c:style val="2"/>
+    </mc:Fallback>
+  </mc:AlternateContent>
+  <c:chart>
+    <c:autoTitleDeleted val="1"/>
+    <c:plotArea>
+      <c:layout/>
+      <c:barChart>
+        <c:barDir val="bar"/>
+        <c:grouping val="clustered"/>
+        <c:varyColors val="0"/>
+        <c:ser>
+          <c:idx val="0"/>
+          <c:order val="0"/>
+          <c:tx>
+            <c:strRef>
+              <c:f>Sheet3!$B$1</c:f>
+              <c:strCache>
+                <c:ptCount val="1"/>
+                <c:pt idx="0">
+                  <c:v>包含开源代码的代码库占比</c:v>
+                </c:pt>
+              </c:strCache>
+            </c:strRef>
+          </c:tx>
+          <c:spPr>
+            <a:solidFill>
+              <a:srgbClr val="FC8C5A"/>
+            </a:solidFill>
+            <a:ln>
+              <a:solidFill>
+                <a:srgbClr val="FC8C5A"/>
+              </a:solidFill>
+            </a:ln>
+            <a:effectLst/>
+          </c:spPr>
+          <c:invertIfNegative val="0"/>
+          <c:dLbls>
+            <c:spPr>
+              <a:noFill/>
+              <a:ln>
+                <a:noFill/>
+              </a:ln>
+              <a:effectLst/>
+            </c:spPr>
+            <c:txPr>
+              <a:bodyPr rot="0" spcFirstLastPara="1" vertOverflow="ellipsis" vert="horz" wrap="square" lIns="38100" tIns="19050" rIns="38100" bIns="19050" anchor="ctr" anchorCtr="1">
+                <a:spAutoFit/>
+              </a:bodyPr>
+              <a:lstStyle/>
+              <a:p>
+                <a:pPr>
+                  <a:defRPr sz="1100" b="0" i="0" u="none" strike="noStrike" kern="1200" baseline="0">
+                    <a:solidFill>
+                      <a:schemeClr val="tx1">
+                        <a:lumMod val="75000"/>
+                        <a:lumOff val="25000"/>
+                      </a:schemeClr>
+                    </a:solidFill>
+                    <a:latin typeface="Times New Roman" panose="02020603050405020304" pitchFamily="18" charset="0"/>
+                    <a:ea typeface="+mn-ea"/>
+                    <a:cs typeface="Times New Roman" panose="02020603050405020304" pitchFamily="18" charset="0"/>
+                  </a:defRPr>
+                </a:pPr>
+                <a:endParaRPr lang="zh-CN"/>
+              </a:p>
+            </c:txPr>
+            <c:dLblPos val="outEnd"/>
+            <c:showLegendKey val="0"/>
+            <c:showVal val="1"/>
+            <c:showCatName val="0"/>
+            <c:showSerName val="0"/>
+            <c:showPercent val="0"/>
+            <c:showBubbleSize val="0"/>
+            <c:showLeaderLines val="0"/>
+            <c:extLst>
+              <c:ext xmlns:c15="http://schemas.microsoft.com/office/drawing/2012/chart" uri="{CE6537A1-D6FC-4f65-9D91-7224C49458BB}">
+                <c15:showLeaderLines val="1"/>
+                <c15:leaderLines>
+                  <c:spPr>
+                    <a:ln w="9525" cap="flat" cmpd="sng" algn="ctr">
+                      <a:solidFill>
+                        <a:schemeClr val="tx1">
+                          <a:lumMod val="35000"/>
+                          <a:lumOff val="65000"/>
+                        </a:schemeClr>
+                      </a:solidFill>
+                      <a:round/>
+                    </a:ln>
+                    <a:effectLst/>
+                  </c:spPr>
+                </c15:leaderLines>
+              </c:ext>
+            </c:extLst>
+          </c:dLbls>
+          <c:cat>
+            <c:strRef>
+              <c:f>Sheet3!$A$2:$A$6</c:f>
+              <c:strCache>
+                <c:ptCount val="5"/>
+                <c:pt idx="0">
+                  <c:v>虚拟现实</c:v>
+                </c:pt>
+                <c:pt idx="1">
+                  <c:v>大数据</c:v>
+                </c:pt>
+                <c:pt idx="2">
+                  <c:v>网络安全</c:v>
+                </c:pt>
+                <c:pt idx="3">
+                  <c:v>清洁能源</c:v>
+                </c:pt>
+                <c:pt idx="4">
+                  <c:v>医疗保健</c:v>
+                </c:pt>
+              </c:strCache>
+            </c:strRef>
+          </c:cat>
+          <c:val>
+            <c:numRef>
+              <c:f>Sheet3!$B$2:$B$6</c:f>
+              <c:numCache>
+                <c:formatCode>General</c:formatCode>
+                <c:ptCount val="5"/>
+                <c:pt idx="0">
+                  <c:v>97</c:v>
+                </c:pt>
+                <c:pt idx="1">
+                  <c:v>96</c:v>
+                </c:pt>
+                <c:pt idx="2">
+                  <c:v>95</c:v>
+                </c:pt>
+                <c:pt idx="3">
+                  <c:v>91</c:v>
+                </c:pt>
+                <c:pt idx="4">
+                  <c:v>88</c:v>
+                </c:pt>
+              </c:numCache>
+            </c:numRef>
+          </c:val>
+          <c:extLst>
+            <c:ext xmlns:c16="http://schemas.microsoft.com/office/drawing/2014/chart" uri="{C3380CC4-5D6E-409C-BE32-E72D297353CC}">
+              <c16:uniqueId val="{00000000-DE40-4CD3-8228-E5F01625A542}"/>
+            </c:ext>
+          </c:extLst>
+        </c:ser>
+        <c:ser>
+          <c:idx val="1"/>
+          <c:order val="1"/>
+          <c:tx>
+            <c:strRef>
+              <c:f>Sheet3!$C$1</c:f>
+              <c:strCache>
+                <c:ptCount val="1"/>
+                <c:pt idx="0">
+                  <c:v>代码库中开源代码的占比</c:v>
+                </c:pt>
+              </c:strCache>
+            </c:strRef>
+          </c:tx>
+          <c:spPr>
+            <a:solidFill>
+              <a:srgbClr val="FFDF92"/>
+            </a:solidFill>
+            <a:ln>
+              <a:solidFill>
+                <a:srgbClr val="FFDF92"/>
+              </a:solidFill>
+            </a:ln>
+            <a:effectLst/>
+          </c:spPr>
+          <c:invertIfNegative val="0"/>
+          <c:dLbls>
+            <c:spPr>
+              <a:noFill/>
+              <a:ln>
+                <a:noFill/>
+              </a:ln>
+              <a:effectLst/>
+            </c:spPr>
+            <c:txPr>
+              <a:bodyPr rot="0" spcFirstLastPara="1" vertOverflow="ellipsis" vert="horz" wrap="square" lIns="38100" tIns="19050" rIns="38100" bIns="19050" anchor="ctr" anchorCtr="1">
+                <a:spAutoFit/>
+              </a:bodyPr>
+              <a:lstStyle/>
+              <a:p>
+                <a:pPr>
+                  <a:defRPr sz="1100" b="0" i="0" u="none" strike="noStrike" kern="1200" baseline="0">
+                    <a:solidFill>
+                      <a:schemeClr val="tx1">
+                        <a:lumMod val="75000"/>
+                        <a:lumOff val="25000"/>
+                      </a:schemeClr>
+                    </a:solidFill>
+                    <a:latin typeface="Times New Roman" panose="02020603050405020304" pitchFamily="18" charset="0"/>
+                    <a:ea typeface="+mn-ea"/>
+                    <a:cs typeface="Times New Roman" panose="02020603050405020304" pitchFamily="18" charset="0"/>
+                  </a:defRPr>
+                </a:pPr>
+                <a:endParaRPr lang="zh-CN"/>
+              </a:p>
+            </c:txPr>
+            <c:dLblPos val="outEnd"/>
+            <c:showLegendKey val="0"/>
+            <c:showVal val="1"/>
+            <c:showCatName val="0"/>
+            <c:showSerName val="0"/>
+            <c:showPercent val="0"/>
+            <c:showBubbleSize val="0"/>
+            <c:showLeaderLines val="0"/>
+            <c:extLst>
+              <c:ext xmlns:c15="http://schemas.microsoft.com/office/drawing/2012/chart" uri="{CE6537A1-D6FC-4f65-9D91-7224C49458BB}">
+                <c15:showLeaderLines val="1"/>
+                <c15:leaderLines>
+                  <c:spPr>
+                    <a:ln w="9525" cap="flat" cmpd="sng" algn="ctr">
+                      <a:solidFill>
+                        <a:schemeClr val="tx1">
+                          <a:lumMod val="35000"/>
+                          <a:lumOff val="65000"/>
+                        </a:schemeClr>
+                      </a:solidFill>
+                      <a:round/>
+                    </a:ln>
+                    <a:effectLst/>
+                  </c:spPr>
+                </c15:leaderLines>
+              </c:ext>
+            </c:extLst>
+          </c:dLbls>
+          <c:cat>
+            <c:strRef>
+              <c:f>Sheet3!$A$2:$A$6</c:f>
+              <c:strCache>
+                <c:ptCount val="5"/>
+                <c:pt idx="0">
+                  <c:v>虚拟现实</c:v>
+                </c:pt>
+                <c:pt idx="1">
+                  <c:v>大数据</c:v>
+                </c:pt>
+                <c:pt idx="2">
+                  <c:v>网络安全</c:v>
+                </c:pt>
+                <c:pt idx="3">
+                  <c:v>清洁能源</c:v>
+                </c:pt>
+                <c:pt idx="4">
+                  <c:v>医疗保健</c:v>
+                </c:pt>
+              </c:strCache>
+            </c:strRef>
+          </c:cat>
+          <c:val>
+            <c:numRef>
+              <c:f>Sheet3!$C$2:$C$6</c:f>
+              <c:numCache>
+                <c:formatCode>General</c:formatCode>
+                <c:ptCount val="5"/>
+                <c:pt idx="0">
+                  <c:v>53</c:v>
+                </c:pt>
+                <c:pt idx="1">
+                  <c:v>70</c:v>
+                </c:pt>
+                <c:pt idx="2">
+                  <c:v>78</c:v>
+                </c:pt>
+                <c:pt idx="3">
+                  <c:v>83</c:v>
+                </c:pt>
+                <c:pt idx="4">
+                  <c:v>85</c:v>
+                </c:pt>
+              </c:numCache>
+            </c:numRef>
+          </c:val>
+          <c:extLst>
+            <c:ext xmlns:c16="http://schemas.microsoft.com/office/drawing/2014/chart" uri="{C3380CC4-5D6E-409C-BE32-E72D297353CC}">
+              <c16:uniqueId val="{00000001-DE40-4CD3-8228-E5F01625A542}"/>
+            </c:ext>
+          </c:extLst>
+        </c:ser>
+        <c:dLbls>
+          <c:dLblPos val="outEnd"/>
+          <c:showLegendKey val="0"/>
+          <c:showVal val="1"/>
+          <c:showCatName val="0"/>
+          <c:showSerName val="0"/>
+          <c:showPercent val="0"/>
+          <c:showBubbleSize val="0"/>
+        </c:dLbls>
+        <c:gapWidth val="182"/>
+        <c:axId val="117967199"/>
+        <c:axId val="117967679"/>
+      </c:barChart>
+      <c:catAx>
+        <c:axId val="117967199"/>
+        <c:scaling>
+          <c:orientation val="minMax"/>
+        </c:scaling>
+        <c:delete val="0"/>
+        <c:axPos val="l"/>
+        <c:numFmt formatCode="General" sourceLinked="1"/>
+        <c:majorTickMark val="in"/>
+        <c:minorTickMark val="none"/>
+        <c:tickLblPos val="nextTo"/>
+        <c:spPr>
+          <a:noFill/>
+          <a:ln w="9525" cap="flat" cmpd="sng" algn="ctr">
+            <a:solidFill>
+              <a:schemeClr val="tx1"/>
+            </a:solidFill>
+            <a:round/>
+          </a:ln>
+          <a:effectLst/>
+        </c:spPr>
+        <c:txPr>
+          <a:bodyPr rot="-60000000" spcFirstLastPara="1" vertOverflow="ellipsis" vert="horz" wrap="square" anchor="ctr" anchorCtr="1"/>
+          <a:lstStyle/>
+          <a:p>
+            <a:pPr>
+              <a:defRPr sz="1200" b="0" i="0" u="none" strike="noStrike" kern="1200" baseline="0">
+                <a:solidFill>
+                  <a:schemeClr val="tx1"/>
+                </a:solidFill>
+                <a:latin typeface="微软雅黑" panose="020B0503020204020204" pitchFamily="34" charset="-122"/>
+                <a:ea typeface="微软雅黑" panose="020B0503020204020204" pitchFamily="34" charset="-122"/>
+                <a:cs typeface="+mn-cs"/>
+              </a:defRPr>
+            </a:pPr>
+            <a:endParaRPr lang="zh-CN"/>
+          </a:p>
+        </c:txPr>
+        <c:crossAx val="117967679"/>
+        <c:crosses val="autoZero"/>
+        <c:auto val="1"/>
+        <c:lblAlgn val="ctr"/>
+        <c:lblOffset val="100"/>
+        <c:noMultiLvlLbl val="0"/>
+      </c:catAx>
+      <c:valAx>
+        <c:axId val="117967679"/>
+        <c:scaling>
+          <c:orientation val="minMax"/>
+          <c:max val="100"/>
+        </c:scaling>
+        <c:delete val="0"/>
+        <c:axPos val="b"/>
+        <c:numFmt formatCode="General" sourceLinked="1"/>
+        <c:majorTickMark val="in"/>
+        <c:minorTickMark val="none"/>
+        <c:tickLblPos val="nextTo"/>
+        <c:spPr>
+          <a:noFill/>
+          <a:ln>
+            <a:solidFill>
+              <a:schemeClr val="tx1"/>
+            </a:solidFill>
+          </a:ln>
+          <a:effectLst/>
+        </c:spPr>
+        <c:txPr>
+          <a:bodyPr rot="-60000000" spcFirstLastPara="1" vertOverflow="ellipsis" vert="horz" wrap="square" anchor="ctr" anchorCtr="1"/>
+          <a:lstStyle/>
+          <a:p>
+            <a:pPr>
+              <a:defRPr sz="1200" b="0" i="0" u="none" strike="noStrike" kern="1200" baseline="0">
+                <a:solidFill>
+                  <a:schemeClr val="tx1"/>
+                </a:solidFill>
+                <a:latin typeface="微软雅黑" panose="020B0503020204020204" pitchFamily="34" charset="-122"/>
+                <a:ea typeface="微软雅黑" panose="020B0503020204020204" pitchFamily="34" charset="-122"/>
+                <a:cs typeface="+mn-cs"/>
+              </a:defRPr>
+            </a:pPr>
+            <a:endParaRPr lang="zh-CN"/>
+          </a:p>
+        </c:txPr>
+        <c:crossAx val="117967199"/>
+        <c:crosses val="autoZero"/>
+        <c:crossBetween val="between"/>
+      </c:valAx>
+      <c:spPr>
+        <a:noFill/>
+        <a:ln>
+          <a:noFill/>
+        </a:ln>
+        <a:effectLst/>
+      </c:spPr>
+    </c:plotArea>
+    <c:legend>
+      <c:legendPos val="b"/>
+      <c:overlay val="0"/>
+      <c:spPr>
+        <a:noFill/>
+        <a:ln>
+          <a:noFill/>
+        </a:ln>
+        <a:effectLst/>
+      </c:spPr>
+      <c:txPr>
+        <a:bodyPr rot="0" spcFirstLastPara="1" vertOverflow="ellipsis" vert="horz" wrap="square" anchor="ctr" anchorCtr="1"/>
+        <a:lstStyle/>
+        <a:p>
+          <a:pPr>
+            <a:defRPr sz="1200" b="1" i="0" u="none" strike="noStrike" kern="1200" baseline="0">
+              <a:solidFill>
+                <a:schemeClr val="tx1"/>
               </a:solidFill>
               <a:latin typeface="微软雅黑" panose="020B0503020204020204" pitchFamily="34" charset="-122"/>
               <a:ea typeface="微软雅黑" panose="020B0503020204020204" pitchFamily="34" charset="-122"/>
@@ -927,10 +1946,93 @@
 </file>
 
 <file path=ppt/charts/colors1.xml><?xml version="1.0" encoding="utf-8"?>
-<cs:colorStyle xmlns:cs="http://schemas.microsoft.com/office/drawing/2012/chartStyle" xmlns:a="http://schemas.openxmlformats.org/drawingml/2006/main" meth="cycle" id="11">
+<cs:colorStyle xmlns:cs="http://schemas.microsoft.com/office/drawing/2012/chartStyle" xmlns:a="http://schemas.openxmlformats.org/drawingml/2006/main" meth="cycle" id="10">
   <a:schemeClr val="accent1"/>
+  <a:schemeClr val="accent2"/>
   <a:schemeClr val="accent3"/>
+  <a:schemeClr val="accent4"/>
   <a:schemeClr val="accent5"/>
+  <a:schemeClr val="accent6"/>
+  <cs:variation/>
+  <cs:variation>
+    <a:lumMod val="60000"/>
+  </cs:variation>
+  <cs:variation>
+    <a:lumMod val="80000"/>
+    <a:lumOff val="20000"/>
+  </cs:variation>
+  <cs:variation>
+    <a:lumMod val="80000"/>
+  </cs:variation>
+  <cs:variation>
+    <a:lumMod val="60000"/>
+    <a:lumOff val="40000"/>
+  </cs:variation>
+  <cs:variation>
+    <a:lumMod val="50000"/>
+  </cs:variation>
+  <cs:variation>
+    <a:lumMod val="70000"/>
+    <a:lumOff val="30000"/>
+  </cs:variation>
+  <cs:variation>
+    <a:lumMod val="70000"/>
+  </cs:variation>
+  <cs:variation>
+    <a:lumMod val="50000"/>
+    <a:lumOff val="50000"/>
+  </cs:variation>
+</cs:colorStyle>
+</file>
+
+<file path=ppt/charts/colors2.xml><?xml version="1.0" encoding="utf-8"?>
+<cs:colorStyle xmlns:cs="http://schemas.microsoft.com/office/drawing/2012/chartStyle" xmlns:a="http://schemas.openxmlformats.org/drawingml/2006/main" meth="cycle" id="10">
+  <a:schemeClr val="accent1"/>
+  <a:schemeClr val="accent2"/>
+  <a:schemeClr val="accent3"/>
+  <a:schemeClr val="accent4"/>
+  <a:schemeClr val="accent5"/>
+  <a:schemeClr val="accent6"/>
+  <cs:variation/>
+  <cs:variation>
+    <a:lumMod val="60000"/>
+  </cs:variation>
+  <cs:variation>
+    <a:lumMod val="80000"/>
+    <a:lumOff val="20000"/>
+  </cs:variation>
+  <cs:variation>
+    <a:lumMod val="80000"/>
+  </cs:variation>
+  <cs:variation>
+    <a:lumMod val="60000"/>
+    <a:lumOff val="40000"/>
+  </cs:variation>
+  <cs:variation>
+    <a:lumMod val="50000"/>
+  </cs:variation>
+  <cs:variation>
+    <a:lumMod val="70000"/>
+    <a:lumOff val="30000"/>
+  </cs:variation>
+  <cs:variation>
+    <a:lumMod val="70000"/>
+  </cs:variation>
+  <cs:variation>
+    <a:lumMod val="50000"/>
+    <a:lumOff val="50000"/>
+  </cs:variation>
+</cs:colorStyle>
+</file>
+
+<file path=ppt/charts/colors3.xml><?xml version="1.0" encoding="utf-8"?>
+<cs:colorStyle xmlns:cs="http://schemas.microsoft.com/office/drawing/2012/chartStyle" xmlns:a="http://schemas.openxmlformats.org/drawingml/2006/main" meth="cycle" id="10">
+  <a:schemeClr val="accent1"/>
+  <a:schemeClr val="accent2"/>
+  <a:schemeClr val="accent3"/>
+  <a:schemeClr val="accent4"/>
+  <a:schemeClr val="accent5"/>
+  <a:schemeClr val="accent6"/>
   <cs:variation/>
   <cs:variation>
     <a:lumMod val="60000"/>
@@ -1466,6 +2568,1016 @@
 </cs:chartStyle>
 </file>
 
+<file path=ppt/charts/style2.xml><?xml version="1.0" encoding="utf-8"?>
+<cs:chartStyle xmlns:cs="http://schemas.microsoft.com/office/drawing/2012/chartStyle" xmlns:a="http://schemas.openxmlformats.org/drawingml/2006/main" id="216">
+  <cs:axisTitle>
+    <cs:lnRef idx="0"/>
+    <cs:fillRef idx="0"/>
+    <cs:effectRef idx="0"/>
+    <cs:fontRef idx="minor">
+      <a:schemeClr val="tx1">
+        <a:lumMod val="65000"/>
+        <a:lumOff val="35000"/>
+      </a:schemeClr>
+    </cs:fontRef>
+    <cs:defRPr sz="1000" kern="1200"/>
+  </cs:axisTitle>
+  <cs:categoryAxis>
+    <cs:lnRef idx="0"/>
+    <cs:fillRef idx="0"/>
+    <cs:effectRef idx="0"/>
+    <cs:fontRef idx="minor">
+      <a:schemeClr val="tx1">
+        <a:lumMod val="65000"/>
+        <a:lumOff val="35000"/>
+      </a:schemeClr>
+    </cs:fontRef>
+    <cs:spPr>
+      <a:ln w="9525" cap="flat" cmpd="sng" algn="ctr">
+        <a:solidFill>
+          <a:schemeClr val="tx1">
+            <a:lumMod val="15000"/>
+            <a:lumOff val="85000"/>
+          </a:schemeClr>
+        </a:solidFill>
+        <a:round/>
+      </a:ln>
+    </cs:spPr>
+    <cs:defRPr sz="900" kern="1200"/>
+  </cs:categoryAxis>
+  <cs:chartArea mods="allowNoFillOverride allowNoLineOverride">
+    <cs:lnRef idx="0"/>
+    <cs:fillRef idx="0"/>
+    <cs:effectRef idx="0"/>
+    <cs:fontRef idx="minor">
+      <a:schemeClr val="tx1"/>
+    </cs:fontRef>
+    <cs:spPr>
+      <a:solidFill>
+        <a:schemeClr val="bg1"/>
+      </a:solidFill>
+      <a:ln w="9525" cap="flat" cmpd="sng" algn="ctr">
+        <a:solidFill>
+          <a:schemeClr val="tx1">
+            <a:lumMod val="15000"/>
+            <a:lumOff val="85000"/>
+          </a:schemeClr>
+        </a:solidFill>
+        <a:round/>
+      </a:ln>
+    </cs:spPr>
+    <cs:defRPr sz="1000" kern="1200"/>
+  </cs:chartArea>
+  <cs:dataLabel>
+    <cs:lnRef idx="0"/>
+    <cs:fillRef idx="0"/>
+    <cs:effectRef idx="0"/>
+    <cs:fontRef idx="minor">
+      <a:schemeClr val="tx1">
+        <a:lumMod val="75000"/>
+        <a:lumOff val="25000"/>
+      </a:schemeClr>
+    </cs:fontRef>
+    <cs:defRPr sz="900" kern="1200"/>
+  </cs:dataLabel>
+  <cs:dataLabelCallout>
+    <cs:lnRef idx="0"/>
+    <cs:fillRef idx="0"/>
+    <cs:effectRef idx="0"/>
+    <cs:fontRef idx="minor">
+      <a:schemeClr val="dk1">
+        <a:lumMod val="65000"/>
+        <a:lumOff val="35000"/>
+      </a:schemeClr>
+    </cs:fontRef>
+    <cs:spPr>
+      <a:solidFill>
+        <a:schemeClr val="lt1"/>
+      </a:solidFill>
+      <a:ln>
+        <a:solidFill>
+          <a:schemeClr val="dk1">
+            <a:lumMod val="25000"/>
+            <a:lumOff val="75000"/>
+          </a:schemeClr>
+        </a:solidFill>
+      </a:ln>
+    </cs:spPr>
+    <cs:defRPr sz="900" kern="1200"/>
+    <cs:bodyPr rot="0" spcFirstLastPara="1" vertOverflow="clip" horzOverflow="clip" vert="horz" wrap="square" lIns="36576" tIns="18288" rIns="36576" bIns="18288" anchor="ctr" anchorCtr="1">
+      <a:spAutoFit/>
+    </cs:bodyPr>
+  </cs:dataLabelCallout>
+  <cs:dataPoint>
+    <cs:lnRef idx="0"/>
+    <cs:fillRef idx="1">
+      <cs:styleClr val="auto"/>
+    </cs:fillRef>
+    <cs:effectRef idx="0"/>
+    <cs:fontRef idx="minor">
+      <a:schemeClr val="tx1"/>
+    </cs:fontRef>
+  </cs:dataPoint>
+  <cs:dataPoint3D>
+    <cs:lnRef idx="0"/>
+    <cs:fillRef idx="1">
+      <cs:styleClr val="auto"/>
+    </cs:fillRef>
+    <cs:effectRef idx="0"/>
+    <cs:fontRef idx="minor">
+      <a:schemeClr val="tx1"/>
+    </cs:fontRef>
+  </cs:dataPoint3D>
+  <cs:dataPointLine>
+    <cs:lnRef idx="0">
+      <cs:styleClr val="auto"/>
+    </cs:lnRef>
+    <cs:fillRef idx="1"/>
+    <cs:effectRef idx="0"/>
+    <cs:fontRef idx="minor">
+      <a:schemeClr val="tx1"/>
+    </cs:fontRef>
+    <cs:spPr>
+      <a:ln w="28575" cap="rnd">
+        <a:solidFill>
+          <a:schemeClr val="phClr"/>
+        </a:solidFill>
+        <a:round/>
+      </a:ln>
+    </cs:spPr>
+  </cs:dataPointLine>
+  <cs:dataPointMarker>
+    <cs:lnRef idx="0">
+      <cs:styleClr val="auto"/>
+    </cs:lnRef>
+    <cs:fillRef idx="1">
+      <cs:styleClr val="auto"/>
+    </cs:fillRef>
+    <cs:effectRef idx="0"/>
+    <cs:fontRef idx="minor">
+      <a:schemeClr val="tx1"/>
+    </cs:fontRef>
+    <cs:spPr>
+      <a:ln w="9525">
+        <a:solidFill>
+          <a:schemeClr val="phClr"/>
+        </a:solidFill>
+      </a:ln>
+    </cs:spPr>
+  </cs:dataPointMarker>
+  <cs:dataPointMarkerLayout symbol="circle" size="5"/>
+  <cs:dataPointWireframe>
+    <cs:lnRef idx="0">
+      <cs:styleClr val="auto"/>
+    </cs:lnRef>
+    <cs:fillRef idx="1"/>
+    <cs:effectRef idx="0"/>
+    <cs:fontRef idx="minor">
+      <a:schemeClr val="tx1"/>
+    </cs:fontRef>
+    <cs:spPr>
+      <a:ln w="9525" cap="rnd">
+        <a:solidFill>
+          <a:schemeClr val="phClr"/>
+        </a:solidFill>
+        <a:round/>
+      </a:ln>
+    </cs:spPr>
+  </cs:dataPointWireframe>
+  <cs:dataTable>
+    <cs:lnRef idx="0"/>
+    <cs:fillRef idx="0"/>
+    <cs:effectRef idx="0"/>
+    <cs:fontRef idx="minor">
+      <a:schemeClr val="tx1">
+        <a:lumMod val="65000"/>
+        <a:lumOff val="35000"/>
+      </a:schemeClr>
+    </cs:fontRef>
+    <cs:spPr>
+      <a:noFill/>
+      <a:ln w="9525" cap="flat" cmpd="sng" algn="ctr">
+        <a:solidFill>
+          <a:schemeClr val="tx1">
+            <a:lumMod val="15000"/>
+            <a:lumOff val="85000"/>
+          </a:schemeClr>
+        </a:solidFill>
+        <a:round/>
+      </a:ln>
+    </cs:spPr>
+    <cs:defRPr sz="900" kern="1200"/>
+  </cs:dataTable>
+  <cs:downBar>
+    <cs:lnRef idx="0"/>
+    <cs:fillRef idx="0"/>
+    <cs:effectRef idx="0"/>
+    <cs:fontRef idx="minor">
+      <a:schemeClr val="tx1"/>
+    </cs:fontRef>
+    <cs:spPr>
+      <a:solidFill>
+        <a:schemeClr val="dk1">
+          <a:lumMod val="75000"/>
+          <a:lumOff val="25000"/>
+        </a:schemeClr>
+      </a:solidFill>
+      <a:ln w="9525" cap="flat" cmpd="sng" algn="ctr">
+        <a:solidFill>
+          <a:schemeClr val="tx1">
+            <a:lumMod val="65000"/>
+            <a:lumOff val="35000"/>
+          </a:schemeClr>
+        </a:solidFill>
+        <a:round/>
+      </a:ln>
+    </cs:spPr>
+  </cs:downBar>
+  <cs:dropLine>
+    <cs:lnRef idx="0"/>
+    <cs:fillRef idx="0"/>
+    <cs:effectRef idx="0"/>
+    <cs:fontRef idx="minor">
+      <a:schemeClr val="tx1"/>
+    </cs:fontRef>
+    <cs:spPr>
+      <a:ln w="9525" cap="flat" cmpd="sng" algn="ctr">
+        <a:solidFill>
+          <a:schemeClr val="tx1">
+            <a:lumMod val="35000"/>
+            <a:lumOff val="65000"/>
+          </a:schemeClr>
+        </a:solidFill>
+        <a:round/>
+      </a:ln>
+    </cs:spPr>
+  </cs:dropLine>
+  <cs:errorBar>
+    <cs:lnRef idx="0"/>
+    <cs:fillRef idx="0"/>
+    <cs:effectRef idx="0"/>
+    <cs:fontRef idx="minor">
+      <a:schemeClr val="tx1"/>
+    </cs:fontRef>
+    <cs:spPr>
+      <a:ln w="9525" cap="flat" cmpd="sng" algn="ctr">
+        <a:solidFill>
+          <a:schemeClr val="tx1">
+            <a:lumMod val="65000"/>
+            <a:lumOff val="35000"/>
+          </a:schemeClr>
+        </a:solidFill>
+        <a:round/>
+      </a:ln>
+    </cs:spPr>
+  </cs:errorBar>
+  <cs:floor>
+    <cs:lnRef idx="0"/>
+    <cs:fillRef idx="0"/>
+    <cs:effectRef idx="0"/>
+    <cs:fontRef idx="minor">
+      <a:schemeClr val="tx1"/>
+    </cs:fontRef>
+    <cs:spPr>
+      <a:noFill/>
+      <a:ln>
+        <a:noFill/>
+      </a:ln>
+    </cs:spPr>
+  </cs:floor>
+  <cs:gridlineMajor>
+    <cs:lnRef idx="0"/>
+    <cs:fillRef idx="0"/>
+    <cs:effectRef idx="0"/>
+    <cs:fontRef idx="minor">
+      <a:schemeClr val="tx1"/>
+    </cs:fontRef>
+    <cs:spPr>
+      <a:ln w="9525" cap="flat" cmpd="sng" algn="ctr">
+        <a:solidFill>
+          <a:schemeClr val="tx1">
+            <a:lumMod val="15000"/>
+            <a:lumOff val="85000"/>
+          </a:schemeClr>
+        </a:solidFill>
+        <a:round/>
+      </a:ln>
+    </cs:spPr>
+  </cs:gridlineMajor>
+  <cs:gridlineMinor>
+    <cs:lnRef idx="0"/>
+    <cs:fillRef idx="0"/>
+    <cs:effectRef idx="0"/>
+    <cs:fontRef idx="minor">
+      <a:schemeClr val="tx1"/>
+    </cs:fontRef>
+    <cs:spPr>
+      <a:ln w="9525" cap="flat" cmpd="sng" algn="ctr">
+        <a:solidFill>
+          <a:schemeClr val="tx1">
+            <a:lumMod val="5000"/>
+            <a:lumOff val="95000"/>
+          </a:schemeClr>
+        </a:solidFill>
+        <a:round/>
+      </a:ln>
+    </cs:spPr>
+  </cs:gridlineMinor>
+  <cs:hiLoLine>
+    <cs:lnRef idx="0"/>
+    <cs:fillRef idx="0"/>
+    <cs:effectRef idx="0"/>
+    <cs:fontRef idx="minor">
+      <a:schemeClr val="tx1"/>
+    </cs:fontRef>
+    <cs:spPr>
+      <a:ln w="9525" cap="flat" cmpd="sng" algn="ctr">
+        <a:solidFill>
+          <a:schemeClr val="tx1">
+            <a:lumMod val="50000"/>
+            <a:lumOff val="50000"/>
+          </a:schemeClr>
+        </a:solidFill>
+        <a:round/>
+      </a:ln>
+    </cs:spPr>
+  </cs:hiLoLine>
+  <cs:leaderLine>
+    <cs:lnRef idx="0"/>
+    <cs:fillRef idx="0"/>
+    <cs:effectRef idx="0"/>
+    <cs:fontRef idx="minor">
+      <a:schemeClr val="tx1"/>
+    </cs:fontRef>
+    <cs:spPr>
+      <a:ln w="9525" cap="flat" cmpd="sng" algn="ctr">
+        <a:solidFill>
+          <a:schemeClr val="tx1">
+            <a:lumMod val="35000"/>
+            <a:lumOff val="65000"/>
+          </a:schemeClr>
+        </a:solidFill>
+        <a:round/>
+      </a:ln>
+    </cs:spPr>
+  </cs:leaderLine>
+  <cs:legend>
+    <cs:lnRef idx="0"/>
+    <cs:fillRef idx="0"/>
+    <cs:effectRef idx="0"/>
+    <cs:fontRef idx="minor">
+      <a:schemeClr val="tx1">
+        <a:lumMod val="65000"/>
+        <a:lumOff val="35000"/>
+      </a:schemeClr>
+    </cs:fontRef>
+    <cs:defRPr sz="900" kern="1200"/>
+  </cs:legend>
+  <cs:plotArea mods="allowNoFillOverride allowNoLineOverride">
+    <cs:lnRef idx="0"/>
+    <cs:fillRef idx="0"/>
+    <cs:effectRef idx="0"/>
+    <cs:fontRef idx="minor">
+      <a:schemeClr val="tx1"/>
+    </cs:fontRef>
+  </cs:plotArea>
+  <cs:plotArea3D mods="allowNoFillOverride allowNoLineOverride">
+    <cs:lnRef idx="0"/>
+    <cs:fillRef idx="0"/>
+    <cs:effectRef idx="0"/>
+    <cs:fontRef idx="minor">
+      <a:schemeClr val="tx1"/>
+    </cs:fontRef>
+  </cs:plotArea3D>
+  <cs:seriesAxis>
+    <cs:lnRef idx="0"/>
+    <cs:fillRef idx="0"/>
+    <cs:effectRef idx="0"/>
+    <cs:fontRef idx="minor">
+      <a:schemeClr val="tx1">
+        <a:lumMod val="65000"/>
+        <a:lumOff val="35000"/>
+      </a:schemeClr>
+    </cs:fontRef>
+    <cs:defRPr sz="900" kern="1200"/>
+  </cs:seriesAxis>
+  <cs:seriesLine>
+    <cs:lnRef idx="0"/>
+    <cs:fillRef idx="0"/>
+    <cs:effectRef idx="0"/>
+    <cs:fontRef idx="minor">
+      <a:schemeClr val="tx1"/>
+    </cs:fontRef>
+    <cs:spPr>
+      <a:ln w="9525" cap="flat" cmpd="sng" algn="ctr">
+        <a:solidFill>
+          <a:schemeClr val="tx1">
+            <a:lumMod val="35000"/>
+            <a:lumOff val="65000"/>
+          </a:schemeClr>
+        </a:solidFill>
+        <a:round/>
+      </a:ln>
+    </cs:spPr>
+  </cs:seriesLine>
+  <cs:title>
+    <cs:lnRef idx="0"/>
+    <cs:fillRef idx="0"/>
+    <cs:effectRef idx="0"/>
+    <cs:fontRef idx="minor">
+      <a:schemeClr val="tx1">
+        <a:lumMod val="65000"/>
+        <a:lumOff val="35000"/>
+      </a:schemeClr>
+    </cs:fontRef>
+    <cs:defRPr sz="1400" b="0" kern="1200" spc="0" baseline="0"/>
+  </cs:title>
+  <cs:trendline>
+    <cs:lnRef idx="0">
+      <cs:styleClr val="auto"/>
+    </cs:lnRef>
+    <cs:fillRef idx="0"/>
+    <cs:effectRef idx="0"/>
+    <cs:fontRef idx="minor">
+      <a:schemeClr val="tx1"/>
+    </cs:fontRef>
+    <cs:spPr>
+      <a:ln w="19050" cap="rnd">
+        <a:solidFill>
+          <a:schemeClr val="phClr"/>
+        </a:solidFill>
+        <a:prstDash val="sysDot"/>
+      </a:ln>
+    </cs:spPr>
+  </cs:trendline>
+  <cs:trendlineLabel>
+    <cs:lnRef idx="0"/>
+    <cs:fillRef idx="0"/>
+    <cs:effectRef idx="0"/>
+    <cs:fontRef idx="minor">
+      <a:schemeClr val="tx1">
+        <a:lumMod val="65000"/>
+        <a:lumOff val="35000"/>
+      </a:schemeClr>
+    </cs:fontRef>
+    <cs:defRPr sz="900" kern="1200"/>
+  </cs:trendlineLabel>
+  <cs:upBar>
+    <cs:lnRef idx="0"/>
+    <cs:fillRef idx="0"/>
+    <cs:effectRef idx="0"/>
+    <cs:fontRef idx="minor">
+      <a:schemeClr val="tx1"/>
+    </cs:fontRef>
+    <cs:spPr>
+      <a:solidFill>
+        <a:schemeClr val="lt1"/>
+      </a:solidFill>
+      <a:ln w="9525" cap="flat" cmpd="sng" algn="ctr">
+        <a:solidFill>
+          <a:schemeClr val="tx1">
+            <a:lumMod val="65000"/>
+            <a:lumOff val="35000"/>
+          </a:schemeClr>
+        </a:solidFill>
+        <a:round/>
+      </a:ln>
+    </cs:spPr>
+  </cs:upBar>
+  <cs:valueAxis>
+    <cs:lnRef idx="0"/>
+    <cs:fillRef idx="0"/>
+    <cs:effectRef idx="0"/>
+    <cs:fontRef idx="minor">
+      <a:schemeClr val="tx1">
+        <a:lumMod val="65000"/>
+        <a:lumOff val="35000"/>
+      </a:schemeClr>
+    </cs:fontRef>
+    <cs:defRPr sz="900" kern="1200"/>
+  </cs:valueAxis>
+  <cs:wall>
+    <cs:lnRef idx="0"/>
+    <cs:fillRef idx="0"/>
+    <cs:effectRef idx="0"/>
+    <cs:fontRef idx="minor">
+      <a:schemeClr val="tx1"/>
+    </cs:fontRef>
+    <cs:spPr>
+      <a:noFill/>
+      <a:ln>
+        <a:noFill/>
+      </a:ln>
+    </cs:spPr>
+  </cs:wall>
+</cs:chartStyle>
+</file>
+
+<file path=ppt/charts/style3.xml><?xml version="1.0" encoding="utf-8"?>
+<cs:chartStyle xmlns:cs="http://schemas.microsoft.com/office/drawing/2012/chartStyle" xmlns:a="http://schemas.openxmlformats.org/drawingml/2006/main" id="216">
+  <cs:axisTitle>
+    <cs:lnRef idx="0"/>
+    <cs:fillRef idx="0"/>
+    <cs:effectRef idx="0"/>
+    <cs:fontRef idx="minor">
+      <a:schemeClr val="tx1">
+        <a:lumMod val="65000"/>
+        <a:lumOff val="35000"/>
+      </a:schemeClr>
+    </cs:fontRef>
+    <cs:defRPr sz="1000" kern="1200"/>
+  </cs:axisTitle>
+  <cs:categoryAxis>
+    <cs:lnRef idx="0"/>
+    <cs:fillRef idx="0"/>
+    <cs:effectRef idx="0"/>
+    <cs:fontRef idx="minor">
+      <a:schemeClr val="tx1">
+        <a:lumMod val="65000"/>
+        <a:lumOff val="35000"/>
+      </a:schemeClr>
+    </cs:fontRef>
+    <cs:spPr>
+      <a:ln w="9525" cap="flat" cmpd="sng" algn="ctr">
+        <a:solidFill>
+          <a:schemeClr val="tx1">
+            <a:lumMod val="15000"/>
+            <a:lumOff val="85000"/>
+          </a:schemeClr>
+        </a:solidFill>
+        <a:round/>
+      </a:ln>
+    </cs:spPr>
+    <cs:defRPr sz="900" kern="1200"/>
+  </cs:categoryAxis>
+  <cs:chartArea mods="allowNoFillOverride allowNoLineOverride">
+    <cs:lnRef idx="0"/>
+    <cs:fillRef idx="0"/>
+    <cs:effectRef idx="0"/>
+    <cs:fontRef idx="minor">
+      <a:schemeClr val="tx1"/>
+    </cs:fontRef>
+    <cs:spPr>
+      <a:solidFill>
+        <a:schemeClr val="bg1"/>
+      </a:solidFill>
+      <a:ln w="9525" cap="flat" cmpd="sng" algn="ctr">
+        <a:solidFill>
+          <a:schemeClr val="tx1">
+            <a:lumMod val="15000"/>
+            <a:lumOff val="85000"/>
+          </a:schemeClr>
+        </a:solidFill>
+        <a:round/>
+      </a:ln>
+    </cs:spPr>
+    <cs:defRPr sz="1000" kern="1200"/>
+  </cs:chartArea>
+  <cs:dataLabel>
+    <cs:lnRef idx="0"/>
+    <cs:fillRef idx="0"/>
+    <cs:effectRef idx="0"/>
+    <cs:fontRef idx="minor">
+      <a:schemeClr val="tx1">
+        <a:lumMod val="75000"/>
+        <a:lumOff val="25000"/>
+      </a:schemeClr>
+    </cs:fontRef>
+    <cs:defRPr sz="900" kern="1200"/>
+  </cs:dataLabel>
+  <cs:dataLabelCallout>
+    <cs:lnRef idx="0"/>
+    <cs:fillRef idx="0"/>
+    <cs:effectRef idx="0"/>
+    <cs:fontRef idx="minor">
+      <a:schemeClr val="dk1">
+        <a:lumMod val="65000"/>
+        <a:lumOff val="35000"/>
+      </a:schemeClr>
+    </cs:fontRef>
+    <cs:spPr>
+      <a:solidFill>
+        <a:schemeClr val="lt1"/>
+      </a:solidFill>
+      <a:ln>
+        <a:solidFill>
+          <a:schemeClr val="dk1">
+            <a:lumMod val="25000"/>
+            <a:lumOff val="75000"/>
+          </a:schemeClr>
+        </a:solidFill>
+      </a:ln>
+    </cs:spPr>
+    <cs:defRPr sz="900" kern="1200"/>
+    <cs:bodyPr rot="0" spcFirstLastPara="1" vertOverflow="clip" horzOverflow="clip" vert="horz" wrap="square" lIns="36576" tIns="18288" rIns="36576" bIns="18288" anchor="ctr" anchorCtr="1">
+      <a:spAutoFit/>
+    </cs:bodyPr>
+  </cs:dataLabelCallout>
+  <cs:dataPoint>
+    <cs:lnRef idx="0"/>
+    <cs:fillRef idx="1">
+      <cs:styleClr val="auto"/>
+    </cs:fillRef>
+    <cs:effectRef idx="0"/>
+    <cs:fontRef idx="minor">
+      <a:schemeClr val="tx1"/>
+    </cs:fontRef>
+  </cs:dataPoint>
+  <cs:dataPoint3D>
+    <cs:lnRef idx="0"/>
+    <cs:fillRef idx="1">
+      <cs:styleClr val="auto"/>
+    </cs:fillRef>
+    <cs:effectRef idx="0"/>
+    <cs:fontRef idx="minor">
+      <a:schemeClr val="tx1"/>
+    </cs:fontRef>
+  </cs:dataPoint3D>
+  <cs:dataPointLine>
+    <cs:lnRef idx="0">
+      <cs:styleClr val="auto"/>
+    </cs:lnRef>
+    <cs:fillRef idx="1"/>
+    <cs:effectRef idx="0"/>
+    <cs:fontRef idx="minor">
+      <a:schemeClr val="tx1"/>
+    </cs:fontRef>
+    <cs:spPr>
+      <a:ln w="28575" cap="rnd">
+        <a:solidFill>
+          <a:schemeClr val="phClr"/>
+        </a:solidFill>
+        <a:round/>
+      </a:ln>
+    </cs:spPr>
+  </cs:dataPointLine>
+  <cs:dataPointMarker>
+    <cs:lnRef idx="0">
+      <cs:styleClr val="auto"/>
+    </cs:lnRef>
+    <cs:fillRef idx="1">
+      <cs:styleClr val="auto"/>
+    </cs:fillRef>
+    <cs:effectRef idx="0"/>
+    <cs:fontRef idx="minor">
+      <a:schemeClr val="tx1"/>
+    </cs:fontRef>
+    <cs:spPr>
+      <a:ln w="9525">
+        <a:solidFill>
+          <a:schemeClr val="phClr"/>
+        </a:solidFill>
+      </a:ln>
+    </cs:spPr>
+  </cs:dataPointMarker>
+  <cs:dataPointMarkerLayout symbol="circle" size="5"/>
+  <cs:dataPointWireframe>
+    <cs:lnRef idx="0">
+      <cs:styleClr val="auto"/>
+    </cs:lnRef>
+    <cs:fillRef idx="1"/>
+    <cs:effectRef idx="0"/>
+    <cs:fontRef idx="minor">
+      <a:schemeClr val="tx1"/>
+    </cs:fontRef>
+    <cs:spPr>
+      <a:ln w="9525" cap="rnd">
+        <a:solidFill>
+          <a:schemeClr val="phClr"/>
+        </a:solidFill>
+        <a:round/>
+      </a:ln>
+    </cs:spPr>
+  </cs:dataPointWireframe>
+  <cs:dataTable>
+    <cs:lnRef idx="0"/>
+    <cs:fillRef idx="0"/>
+    <cs:effectRef idx="0"/>
+    <cs:fontRef idx="minor">
+      <a:schemeClr val="tx1">
+        <a:lumMod val="65000"/>
+        <a:lumOff val="35000"/>
+      </a:schemeClr>
+    </cs:fontRef>
+    <cs:spPr>
+      <a:noFill/>
+      <a:ln w="9525" cap="flat" cmpd="sng" algn="ctr">
+        <a:solidFill>
+          <a:schemeClr val="tx1">
+            <a:lumMod val="15000"/>
+            <a:lumOff val="85000"/>
+          </a:schemeClr>
+        </a:solidFill>
+        <a:round/>
+      </a:ln>
+    </cs:spPr>
+    <cs:defRPr sz="900" kern="1200"/>
+  </cs:dataTable>
+  <cs:downBar>
+    <cs:lnRef idx="0"/>
+    <cs:fillRef idx="0"/>
+    <cs:effectRef idx="0"/>
+    <cs:fontRef idx="minor">
+      <a:schemeClr val="tx1"/>
+    </cs:fontRef>
+    <cs:spPr>
+      <a:solidFill>
+        <a:schemeClr val="dk1">
+          <a:lumMod val="75000"/>
+          <a:lumOff val="25000"/>
+        </a:schemeClr>
+      </a:solidFill>
+      <a:ln w="9525" cap="flat" cmpd="sng" algn="ctr">
+        <a:solidFill>
+          <a:schemeClr val="tx1">
+            <a:lumMod val="65000"/>
+            <a:lumOff val="35000"/>
+          </a:schemeClr>
+        </a:solidFill>
+        <a:round/>
+      </a:ln>
+    </cs:spPr>
+  </cs:downBar>
+  <cs:dropLine>
+    <cs:lnRef idx="0"/>
+    <cs:fillRef idx="0"/>
+    <cs:effectRef idx="0"/>
+    <cs:fontRef idx="minor">
+      <a:schemeClr val="tx1"/>
+    </cs:fontRef>
+    <cs:spPr>
+      <a:ln w="9525" cap="flat" cmpd="sng" algn="ctr">
+        <a:solidFill>
+          <a:schemeClr val="tx1">
+            <a:lumMod val="35000"/>
+            <a:lumOff val="65000"/>
+          </a:schemeClr>
+        </a:solidFill>
+        <a:round/>
+      </a:ln>
+    </cs:spPr>
+  </cs:dropLine>
+  <cs:errorBar>
+    <cs:lnRef idx="0"/>
+    <cs:fillRef idx="0"/>
+    <cs:effectRef idx="0"/>
+    <cs:fontRef idx="minor">
+      <a:schemeClr val="tx1"/>
+    </cs:fontRef>
+    <cs:spPr>
+      <a:ln w="9525" cap="flat" cmpd="sng" algn="ctr">
+        <a:solidFill>
+          <a:schemeClr val="tx1">
+            <a:lumMod val="65000"/>
+            <a:lumOff val="35000"/>
+          </a:schemeClr>
+        </a:solidFill>
+        <a:round/>
+      </a:ln>
+    </cs:spPr>
+  </cs:errorBar>
+  <cs:floor>
+    <cs:lnRef idx="0"/>
+    <cs:fillRef idx="0"/>
+    <cs:effectRef idx="0"/>
+    <cs:fontRef idx="minor">
+      <a:schemeClr val="tx1"/>
+    </cs:fontRef>
+    <cs:spPr>
+      <a:noFill/>
+      <a:ln>
+        <a:noFill/>
+      </a:ln>
+    </cs:spPr>
+  </cs:floor>
+  <cs:gridlineMajor>
+    <cs:lnRef idx="0"/>
+    <cs:fillRef idx="0"/>
+    <cs:effectRef idx="0"/>
+    <cs:fontRef idx="minor">
+      <a:schemeClr val="tx1"/>
+    </cs:fontRef>
+    <cs:spPr>
+      <a:ln w="9525" cap="flat" cmpd="sng" algn="ctr">
+        <a:solidFill>
+          <a:schemeClr val="tx1">
+            <a:lumMod val="15000"/>
+            <a:lumOff val="85000"/>
+          </a:schemeClr>
+        </a:solidFill>
+        <a:round/>
+      </a:ln>
+    </cs:spPr>
+  </cs:gridlineMajor>
+  <cs:gridlineMinor>
+    <cs:lnRef idx="0"/>
+    <cs:fillRef idx="0"/>
+    <cs:effectRef idx="0"/>
+    <cs:fontRef idx="minor">
+      <a:schemeClr val="tx1"/>
+    </cs:fontRef>
+    <cs:spPr>
+      <a:ln w="9525" cap="flat" cmpd="sng" algn="ctr">
+        <a:solidFill>
+          <a:schemeClr val="tx1">
+            <a:lumMod val="5000"/>
+            <a:lumOff val="95000"/>
+          </a:schemeClr>
+        </a:solidFill>
+        <a:round/>
+      </a:ln>
+    </cs:spPr>
+  </cs:gridlineMinor>
+  <cs:hiLoLine>
+    <cs:lnRef idx="0"/>
+    <cs:fillRef idx="0"/>
+    <cs:effectRef idx="0"/>
+    <cs:fontRef idx="minor">
+      <a:schemeClr val="tx1"/>
+    </cs:fontRef>
+    <cs:spPr>
+      <a:ln w="9525" cap="flat" cmpd="sng" algn="ctr">
+        <a:solidFill>
+          <a:schemeClr val="tx1">
+            <a:lumMod val="50000"/>
+            <a:lumOff val="50000"/>
+          </a:schemeClr>
+        </a:solidFill>
+        <a:round/>
+      </a:ln>
+    </cs:spPr>
+  </cs:hiLoLine>
+  <cs:leaderLine>
+    <cs:lnRef idx="0"/>
+    <cs:fillRef idx="0"/>
+    <cs:effectRef idx="0"/>
+    <cs:fontRef idx="minor">
+      <a:schemeClr val="tx1"/>
+    </cs:fontRef>
+    <cs:spPr>
+      <a:ln w="9525" cap="flat" cmpd="sng" algn="ctr">
+        <a:solidFill>
+          <a:schemeClr val="tx1">
+            <a:lumMod val="35000"/>
+            <a:lumOff val="65000"/>
+          </a:schemeClr>
+        </a:solidFill>
+        <a:round/>
+      </a:ln>
+    </cs:spPr>
+  </cs:leaderLine>
+  <cs:legend>
+    <cs:lnRef idx="0"/>
+    <cs:fillRef idx="0"/>
+    <cs:effectRef idx="0"/>
+    <cs:fontRef idx="minor">
+      <a:schemeClr val="tx1">
+        <a:lumMod val="65000"/>
+        <a:lumOff val="35000"/>
+      </a:schemeClr>
+    </cs:fontRef>
+    <cs:defRPr sz="900" kern="1200"/>
+  </cs:legend>
+  <cs:plotArea mods="allowNoFillOverride allowNoLineOverride">
+    <cs:lnRef idx="0"/>
+    <cs:fillRef idx="0"/>
+    <cs:effectRef idx="0"/>
+    <cs:fontRef idx="minor">
+      <a:schemeClr val="tx1"/>
+    </cs:fontRef>
+  </cs:plotArea>
+  <cs:plotArea3D mods="allowNoFillOverride allowNoLineOverride">
+    <cs:lnRef idx="0"/>
+    <cs:fillRef idx="0"/>
+    <cs:effectRef idx="0"/>
+    <cs:fontRef idx="minor">
+      <a:schemeClr val="tx1"/>
+    </cs:fontRef>
+  </cs:plotArea3D>
+  <cs:seriesAxis>
+    <cs:lnRef idx="0"/>
+    <cs:fillRef idx="0"/>
+    <cs:effectRef idx="0"/>
+    <cs:fontRef idx="minor">
+      <a:schemeClr val="tx1">
+        <a:lumMod val="65000"/>
+        <a:lumOff val="35000"/>
+      </a:schemeClr>
+    </cs:fontRef>
+    <cs:defRPr sz="900" kern="1200"/>
+  </cs:seriesAxis>
+  <cs:seriesLine>
+    <cs:lnRef idx="0"/>
+    <cs:fillRef idx="0"/>
+    <cs:effectRef idx="0"/>
+    <cs:fontRef idx="minor">
+      <a:schemeClr val="tx1"/>
+    </cs:fontRef>
+    <cs:spPr>
+      <a:ln w="9525" cap="flat" cmpd="sng" algn="ctr">
+        <a:solidFill>
+          <a:schemeClr val="tx1">
+            <a:lumMod val="35000"/>
+            <a:lumOff val="65000"/>
+          </a:schemeClr>
+        </a:solidFill>
+        <a:round/>
+      </a:ln>
+    </cs:spPr>
+  </cs:seriesLine>
+  <cs:title>
+    <cs:lnRef idx="0"/>
+    <cs:fillRef idx="0"/>
+    <cs:effectRef idx="0"/>
+    <cs:fontRef idx="minor">
+      <a:schemeClr val="tx1">
+        <a:lumMod val="65000"/>
+        <a:lumOff val="35000"/>
+      </a:schemeClr>
+    </cs:fontRef>
+    <cs:defRPr sz="1400" b="0" kern="1200" spc="0" baseline="0"/>
+  </cs:title>
+  <cs:trendline>
+    <cs:lnRef idx="0">
+      <cs:styleClr val="auto"/>
+    </cs:lnRef>
+    <cs:fillRef idx="0"/>
+    <cs:effectRef idx="0"/>
+    <cs:fontRef idx="minor">
+      <a:schemeClr val="tx1"/>
+    </cs:fontRef>
+    <cs:spPr>
+      <a:ln w="19050" cap="rnd">
+        <a:solidFill>
+          <a:schemeClr val="phClr"/>
+        </a:solidFill>
+        <a:prstDash val="sysDot"/>
+      </a:ln>
+    </cs:spPr>
+  </cs:trendline>
+  <cs:trendlineLabel>
+    <cs:lnRef idx="0"/>
+    <cs:fillRef idx="0"/>
+    <cs:effectRef idx="0"/>
+    <cs:fontRef idx="minor">
+      <a:schemeClr val="tx1">
+        <a:lumMod val="65000"/>
+        <a:lumOff val="35000"/>
+      </a:schemeClr>
+    </cs:fontRef>
+    <cs:defRPr sz="900" kern="1200"/>
+  </cs:trendlineLabel>
+  <cs:upBar>
+    <cs:lnRef idx="0"/>
+    <cs:fillRef idx="0"/>
+    <cs:effectRef idx="0"/>
+    <cs:fontRef idx="minor">
+      <a:schemeClr val="tx1"/>
+    </cs:fontRef>
+    <cs:spPr>
+      <a:solidFill>
+        <a:schemeClr val="lt1"/>
+      </a:solidFill>
+      <a:ln w="9525" cap="flat" cmpd="sng" algn="ctr">
+        <a:solidFill>
+          <a:schemeClr val="tx1">
+            <a:lumMod val="65000"/>
+            <a:lumOff val="35000"/>
+          </a:schemeClr>
+        </a:solidFill>
+        <a:round/>
+      </a:ln>
+    </cs:spPr>
+  </cs:upBar>
+  <cs:valueAxis>
+    <cs:lnRef idx="0"/>
+    <cs:fillRef idx="0"/>
+    <cs:effectRef idx="0"/>
+    <cs:fontRef idx="minor">
+      <a:schemeClr val="tx1">
+        <a:lumMod val="65000"/>
+        <a:lumOff val="35000"/>
+      </a:schemeClr>
+    </cs:fontRef>
+    <cs:defRPr sz="900" kern="1200"/>
+  </cs:valueAxis>
+  <cs:wall>
+    <cs:lnRef idx="0"/>
+    <cs:fillRef idx="0"/>
+    <cs:effectRef idx="0"/>
+    <cs:fontRef idx="minor">
+      <a:schemeClr val="tx1"/>
+    </cs:fontRef>
+    <cs:spPr>
+      <a:noFill/>
+      <a:ln>
+        <a:noFill/>
+      </a:ln>
+    </cs:spPr>
+  </cs:wall>
+</cs:chartStyle>
+</file>
+
 <file path=ppt/notesMasters/notesMaster1.xml><?xml version="1.0" encoding="utf-8"?>
 <p:notesMaster xmlns:a="http://schemas.openxmlformats.org/drawingml/2006/main" xmlns:r="http://schemas.openxmlformats.org/officeDocument/2006/relationships" xmlns:p="http://schemas.openxmlformats.org/presentationml/2006/main">
   <p:cSld>
@@ -1548,7 +3660,7 @@
           <a:p>
             <a:fld id="{6AD21B29-4B2C-45D3-A635-AAD919103DBC}" type="datetimeFigureOut">
               <a:rPr lang="zh-CN" altLang="en-US" smtClean="0"/>
-              <a:t>2024/4/8</a:t>
+              <a:t>2024/4/10</a:t>
             </a:fld>
             <a:endParaRPr lang="zh-CN" altLang="en-US"/>
           </a:p>
@@ -1815,90 +3927,6 @@
 </p:notesMaster>
 </file>
 
-<file path=ppt/notesSlides/notesSlide1.xml><?xml version="1.0" encoding="utf-8"?>
-<p:notes xmlns:a="http://schemas.openxmlformats.org/drawingml/2006/main" xmlns:r="http://schemas.openxmlformats.org/officeDocument/2006/relationships" xmlns:p="http://schemas.openxmlformats.org/presentationml/2006/main">
-  <p:cSld>
-    <p:spTree>
-      <p:nvGrpSpPr>
-        <p:cNvPr id="1" name=""/>
-        <p:cNvGrpSpPr/>
-        <p:nvPr/>
-      </p:nvGrpSpPr>
-      <p:grpSpPr>
-        <a:xfrm>
-          <a:off x="0" y="0"/>
-          <a:ext cx="0" cy="0"/>
-          <a:chOff x="0" y="0"/>
-          <a:chExt cx="0" cy="0"/>
-        </a:xfrm>
-      </p:grpSpPr>
-      <p:sp>
-        <p:nvSpPr>
-          <p:cNvPr id="2" name="幻灯片图像占位符 1"/>
-          <p:cNvSpPr>
-            <a:spLocks noGrp="1" noRot="1" noChangeAspect="1"/>
-          </p:cNvSpPr>
-          <p:nvPr>
-            <p:ph type="sldImg"/>
-          </p:nvPr>
-        </p:nvSpPr>
-        <p:spPr/>
-      </p:sp>
-      <p:sp>
-        <p:nvSpPr>
-          <p:cNvPr id="3" name="备注占位符 2"/>
-          <p:cNvSpPr>
-            <a:spLocks noGrp="1"/>
-          </p:cNvSpPr>
-          <p:nvPr>
-            <p:ph type="body" idx="1"/>
-          </p:nvPr>
-        </p:nvSpPr>
-        <p:spPr/>
-        <p:txBody>
-          <a:bodyPr/>
-          <a:lstStyle/>
-          <a:p>
-            <a:endParaRPr lang="zh-CN" altLang="en-US" dirty="0"/>
-          </a:p>
-        </p:txBody>
-      </p:sp>
-      <p:sp>
-        <p:nvSpPr>
-          <p:cNvPr id="4" name="灯片编号占位符 3"/>
-          <p:cNvSpPr>
-            <a:spLocks noGrp="1"/>
-          </p:cNvSpPr>
-          <p:nvPr>
-            <p:ph type="sldNum" sz="quarter" idx="5"/>
-          </p:nvPr>
-        </p:nvSpPr>
-        <p:spPr/>
-        <p:txBody>
-          <a:bodyPr/>
-          <a:lstStyle/>
-          <a:p>
-            <a:fld id="{842F2834-E7F9-4270-A66E-AB61FE286B97}" type="slidenum">
-              <a:rPr lang="zh-CN" altLang="en-US" smtClean="0"/>
-              <a:t>1</a:t>
-            </a:fld>
-            <a:endParaRPr lang="zh-CN" altLang="en-US"/>
-          </a:p>
-        </p:txBody>
-      </p:sp>
-    </p:spTree>
-    <p:extLst>
-      <p:ext uri="{BB962C8B-B14F-4D97-AF65-F5344CB8AC3E}">
-        <p14:creationId xmlns:p14="http://schemas.microsoft.com/office/powerpoint/2010/main" val="2770875498"/>
-      </p:ext>
-    </p:extLst>
-  </p:cSld>
-  <p:clrMapOvr>
-    <a:masterClrMapping/>
-  </p:clrMapOvr>
-</p:notes>
-</file>
-
 <file path=ppt/slideLayouts/slideLayout1.xml><?xml version="1.0" encoding="utf-8"?>
 <p:sldLayout xmlns:a="http://schemas.openxmlformats.org/drawingml/2006/main" xmlns:r="http://schemas.openxmlformats.org/officeDocument/2006/relationships" xmlns:p="http://schemas.openxmlformats.org/presentationml/2006/main" type="title" preserve="1">
   <p:cSld name="标题幻灯片">
@@ -2046,7 +4074,7 @@
           <a:p>
             <a:fld id="{45015B89-2F5E-4669-B7A0-C312F8064276}" type="datetimeFigureOut">
               <a:rPr lang="zh-CN" altLang="en-US" smtClean="0"/>
-              <a:t>2024/4/8</a:t>
+              <a:t>2024/4/10</a:t>
             </a:fld>
             <a:endParaRPr lang="zh-CN" altLang="en-US"/>
           </a:p>
@@ -2244,7 +4272,7 @@
           <a:p>
             <a:fld id="{45015B89-2F5E-4669-B7A0-C312F8064276}" type="datetimeFigureOut">
               <a:rPr lang="zh-CN" altLang="en-US" smtClean="0"/>
-              <a:t>2024/4/8</a:t>
+              <a:t>2024/4/10</a:t>
             </a:fld>
             <a:endParaRPr lang="zh-CN" altLang="en-US"/>
           </a:p>
@@ -2452,7 +4480,7 @@
           <a:p>
             <a:fld id="{45015B89-2F5E-4669-B7A0-C312F8064276}" type="datetimeFigureOut">
               <a:rPr lang="zh-CN" altLang="en-US" smtClean="0"/>
-              <a:t>2024/4/8</a:t>
+              <a:t>2024/4/10</a:t>
             </a:fld>
             <a:endParaRPr lang="zh-CN" altLang="en-US"/>
           </a:p>
@@ -2650,7 +4678,7 @@
           <a:p>
             <a:fld id="{45015B89-2F5E-4669-B7A0-C312F8064276}" type="datetimeFigureOut">
               <a:rPr lang="zh-CN" altLang="en-US" smtClean="0"/>
-              <a:t>2024/4/8</a:t>
+              <a:t>2024/4/10</a:t>
             </a:fld>
             <a:endParaRPr lang="zh-CN" altLang="en-US"/>
           </a:p>
@@ -2925,7 +4953,7 @@
           <a:p>
             <a:fld id="{45015B89-2F5E-4669-B7A0-C312F8064276}" type="datetimeFigureOut">
               <a:rPr lang="zh-CN" altLang="en-US" smtClean="0"/>
-              <a:t>2024/4/8</a:t>
+              <a:t>2024/4/10</a:t>
             </a:fld>
             <a:endParaRPr lang="zh-CN" altLang="en-US"/>
           </a:p>
@@ -3190,7 +5218,7 @@
           <a:p>
             <a:fld id="{45015B89-2F5E-4669-B7A0-C312F8064276}" type="datetimeFigureOut">
               <a:rPr lang="zh-CN" altLang="en-US" smtClean="0"/>
-              <a:t>2024/4/8</a:t>
+              <a:t>2024/4/10</a:t>
             </a:fld>
             <a:endParaRPr lang="zh-CN" altLang="en-US"/>
           </a:p>
@@ -3602,7 +5630,7 @@
           <a:p>
             <a:fld id="{45015B89-2F5E-4669-B7A0-C312F8064276}" type="datetimeFigureOut">
               <a:rPr lang="zh-CN" altLang="en-US" smtClean="0"/>
-              <a:t>2024/4/8</a:t>
+              <a:t>2024/4/10</a:t>
             </a:fld>
             <a:endParaRPr lang="zh-CN" altLang="en-US"/>
           </a:p>
@@ -3743,7 +5771,7 @@
           <a:p>
             <a:fld id="{45015B89-2F5E-4669-B7A0-C312F8064276}" type="datetimeFigureOut">
               <a:rPr lang="zh-CN" altLang="en-US" smtClean="0"/>
-              <a:t>2024/4/8</a:t>
+              <a:t>2024/4/10</a:t>
             </a:fld>
             <a:endParaRPr lang="zh-CN" altLang="en-US"/>
           </a:p>
@@ -3856,7 +5884,7 @@
           <a:p>
             <a:fld id="{45015B89-2F5E-4669-B7A0-C312F8064276}" type="datetimeFigureOut">
               <a:rPr lang="zh-CN" altLang="en-US" smtClean="0"/>
-              <a:t>2024/4/8</a:t>
+              <a:t>2024/4/10</a:t>
             </a:fld>
             <a:endParaRPr lang="zh-CN" altLang="en-US"/>
           </a:p>
@@ -4167,7 +6195,7 @@
           <a:p>
             <a:fld id="{45015B89-2F5E-4669-B7A0-C312F8064276}" type="datetimeFigureOut">
               <a:rPr lang="zh-CN" altLang="en-US" smtClean="0"/>
-              <a:t>2024/4/8</a:t>
+              <a:t>2024/4/10</a:t>
             </a:fld>
             <a:endParaRPr lang="zh-CN" altLang="en-US"/>
           </a:p>
@@ -4455,7 +6483,7 @@
           <a:p>
             <a:fld id="{45015B89-2F5E-4669-B7A0-C312F8064276}" type="datetimeFigureOut">
               <a:rPr lang="zh-CN" altLang="en-US" smtClean="0"/>
-              <a:t>2024/4/8</a:t>
+              <a:t>2024/4/10</a:t>
             </a:fld>
             <a:endParaRPr lang="zh-CN" altLang="en-US"/>
           </a:p>
@@ -4696,7 +6724,7 @@
           <a:p>
             <a:fld id="{45015B89-2F5E-4669-B7A0-C312F8064276}" type="datetimeFigureOut">
               <a:rPr lang="zh-CN" altLang="en-US" smtClean="0"/>
-              <a:t>2024/4/8</a:t>
+              <a:t>2024/4/10</a:t>
             </a:fld>
             <a:endParaRPr lang="zh-CN" altLang="en-US"/>
           </a:p>
@@ -5118,7 +7146,7 @@
           <p:cNvPr id="2" name="图表 1">
             <a:extLst>
               <a:ext uri="{FF2B5EF4-FFF2-40B4-BE49-F238E27FC236}">
-                <a16:creationId xmlns:a16="http://schemas.microsoft.com/office/drawing/2014/main" id="{D1C220D7-6754-BD2E-7C58-1C4CF97F1A10}"/>
+                <a16:creationId xmlns:a16="http://schemas.microsoft.com/office/drawing/2014/main" id="{969C4F4E-4294-54AE-330A-B9285FC81AB4}"/>
               </a:ext>
             </a:extLst>
           </p:cNvPr>
@@ -5128,25 +7156,25 @@
           <p:nvPr>
             <p:extLst>
               <p:ext uri="{D42A27DB-BD31-4B8C-83A1-F6EECF244321}">
-                <p14:modId xmlns:p14="http://schemas.microsoft.com/office/powerpoint/2010/main" val="1793565534"/>
+                <p14:modId xmlns:p14="http://schemas.microsoft.com/office/powerpoint/2010/main" val="2679914077"/>
               </p:ext>
             </p:extLst>
           </p:nvPr>
         </p:nvGraphicFramePr>
         <p:xfrm>
-          <a:off x="1097705" y="1371913"/>
-          <a:ext cx="8641381" cy="3649717"/>
+          <a:off x="1358462" y="1050597"/>
+          <a:ext cx="8932167" cy="4264572"/>
         </p:xfrm>
         <a:graphic>
           <a:graphicData uri="http://schemas.openxmlformats.org/drawingml/2006/chart">
-            <c:chart xmlns:c="http://schemas.openxmlformats.org/drawingml/2006/chart" xmlns:r="http://schemas.openxmlformats.org/officeDocument/2006/relationships" r:id="rId3"/>
+            <c:chart xmlns:c="http://schemas.openxmlformats.org/drawingml/2006/chart" xmlns:r="http://schemas.openxmlformats.org/officeDocument/2006/relationships" r:id="rId2"/>
           </a:graphicData>
         </a:graphic>
       </p:graphicFrame>
     </p:spTree>
     <p:extLst>
       <p:ext uri="{BB962C8B-B14F-4D97-AF65-F5344CB8AC3E}">
-        <p14:creationId xmlns:p14="http://schemas.microsoft.com/office/powerpoint/2010/main" val="3856689411"/>
+        <p14:creationId xmlns:p14="http://schemas.microsoft.com/office/powerpoint/2010/main" val="715170323"/>
       </p:ext>
     </p:extLst>
   </p:cSld>
@@ -5157,2721 +7185,6 @@
 </file>
 
 <file path=ppt/slides/slide10.xml><?xml version="1.0" encoding="utf-8"?>
-<p:sld xmlns:a="http://schemas.openxmlformats.org/drawingml/2006/main" xmlns:r="http://schemas.openxmlformats.org/officeDocument/2006/relationships" xmlns:p="http://schemas.openxmlformats.org/presentationml/2006/main">
-  <p:cSld>
-    <p:spTree>
-      <p:nvGrpSpPr>
-        <p:cNvPr id="1" name=""/>
-        <p:cNvGrpSpPr/>
-        <p:nvPr/>
-      </p:nvGrpSpPr>
-      <p:grpSpPr>
-        <a:xfrm>
-          <a:off x="0" y="0"/>
-          <a:ext cx="0" cy="0"/>
-          <a:chOff x="0" y="0"/>
-          <a:chExt cx="0" cy="0"/>
-        </a:xfrm>
-      </p:grpSpPr>
-      <p:sp>
-        <p:nvSpPr>
-          <p:cNvPr id="2" name="文本框 1">
-            <a:extLst>
-              <a:ext uri="{FF2B5EF4-FFF2-40B4-BE49-F238E27FC236}">
-                <a16:creationId xmlns:a16="http://schemas.microsoft.com/office/drawing/2014/main" id="{7CCBD6CE-971E-378C-3799-17506DE18EC6}"/>
-              </a:ext>
-            </a:extLst>
-          </p:cNvPr>
-          <p:cNvSpPr txBox="1"/>
-          <p:nvPr/>
-        </p:nvSpPr>
-        <p:spPr>
-          <a:xfrm>
-            <a:off x="194872" y="175098"/>
-            <a:ext cx="1692922" cy="369332"/>
-          </a:xfrm>
-          <a:prstGeom prst="rect">
-            <a:avLst/>
-          </a:prstGeom>
-          <a:noFill/>
-        </p:spPr>
-        <p:txBody>
-          <a:bodyPr wrap="square" rtlCol="0">
-            <a:spAutoFit/>
-          </a:bodyPr>
-          <a:lstStyle/>
-          <a:p>
-            <a:r>
-              <a:rPr lang="en-US" altLang="zh-CN" dirty="0">
-                <a:latin typeface="微软雅黑" panose="020B0503020204020204" pitchFamily="34" charset="-122"/>
-                <a:ea typeface="微软雅黑" panose="020B0503020204020204" pitchFamily="34" charset="-122"/>
-              </a:rPr>
-              <a:t>Token</a:t>
-            </a:r>
-            <a:r>
-              <a:rPr lang="zh-CN" altLang="en-US" dirty="0">
-                <a:latin typeface="微软雅黑" panose="020B0503020204020204" pitchFamily="34" charset="-122"/>
-                <a:ea typeface="微软雅黑" panose="020B0503020204020204" pitchFamily="34" charset="-122"/>
-              </a:rPr>
-              <a:t>框架图</a:t>
-            </a:r>
-            <a:endParaRPr lang="en-US" altLang="zh-CN" dirty="0">
-              <a:latin typeface="微软雅黑" panose="020B0503020204020204" pitchFamily="34" charset="-122"/>
-              <a:ea typeface="微软雅黑" panose="020B0503020204020204" pitchFamily="34" charset="-122"/>
-            </a:endParaRPr>
-          </a:p>
-        </p:txBody>
-      </p:sp>
-      <p:sp>
-        <p:nvSpPr>
-          <p:cNvPr id="3" name="Rectangle 2">
-            <a:extLst>
-              <a:ext uri="{FF2B5EF4-FFF2-40B4-BE49-F238E27FC236}">
-                <a16:creationId xmlns:a16="http://schemas.microsoft.com/office/drawing/2014/main" id="{5932284D-9589-3B8F-38EF-C7E09404E6B5}"/>
-              </a:ext>
-            </a:extLst>
-          </p:cNvPr>
-          <p:cNvSpPr>
-            <a:spLocks noChangeArrowheads="1"/>
-          </p:cNvSpPr>
-          <p:nvPr/>
-        </p:nvSpPr>
-        <p:spPr bwMode="auto">
-          <a:xfrm>
-            <a:off x="0" y="-184666"/>
-            <a:ext cx="184731" cy="369332"/>
-          </a:xfrm>
-          <a:prstGeom prst="rect">
-            <a:avLst/>
-          </a:prstGeom>
-          <a:noFill/>
-          <a:ln>
-            <a:noFill/>
-          </a:ln>
-          <a:effectLst/>
-          <a:extLst>
-            <a:ext uri="{909E8E84-426E-40DD-AFC4-6F175D3DCCD1}">
-              <a14:hiddenFill xmlns:a14="http://schemas.microsoft.com/office/drawing/2010/main">
-                <a:solidFill>
-                  <a:schemeClr val="accent1"/>
-                </a:solidFill>
-              </a14:hiddenFill>
-            </a:ext>
-            <a:ext uri="{91240B29-F687-4F45-9708-019B960494DF}">
-              <a14:hiddenLine xmlns:a14="http://schemas.microsoft.com/office/drawing/2010/main" w="9525">
-                <a:solidFill>
-                  <a:schemeClr val="tx1"/>
-                </a:solidFill>
-                <a:miter lim="800000"/>
-                <a:headEnd/>
-                <a:tailEnd/>
-              </a14:hiddenLine>
-            </a:ext>
-            <a:ext uri="{AF507438-7753-43E0-B8FC-AC1667EBCBE1}">
-              <a14:hiddenEffects xmlns:a14="http://schemas.microsoft.com/office/drawing/2010/main">
-                <a:effectLst>
-                  <a:outerShdw dist="35921" dir="2700000" algn="ctr" rotWithShape="0">
-                    <a:schemeClr val="bg2"/>
-                  </a:outerShdw>
-                </a:effectLst>
-              </a14:hiddenEffects>
-            </a:ext>
-          </a:extLst>
-        </p:spPr>
-        <p:txBody>
-          <a:bodyPr vert="horz" wrap="none" lIns="91440" tIns="45720" rIns="91440" bIns="45720" numCol="1" anchor="ctr" anchorCtr="0" compatLnSpc="1">
-            <a:prstTxWarp prst="textNoShape">
-              <a:avLst/>
-            </a:prstTxWarp>
-            <a:spAutoFit/>
-          </a:bodyPr>
-          <a:lstStyle/>
-          <a:p>
-            <a:endParaRPr lang="zh-CN" altLang="en-US">
-              <a:latin typeface="微软雅黑" panose="020B0503020204020204" pitchFamily="34" charset="-122"/>
-              <a:ea typeface="微软雅黑" panose="020B0503020204020204" pitchFamily="34" charset="-122"/>
-            </a:endParaRPr>
-          </a:p>
-        </p:txBody>
-      </p:sp>
-      <p:sp>
-        <p:nvSpPr>
-          <p:cNvPr id="5" name="矩形 4">
-            <a:extLst>
-              <a:ext uri="{FF2B5EF4-FFF2-40B4-BE49-F238E27FC236}">
-                <a16:creationId xmlns:a16="http://schemas.microsoft.com/office/drawing/2014/main" id="{63731120-946E-4246-83E8-F81E7DA434CF}"/>
-              </a:ext>
-            </a:extLst>
-          </p:cNvPr>
-          <p:cNvSpPr/>
-          <p:nvPr/>
-        </p:nvSpPr>
-        <p:spPr>
-          <a:xfrm>
-            <a:off x="2341326" y="1512604"/>
-            <a:ext cx="3793300" cy="1906237"/>
-          </a:xfrm>
-          <a:prstGeom prst="rect">
-            <a:avLst/>
-          </a:prstGeom>
-          <a:noFill/>
-          <a:ln w="12700">
-            <a:solidFill>
-              <a:schemeClr val="tx1"/>
-            </a:solidFill>
-            <a:prstDash val="sysDash"/>
-            <a:headEnd type="none" w="med" len="med"/>
-            <a:tailEnd type="none" w="med" len="med"/>
-          </a:ln>
-        </p:spPr>
-        <p:style>
-          <a:lnRef idx="2">
-            <a:schemeClr val="accent3"/>
-          </a:lnRef>
-          <a:fillRef idx="1">
-            <a:schemeClr val="lt1"/>
-          </a:fillRef>
-          <a:effectRef idx="0">
-            <a:schemeClr val="accent3"/>
-          </a:effectRef>
-          <a:fontRef idx="minor">
-            <a:schemeClr val="dk1"/>
-          </a:fontRef>
-        </p:style>
-        <p:txBody>
-          <a:bodyPr vert="horz" wrap="square" lIns="91440" tIns="45720" rIns="91440" bIns="45720" numCol="1" rtlCol="0" anchor="ctr" anchorCtr="1" compatLnSpc="1"/>
-          <a:lstStyle/>
-          <a:p>
-            <a:pPr algn="ctr">
-              <a:spcBef>
-                <a:spcPct val="50000"/>
-              </a:spcBef>
-            </a:pPr>
-            <a:endParaRPr lang="zh-CN" altLang="en-US" kern="0" dirty="0">
-              <a:solidFill>
-                <a:prstClr val="black"/>
-              </a:solidFill>
-              <a:latin typeface="微软雅黑" panose="020B0503020204020204" pitchFamily="34" charset="-122"/>
-              <a:ea typeface="微软雅黑" panose="020B0503020204020204" pitchFamily="34" charset="-122"/>
-              <a:cs typeface="Times New Roman" panose="02020603050405020304" pitchFamily="36" charset="0"/>
-            </a:endParaRPr>
-          </a:p>
-        </p:txBody>
-      </p:sp>
-      <p:sp>
-        <p:nvSpPr>
-          <p:cNvPr id="11" name="TextBox 195">
-            <a:extLst>
-              <a:ext uri="{FF2B5EF4-FFF2-40B4-BE49-F238E27FC236}">
-                <a16:creationId xmlns:a16="http://schemas.microsoft.com/office/drawing/2014/main" id="{F68576EE-88DA-DB7D-0339-9144BEC39FEB}"/>
-              </a:ext>
-            </a:extLst>
-          </p:cNvPr>
-          <p:cNvSpPr txBox="1"/>
-          <p:nvPr/>
-        </p:nvSpPr>
-        <p:spPr>
-          <a:xfrm>
-            <a:off x="2822981" y="1072579"/>
-            <a:ext cx="2829991" cy="369332"/>
-          </a:xfrm>
-          <a:prstGeom prst="rect">
-            <a:avLst/>
-          </a:prstGeom>
-          <a:noFill/>
-        </p:spPr>
-        <p:txBody>
-          <a:bodyPr wrap="square" rtlCol="0">
-            <a:spAutoFit/>
-          </a:bodyPr>
-          <a:lstStyle/>
-          <a:p>
-            <a:pPr algn="ctr"/>
-            <a:r>
-              <a:rPr lang="zh-CN" altLang="en-US" dirty="0">
-                <a:latin typeface="微软雅黑" panose="020B0503020204020204" pitchFamily="34" charset="-122"/>
-                <a:ea typeface="微软雅黑" panose="020B0503020204020204" pitchFamily="34" charset="-122"/>
-                <a:cs typeface="Times New Roman" panose="02020603050405020304" pitchFamily="18" charset="0"/>
-              </a:rPr>
-              <a:t>预训练辅助词嵌入阶段</a:t>
-            </a:r>
-          </a:p>
-        </p:txBody>
-      </p:sp>
-      <p:sp>
-        <p:nvSpPr>
-          <p:cNvPr id="17" name="TextBox 202">
-            <a:extLst>
-              <a:ext uri="{FF2B5EF4-FFF2-40B4-BE49-F238E27FC236}">
-                <a16:creationId xmlns:a16="http://schemas.microsoft.com/office/drawing/2014/main" id="{E071AC56-82F7-69D8-2A83-88791ED1B004}"/>
-              </a:ext>
-            </a:extLst>
-          </p:cNvPr>
-          <p:cNvSpPr txBox="1"/>
-          <p:nvPr/>
-        </p:nvSpPr>
-        <p:spPr>
-          <a:xfrm>
-            <a:off x="9005862" y="1072579"/>
-            <a:ext cx="1654650" cy="369332"/>
-          </a:xfrm>
-          <a:prstGeom prst="rect">
-            <a:avLst/>
-          </a:prstGeom>
-          <a:noFill/>
-        </p:spPr>
-        <p:txBody>
-          <a:bodyPr wrap="square" rtlCol="0">
-            <a:spAutoFit/>
-          </a:bodyPr>
-          <a:lstStyle/>
-          <a:p>
-            <a:pPr algn="ctr"/>
-            <a:r>
-              <a:rPr lang="zh-CN" altLang="en-US" dirty="0">
-                <a:latin typeface="微软雅黑" panose="020B0503020204020204" pitchFamily="34" charset="-122"/>
-                <a:ea typeface="微软雅黑" panose="020B0503020204020204" pitchFamily="34" charset="-122"/>
-              </a:rPr>
-              <a:t>属性特征向量</a:t>
-            </a:r>
-          </a:p>
-        </p:txBody>
-      </p:sp>
-      <p:sp>
-        <p:nvSpPr>
-          <p:cNvPr id="20" name="燕尾形 241">
-            <a:extLst>
-              <a:ext uri="{FF2B5EF4-FFF2-40B4-BE49-F238E27FC236}">
-                <a16:creationId xmlns:a16="http://schemas.microsoft.com/office/drawing/2014/main" id="{19E9387F-2AC4-BEE4-0713-8B88FDC5AE1A}"/>
-              </a:ext>
-            </a:extLst>
-          </p:cNvPr>
-          <p:cNvSpPr/>
-          <p:nvPr/>
-        </p:nvSpPr>
-        <p:spPr>
-          <a:xfrm rot="5400000">
-            <a:off x="7586765" y="2290544"/>
-            <a:ext cx="252000" cy="252000"/>
-          </a:xfrm>
-          <a:prstGeom prst="chevron">
-            <a:avLst/>
-          </a:prstGeom>
-          <a:solidFill>
-            <a:srgbClr val="FDF2EA"/>
-          </a:solidFill>
-          <a:ln>
-            <a:solidFill>
-              <a:schemeClr val="tx1"/>
-            </a:solidFill>
-          </a:ln>
-        </p:spPr>
-        <p:style>
-          <a:lnRef idx="2">
-            <a:schemeClr val="accent1">
-              <a:shade val="50000"/>
-            </a:schemeClr>
-          </a:lnRef>
-          <a:fillRef idx="1">
-            <a:schemeClr val="accent1"/>
-          </a:fillRef>
-          <a:effectRef idx="0">
-            <a:schemeClr val="accent1"/>
-          </a:effectRef>
-          <a:fontRef idx="minor">
-            <a:schemeClr val="lt1"/>
-          </a:fontRef>
-        </p:style>
-        <p:txBody>
-          <a:bodyPr rtlCol="0" anchor="ctr"/>
-          <a:lstStyle/>
-          <a:p>
-            <a:pPr algn="ctr"/>
-            <a:endParaRPr lang="zh-CN" altLang="en-US">
-              <a:solidFill>
-                <a:schemeClr val="tx1"/>
-              </a:solidFill>
-              <a:latin typeface="微软雅黑" panose="020B0503020204020204" pitchFamily="34" charset="-122"/>
-              <a:ea typeface="微软雅黑" panose="020B0503020204020204" pitchFamily="34" charset="-122"/>
-            </a:endParaRPr>
-          </a:p>
-        </p:txBody>
-      </p:sp>
-      <mc:AlternateContent xmlns:mc="http://schemas.openxmlformats.org/markup-compatibility/2006">
-        <mc:Choice xmlns:a14="http://schemas.microsoft.com/office/drawing/2010/main" Requires="a14">
-          <p:sp>
-            <p:nvSpPr>
-              <p:cNvPr id="22" name="矩形 21">
-                <a:extLst>
-                  <a:ext uri="{FF2B5EF4-FFF2-40B4-BE49-F238E27FC236}">
-                    <a16:creationId xmlns:a16="http://schemas.microsoft.com/office/drawing/2014/main" id="{4271E068-4F0A-1A66-4B86-2F7482C17A85}"/>
-                  </a:ext>
-                </a:extLst>
-              </p:cNvPr>
-              <p:cNvSpPr/>
-              <p:nvPr/>
-            </p:nvSpPr>
-            <p:spPr>
-              <a:xfrm>
-                <a:off x="9840934" y="2274901"/>
-                <a:ext cx="900183" cy="381643"/>
-              </a:xfrm>
-              <a:prstGeom prst="rect">
-                <a:avLst/>
-              </a:prstGeom>
-            </p:spPr>
-            <p:txBody>
-              <a:bodyPr wrap="none">
-                <a:spAutoFit/>
-              </a:bodyPr>
-              <a:lstStyle/>
-              <a:p>
-                <a:pPr/>
-                <a14:m>
-                  <m:oMathPara xmlns:m="http://schemas.openxmlformats.org/officeDocument/2006/math">
-                    <m:oMathParaPr>
-                      <m:jc m:val="centerGroup"/>
-                    </m:oMathParaPr>
-                    <m:oMath xmlns:m="http://schemas.openxmlformats.org/officeDocument/2006/math">
-                      <m:sSup>
-                        <m:sSupPr>
-                          <m:ctrlPr>
-                            <a:rPr lang="en-US" altLang="zh-CN" i="1">
-                              <a:latin typeface="Cambria Math" panose="02040503050406030204" pitchFamily="18" charset="0"/>
-                            </a:rPr>
-                          </m:ctrlPr>
-                        </m:sSupPr>
-                        <m:e>
-                          <m:r>
-                            <a:rPr lang="en-US" altLang="zh-CN">
-                              <a:latin typeface="Cambria Math"/>
-                            </a:rPr>
-                            <m:t>𝑣</m:t>
-                          </m:r>
-                        </m:e>
-                        <m:sup>
-                          <m:r>
-                            <a:rPr lang="en-US" altLang="zh-CN">
-                              <a:latin typeface="Cambria Math"/>
-                            </a:rPr>
-                            <m:t>𝑇</m:t>
-                          </m:r>
-                          <m:r>
-                            <m:rPr>
-                              <m:sty m:val="p"/>
-                            </m:rPr>
-                            <a:rPr lang="en-US" altLang="zh-CN">
-                              <a:latin typeface="Cambria Math"/>
-                            </a:rPr>
-                            <m:t>oken</m:t>
-                          </m:r>
-                        </m:sup>
-                      </m:sSup>
-                    </m:oMath>
-                  </m:oMathPara>
-                </a14:m>
-                <a:endParaRPr lang="zh-CN" altLang="en-US" dirty="0">
-                  <a:latin typeface="微软雅黑" panose="020B0503020204020204" pitchFamily="34" charset="-122"/>
-                  <a:ea typeface="微软雅黑" panose="020B0503020204020204" pitchFamily="34" charset="-122"/>
-                </a:endParaRPr>
-              </a:p>
-            </p:txBody>
-          </p:sp>
-        </mc:Choice>
-        <mc:Fallback>
-          <p:sp>
-            <p:nvSpPr>
-              <p:cNvPr id="22" name="矩形 21">
-                <a:extLst>
-                  <a:ext uri="{FF2B5EF4-FFF2-40B4-BE49-F238E27FC236}">
-                    <a16:creationId xmlns:a16="http://schemas.microsoft.com/office/drawing/2014/main" id="{4271E068-4F0A-1A66-4B86-2F7482C17A85}"/>
-                  </a:ext>
-                </a:extLst>
-              </p:cNvPr>
-              <p:cNvSpPr>
-                <a:spLocks noRot="1" noChangeAspect="1" noMove="1" noResize="1" noEditPoints="1" noAdjustHandles="1" noChangeArrowheads="1" noChangeShapeType="1" noTextEdit="1"/>
-              </p:cNvSpPr>
-              <p:nvPr/>
-            </p:nvSpPr>
-            <p:spPr>
-              <a:xfrm>
-                <a:off x="9840934" y="2274901"/>
-                <a:ext cx="900183" cy="381643"/>
-              </a:xfrm>
-              <a:prstGeom prst="rect">
-                <a:avLst/>
-              </a:prstGeom>
-              <a:blipFill>
-                <a:blip r:embed="rId2"/>
-                <a:stretch>
-                  <a:fillRect/>
-                </a:stretch>
-              </a:blipFill>
-            </p:spPr>
-            <p:txBody>
-              <a:bodyPr/>
-              <a:lstStyle/>
-              <a:p>
-                <a:r>
-                  <a:rPr lang="zh-CN" altLang="en-US">
-                    <a:noFill/>
-                  </a:rPr>
-                  <a:t> </a:t>
-                </a:r>
-              </a:p>
-            </p:txBody>
-          </p:sp>
-        </mc:Fallback>
-      </mc:AlternateContent>
-      <p:sp>
-        <p:nvSpPr>
-          <p:cNvPr id="23" name="TextBox 247">
-            <a:extLst>
-              <a:ext uri="{FF2B5EF4-FFF2-40B4-BE49-F238E27FC236}">
-                <a16:creationId xmlns:a16="http://schemas.microsoft.com/office/drawing/2014/main" id="{26388312-7FAC-8352-D85A-DBAF487C121E}"/>
-              </a:ext>
-            </a:extLst>
-          </p:cNvPr>
-          <p:cNvSpPr txBox="1"/>
-          <p:nvPr/>
-        </p:nvSpPr>
-        <p:spPr>
-          <a:xfrm>
-            <a:off x="6451184" y="1072579"/>
-            <a:ext cx="2523163" cy="369332"/>
-          </a:xfrm>
-          <a:prstGeom prst="rect">
-            <a:avLst/>
-          </a:prstGeom>
-          <a:noFill/>
-        </p:spPr>
-        <p:txBody>
-          <a:bodyPr wrap="square" rtlCol="0">
-            <a:spAutoFit/>
-          </a:bodyPr>
-          <a:lstStyle/>
-          <a:p>
-            <a:pPr algn="ctr"/>
-            <a:r>
-              <a:rPr lang="en-US" altLang="zh-CN" dirty="0">
-                <a:latin typeface="微软雅黑" panose="020B0503020204020204" pitchFamily="34" charset="-122"/>
-                <a:ea typeface="微软雅黑" panose="020B0503020204020204" pitchFamily="34" charset="-122"/>
-              </a:rPr>
-              <a:t>Token</a:t>
-            </a:r>
-            <a:r>
-              <a:rPr lang="zh-CN" altLang="en-US" dirty="0">
-                <a:latin typeface="微软雅黑" panose="020B0503020204020204" pitchFamily="34" charset="-122"/>
-                <a:ea typeface="微软雅黑" panose="020B0503020204020204" pitchFamily="34" charset="-122"/>
-              </a:rPr>
-              <a:t>代码表征阶段</a:t>
-            </a:r>
-          </a:p>
-        </p:txBody>
-      </p:sp>
-      <p:sp>
-        <p:nvSpPr>
-          <p:cNvPr id="33" name="windows_320167">
-            <a:extLst>
-              <a:ext uri="{FF2B5EF4-FFF2-40B4-BE49-F238E27FC236}">
-                <a16:creationId xmlns:a16="http://schemas.microsoft.com/office/drawing/2014/main" id="{76B1EB9B-F96A-B0AA-508B-DAA277884F12}"/>
-              </a:ext>
-            </a:extLst>
-          </p:cNvPr>
-          <p:cNvSpPr/>
-          <p:nvPr/>
-        </p:nvSpPr>
-        <p:spPr>
-          <a:xfrm>
-            <a:off x="1154986" y="2212071"/>
-            <a:ext cx="609685" cy="507303"/>
-          </a:xfrm>
-          <a:custGeom>
-            <a:avLst/>
-            <a:gdLst>
-              <a:gd name="T0" fmla="*/ 6542 w 6827"/>
-              <a:gd name="T1" fmla="*/ 0 h 5689"/>
-              <a:gd name="T2" fmla="*/ 2560 w 6827"/>
-              <a:gd name="T3" fmla="*/ 0 h 5689"/>
-              <a:gd name="T4" fmla="*/ 2276 w 6827"/>
-              <a:gd name="T5" fmla="*/ 284 h 5689"/>
-              <a:gd name="T6" fmla="*/ 2276 w 6827"/>
-              <a:gd name="T7" fmla="*/ 1138 h 5689"/>
-              <a:gd name="T8" fmla="*/ 1422 w 6827"/>
-              <a:gd name="T9" fmla="*/ 1138 h 5689"/>
-              <a:gd name="T10" fmla="*/ 1138 w 6827"/>
-              <a:gd name="T11" fmla="*/ 1422 h 5689"/>
-              <a:gd name="T12" fmla="*/ 1138 w 6827"/>
-              <a:gd name="T13" fmla="*/ 2275 h 5689"/>
-              <a:gd name="T14" fmla="*/ 284 w 6827"/>
-              <a:gd name="T15" fmla="*/ 2275 h 5689"/>
-              <a:gd name="T16" fmla="*/ 0 w 6827"/>
-              <a:gd name="T17" fmla="*/ 2560 h 5689"/>
-              <a:gd name="T18" fmla="*/ 0 w 6827"/>
-              <a:gd name="T19" fmla="*/ 5404 h 5689"/>
-              <a:gd name="T20" fmla="*/ 284 w 6827"/>
-              <a:gd name="T21" fmla="*/ 5689 h 5689"/>
-              <a:gd name="T22" fmla="*/ 4267 w 6827"/>
-              <a:gd name="T23" fmla="*/ 5689 h 5689"/>
-              <a:gd name="T24" fmla="*/ 4551 w 6827"/>
-              <a:gd name="T25" fmla="*/ 5404 h 5689"/>
-              <a:gd name="T26" fmla="*/ 4551 w 6827"/>
-              <a:gd name="T27" fmla="*/ 4551 h 5689"/>
-              <a:gd name="T28" fmla="*/ 5404 w 6827"/>
-              <a:gd name="T29" fmla="*/ 4551 h 5689"/>
-              <a:gd name="T30" fmla="*/ 5689 w 6827"/>
-              <a:gd name="T31" fmla="*/ 4267 h 5689"/>
-              <a:gd name="T32" fmla="*/ 5689 w 6827"/>
-              <a:gd name="T33" fmla="*/ 3413 h 5689"/>
-              <a:gd name="T34" fmla="*/ 6542 w 6827"/>
-              <a:gd name="T35" fmla="*/ 3413 h 5689"/>
-              <a:gd name="T36" fmla="*/ 6827 w 6827"/>
-              <a:gd name="T37" fmla="*/ 3129 h 5689"/>
-              <a:gd name="T38" fmla="*/ 6827 w 6827"/>
-              <a:gd name="T39" fmla="*/ 284 h 5689"/>
-              <a:gd name="T40" fmla="*/ 6542 w 6827"/>
-              <a:gd name="T41" fmla="*/ 0 h 5689"/>
-              <a:gd name="T42" fmla="*/ 5120 w 6827"/>
-              <a:gd name="T43" fmla="*/ 3982 h 5689"/>
-              <a:gd name="T44" fmla="*/ 4267 w 6827"/>
-              <a:gd name="T45" fmla="*/ 3982 h 5689"/>
-              <a:gd name="T46" fmla="*/ 1707 w 6827"/>
-              <a:gd name="T47" fmla="*/ 3982 h 5689"/>
-              <a:gd name="T48" fmla="*/ 1707 w 6827"/>
-              <a:gd name="T49" fmla="*/ 2560 h 5689"/>
-              <a:gd name="T50" fmla="*/ 1707 w 6827"/>
-              <a:gd name="T51" fmla="*/ 1707 h 5689"/>
-              <a:gd name="T52" fmla="*/ 2276 w 6827"/>
-              <a:gd name="T53" fmla="*/ 1707 h 5689"/>
-              <a:gd name="T54" fmla="*/ 2276 w 6827"/>
-              <a:gd name="T55" fmla="*/ 3129 h 5689"/>
-              <a:gd name="T56" fmla="*/ 2560 w 6827"/>
-              <a:gd name="T57" fmla="*/ 3413 h 5689"/>
-              <a:gd name="T58" fmla="*/ 5120 w 6827"/>
-              <a:gd name="T59" fmla="*/ 3413 h 5689"/>
-              <a:gd name="T60" fmla="*/ 5120 w 6827"/>
-              <a:gd name="T61" fmla="*/ 3982 h 5689"/>
-            </a:gdLst>
-            <a:ahLst/>
-            <a:cxnLst>
-              <a:cxn ang="0">
-                <a:pos x="T0" y="T1"/>
-              </a:cxn>
-              <a:cxn ang="0">
-                <a:pos x="T2" y="T3"/>
-              </a:cxn>
-              <a:cxn ang="0">
-                <a:pos x="T4" y="T5"/>
-              </a:cxn>
-              <a:cxn ang="0">
-                <a:pos x="T6" y="T7"/>
-              </a:cxn>
-              <a:cxn ang="0">
-                <a:pos x="T8" y="T9"/>
-              </a:cxn>
-              <a:cxn ang="0">
-                <a:pos x="T10" y="T11"/>
-              </a:cxn>
-              <a:cxn ang="0">
-                <a:pos x="T12" y="T13"/>
-              </a:cxn>
-              <a:cxn ang="0">
-                <a:pos x="T14" y="T15"/>
-              </a:cxn>
-              <a:cxn ang="0">
-                <a:pos x="T16" y="T17"/>
-              </a:cxn>
-              <a:cxn ang="0">
-                <a:pos x="T18" y="T19"/>
-              </a:cxn>
-              <a:cxn ang="0">
-                <a:pos x="T20" y="T21"/>
-              </a:cxn>
-              <a:cxn ang="0">
-                <a:pos x="T22" y="T23"/>
-              </a:cxn>
-              <a:cxn ang="0">
-                <a:pos x="T24" y="T25"/>
-              </a:cxn>
-              <a:cxn ang="0">
-                <a:pos x="T26" y="T27"/>
-              </a:cxn>
-              <a:cxn ang="0">
-                <a:pos x="T28" y="T29"/>
-              </a:cxn>
-              <a:cxn ang="0">
-                <a:pos x="T30" y="T31"/>
-              </a:cxn>
-              <a:cxn ang="0">
-                <a:pos x="T32" y="T33"/>
-              </a:cxn>
-              <a:cxn ang="0">
-                <a:pos x="T34" y="T35"/>
-              </a:cxn>
-              <a:cxn ang="0">
-                <a:pos x="T36" y="T37"/>
-              </a:cxn>
-              <a:cxn ang="0">
-                <a:pos x="T38" y="T39"/>
-              </a:cxn>
-              <a:cxn ang="0">
-                <a:pos x="T40" y="T41"/>
-              </a:cxn>
-              <a:cxn ang="0">
-                <a:pos x="T42" y="T43"/>
-              </a:cxn>
-              <a:cxn ang="0">
-                <a:pos x="T44" y="T45"/>
-              </a:cxn>
-              <a:cxn ang="0">
-                <a:pos x="T46" y="T47"/>
-              </a:cxn>
-              <a:cxn ang="0">
-                <a:pos x="T48" y="T49"/>
-              </a:cxn>
-              <a:cxn ang="0">
-                <a:pos x="T50" y="T51"/>
-              </a:cxn>
-              <a:cxn ang="0">
-                <a:pos x="T52" y="T53"/>
-              </a:cxn>
-              <a:cxn ang="0">
-                <a:pos x="T54" y="T55"/>
-              </a:cxn>
-              <a:cxn ang="0">
-                <a:pos x="T56" y="T57"/>
-              </a:cxn>
-              <a:cxn ang="0">
-                <a:pos x="T58" y="T59"/>
-              </a:cxn>
-              <a:cxn ang="0">
-                <a:pos x="T60" y="T61"/>
-              </a:cxn>
-            </a:cxnLst>
-            <a:rect l="0" t="0" r="r" b="b"/>
-            <a:pathLst>
-              <a:path w="6827" h="5689">
-                <a:moveTo>
-                  <a:pt x="6542" y="0"/>
-                </a:moveTo>
-                <a:lnTo>
-                  <a:pt x="2560" y="0"/>
-                </a:lnTo>
-                <a:cubicBezTo>
-                  <a:pt x="2403" y="0"/>
-                  <a:pt x="2276" y="127"/>
-                  <a:pt x="2276" y="284"/>
-                </a:cubicBezTo>
-                <a:lnTo>
-                  <a:pt x="2276" y="1138"/>
-                </a:lnTo>
-                <a:lnTo>
-                  <a:pt x="1422" y="1138"/>
-                </a:lnTo>
-                <a:cubicBezTo>
-                  <a:pt x="1265" y="1138"/>
-                  <a:pt x="1138" y="1265"/>
-                  <a:pt x="1138" y="1422"/>
-                </a:cubicBezTo>
-                <a:lnTo>
-                  <a:pt x="1138" y="2275"/>
-                </a:lnTo>
-                <a:lnTo>
-                  <a:pt x="284" y="2275"/>
-                </a:lnTo>
-                <a:cubicBezTo>
-                  <a:pt x="127" y="2275"/>
-                  <a:pt x="0" y="2403"/>
-                  <a:pt x="0" y="2560"/>
-                </a:cubicBezTo>
-                <a:lnTo>
-                  <a:pt x="0" y="5404"/>
-                </a:lnTo>
-                <a:cubicBezTo>
-                  <a:pt x="0" y="5561"/>
-                  <a:pt x="127" y="5689"/>
-                  <a:pt x="284" y="5689"/>
-                </a:cubicBezTo>
-                <a:lnTo>
-                  <a:pt x="4267" y="5689"/>
-                </a:lnTo>
-                <a:cubicBezTo>
-                  <a:pt x="4424" y="5689"/>
-                  <a:pt x="4551" y="5561"/>
-                  <a:pt x="4551" y="5404"/>
-                </a:cubicBezTo>
-                <a:lnTo>
-                  <a:pt x="4551" y="4551"/>
-                </a:lnTo>
-                <a:lnTo>
-                  <a:pt x="5404" y="4551"/>
-                </a:lnTo>
-                <a:cubicBezTo>
-                  <a:pt x="5561" y="4551"/>
-                  <a:pt x="5689" y="4424"/>
-                  <a:pt x="5689" y="4267"/>
-                </a:cubicBezTo>
-                <a:lnTo>
-                  <a:pt x="5689" y="3413"/>
-                </a:lnTo>
-                <a:lnTo>
-                  <a:pt x="6542" y="3413"/>
-                </a:lnTo>
-                <a:cubicBezTo>
-                  <a:pt x="6700" y="3413"/>
-                  <a:pt x="6827" y="3286"/>
-                  <a:pt x="6827" y="3129"/>
-                </a:cubicBezTo>
-                <a:lnTo>
-                  <a:pt x="6827" y="284"/>
-                </a:lnTo>
-                <a:cubicBezTo>
-                  <a:pt x="6827" y="127"/>
-                  <a:pt x="6700" y="0"/>
-                  <a:pt x="6542" y="0"/>
-                </a:cubicBezTo>
-                <a:close/>
-                <a:moveTo>
-                  <a:pt x="5120" y="3982"/>
-                </a:moveTo>
-                <a:lnTo>
-                  <a:pt x="4267" y="3982"/>
-                </a:lnTo>
-                <a:lnTo>
-                  <a:pt x="1707" y="3982"/>
-                </a:lnTo>
-                <a:lnTo>
-                  <a:pt x="1707" y="2560"/>
-                </a:lnTo>
-                <a:lnTo>
-                  <a:pt x="1707" y="1707"/>
-                </a:lnTo>
-                <a:lnTo>
-                  <a:pt x="2276" y="1707"/>
-                </a:lnTo>
-                <a:lnTo>
-                  <a:pt x="2276" y="3129"/>
-                </a:lnTo>
-                <a:cubicBezTo>
-                  <a:pt x="2276" y="3286"/>
-                  <a:pt x="2403" y="3413"/>
-                  <a:pt x="2560" y="3413"/>
-                </a:cubicBezTo>
-                <a:lnTo>
-                  <a:pt x="5120" y="3413"/>
-                </a:lnTo>
-                <a:lnTo>
-                  <a:pt x="5120" y="3982"/>
-                </a:lnTo>
-                <a:close/>
-              </a:path>
-            </a:pathLst>
-          </a:custGeom>
-          <a:solidFill>
-            <a:schemeClr val="tx1">
-              <a:lumMod val="50000"/>
-              <a:lumOff val="50000"/>
-            </a:schemeClr>
-          </a:solidFill>
-          <a:ln>
-            <a:solidFill>
-              <a:schemeClr val="tx1">
-                <a:lumMod val="50000"/>
-                <a:lumOff val="50000"/>
-              </a:schemeClr>
-            </a:solidFill>
-          </a:ln>
-        </p:spPr>
-        <p:style>
-          <a:lnRef idx="2">
-            <a:schemeClr val="accent1">
-              <a:shade val="50000"/>
-            </a:schemeClr>
-          </a:lnRef>
-          <a:fillRef idx="1">
-            <a:schemeClr val="accent1"/>
-          </a:fillRef>
-          <a:effectRef idx="0">
-            <a:schemeClr val="accent1"/>
-          </a:effectRef>
-          <a:fontRef idx="minor">
-            <a:schemeClr val="lt1"/>
-          </a:fontRef>
-        </p:style>
-        <p:txBody>
-          <a:bodyPr rtlCol="0" anchor="ctr"/>
-          <a:lstStyle/>
-          <a:p>
-            <a:pPr algn="ctr"/>
-            <a:endParaRPr lang="en-US"/>
-          </a:p>
-        </p:txBody>
-      </p:sp>
-      <p:sp>
-        <p:nvSpPr>
-          <p:cNvPr id="35" name="文本框 34">
-            <a:extLst>
-              <a:ext uri="{FF2B5EF4-FFF2-40B4-BE49-F238E27FC236}">
-                <a16:creationId xmlns:a16="http://schemas.microsoft.com/office/drawing/2014/main" id="{83181E14-FB8A-9078-BC9C-B49EB7942245}"/>
-              </a:ext>
-            </a:extLst>
-          </p:cNvPr>
-          <p:cNvSpPr txBox="1"/>
-          <p:nvPr/>
-        </p:nvSpPr>
-        <p:spPr>
-          <a:xfrm>
-            <a:off x="602573" y="1072579"/>
-            <a:ext cx="1714510" cy="369332"/>
-          </a:xfrm>
-          <a:prstGeom prst="rect">
-            <a:avLst/>
-          </a:prstGeom>
-          <a:noFill/>
-        </p:spPr>
-        <p:txBody>
-          <a:bodyPr wrap="square">
-            <a:spAutoFit/>
-          </a:bodyPr>
-          <a:lstStyle/>
-          <a:p>
-            <a:pPr algn="ctr"/>
-            <a:r>
-              <a:rPr lang="en-US" altLang="zh-CN" dirty="0">
-                <a:latin typeface="微软雅黑" panose="020B0503020204020204" pitchFamily="34" charset="-122"/>
-                <a:ea typeface="微软雅黑" panose="020B0503020204020204" pitchFamily="34" charset="-122"/>
-                <a:cs typeface="Times New Roman" panose="02020603050405020304" pitchFamily="18" charset="0"/>
-              </a:rPr>
-              <a:t>Token</a:t>
-            </a:r>
-            <a:r>
-              <a:rPr lang="zh-CN" altLang="en-US" dirty="0">
-                <a:latin typeface="微软雅黑" panose="020B0503020204020204" pitchFamily="34" charset="-122"/>
-                <a:ea typeface="微软雅黑" panose="020B0503020204020204" pitchFamily="34" charset="-122"/>
-                <a:cs typeface="Times New Roman" panose="02020603050405020304" pitchFamily="18" charset="0"/>
-              </a:rPr>
-              <a:t>序列</a:t>
-            </a:r>
-            <a:endParaRPr lang="zh-CN" altLang="en-US" dirty="0"/>
-          </a:p>
-        </p:txBody>
-      </p:sp>
-      <p:sp>
-        <p:nvSpPr>
-          <p:cNvPr id="36" name="下箭头 64">
-            <a:extLst>
-              <a:ext uri="{FF2B5EF4-FFF2-40B4-BE49-F238E27FC236}">
-                <a16:creationId xmlns:a16="http://schemas.microsoft.com/office/drawing/2014/main" id="{3D24A786-8499-1446-CDEC-A16ECDCD2CD8}"/>
-              </a:ext>
-            </a:extLst>
-          </p:cNvPr>
-          <p:cNvSpPr/>
-          <p:nvPr/>
-        </p:nvSpPr>
-        <p:spPr>
-          <a:xfrm rot="16200000">
-            <a:off x="1818477" y="2271504"/>
-            <a:ext cx="533400" cy="388436"/>
-          </a:xfrm>
-          <a:prstGeom prst="downArrow">
-            <a:avLst/>
-          </a:prstGeom>
-          <a:solidFill>
-            <a:schemeClr val="bg2">
-              <a:lumMod val="85000"/>
-            </a:schemeClr>
-          </a:solidFill>
-          <a:ln>
-            <a:solidFill>
-              <a:schemeClr val="bg1"/>
-            </a:solidFill>
-          </a:ln>
-        </p:spPr>
-        <p:style>
-          <a:lnRef idx="2">
-            <a:schemeClr val="accent4"/>
-          </a:lnRef>
-          <a:fillRef idx="1">
-            <a:schemeClr val="lt1"/>
-          </a:fillRef>
-          <a:effectRef idx="0">
-            <a:schemeClr val="accent4"/>
-          </a:effectRef>
-          <a:fontRef idx="minor">
-            <a:schemeClr val="dk1"/>
-          </a:fontRef>
-        </p:style>
-        <p:txBody>
-          <a:bodyPr vertOverflow="overflow" horzOverflow="overflow" vert="horz" wrap="square" numCol="1" spcCol="0" rtlCol="0" fromWordArt="0" anchor="ctr" anchorCtr="0" forceAA="0" compatLnSpc="1">
-            <a:noAutofit/>
-          </a:bodyPr>
-          <a:lstStyle/>
-          <a:p>
-            <a:pPr algn="ctr"/>
-            <a:endParaRPr lang="zh-CN" altLang="en-US">
-              <a:latin typeface="微软雅黑" panose="020B0503020204020204" pitchFamily="34" charset="-122"/>
-              <a:ea typeface="微软雅黑" panose="020B0503020204020204" pitchFamily="34" charset="-122"/>
-            </a:endParaRPr>
-          </a:p>
-        </p:txBody>
-      </p:sp>
-      <p:sp>
-        <p:nvSpPr>
-          <p:cNvPr id="37" name="下箭头 64">
-            <a:extLst>
-              <a:ext uri="{FF2B5EF4-FFF2-40B4-BE49-F238E27FC236}">
-                <a16:creationId xmlns:a16="http://schemas.microsoft.com/office/drawing/2014/main" id="{94C421CC-DD61-F156-C7E6-28B761302C98}"/>
-              </a:ext>
-            </a:extLst>
-          </p:cNvPr>
-          <p:cNvSpPr/>
-          <p:nvPr/>
-        </p:nvSpPr>
-        <p:spPr>
-          <a:xfrm rot="16200000">
-            <a:off x="6128746" y="2271505"/>
-            <a:ext cx="533400" cy="388436"/>
-          </a:xfrm>
-          <a:prstGeom prst="downArrow">
-            <a:avLst/>
-          </a:prstGeom>
-          <a:solidFill>
-            <a:schemeClr val="bg2">
-              <a:lumMod val="85000"/>
-            </a:schemeClr>
-          </a:solidFill>
-          <a:ln>
-            <a:solidFill>
-              <a:schemeClr val="bg1"/>
-            </a:solidFill>
-          </a:ln>
-        </p:spPr>
-        <p:style>
-          <a:lnRef idx="2">
-            <a:schemeClr val="accent4"/>
-          </a:lnRef>
-          <a:fillRef idx="1">
-            <a:schemeClr val="lt1"/>
-          </a:fillRef>
-          <a:effectRef idx="0">
-            <a:schemeClr val="accent4"/>
-          </a:effectRef>
-          <a:fontRef idx="minor">
-            <a:schemeClr val="dk1"/>
-          </a:fontRef>
-        </p:style>
-        <p:txBody>
-          <a:bodyPr vertOverflow="overflow" horzOverflow="overflow" vert="horz" wrap="square" numCol="1" spcCol="0" rtlCol="0" fromWordArt="0" anchor="ctr" anchorCtr="0" forceAA="0" compatLnSpc="1">
-            <a:noAutofit/>
-          </a:bodyPr>
-          <a:lstStyle/>
-          <a:p>
-            <a:pPr algn="ctr"/>
-            <a:endParaRPr lang="zh-CN" altLang="en-US">
-              <a:latin typeface="微软雅黑" panose="020B0503020204020204" pitchFamily="34" charset="-122"/>
-              <a:ea typeface="微软雅黑" panose="020B0503020204020204" pitchFamily="34" charset="-122"/>
-            </a:endParaRPr>
-          </a:p>
-        </p:txBody>
-      </p:sp>
-      <p:sp>
-        <p:nvSpPr>
-          <p:cNvPr id="38" name="流程图: 过程 37">
-            <a:extLst>
-              <a:ext uri="{FF2B5EF4-FFF2-40B4-BE49-F238E27FC236}">
-                <a16:creationId xmlns:a16="http://schemas.microsoft.com/office/drawing/2014/main" id="{E0D640E9-E8D1-35F7-1C78-5C3E805235F9}"/>
-              </a:ext>
-            </a:extLst>
-          </p:cNvPr>
-          <p:cNvSpPr/>
-          <p:nvPr/>
-        </p:nvSpPr>
-        <p:spPr>
-          <a:xfrm>
-            <a:off x="7028700" y="1738667"/>
-            <a:ext cx="1368131" cy="474756"/>
-          </a:xfrm>
-          <a:prstGeom prst="flowChartProcess">
-            <a:avLst/>
-          </a:prstGeom>
-          <a:solidFill>
-            <a:schemeClr val="bg1">
-              <a:lumMod val="85000"/>
-            </a:schemeClr>
-          </a:solidFill>
-          <a:ln w="9525" algn="ctr">
-            <a:solidFill>
-              <a:schemeClr val="tx1"/>
-            </a:solidFill>
-            <a:round/>
-            <a:headEnd/>
-            <a:tailEnd/>
-          </a:ln>
-        </p:spPr>
-        <p:txBody>
-          <a:bodyPr anchor="ctr" anchorCtr="0"/>
-          <a:lstStyle/>
-          <a:p>
-            <a:pPr algn="ctr"/>
-            <a:r>
-              <a:rPr lang="en-US" altLang="zh-CN" sz="1400" dirty="0">
-                <a:latin typeface="微软雅黑" panose="020B0503020204020204" pitchFamily="34" charset="-122"/>
-                <a:ea typeface="微软雅黑" panose="020B0503020204020204" pitchFamily="34" charset="-122"/>
-              </a:rPr>
-              <a:t>Bi LSTM</a:t>
-            </a:r>
-            <a:endParaRPr lang="zh-CN" altLang="en-US" sz="1400" dirty="0">
-              <a:latin typeface="微软雅黑" panose="020B0503020204020204" pitchFamily="34" charset="-122"/>
-              <a:ea typeface="微软雅黑" panose="020B0503020204020204" pitchFamily="34" charset="-122"/>
-            </a:endParaRPr>
-          </a:p>
-        </p:txBody>
-      </p:sp>
-      <p:sp>
-        <p:nvSpPr>
-          <p:cNvPr id="40" name="下箭头 64">
-            <a:extLst>
-              <a:ext uri="{FF2B5EF4-FFF2-40B4-BE49-F238E27FC236}">
-                <a16:creationId xmlns:a16="http://schemas.microsoft.com/office/drawing/2014/main" id="{DB3BE690-2B62-CCAD-9677-4381B5CCBA8B}"/>
-              </a:ext>
-            </a:extLst>
-          </p:cNvPr>
-          <p:cNvSpPr/>
-          <p:nvPr/>
-        </p:nvSpPr>
-        <p:spPr>
-          <a:xfrm rot="16200000">
-            <a:off x="8820574" y="2271504"/>
-            <a:ext cx="533400" cy="388436"/>
-          </a:xfrm>
-          <a:prstGeom prst="downArrow">
-            <a:avLst/>
-          </a:prstGeom>
-          <a:solidFill>
-            <a:schemeClr val="bg2">
-              <a:lumMod val="85000"/>
-            </a:schemeClr>
-          </a:solidFill>
-          <a:ln>
-            <a:solidFill>
-              <a:schemeClr val="bg1"/>
-            </a:solidFill>
-          </a:ln>
-        </p:spPr>
-        <p:style>
-          <a:lnRef idx="2">
-            <a:schemeClr val="accent4"/>
-          </a:lnRef>
-          <a:fillRef idx="1">
-            <a:schemeClr val="lt1"/>
-          </a:fillRef>
-          <a:effectRef idx="0">
-            <a:schemeClr val="accent4"/>
-          </a:effectRef>
-          <a:fontRef idx="minor">
-            <a:schemeClr val="dk1"/>
-          </a:fontRef>
-        </p:style>
-        <p:txBody>
-          <a:bodyPr vertOverflow="overflow" horzOverflow="overflow" vert="horz" wrap="square" numCol="1" spcCol="0" rtlCol="0" fromWordArt="0" anchor="ctr" anchorCtr="0" forceAA="0" compatLnSpc="1">
-            <a:noAutofit/>
-          </a:bodyPr>
-          <a:lstStyle/>
-          <a:p>
-            <a:pPr algn="ctr"/>
-            <a:endParaRPr lang="zh-CN" altLang="en-US">
-              <a:latin typeface="微软雅黑" panose="020B0503020204020204" pitchFamily="34" charset="-122"/>
-              <a:ea typeface="微软雅黑" panose="020B0503020204020204" pitchFamily="34" charset="-122"/>
-            </a:endParaRPr>
-          </a:p>
-        </p:txBody>
-      </p:sp>
-      <p:sp>
-        <p:nvSpPr>
-          <p:cNvPr id="41" name="流程图: 过程 40">
-            <a:extLst>
-              <a:ext uri="{FF2B5EF4-FFF2-40B4-BE49-F238E27FC236}">
-                <a16:creationId xmlns:a16="http://schemas.microsoft.com/office/drawing/2014/main" id="{B5F5E551-3367-3AFA-7876-EAE124201A26}"/>
-              </a:ext>
-            </a:extLst>
-          </p:cNvPr>
-          <p:cNvSpPr/>
-          <p:nvPr/>
-        </p:nvSpPr>
-        <p:spPr>
-          <a:xfrm>
-            <a:off x="7028700" y="2615990"/>
-            <a:ext cx="1368131" cy="474756"/>
-          </a:xfrm>
-          <a:prstGeom prst="flowChartProcess">
-            <a:avLst/>
-          </a:prstGeom>
-          <a:solidFill>
-            <a:schemeClr val="bg1">
-              <a:lumMod val="85000"/>
-            </a:schemeClr>
-          </a:solidFill>
-          <a:ln w="9525" algn="ctr">
-            <a:solidFill>
-              <a:schemeClr val="tx1"/>
-            </a:solidFill>
-            <a:round/>
-            <a:headEnd/>
-            <a:tailEnd/>
-          </a:ln>
-        </p:spPr>
-        <p:txBody>
-          <a:bodyPr anchor="ctr" anchorCtr="0"/>
-          <a:lstStyle/>
-          <a:p>
-            <a:pPr algn="ctr"/>
-            <a:r>
-              <a:rPr lang="en-US" altLang="zh-CN" sz="1400" dirty="0">
-                <a:latin typeface="微软雅黑" panose="020B0503020204020204" pitchFamily="34" charset="-122"/>
-                <a:ea typeface="微软雅黑" panose="020B0503020204020204" pitchFamily="34" charset="-122"/>
-              </a:rPr>
-              <a:t>Attention</a:t>
-            </a:r>
-            <a:endParaRPr lang="zh-CN" altLang="en-US" sz="1400" dirty="0">
-              <a:latin typeface="微软雅黑" panose="020B0503020204020204" pitchFamily="34" charset="-122"/>
-              <a:ea typeface="微软雅黑" panose="020B0503020204020204" pitchFamily="34" charset="-122"/>
-            </a:endParaRPr>
-          </a:p>
-        </p:txBody>
-      </p:sp>
-      <p:sp>
-        <p:nvSpPr>
-          <p:cNvPr id="42" name="矩形 41">
-            <a:extLst>
-              <a:ext uri="{FF2B5EF4-FFF2-40B4-BE49-F238E27FC236}">
-                <a16:creationId xmlns:a16="http://schemas.microsoft.com/office/drawing/2014/main" id="{88E9A06D-6E5A-07E7-2B49-F3B48785EC49}"/>
-              </a:ext>
-            </a:extLst>
-          </p:cNvPr>
-          <p:cNvSpPr/>
-          <p:nvPr/>
-        </p:nvSpPr>
-        <p:spPr>
-          <a:xfrm>
-            <a:off x="9344506" y="1795817"/>
-            <a:ext cx="381000" cy="1258037"/>
-          </a:xfrm>
-          <a:prstGeom prst="rect">
-            <a:avLst/>
-          </a:prstGeom>
-          <a:solidFill>
-            <a:schemeClr val="bg1">
-              <a:lumMod val="95000"/>
-            </a:schemeClr>
-          </a:solidFill>
-          <a:ln w="12700" algn="ctr">
-            <a:solidFill>
-              <a:schemeClr val="tx1"/>
-            </a:solidFill>
-            <a:prstDash val="sysDash"/>
-            <a:round/>
-            <a:headEnd/>
-            <a:tailEnd/>
-          </a:ln>
-        </p:spPr>
-        <p:txBody>
-          <a:bodyPr anchor="ctr" anchorCtr="0"/>
-          <a:lstStyle/>
-          <a:p>
-            <a:pPr algn="ctr"/>
-            <a:endParaRPr lang="zh-CN" altLang="en-US" sz="1600">
-              <a:solidFill>
-                <a:schemeClr val="tx1"/>
-              </a:solidFill>
-              <a:latin typeface="微软雅黑" panose="020B0503020204020204" pitchFamily="34" charset="-122"/>
-              <a:ea typeface="微软雅黑" panose="020B0503020204020204" pitchFamily="34" charset="-122"/>
-            </a:endParaRPr>
-          </a:p>
-        </p:txBody>
-      </p:sp>
-      <p:grpSp>
-        <p:nvGrpSpPr>
-          <p:cNvPr id="43" name="组合 42">
-            <a:extLst>
-              <a:ext uri="{FF2B5EF4-FFF2-40B4-BE49-F238E27FC236}">
-                <a16:creationId xmlns:a16="http://schemas.microsoft.com/office/drawing/2014/main" id="{68D18731-D1AB-A849-1D6E-64A79B68FA93}"/>
-              </a:ext>
-            </a:extLst>
-          </p:cNvPr>
-          <p:cNvGrpSpPr/>
-          <p:nvPr/>
-        </p:nvGrpSpPr>
-        <p:grpSpPr>
-          <a:xfrm>
-            <a:off x="9395306" y="1860699"/>
-            <a:ext cx="279400" cy="1128272"/>
-            <a:chOff x="7660640" y="853970"/>
-            <a:chExt cx="279400" cy="1128272"/>
-          </a:xfrm>
-        </p:grpSpPr>
-        <p:sp>
-          <p:nvSpPr>
-            <p:cNvPr id="44" name="椭圆 43">
-              <a:extLst>
-                <a:ext uri="{FF2B5EF4-FFF2-40B4-BE49-F238E27FC236}">
-                  <a16:creationId xmlns:a16="http://schemas.microsoft.com/office/drawing/2014/main" id="{E40B527C-7438-A39E-D8F2-8E1D4D7B4BCB}"/>
-                </a:ext>
-              </a:extLst>
-            </p:cNvPr>
-            <p:cNvSpPr/>
-            <p:nvPr/>
-          </p:nvSpPr>
-          <p:spPr>
-            <a:xfrm>
-              <a:off x="7660640" y="853970"/>
-              <a:ext cx="279400" cy="279400"/>
-            </a:xfrm>
-            <a:prstGeom prst="ellipse">
-              <a:avLst/>
-            </a:prstGeom>
-            <a:solidFill>
-              <a:schemeClr val="accent3">
-                <a:lumMod val="20000"/>
-                <a:lumOff val="80000"/>
-              </a:schemeClr>
-            </a:solidFill>
-            <a:ln w="12700">
-              <a:solidFill>
-                <a:schemeClr val="tx1"/>
-              </a:solidFill>
-            </a:ln>
-          </p:spPr>
-          <p:style>
-            <a:lnRef idx="2">
-              <a:schemeClr val="accent1">
-                <a:shade val="50000"/>
-              </a:schemeClr>
-            </a:lnRef>
-            <a:fillRef idx="1">
-              <a:schemeClr val="accent1"/>
-            </a:fillRef>
-            <a:effectRef idx="0">
-              <a:schemeClr val="accent1"/>
-            </a:effectRef>
-            <a:fontRef idx="minor">
-              <a:schemeClr val="lt1"/>
-            </a:fontRef>
-          </p:style>
-          <p:txBody>
-            <a:bodyPr rtlCol="0" anchor="ctr"/>
-            <a:lstStyle/>
-            <a:p>
-              <a:pPr algn="ctr"/>
-              <a:endParaRPr lang="zh-CN" altLang="en-US">
-                <a:latin typeface="微软雅黑" panose="020B0503020204020204" pitchFamily="34" charset="-122"/>
-                <a:ea typeface="微软雅黑" panose="020B0503020204020204" pitchFamily="34" charset="-122"/>
-              </a:endParaRPr>
-            </a:p>
-          </p:txBody>
-        </p:sp>
-        <p:sp>
-          <p:nvSpPr>
-            <p:cNvPr id="45" name="椭圆 44">
-              <a:extLst>
-                <a:ext uri="{FF2B5EF4-FFF2-40B4-BE49-F238E27FC236}">
-                  <a16:creationId xmlns:a16="http://schemas.microsoft.com/office/drawing/2014/main" id="{CB95AEF0-67EA-0573-469C-0E6D279F8E44}"/>
-                </a:ext>
-              </a:extLst>
-            </p:cNvPr>
-            <p:cNvSpPr/>
-            <p:nvPr/>
-          </p:nvSpPr>
-          <p:spPr>
-            <a:xfrm>
-              <a:off x="7660640" y="1278406"/>
-              <a:ext cx="279400" cy="279400"/>
-            </a:xfrm>
-            <a:prstGeom prst="ellipse">
-              <a:avLst/>
-            </a:prstGeom>
-            <a:solidFill>
-              <a:schemeClr val="accent3">
-                <a:lumMod val="20000"/>
-                <a:lumOff val="80000"/>
-              </a:schemeClr>
-            </a:solidFill>
-            <a:ln w="12700">
-              <a:solidFill>
-                <a:schemeClr val="tx1"/>
-              </a:solidFill>
-            </a:ln>
-          </p:spPr>
-          <p:style>
-            <a:lnRef idx="2">
-              <a:schemeClr val="accent1">
-                <a:shade val="50000"/>
-              </a:schemeClr>
-            </a:lnRef>
-            <a:fillRef idx="1">
-              <a:schemeClr val="accent1"/>
-            </a:fillRef>
-            <a:effectRef idx="0">
-              <a:schemeClr val="accent1"/>
-            </a:effectRef>
-            <a:fontRef idx="minor">
-              <a:schemeClr val="lt1"/>
-            </a:fontRef>
-          </p:style>
-          <p:txBody>
-            <a:bodyPr rtlCol="0" anchor="ctr"/>
-            <a:lstStyle/>
-            <a:p>
-              <a:pPr algn="ctr"/>
-              <a:endParaRPr lang="zh-CN" altLang="en-US">
-                <a:latin typeface="微软雅黑" panose="020B0503020204020204" pitchFamily="34" charset="-122"/>
-                <a:ea typeface="微软雅黑" panose="020B0503020204020204" pitchFamily="34" charset="-122"/>
-              </a:endParaRPr>
-            </a:p>
-          </p:txBody>
-        </p:sp>
-        <p:sp>
-          <p:nvSpPr>
-            <p:cNvPr id="46" name="椭圆 45">
-              <a:extLst>
-                <a:ext uri="{FF2B5EF4-FFF2-40B4-BE49-F238E27FC236}">
-                  <a16:creationId xmlns:a16="http://schemas.microsoft.com/office/drawing/2014/main" id="{0E068B41-CFA4-A90A-7FF3-89E3B4A0CEFE}"/>
-                </a:ext>
-              </a:extLst>
-            </p:cNvPr>
-            <p:cNvSpPr/>
-            <p:nvPr/>
-          </p:nvSpPr>
-          <p:spPr>
-            <a:xfrm>
-              <a:off x="7660640" y="1702842"/>
-              <a:ext cx="279400" cy="279400"/>
-            </a:xfrm>
-            <a:prstGeom prst="ellipse">
-              <a:avLst/>
-            </a:prstGeom>
-            <a:solidFill>
-              <a:schemeClr val="accent3">
-                <a:lumMod val="20000"/>
-                <a:lumOff val="80000"/>
-              </a:schemeClr>
-            </a:solidFill>
-            <a:ln w="12700">
-              <a:solidFill>
-                <a:schemeClr val="tx1"/>
-              </a:solidFill>
-            </a:ln>
-          </p:spPr>
-          <p:style>
-            <a:lnRef idx="2">
-              <a:schemeClr val="accent1">
-                <a:shade val="50000"/>
-              </a:schemeClr>
-            </a:lnRef>
-            <a:fillRef idx="1">
-              <a:schemeClr val="accent1"/>
-            </a:fillRef>
-            <a:effectRef idx="0">
-              <a:schemeClr val="accent1"/>
-            </a:effectRef>
-            <a:fontRef idx="minor">
-              <a:schemeClr val="lt1"/>
-            </a:fontRef>
-          </p:style>
-          <p:txBody>
-            <a:bodyPr rtlCol="0" anchor="ctr"/>
-            <a:lstStyle/>
-            <a:p>
-              <a:pPr algn="ctr"/>
-              <a:endParaRPr lang="zh-CN" altLang="en-US">
-                <a:latin typeface="微软雅黑" panose="020B0503020204020204" pitchFamily="34" charset="-122"/>
-                <a:ea typeface="微软雅黑" panose="020B0503020204020204" pitchFamily="34" charset="-122"/>
-              </a:endParaRPr>
-            </a:p>
-          </p:txBody>
-        </p:sp>
-      </p:grpSp>
-      <p:sp>
-        <p:nvSpPr>
-          <p:cNvPr id="53" name="矩形 52">
-            <a:extLst>
-              <a:ext uri="{FF2B5EF4-FFF2-40B4-BE49-F238E27FC236}">
-                <a16:creationId xmlns:a16="http://schemas.microsoft.com/office/drawing/2014/main" id="{731E4847-ADDD-F4F4-E54D-217D1C8FC18D}"/>
-              </a:ext>
-            </a:extLst>
-          </p:cNvPr>
-          <p:cNvSpPr/>
-          <p:nvPr/>
-        </p:nvSpPr>
-        <p:spPr>
-          <a:xfrm>
-            <a:off x="6595245" y="1512604"/>
-            <a:ext cx="2235040" cy="1906237"/>
-          </a:xfrm>
-          <a:prstGeom prst="rect">
-            <a:avLst/>
-          </a:prstGeom>
-          <a:noFill/>
-          <a:ln w="12700">
-            <a:solidFill>
-              <a:schemeClr val="tx1"/>
-            </a:solidFill>
-            <a:prstDash val="sysDash"/>
-            <a:headEnd type="none" w="med" len="med"/>
-            <a:tailEnd type="none" w="med" len="med"/>
-          </a:ln>
-        </p:spPr>
-        <p:style>
-          <a:lnRef idx="2">
-            <a:schemeClr val="accent3"/>
-          </a:lnRef>
-          <a:fillRef idx="1">
-            <a:schemeClr val="lt1"/>
-          </a:fillRef>
-          <a:effectRef idx="0">
-            <a:schemeClr val="accent3"/>
-          </a:effectRef>
-          <a:fontRef idx="minor">
-            <a:schemeClr val="dk1"/>
-          </a:fontRef>
-        </p:style>
-        <p:txBody>
-          <a:bodyPr vert="horz" wrap="square" lIns="91440" tIns="45720" rIns="91440" bIns="45720" numCol="1" rtlCol="0" anchor="ctr" anchorCtr="1" compatLnSpc="1"/>
-          <a:lstStyle/>
-          <a:p>
-            <a:pPr algn="ctr">
-              <a:spcBef>
-                <a:spcPct val="50000"/>
-              </a:spcBef>
-            </a:pPr>
-            <a:endParaRPr lang="zh-CN" altLang="en-US" kern="0" dirty="0">
-              <a:solidFill>
-                <a:prstClr val="black"/>
-              </a:solidFill>
-              <a:latin typeface="微软雅黑" panose="020B0503020204020204" pitchFamily="34" charset="-122"/>
-              <a:ea typeface="微软雅黑" panose="020B0503020204020204" pitchFamily="34" charset="-122"/>
-              <a:cs typeface="Times New Roman" panose="02020603050405020304" pitchFamily="36" charset="0"/>
-            </a:endParaRPr>
-          </a:p>
-        </p:txBody>
-      </p:sp>
-      <p:sp>
-        <p:nvSpPr>
-          <p:cNvPr id="56" name="流程图: 过程 55">
-            <a:extLst>
-              <a:ext uri="{FF2B5EF4-FFF2-40B4-BE49-F238E27FC236}">
-                <a16:creationId xmlns:a16="http://schemas.microsoft.com/office/drawing/2014/main" id="{E33AE16A-68AB-4B5B-80B7-873B836C240F}"/>
-              </a:ext>
-            </a:extLst>
-          </p:cNvPr>
-          <p:cNvSpPr/>
-          <p:nvPr/>
-        </p:nvSpPr>
-        <p:spPr>
-          <a:xfrm>
-            <a:off x="2438065" y="1857062"/>
-            <a:ext cx="609600" cy="236002"/>
-          </a:xfrm>
-          <a:prstGeom prst="flowChartProcess">
-            <a:avLst/>
-          </a:prstGeom>
-          <a:solidFill>
-            <a:srgbClr val="F2F2F2"/>
-          </a:solidFill>
-          <a:ln>
-            <a:solidFill>
-              <a:schemeClr val="tx1"/>
-            </a:solidFill>
-          </a:ln>
-        </p:spPr>
-        <p:style>
-          <a:lnRef idx="2">
-            <a:schemeClr val="accent1">
-              <a:shade val="50000"/>
-            </a:schemeClr>
-          </a:lnRef>
-          <a:fillRef idx="1">
-            <a:schemeClr val="accent1"/>
-          </a:fillRef>
-          <a:effectRef idx="0">
-            <a:schemeClr val="accent1"/>
-          </a:effectRef>
-          <a:fontRef idx="minor">
-            <a:schemeClr val="lt1"/>
-          </a:fontRef>
-        </p:style>
-        <p:txBody>
-          <a:bodyPr rtlCol="0" anchor="ctr"/>
-          <a:lstStyle/>
-          <a:p>
-            <a:pPr algn="ctr"/>
-            <a:r>
-              <a:rPr lang="en-US" altLang="zh-CN" sz="800" dirty="0">
-                <a:solidFill>
-                  <a:schemeClr val="tx1"/>
-                </a:solidFill>
-                <a:latin typeface="微软雅黑" panose="020B0503020204020204" pitchFamily="34" charset="-122"/>
-                <a:ea typeface="微软雅黑" panose="020B0503020204020204" pitchFamily="34" charset="-122"/>
-              </a:rPr>
-              <a:t>token 1</a:t>
-            </a:r>
-            <a:endParaRPr lang="zh-CN" altLang="en-US" sz="800" dirty="0">
-              <a:solidFill>
-                <a:schemeClr val="tx1"/>
-              </a:solidFill>
-              <a:latin typeface="微软雅黑" panose="020B0503020204020204" pitchFamily="34" charset="-122"/>
-              <a:ea typeface="微软雅黑" panose="020B0503020204020204" pitchFamily="34" charset="-122"/>
-            </a:endParaRPr>
-          </a:p>
-        </p:txBody>
-      </p:sp>
-      <p:sp>
-        <p:nvSpPr>
-          <p:cNvPr id="57" name="流程图: 过程 56">
-            <a:extLst>
-              <a:ext uri="{FF2B5EF4-FFF2-40B4-BE49-F238E27FC236}">
-                <a16:creationId xmlns:a16="http://schemas.microsoft.com/office/drawing/2014/main" id="{E142D59D-F02F-FC67-83A2-1B2E3B124F13}"/>
-              </a:ext>
-            </a:extLst>
-          </p:cNvPr>
-          <p:cNvSpPr/>
-          <p:nvPr/>
-        </p:nvSpPr>
-        <p:spPr>
-          <a:xfrm>
-            <a:off x="2438065" y="2093064"/>
-            <a:ext cx="609600" cy="236002"/>
-          </a:xfrm>
-          <a:prstGeom prst="flowChartProcess">
-            <a:avLst/>
-          </a:prstGeom>
-          <a:solidFill>
-            <a:srgbClr val="F2F2F2"/>
-          </a:solidFill>
-          <a:ln>
-            <a:solidFill>
-              <a:schemeClr val="tx1"/>
-            </a:solidFill>
-          </a:ln>
-        </p:spPr>
-        <p:style>
-          <a:lnRef idx="2">
-            <a:schemeClr val="accent1">
-              <a:shade val="50000"/>
-            </a:schemeClr>
-          </a:lnRef>
-          <a:fillRef idx="1">
-            <a:schemeClr val="accent1"/>
-          </a:fillRef>
-          <a:effectRef idx="0">
-            <a:schemeClr val="accent1"/>
-          </a:effectRef>
-          <a:fontRef idx="minor">
-            <a:schemeClr val="lt1"/>
-          </a:fontRef>
-        </p:style>
-        <p:txBody>
-          <a:bodyPr rtlCol="0" anchor="ctr"/>
-          <a:lstStyle/>
-          <a:p>
-            <a:pPr algn="ctr"/>
-            <a:r>
-              <a:rPr lang="en-US" altLang="zh-CN" sz="800" dirty="0">
-                <a:solidFill>
-                  <a:schemeClr val="tx1"/>
-                </a:solidFill>
-                <a:latin typeface="微软雅黑" panose="020B0503020204020204" pitchFamily="34" charset="-122"/>
-                <a:ea typeface="微软雅黑" panose="020B0503020204020204" pitchFamily="34" charset="-122"/>
-              </a:rPr>
-              <a:t>token 2</a:t>
-            </a:r>
-            <a:endParaRPr lang="zh-CN" altLang="en-US" sz="800" dirty="0">
-              <a:latin typeface="微软雅黑" panose="020B0503020204020204" pitchFamily="34" charset="-122"/>
-              <a:ea typeface="微软雅黑" panose="020B0503020204020204" pitchFamily="34" charset="-122"/>
-            </a:endParaRPr>
-          </a:p>
-        </p:txBody>
-      </p:sp>
-      <p:sp>
-        <p:nvSpPr>
-          <p:cNvPr id="58" name="流程图: 过程 57">
-            <a:extLst>
-              <a:ext uri="{FF2B5EF4-FFF2-40B4-BE49-F238E27FC236}">
-                <a16:creationId xmlns:a16="http://schemas.microsoft.com/office/drawing/2014/main" id="{FC41DA7F-C46C-09A7-61BB-8D667780098F}"/>
-              </a:ext>
-            </a:extLst>
-          </p:cNvPr>
-          <p:cNvSpPr/>
-          <p:nvPr/>
-        </p:nvSpPr>
-        <p:spPr>
-          <a:xfrm>
-            <a:off x="2438065" y="2688376"/>
-            <a:ext cx="609600" cy="236002"/>
-          </a:xfrm>
-          <a:prstGeom prst="flowChartProcess">
-            <a:avLst/>
-          </a:prstGeom>
-          <a:solidFill>
-            <a:srgbClr val="F2F2F2"/>
-          </a:solidFill>
-          <a:ln>
-            <a:solidFill>
-              <a:schemeClr val="tx1"/>
-            </a:solidFill>
-          </a:ln>
-        </p:spPr>
-        <p:style>
-          <a:lnRef idx="2">
-            <a:schemeClr val="accent1">
-              <a:shade val="50000"/>
-            </a:schemeClr>
-          </a:lnRef>
-          <a:fillRef idx="1">
-            <a:schemeClr val="accent1"/>
-          </a:fillRef>
-          <a:effectRef idx="0">
-            <a:schemeClr val="accent1"/>
-          </a:effectRef>
-          <a:fontRef idx="minor">
-            <a:schemeClr val="lt1"/>
-          </a:fontRef>
-        </p:style>
-        <p:txBody>
-          <a:bodyPr rtlCol="0" anchor="ctr"/>
-          <a:lstStyle/>
-          <a:p>
-            <a:pPr algn="ctr"/>
-            <a:r>
-              <a:rPr lang="en-US" altLang="zh-CN" sz="800" dirty="0">
-                <a:solidFill>
-                  <a:schemeClr val="tx1"/>
-                </a:solidFill>
-                <a:latin typeface="微软雅黑" panose="020B0503020204020204" pitchFamily="34" charset="-122"/>
-                <a:ea typeface="微软雅黑" panose="020B0503020204020204" pitchFamily="34" charset="-122"/>
-              </a:rPr>
-              <a:t>token m</a:t>
-            </a:r>
-            <a:endParaRPr lang="zh-CN" altLang="en-US" sz="800" dirty="0">
-              <a:solidFill>
-                <a:schemeClr val="tx1"/>
-              </a:solidFill>
-              <a:latin typeface="微软雅黑" panose="020B0503020204020204" pitchFamily="34" charset="-122"/>
-              <a:ea typeface="微软雅黑" panose="020B0503020204020204" pitchFamily="34" charset="-122"/>
-            </a:endParaRPr>
-          </a:p>
-        </p:txBody>
-      </p:sp>
-      <p:sp>
-        <p:nvSpPr>
-          <p:cNvPr id="59" name="TextBox 148">
-            <a:extLst>
-              <a:ext uri="{FF2B5EF4-FFF2-40B4-BE49-F238E27FC236}">
-                <a16:creationId xmlns:a16="http://schemas.microsoft.com/office/drawing/2014/main" id="{F9F94082-E7F1-3812-C5E0-3BBB44142133}"/>
-              </a:ext>
-            </a:extLst>
-          </p:cNvPr>
-          <p:cNvSpPr txBox="1"/>
-          <p:nvPr/>
-        </p:nvSpPr>
-        <p:spPr>
-          <a:xfrm>
-            <a:off x="2539527" y="2352400"/>
-            <a:ext cx="406676" cy="369332"/>
-          </a:xfrm>
-          <a:prstGeom prst="rect">
-            <a:avLst/>
-          </a:prstGeom>
-          <a:noFill/>
-        </p:spPr>
-        <p:txBody>
-          <a:bodyPr wrap="square" rtlCol="0">
-            <a:spAutoFit/>
-          </a:bodyPr>
-          <a:lstStyle/>
-          <a:p>
-            <a:r>
-              <a:rPr lang="en-US" altLang="zh-CN" dirty="0">
-                <a:latin typeface="微软雅黑" panose="020B0503020204020204" pitchFamily="34" charset="-122"/>
-                <a:ea typeface="微软雅黑" panose="020B0503020204020204" pitchFamily="34" charset="-122"/>
-              </a:rPr>
-              <a:t>…</a:t>
-            </a:r>
-            <a:endParaRPr lang="zh-CN" altLang="en-US" dirty="0">
-              <a:latin typeface="微软雅黑" panose="020B0503020204020204" pitchFamily="34" charset="-122"/>
-              <a:ea typeface="微软雅黑" panose="020B0503020204020204" pitchFamily="34" charset="-122"/>
-            </a:endParaRPr>
-          </a:p>
-        </p:txBody>
-      </p:sp>
-      <p:sp>
-        <p:nvSpPr>
-          <p:cNvPr id="60" name="TextBox 195">
-            <a:extLst>
-              <a:ext uri="{FF2B5EF4-FFF2-40B4-BE49-F238E27FC236}">
-                <a16:creationId xmlns:a16="http://schemas.microsoft.com/office/drawing/2014/main" id="{E423953E-C7C3-D346-6D9E-D071926C8A12}"/>
-              </a:ext>
-            </a:extLst>
-          </p:cNvPr>
-          <p:cNvSpPr txBox="1"/>
-          <p:nvPr/>
-        </p:nvSpPr>
-        <p:spPr>
-          <a:xfrm>
-            <a:off x="3232662" y="3076135"/>
-            <a:ext cx="2010629" cy="307777"/>
-          </a:xfrm>
-          <a:prstGeom prst="rect">
-            <a:avLst/>
-          </a:prstGeom>
-          <a:noFill/>
-        </p:spPr>
-        <p:txBody>
-          <a:bodyPr wrap="square" rtlCol="0">
-            <a:spAutoFit/>
-          </a:bodyPr>
-          <a:lstStyle/>
-          <a:p>
-            <a:pPr algn="ctr"/>
-            <a:r>
-              <a:rPr lang="zh-CN" altLang="en-US" sz="1400" dirty="0">
-                <a:latin typeface="微软雅黑" panose="020B0503020204020204" pitchFamily="34" charset="-122"/>
-                <a:ea typeface="微软雅黑" panose="020B0503020204020204" pitchFamily="34" charset="-122"/>
-                <a:cs typeface="Times New Roman" panose="02020603050405020304" pitchFamily="18" charset="0"/>
-              </a:rPr>
-              <a:t>相邻单元迭代算法</a:t>
-            </a:r>
-          </a:p>
-        </p:txBody>
-      </p:sp>
-      <p:sp>
-        <p:nvSpPr>
-          <p:cNvPr id="61" name="燕尾形 240">
-            <a:extLst>
-              <a:ext uri="{FF2B5EF4-FFF2-40B4-BE49-F238E27FC236}">
-                <a16:creationId xmlns:a16="http://schemas.microsoft.com/office/drawing/2014/main" id="{54AF14A9-D1C4-3F9D-91BA-3344B3D3C2BC}"/>
-              </a:ext>
-            </a:extLst>
-          </p:cNvPr>
-          <p:cNvSpPr/>
-          <p:nvPr/>
-        </p:nvSpPr>
-        <p:spPr>
-          <a:xfrm>
-            <a:off x="3121534" y="2215145"/>
-            <a:ext cx="252000" cy="252000"/>
-          </a:xfrm>
-          <a:prstGeom prst="chevron">
-            <a:avLst/>
-          </a:prstGeom>
-          <a:solidFill>
-            <a:srgbClr val="FDF2EA"/>
-          </a:solidFill>
-          <a:ln>
-            <a:solidFill>
-              <a:schemeClr val="tx1"/>
-            </a:solidFill>
-          </a:ln>
-        </p:spPr>
-        <p:style>
-          <a:lnRef idx="2">
-            <a:schemeClr val="accent1">
-              <a:shade val="50000"/>
-            </a:schemeClr>
-          </a:lnRef>
-          <a:fillRef idx="1">
-            <a:schemeClr val="accent1"/>
-          </a:fillRef>
-          <a:effectRef idx="0">
-            <a:schemeClr val="accent1"/>
-          </a:effectRef>
-          <a:fontRef idx="minor">
-            <a:schemeClr val="lt1"/>
-          </a:fontRef>
-        </p:style>
-        <p:txBody>
-          <a:bodyPr rtlCol="0" anchor="ctr"/>
-          <a:lstStyle/>
-          <a:p>
-            <a:pPr algn="ctr"/>
-            <a:endParaRPr lang="zh-CN" altLang="en-US">
-              <a:solidFill>
-                <a:schemeClr val="tx1"/>
-              </a:solidFill>
-              <a:latin typeface="微软雅黑" panose="020B0503020204020204" pitchFamily="34" charset="-122"/>
-              <a:ea typeface="微软雅黑" panose="020B0503020204020204" pitchFamily="34" charset="-122"/>
-            </a:endParaRPr>
-          </a:p>
-        </p:txBody>
-      </p:sp>
-      <p:grpSp>
-        <p:nvGrpSpPr>
-          <p:cNvPr id="79" name="组合 78">
-            <a:extLst>
-              <a:ext uri="{FF2B5EF4-FFF2-40B4-BE49-F238E27FC236}">
-                <a16:creationId xmlns:a16="http://schemas.microsoft.com/office/drawing/2014/main" id="{E9B771E5-6601-F191-8F90-DBA448F7C203}"/>
-              </a:ext>
-            </a:extLst>
-          </p:cNvPr>
-          <p:cNvGrpSpPr/>
-          <p:nvPr/>
-        </p:nvGrpSpPr>
-        <p:grpSpPr>
-          <a:xfrm>
-            <a:off x="3386525" y="1695138"/>
-            <a:ext cx="1702902" cy="1346067"/>
-            <a:chOff x="3324555" y="2713843"/>
-            <a:chExt cx="1702902" cy="1346067"/>
-          </a:xfrm>
-        </p:grpSpPr>
-        <p:sp>
-          <p:nvSpPr>
-            <p:cNvPr id="62" name="流程图: 数据 6">
-              <a:extLst>
-                <a:ext uri="{FF2B5EF4-FFF2-40B4-BE49-F238E27FC236}">
-                  <a16:creationId xmlns:a16="http://schemas.microsoft.com/office/drawing/2014/main" id="{9F2AD9F3-5186-8AB4-A667-482BAAAF5E9B}"/>
-                </a:ext>
-              </a:extLst>
-            </p:cNvPr>
-            <p:cNvSpPr>
-              <a:spLocks noChangeArrowheads="1"/>
-            </p:cNvSpPr>
-            <p:nvPr/>
-          </p:nvSpPr>
-          <p:spPr bwMode="auto">
-            <a:xfrm>
-              <a:off x="3324555" y="2713843"/>
-              <a:ext cx="1702902" cy="1346067"/>
-            </a:xfrm>
-            <a:prstGeom prst="roundRect">
-              <a:avLst>
-                <a:gd name="adj" fmla="val 8196"/>
-              </a:avLst>
-            </a:prstGeom>
-            <a:solidFill>
-              <a:schemeClr val="bg1">
-                <a:lumMod val="95000"/>
-              </a:schemeClr>
-            </a:solidFill>
-            <a:ln w="9525" algn="ctr">
-              <a:solidFill>
-                <a:schemeClr val="tx1"/>
-              </a:solidFill>
-              <a:round/>
-              <a:headEnd/>
-              <a:tailEnd/>
-            </a:ln>
-          </p:spPr>
-          <p:txBody>
-            <a:bodyPr anchor="ctr" anchorCtr="0"/>
-            <a:lstStyle/>
-            <a:p>
-              <a:pPr algn="ctr"/>
-              <a:endParaRPr lang="zh-CN" altLang="en-US" sz="1600" dirty="0">
-                <a:latin typeface="微软雅黑" panose="020B0503020204020204" pitchFamily="34" charset="-122"/>
-                <a:ea typeface="微软雅黑" panose="020B0503020204020204" pitchFamily="34" charset="-122"/>
-              </a:endParaRPr>
-            </a:p>
-          </p:txBody>
-        </p:sp>
-        <p:sp>
-          <p:nvSpPr>
-            <p:cNvPr id="63" name="流程图: 过程 62">
-              <a:extLst>
-                <a:ext uri="{FF2B5EF4-FFF2-40B4-BE49-F238E27FC236}">
-                  <a16:creationId xmlns:a16="http://schemas.microsoft.com/office/drawing/2014/main" id="{C37CADF1-6723-8BB6-E30D-CDAAA9C239D7}"/>
-                </a:ext>
-              </a:extLst>
-            </p:cNvPr>
-            <p:cNvSpPr/>
-            <p:nvPr/>
-          </p:nvSpPr>
-          <p:spPr>
-            <a:xfrm>
-              <a:off x="3472294" y="2814522"/>
-              <a:ext cx="540000" cy="468000"/>
-            </a:xfrm>
-            <a:prstGeom prst="flowChartProcess">
-              <a:avLst/>
-            </a:prstGeom>
-            <a:solidFill>
-              <a:schemeClr val="bg1">
-                <a:lumMod val="85000"/>
-              </a:schemeClr>
-            </a:solidFill>
-            <a:ln w="9525" algn="ctr">
-              <a:solidFill>
-                <a:schemeClr val="tx1"/>
-              </a:solidFill>
-              <a:round/>
-              <a:headEnd/>
-              <a:tailEnd/>
-            </a:ln>
-          </p:spPr>
-          <p:txBody>
-            <a:bodyPr anchor="ctr" anchorCtr="0"/>
-            <a:lstStyle/>
-            <a:p>
-              <a:pPr algn="ctr"/>
-              <a:r>
-                <a:rPr lang="zh-CN" altLang="en-US" sz="1400" dirty="0">
-                  <a:latin typeface="微软雅黑" panose="020B0503020204020204" pitchFamily="34" charset="-122"/>
-                  <a:ea typeface="微软雅黑" panose="020B0503020204020204" pitchFamily="34" charset="-122"/>
-                </a:rPr>
-                <a:t>相邻单元</a:t>
-              </a:r>
-              <a:endParaRPr lang="zh-CN" altLang="en-US" sz="1400" dirty="0">
-                <a:solidFill>
-                  <a:schemeClr val="tx1"/>
-                </a:solidFill>
-                <a:latin typeface="微软雅黑" panose="020B0503020204020204" pitchFamily="34" charset="-122"/>
-                <a:ea typeface="微软雅黑" panose="020B0503020204020204" pitchFamily="34" charset="-122"/>
-              </a:endParaRPr>
-            </a:p>
-          </p:txBody>
-        </p:sp>
-        <p:sp>
-          <p:nvSpPr>
-            <p:cNvPr id="64" name="流程图: 过程 63">
-              <a:extLst>
-                <a:ext uri="{FF2B5EF4-FFF2-40B4-BE49-F238E27FC236}">
-                  <a16:creationId xmlns:a16="http://schemas.microsoft.com/office/drawing/2014/main" id="{E939AC47-43C6-D6DE-3A48-55D3655FE1EA}"/>
-                </a:ext>
-              </a:extLst>
-            </p:cNvPr>
-            <p:cNvSpPr/>
-            <p:nvPr/>
-          </p:nvSpPr>
-          <p:spPr>
-            <a:xfrm>
-              <a:off x="4338362" y="3455986"/>
-              <a:ext cx="540000" cy="468000"/>
-            </a:xfrm>
-            <a:prstGeom prst="flowChartProcess">
-              <a:avLst/>
-            </a:prstGeom>
-            <a:solidFill>
-              <a:schemeClr val="bg1">
-                <a:lumMod val="85000"/>
-              </a:schemeClr>
-            </a:solidFill>
-            <a:ln w="9525" algn="ctr">
-              <a:solidFill>
-                <a:schemeClr val="tx1"/>
-              </a:solidFill>
-              <a:round/>
-              <a:headEnd/>
-              <a:tailEnd/>
-            </a:ln>
-          </p:spPr>
-          <p:txBody>
-            <a:bodyPr anchor="ctr" anchorCtr="0"/>
-            <a:lstStyle/>
-            <a:p>
-              <a:pPr algn="ctr"/>
-              <a:r>
-                <a:rPr lang="zh-CN" altLang="en-US" sz="1400" dirty="0">
-                  <a:solidFill>
-                    <a:schemeClr val="tx1"/>
-                  </a:solidFill>
-                  <a:latin typeface="微软雅黑" panose="020B0503020204020204" pitchFamily="34" charset="-122"/>
-                  <a:ea typeface="微软雅黑" panose="020B0503020204020204" pitchFamily="34" charset="-122"/>
-                </a:rPr>
-                <a:t>迭代</a:t>
-              </a:r>
-            </a:p>
-          </p:txBody>
-        </p:sp>
-        <p:sp>
-          <p:nvSpPr>
-            <p:cNvPr id="65" name="流程图: 过程 64">
-              <a:extLst>
-                <a:ext uri="{FF2B5EF4-FFF2-40B4-BE49-F238E27FC236}">
-                  <a16:creationId xmlns:a16="http://schemas.microsoft.com/office/drawing/2014/main" id="{121640B8-0D25-8421-1D64-3B0B02AA30CD}"/>
-                </a:ext>
-              </a:extLst>
-            </p:cNvPr>
-            <p:cNvSpPr/>
-            <p:nvPr/>
-          </p:nvSpPr>
-          <p:spPr>
-            <a:xfrm>
-              <a:off x="4153631" y="2814522"/>
-              <a:ext cx="724731" cy="463590"/>
-            </a:xfrm>
-            <a:prstGeom prst="flowChartProcess">
-              <a:avLst/>
-            </a:prstGeom>
-            <a:solidFill>
-              <a:schemeClr val="bg1">
-                <a:lumMod val="85000"/>
-              </a:schemeClr>
-            </a:solidFill>
-            <a:ln w="9525" algn="ctr">
-              <a:solidFill>
-                <a:schemeClr val="tx1"/>
-              </a:solidFill>
-              <a:round/>
-              <a:headEnd/>
-              <a:tailEnd/>
-            </a:ln>
-          </p:spPr>
-          <p:txBody>
-            <a:bodyPr anchor="ctr" anchorCtr="0"/>
-            <a:lstStyle/>
-            <a:p>
-              <a:pPr algn="ctr"/>
-              <a:r>
-                <a:rPr lang="zh-CN" altLang="en-US" sz="1400" dirty="0">
-                  <a:solidFill>
-                    <a:schemeClr val="tx1"/>
-                  </a:solidFill>
-                  <a:latin typeface="微软雅黑" panose="020B0503020204020204" pitchFamily="34" charset="-122"/>
-                  <a:ea typeface="微软雅黑" panose="020B0503020204020204" pitchFamily="34" charset="-122"/>
-                </a:rPr>
-                <a:t>更新</a:t>
-              </a:r>
-              <a:endParaRPr lang="en-US" altLang="zh-CN" sz="1400" dirty="0">
-                <a:solidFill>
-                  <a:schemeClr val="tx1"/>
-                </a:solidFill>
-                <a:latin typeface="微软雅黑" panose="020B0503020204020204" pitchFamily="34" charset="-122"/>
-                <a:ea typeface="微软雅黑" panose="020B0503020204020204" pitchFamily="34" charset="-122"/>
-              </a:endParaRPr>
-            </a:p>
-            <a:p>
-              <a:pPr algn="ctr"/>
-              <a:r>
-                <a:rPr lang="zh-CN" altLang="en-US" sz="1400" dirty="0">
-                  <a:solidFill>
-                    <a:schemeClr val="tx1"/>
-                  </a:solidFill>
-                  <a:latin typeface="微软雅黑" panose="020B0503020204020204" pitchFamily="34" charset="-122"/>
-                  <a:ea typeface="微软雅黑" panose="020B0503020204020204" pitchFamily="34" charset="-122"/>
-                </a:rPr>
-                <a:t>词汇表</a:t>
-              </a:r>
-            </a:p>
-          </p:txBody>
-        </p:sp>
-        <p:sp>
-          <p:nvSpPr>
-            <p:cNvPr id="66" name="流程图: 过程 65">
-              <a:extLst>
-                <a:ext uri="{FF2B5EF4-FFF2-40B4-BE49-F238E27FC236}">
-                  <a16:creationId xmlns:a16="http://schemas.microsoft.com/office/drawing/2014/main" id="{87DFA0B9-27E9-0385-01DF-DB3A40DB8A99}"/>
-                </a:ext>
-              </a:extLst>
-            </p:cNvPr>
-            <p:cNvSpPr/>
-            <p:nvPr/>
-          </p:nvSpPr>
-          <p:spPr>
-            <a:xfrm>
-              <a:off x="3472294" y="3455986"/>
-              <a:ext cx="540000" cy="468000"/>
-            </a:xfrm>
-            <a:prstGeom prst="flowChartProcess">
-              <a:avLst/>
-            </a:prstGeom>
-            <a:solidFill>
-              <a:schemeClr val="bg1">
-                <a:lumMod val="85000"/>
-              </a:schemeClr>
-            </a:solidFill>
-            <a:ln w="9525" algn="ctr">
-              <a:solidFill>
-                <a:schemeClr val="tx1"/>
-              </a:solidFill>
-              <a:round/>
-              <a:headEnd/>
-              <a:tailEnd/>
-            </a:ln>
-          </p:spPr>
-          <p:txBody>
-            <a:bodyPr lIns="0" tIns="0" rIns="0" bIns="0" anchor="ctr" anchorCtr="0"/>
-            <a:lstStyle/>
-            <a:p>
-              <a:pPr algn="ctr"/>
-              <a:r>
-                <a:rPr lang="zh-CN" altLang="en-US" sz="1400" dirty="0">
-                  <a:solidFill>
-                    <a:schemeClr val="tx1"/>
-                  </a:solidFill>
-                  <a:latin typeface="微软雅黑" panose="020B0503020204020204" pitchFamily="34" charset="-122"/>
-                  <a:ea typeface="微软雅黑" panose="020B0503020204020204" pitchFamily="34" charset="-122"/>
-                </a:rPr>
-                <a:t>计算</a:t>
-              </a:r>
-              <a:endParaRPr lang="en-US" altLang="zh-CN" sz="1400" dirty="0">
-                <a:solidFill>
-                  <a:schemeClr val="tx1"/>
-                </a:solidFill>
-                <a:latin typeface="微软雅黑" panose="020B0503020204020204" pitchFamily="34" charset="-122"/>
-                <a:ea typeface="微软雅黑" panose="020B0503020204020204" pitchFamily="34" charset="-122"/>
-              </a:endParaRPr>
-            </a:p>
-            <a:p>
-              <a:pPr algn="ctr"/>
-              <a:r>
-                <a:rPr lang="zh-CN" altLang="en-US" sz="1400" dirty="0">
-                  <a:solidFill>
-                    <a:schemeClr val="tx1"/>
-                  </a:solidFill>
-                  <a:latin typeface="微软雅黑" panose="020B0503020204020204" pitchFamily="34" charset="-122"/>
-                  <a:ea typeface="微软雅黑" panose="020B0503020204020204" pitchFamily="34" charset="-122"/>
-                </a:rPr>
-                <a:t>频率</a:t>
-              </a:r>
-            </a:p>
-          </p:txBody>
-        </p:sp>
-        <p:cxnSp>
-          <p:nvCxnSpPr>
-            <p:cNvPr id="67" name="直接箭头连接符 66">
-              <a:extLst>
-                <a:ext uri="{FF2B5EF4-FFF2-40B4-BE49-F238E27FC236}">
-                  <a16:creationId xmlns:a16="http://schemas.microsoft.com/office/drawing/2014/main" id="{B759C9C5-9654-57B3-8CFE-3305DF623911}"/>
-                </a:ext>
-              </a:extLst>
-            </p:cNvPr>
-            <p:cNvCxnSpPr/>
-            <p:nvPr/>
-          </p:nvCxnSpPr>
-          <p:spPr>
-            <a:xfrm>
-              <a:off x="3752359" y="3282522"/>
-              <a:ext cx="0" cy="157067"/>
-            </a:xfrm>
-            <a:prstGeom prst="straightConnector1">
-              <a:avLst/>
-            </a:prstGeom>
-            <a:ln w="12700">
-              <a:solidFill>
-                <a:schemeClr val="tx1"/>
-              </a:solidFill>
-              <a:headEnd type="none" w="med" len="med"/>
-              <a:tailEnd type="triangle" w="med" len="med"/>
-            </a:ln>
-          </p:spPr>
-          <p:style>
-            <a:lnRef idx="1">
-              <a:schemeClr val="accent1"/>
-            </a:lnRef>
-            <a:fillRef idx="0">
-              <a:schemeClr val="accent1"/>
-            </a:fillRef>
-            <a:effectRef idx="0">
-              <a:schemeClr val="accent1"/>
-            </a:effectRef>
-            <a:fontRef idx="minor">
-              <a:schemeClr val="tx1"/>
-            </a:fontRef>
-          </p:style>
-        </p:cxnSp>
-        <p:cxnSp>
-          <p:nvCxnSpPr>
-            <p:cNvPr id="68" name="直接箭头连接符 67">
-              <a:extLst>
-                <a:ext uri="{FF2B5EF4-FFF2-40B4-BE49-F238E27FC236}">
-                  <a16:creationId xmlns:a16="http://schemas.microsoft.com/office/drawing/2014/main" id="{8B8279EC-0EB8-892F-1F71-F4CD8B028D70}"/>
-                </a:ext>
-              </a:extLst>
-            </p:cNvPr>
-            <p:cNvCxnSpPr>
-              <a:stCxn id="66" idx="3"/>
-              <a:endCxn id="64" idx="1"/>
-            </p:cNvCxnSpPr>
-            <p:nvPr/>
-          </p:nvCxnSpPr>
-          <p:spPr>
-            <a:xfrm>
-              <a:off x="4012294" y="3689986"/>
-              <a:ext cx="326068" cy="0"/>
-            </a:xfrm>
-            <a:prstGeom prst="straightConnector1">
-              <a:avLst/>
-            </a:prstGeom>
-            <a:ln w="12700">
-              <a:solidFill>
-                <a:schemeClr val="tx1"/>
-              </a:solidFill>
-              <a:headEnd type="none" w="med" len="med"/>
-              <a:tailEnd type="triangle" w="med" len="med"/>
-            </a:ln>
-          </p:spPr>
-          <p:style>
-            <a:lnRef idx="1">
-              <a:schemeClr val="accent1"/>
-            </a:lnRef>
-            <a:fillRef idx="0">
-              <a:schemeClr val="accent1"/>
-            </a:fillRef>
-            <a:effectRef idx="0">
-              <a:schemeClr val="accent1"/>
-            </a:effectRef>
-            <a:fontRef idx="minor">
-              <a:schemeClr val="tx1"/>
-            </a:fontRef>
-          </p:style>
-        </p:cxnSp>
-        <p:cxnSp>
-          <p:nvCxnSpPr>
-            <p:cNvPr id="69" name="直接箭头连接符 68">
-              <a:extLst>
-                <a:ext uri="{FF2B5EF4-FFF2-40B4-BE49-F238E27FC236}">
-                  <a16:creationId xmlns:a16="http://schemas.microsoft.com/office/drawing/2014/main" id="{99C8486C-42C0-1901-FC45-BBC617D2837D}"/>
-                </a:ext>
-              </a:extLst>
-            </p:cNvPr>
-            <p:cNvCxnSpPr>
-              <a:stCxn id="64" idx="0"/>
-            </p:cNvCxnSpPr>
-            <p:nvPr/>
-          </p:nvCxnSpPr>
-          <p:spPr>
-            <a:xfrm flipV="1">
-              <a:off x="4608362" y="3282522"/>
-              <a:ext cx="0" cy="173464"/>
-            </a:xfrm>
-            <a:prstGeom prst="straightConnector1">
-              <a:avLst/>
-            </a:prstGeom>
-            <a:ln w="12700">
-              <a:solidFill>
-                <a:schemeClr val="tx1"/>
-              </a:solidFill>
-              <a:headEnd type="none" w="med" len="med"/>
-              <a:tailEnd type="triangle" w="med" len="med"/>
-            </a:ln>
-          </p:spPr>
-          <p:style>
-            <a:lnRef idx="1">
-              <a:schemeClr val="accent1"/>
-            </a:lnRef>
-            <a:fillRef idx="0">
-              <a:schemeClr val="accent1"/>
-            </a:fillRef>
-            <a:effectRef idx="0">
-              <a:schemeClr val="accent1"/>
-            </a:effectRef>
-            <a:fontRef idx="minor">
-              <a:schemeClr val="tx1"/>
-            </a:fontRef>
-          </p:style>
-        </p:cxnSp>
-        <p:cxnSp>
-          <p:nvCxnSpPr>
-            <p:cNvPr id="70" name="直接箭头连接符 69">
-              <a:extLst>
-                <a:ext uri="{FF2B5EF4-FFF2-40B4-BE49-F238E27FC236}">
-                  <a16:creationId xmlns:a16="http://schemas.microsoft.com/office/drawing/2014/main" id="{D88D6A29-DF38-2660-C41B-ADEFC4648E2C}"/>
-                </a:ext>
-              </a:extLst>
-            </p:cNvPr>
-            <p:cNvCxnSpPr>
-              <a:stCxn id="65" idx="1"/>
-              <a:endCxn id="63" idx="3"/>
-            </p:cNvCxnSpPr>
-            <p:nvPr/>
-          </p:nvCxnSpPr>
-          <p:spPr>
-            <a:xfrm flipH="1">
-              <a:off x="4012294" y="3046317"/>
-              <a:ext cx="141337" cy="2205"/>
-            </a:xfrm>
-            <a:prstGeom prst="straightConnector1">
-              <a:avLst/>
-            </a:prstGeom>
-            <a:ln w="12700">
-              <a:solidFill>
-                <a:schemeClr val="tx1"/>
-              </a:solidFill>
-              <a:headEnd type="none" w="med" len="med"/>
-              <a:tailEnd type="triangle" w="med" len="med"/>
-            </a:ln>
-          </p:spPr>
-          <p:style>
-            <a:lnRef idx="1">
-              <a:schemeClr val="accent1"/>
-            </a:lnRef>
-            <a:fillRef idx="0">
-              <a:schemeClr val="accent1"/>
-            </a:fillRef>
-            <a:effectRef idx="0">
-              <a:schemeClr val="accent1"/>
-            </a:effectRef>
-            <a:fontRef idx="minor">
-              <a:schemeClr val="tx1"/>
-            </a:fontRef>
-          </p:style>
-        </p:cxnSp>
-      </p:grpSp>
-      <p:sp>
-        <p:nvSpPr>
-          <p:cNvPr id="71" name="流程图: 过程 70">
-            <a:extLst>
-              <a:ext uri="{FF2B5EF4-FFF2-40B4-BE49-F238E27FC236}">
-                <a16:creationId xmlns:a16="http://schemas.microsoft.com/office/drawing/2014/main" id="{2C1BFF41-5B03-27AF-596F-211D8E1269AF}"/>
-              </a:ext>
-            </a:extLst>
-          </p:cNvPr>
-          <p:cNvSpPr/>
-          <p:nvPr/>
-        </p:nvSpPr>
-        <p:spPr>
-          <a:xfrm>
-            <a:off x="5394982" y="1857062"/>
-            <a:ext cx="609600" cy="236002"/>
-          </a:xfrm>
-          <a:prstGeom prst="flowChartProcess">
-            <a:avLst/>
-          </a:prstGeom>
-          <a:solidFill>
-            <a:srgbClr val="F2F2F2"/>
-          </a:solidFill>
-          <a:ln>
-            <a:solidFill>
-              <a:schemeClr val="tx1"/>
-            </a:solidFill>
-          </a:ln>
-        </p:spPr>
-        <p:style>
-          <a:lnRef idx="2">
-            <a:schemeClr val="accent1">
-              <a:shade val="50000"/>
-            </a:schemeClr>
-          </a:lnRef>
-          <a:fillRef idx="1">
-            <a:schemeClr val="accent1"/>
-          </a:fillRef>
-          <a:effectRef idx="0">
-            <a:schemeClr val="accent1"/>
-          </a:effectRef>
-          <a:fontRef idx="minor">
-            <a:schemeClr val="lt1"/>
-          </a:fontRef>
-        </p:style>
-        <p:txBody>
-          <a:bodyPr rtlCol="0" anchor="ctr"/>
-          <a:lstStyle/>
-          <a:p>
-            <a:pPr algn="ctr"/>
-            <a:r>
-              <a:rPr lang="en-US" altLang="zh-CN" sz="800" dirty="0">
-                <a:solidFill>
-                  <a:schemeClr val="tx1"/>
-                </a:solidFill>
-                <a:latin typeface="微软雅黑" panose="020B0503020204020204" pitchFamily="34" charset="-122"/>
-                <a:ea typeface="微软雅黑" panose="020B0503020204020204" pitchFamily="34" charset="-122"/>
-              </a:rPr>
-              <a:t>8 0 1 … </a:t>
-            </a:r>
-            <a:endParaRPr lang="zh-CN" altLang="en-US" sz="800" dirty="0">
-              <a:solidFill>
-                <a:schemeClr val="tx1"/>
-              </a:solidFill>
-              <a:latin typeface="微软雅黑" panose="020B0503020204020204" pitchFamily="34" charset="-122"/>
-              <a:ea typeface="微软雅黑" panose="020B0503020204020204" pitchFamily="34" charset="-122"/>
-            </a:endParaRPr>
-          </a:p>
-        </p:txBody>
-      </p:sp>
-      <p:sp>
-        <p:nvSpPr>
-          <p:cNvPr id="72" name="流程图: 过程 71">
-            <a:extLst>
-              <a:ext uri="{FF2B5EF4-FFF2-40B4-BE49-F238E27FC236}">
-                <a16:creationId xmlns:a16="http://schemas.microsoft.com/office/drawing/2014/main" id="{EDF76C13-A7FF-C2A8-8953-7C0D67B42C07}"/>
-              </a:ext>
-            </a:extLst>
-          </p:cNvPr>
-          <p:cNvSpPr/>
-          <p:nvPr/>
-        </p:nvSpPr>
-        <p:spPr>
-          <a:xfrm>
-            <a:off x="5394982" y="2093064"/>
-            <a:ext cx="609600" cy="236002"/>
-          </a:xfrm>
-          <a:prstGeom prst="flowChartProcess">
-            <a:avLst/>
-          </a:prstGeom>
-          <a:solidFill>
-            <a:srgbClr val="F2F2F2"/>
-          </a:solidFill>
-          <a:ln>
-            <a:solidFill>
-              <a:schemeClr val="tx1"/>
-            </a:solidFill>
-          </a:ln>
-        </p:spPr>
-        <p:style>
-          <a:lnRef idx="2">
-            <a:schemeClr val="accent1">
-              <a:shade val="50000"/>
-            </a:schemeClr>
-          </a:lnRef>
-          <a:fillRef idx="1">
-            <a:schemeClr val="accent1"/>
-          </a:fillRef>
-          <a:effectRef idx="0">
-            <a:schemeClr val="accent1"/>
-          </a:effectRef>
-          <a:fontRef idx="minor">
-            <a:schemeClr val="lt1"/>
-          </a:fontRef>
-        </p:style>
-        <p:txBody>
-          <a:bodyPr rtlCol="0" anchor="ctr"/>
-          <a:lstStyle/>
-          <a:p>
-            <a:pPr algn="ctr"/>
-            <a:r>
-              <a:rPr lang="en-US" altLang="zh-CN" sz="800" dirty="0">
-                <a:solidFill>
-                  <a:schemeClr val="tx1"/>
-                </a:solidFill>
-                <a:latin typeface="微软雅黑" panose="020B0503020204020204" pitchFamily="34" charset="-122"/>
-                <a:ea typeface="微软雅黑" panose="020B0503020204020204" pitchFamily="34" charset="-122"/>
-              </a:rPr>
-              <a:t>2 3 1 … </a:t>
-            </a:r>
-            <a:endParaRPr lang="zh-CN" altLang="en-US" sz="800" dirty="0">
-              <a:solidFill>
-                <a:schemeClr val="tx1"/>
-              </a:solidFill>
-              <a:latin typeface="微软雅黑" panose="020B0503020204020204" pitchFamily="34" charset="-122"/>
-              <a:ea typeface="微软雅黑" panose="020B0503020204020204" pitchFamily="34" charset="-122"/>
-            </a:endParaRPr>
-          </a:p>
-        </p:txBody>
-      </p:sp>
-      <p:sp>
-        <p:nvSpPr>
-          <p:cNvPr id="73" name="流程图: 过程 72">
-            <a:extLst>
-              <a:ext uri="{FF2B5EF4-FFF2-40B4-BE49-F238E27FC236}">
-                <a16:creationId xmlns:a16="http://schemas.microsoft.com/office/drawing/2014/main" id="{87D70F61-A1F7-A09E-2646-561D4FB01147}"/>
-              </a:ext>
-            </a:extLst>
-          </p:cNvPr>
-          <p:cNvSpPr/>
-          <p:nvPr/>
-        </p:nvSpPr>
-        <p:spPr>
-          <a:xfrm>
-            <a:off x="5394982" y="2688376"/>
-            <a:ext cx="609600" cy="236002"/>
-          </a:xfrm>
-          <a:prstGeom prst="flowChartProcess">
-            <a:avLst/>
-          </a:prstGeom>
-          <a:solidFill>
-            <a:srgbClr val="F2F2F2"/>
-          </a:solidFill>
-          <a:ln>
-            <a:solidFill>
-              <a:schemeClr val="tx1"/>
-            </a:solidFill>
-          </a:ln>
-        </p:spPr>
-        <p:style>
-          <a:lnRef idx="2">
-            <a:schemeClr val="accent1">
-              <a:shade val="50000"/>
-            </a:schemeClr>
-          </a:lnRef>
-          <a:fillRef idx="1">
-            <a:schemeClr val="accent1"/>
-          </a:fillRef>
-          <a:effectRef idx="0">
-            <a:schemeClr val="accent1"/>
-          </a:effectRef>
-          <a:fontRef idx="minor">
-            <a:schemeClr val="lt1"/>
-          </a:fontRef>
-        </p:style>
-        <p:txBody>
-          <a:bodyPr rtlCol="0" anchor="ctr"/>
-          <a:lstStyle/>
-          <a:p>
-            <a:pPr algn="ctr"/>
-            <a:r>
-              <a:rPr lang="en-US" altLang="zh-CN" sz="800" dirty="0">
-                <a:solidFill>
-                  <a:schemeClr val="tx1"/>
-                </a:solidFill>
-                <a:latin typeface="微软雅黑" panose="020B0503020204020204" pitchFamily="34" charset="-122"/>
-                <a:ea typeface="微软雅黑" panose="020B0503020204020204" pitchFamily="34" charset="-122"/>
-              </a:rPr>
-              <a:t>8 3 1 … </a:t>
-            </a:r>
-            <a:endParaRPr lang="zh-CN" altLang="en-US" sz="800" dirty="0">
-              <a:solidFill>
-                <a:schemeClr val="tx1"/>
-              </a:solidFill>
-              <a:latin typeface="微软雅黑" panose="020B0503020204020204" pitchFamily="34" charset="-122"/>
-              <a:ea typeface="微软雅黑" panose="020B0503020204020204" pitchFamily="34" charset="-122"/>
-            </a:endParaRPr>
-          </a:p>
-        </p:txBody>
-      </p:sp>
-      <p:sp>
-        <p:nvSpPr>
-          <p:cNvPr id="74" name="TextBox 148">
-            <a:extLst>
-              <a:ext uri="{FF2B5EF4-FFF2-40B4-BE49-F238E27FC236}">
-                <a16:creationId xmlns:a16="http://schemas.microsoft.com/office/drawing/2014/main" id="{A97CEC69-8D0B-0F65-48C8-43137C813D8F}"/>
-              </a:ext>
-            </a:extLst>
-          </p:cNvPr>
-          <p:cNvSpPr txBox="1"/>
-          <p:nvPr/>
-        </p:nvSpPr>
-        <p:spPr>
-          <a:xfrm>
-            <a:off x="5496444" y="2319044"/>
-            <a:ext cx="406676" cy="369332"/>
-          </a:xfrm>
-          <a:prstGeom prst="rect">
-            <a:avLst/>
-          </a:prstGeom>
-          <a:noFill/>
-        </p:spPr>
-        <p:txBody>
-          <a:bodyPr wrap="square" rtlCol="0">
-            <a:spAutoFit/>
-          </a:bodyPr>
-          <a:lstStyle/>
-          <a:p>
-            <a:r>
-              <a:rPr lang="en-US" altLang="zh-CN" dirty="0">
-                <a:latin typeface="微软雅黑" panose="020B0503020204020204" pitchFamily="34" charset="-122"/>
-                <a:ea typeface="微软雅黑" panose="020B0503020204020204" pitchFamily="34" charset="-122"/>
-              </a:rPr>
-              <a:t>…</a:t>
-            </a:r>
-            <a:endParaRPr lang="zh-CN" altLang="en-US" dirty="0">
-              <a:latin typeface="微软雅黑" panose="020B0503020204020204" pitchFamily="34" charset="-122"/>
-              <a:ea typeface="微软雅黑" panose="020B0503020204020204" pitchFamily="34" charset="-122"/>
-            </a:endParaRPr>
-          </a:p>
-        </p:txBody>
-      </p:sp>
-      <p:sp>
-        <p:nvSpPr>
-          <p:cNvPr id="75" name="燕尾形 240">
-            <a:extLst>
-              <a:ext uri="{FF2B5EF4-FFF2-40B4-BE49-F238E27FC236}">
-                <a16:creationId xmlns:a16="http://schemas.microsoft.com/office/drawing/2014/main" id="{317BE286-3F27-2ECD-6CDE-ECBCFB77E8E3}"/>
-              </a:ext>
-            </a:extLst>
-          </p:cNvPr>
-          <p:cNvSpPr/>
-          <p:nvPr/>
-        </p:nvSpPr>
-        <p:spPr>
-          <a:xfrm>
-            <a:off x="5119047" y="2228050"/>
-            <a:ext cx="252000" cy="252000"/>
-          </a:xfrm>
-          <a:prstGeom prst="chevron">
-            <a:avLst/>
-          </a:prstGeom>
-          <a:solidFill>
-            <a:srgbClr val="FDF2EA"/>
-          </a:solidFill>
-          <a:ln>
-            <a:solidFill>
-              <a:schemeClr val="tx1"/>
-            </a:solidFill>
-          </a:ln>
-        </p:spPr>
-        <p:style>
-          <a:lnRef idx="2">
-            <a:schemeClr val="accent1">
-              <a:shade val="50000"/>
-            </a:schemeClr>
-          </a:lnRef>
-          <a:fillRef idx="1">
-            <a:schemeClr val="accent1"/>
-          </a:fillRef>
-          <a:effectRef idx="0">
-            <a:schemeClr val="accent1"/>
-          </a:effectRef>
-          <a:fontRef idx="minor">
-            <a:schemeClr val="lt1"/>
-          </a:fontRef>
-        </p:style>
-        <p:txBody>
-          <a:bodyPr rtlCol="0" anchor="ctr"/>
-          <a:lstStyle/>
-          <a:p>
-            <a:pPr algn="ctr"/>
-            <a:endParaRPr lang="zh-CN" altLang="en-US">
-              <a:solidFill>
-                <a:schemeClr val="tx1"/>
-              </a:solidFill>
-              <a:latin typeface="微软雅黑" panose="020B0503020204020204" pitchFamily="34" charset="-122"/>
-              <a:ea typeface="微软雅黑" panose="020B0503020204020204" pitchFamily="34" charset="-122"/>
-            </a:endParaRPr>
-          </a:p>
-        </p:txBody>
-      </p:sp>
-      <p:sp>
-        <p:nvSpPr>
-          <p:cNvPr id="80" name="TextBox 195">
-            <a:extLst>
-              <a:ext uri="{FF2B5EF4-FFF2-40B4-BE49-F238E27FC236}">
-                <a16:creationId xmlns:a16="http://schemas.microsoft.com/office/drawing/2014/main" id="{7B3A2014-F9EE-71DB-29B2-C2CE4FC2A99F}"/>
-              </a:ext>
-            </a:extLst>
-          </p:cNvPr>
-          <p:cNvSpPr txBox="1"/>
-          <p:nvPr/>
-        </p:nvSpPr>
-        <p:spPr>
-          <a:xfrm>
-            <a:off x="6707451" y="3121223"/>
-            <a:ext cx="2010629" cy="307777"/>
-          </a:xfrm>
-          <a:prstGeom prst="rect">
-            <a:avLst/>
-          </a:prstGeom>
-          <a:noFill/>
-        </p:spPr>
-        <p:txBody>
-          <a:bodyPr wrap="square" rtlCol="0">
-            <a:spAutoFit/>
-          </a:bodyPr>
-          <a:lstStyle/>
-          <a:p>
-            <a:pPr algn="ctr"/>
-            <a:r>
-              <a:rPr lang="zh-CN" altLang="en-US" sz="1400" dirty="0">
-                <a:latin typeface="微软雅黑" panose="020B0503020204020204" pitchFamily="34" charset="-122"/>
-                <a:ea typeface="微软雅黑" panose="020B0503020204020204" pitchFamily="34" charset="-122"/>
-                <a:cs typeface="Times New Roman" panose="02020603050405020304" pitchFamily="18" charset="0"/>
-              </a:rPr>
-              <a:t>表征模型</a:t>
-            </a:r>
-          </a:p>
-        </p:txBody>
-      </p:sp>
-    </p:spTree>
-    <p:extLst>
-      <p:ext uri="{BB962C8B-B14F-4D97-AF65-F5344CB8AC3E}">
-        <p14:creationId xmlns:p14="http://schemas.microsoft.com/office/powerpoint/2010/main" val="428533179"/>
-      </p:ext>
-    </p:extLst>
-  </p:cSld>
-  <p:clrMapOvr>
-    <a:masterClrMapping/>
-  </p:clrMapOvr>
-</p:sld>
-</file>
-
-<file path=ppt/slides/slide11.xml><?xml version="1.0" encoding="utf-8"?>
 <p:sld xmlns:a="http://schemas.openxmlformats.org/drawingml/2006/main" xmlns:r="http://schemas.openxmlformats.org/officeDocument/2006/relationships" xmlns:p="http://schemas.openxmlformats.org/presentationml/2006/main">
   <p:cSld>
     <p:spTree>
@@ -15281,10 +14594,10 @@
       </p:grpSp>
       <p:sp>
         <p:nvSpPr>
-          <p:cNvPr id="92" name="文本框 91">
+          <p:cNvPr id="2" name="文本框 1">
             <a:extLst>
               <a:ext uri="{FF2B5EF4-FFF2-40B4-BE49-F238E27FC236}">
-                <a16:creationId xmlns:a16="http://schemas.microsoft.com/office/drawing/2014/main" id="{719341CB-9829-CEC8-D151-0D4928B19A06}"/>
+                <a16:creationId xmlns:a16="http://schemas.microsoft.com/office/drawing/2014/main" id="{ED5A5B12-E652-7B9D-54D7-28F69E14EDCE}"/>
               </a:ext>
             </a:extLst>
           </p:cNvPr>
@@ -15293,8 +14606,8 @@
         </p:nvSpPr>
         <p:spPr>
           <a:xfrm>
-            <a:off x="5389515" y="6091917"/>
-            <a:ext cx="1601536" cy="369332"/>
+            <a:off x="24485" y="1681630"/>
+            <a:ext cx="6096000" cy="307777"/>
           </a:xfrm>
           <a:prstGeom prst="rect">
             <a:avLst/>
@@ -15302,25 +14615,70 @@
           <a:noFill/>
         </p:spPr>
         <p:txBody>
-          <a:bodyPr wrap="square" rtlCol="0">
+          <a:bodyPr wrap="square">
             <a:spAutoFit/>
           </a:bodyPr>
           <a:lstStyle/>
           <a:p>
+            <a:pPr algn="ctr"/>
             <a:r>
-              <a:rPr lang="en-US" altLang="zh-CN" dirty="0">
+              <a:rPr lang="en-US" altLang="zh-CN" sz="1400" dirty="0">
                 <a:latin typeface="微软雅黑" panose="020B0503020204020204" pitchFamily="34" charset="-122"/>
                 <a:ea typeface="微软雅黑" panose="020B0503020204020204" pitchFamily="34" charset="-122"/>
+                <a:cs typeface="Times New Roman" panose="02020603050405020304" pitchFamily="18" charset="0"/>
               </a:rPr>
-              <a:t>Token</a:t>
+              <a:t>Attention</a:t>
             </a:r>
+            <a:endParaRPr lang="zh-CN" altLang="en-US" sz="1400" dirty="0">
+              <a:latin typeface="微软雅黑" panose="020B0503020204020204" pitchFamily="34" charset="-122"/>
+              <a:ea typeface="微软雅黑" panose="020B0503020204020204" pitchFamily="34" charset="-122"/>
+              <a:cs typeface="Times New Roman" panose="02020603050405020304" pitchFamily="18" charset="0"/>
+            </a:endParaRPr>
+          </a:p>
+        </p:txBody>
+      </p:sp>
+      <p:sp>
+        <p:nvSpPr>
+          <p:cNvPr id="17" name="文本框 16">
+            <a:extLst>
+              <a:ext uri="{FF2B5EF4-FFF2-40B4-BE49-F238E27FC236}">
+                <a16:creationId xmlns:a16="http://schemas.microsoft.com/office/drawing/2014/main" id="{D26ABB5F-74EE-7CDF-573D-93CDA185A008}"/>
+              </a:ext>
+            </a:extLst>
+          </p:cNvPr>
+          <p:cNvSpPr txBox="1"/>
+          <p:nvPr/>
+        </p:nvSpPr>
+        <p:spPr>
+          <a:xfrm>
+            <a:off x="6121592" y="1681630"/>
+            <a:ext cx="6096000" cy="307777"/>
+          </a:xfrm>
+          <a:prstGeom prst="rect">
+            <a:avLst/>
+          </a:prstGeom>
+          <a:noFill/>
+        </p:spPr>
+        <p:txBody>
+          <a:bodyPr wrap="square">
+            <a:spAutoFit/>
+          </a:bodyPr>
+          <a:lstStyle/>
+          <a:p>
+            <a:pPr algn="ctr"/>
             <a:r>
-              <a:rPr lang="zh-CN" altLang="en-US" dirty="0">
+              <a:rPr lang="en-US" altLang="zh-CN" sz="1400" dirty="0">
                 <a:latin typeface="微软雅黑" panose="020B0503020204020204" pitchFamily="34" charset="-122"/>
                 <a:ea typeface="微软雅黑" panose="020B0503020204020204" pitchFamily="34" charset="-122"/>
+                <a:cs typeface="Times New Roman" panose="02020603050405020304" pitchFamily="18" charset="0"/>
               </a:rPr>
-              <a:t>流程图</a:t>
+              <a:t>Attention</a:t>
             </a:r>
+            <a:endParaRPr lang="zh-CN" altLang="en-US" sz="1400" dirty="0">
+              <a:latin typeface="微软雅黑" panose="020B0503020204020204" pitchFamily="34" charset="-122"/>
+              <a:ea typeface="微软雅黑" panose="020B0503020204020204" pitchFamily="34" charset="-122"/>
+              <a:cs typeface="Times New Roman" panose="02020603050405020304" pitchFamily="18" charset="0"/>
+            </a:endParaRPr>
           </a:p>
         </p:txBody>
       </p:sp>
@@ -15337,7 +14695,7 @@
 </p:sld>
 </file>
 
-<file path=ppt/slides/slide12.xml><?xml version="1.0" encoding="utf-8"?>
+<file path=ppt/slides/slide11.xml><?xml version="1.0" encoding="utf-8"?>
 <p:sld xmlns:a="http://schemas.openxmlformats.org/drawingml/2006/main" xmlns:r="http://schemas.openxmlformats.org/officeDocument/2006/relationships" xmlns:p="http://schemas.openxmlformats.org/presentationml/2006/main">
   <p:cSld>
     <p:spTree>
@@ -15485,7 +14843,7 @@
 </p:sld>
 </file>
 
-<file path=ppt/slides/slide13.xml><?xml version="1.0" encoding="utf-8"?>
+<file path=ppt/slides/slide12.xml><?xml version="1.0" encoding="utf-8"?>
 <p:sld xmlns:a="http://schemas.openxmlformats.org/drawingml/2006/main" xmlns:r="http://schemas.openxmlformats.org/officeDocument/2006/relationships" xmlns:p="http://schemas.openxmlformats.org/presentationml/2006/main">
   <p:cSld>
     <p:spTree>
@@ -15572,138 +14930,6 @@
           <p:cNvPr id="3" name="图片 2">
             <a:extLst>
               <a:ext uri="{FF2B5EF4-FFF2-40B4-BE49-F238E27FC236}">
-                <a16:creationId xmlns:a16="http://schemas.microsoft.com/office/drawing/2014/main" id="{C8D235C2-38CE-EBEF-217D-67EDC921C8C7}"/>
-              </a:ext>
-            </a:extLst>
-          </p:cNvPr>
-          <p:cNvPicPr>
-            <a:picLocks noChangeAspect="1"/>
-          </p:cNvPicPr>
-          <p:nvPr/>
-        </p:nvPicPr>
-        <p:blipFill>
-          <a:blip r:embed="rId2">
-            <a:extLst>
-              <a:ext uri="{28A0092B-C50C-407E-A947-70E740481C1C}">
-                <a14:useLocalDpi xmlns:a14="http://schemas.microsoft.com/office/drawing/2010/main" val="0"/>
-              </a:ext>
-            </a:extLst>
-          </a:blip>
-          <a:stretch>
-            <a:fillRect/>
-          </a:stretch>
-        </p:blipFill>
-        <p:spPr>
-          <a:xfrm>
-            <a:off x="1297118" y="1194062"/>
-            <a:ext cx="9424305" cy="4637111"/>
-          </a:xfrm>
-          <a:prstGeom prst="rect">
-            <a:avLst/>
-          </a:prstGeom>
-        </p:spPr>
-      </p:pic>
-    </p:spTree>
-    <p:extLst>
-      <p:ext uri="{BB962C8B-B14F-4D97-AF65-F5344CB8AC3E}">
-        <p14:creationId xmlns:p14="http://schemas.microsoft.com/office/powerpoint/2010/main" val="715170323"/>
-      </p:ext>
-    </p:extLst>
-  </p:cSld>
-  <p:clrMapOvr>
-    <a:masterClrMapping/>
-  </p:clrMapOvr>
-</p:sld>
-</file>
-
-<file path=ppt/slides/slide3.xml><?xml version="1.0" encoding="utf-8"?>
-<p:sld xmlns:a="http://schemas.openxmlformats.org/drawingml/2006/main" xmlns:r="http://schemas.openxmlformats.org/officeDocument/2006/relationships" xmlns:p="http://schemas.openxmlformats.org/presentationml/2006/main">
-  <p:cSld>
-    <p:spTree>
-      <p:nvGrpSpPr>
-        <p:cNvPr id="1" name=""/>
-        <p:cNvGrpSpPr/>
-        <p:nvPr/>
-      </p:nvGrpSpPr>
-      <p:grpSpPr>
-        <a:xfrm>
-          <a:off x="0" y="0"/>
-          <a:ext cx="0" cy="0"/>
-          <a:chOff x="0" y="0"/>
-          <a:chExt cx="0" cy="0"/>
-        </a:xfrm>
-      </p:grpSpPr>
-      <p:pic>
-        <p:nvPicPr>
-          <p:cNvPr id="3" name="图片 2">
-            <a:extLst>
-              <a:ext uri="{FF2B5EF4-FFF2-40B4-BE49-F238E27FC236}">
-                <a16:creationId xmlns:a16="http://schemas.microsoft.com/office/drawing/2014/main" id="{5B9CAAF9-84F9-B1C2-0B59-5C36E79BE296}"/>
-              </a:ext>
-            </a:extLst>
-          </p:cNvPr>
-          <p:cNvPicPr>
-            <a:picLocks noChangeAspect="1"/>
-          </p:cNvPicPr>
-          <p:nvPr/>
-        </p:nvPicPr>
-        <p:blipFill>
-          <a:blip r:embed="rId2">
-            <a:extLst>
-              <a:ext uri="{28A0092B-C50C-407E-A947-70E740481C1C}">
-                <a14:useLocalDpi xmlns:a14="http://schemas.microsoft.com/office/drawing/2010/main" val="0"/>
-              </a:ext>
-            </a:extLst>
-          </a:blip>
-          <a:stretch>
-            <a:fillRect/>
-          </a:stretch>
-        </p:blipFill>
-        <p:spPr>
-          <a:xfrm>
-            <a:off x="2364770" y="0"/>
-            <a:ext cx="7462459" cy="6858000"/>
-          </a:xfrm>
-          <a:prstGeom prst="rect">
-            <a:avLst/>
-          </a:prstGeom>
-        </p:spPr>
-      </p:pic>
-    </p:spTree>
-    <p:extLst>
-      <p:ext uri="{BB962C8B-B14F-4D97-AF65-F5344CB8AC3E}">
-        <p14:creationId xmlns:p14="http://schemas.microsoft.com/office/powerpoint/2010/main" val="3561623545"/>
-      </p:ext>
-    </p:extLst>
-  </p:cSld>
-  <p:clrMapOvr>
-    <a:masterClrMapping/>
-  </p:clrMapOvr>
-</p:sld>
-</file>
-
-<file path=ppt/slides/slide4.xml><?xml version="1.0" encoding="utf-8"?>
-<p:sld xmlns:a="http://schemas.openxmlformats.org/drawingml/2006/main" xmlns:r="http://schemas.openxmlformats.org/officeDocument/2006/relationships" xmlns:p="http://schemas.openxmlformats.org/presentationml/2006/main">
-  <p:cSld>
-    <p:spTree>
-      <p:nvGrpSpPr>
-        <p:cNvPr id="1" name=""/>
-        <p:cNvGrpSpPr/>
-        <p:nvPr/>
-      </p:nvGrpSpPr>
-      <p:grpSpPr>
-        <a:xfrm>
-          <a:off x="0" y="0"/>
-          <a:ext cx="0" cy="0"/>
-          <a:chOff x="0" y="0"/>
-          <a:chExt cx="0" cy="0"/>
-        </a:xfrm>
-      </p:grpSpPr>
-      <p:pic>
-        <p:nvPicPr>
-          <p:cNvPr id="3" name="图片 2">
-            <a:extLst>
-              <a:ext uri="{FF2B5EF4-FFF2-40B4-BE49-F238E27FC236}">
                 <a16:creationId xmlns:a16="http://schemas.microsoft.com/office/drawing/2014/main" id="{4F028E05-5EE1-989F-7959-B4EC8A15F689}"/>
               </a:ext>
             </a:extLst>
@@ -15748,7 +14974,97 @@
 </p:sld>
 </file>
 
-<file path=ppt/slides/slide5.xml><?xml version="1.0" encoding="utf-8"?>
+<file path=ppt/slides/slide3.xml><?xml version="1.0" encoding="utf-8"?>
+<p:sld xmlns:a="http://schemas.openxmlformats.org/drawingml/2006/main" xmlns:r="http://schemas.openxmlformats.org/officeDocument/2006/relationships" xmlns:p="http://schemas.openxmlformats.org/presentationml/2006/main">
+  <p:cSld>
+    <p:spTree>
+      <p:nvGrpSpPr>
+        <p:cNvPr id="1" name=""/>
+        <p:cNvGrpSpPr/>
+        <p:nvPr/>
+      </p:nvGrpSpPr>
+      <p:grpSpPr>
+        <a:xfrm>
+          <a:off x="0" y="0"/>
+          <a:ext cx="0" cy="0"/>
+          <a:chOff x="0" y="0"/>
+          <a:chExt cx="0" cy="0"/>
+        </a:xfrm>
+      </p:grpSpPr>
+      <p:graphicFrame>
+        <p:nvGraphicFramePr>
+          <p:cNvPr id="2" name="图表 1">
+            <a:extLst>
+              <a:ext uri="{FF2B5EF4-FFF2-40B4-BE49-F238E27FC236}">
+                <a16:creationId xmlns:a16="http://schemas.microsoft.com/office/drawing/2014/main" id="{76DCE1A0-B155-00DC-AD21-C13C7AD395C6}"/>
+              </a:ext>
+            </a:extLst>
+          </p:cNvPr>
+          <p:cNvGraphicFramePr>
+            <a:graphicFrameLocks/>
+          </p:cNvGraphicFramePr>
+          <p:nvPr>
+            <p:extLst>
+              <p:ext uri="{D42A27DB-BD31-4B8C-83A1-F6EECF244321}">
+                <p14:modId xmlns:p14="http://schemas.microsoft.com/office/powerpoint/2010/main" val="2947709019"/>
+              </p:ext>
+            </p:extLst>
+          </p:nvPr>
+        </p:nvGraphicFramePr>
+        <p:xfrm>
+          <a:off x="956442" y="1158766"/>
+          <a:ext cx="4572000" cy="3464034"/>
+        </p:xfrm>
+        <a:graphic>
+          <a:graphicData uri="http://schemas.openxmlformats.org/drawingml/2006/chart">
+            <c:chart xmlns:c="http://schemas.openxmlformats.org/drawingml/2006/chart" xmlns:r="http://schemas.openxmlformats.org/officeDocument/2006/relationships" r:id="rId2"/>
+          </a:graphicData>
+        </a:graphic>
+      </p:graphicFrame>
+      <p:graphicFrame>
+        <p:nvGraphicFramePr>
+          <p:cNvPr id="3" name="图表 2">
+            <a:extLst>
+              <a:ext uri="{FF2B5EF4-FFF2-40B4-BE49-F238E27FC236}">
+                <a16:creationId xmlns:a16="http://schemas.microsoft.com/office/drawing/2014/main" id="{8E7E0552-9A69-17A7-90C4-3AE909C3ABD5}"/>
+              </a:ext>
+            </a:extLst>
+          </p:cNvPr>
+          <p:cNvGraphicFramePr>
+            <a:graphicFrameLocks/>
+          </p:cNvGraphicFramePr>
+          <p:nvPr>
+            <p:extLst>
+              <p:ext uri="{D42A27DB-BD31-4B8C-83A1-F6EECF244321}">
+                <p14:modId xmlns:p14="http://schemas.microsoft.com/office/powerpoint/2010/main" val="1709242330"/>
+              </p:ext>
+            </p:extLst>
+          </p:nvPr>
+        </p:nvGraphicFramePr>
+        <p:xfrm>
+          <a:off x="5622160" y="1158766"/>
+          <a:ext cx="4572000" cy="3464034"/>
+        </p:xfrm>
+        <a:graphic>
+          <a:graphicData uri="http://schemas.openxmlformats.org/drawingml/2006/chart">
+            <c:chart xmlns:c="http://schemas.openxmlformats.org/drawingml/2006/chart" xmlns:r="http://schemas.openxmlformats.org/officeDocument/2006/relationships" r:id="rId3"/>
+          </a:graphicData>
+        </a:graphic>
+      </p:graphicFrame>
+    </p:spTree>
+    <p:extLst>
+      <p:ext uri="{BB962C8B-B14F-4D97-AF65-F5344CB8AC3E}">
+        <p14:creationId xmlns:p14="http://schemas.microsoft.com/office/powerpoint/2010/main" val="3124176555"/>
+      </p:ext>
+    </p:extLst>
+  </p:cSld>
+  <p:clrMapOvr>
+    <a:masterClrMapping/>
+  </p:clrMapOvr>
+</p:sld>
+</file>
+
+<file path=ppt/slides/slide4.xml><?xml version="1.0" encoding="utf-8"?>
 <p:sld xmlns:a="http://schemas.openxmlformats.org/drawingml/2006/main" xmlns:r="http://schemas.openxmlformats.org/officeDocument/2006/relationships" xmlns:p="http://schemas.openxmlformats.org/presentationml/2006/main">
   <p:cSld>
     <p:spTree>
@@ -15786,15 +15102,20 @@
             <a:avLst/>
           </a:prstGeom>
           <a:solidFill>
-            <a:schemeClr val="bg1">
-              <a:lumMod val="95000"/>
-            </a:schemeClr>
+            <a:schemeClr val="bg1"/>
           </a:solidFill>
           <a:ln w="23495">
             <a:solidFill>
               <a:schemeClr val="tx1"/>
             </a:solidFill>
           </a:ln>
+          <a:effectLst>
+            <a:outerShdw blurRad="50800" dist="38100" dir="2700000" algn="tl" rotWithShape="0">
+              <a:prstClr val="black">
+                <a:alpha val="40000"/>
+              </a:prstClr>
+            </a:outerShdw>
+          </a:effectLst>
         </p:spPr>
         <p:style>
           <a:lnRef idx="2">
@@ -15851,15 +15172,20 @@
             <a:avLst/>
           </a:prstGeom>
           <a:solidFill>
-            <a:schemeClr val="bg1">
-              <a:lumMod val="95000"/>
-            </a:schemeClr>
+            <a:schemeClr val="bg1"/>
           </a:solidFill>
           <a:ln w="23495">
             <a:solidFill>
               <a:schemeClr val="tx1"/>
             </a:solidFill>
           </a:ln>
+          <a:effectLst>
+            <a:outerShdw blurRad="50800" dist="38100" dir="2700000" algn="tl" rotWithShape="0">
+              <a:prstClr val="black">
+                <a:alpha val="40000"/>
+              </a:prstClr>
+            </a:outerShdw>
+          </a:effectLst>
         </p:spPr>
         <p:style>
           <a:lnRef idx="2">
@@ -15916,15 +15242,20 @@
             <a:avLst/>
           </a:prstGeom>
           <a:solidFill>
-            <a:schemeClr val="bg1">
-              <a:lumMod val="95000"/>
-            </a:schemeClr>
+            <a:schemeClr val="bg1"/>
           </a:solidFill>
           <a:ln w="23495">
             <a:solidFill>
               <a:schemeClr val="tx1"/>
             </a:solidFill>
           </a:ln>
+          <a:effectLst>
+            <a:outerShdw blurRad="50800" dist="38100" dir="2700000" algn="tl" rotWithShape="0">
+              <a:prstClr val="black">
+                <a:alpha val="40000"/>
+              </a:prstClr>
+            </a:outerShdw>
+          </a:effectLst>
         </p:spPr>
         <p:style>
           <a:lnRef idx="2">
@@ -16063,15 +15394,20 @@
             <a:avLst/>
           </a:prstGeom>
           <a:solidFill>
-            <a:schemeClr val="bg1">
-              <a:lumMod val="95000"/>
-            </a:schemeClr>
+            <a:schemeClr val="bg1"/>
           </a:solidFill>
           <a:ln w="23495">
             <a:solidFill>
               <a:schemeClr val="tx1"/>
             </a:solidFill>
           </a:ln>
+          <a:effectLst>
+            <a:outerShdw blurRad="50800" dist="38100" dir="2700000" algn="tl" rotWithShape="0">
+              <a:prstClr val="black">
+                <a:alpha val="40000"/>
+              </a:prstClr>
+            </a:outerShdw>
+          </a:effectLst>
         </p:spPr>
         <p:style>
           <a:lnRef idx="2">
@@ -16197,15 +15533,20 @@
             <a:avLst/>
           </a:prstGeom>
           <a:solidFill>
-            <a:schemeClr val="bg1">
-              <a:lumMod val="95000"/>
-            </a:schemeClr>
+            <a:schemeClr val="bg1"/>
           </a:solidFill>
           <a:ln w="23495">
             <a:solidFill>
               <a:schemeClr val="tx1"/>
             </a:solidFill>
           </a:ln>
+          <a:effectLst>
+            <a:outerShdw blurRad="50800" dist="38100" dir="2700000" algn="tl" rotWithShape="0">
+              <a:prstClr val="black">
+                <a:alpha val="40000"/>
+              </a:prstClr>
+            </a:outerShdw>
+          </a:effectLst>
         </p:spPr>
         <p:style>
           <a:lnRef idx="2">
@@ -16331,15 +15672,20 @@
             <a:avLst/>
           </a:prstGeom>
           <a:solidFill>
-            <a:schemeClr val="bg1">
-              <a:lumMod val="95000"/>
-            </a:schemeClr>
+            <a:schemeClr val="bg1"/>
           </a:solidFill>
           <a:ln w="23495">
             <a:solidFill>
               <a:schemeClr val="tx1"/>
             </a:solidFill>
           </a:ln>
+          <a:effectLst>
+            <a:outerShdw blurRad="50800" dist="38100" dir="2700000" algn="tl" rotWithShape="0">
+              <a:prstClr val="black">
+                <a:alpha val="40000"/>
+              </a:prstClr>
+            </a:outerShdw>
+          </a:effectLst>
         </p:spPr>
         <p:style>
           <a:lnRef idx="2">
@@ -16494,15 +15840,20 @@
             <a:avLst/>
           </a:prstGeom>
           <a:solidFill>
-            <a:schemeClr val="bg1">
-              <a:lumMod val="95000"/>
-            </a:schemeClr>
+            <a:schemeClr val="bg1"/>
           </a:solidFill>
           <a:ln w="23495">
             <a:solidFill>
               <a:schemeClr val="tx1"/>
             </a:solidFill>
           </a:ln>
+          <a:effectLst>
+            <a:outerShdw blurRad="50800" dist="38100" dir="2700000" algn="tl" rotWithShape="0">
+              <a:prstClr val="black">
+                <a:alpha val="40000"/>
+              </a:prstClr>
+            </a:outerShdw>
+          </a:effectLst>
         </p:spPr>
         <p:style>
           <a:lnRef idx="2">
@@ -16567,6 +15918,13 @@
             </a:solidFill>
             <a:tailEnd type="triangle"/>
           </a:ln>
+          <a:effectLst>
+            <a:outerShdw blurRad="50800" dist="38100" dir="2700000" algn="tl" rotWithShape="0">
+              <a:prstClr val="black">
+                <a:alpha val="40000"/>
+              </a:prstClr>
+            </a:outerShdw>
+          </a:effectLst>
         </p:spPr>
         <p:style>
           <a:lnRef idx="1">
@@ -16613,6 +15971,13 @@
             <a:headEnd type="none" w="med" len="med"/>
             <a:tailEnd type="triangle" w="med" len="med"/>
           </a:ln>
+          <a:effectLst>
+            <a:outerShdw blurRad="50800" dist="38100" dir="2700000" algn="tl" rotWithShape="0">
+              <a:prstClr val="black">
+                <a:alpha val="40000"/>
+              </a:prstClr>
+            </a:outerShdw>
+          </a:effectLst>
         </p:spPr>
         <p:style>
           <a:lnRef idx="1">
@@ -16658,6 +16023,13 @@
             </a:solidFill>
             <a:tailEnd type="triangle"/>
           </a:ln>
+          <a:effectLst>
+            <a:outerShdw blurRad="50800" dist="38100" dir="2700000" algn="tl" rotWithShape="0">
+              <a:prstClr val="black">
+                <a:alpha val="40000"/>
+              </a:prstClr>
+            </a:outerShdw>
+          </a:effectLst>
         </p:spPr>
         <p:style>
           <a:lnRef idx="1">
@@ -16707,6 +16079,13 @@
             <a:headEnd type="none" w="med" len="med"/>
             <a:tailEnd type="triangle" w="med" len="med"/>
           </a:ln>
+          <a:effectLst>
+            <a:outerShdw blurRad="50800" dist="38100" dir="2700000" algn="tl" rotWithShape="0">
+              <a:prstClr val="black">
+                <a:alpha val="40000"/>
+              </a:prstClr>
+            </a:outerShdw>
+          </a:effectLst>
         </p:spPr>
         <p:style>
           <a:lnRef idx="1">
@@ -16752,6 +16131,13 @@
             </a:solidFill>
             <a:tailEnd type="triangle"/>
           </a:ln>
+          <a:effectLst>
+            <a:outerShdw blurRad="50800" dist="38100" dir="2700000" algn="tl" rotWithShape="0">
+              <a:prstClr val="black">
+                <a:alpha val="40000"/>
+              </a:prstClr>
+            </a:outerShdw>
+          </a:effectLst>
         </p:spPr>
         <p:style>
           <a:lnRef idx="1">
@@ -16798,6 +16184,13 @@
             </a:solidFill>
             <a:tailEnd type="triangle"/>
           </a:ln>
+          <a:effectLst>
+            <a:outerShdw blurRad="50800" dist="38100" dir="2700000" algn="tl" rotWithShape="0">
+              <a:prstClr val="black">
+                <a:alpha val="40000"/>
+              </a:prstClr>
+            </a:outerShdw>
+          </a:effectLst>
         </p:spPr>
         <p:style>
           <a:lnRef idx="1">
@@ -16847,6 +16240,13 @@
             <a:headEnd type="none" w="med" len="med"/>
             <a:tailEnd type="triangle" w="med" len="med"/>
           </a:ln>
+          <a:effectLst>
+            <a:outerShdw blurRad="50800" dist="38100" dir="2700000" algn="tl" rotWithShape="0">
+              <a:prstClr val="black">
+                <a:alpha val="40000"/>
+              </a:prstClr>
+            </a:outerShdw>
+          </a:effectLst>
         </p:spPr>
         <p:style>
           <a:lnRef idx="1">
@@ -16896,6 +16296,13 @@
             <a:headEnd type="none" w="med" len="med"/>
             <a:tailEnd type="triangle" w="med" len="med"/>
           </a:ln>
+          <a:effectLst>
+            <a:outerShdw blurRad="50800" dist="38100" dir="2700000" algn="tl" rotWithShape="0">
+              <a:prstClr val="black">
+                <a:alpha val="40000"/>
+              </a:prstClr>
+            </a:outerShdw>
+          </a:effectLst>
         </p:spPr>
         <p:style>
           <a:lnRef idx="1">
@@ -16925,7 +16332,7 @@
 </p:sld>
 </file>
 
-<file path=ppt/slides/slide6.xml><?xml version="1.0" encoding="utf-8"?>
+<file path=ppt/slides/slide5.xml><?xml version="1.0" encoding="utf-8"?>
 <p:sld xmlns:a="http://schemas.openxmlformats.org/drawingml/2006/main" xmlns:r="http://schemas.openxmlformats.org/officeDocument/2006/relationships" xmlns:p="http://schemas.openxmlformats.org/presentationml/2006/main">
   <p:cSld>
     <p:spTree>
@@ -22060,7 +21467,7 @@
 </p:sld>
 </file>
 
-<file path=ppt/slides/slide7.xml><?xml version="1.0" encoding="utf-8"?>
+<file path=ppt/slides/slide6.xml><?xml version="1.0" encoding="utf-8"?>
 <p:sld xmlns:a="http://schemas.openxmlformats.org/drawingml/2006/main" xmlns:r="http://schemas.openxmlformats.org/officeDocument/2006/relationships" xmlns:p="http://schemas.openxmlformats.org/presentationml/2006/main">
   <p:cSld>
     <p:spTree>
@@ -22304,11 +21711,11 @@
             <a:avLst/>
           </a:prstGeom>
           <a:solidFill>
-            <a:srgbClr val="136783"/>
+            <a:srgbClr val="4B74B2"/>
           </a:solidFill>
           <a:ln>
             <a:solidFill>
-              <a:srgbClr val="136783"/>
+              <a:srgbClr val="4B74B2"/>
             </a:solidFill>
           </a:ln>
         </p:spPr>
@@ -22435,11 +21842,11 @@
             <a:avLst/>
           </a:prstGeom>
           <a:solidFill>
-            <a:srgbClr val="136783"/>
+            <a:srgbClr val="4B74B2"/>
           </a:solidFill>
           <a:ln>
             <a:solidFill>
-              <a:srgbClr val="136783"/>
+              <a:srgbClr val="4B74B2"/>
             </a:solidFill>
           </a:ln>
         </p:spPr>
@@ -22804,11 +22211,11 @@
             <a:avLst/>
           </a:prstGeom>
           <a:solidFill>
-            <a:srgbClr val="136783"/>
+            <a:srgbClr val="4B74B2"/>
           </a:solidFill>
           <a:ln>
             <a:solidFill>
-              <a:srgbClr val="136783"/>
+              <a:srgbClr val="4B74B2"/>
             </a:solidFill>
           </a:ln>
         </p:spPr>
@@ -22916,7 +22323,18 @@
                 <a:ea typeface="微软雅黑" panose="020B0503020204020204" pitchFamily="34" charset="-122"/>
                 <a:cs typeface="Times New Roman" panose="02020603050405020304" pitchFamily="36" charset="0"/>
               </a:rPr>
-              <a:t>减少候选程序依赖图对的规模</a:t>
+              <a:t>减少候选程序依赖图对的</a:t>
+            </a:r>
+            <a:r>
+              <a:rPr lang="zh-CN" altLang="en-US" b="1" kern="0" dirty="0">
+                <a:solidFill>
+                  <a:prstClr val="black"/>
+                </a:solidFill>
+                <a:latin typeface="微软雅黑" panose="020B0503020204020204" pitchFamily="34" charset="-122"/>
+                <a:ea typeface="微软雅黑" panose="020B0503020204020204" pitchFamily="34" charset="-122"/>
+                <a:cs typeface="Times New Roman" panose="02020603050405020304" pitchFamily="36" charset="0"/>
+              </a:rPr>
+              <a:t>规模</a:t>
             </a:r>
           </a:p>
         </p:txBody>
@@ -23061,7 +22479,31 @@
                 <a:cs typeface="Times New Roman" panose="02020603050405020304" pitchFamily="36" charset="0"/>
                 <a:sym typeface="+mn-ea"/>
               </a:rPr>
-              <a:t>减少出现集外词问题的概率</a:t>
+              <a:t>减少出现</a:t>
+            </a:r>
+            <a:r>
+              <a:rPr lang="zh-CN" altLang="en-US" b="1" kern="0" dirty="0">
+                <a:solidFill>
+                  <a:prstClr val="black"/>
+                </a:solidFill>
+                <a:latin typeface="微软雅黑" panose="020B0503020204020204" pitchFamily="34" charset="-122"/>
+                <a:ea typeface="微软雅黑" panose="020B0503020204020204" pitchFamily="34" charset="-122"/>
+                <a:cs typeface="Times New Roman" panose="02020603050405020304" pitchFamily="36" charset="0"/>
+                <a:sym typeface="+mn-ea"/>
+              </a:rPr>
+              <a:t>集外词</a:t>
+            </a:r>
+            <a:r>
+              <a:rPr lang="zh-CN" altLang="en-US" kern="0" dirty="0">
+                <a:solidFill>
+                  <a:prstClr val="black"/>
+                </a:solidFill>
+                <a:latin typeface="微软雅黑" panose="020B0503020204020204" pitchFamily="34" charset="-122"/>
+                <a:ea typeface="微软雅黑" panose="020B0503020204020204" pitchFamily="34" charset="-122"/>
+                <a:cs typeface="Times New Roman" panose="02020603050405020304" pitchFamily="36" charset="0"/>
+                <a:sym typeface="+mn-ea"/>
+              </a:rPr>
+              <a:t>问题的概率</a:t>
             </a:r>
           </a:p>
         </p:txBody>
@@ -23124,7 +22566,29 @@
                 <a:ea typeface="微软雅黑" panose="020B0503020204020204" pitchFamily="34" charset="-122"/>
                 <a:cs typeface="Times New Roman" panose="02020603050405020304" pitchFamily="36" charset="0"/>
               </a:rPr>
-              <a:t>保存子节点信息的同时，解决梯度消失问题</a:t>
+              <a:t>保存子节点信息的同时，解决</a:t>
+            </a:r>
+            <a:r>
+              <a:rPr lang="zh-CN" altLang="en-US" b="1" kern="0" dirty="0">
+                <a:solidFill>
+                  <a:prstClr val="black"/>
+                </a:solidFill>
+                <a:latin typeface="微软雅黑" panose="020B0503020204020204" pitchFamily="34" charset="-122"/>
+                <a:ea typeface="微软雅黑" panose="020B0503020204020204" pitchFamily="34" charset="-122"/>
+                <a:cs typeface="Times New Roman" panose="02020603050405020304" pitchFamily="36" charset="0"/>
+              </a:rPr>
+              <a:t>梯度消失</a:t>
+            </a:r>
+            <a:r>
+              <a:rPr lang="zh-CN" altLang="en-US" kern="0" dirty="0">
+                <a:solidFill>
+                  <a:prstClr val="black"/>
+                </a:solidFill>
+                <a:latin typeface="微软雅黑" panose="020B0503020204020204" pitchFamily="34" charset="-122"/>
+                <a:ea typeface="微软雅黑" panose="020B0503020204020204" pitchFamily="34" charset="-122"/>
+                <a:cs typeface="Times New Roman" panose="02020603050405020304" pitchFamily="36" charset="0"/>
+              </a:rPr>
+              <a:t>问题</a:t>
             </a:r>
           </a:p>
         </p:txBody>
@@ -23939,11 +23403,11 @@
             <a:avLst/>
           </a:prstGeom>
           <a:solidFill>
-            <a:srgbClr val="136783"/>
+            <a:srgbClr val="4B74B2"/>
           </a:solidFill>
           <a:ln>
             <a:solidFill>
-              <a:srgbClr val="136783"/>
+              <a:srgbClr val="4B74B2"/>
             </a:solidFill>
           </a:ln>
         </p:spPr>
@@ -23991,7 +23455,7 @@
 </p:sld>
 </file>
 
-<file path=ppt/slides/slide8.xml><?xml version="1.0" encoding="utf-8"?>
+<file path=ppt/slides/slide7.xml><?xml version="1.0" encoding="utf-8"?>
 <p:sld xmlns:a="http://schemas.openxmlformats.org/drawingml/2006/main" xmlns:r="http://schemas.openxmlformats.org/officeDocument/2006/relationships" xmlns:p="http://schemas.openxmlformats.org/presentationml/2006/main">
   <p:cSld>
     <p:spTree>
@@ -31349,6 +30813,14 @@
           <a:prstGeom prst="roundRect">
             <a:avLst/>
           </a:prstGeom>
+          <a:solidFill>
+            <a:srgbClr val="4B74B2"/>
+          </a:solidFill>
+          <a:ln>
+            <a:solidFill>
+              <a:srgbClr val="4B74B2"/>
+            </a:solidFill>
+          </a:ln>
         </p:spPr>
         <p:style>
           <a:lnRef idx="1">
@@ -31401,6 +30873,14 @@
           <a:prstGeom prst="roundRect">
             <a:avLst/>
           </a:prstGeom>
+          <a:solidFill>
+            <a:srgbClr val="4B74B2"/>
+          </a:solidFill>
+          <a:ln>
+            <a:solidFill>
+              <a:srgbClr val="4B74B2"/>
+            </a:solidFill>
+          </a:ln>
         </p:spPr>
         <p:style>
           <a:lnRef idx="1">
@@ -31453,6 +30933,14 @@
           <a:prstGeom prst="roundRect">
             <a:avLst/>
           </a:prstGeom>
+          <a:solidFill>
+            <a:srgbClr val="4B74B2"/>
+          </a:solidFill>
+          <a:ln>
+            <a:solidFill>
+              <a:srgbClr val="4B74B2"/>
+            </a:solidFill>
+          </a:ln>
         </p:spPr>
         <p:style>
           <a:lnRef idx="1">
@@ -31498,7 +30986,7 @@
 </p:sld>
 </file>
 
-<file path=ppt/slides/slide9.xml><?xml version="1.0" encoding="utf-8"?>
+<file path=ppt/slides/slide8.xml><?xml version="1.0" encoding="utf-8"?>
 <p:sld xmlns:a="http://schemas.openxmlformats.org/drawingml/2006/main" xmlns:r="http://schemas.openxmlformats.org/officeDocument/2006/relationships" xmlns:p="http://schemas.openxmlformats.org/presentationml/2006/main">
   <p:cSld>
     <p:spTree>
@@ -36051,6 +35539,2600 @@
 </p:sld>
 </file>
 
+<file path=ppt/slides/slide9.xml><?xml version="1.0" encoding="utf-8"?>
+<p:sld xmlns:a="http://schemas.openxmlformats.org/drawingml/2006/main" xmlns:r="http://schemas.openxmlformats.org/officeDocument/2006/relationships" xmlns:p="http://schemas.openxmlformats.org/presentationml/2006/main">
+  <p:cSld>
+    <p:spTree>
+      <p:nvGrpSpPr>
+        <p:cNvPr id="1" name=""/>
+        <p:cNvGrpSpPr/>
+        <p:nvPr/>
+      </p:nvGrpSpPr>
+      <p:grpSpPr>
+        <a:xfrm>
+          <a:off x="0" y="0"/>
+          <a:ext cx="0" cy="0"/>
+          <a:chOff x="0" y="0"/>
+          <a:chExt cx="0" cy="0"/>
+        </a:xfrm>
+      </p:grpSpPr>
+      <p:sp>
+        <p:nvSpPr>
+          <p:cNvPr id="5" name="矩形 4">
+            <a:extLst>
+              <a:ext uri="{FF2B5EF4-FFF2-40B4-BE49-F238E27FC236}">
+                <a16:creationId xmlns:a16="http://schemas.microsoft.com/office/drawing/2014/main" id="{63731120-946E-4246-83E8-F81E7DA434CF}"/>
+              </a:ext>
+            </a:extLst>
+          </p:cNvPr>
+          <p:cNvSpPr/>
+          <p:nvPr/>
+        </p:nvSpPr>
+        <p:spPr>
+          <a:xfrm>
+            <a:off x="2341326" y="1512604"/>
+            <a:ext cx="3793300" cy="1906237"/>
+          </a:xfrm>
+          <a:prstGeom prst="rect">
+            <a:avLst/>
+          </a:prstGeom>
+          <a:noFill/>
+          <a:ln w="12700">
+            <a:solidFill>
+              <a:schemeClr val="tx1"/>
+            </a:solidFill>
+            <a:prstDash val="sysDash"/>
+            <a:headEnd type="none" w="med" len="med"/>
+            <a:tailEnd type="none" w="med" len="med"/>
+          </a:ln>
+        </p:spPr>
+        <p:style>
+          <a:lnRef idx="2">
+            <a:schemeClr val="accent3"/>
+          </a:lnRef>
+          <a:fillRef idx="1">
+            <a:schemeClr val="lt1"/>
+          </a:fillRef>
+          <a:effectRef idx="0">
+            <a:schemeClr val="accent3"/>
+          </a:effectRef>
+          <a:fontRef idx="minor">
+            <a:schemeClr val="dk1"/>
+          </a:fontRef>
+        </p:style>
+        <p:txBody>
+          <a:bodyPr vert="horz" wrap="square" lIns="91440" tIns="45720" rIns="91440" bIns="45720" numCol="1" rtlCol="0" anchor="ctr" anchorCtr="1" compatLnSpc="1"/>
+          <a:lstStyle/>
+          <a:p>
+            <a:pPr algn="ctr">
+              <a:spcBef>
+                <a:spcPct val="50000"/>
+              </a:spcBef>
+            </a:pPr>
+            <a:endParaRPr lang="zh-CN" altLang="en-US" kern="0" dirty="0">
+              <a:solidFill>
+                <a:prstClr val="black"/>
+              </a:solidFill>
+              <a:latin typeface="微软雅黑" panose="020B0503020204020204" pitchFamily="34" charset="-122"/>
+              <a:ea typeface="微软雅黑" panose="020B0503020204020204" pitchFamily="34" charset="-122"/>
+              <a:cs typeface="Times New Roman" panose="02020603050405020304" pitchFamily="36" charset="0"/>
+            </a:endParaRPr>
+          </a:p>
+        </p:txBody>
+      </p:sp>
+      <p:sp>
+        <p:nvSpPr>
+          <p:cNvPr id="11" name="TextBox 195">
+            <a:extLst>
+              <a:ext uri="{FF2B5EF4-FFF2-40B4-BE49-F238E27FC236}">
+                <a16:creationId xmlns:a16="http://schemas.microsoft.com/office/drawing/2014/main" id="{F68576EE-88DA-DB7D-0339-9144BEC39FEB}"/>
+              </a:ext>
+            </a:extLst>
+          </p:cNvPr>
+          <p:cNvSpPr txBox="1"/>
+          <p:nvPr/>
+        </p:nvSpPr>
+        <p:spPr>
+          <a:xfrm>
+            <a:off x="2822981" y="1072579"/>
+            <a:ext cx="2829991" cy="369332"/>
+          </a:xfrm>
+          <a:prstGeom prst="rect">
+            <a:avLst/>
+          </a:prstGeom>
+          <a:noFill/>
+        </p:spPr>
+        <p:txBody>
+          <a:bodyPr wrap="square" rtlCol="0">
+            <a:spAutoFit/>
+          </a:bodyPr>
+          <a:lstStyle/>
+          <a:p>
+            <a:pPr algn="ctr"/>
+            <a:r>
+              <a:rPr lang="zh-CN" altLang="en-US" dirty="0">
+                <a:latin typeface="微软雅黑" panose="020B0503020204020204" pitchFamily="34" charset="-122"/>
+                <a:ea typeface="微软雅黑" panose="020B0503020204020204" pitchFamily="34" charset="-122"/>
+                <a:cs typeface="Times New Roman" panose="02020603050405020304" pitchFamily="18" charset="0"/>
+              </a:rPr>
+              <a:t>预训练辅助词嵌入阶段</a:t>
+            </a:r>
+          </a:p>
+        </p:txBody>
+      </p:sp>
+      <p:sp>
+        <p:nvSpPr>
+          <p:cNvPr id="17" name="TextBox 202">
+            <a:extLst>
+              <a:ext uri="{FF2B5EF4-FFF2-40B4-BE49-F238E27FC236}">
+                <a16:creationId xmlns:a16="http://schemas.microsoft.com/office/drawing/2014/main" id="{E071AC56-82F7-69D8-2A83-88791ED1B004}"/>
+              </a:ext>
+            </a:extLst>
+          </p:cNvPr>
+          <p:cNvSpPr txBox="1"/>
+          <p:nvPr/>
+        </p:nvSpPr>
+        <p:spPr>
+          <a:xfrm>
+            <a:off x="9005862" y="1072579"/>
+            <a:ext cx="1654650" cy="369332"/>
+          </a:xfrm>
+          <a:prstGeom prst="rect">
+            <a:avLst/>
+          </a:prstGeom>
+          <a:noFill/>
+        </p:spPr>
+        <p:txBody>
+          <a:bodyPr wrap="square" rtlCol="0">
+            <a:spAutoFit/>
+          </a:bodyPr>
+          <a:lstStyle/>
+          <a:p>
+            <a:pPr algn="ctr"/>
+            <a:r>
+              <a:rPr lang="zh-CN" altLang="en-US" dirty="0">
+                <a:latin typeface="微软雅黑" panose="020B0503020204020204" pitchFamily="34" charset="-122"/>
+                <a:ea typeface="微软雅黑" panose="020B0503020204020204" pitchFamily="34" charset="-122"/>
+              </a:rPr>
+              <a:t>属性特征向量</a:t>
+            </a:r>
+          </a:p>
+        </p:txBody>
+      </p:sp>
+      <p:sp>
+        <p:nvSpPr>
+          <p:cNvPr id="20" name="燕尾形 241">
+            <a:extLst>
+              <a:ext uri="{FF2B5EF4-FFF2-40B4-BE49-F238E27FC236}">
+                <a16:creationId xmlns:a16="http://schemas.microsoft.com/office/drawing/2014/main" id="{19E9387F-2AC4-BEE4-0713-8B88FDC5AE1A}"/>
+              </a:ext>
+            </a:extLst>
+          </p:cNvPr>
+          <p:cNvSpPr/>
+          <p:nvPr/>
+        </p:nvSpPr>
+        <p:spPr>
+          <a:xfrm rot="5400000">
+            <a:off x="7586765" y="2290544"/>
+            <a:ext cx="252000" cy="252000"/>
+          </a:xfrm>
+          <a:prstGeom prst="chevron">
+            <a:avLst/>
+          </a:prstGeom>
+          <a:solidFill>
+            <a:srgbClr val="FDF2EA"/>
+          </a:solidFill>
+          <a:ln>
+            <a:solidFill>
+              <a:schemeClr val="tx1"/>
+            </a:solidFill>
+          </a:ln>
+        </p:spPr>
+        <p:style>
+          <a:lnRef idx="2">
+            <a:schemeClr val="accent1">
+              <a:shade val="50000"/>
+            </a:schemeClr>
+          </a:lnRef>
+          <a:fillRef idx="1">
+            <a:schemeClr val="accent1"/>
+          </a:fillRef>
+          <a:effectRef idx="0">
+            <a:schemeClr val="accent1"/>
+          </a:effectRef>
+          <a:fontRef idx="minor">
+            <a:schemeClr val="lt1"/>
+          </a:fontRef>
+        </p:style>
+        <p:txBody>
+          <a:bodyPr rtlCol="0" anchor="ctr"/>
+          <a:lstStyle/>
+          <a:p>
+            <a:pPr algn="ctr"/>
+            <a:endParaRPr lang="zh-CN" altLang="en-US">
+              <a:solidFill>
+                <a:schemeClr val="tx1"/>
+              </a:solidFill>
+              <a:latin typeface="微软雅黑" panose="020B0503020204020204" pitchFamily="34" charset="-122"/>
+              <a:ea typeface="微软雅黑" panose="020B0503020204020204" pitchFamily="34" charset="-122"/>
+            </a:endParaRPr>
+          </a:p>
+        </p:txBody>
+      </p:sp>
+      <mc:AlternateContent xmlns:mc="http://schemas.openxmlformats.org/markup-compatibility/2006" xmlns:a14="http://schemas.microsoft.com/office/drawing/2010/main">
+        <mc:Choice Requires="a14">
+          <p:sp>
+            <p:nvSpPr>
+              <p:cNvPr id="22" name="矩形 21">
+                <a:extLst>
+                  <a:ext uri="{FF2B5EF4-FFF2-40B4-BE49-F238E27FC236}">
+                    <a16:creationId xmlns:a16="http://schemas.microsoft.com/office/drawing/2014/main" id="{4271E068-4F0A-1A66-4B86-2F7482C17A85}"/>
+                  </a:ext>
+                </a:extLst>
+              </p:cNvPr>
+              <p:cNvSpPr/>
+              <p:nvPr/>
+            </p:nvSpPr>
+            <p:spPr>
+              <a:xfrm>
+                <a:off x="9840934" y="2274901"/>
+                <a:ext cx="900183" cy="381643"/>
+              </a:xfrm>
+              <a:prstGeom prst="rect">
+                <a:avLst/>
+              </a:prstGeom>
+            </p:spPr>
+            <p:txBody>
+              <a:bodyPr wrap="none">
+                <a:spAutoFit/>
+              </a:bodyPr>
+              <a:lstStyle/>
+              <a:p>
+                <a:pPr/>
+                <a14:m>
+                  <m:oMathPara xmlns:m="http://schemas.openxmlformats.org/officeDocument/2006/math">
+                    <m:oMathParaPr>
+                      <m:jc m:val="centerGroup"/>
+                    </m:oMathParaPr>
+                    <m:oMath xmlns:m="http://schemas.openxmlformats.org/officeDocument/2006/math">
+                      <m:sSup>
+                        <m:sSupPr>
+                          <m:ctrlPr>
+                            <a:rPr lang="en-US" altLang="zh-CN" i="1">
+                              <a:latin typeface="Cambria Math" panose="02040503050406030204" pitchFamily="18" charset="0"/>
+                            </a:rPr>
+                          </m:ctrlPr>
+                        </m:sSupPr>
+                        <m:e>
+                          <m:r>
+                            <a:rPr lang="en-US" altLang="zh-CN">
+                              <a:latin typeface="Cambria Math"/>
+                            </a:rPr>
+                            <m:t>𝑣</m:t>
+                          </m:r>
+                        </m:e>
+                        <m:sup>
+                          <m:r>
+                            <a:rPr lang="en-US" altLang="zh-CN">
+                              <a:latin typeface="Cambria Math"/>
+                            </a:rPr>
+                            <m:t>𝑇</m:t>
+                          </m:r>
+                          <m:r>
+                            <m:rPr>
+                              <m:sty m:val="p"/>
+                            </m:rPr>
+                            <a:rPr lang="en-US" altLang="zh-CN">
+                              <a:latin typeface="Cambria Math"/>
+                            </a:rPr>
+                            <m:t>oken</m:t>
+                          </m:r>
+                        </m:sup>
+                      </m:sSup>
+                    </m:oMath>
+                  </m:oMathPara>
+                </a14:m>
+                <a:endParaRPr lang="zh-CN" altLang="en-US" dirty="0">
+                  <a:latin typeface="微软雅黑" panose="020B0503020204020204" pitchFamily="34" charset="-122"/>
+                  <a:ea typeface="微软雅黑" panose="020B0503020204020204" pitchFamily="34" charset="-122"/>
+                </a:endParaRPr>
+              </a:p>
+            </p:txBody>
+          </p:sp>
+        </mc:Choice>
+        <mc:Fallback xmlns="">
+          <p:sp>
+            <p:nvSpPr>
+              <p:cNvPr id="22" name="矩形 21">
+                <a:extLst>
+                  <a:ext uri="{FF2B5EF4-FFF2-40B4-BE49-F238E27FC236}">
+                    <a16:creationId xmlns:a16="http://schemas.microsoft.com/office/drawing/2014/main" id="{4271E068-4F0A-1A66-4B86-2F7482C17A85}"/>
+                  </a:ext>
+                </a:extLst>
+              </p:cNvPr>
+              <p:cNvSpPr>
+                <a:spLocks noRot="1" noChangeAspect="1" noMove="1" noResize="1" noEditPoints="1" noAdjustHandles="1" noChangeArrowheads="1" noChangeShapeType="1" noTextEdit="1"/>
+              </p:cNvSpPr>
+              <p:nvPr/>
+            </p:nvSpPr>
+            <p:spPr>
+              <a:xfrm>
+                <a:off x="9840934" y="2274901"/>
+                <a:ext cx="900183" cy="381643"/>
+              </a:xfrm>
+              <a:prstGeom prst="rect">
+                <a:avLst/>
+              </a:prstGeom>
+              <a:blipFill>
+                <a:blip r:embed="rId2"/>
+                <a:stretch>
+                  <a:fillRect/>
+                </a:stretch>
+              </a:blipFill>
+            </p:spPr>
+            <p:txBody>
+              <a:bodyPr/>
+              <a:lstStyle/>
+              <a:p>
+                <a:r>
+                  <a:rPr lang="zh-CN" altLang="en-US">
+                    <a:noFill/>
+                  </a:rPr>
+                  <a:t> </a:t>
+                </a:r>
+              </a:p>
+            </p:txBody>
+          </p:sp>
+        </mc:Fallback>
+      </mc:AlternateContent>
+      <p:sp>
+        <p:nvSpPr>
+          <p:cNvPr id="23" name="TextBox 247">
+            <a:extLst>
+              <a:ext uri="{FF2B5EF4-FFF2-40B4-BE49-F238E27FC236}">
+                <a16:creationId xmlns:a16="http://schemas.microsoft.com/office/drawing/2014/main" id="{26388312-7FAC-8352-D85A-DBAF487C121E}"/>
+              </a:ext>
+            </a:extLst>
+          </p:cNvPr>
+          <p:cNvSpPr txBox="1"/>
+          <p:nvPr/>
+        </p:nvSpPr>
+        <p:spPr>
+          <a:xfrm>
+            <a:off x="6451184" y="1072579"/>
+            <a:ext cx="2523163" cy="369332"/>
+          </a:xfrm>
+          <a:prstGeom prst="rect">
+            <a:avLst/>
+          </a:prstGeom>
+          <a:noFill/>
+        </p:spPr>
+        <p:txBody>
+          <a:bodyPr wrap="square" rtlCol="0">
+            <a:spAutoFit/>
+          </a:bodyPr>
+          <a:lstStyle/>
+          <a:p>
+            <a:pPr algn="ctr"/>
+            <a:r>
+              <a:rPr lang="en-US" altLang="zh-CN" dirty="0">
+                <a:latin typeface="微软雅黑" panose="020B0503020204020204" pitchFamily="34" charset="-122"/>
+                <a:ea typeface="微软雅黑" panose="020B0503020204020204" pitchFamily="34" charset="-122"/>
+              </a:rPr>
+              <a:t>Token</a:t>
+            </a:r>
+            <a:r>
+              <a:rPr lang="zh-CN" altLang="en-US" dirty="0">
+                <a:latin typeface="微软雅黑" panose="020B0503020204020204" pitchFamily="34" charset="-122"/>
+                <a:ea typeface="微软雅黑" panose="020B0503020204020204" pitchFamily="34" charset="-122"/>
+              </a:rPr>
+              <a:t>代码表征阶段</a:t>
+            </a:r>
+          </a:p>
+        </p:txBody>
+      </p:sp>
+      <p:sp>
+        <p:nvSpPr>
+          <p:cNvPr id="33" name="windows_320167">
+            <a:extLst>
+              <a:ext uri="{FF2B5EF4-FFF2-40B4-BE49-F238E27FC236}">
+                <a16:creationId xmlns:a16="http://schemas.microsoft.com/office/drawing/2014/main" id="{76B1EB9B-F96A-B0AA-508B-DAA277884F12}"/>
+              </a:ext>
+            </a:extLst>
+          </p:cNvPr>
+          <p:cNvSpPr/>
+          <p:nvPr/>
+        </p:nvSpPr>
+        <p:spPr>
+          <a:xfrm>
+            <a:off x="1154986" y="2212071"/>
+            <a:ext cx="609685" cy="507303"/>
+          </a:xfrm>
+          <a:custGeom>
+            <a:avLst/>
+            <a:gdLst>
+              <a:gd name="T0" fmla="*/ 6542 w 6827"/>
+              <a:gd name="T1" fmla="*/ 0 h 5689"/>
+              <a:gd name="T2" fmla="*/ 2560 w 6827"/>
+              <a:gd name="T3" fmla="*/ 0 h 5689"/>
+              <a:gd name="T4" fmla="*/ 2276 w 6827"/>
+              <a:gd name="T5" fmla="*/ 284 h 5689"/>
+              <a:gd name="T6" fmla="*/ 2276 w 6827"/>
+              <a:gd name="T7" fmla="*/ 1138 h 5689"/>
+              <a:gd name="T8" fmla="*/ 1422 w 6827"/>
+              <a:gd name="T9" fmla="*/ 1138 h 5689"/>
+              <a:gd name="T10" fmla="*/ 1138 w 6827"/>
+              <a:gd name="T11" fmla="*/ 1422 h 5689"/>
+              <a:gd name="T12" fmla="*/ 1138 w 6827"/>
+              <a:gd name="T13" fmla="*/ 2275 h 5689"/>
+              <a:gd name="T14" fmla="*/ 284 w 6827"/>
+              <a:gd name="T15" fmla="*/ 2275 h 5689"/>
+              <a:gd name="T16" fmla="*/ 0 w 6827"/>
+              <a:gd name="T17" fmla="*/ 2560 h 5689"/>
+              <a:gd name="T18" fmla="*/ 0 w 6827"/>
+              <a:gd name="T19" fmla="*/ 5404 h 5689"/>
+              <a:gd name="T20" fmla="*/ 284 w 6827"/>
+              <a:gd name="T21" fmla="*/ 5689 h 5689"/>
+              <a:gd name="T22" fmla="*/ 4267 w 6827"/>
+              <a:gd name="T23" fmla="*/ 5689 h 5689"/>
+              <a:gd name="T24" fmla="*/ 4551 w 6827"/>
+              <a:gd name="T25" fmla="*/ 5404 h 5689"/>
+              <a:gd name="T26" fmla="*/ 4551 w 6827"/>
+              <a:gd name="T27" fmla="*/ 4551 h 5689"/>
+              <a:gd name="T28" fmla="*/ 5404 w 6827"/>
+              <a:gd name="T29" fmla="*/ 4551 h 5689"/>
+              <a:gd name="T30" fmla="*/ 5689 w 6827"/>
+              <a:gd name="T31" fmla="*/ 4267 h 5689"/>
+              <a:gd name="T32" fmla="*/ 5689 w 6827"/>
+              <a:gd name="T33" fmla="*/ 3413 h 5689"/>
+              <a:gd name="T34" fmla="*/ 6542 w 6827"/>
+              <a:gd name="T35" fmla="*/ 3413 h 5689"/>
+              <a:gd name="T36" fmla="*/ 6827 w 6827"/>
+              <a:gd name="T37" fmla="*/ 3129 h 5689"/>
+              <a:gd name="T38" fmla="*/ 6827 w 6827"/>
+              <a:gd name="T39" fmla="*/ 284 h 5689"/>
+              <a:gd name="T40" fmla="*/ 6542 w 6827"/>
+              <a:gd name="T41" fmla="*/ 0 h 5689"/>
+              <a:gd name="T42" fmla="*/ 5120 w 6827"/>
+              <a:gd name="T43" fmla="*/ 3982 h 5689"/>
+              <a:gd name="T44" fmla="*/ 4267 w 6827"/>
+              <a:gd name="T45" fmla="*/ 3982 h 5689"/>
+              <a:gd name="T46" fmla="*/ 1707 w 6827"/>
+              <a:gd name="T47" fmla="*/ 3982 h 5689"/>
+              <a:gd name="T48" fmla="*/ 1707 w 6827"/>
+              <a:gd name="T49" fmla="*/ 2560 h 5689"/>
+              <a:gd name="T50" fmla="*/ 1707 w 6827"/>
+              <a:gd name="T51" fmla="*/ 1707 h 5689"/>
+              <a:gd name="T52" fmla="*/ 2276 w 6827"/>
+              <a:gd name="T53" fmla="*/ 1707 h 5689"/>
+              <a:gd name="T54" fmla="*/ 2276 w 6827"/>
+              <a:gd name="T55" fmla="*/ 3129 h 5689"/>
+              <a:gd name="T56" fmla="*/ 2560 w 6827"/>
+              <a:gd name="T57" fmla="*/ 3413 h 5689"/>
+              <a:gd name="T58" fmla="*/ 5120 w 6827"/>
+              <a:gd name="T59" fmla="*/ 3413 h 5689"/>
+              <a:gd name="T60" fmla="*/ 5120 w 6827"/>
+              <a:gd name="T61" fmla="*/ 3982 h 5689"/>
+            </a:gdLst>
+            <a:ahLst/>
+            <a:cxnLst>
+              <a:cxn ang="0">
+                <a:pos x="T0" y="T1"/>
+              </a:cxn>
+              <a:cxn ang="0">
+                <a:pos x="T2" y="T3"/>
+              </a:cxn>
+              <a:cxn ang="0">
+                <a:pos x="T4" y="T5"/>
+              </a:cxn>
+              <a:cxn ang="0">
+                <a:pos x="T6" y="T7"/>
+              </a:cxn>
+              <a:cxn ang="0">
+                <a:pos x="T8" y="T9"/>
+              </a:cxn>
+              <a:cxn ang="0">
+                <a:pos x="T10" y="T11"/>
+              </a:cxn>
+              <a:cxn ang="0">
+                <a:pos x="T12" y="T13"/>
+              </a:cxn>
+              <a:cxn ang="0">
+                <a:pos x="T14" y="T15"/>
+              </a:cxn>
+              <a:cxn ang="0">
+                <a:pos x="T16" y="T17"/>
+              </a:cxn>
+              <a:cxn ang="0">
+                <a:pos x="T18" y="T19"/>
+              </a:cxn>
+              <a:cxn ang="0">
+                <a:pos x="T20" y="T21"/>
+              </a:cxn>
+              <a:cxn ang="0">
+                <a:pos x="T22" y="T23"/>
+              </a:cxn>
+              <a:cxn ang="0">
+                <a:pos x="T24" y="T25"/>
+              </a:cxn>
+              <a:cxn ang="0">
+                <a:pos x="T26" y="T27"/>
+              </a:cxn>
+              <a:cxn ang="0">
+                <a:pos x="T28" y="T29"/>
+              </a:cxn>
+              <a:cxn ang="0">
+                <a:pos x="T30" y="T31"/>
+              </a:cxn>
+              <a:cxn ang="0">
+                <a:pos x="T32" y="T33"/>
+              </a:cxn>
+              <a:cxn ang="0">
+                <a:pos x="T34" y="T35"/>
+              </a:cxn>
+              <a:cxn ang="0">
+                <a:pos x="T36" y="T37"/>
+              </a:cxn>
+              <a:cxn ang="0">
+                <a:pos x="T38" y="T39"/>
+              </a:cxn>
+              <a:cxn ang="0">
+                <a:pos x="T40" y="T41"/>
+              </a:cxn>
+              <a:cxn ang="0">
+                <a:pos x="T42" y="T43"/>
+              </a:cxn>
+              <a:cxn ang="0">
+                <a:pos x="T44" y="T45"/>
+              </a:cxn>
+              <a:cxn ang="0">
+                <a:pos x="T46" y="T47"/>
+              </a:cxn>
+              <a:cxn ang="0">
+                <a:pos x="T48" y="T49"/>
+              </a:cxn>
+              <a:cxn ang="0">
+                <a:pos x="T50" y="T51"/>
+              </a:cxn>
+              <a:cxn ang="0">
+                <a:pos x="T52" y="T53"/>
+              </a:cxn>
+              <a:cxn ang="0">
+                <a:pos x="T54" y="T55"/>
+              </a:cxn>
+              <a:cxn ang="0">
+                <a:pos x="T56" y="T57"/>
+              </a:cxn>
+              <a:cxn ang="0">
+                <a:pos x="T58" y="T59"/>
+              </a:cxn>
+              <a:cxn ang="0">
+                <a:pos x="T60" y="T61"/>
+              </a:cxn>
+            </a:cxnLst>
+            <a:rect l="0" t="0" r="r" b="b"/>
+            <a:pathLst>
+              <a:path w="6827" h="5689">
+                <a:moveTo>
+                  <a:pt x="6542" y="0"/>
+                </a:moveTo>
+                <a:lnTo>
+                  <a:pt x="2560" y="0"/>
+                </a:lnTo>
+                <a:cubicBezTo>
+                  <a:pt x="2403" y="0"/>
+                  <a:pt x="2276" y="127"/>
+                  <a:pt x="2276" y="284"/>
+                </a:cubicBezTo>
+                <a:lnTo>
+                  <a:pt x="2276" y="1138"/>
+                </a:lnTo>
+                <a:lnTo>
+                  <a:pt x="1422" y="1138"/>
+                </a:lnTo>
+                <a:cubicBezTo>
+                  <a:pt x="1265" y="1138"/>
+                  <a:pt x="1138" y="1265"/>
+                  <a:pt x="1138" y="1422"/>
+                </a:cubicBezTo>
+                <a:lnTo>
+                  <a:pt x="1138" y="2275"/>
+                </a:lnTo>
+                <a:lnTo>
+                  <a:pt x="284" y="2275"/>
+                </a:lnTo>
+                <a:cubicBezTo>
+                  <a:pt x="127" y="2275"/>
+                  <a:pt x="0" y="2403"/>
+                  <a:pt x="0" y="2560"/>
+                </a:cubicBezTo>
+                <a:lnTo>
+                  <a:pt x="0" y="5404"/>
+                </a:lnTo>
+                <a:cubicBezTo>
+                  <a:pt x="0" y="5561"/>
+                  <a:pt x="127" y="5689"/>
+                  <a:pt x="284" y="5689"/>
+                </a:cubicBezTo>
+                <a:lnTo>
+                  <a:pt x="4267" y="5689"/>
+                </a:lnTo>
+                <a:cubicBezTo>
+                  <a:pt x="4424" y="5689"/>
+                  <a:pt x="4551" y="5561"/>
+                  <a:pt x="4551" y="5404"/>
+                </a:cubicBezTo>
+                <a:lnTo>
+                  <a:pt x="4551" y="4551"/>
+                </a:lnTo>
+                <a:lnTo>
+                  <a:pt x="5404" y="4551"/>
+                </a:lnTo>
+                <a:cubicBezTo>
+                  <a:pt x="5561" y="4551"/>
+                  <a:pt x="5689" y="4424"/>
+                  <a:pt x="5689" y="4267"/>
+                </a:cubicBezTo>
+                <a:lnTo>
+                  <a:pt x="5689" y="3413"/>
+                </a:lnTo>
+                <a:lnTo>
+                  <a:pt x="6542" y="3413"/>
+                </a:lnTo>
+                <a:cubicBezTo>
+                  <a:pt x="6700" y="3413"/>
+                  <a:pt x="6827" y="3286"/>
+                  <a:pt x="6827" y="3129"/>
+                </a:cubicBezTo>
+                <a:lnTo>
+                  <a:pt x="6827" y="284"/>
+                </a:lnTo>
+                <a:cubicBezTo>
+                  <a:pt x="6827" y="127"/>
+                  <a:pt x="6700" y="0"/>
+                  <a:pt x="6542" y="0"/>
+                </a:cubicBezTo>
+                <a:close/>
+                <a:moveTo>
+                  <a:pt x="5120" y="3982"/>
+                </a:moveTo>
+                <a:lnTo>
+                  <a:pt x="4267" y="3982"/>
+                </a:lnTo>
+                <a:lnTo>
+                  <a:pt x="1707" y="3982"/>
+                </a:lnTo>
+                <a:lnTo>
+                  <a:pt x="1707" y="2560"/>
+                </a:lnTo>
+                <a:lnTo>
+                  <a:pt x="1707" y="1707"/>
+                </a:lnTo>
+                <a:lnTo>
+                  <a:pt x="2276" y="1707"/>
+                </a:lnTo>
+                <a:lnTo>
+                  <a:pt x="2276" y="3129"/>
+                </a:lnTo>
+                <a:cubicBezTo>
+                  <a:pt x="2276" y="3286"/>
+                  <a:pt x="2403" y="3413"/>
+                  <a:pt x="2560" y="3413"/>
+                </a:cubicBezTo>
+                <a:lnTo>
+                  <a:pt x="5120" y="3413"/>
+                </a:lnTo>
+                <a:lnTo>
+                  <a:pt x="5120" y="3982"/>
+                </a:lnTo>
+                <a:close/>
+              </a:path>
+            </a:pathLst>
+          </a:custGeom>
+          <a:solidFill>
+            <a:schemeClr val="tx1">
+              <a:lumMod val="50000"/>
+              <a:lumOff val="50000"/>
+            </a:schemeClr>
+          </a:solidFill>
+          <a:ln>
+            <a:solidFill>
+              <a:schemeClr val="tx1">
+                <a:lumMod val="50000"/>
+                <a:lumOff val="50000"/>
+              </a:schemeClr>
+            </a:solidFill>
+          </a:ln>
+        </p:spPr>
+        <p:style>
+          <a:lnRef idx="2">
+            <a:schemeClr val="accent1">
+              <a:shade val="50000"/>
+            </a:schemeClr>
+          </a:lnRef>
+          <a:fillRef idx="1">
+            <a:schemeClr val="accent1"/>
+          </a:fillRef>
+          <a:effectRef idx="0">
+            <a:schemeClr val="accent1"/>
+          </a:effectRef>
+          <a:fontRef idx="minor">
+            <a:schemeClr val="lt1"/>
+          </a:fontRef>
+        </p:style>
+        <p:txBody>
+          <a:bodyPr rtlCol="0" anchor="ctr"/>
+          <a:lstStyle/>
+          <a:p>
+            <a:pPr algn="ctr"/>
+            <a:endParaRPr lang="en-US"/>
+          </a:p>
+        </p:txBody>
+      </p:sp>
+      <p:sp>
+        <p:nvSpPr>
+          <p:cNvPr id="35" name="文本框 34">
+            <a:extLst>
+              <a:ext uri="{FF2B5EF4-FFF2-40B4-BE49-F238E27FC236}">
+                <a16:creationId xmlns:a16="http://schemas.microsoft.com/office/drawing/2014/main" id="{83181E14-FB8A-9078-BC9C-B49EB7942245}"/>
+              </a:ext>
+            </a:extLst>
+          </p:cNvPr>
+          <p:cNvSpPr txBox="1"/>
+          <p:nvPr/>
+        </p:nvSpPr>
+        <p:spPr>
+          <a:xfrm>
+            <a:off x="602573" y="1072579"/>
+            <a:ext cx="1714510" cy="369332"/>
+          </a:xfrm>
+          <a:prstGeom prst="rect">
+            <a:avLst/>
+          </a:prstGeom>
+          <a:noFill/>
+        </p:spPr>
+        <p:txBody>
+          <a:bodyPr wrap="square">
+            <a:spAutoFit/>
+          </a:bodyPr>
+          <a:lstStyle/>
+          <a:p>
+            <a:pPr algn="ctr"/>
+            <a:r>
+              <a:rPr lang="en-US" altLang="zh-CN" dirty="0">
+                <a:latin typeface="微软雅黑" panose="020B0503020204020204" pitchFamily="34" charset="-122"/>
+                <a:ea typeface="微软雅黑" panose="020B0503020204020204" pitchFamily="34" charset="-122"/>
+                <a:cs typeface="Times New Roman" panose="02020603050405020304" pitchFamily="18" charset="0"/>
+              </a:rPr>
+              <a:t>Token</a:t>
+            </a:r>
+            <a:r>
+              <a:rPr lang="zh-CN" altLang="en-US" dirty="0">
+                <a:latin typeface="微软雅黑" panose="020B0503020204020204" pitchFamily="34" charset="-122"/>
+                <a:ea typeface="微软雅黑" panose="020B0503020204020204" pitchFamily="34" charset="-122"/>
+                <a:cs typeface="Times New Roman" panose="02020603050405020304" pitchFamily="18" charset="0"/>
+              </a:rPr>
+              <a:t>序列</a:t>
+            </a:r>
+            <a:endParaRPr lang="zh-CN" altLang="en-US" dirty="0"/>
+          </a:p>
+        </p:txBody>
+      </p:sp>
+      <p:sp>
+        <p:nvSpPr>
+          <p:cNvPr id="36" name="下箭头 64">
+            <a:extLst>
+              <a:ext uri="{FF2B5EF4-FFF2-40B4-BE49-F238E27FC236}">
+                <a16:creationId xmlns:a16="http://schemas.microsoft.com/office/drawing/2014/main" id="{3D24A786-8499-1446-CDEC-A16ECDCD2CD8}"/>
+              </a:ext>
+            </a:extLst>
+          </p:cNvPr>
+          <p:cNvSpPr/>
+          <p:nvPr/>
+        </p:nvSpPr>
+        <p:spPr>
+          <a:xfrm rot="16200000">
+            <a:off x="1818477" y="2271504"/>
+            <a:ext cx="533400" cy="388436"/>
+          </a:xfrm>
+          <a:prstGeom prst="downArrow">
+            <a:avLst/>
+          </a:prstGeom>
+          <a:solidFill>
+            <a:schemeClr val="bg2">
+              <a:lumMod val="85000"/>
+            </a:schemeClr>
+          </a:solidFill>
+          <a:ln>
+            <a:solidFill>
+              <a:schemeClr val="bg1"/>
+            </a:solidFill>
+          </a:ln>
+        </p:spPr>
+        <p:style>
+          <a:lnRef idx="2">
+            <a:schemeClr val="accent4"/>
+          </a:lnRef>
+          <a:fillRef idx="1">
+            <a:schemeClr val="lt1"/>
+          </a:fillRef>
+          <a:effectRef idx="0">
+            <a:schemeClr val="accent4"/>
+          </a:effectRef>
+          <a:fontRef idx="minor">
+            <a:schemeClr val="dk1"/>
+          </a:fontRef>
+        </p:style>
+        <p:txBody>
+          <a:bodyPr vertOverflow="overflow" horzOverflow="overflow" vert="horz" wrap="square" numCol="1" spcCol="0" rtlCol="0" fromWordArt="0" anchor="ctr" anchorCtr="0" forceAA="0" compatLnSpc="1">
+            <a:noAutofit/>
+          </a:bodyPr>
+          <a:lstStyle/>
+          <a:p>
+            <a:pPr algn="ctr"/>
+            <a:endParaRPr lang="zh-CN" altLang="en-US">
+              <a:latin typeface="微软雅黑" panose="020B0503020204020204" pitchFamily="34" charset="-122"/>
+              <a:ea typeface="微软雅黑" panose="020B0503020204020204" pitchFamily="34" charset="-122"/>
+            </a:endParaRPr>
+          </a:p>
+        </p:txBody>
+      </p:sp>
+      <p:sp>
+        <p:nvSpPr>
+          <p:cNvPr id="37" name="下箭头 64">
+            <a:extLst>
+              <a:ext uri="{FF2B5EF4-FFF2-40B4-BE49-F238E27FC236}">
+                <a16:creationId xmlns:a16="http://schemas.microsoft.com/office/drawing/2014/main" id="{94C421CC-DD61-F156-C7E6-28B761302C98}"/>
+              </a:ext>
+            </a:extLst>
+          </p:cNvPr>
+          <p:cNvSpPr/>
+          <p:nvPr/>
+        </p:nvSpPr>
+        <p:spPr>
+          <a:xfrm rot="16200000">
+            <a:off x="6128746" y="2271505"/>
+            <a:ext cx="533400" cy="388436"/>
+          </a:xfrm>
+          <a:prstGeom prst="downArrow">
+            <a:avLst/>
+          </a:prstGeom>
+          <a:solidFill>
+            <a:schemeClr val="bg2">
+              <a:lumMod val="85000"/>
+            </a:schemeClr>
+          </a:solidFill>
+          <a:ln>
+            <a:solidFill>
+              <a:schemeClr val="bg1"/>
+            </a:solidFill>
+          </a:ln>
+        </p:spPr>
+        <p:style>
+          <a:lnRef idx="2">
+            <a:schemeClr val="accent4"/>
+          </a:lnRef>
+          <a:fillRef idx="1">
+            <a:schemeClr val="lt1"/>
+          </a:fillRef>
+          <a:effectRef idx="0">
+            <a:schemeClr val="accent4"/>
+          </a:effectRef>
+          <a:fontRef idx="minor">
+            <a:schemeClr val="dk1"/>
+          </a:fontRef>
+        </p:style>
+        <p:txBody>
+          <a:bodyPr vertOverflow="overflow" horzOverflow="overflow" vert="horz" wrap="square" numCol="1" spcCol="0" rtlCol="0" fromWordArt="0" anchor="ctr" anchorCtr="0" forceAA="0" compatLnSpc="1">
+            <a:noAutofit/>
+          </a:bodyPr>
+          <a:lstStyle/>
+          <a:p>
+            <a:pPr algn="ctr"/>
+            <a:endParaRPr lang="zh-CN" altLang="en-US">
+              <a:latin typeface="微软雅黑" panose="020B0503020204020204" pitchFamily="34" charset="-122"/>
+              <a:ea typeface="微软雅黑" panose="020B0503020204020204" pitchFamily="34" charset="-122"/>
+            </a:endParaRPr>
+          </a:p>
+        </p:txBody>
+      </p:sp>
+      <p:sp>
+        <p:nvSpPr>
+          <p:cNvPr id="38" name="流程图: 过程 37">
+            <a:extLst>
+              <a:ext uri="{FF2B5EF4-FFF2-40B4-BE49-F238E27FC236}">
+                <a16:creationId xmlns:a16="http://schemas.microsoft.com/office/drawing/2014/main" id="{E0D640E9-E8D1-35F7-1C78-5C3E805235F9}"/>
+              </a:ext>
+            </a:extLst>
+          </p:cNvPr>
+          <p:cNvSpPr/>
+          <p:nvPr/>
+        </p:nvSpPr>
+        <p:spPr>
+          <a:xfrm>
+            <a:off x="7028700" y="1738667"/>
+            <a:ext cx="1368131" cy="474756"/>
+          </a:xfrm>
+          <a:prstGeom prst="flowChartProcess">
+            <a:avLst/>
+          </a:prstGeom>
+          <a:solidFill>
+            <a:schemeClr val="bg1">
+              <a:lumMod val="85000"/>
+            </a:schemeClr>
+          </a:solidFill>
+          <a:ln w="9525" algn="ctr">
+            <a:solidFill>
+              <a:schemeClr val="tx1"/>
+            </a:solidFill>
+            <a:round/>
+            <a:headEnd/>
+            <a:tailEnd/>
+          </a:ln>
+        </p:spPr>
+        <p:txBody>
+          <a:bodyPr anchor="ctr" anchorCtr="0"/>
+          <a:lstStyle/>
+          <a:p>
+            <a:pPr algn="ctr"/>
+            <a:r>
+              <a:rPr lang="en-US" altLang="zh-CN" sz="1400" dirty="0">
+                <a:latin typeface="微软雅黑" panose="020B0503020204020204" pitchFamily="34" charset="-122"/>
+                <a:ea typeface="微软雅黑" panose="020B0503020204020204" pitchFamily="34" charset="-122"/>
+              </a:rPr>
+              <a:t>Bi LSTM</a:t>
+            </a:r>
+            <a:endParaRPr lang="zh-CN" altLang="en-US" sz="1400" dirty="0">
+              <a:latin typeface="微软雅黑" panose="020B0503020204020204" pitchFamily="34" charset="-122"/>
+              <a:ea typeface="微软雅黑" panose="020B0503020204020204" pitchFamily="34" charset="-122"/>
+            </a:endParaRPr>
+          </a:p>
+        </p:txBody>
+      </p:sp>
+      <p:sp>
+        <p:nvSpPr>
+          <p:cNvPr id="40" name="下箭头 64">
+            <a:extLst>
+              <a:ext uri="{FF2B5EF4-FFF2-40B4-BE49-F238E27FC236}">
+                <a16:creationId xmlns:a16="http://schemas.microsoft.com/office/drawing/2014/main" id="{DB3BE690-2B62-CCAD-9677-4381B5CCBA8B}"/>
+              </a:ext>
+            </a:extLst>
+          </p:cNvPr>
+          <p:cNvSpPr/>
+          <p:nvPr/>
+        </p:nvSpPr>
+        <p:spPr>
+          <a:xfrm rot="16200000">
+            <a:off x="8820574" y="2271504"/>
+            <a:ext cx="533400" cy="388436"/>
+          </a:xfrm>
+          <a:prstGeom prst="downArrow">
+            <a:avLst/>
+          </a:prstGeom>
+          <a:solidFill>
+            <a:schemeClr val="bg2">
+              <a:lumMod val="85000"/>
+            </a:schemeClr>
+          </a:solidFill>
+          <a:ln>
+            <a:solidFill>
+              <a:schemeClr val="bg1"/>
+            </a:solidFill>
+          </a:ln>
+        </p:spPr>
+        <p:style>
+          <a:lnRef idx="2">
+            <a:schemeClr val="accent4"/>
+          </a:lnRef>
+          <a:fillRef idx="1">
+            <a:schemeClr val="lt1"/>
+          </a:fillRef>
+          <a:effectRef idx="0">
+            <a:schemeClr val="accent4"/>
+          </a:effectRef>
+          <a:fontRef idx="minor">
+            <a:schemeClr val="dk1"/>
+          </a:fontRef>
+        </p:style>
+        <p:txBody>
+          <a:bodyPr vertOverflow="overflow" horzOverflow="overflow" vert="horz" wrap="square" numCol="1" spcCol="0" rtlCol="0" fromWordArt="0" anchor="ctr" anchorCtr="0" forceAA="0" compatLnSpc="1">
+            <a:noAutofit/>
+          </a:bodyPr>
+          <a:lstStyle/>
+          <a:p>
+            <a:pPr algn="ctr"/>
+            <a:endParaRPr lang="zh-CN" altLang="en-US">
+              <a:latin typeface="微软雅黑" panose="020B0503020204020204" pitchFamily="34" charset="-122"/>
+              <a:ea typeface="微软雅黑" panose="020B0503020204020204" pitchFamily="34" charset="-122"/>
+            </a:endParaRPr>
+          </a:p>
+        </p:txBody>
+      </p:sp>
+      <p:sp>
+        <p:nvSpPr>
+          <p:cNvPr id="41" name="流程图: 过程 40">
+            <a:extLst>
+              <a:ext uri="{FF2B5EF4-FFF2-40B4-BE49-F238E27FC236}">
+                <a16:creationId xmlns:a16="http://schemas.microsoft.com/office/drawing/2014/main" id="{B5F5E551-3367-3AFA-7876-EAE124201A26}"/>
+              </a:ext>
+            </a:extLst>
+          </p:cNvPr>
+          <p:cNvSpPr/>
+          <p:nvPr/>
+        </p:nvSpPr>
+        <p:spPr>
+          <a:xfrm>
+            <a:off x="7028700" y="2615990"/>
+            <a:ext cx="1368131" cy="474756"/>
+          </a:xfrm>
+          <a:prstGeom prst="flowChartProcess">
+            <a:avLst/>
+          </a:prstGeom>
+          <a:solidFill>
+            <a:schemeClr val="bg1">
+              <a:lumMod val="85000"/>
+            </a:schemeClr>
+          </a:solidFill>
+          <a:ln w="9525" algn="ctr">
+            <a:solidFill>
+              <a:schemeClr val="tx1"/>
+            </a:solidFill>
+            <a:round/>
+            <a:headEnd/>
+            <a:tailEnd/>
+          </a:ln>
+        </p:spPr>
+        <p:txBody>
+          <a:bodyPr anchor="ctr" anchorCtr="0"/>
+          <a:lstStyle/>
+          <a:p>
+            <a:pPr algn="ctr"/>
+            <a:r>
+              <a:rPr lang="en-US" altLang="zh-CN" sz="1400" dirty="0">
+                <a:latin typeface="微软雅黑" panose="020B0503020204020204" pitchFamily="34" charset="-122"/>
+                <a:ea typeface="微软雅黑" panose="020B0503020204020204" pitchFamily="34" charset="-122"/>
+              </a:rPr>
+              <a:t>Attention</a:t>
+            </a:r>
+            <a:endParaRPr lang="zh-CN" altLang="en-US" sz="1400" dirty="0">
+              <a:latin typeface="微软雅黑" panose="020B0503020204020204" pitchFamily="34" charset="-122"/>
+              <a:ea typeface="微软雅黑" panose="020B0503020204020204" pitchFamily="34" charset="-122"/>
+            </a:endParaRPr>
+          </a:p>
+        </p:txBody>
+      </p:sp>
+      <p:sp>
+        <p:nvSpPr>
+          <p:cNvPr id="42" name="矩形 41">
+            <a:extLst>
+              <a:ext uri="{FF2B5EF4-FFF2-40B4-BE49-F238E27FC236}">
+                <a16:creationId xmlns:a16="http://schemas.microsoft.com/office/drawing/2014/main" id="{88E9A06D-6E5A-07E7-2B49-F3B48785EC49}"/>
+              </a:ext>
+            </a:extLst>
+          </p:cNvPr>
+          <p:cNvSpPr/>
+          <p:nvPr/>
+        </p:nvSpPr>
+        <p:spPr>
+          <a:xfrm>
+            <a:off x="9344506" y="1795817"/>
+            <a:ext cx="381000" cy="1258037"/>
+          </a:xfrm>
+          <a:prstGeom prst="rect">
+            <a:avLst/>
+          </a:prstGeom>
+          <a:solidFill>
+            <a:schemeClr val="bg1">
+              <a:lumMod val="95000"/>
+            </a:schemeClr>
+          </a:solidFill>
+          <a:ln w="12700" algn="ctr">
+            <a:solidFill>
+              <a:schemeClr val="tx1"/>
+            </a:solidFill>
+            <a:prstDash val="sysDash"/>
+            <a:round/>
+            <a:headEnd/>
+            <a:tailEnd/>
+          </a:ln>
+        </p:spPr>
+        <p:txBody>
+          <a:bodyPr anchor="ctr" anchorCtr="0"/>
+          <a:lstStyle/>
+          <a:p>
+            <a:pPr algn="ctr"/>
+            <a:endParaRPr lang="zh-CN" altLang="en-US" sz="1600">
+              <a:solidFill>
+                <a:schemeClr val="tx1"/>
+              </a:solidFill>
+              <a:latin typeface="微软雅黑" panose="020B0503020204020204" pitchFamily="34" charset="-122"/>
+              <a:ea typeface="微软雅黑" panose="020B0503020204020204" pitchFamily="34" charset="-122"/>
+            </a:endParaRPr>
+          </a:p>
+        </p:txBody>
+      </p:sp>
+      <p:grpSp>
+        <p:nvGrpSpPr>
+          <p:cNvPr id="43" name="组合 42">
+            <a:extLst>
+              <a:ext uri="{FF2B5EF4-FFF2-40B4-BE49-F238E27FC236}">
+                <a16:creationId xmlns:a16="http://schemas.microsoft.com/office/drawing/2014/main" id="{68D18731-D1AB-A849-1D6E-64A79B68FA93}"/>
+              </a:ext>
+            </a:extLst>
+          </p:cNvPr>
+          <p:cNvGrpSpPr/>
+          <p:nvPr/>
+        </p:nvGrpSpPr>
+        <p:grpSpPr>
+          <a:xfrm>
+            <a:off x="9395306" y="1860699"/>
+            <a:ext cx="279400" cy="1128272"/>
+            <a:chOff x="7660640" y="853970"/>
+            <a:chExt cx="279400" cy="1128272"/>
+          </a:xfrm>
+        </p:grpSpPr>
+        <p:sp>
+          <p:nvSpPr>
+            <p:cNvPr id="44" name="椭圆 43">
+              <a:extLst>
+                <a:ext uri="{FF2B5EF4-FFF2-40B4-BE49-F238E27FC236}">
+                  <a16:creationId xmlns:a16="http://schemas.microsoft.com/office/drawing/2014/main" id="{E40B527C-7438-A39E-D8F2-8E1D4D7B4BCB}"/>
+                </a:ext>
+              </a:extLst>
+            </p:cNvPr>
+            <p:cNvSpPr/>
+            <p:nvPr/>
+          </p:nvSpPr>
+          <p:spPr>
+            <a:xfrm>
+              <a:off x="7660640" y="853970"/>
+              <a:ext cx="279400" cy="279400"/>
+            </a:xfrm>
+            <a:prstGeom prst="ellipse">
+              <a:avLst/>
+            </a:prstGeom>
+            <a:solidFill>
+              <a:schemeClr val="accent3">
+                <a:lumMod val="20000"/>
+                <a:lumOff val="80000"/>
+              </a:schemeClr>
+            </a:solidFill>
+            <a:ln w="12700">
+              <a:solidFill>
+                <a:schemeClr val="tx1"/>
+              </a:solidFill>
+            </a:ln>
+          </p:spPr>
+          <p:style>
+            <a:lnRef idx="2">
+              <a:schemeClr val="accent1">
+                <a:shade val="50000"/>
+              </a:schemeClr>
+            </a:lnRef>
+            <a:fillRef idx="1">
+              <a:schemeClr val="accent1"/>
+            </a:fillRef>
+            <a:effectRef idx="0">
+              <a:schemeClr val="accent1"/>
+            </a:effectRef>
+            <a:fontRef idx="minor">
+              <a:schemeClr val="lt1"/>
+            </a:fontRef>
+          </p:style>
+          <p:txBody>
+            <a:bodyPr rtlCol="0" anchor="ctr"/>
+            <a:lstStyle/>
+            <a:p>
+              <a:pPr algn="ctr"/>
+              <a:endParaRPr lang="zh-CN" altLang="en-US">
+                <a:latin typeface="微软雅黑" panose="020B0503020204020204" pitchFamily="34" charset="-122"/>
+                <a:ea typeface="微软雅黑" panose="020B0503020204020204" pitchFamily="34" charset="-122"/>
+              </a:endParaRPr>
+            </a:p>
+          </p:txBody>
+        </p:sp>
+        <p:sp>
+          <p:nvSpPr>
+            <p:cNvPr id="45" name="椭圆 44">
+              <a:extLst>
+                <a:ext uri="{FF2B5EF4-FFF2-40B4-BE49-F238E27FC236}">
+                  <a16:creationId xmlns:a16="http://schemas.microsoft.com/office/drawing/2014/main" id="{CB95AEF0-67EA-0573-469C-0E6D279F8E44}"/>
+                </a:ext>
+              </a:extLst>
+            </p:cNvPr>
+            <p:cNvSpPr/>
+            <p:nvPr/>
+          </p:nvSpPr>
+          <p:spPr>
+            <a:xfrm>
+              <a:off x="7660640" y="1278406"/>
+              <a:ext cx="279400" cy="279400"/>
+            </a:xfrm>
+            <a:prstGeom prst="ellipse">
+              <a:avLst/>
+            </a:prstGeom>
+            <a:solidFill>
+              <a:schemeClr val="accent3">
+                <a:lumMod val="20000"/>
+                <a:lumOff val="80000"/>
+              </a:schemeClr>
+            </a:solidFill>
+            <a:ln w="12700">
+              <a:solidFill>
+                <a:schemeClr val="tx1"/>
+              </a:solidFill>
+            </a:ln>
+          </p:spPr>
+          <p:style>
+            <a:lnRef idx="2">
+              <a:schemeClr val="accent1">
+                <a:shade val="50000"/>
+              </a:schemeClr>
+            </a:lnRef>
+            <a:fillRef idx="1">
+              <a:schemeClr val="accent1"/>
+            </a:fillRef>
+            <a:effectRef idx="0">
+              <a:schemeClr val="accent1"/>
+            </a:effectRef>
+            <a:fontRef idx="minor">
+              <a:schemeClr val="lt1"/>
+            </a:fontRef>
+          </p:style>
+          <p:txBody>
+            <a:bodyPr rtlCol="0" anchor="ctr"/>
+            <a:lstStyle/>
+            <a:p>
+              <a:pPr algn="ctr"/>
+              <a:endParaRPr lang="zh-CN" altLang="en-US">
+                <a:latin typeface="微软雅黑" panose="020B0503020204020204" pitchFamily="34" charset="-122"/>
+                <a:ea typeface="微软雅黑" panose="020B0503020204020204" pitchFamily="34" charset="-122"/>
+              </a:endParaRPr>
+            </a:p>
+          </p:txBody>
+        </p:sp>
+        <p:sp>
+          <p:nvSpPr>
+            <p:cNvPr id="46" name="椭圆 45">
+              <a:extLst>
+                <a:ext uri="{FF2B5EF4-FFF2-40B4-BE49-F238E27FC236}">
+                  <a16:creationId xmlns:a16="http://schemas.microsoft.com/office/drawing/2014/main" id="{0E068B41-CFA4-A90A-7FF3-89E3B4A0CEFE}"/>
+                </a:ext>
+              </a:extLst>
+            </p:cNvPr>
+            <p:cNvSpPr/>
+            <p:nvPr/>
+          </p:nvSpPr>
+          <p:spPr>
+            <a:xfrm>
+              <a:off x="7660640" y="1702842"/>
+              <a:ext cx="279400" cy="279400"/>
+            </a:xfrm>
+            <a:prstGeom prst="ellipse">
+              <a:avLst/>
+            </a:prstGeom>
+            <a:solidFill>
+              <a:schemeClr val="accent3">
+                <a:lumMod val="20000"/>
+                <a:lumOff val="80000"/>
+              </a:schemeClr>
+            </a:solidFill>
+            <a:ln w="12700">
+              <a:solidFill>
+                <a:schemeClr val="tx1"/>
+              </a:solidFill>
+            </a:ln>
+          </p:spPr>
+          <p:style>
+            <a:lnRef idx="2">
+              <a:schemeClr val="accent1">
+                <a:shade val="50000"/>
+              </a:schemeClr>
+            </a:lnRef>
+            <a:fillRef idx="1">
+              <a:schemeClr val="accent1"/>
+            </a:fillRef>
+            <a:effectRef idx="0">
+              <a:schemeClr val="accent1"/>
+            </a:effectRef>
+            <a:fontRef idx="minor">
+              <a:schemeClr val="lt1"/>
+            </a:fontRef>
+          </p:style>
+          <p:txBody>
+            <a:bodyPr rtlCol="0" anchor="ctr"/>
+            <a:lstStyle/>
+            <a:p>
+              <a:pPr algn="ctr"/>
+              <a:endParaRPr lang="zh-CN" altLang="en-US">
+                <a:latin typeface="微软雅黑" panose="020B0503020204020204" pitchFamily="34" charset="-122"/>
+                <a:ea typeface="微软雅黑" panose="020B0503020204020204" pitchFamily="34" charset="-122"/>
+              </a:endParaRPr>
+            </a:p>
+          </p:txBody>
+        </p:sp>
+      </p:grpSp>
+      <p:sp>
+        <p:nvSpPr>
+          <p:cNvPr id="53" name="矩形 52">
+            <a:extLst>
+              <a:ext uri="{FF2B5EF4-FFF2-40B4-BE49-F238E27FC236}">
+                <a16:creationId xmlns:a16="http://schemas.microsoft.com/office/drawing/2014/main" id="{731E4847-ADDD-F4F4-E54D-217D1C8FC18D}"/>
+              </a:ext>
+            </a:extLst>
+          </p:cNvPr>
+          <p:cNvSpPr/>
+          <p:nvPr/>
+        </p:nvSpPr>
+        <p:spPr>
+          <a:xfrm>
+            <a:off x="6595245" y="1512604"/>
+            <a:ext cx="2235040" cy="1906237"/>
+          </a:xfrm>
+          <a:prstGeom prst="rect">
+            <a:avLst/>
+          </a:prstGeom>
+          <a:noFill/>
+          <a:ln w="12700">
+            <a:solidFill>
+              <a:schemeClr val="tx1"/>
+            </a:solidFill>
+            <a:prstDash val="sysDash"/>
+            <a:headEnd type="none" w="med" len="med"/>
+            <a:tailEnd type="none" w="med" len="med"/>
+          </a:ln>
+        </p:spPr>
+        <p:style>
+          <a:lnRef idx="2">
+            <a:schemeClr val="accent3"/>
+          </a:lnRef>
+          <a:fillRef idx="1">
+            <a:schemeClr val="lt1"/>
+          </a:fillRef>
+          <a:effectRef idx="0">
+            <a:schemeClr val="accent3"/>
+          </a:effectRef>
+          <a:fontRef idx="minor">
+            <a:schemeClr val="dk1"/>
+          </a:fontRef>
+        </p:style>
+        <p:txBody>
+          <a:bodyPr vert="horz" wrap="square" lIns="91440" tIns="45720" rIns="91440" bIns="45720" numCol="1" rtlCol="0" anchor="ctr" anchorCtr="1" compatLnSpc="1"/>
+          <a:lstStyle/>
+          <a:p>
+            <a:pPr algn="ctr">
+              <a:spcBef>
+                <a:spcPct val="50000"/>
+              </a:spcBef>
+            </a:pPr>
+            <a:endParaRPr lang="zh-CN" altLang="en-US" kern="0" dirty="0">
+              <a:solidFill>
+                <a:prstClr val="black"/>
+              </a:solidFill>
+              <a:latin typeface="微软雅黑" panose="020B0503020204020204" pitchFamily="34" charset="-122"/>
+              <a:ea typeface="微软雅黑" panose="020B0503020204020204" pitchFamily="34" charset="-122"/>
+              <a:cs typeface="Times New Roman" panose="02020603050405020304" pitchFamily="36" charset="0"/>
+            </a:endParaRPr>
+          </a:p>
+        </p:txBody>
+      </p:sp>
+      <p:sp>
+        <p:nvSpPr>
+          <p:cNvPr id="56" name="流程图: 过程 55">
+            <a:extLst>
+              <a:ext uri="{FF2B5EF4-FFF2-40B4-BE49-F238E27FC236}">
+                <a16:creationId xmlns:a16="http://schemas.microsoft.com/office/drawing/2014/main" id="{E33AE16A-68AB-4B5B-80B7-873B836C240F}"/>
+              </a:ext>
+            </a:extLst>
+          </p:cNvPr>
+          <p:cNvSpPr/>
+          <p:nvPr/>
+        </p:nvSpPr>
+        <p:spPr>
+          <a:xfrm>
+            <a:off x="2438065" y="1857062"/>
+            <a:ext cx="609600" cy="236002"/>
+          </a:xfrm>
+          <a:prstGeom prst="flowChartProcess">
+            <a:avLst/>
+          </a:prstGeom>
+          <a:solidFill>
+            <a:srgbClr val="F2F2F2"/>
+          </a:solidFill>
+          <a:ln>
+            <a:solidFill>
+              <a:schemeClr val="tx1"/>
+            </a:solidFill>
+          </a:ln>
+        </p:spPr>
+        <p:style>
+          <a:lnRef idx="2">
+            <a:schemeClr val="accent1">
+              <a:shade val="50000"/>
+            </a:schemeClr>
+          </a:lnRef>
+          <a:fillRef idx="1">
+            <a:schemeClr val="accent1"/>
+          </a:fillRef>
+          <a:effectRef idx="0">
+            <a:schemeClr val="accent1"/>
+          </a:effectRef>
+          <a:fontRef idx="minor">
+            <a:schemeClr val="lt1"/>
+          </a:fontRef>
+        </p:style>
+        <p:txBody>
+          <a:bodyPr rtlCol="0" anchor="ctr"/>
+          <a:lstStyle/>
+          <a:p>
+            <a:pPr algn="ctr"/>
+            <a:r>
+              <a:rPr lang="en-US" altLang="zh-CN" sz="800" dirty="0">
+                <a:solidFill>
+                  <a:schemeClr val="tx1"/>
+                </a:solidFill>
+                <a:latin typeface="微软雅黑" panose="020B0503020204020204" pitchFamily="34" charset="-122"/>
+                <a:ea typeface="微软雅黑" panose="020B0503020204020204" pitchFamily="34" charset="-122"/>
+              </a:rPr>
+              <a:t>token 1</a:t>
+            </a:r>
+            <a:endParaRPr lang="zh-CN" altLang="en-US" sz="800" dirty="0">
+              <a:solidFill>
+                <a:schemeClr val="tx1"/>
+              </a:solidFill>
+              <a:latin typeface="微软雅黑" panose="020B0503020204020204" pitchFamily="34" charset="-122"/>
+              <a:ea typeface="微软雅黑" panose="020B0503020204020204" pitchFamily="34" charset="-122"/>
+            </a:endParaRPr>
+          </a:p>
+        </p:txBody>
+      </p:sp>
+      <p:sp>
+        <p:nvSpPr>
+          <p:cNvPr id="57" name="流程图: 过程 56">
+            <a:extLst>
+              <a:ext uri="{FF2B5EF4-FFF2-40B4-BE49-F238E27FC236}">
+                <a16:creationId xmlns:a16="http://schemas.microsoft.com/office/drawing/2014/main" id="{E142D59D-F02F-FC67-83A2-1B2E3B124F13}"/>
+              </a:ext>
+            </a:extLst>
+          </p:cNvPr>
+          <p:cNvSpPr/>
+          <p:nvPr/>
+        </p:nvSpPr>
+        <p:spPr>
+          <a:xfrm>
+            <a:off x="2438065" y="2093064"/>
+            <a:ext cx="609600" cy="236002"/>
+          </a:xfrm>
+          <a:prstGeom prst="flowChartProcess">
+            <a:avLst/>
+          </a:prstGeom>
+          <a:solidFill>
+            <a:srgbClr val="F2F2F2"/>
+          </a:solidFill>
+          <a:ln>
+            <a:solidFill>
+              <a:schemeClr val="tx1"/>
+            </a:solidFill>
+          </a:ln>
+        </p:spPr>
+        <p:style>
+          <a:lnRef idx="2">
+            <a:schemeClr val="accent1">
+              <a:shade val="50000"/>
+            </a:schemeClr>
+          </a:lnRef>
+          <a:fillRef idx="1">
+            <a:schemeClr val="accent1"/>
+          </a:fillRef>
+          <a:effectRef idx="0">
+            <a:schemeClr val="accent1"/>
+          </a:effectRef>
+          <a:fontRef idx="minor">
+            <a:schemeClr val="lt1"/>
+          </a:fontRef>
+        </p:style>
+        <p:txBody>
+          <a:bodyPr rtlCol="0" anchor="ctr"/>
+          <a:lstStyle/>
+          <a:p>
+            <a:pPr algn="ctr"/>
+            <a:r>
+              <a:rPr lang="en-US" altLang="zh-CN" sz="800" dirty="0">
+                <a:solidFill>
+                  <a:schemeClr val="tx1"/>
+                </a:solidFill>
+                <a:latin typeface="微软雅黑" panose="020B0503020204020204" pitchFamily="34" charset="-122"/>
+                <a:ea typeface="微软雅黑" panose="020B0503020204020204" pitchFamily="34" charset="-122"/>
+              </a:rPr>
+              <a:t>token 2</a:t>
+            </a:r>
+            <a:endParaRPr lang="zh-CN" altLang="en-US" sz="800" dirty="0">
+              <a:latin typeface="微软雅黑" panose="020B0503020204020204" pitchFamily="34" charset="-122"/>
+              <a:ea typeface="微软雅黑" panose="020B0503020204020204" pitchFamily="34" charset="-122"/>
+            </a:endParaRPr>
+          </a:p>
+        </p:txBody>
+      </p:sp>
+      <p:sp>
+        <p:nvSpPr>
+          <p:cNvPr id="58" name="流程图: 过程 57">
+            <a:extLst>
+              <a:ext uri="{FF2B5EF4-FFF2-40B4-BE49-F238E27FC236}">
+                <a16:creationId xmlns:a16="http://schemas.microsoft.com/office/drawing/2014/main" id="{FC41DA7F-C46C-09A7-61BB-8D667780098F}"/>
+              </a:ext>
+            </a:extLst>
+          </p:cNvPr>
+          <p:cNvSpPr/>
+          <p:nvPr/>
+        </p:nvSpPr>
+        <p:spPr>
+          <a:xfrm>
+            <a:off x="2438065" y="2688376"/>
+            <a:ext cx="609600" cy="236002"/>
+          </a:xfrm>
+          <a:prstGeom prst="flowChartProcess">
+            <a:avLst/>
+          </a:prstGeom>
+          <a:solidFill>
+            <a:srgbClr val="F2F2F2"/>
+          </a:solidFill>
+          <a:ln>
+            <a:solidFill>
+              <a:schemeClr val="tx1"/>
+            </a:solidFill>
+          </a:ln>
+        </p:spPr>
+        <p:style>
+          <a:lnRef idx="2">
+            <a:schemeClr val="accent1">
+              <a:shade val="50000"/>
+            </a:schemeClr>
+          </a:lnRef>
+          <a:fillRef idx="1">
+            <a:schemeClr val="accent1"/>
+          </a:fillRef>
+          <a:effectRef idx="0">
+            <a:schemeClr val="accent1"/>
+          </a:effectRef>
+          <a:fontRef idx="minor">
+            <a:schemeClr val="lt1"/>
+          </a:fontRef>
+        </p:style>
+        <p:txBody>
+          <a:bodyPr rtlCol="0" anchor="ctr"/>
+          <a:lstStyle/>
+          <a:p>
+            <a:pPr algn="ctr"/>
+            <a:r>
+              <a:rPr lang="en-US" altLang="zh-CN" sz="800" dirty="0">
+                <a:solidFill>
+                  <a:schemeClr val="tx1"/>
+                </a:solidFill>
+                <a:latin typeface="微软雅黑" panose="020B0503020204020204" pitchFamily="34" charset="-122"/>
+                <a:ea typeface="微软雅黑" panose="020B0503020204020204" pitchFamily="34" charset="-122"/>
+              </a:rPr>
+              <a:t>token m</a:t>
+            </a:r>
+            <a:endParaRPr lang="zh-CN" altLang="en-US" sz="800" dirty="0">
+              <a:solidFill>
+                <a:schemeClr val="tx1"/>
+              </a:solidFill>
+              <a:latin typeface="微软雅黑" panose="020B0503020204020204" pitchFamily="34" charset="-122"/>
+              <a:ea typeface="微软雅黑" panose="020B0503020204020204" pitchFamily="34" charset="-122"/>
+            </a:endParaRPr>
+          </a:p>
+        </p:txBody>
+      </p:sp>
+      <p:sp>
+        <p:nvSpPr>
+          <p:cNvPr id="59" name="TextBox 148">
+            <a:extLst>
+              <a:ext uri="{FF2B5EF4-FFF2-40B4-BE49-F238E27FC236}">
+                <a16:creationId xmlns:a16="http://schemas.microsoft.com/office/drawing/2014/main" id="{F9F94082-E7F1-3812-C5E0-3BBB44142133}"/>
+              </a:ext>
+            </a:extLst>
+          </p:cNvPr>
+          <p:cNvSpPr txBox="1"/>
+          <p:nvPr/>
+        </p:nvSpPr>
+        <p:spPr>
+          <a:xfrm>
+            <a:off x="2539527" y="2352400"/>
+            <a:ext cx="406676" cy="369332"/>
+          </a:xfrm>
+          <a:prstGeom prst="rect">
+            <a:avLst/>
+          </a:prstGeom>
+          <a:noFill/>
+        </p:spPr>
+        <p:txBody>
+          <a:bodyPr wrap="square" rtlCol="0">
+            <a:spAutoFit/>
+          </a:bodyPr>
+          <a:lstStyle/>
+          <a:p>
+            <a:r>
+              <a:rPr lang="en-US" altLang="zh-CN" dirty="0">
+                <a:latin typeface="微软雅黑" panose="020B0503020204020204" pitchFamily="34" charset="-122"/>
+                <a:ea typeface="微软雅黑" panose="020B0503020204020204" pitchFamily="34" charset="-122"/>
+              </a:rPr>
+              <a:t>…</a:t>
+            </a:r>
+            <a:endParaRPr lang="zh-CN" altLang="en-US" dirty="0">
+              <a:latin typeface="微软雅黑" panose="020B0503020204020204" pitchFamily="34" charset="-122"/>
+              <a:ea typeface="微软雅黑" panose="020B0503020204020204" pitchFamily="34" charset="-122"/>
+            </a:endParaRPr>
+          </a:p>
+        </p:txBody>
+      </p:sp>
+      <p:sp>
+        <p:nvSpPr>
+          <p:cNvPr id="60" name="TextBox 195">
+            <a:extLst>
+              <a:ext uri="{FF2B5EF4-FFF2-40B4-BE49-F238E27FC236}">
+                <a16:creationId xmlns:a16="http://schemas.microsoft.com/office/drawing/2014/main" id="{E423953E-C7C3-D346-6D9E-D071926C8A12}"/>
+              </a:ext>
+            </a:extLst>
+          </p:cNvPr>
+          <p:cNvSpPr txBox="1"/>
+          <p:nvPr/>
+        </p:nvSpPr>
+        <p:spPr>
+          <a:xfrm>
+            <a:off x="3232662" y="3076135"/>
+            <a:ext cx="2010629" cy="307777"/>
+          </a:xfrm>
+          <a:prstGeom prst="rect">
+            <a:avLst/>
+          </a:prstGeom>
+          <a:noFill/>
+        </p:spPr>
+        <p:txBody>
+          <a:bodyPr wrap="square" rtlCol="0">
+            <a:spAutoFit/>
+          </a:bodyPr>
+          <a:lstStyle/>
+          <a:p>
+            <a:pPr algn="ctr"/>
+            <a:r>
+              <a:rPr lang="zh-CN" altLang="en-US" sz="1400" dirty="0">
+                <a:latin typeface="微软雅黑" panose="020B0503020204020204" pitchFamily="34" charset="-122"/>
+                <a:ea typeface="微软雅黑" panose="020B0503020204020204" pitchFamily="34" charset="-122"/>
+                <a:cs typeface="Times New Roman" panose="02020603050405020304" pitchFamily="18" charset="0"/>
+              </a:rPr>
+              <a:t>相邻单元迭代算法</a:t>
+            </a:r>
+          </a:p>
+        </p:txBody>
+      </p:sp>
+      <p:sp>
+        <p:nvSpPr>
+          <p:cNvPr id="61" name="燕尾形 240">
+            <a:extLst>
+              <a:ext uri="{FF2B5EF4-FFF2-40B4-BE49-F238E27FC236}">
+                <a16:creationId xmlns:a16="http://schemas.microsoft.com/office/drawing/2014/main" id="{54AF14A9-D1C4-3F9D-91BA-3344B3D3C2BC}"/>
+              </a:ext>
+            </a:extLst>
+          </p:cNvPr>
+          <p:cNvSpPr/>
+          <p:nvPr/>
+        </p:nvSpPr>
+        <p:spPr>
+          <a:xfrm>
+            <a:off x="3121534" y="2215145"/>
+            <a:ext cx="252000" cy="252000"/>
+          </a:xfrm>
+          <a:prstGeom prst="chevron">
+            <a:avLst/>
+          </a:prstGeom>
+          <a:solidFill>
+            <a:srgbClr val="FDF2EA"/>
+          </a:solidFill>
+          <a:ln>
+            <a:solidFill>
+              <a:schemeClr val="tx1"/>
+            </a:solidFill>
+          </a:ln>
+        </p:spPr>
+        <p:style>
+          <a:lnRef idx="2">
+            <a:schemeClr val="accent1">
+              <a:shade val="50000"/>
+            </a:schemeClr>
+          </a:lnRef>
+          <a:fillRef idx="1">
+            <a:schemeClr val="accent1"/>
+          </a:fillRef>
+          <a:effectRef idx="0">
+            <a:schemeClr val="accent1"/>
+          </a:effectRef>
+          <a:fontRef idx="minor">
+            <a:schemeClr val="lt1"/>
+          </a:fontRef>
+        </p:style>
+        <p:txBody>
+          <a:bodyPr rtlCol="0" anchor="ctr"/>
+          <a:lstStyle/>
+          <a:p>
+            <a:pPr algn="ctr"/>
+            <a:endParaRPr lang="zh-CN" altLang="en-US">
+              <a:solidFill>
+                <a:schemeClr val="tx1"/>
+              </a:solidFill>
+              <a:latin typeface="微软雅黑" panose="020B0503020204020204" pitchFamily="34" charset="-122"/>
+              <a:ea typeface="微软雅黑" panose="020B0503020204020204" pitchFamily="34" charset="-122"/>
+            </a:endParaRPr>
+          </a:p>
+        </p:txBody>
+      </p:sp>
+      <p:grpSp>
+        <p:nvGrpSpPr>
+          <p:cNvPr id="79" name="组合 78">
+            <a:extLst>
+              <a:ext uri="{FF2B5EF4-FFF2-40B4-BE49-F238E27FC236}">
+                <a16:creationId xmlns:a16="http://schemas.microsoft.com/office/drawing/2014/main" id="{E9B771E5-6601-F191-8F90-DBA448F7C203}"/>
+              </a:ext>
+            </a:extLst>
+          </p:cNvPr>
+          <p:cNvGrpSpPr/>
+          <p:nvPr/>
+        </p:nvGrpSpPr>
+        <p:grpSpPr>
+          <a:xfrm>
+            <a:off x="3386525" y="1695138"/>
+            <a:ext cx="1702902" cy="1346067"/>
+            <a:chOff x="3324555" y="2713843"/>
+            <a:chExt cx="1702902" cy="1346067"/>
+          </a:xfrm>
+        </p:grpSpPr>
+        <p:sp>
+          <p:nvSpPr>
+            <p:cNvPr id="62" name="流程图: 数据 6">
+              <a:extLst>
+                <a:ext uri="{FF2B5EF4-FFF2-40B4-BE49-F238E27FC236}">
+                  <a16:creationId xmlns:a16="http://schemas.microsoft.com/office/drawing/2014/main" id="{9F2AD9F3-5186-8AB4-A667-482BAAAF5E9B}"/>
+                </a:ext>
+              </a:extLst>
+            </p:cNvPr>
+            <p:cNvSpPr>
+              <a:spLocks noChangeArrowheads="1"/>
+            </p:cNvSpPr>
+            <p:nvPr/>
+          </p:nvSpPr>
+          <p:spPr bwMode="auto">
+            <a:xfrm>
+              <a:off x="3324555" y="2713843"/>
+              <a:ext cx="1702902" cy="1346067"/>
+            </a:xfrm>
+            <a:prstGeom prst="roundRect">
+              <a:avLst>
+                <a:gd name="adj" fmla="val 8196"/>
+              </a:avLst>
+            </a:prstGeom>
+            <a:solidFill>
+              <a:schemeClr val="bg1">
+                <a:lumMod val="95000"/>
+              </a:schemeClr>
+            </a:solidFill>
+            <a:ln w="9525" algn="ctr">
+              <a:solidFill>
+                <a:schemeClr val="tx1"/>
+              </a:solidFill>
+              <a:round/>
+              <a:headEnd/>
+              <a:tailEnd/>
+            </a:ln>
+          </p:spPr>
+          <p:txBody>
+            <a:bodyPr anchor="ctr" anchorCtr="0"/>
+            <a:lstStyle/>
+            <a:p>
+              <a:pPr algn="ctr"/>
+              <a:endParaRPr lang="zh-CN" altLang="en-US" sz="1600" dirty="0">
+                <a:latin typeface="微软雅黑" panose="020B0503020204020204" pitchFamily="34" charset="-122"/>
+                <a:ea typeface="微软雅黑" panose="020B0503020204020204" pitchFamily="34" charset="-122"/>
+              </a:endParaRPr>
+            </a:p>
+          </p:txBody>
+        </p:sp>
+        <p:sp>
+          <p:nvSpPr>
+            <p:cNvPr id="63" name="流程图: 过程 62">
+              <a:extLst>
+                <a:ext uri="{FF2B5EF4-FFF2-40B4-BE49-F238E27FC236}">
+                  <a16:creationId xmlns:a16="http://schemas.microsoft.com/office/drawing/2014/main" id="{C37CADF1-6723-8BB6-E30D-CDAAA9C239D7}"/>
+                </a:ext>
+              </a:extLst>
+            </p:cNvPr>
+            <p:cNvSpPr/>
+            <p:nvPr/>
+          </p:nvSpPr>
+          <p:spPr>
+            <a:xfrm>
+              <a:off x="3472294" y="2814522"/>
+              <a:ext cx="540000" cy="468000"/>
+            </a:xfrm>
+            <a:prstGeom prst="flowChartProcess">
+              <a:avLst/>
+            </a:prstGeom>
+            <a:solidFill>
+              <a:schemeClr val="bg1">
+                <a:lumMod val="85000"/>
+              </a:schemeClr>
+            </a:solidFill>
+            <a:ln w="9525" algn="ctr">
+              <a:solidFill>
+                <a:schemeClr val="tx1"/>
+              </a:solidFill>
+              <a:round/>
+              <a:headEnd/>
+              <a:tailEnd/>
+            </a:ln>
+          </p:spPr>
+          <p:txBody>
+            <a:bodyPr anchor="ctr" anchorCtr="0"/>
+            <a:lstStyle/>
+            <a:p>
+              <a:pPr algn="ctr"/>
+              <a:r>
+                <a:rPr lang="zh-CN" altLang="en-US" sz="1400" dirty="0">
+                  <a:latin typeface="微软雅黑" panose="020B0503020204020204" pitchFamily="34" charset="-122"/>
+                  <a:ea typeface="微软雅黑" panose="020B0503020204020204" pitchFamily="34" charset="-122"/>
+                </a:rPr>
+                <a:t>相邻单元</a:t>
+              </a:r>
+              <a:endParaRPr lang="zh-CN" altLang="en-US" sz="1400" dirty="0">
+                <a:solidFill>
+                  <a:schemeClr val="tx1"/>
+                </a:solidFill>
+                <a:latin typeface="微软雅黑" panose="020B0503020204020204" pitchFamily="34" charset="-122"/>
+                <a:ea typeface="微软雅黑" panose="020B0503020204020204" pitchFamily="34" charset="-122"/>
+              </a:endParaRPr>
+            </a:p>
+          </p:txBody>
+        </p:sp>
+        <p:sp>
+          <p:nvSpPr>
+            <p:cNvPr id="64" name="流程图: 过程 63">
+              <a:extLst>
+                <a:ext uri="{FF2B5EF4-FFF2-40B4-BE49-F238E27FC236}">
+                  <a16:creationId xmlns:a16="http://schemas.microsoft.com/office/drawing/2014/main" id="{E939AC47-43C6-D6DE-3A48-55D3655FE1EA}"/>
+                </a:ext>
+              </a:extLst>
+            </p:cNvPr>
+            <p:cNvSpPr/>
+            <p:nvPr/>
+          </p:nvSpPr>
+          <p:spPr>
+            <a:xfrm>
+              <a:off x="4338362" y="3455986"/>
+              <a:ext cx="540000" cy="468000"/>
+            </a:xfrm>
+            <a:prstGeom prst="flowChartProcess">
+              <a:avLst/>
+            </a:prstGeom>
+            <a:solidFill>
+              <a:schemeClr val="bg1">
+                <a:lumMod val="85000"/>
+              </a:schemeClr>
+            </a:solidFill>
+            <a:ln w="9525" algn="ctr">
+              <a:solidFill>
+                <a:schemeClr val="tx1"/>
+              </a:solidFill>
+              <a:round/>
+              <a:headEnd/>
+              <a:tailEnd/>
+            </a:ln>
+          </p:spPr>
+          <p:txBody>
+            <a:bodyPr anchor="ctr" anchorCtr="0"/>
+            <a:lstStyle/>
+            <a:p>
+              <a:pPr algn="ctr"/>
+              <a:r>
+                <a:rPr lang="zh-CN" altLang="en-US" sz="1400" dirty="0">
+                  <a:solidFill>
+                    <a:schemeClr val="tx1"/>
+                  </a:solidFill>
+                  <a:latin typeface="微软雅黑" panose="020B0503020204020204" pitchFamily="34" charset="-122"/>
+                  <a:ea typeface="微软雅黑" panose="020B0503020204020204" pitchFamily="34" charset="-122"/>
+                </a:rPr>
+                <a:t>迭代</a:t>
+              </a:r>
+            </a:p>
+          </p:txBody>
+        </p:sp>
+        <p:sp>
+          <p:nvSpPr>
+            <p:cNvPr id="65" name="流程图: 过程 64">
+              <a:extLst>
+                <a:ext uri="{FF2B5EF4-FFF2-40B4-BE49-F238E27FC236}">
+                  <a16:creationId xmlns:a16="http://schemas.microsoft.com/office/drawing/2014/main" id="{121640B8-0D25-8421-1D64-3B0B02AA30CD}"/>
+                </a:ext>
+              </a:extLst>
+            </p:cNvPr>
+            <p:cNvSpPr/>
+            <p:nvPr/>
+          </p:nvSpPr>
+          <p:spPr>
+            <a:xfrm>
+              <a:off x="4153631" y="2814522"/>
+              <a:ext cx="724731" cy="463590"/>
+            </a:xfrm>
+            <a:prstGeom prst="flowChartProcess">
+              <a:avLst/>
+            </a:prstGeom>
+            <a:solidFill>
+              <a:schemeClr val="bg1">
+                <a:lumMod val="85000"/>
+              </a:schemeClr>
+            </a:solidFill>
+            <a:ln w="9525" algn="ctr">
+              <a:solidFill>
+                <a:schemeClr val="tx1"/>
+              </a:solidFill>
+              <a:round/>
+              <a:headEnd/>
+              <a:tailEnd/>
+            </a:ln>
+          </p:spPr>
+          <p:txBody>
+            <a:bodyPr anchor="ctr" anchorCtr="0"/>
+            <a:lstStyle/>
+            <a:p>
+              <a:pPr algn="ctr"/>
+              <a:r>
+                <a:rPr lang="zh-CN" altLang="en-US" sz="1400" dirty="0">
+                  <a:solidFill>
+                    <a:schemeClr val="tx1"/>
+                  </a:solidFill>
+                  <a:latin typeface="微软雅黑" panose="020B0503020204020204" pitchFamily="34" charset="-122"/>
+                  <a:ea typeface="微软雅黑" panose="020B0503020204020204" pitchFamily="34" charset="-122"/>
+                </a:rPr>
+                <a:t>更新</a:t>
+              </a:r>
+              <a:endParaRPr lang="en-US" altLang="zh-CN" sz="1400" dirty="0">
+                <a:solidFill>
+                  <a:schemeClr val="tx1"/>
+                </a:solidFill>
+                <a:latin typeface="微软雅黑" panose="020B0503020204020204" pitchFamily="34" charset="-122"/>
+                <a:ea typeface="微软雅黑" panose="020B0503020204020204" pitchFamily="34" charset="-122"/>
+              </a:endParaRPr>
+            </a:p>
+            <a:p>
+              <a:pPr algn="ctr"/>
+              <a:r>
+                <a:rPr lang="zh-CN" altLang="en-US" sz="1400" dirty="0">
+                  <a:solidFill>
+                    <a:schemeClr val="tx1"/>
+                  </a:solidFill>
+                  <a:latin typeface="微软雅黑" panose="020B0503020204020204" pitchFamily="34" charset="-122"/>
+                  <a:ea typeface="微软雅黑" panose="020B0503020204020204" pitchFamily="34" charset="-122"/>
+                </a:rPr>
+                <a:t>词汇表</a:t>
+              </a:r>
+            </a:p>
+          </p:txBody>
+        </p:sp>
+        <p:sp>
+          <p:nvSpPr>
+            <p:cNvPr id="66" name="流程图: 过程 65">
+              <a:extLst>
+                <a:ext uri="{FF2B5EF4-FFF2-40B4-BE49-F238E27FC236}">
+                  <a16:creationId xmlns:a16="http://schemas.microsoft.com/office/drawing/2014/main" id="{87DFA0B9-27E9-0385-01DF-DB3A40DB8A99}"/>
+                </a:ext>
+              </a:extLst>
+            </p:cNvPr>
+            <p:cNvSpPr/>
+            <p:nvPr/>
+          </p:nvSpPr>
+          <p:spPr>
+            <a:xfrm>
+              <a:off x="3472294" y="3455986"/>
+              <a:ext cx="540000" cy="468000"/>
+            </a:xfrm>
+            <a:prstGeom prst="flowChartProcess">
+              <a:avLst/>
+            </a:prstGeom>
+            <a:solidFill>
+              <a:schemeClr val="bg1">
+                <a:lumMod val="85000"/>
+              </a:schemeClr>
+            </a:solidFill>
+            <a:ln w="9525" algn="ctr">
+              <a:solidFill>
+                <a:schemeClr val="tx1"/>
+              </a:solidFill>
+              <a:round/>
+              <a:headEnd/>
+              <a:tailEnd/>
+            </a:ln>
+          </p:spPr>
+          <p:txBody>
+            <a:bodyPr lIns="0" tIns="0" rIns="0" bIns="0" anchor="ctr" anchorCtr="0"/>
+            <a:lstStyle/>
+            <a:p>
+              <a:pPr algn="ctr"/>
+              <a:r>
+                <a:rPr lang="zh-CN" altLang="en-US" sz="1400" dirty="0">
+                  <a:solidFill>
+                    <a:schemeClr val="tx1"/>
+                  </a:solidFill>
+                  <a:latin typeface="微软雅黑" panose="020B0503020204020204" pitchFamily="34" charset="-122"/>
+                  <a:ea typeface="微软雅黑" panose="020B0503020204020204" pitchFamily="34" charset="-122"/>
+                </a:rPr>
+                <a:t>计算</a:t>
+              </a:r>
+              <a:endParaRPr lang="en-US" altLang="zh-CN" sz="1400" dirty="0">
+                <a:solidFill>
+                  <a:schemeClr val="tx1"/>
+                </a:solidFill>
+                <a:latin typeface="微软雅黑" panose="020B0503020204020204" pitchFamily="34" charset="-122"/>
+                <a:ea typeface="微软雅黑" panose="020B0503020204020204" pitchFamily="34" charset="-122"/>
+              </a:endParaRPr>
+            </a:p>
+            <a:p>
+              <a:pPr algn="ctr"/>
+              <a:r>
+                <a:rPr lang="zh-CN" altLang="en-US" sz="1400" dirty="0">
+                  <a:solidFill>
+                    <a:schemeClr val="tx1"/>
+                  </a:solidFill>
+                  <a:latin typeface="微软雅黑" panose="020B0503020204020204" pitchFamily="34" charset="-122"/>
+                  <a:ea typeface="微软雅黑" panose="020B0503020204020204" pitchFamily="34" charset="-122"/>
+                </a:rPr>
+                <a:t>频率</a:t>
+              </a:r>
+            </a:p>
+          </p:txBody>
+        </p:sp>
+        <p:cxnSp>
+          <p:nvCxnSpPr>
+            <p:cNvPr id="67" name="直接箭头连接符 66">
+              <a:extLst>
+                <a:ext uri="{FF2B5EF4-FFF2-40B4-BE49-F238E27FC236}">
+                  <a16:creationId xmlns:a16="http://schemas.microsoft.com/office/drawing/2014/main" id="{B759C9C5-9654-57B3-8CFE-3305DF623911}"/>
+                </a:ext>
+              </a:extLst>
+            </p:cNvPr>
+            <p:cNvCxnSpPr/>
+            <p:nvPr/>
+          </p:nvCxnSpPr>
+          <p:spPr>
+            <a:xfrm>
+              <a:off x="3752359" y="3282522"/>
+              <a:ext cx="0" cy="157067"/>
+            </a:xfrm>
+            <a:prstGeom prst="straightConnector1">
+              <a:avLst/>
+            </a:prstGeom>
+            <a:ln w="12700">
+              <a:solidFill>
+                <a:schemeClr val="tx1"/>
+              </a:solidFill>
+              <a:headEnd type="none" w="med" len="med"/>
+              <a:tailEnd type="triangle" w="med" len="med"/>
+            </a:ln>
+          </p:spPr>
+          <p:style>
+            <a:lnRef idx="1">
+              <a:schemeClr val="accent1"/>
+            </a:lnRef>
+            <a:fillRef idx="0">
+              <a:schemeClr val="accent1"/>
+            </a:fillRef>
+            <a:effectRef idx="0">
+              <a:schemeClr val="accent1"/>
+            </a:effectRef>
+            <a:fontRef idx="minor">
+              <a:schemeClr val="tx1"/>
+            </a:fontRef>
+          </p:style>
+        </p:cxnSp>
+        <p:cxnSp>
+          <p:nvCxnSpPr>
+            <p:cNvPr id="68" name="直接箭头连接符 67">
+              <a:extLst>
+                <a:ext uri="{FF2B5EF4-FFF2-40B4-BE49-F238E27FC236}">
+                  <a16:creationId xmlns:a16="http://schemas.microsoft.com/office/drawing/2014/main" id="{8B8279EC-0EB8-892F-1F71-F4CD8B028D70}"/>
+                </a:ext>
+              </a:extLst>
+            </p:cNvPr>
+            <p:cNvCxnSpPr>
+              <a:stCxn id="66" idx="3"/>
+              <a:endCxn id="64" idx="1"/>
+            </p:cNvCxnSpPr>
+            <p:nvPr/>
+          </p:nvCxnSpPr>
+          <p:spPr>
+            <a:xfrm>
+              <a:off x="4012294" y="3689986"/>
+              <a:ext cx="326068" cy="0"/>
+            </a:xfrm>
+            <a:prstGeom prst="straightConnector1">
+              <a:avLst/>
+            </a:prstGeom>
+            <a:ln w="12700">
+              <a:solidFill>
+                <a:schemeClr val="tx1"/>
+              </a:solidFill>
+              <a:headEnd type="none" w="med" len="med"/>
+              <a:tailEnd type="triangle" w="med" len="med"/>
+            </a:ln>
+          </p:spPr>
+          <p:style>
+            <a:lnRef idx="1">
+              <a:schemeClr val="accent1"/>
+            </a:lnRef>
+            <a:fillRef idx="0">
+              <a:schemeClr val="accent1"/>
+            </a:fillRef>
+            <a:effectRef idx="0">
+              <a:schemeClr val="accent1"/>
+            </a:effectRef>
+            <a:fontRef idx="minor">
+              <a:schemeClr val="tx1"/>
+            </a:fontRef>
+          </p:style>
+        </p:cxnSp>
+        <p:cxnSp>
+          <p:nvCxnSpPr>
+            <p:cNvPr id="69" name="直接箭头连接符 68">
+              <a:extLst>
+                <a:ext uri="{FF2B5EF4-FFF2-40B4-BE49-F238E27FC236}">
+                  <a16:creationId xmlns:a16="http://schemas.microsoft.com/office/drawing/2014/main" id="{99C8486C-42C0-1901-FC45-BBC617D2837D}"/>
+                </a:ext>
+              </a:extLst>
+            </p:cNvPr>
+            <p:cNvCxnSpPr>
+              <a:stCxn id="64" idx="0"/>
+            </p:cNvCxnSpPr>
+            <p:nvPr/>
+          </p:nvCxnSpPr>
+          <p:spPr>
+            <a:xfrm flipV="1">
+              <a:off x="4608362" y="3282522"/>
+              <a:ext cx="0" cy="173464"/>
+            </a:xfrm>
+            <a:prstGeom prst="straightConnector1">
+              <a:avLst/>
+            </a:prstGeom>
+            <a:ln w="12700">
+              <a:solidFill>
+                <a:schemeClr val="tx1"/>
+              </a:solidFill>
+              <a:headEnd type="none" w="med" len="med"/>
+              <a:tailEnd type="triangle" w="med" len="med"/>
+            </a:ln>
+          </p:spPr>
+          <p:style>
+            <a:lnRef idx="1">
+              <a:schemeClr val="accent1"/>
+            </a:lnRef>
+            <a:fillRef idx="0">
+              <a:schemeClr val="accent1"/>
+            </a:fillRef>
+            <a:effectRef idx="0">
+              <a:schemeClr val="accent1"/>
+            </a:effectRef>
+            <a:fontRef idx="minor">
+              <a:schemeClr val="tx1"/>
+            </a:fontRef>
+          </p:style>
+        </p:cxnSp>
+        <p:cxnSp>
+          <p:nvCxnSpPr>
+            <p:cNvPr id="70" name="直接箭头连接符 69">
+              <a:extLst>
+                <a:ext uri="{FF2B5EF4-FFF2-40B4-BE49-F238E27FC236}">
+                  <a16:creationId xmlns:a16="http://schemas.microsoft.com/office/drawing/2014/main" id="{D88D6A29-DF38-2660-C41B-ADEFC4648E2C}"/>
+                </a:ext>
+              </a:extLst>
+            </p:cNvPr>
+            <p:cNvCxnSpPr>
+              <a:stCxn id="65" idx="1"/>
+              <a:endCxn id="63" idx="3"/>
+            </p:cNvCxnSpPr>
+            <p:nvPr/>
+          </p:nvCxnSpPr>
+          <p:spPr>
+            <a:xfrm flipH="1">
+              <a:off x="4012294" y="3046317"/>
+              <a:ext cx="141337" cy="2205"/>
+            </a:xfrm>
+            <a:prstGeom prst="straightConnector1">
+              <a:avLst/>
+            </a:prstGeom>
+            <a:ln w="12700">
+              <a:solidFill>
+                <a:schemeClr val="tx1"/>
+              </a:solidFill>
+              <a:headEnd type="none" w="med" len="med"/>
+              <a:tailEnd type="triangle" w="med" len="med"/>
+            </a:ln>
+          </p:spPr>
+          <p:style>
+            <a:lnRef idx="1">
+              <a:schemeClr val="accent1"/>
+            </a:lnRef>
+            <a:fillRef idx="0">
+              <a:schemeClr val="accent1"/>
+            </a:fillRef>
+            <a:effectRef idx="0">
+              <a:schemeClr val="accent1"/>
+            </a:effectRef>
+            <a:fontRef idx="minor">
+              <a:schemeClr val="tx1"/>
+            </a:fontRef>
+          </p:style>
+        </p:cxnSp>
+      </p:grpSp>
+      <p:sp>
+        <p:nvSpPr>
+          <p:cNvPr id="71" name="流程图: 过程 70">
+            <a:extLst>
+              <a:ext uri="{FF2B5EF4-FFF2-40B4-BE49-F238E27FC236}">
+                <a16:creationId xmlns:a16="http://schemas.microsoft.com/office/drawing/2014/main" id="{2C1BFF41-5B03-27AF-596F-211D8E1269AF}"/>
+              </a:ext>
+            </a:extLst>
+          </p:cNvPr>
+          <p:cNvSpPr/>
+          <p:nvPr/>
+        </p:nvSpPr>
+        <p:spPr>
+          <a:xfrm>
+            <a:off x="5394982" y="1857062"/>
+            <a:ext cx="609600" cy="236002"/>
+          </a:xfrm>
+          <a:prstGeom prst="flowChartProcess">
+            <a:avLst/>
+          </a:prstGeom>
+          <a:solidFill>
+            <a:srgbClr val="F2F2F2"/>
+          </a:solidFill>
+          <a:ln>
+            <a:solidFill>
+              <a:schemeClr val="tx1"/>
+            </a:solidFill>
+          </a:ln>
+        </p:spPr>
+        <p:style>
+          <a:lnRef idx="2">
+            <a:schemeClr val="accent1">
+              <a:shade val="50000"/>
+            </a:schemeClr>
+          </a:lnRef>
+          <a:fillRef idx="1">
+            <a:schemeClr val="accent1"/>
+          </a:fillRef>
+          <a:effectRef idx="0">
+            <a:schemeClr val="accent1"/>
+          </a:effectRef>
+          <a:fontRef idx="minor">
+            <a:schemeClr val="lt1"/>
+          </a:fontRef>
+        </p:style>
+        <p:txBody>
+          <a:bodyPr rtlCol="0" anchor="ctr"/>
+          <a:lstStyle/>
+          <a:p>
+            <a:pPr algn="ctr"/>
+            <a:r>
+              <a:rPr lang="en-US" altLang="zh-CN" sz="800" dirty="0">
+                <a:solidFill>
+                  <a:schemeClr val="tx1"/>
+                </a:solidFill>
+                <a:latin typeface="微软雅黑" panose="020B0503020204020204" pitchFamily="34" charset="-122"/>
+                <a:ea typeface="微软雅黑" panose="020B0503020204020204" pitchFamily="34" charset="-122"/>
+              </a:rPr>
+              <a:t>8 0 1 … </a:t>
+            </a:r>
+            <a:endParaRPr lang="zh-CN" altLang="en-US" sz="800" dirty="0">
+              <a:solidFill>
+                <a:schemeClr val="tx1"/>
+              </a:solidFill>
+              <a:latin typeface="微软雅黑" panose="020B0503020204020204" pitchFamily="34" charset="-122"/>
+              <a:ea typeface="微软雅黑" panose="020B0503020204020204" pitchFamily="34" charset="-122"/>
+            </a:endParaRPr>
+          </a:p>
+        </p:txBody>
+      </p:sp>
+      <p:sp>
+        <p:nvSpPr>
+          <p:cNvPr id="72" name="流程图: 过程 71">
+            <a:extLst>
+              <a:ext uri="{FF2B5EF4-FFF2-40B4-BE49-F238E27FC236}">
+                <a16:creationId xmlns:a16="http://schemas.microsoft.com/office/drawing/2014/main" id="{EDF76C13-A7FF-C2A8-8953-7C0D67B42C07}"/>
+              </a:ext>
+            </a:extLst>
+          </p:cNvPr>
+          <p:cNvSpPr/>
+          <p:nvPr/>
+        </p:nvSpPr>
+        <p:spPr>
+          <a:xfrm>
+            <a:off x="5394982" y="2093064"/>
+            <a:ext cx="609600" cy="236002"/>
+          </a:xfrm>
+          <a:prstGeom prst="flowChartProcess">
+            <a:avLst/>
+          </a:prstGeom>
+          <a:solidFill>
+            <a:srgbClr val="F2F2F2"/>
+          </a:solidFill>
+          <a:ln>
+            <a:solidFill>
+              <a:schemeClr val="tx1"/>
+            </a:solidFill>
+          </a:ln>
+        </p:spPr>
+        <p:style>
+          <a:lnRef idx="2">
+            <a:schemeClr val="accent1">
+              <a:shade val="50000"/>
+            </a:schemeClr>
+          </a:lnRef>
+          <a:fillRef idx="1">
+            <a:schemeClr val="accent1"/>
+          </a:fillRef>
+          <a:effectRef idx="0">
+            <a:schemeClr val="accent1"/>
+          </a:effectRef>
+          <a:fontRef idx="minor">
+            <a:schemeClr val="lt1"/>
+          </a:fontRef>
+        </p:style>
+        <p:txBody>
+          <a:bodyPr rtlCol="0" anchor="ctr"/>
+          <a:lstStyle/>
+          <a:p>
+            <a:pPr algn="ctr"/>
+            <a:r>
+              <a:rPr lang="en-US" altLang="zh-CN" sz="800" dirty="0">
+                <a:solidFill>
+                  <a:schemeClr val="tx1"/>
+                </a:solidFill>
+                <a:latin typeface="微软雅黑" panose="020B0503020204020204" pitchFamily="34" charset="-122"/>
+                <a:ea typeface="微软雅黑" panose="020B0503020204020204" pitchFamily="34" charset="-122"/>
+              </a:rPr>
+              <a:t>2 3 1 … </a:t>
+            </a:r>
+            <a:endParaRPr lang="zh-CN" altLang="en-US" sz="800" dirty="0">
+              <a:solidFill>
+                <a:schemeClr val="tx1"/>
+              </a:solidFill>
+              <a:latin typeface="微软雅黑" panose="020B0503020204020204" pitchFamily="34" charset="-122"/>
+              <a:ea typeface="微软雅黑" panose="020B0503020204020204" pitchFamily="34" charset="-122"/>
+            </a:endParaRPr>
+          </a:p>
+        </p:txBody>
+      </p:sp>
+      <p:sp>
+        <p:nvSpPr>
+          <p:cNvPr id="73" name="流程图: 过程 72">
+            <a:extLst>
+              <a:ext uri="{FF2B5EF4-FFF2-40B4-BE49-F238E27FC236}">
+                <a16:creationId xmlns:a16="http://schemas.microsoft.com/office/drawing/2014/main" id="{87D70F61-A1F7-A09E-2646-561D4FB01147}"/>
+              </a:ext>
+            </a:extLst>
+          </p:cNvPr>
+          <p:cNvSpPr/>
+          <p:nvPr/>
+        </p:nvSpPr>
+        <p:spPr>
+          <a:xfrm>
+            <a:off x="5394982" y="2688376"/>
+            <a:ext cx="609600" cy="236002"/>
+          </a:xfrm>
+          <a:prstGeom prst="flowChartProcess">
+            <a:avLst/>
+          </a:prstGeom>
+          <a:solidFill>
+            <a:srgbClr val="F2F2F2"/>
+          </a:solidFill>
+          <a:ln>
+            <a:solidFill>
+              <a:schemeClr val="tx1"/>
+            </a:solidFill>
+          </a:ln>
+        </p:spPr>
+        <p:style>
+          <a:lnRef idx="2">
+            <a:schemeClr val="accent1">
+              <a:shade val="50000"/>
+            </a:schemeClr>
+          </a:lnRef>
+          <a:fillRef idx="1">
+            <a:schemeClr val="accent1"/>
+          </a:fillRef>
+          <a:effectRef idx="0">
+            <a:schemeClr val="accent1"/>
+          </a:effectRef>
+          <a:fontRef idx="minor">
+            <a:schemeClr val="lt1"/>
+          </a:fontRef>
+        </p:style>
+        <p:txBody>
+          <a:bodyPr rtlCol="0" anchor="ctr"/>
+          <a:lstStyle/>
+          <a:p>
+            <a:pPr algn="ctr"/>
+            <a:r>
+              <a:rPr lang="en-US" altLang="zh-CN" sz="800" dirty="0">
+                <a:solidFill>
+                  <a:schemeClr val="tx1"/>
+                </a:solidFill>
+                <a:latin typeface="微软雅黑" panose="020B0503020204020204" pitchFamily="34" charset="-122"/>
+                <a:ea typeface="微软雅黑" panose="020B0503020204020204" pitchFamily="34" charset="-122"/>
+              </a:rPr>
+              <a:t>8 3 1 … </a:t>
+            </a:r>
+            <a:endParaRPr lang="zh-CN" altLang="en-US" sz="800" dirty="0">
+              <a:solidFill>
+                <a:schemeClr val="tx1"/>
+              </a:solidFill>
+              <a:latin typeface="微软雅黑" panose="020B0503020204020204" pitchFamily="34" charset="-122"/>
+              <a:ea typeface="微软雅黑" panose="020B0503020204020204" pitchFamily="34" charset="-122"/>
+            </a:endParaRPr>
+          </a:p>
+        </p:txBody>
+      </p:sp>
+      <p:sp>
+        <p:nvSpPr>
+          <p:cNvPr id="74" name="TextBox 148">
+            <a:extLst>
+              <a:ext uri="{FF2B5EF4-FFF2-40B4-BE49-F238E27FC236}">
+                <a16:creationId xmlns:a16="http://schemas.microsoft.com/office/drawing/2014/main" id="{A97CEC69-8D0B-0F65-48C8-43137C813D8F}"/>
+              </a:ext>
+            </a:extLst>
+          </p:cNvPr>
+          <p:cNvSpPr txBox="1"/>
+          <p:nvPr/>
+        </p:nvSpPr>
+        <p:spPr>
+          <a:xfrm>
+            <a:off x="5496444" y="2319044"/>
+            <a:ext cx="406676" cy="369332"/>
+          </a:xfrm>
+          <a:prstGeom prst="rect">
+            <a:avLst/>
+          </a:prstGeom>
+          <a:noFill/>
+        </p:spPr>
+        <p:txBody>
+          <a:bodyPr wrap="square" rtlCol="0">
+            <a:spAutoFit/>
+          </a:bodyPr>
+          <a:lstStyle/>
+          <a:p>
+            <a:r>
+              <a:rPr lang="en-US" altLang="zh-CN" dirty="0">
+                <a:latin typeface="微软雅黑" panose="020B0503020204020204" pitchFamily="34" charset="-122"/>
+                <a:ea typeface="微软雅黑" panose="020B0503020204020204" pitchFamily="34" charset="-122"/>
+              </a:rPr>
+              <a:t>…</a:t>
+            </a:r>
+            <a:endParaRPr lang="zh-CN" altLang="en-US" dirty="0">
+              <a:latin typeface="微软雅黑" panose="020B0503020204020204" pitchFamily="34" charset="-122"/>
+              <a:ea typeface="微软雅黑" panose="020B0503020204020204" pitchFamily="34" charset="-122"/>
+            </a:endParaRPr>
+          </a:p>
+        </p:txBody>
+      </p:sp>
+      <p:sp>
+        <p:nvSpPr>
+          <p:cNvPr id="75" name="燕尾形 240">
+            <a:extLst>
+              <a:ext uri="{FF2B5EF4-FFF2-40B4-BE49-F238E27FC236}">
+                <a16:creationId xmlns:a16="http://schemas.microsoft.com/office/drawing/2014/main" id="{317BE286-3F27-2ECD-6CDE-ECBCFB77E8E3}"/>
+              </a:ext>
+            </a:extLst>
+          </p:cNvPr>
+          <p:cNvSpPr/>
+          <p:nvPr/>
+        </p:nvSpPr>
+        <p:spPr>
+          <a:xfrm>
+            <a:off x="5119047" y="2228050"/>
+            <a:ext cx="252000" cy="252000"/>
+          </a:xfrm>
+          <a:prstGeom prst="chevron">
+            <a:avLst/>
+          </a:prstGeom>
+          <a:solidFill>
+            <a:srgbClr val="FDF2EA"/>
+          </a:solidFill>
+          <a:ln>
+            <a:solidFill>
+              <a:schemeClr val="tx1"/>
+            </a:solidFill>
+          </a:ln>
+        </p:spPr>
+        <p:style>
+          <a:lnRef idx="2">
+            <a:schemeClr val="accent1">
+              <a:shade val="50000"/>
+            </a:schemeClr>
+          </a:lnRef>
+          <a:fillRef idx="1">
+            <a:schemeClr val="accent1"/>
+          </a:fillRef>
+          <a:effectRef idx="0">
+            <a:schemeClr val="accent1"/>
+          </a:effectRef>
+          <a:fontRef idx="minor">
+            <a:schemeClr val="lt1"/>
+          </a:fontRef>
+        </p:style>
+        <p:txBody>
+          <a:bodyPr rtlCol="0" anchor="ctr"/>
+          <a:lstStyle/>
+          <a:p>
+            <a:pPr algn="ctr"/>
+            <a:endParaRPr lang="zh-CN" altLang="en-US">
+              <a:solidFill>
+                <a:schemeClr val="tx1"/>
+              </a:solidFill>
+              <a:latin typeface="微软雅黑" panose="020B0503020204020204" pitchFamily="34" charset="-122"/>
+              <a:ea typeface="微软雅黑" panose="020B0503020204020204" pitchFamily="34" charset="-122"/>
+            </a:endParaRPr>
+          </a:p>
+        </p:txBody>
+      </p:sp>
+      <p:sp>
+        <p:nvSpPr>
+          <p:cNvPr id="80" name="TextBox 195">
+            <a:extLst>
+              <a:ext uri="{FF2B5EF4-FFF2-40B4-BE49-F238E27FC236}">
+                <a16:creationId xmlns:a16="http://schemas.microsoft.com/office/drawing/2014/main" id="{7B3A2014-F9EE-71DB-29B2-C2CE4FC2A99F}"/>
+              </a:ext>
+            </a:extLst>
+          </p:cNvPr>
+          <p:cNvSpPr txBox="1"/>
+          <p:nvPr/>
+        </p:nvSpPr>
+        <p:spPr>
+          <a:xfrm>
+            <a:off x="6707451" y="3121223"/>
+            <a:ext cx="2010629" cy="307777"/>
+          </a:xfrm>
+          <a:prstGeom prst="rect">
+            <a:avLst/>
+          </a:prstGeom>
+          <a:noFill/>
+        </p:spPr>
+        <p:txBody>
+          <a:bodyPr wrap="square" rtlCol="0">
+            <a:spAutoFit/>
+          </a:bodyPr>
+          <a:lstStyle/>
+          <a:p>
+            <a:pPr algn="ctr"/>
+            <a:r>
+              <a:rPr lang="zh-CN" altLang="en-US" sz="1400" dirty="0">
+                <a:latin typeface="微软雅黑" panose="020B0503020204020204" pitchFamily="34" charset="-122"/>
+                <a:ea typeface="微软雅黑" panose="020B0503020204020204" pitchFamily="34" charset="-122"/>
+                <a:cs typeface="Times New Roman" panose="02020603050405020304" pitchFamily="18" charset="0"/>
+              </a:rPr>
+              <a:t>表征模型</a:t>
+            </a:r>
+          </a:p>
+        </p:txBody>
+      </p:sp>
+    </p:spTree>
+    <p:extLst>
+      <p:ext uri="{BB962C8B-B14F-4D97-AF65-F5344CB8AC3E}">
+        <p14:creationId xmlns:p14="http://schemas.microsoft.com/office/powerpoint/2010/main" val="428533179"/>
+      </p:ext>
+    </p:extLst>
+  </p:cSld>
+  <p:clrMapOvr>
+    <a:masterClrMapping/>
+  </p:clrMapOvr>
+</p:sld>
+</file>
+
 <file path=ppt/theme/theme1.xml><?xml version="1.0" encoding="utf-8"?>
 <a:theme xmlns:a="http://schemas.openxmlformats.org/drawingml/2006/main" name="Office 主题​​">
   <a:themeElements>

--- a/graduate-thesis/figures/ppt.pptx
+++ b/graduate-thesis/figures/ppt.pptx
@@ -18,8 +18,8 @@
     <p:sldId id="263" r:id="rId9"/>
     <p:sldId id="264" r:id="rId10"/>
     <p:sldId id="265" r:id="rId11"/>
-    <p:sldId id="266" r:id="rId12"/>
-    <p:sldId id="267" r:id="rId13"/>
+    <p:sldId id="267" r:id="rId12"/>
+    <p:sldId id="266" r:id="rId13"/>
   </p:sldIdLst>
   <p:sldSz cx="12192000" cy="6858000"/>
   <p:notesSz cx="6858000" cy="9144000"/>
@@ -3660,7 +3660,7 @@
           <a:p>
             <a:fld id="{6AD21B29-4B2C-45D3-A635-AAD919103DBC}" type="datetimeFigureOut">
               <a:rPr lang="zh-CN" altLang="en-US" smtClean="0"/>
-              <a:t>2024/4/10</a:t>
+              <a:t>2024/4/11</a:t>
             </a:fld>
             <a:endParaRPr lang="zh-CN" altLang="en-US"/>
           </a:p>
@@ -4074,7 +4074,7 @@
           <a:p>
             <a:fld id="{45015B89-2F5E-4669-B7A0-C312F8064276}" type="datetimeFigureOut">
               <a:rPr lang="zh-CN" altLang="en-US" smtClean="0"/>
-              <a:t>2024/4/10</a:t>
+              <a:t>2024/4/11</a:t>
             </a:fld>
             <a:endParaRPr lang="zh-CN" altLang="en-US"/>
           </a:p>
@@ -4272,7 +4272,7 @@
           <a:p>
             <a:fld id="{45015B89-2F5E-4669-B7A0-C312F8064276}" type="datetimeFigureOut">
               <a:rPr lang="zh-CN" altLang="en-US" smtClean="0"/>
-              <a:t>2024/4/10</a:t>
+              <a:t>2024/4/11</a:t>
             </a:fld>
             <a:endParaRPr lang="zh-CN" altLang="en-US"/>
           </a:p>
@@ -4480,7 +4480,7 @@
           <a:p>
             <a:fld id="{45015B89-2F5E-4669-B7A0-C312F8064276}" type="datetimeFigureOut">
               <a:rPr lang="zh-CN" altLang="en-US" smtClean="0"/>
-              <a:t>2024/4/10</a:t>
+              <a:t>2024/4/11</a:t>
             </a:fld>
             <a:endParaRPr lang="zh-CN" altLang="en-US"/>
           </a:p>
@@ -4678,7 +4678,7 @@
           <a:p>
             <a:fld id="{45015B89-2F5E-4669-B7A0-C312F8064276}" type="datetimeFigureOut">
               <a:rPr lang="zh-CN" altLang="en-US" smtClean="0"/>
-              <a:t>2024/4/10</a:t>
+              <a:t>2024/4/11</a:t>
             </a:fld>
             <a:endParaRPr lang="zh-CN" altLang="en-US"/>
           </a:p>
@@ -4953,7 +4953,7 @@
           <a:p>
             <a:fld id="{45015B89-2F5E-4669-B7A0-C312F8064276}" type="datetimeFigureOut">
               <a:rPr lang="zh-CN" altLang="en-US" smtClean="0"/>
-              <a:t>2024/4/10</a:t>
+              <a:t>2024/4/11</a:t>
             </a:fld>
             <a:endParaRPr lang="zh-CN" altLang="en-US"/>
           </a:p>
@@ -5218,7 +5218,7 @@
           <a:p>
             <a:fld id="{45015B89-2F5E-4669-B7A0-C312F8064276}" type="datetimeFigureOut">
               <a:rPr lang="zh-CN" altLang="en-US" smtClean="0"/>
-              <a:t>2024/4/10</a:t>
+              <a:t>2024/4/11</a:t>
             </a:fld>
             <a:endParaRPr lang="zh-CN" altLang="en-US"/>
           </a:p>
@@ -5630,7 +5630,7 @@
           <a:p>
             <a:fld id="{45015B89-2F5E-4669-B7A0-C312F8064276}" type="datetimeFigureOut">
               <a:rPr lang="zh-CN" altLang="en-US" smtClean="0"/>
-              <a:t>2024/4/10</a:t>
+              <a:t>2024/4/11</a:t>
             </a:fld>
             <a:endParaRPr lang="zh-CN" altLang="en-US"/>
           </a:p>
@@ -5771,7 +5771,7 @@
           <a:p>
             <a:fld id="{45015B89-2F5E-4669-B7A0-C312F8064276}" type="datetimeFigureOut">
               <a:rPr lang="zh-CN" altLang="en-US" smtClean="0"/>
-              <a:t>2024/4/10</a:t>
+              <a:t>2024/4/11</a:t>
             </a:fld>
             <a:endParaRPr lang="zh-CN" altLang="en-US"/>
           </a:p>
@@ -5884,7 +5884,7 @@
           <a:p>
             <a:fld id="{45015B89-2F5E-4669-B7A0-C312F8064276}" type="datetimeFigureOut">
               <a:rPr lang="zh-CN" altLang="en-US" smtClean="0"/>
-              <a:t>2024/4/10</a:t>
+              <a:t>2024/4/11</a:t>
             </a:fld>
             <a:endParaRPr lang="zh-CN" altLang="en-US"/>
           </a:p>
@@ -6195,7 +6195,7 @@
           <a:p>
             <a:fld id="{45015B89-2F5E-4669-B7A0-C312F8064276}" type="datetimeFigureOut">
               <a:rPr lang="zh-CN" altLang="en-US" smtClean="0"/>
-              <a:t>2024/4/10</a:t>
+              <a:t>2024/4/11</a:t>
             </a:fld>
             <a:endParaRPr lang="zh-CN" altLang="en-US"/>
           </a:p>
@@ -6483,7 +6483,7 @@
           <a:p>
             <a:fld id="{45015B89-2F5E-4669-B7A0-C312F8064276}" type="datetimeFigureOut">
               <a:rPr lang="zh-CN" altLang="en-US" smtClean="0"/>
-              <a:t>2024/4/10</a:t>
+              <a:t>2024/4/11</a:t>
             </a:fld>
             <a:endParaRPr lang="zh-CN" altLang="en-US"/>
           </a:p>
@@ -6724,7 +6724,7 @@
           <a:p>
             <a:fld id="{45015B89-2F5E-4669-B7A0-C312F8064276}" type="datetimeFigureOut">
               <a:rPr lang="zh-CN" altLang="en-US" smtClean="0"/>
-              <a:t>2024/4/10</a:t>
+              <a:t>2024/4/11</a:t>
             </a:fld>
             <a:endParaRPr lang="zh-CN" altLang="en-US"/>
           </a:p>
@@ -14714,6 +14714,4127 @@
       </p:grpSpPr>
       <p:sp>
         <p:nvSpPr>
+          <p:cNvPr id="3" name="矩形: 圆角 2">
+            <a:extLst>
+              <a:ext uri="{FF2B5EF4-FFF2-40B4-BE49-F238E27FC236}">
+                <a16:creationId xmlns:a16="http://schemas.microsoft.com/office/drawing/2014/main" id="{138DF9FB-00DB-23B6-028D-4E42A488512A}"/>
+              </a:ext>
+            </a:extLst>
+          </p:cNvPr>
+          <p:cNvSpPr/>
+          <p:nvPr/>
+        </p:nvSpPr>
+        <p:spPr>
+          <a:xfrm>
+            <a:off x="1857828" y="2594792"/>
+            <a:ext cx="7337971" cy="1080000"/>
+          </a:xfrm>
+          <a:prstGeom prst="roundRect">
+            <a:avLst/>
+          </a:prstGeom>
+          <a:noFill/>
+          <a:ln w="19050">
+            <a:solidFill>
+              <a:schemeClr val="tx1"/>
+            </a:solidFill>
+            <a:prstDash val="dash"/>
+          </a:ln>
+        </p:spPr>
+        <p:style>
+          <a:lnRef idx="2">
+            <a:schemeClr val="accent1">
+              <a:shade val="15000"/>
+            </a:schemeClr>
+          </a:lnRef>
+          <a:fillRef idx="1">
+            <a:schemeClr val="accent1"/>
+          </a:fillRef>
+          <a:effectRef idx="0">
+            <a:schemeClr val="accent1"/>
+          </a:effectRef>
+          <a:fontRef idx="minor">
+            <a:schemeClr val="lt1"/>
+          </a:fontRef>
+        </p:style>
+        <p:txBody>
+          <a:bodyPr rtlCol="0" anchor="ctr"/>
+          <a:lstStyle/>
+          <a:p>
+            <a:pPr algn="ctr"/>
+            <a:endParaRPr lang="zh-CN" altLang="en-US" sz="2400">
+              <a:latin typeface="微软雅黑" panose="020B0503020204020204" pitchFamily="34" charset="-122"/>
+              <a:ea typeface="微软雅黑" panose="020B0503020204020204" pitchFamily="34" charset="-122"/>
+            </a:endParaRPr>
+          </a:p>
+        </p:txBody>
+      </p:sp>
+      <mc:AlternateContent xmlns:mc="http://schemas.openxmlformats.org/markup-compatibility/2006">
+        <mc:Choice xmlns:a14="http://schemas.microsoft.com/office/drawing/2010/main" Requires="a14">
+          <p:sp>
+            <p:nvSpPr>
+              <p:cNvPr id="6" name="椭圆 5">
+                <a:extLst>
+                  <a:ext uri="{FF2B5EF4-FFF2-40B4-BE49-F238E27FC236}">
+                    <a16:creationId xmlns:a16="http://schemas.microsoft.com/office/drawing/2014/main" id="{D925358F-61E0-9F71-B969-22810CE17693}"/>
+                  </a:ext>
+                </a:extLst>
+              </p:cNvPr>
+              <p:cNvSpPr/>
+              <p:nvPr/>
+            </p:nvSpPr>
+            <p:spPr>
+              <a:xfrm>
+                <a:off x="3293382" y="1614426"/>
+                <a:ext cx="540000" cy="540000"/>
+              </a:xfrm>
+              <a:prstGeom prst="ellipse">
+                <a:avLst/>
+              </a:prstGeom>
+              <a:solidFill>
+                <a:srgbClr val="FFF2CC"/>
+              </a:solidFill>
+              <a:ln>
+                <a:solidFill>
+                  <a:schemeClr val="tx1"/>
+                </a:solidFill>
+              </a:ln>
+            </p:spPr>
+            <p:style>
+              <a:lnRef idx="2">
+                <a:schemeClr val="accent1">
+                  <a:shade val="15000"/>
+                </a:schemeClr>
+              </a:lnRef>
+              <a:fillRef idx="1">
+                <a:schemeClr val="accent1"/>
+              </a:fillRef>
+              <a:effectRef idx="0">
+                <a:schemeClr val="accent1"/>
+              </a:effectRef>
+              <a:fontRef idx="minor">
+                <a:schemeClr val="lt1"/>
+              </a:fontRef>
+            </p:style>
+            <p:txBody>
+              <a:bodyPr rtlCol="0" anchor="ctr"/>
+              <a:lstStyle/>
+              <a:p>
+                <a:pPr algn="ctr"/>
+                <a14:m>
+                  <m:oMathPara xmlns:m="http://schemas.openxmlformats.org/officeDocument/2006/math">
+                    <m:oMathParaPr>
+                      <m:jc m:val="centerGroup"/>
+                    </m:oMathParaPr>
+                    <m:oMath xmlns:m="http://schemas.openxmlformats.org/officeDocument/2006/math">
+                      <m:r>
+                        <a:rPr lang="zh-CN" altLang="en-US" sz="2400" i="1" smtClean="0">
+                          <a:solidFill>
+                            <a:schemeClr val="tx1"/>
+                          </a:solidFill>
+                          <a:latin typeface="Cambria Math" panose="02040503050406030204" pitchFamily="18" charset="0"/>
+                        </a:rPr>
+                        <m:t>𝝈</m:t>
+                      </m:r>
+                    </m:oMath>
+                  </m:oMathPara>
+                </a14:m>
+                <a:endParaRPr lang="zh-CN" altLang="en-US" sz="2400" dirty="0">
+                  <a:solidFill>
+                    <a:schemeClr val="tx1"/>
+                  </a:solidFill>
+                  <a:latin typeface="微软雅黑" panose="020B0503020204020204" pitchFamily="34" charset="-122"/>
+                  <a:ea typeface="微软雅黑" panose="020B0503020204020204" pitchFamily="34" charset="-122"/>
+                </a:endParaRPr>
+              </a:p>
+            </p:txBody>
+          </p:sp>
+        </mc:Choice>
+        <mc:Fallback>
+          <p:sp>
+            <p:nvSpPr>
+              <p:cNvPr id="6" name="椭圆 5">
+                <a:extLst>
+                  <a:ext uri="{FF2B5EF4-FFF2-40B4-BE49-F238E27FC236}">
+                    <a16:creationId xmlns:a16="http://schemas.microsoft.com/office/drawing/2014/main" id="{D925358F-61E0-9F71-B969-22810CE17693}"/>
+                  </a:ext>
+                </a:extLst>
+              </p:cNvPr>
+              <p:cNvSpPr>
+                <a:spLocks noRot="1" noChangeAspect="1" noMove="1" noResize="1" noEditPoints="1" noAdjustHandles="1" noChangeArrowheads="1" noChangeShapeType="1" noTextEdit="1"/>
+              </p:cNvSpPr>
+              <p:nvPr/>
+            </p:nvSpPr>
+            <p:spPr>
+              <a:xfrm>
+                <a:off x="3293382" y="1614426"/>
+                <a:ext cx="540000" cy="540000"/>
+              </a:xfrm>
+              <a:prstGeom prst="ellipse">
+                <a:avLst/>
+              </a:prstGeom>
+              <a:blipFill>
+                <a:blip r:embed="rId2"/>
+                <a:stretch>
+                  <a:fillRect/>
+                </a:stretch>
+              </a:blipFill>
+              <a:ln>
+                <a:solidFill>
+                  <a:schemeClr val="tx1"/>
+                </a:solidFill>
+              </a:ln>
+            </p:spPr>
+            <p:txBody>
+              <a:bodyPr/>
+              <a:lstStyle/>
+              <a:p>
+                <a:r>
+                  <a:rPr lang="zh-CN" altLang="en-US">
+                    <a:noFill/>
+                  </a:rPr>
+                  <a:t> </a:t>
+                </a:r>
+              </a:p>
+            </p:txBody>
+          </p:sp>
+        </mc:Fallback>
+      </mc:AlternateContent>
+      <p:sp>
+        <p:nvSpPr>
+          <p:cNvPr id="7" name="矩形: 圆角 6">
+            <a:extLst>
+              <a:ext uri="{FF2B5EF4-FFF2-40B4-BE49-F238E27FC236}">
+                <a16:creationId xmlns:a16="http://schemas.microsoft.com/office/drawing/2014/main" id="{09D6D35A-8122-3805-320E-38358DB0EE66}"/>
+              </a:ext>
+            </a:extLst>
+          </p:cNvPr>
+          <p:cNvSpPr/>
+          <p:nvPr/>
+        </p:nvSpPr>
+        <p:spPr>
+          <a:xfrm>
+            <a:off x="2996199" y="2800964"/>
+            <a:ext cx="1134367" cy="667657"/>
+          </a:xfrm>
+          <a:prstGeom prst="roundRect">
+            <a:avLst/>
+          </a:prstGeom>
+          <a:solidFill>
+            <a:srgbClr val="C5E0B4"/>
+          </a:solidFill>
+          <a:ln>
+            <a:solidFill>
+              <a:schemeClr val="tx1"/>
+            </a:solidFill>
+          </a:ln>
+        </p:spPr>
+        <p:style>
+          <a:lnRef idx="2">
+            <a:schemeClr val="accent1">
+              <a:shade val="15000"/>
+            </a:schemeClr>
+          </a:lnRef>
+          <a:fillRef idx="1">
+            <a:schemeClr val="accent1"/>
+          </a:fillRef>
+          <a:effectRef idx="0">
+            <a:schemeClr val="accent1"/>
+          </a:effectRef>
+          <a:fontRef idx="minor">
+            <a:schemeClr val="lt1"/>
+          </a:fontRef>
+        </p:style>
+        <p:txBody>
+          <a:bodyPr rtlCol="0" anchor="ctr"/>
+          <a:lstStyle/>
+          <a:p>
+            <a:pPr algn="ctr"/>
+            <a:r>
+              <a:rPr lang="en-US" altLang="zh-CN" sz="2000" dirty="0">
+                <a:solidFill>
+                  <a:schemeClr val="tx1"/>
+                </a:solidFill>
+                <a:latin typeface="微软雅黑" panose="020B0503020204020204" pitchFamily="34" charset="-122"/>
+                <a:ea typeface="微软雅黑" panose="020B0503020204020204" pitchFamily="34" charset="-122"/>
+              </a:rPr>
+              <a:t>LSTM</a:t>
+            </a:r>
+            <a:endParaRPr lang="zh-CN" altLang="en-US" sz="2000" dirty="0">
+              <a:solidFill>
+                <a:schemeClr val="tx1"/>
+              </a:solidFill>
+              <a:latin typeface="微软雅黑" panose="020B0503020204020204" pitchFamily="34" charset="-122"/>
+              <a:ea typeface="微软雅黑" panose="020B0503020204020204" pitchFamily="34" charset="-122"/>
+            </a:endParaRPr>
+          </a:p>
+        </p:txBody>
+      </p:sp>
+      <mc:AlternateContent xmlns:mc="http://schemas.openxmlformats.org/markup-compatibility/2006">
+        <mc:Choice xmlns:a14="http://schemas.microsoft.com/office/drawing/2010/main" Requires="a14">
+          <p:sp>
+            <p:nvSpPr>
+              <p:cNvPr id="8" name="椭圆 7">
+                <a:extLst>
+                  <a:ext uri="{FF2B5EF4-FFF2-40B4-BE49-F238E27FC236}">
+                    <a16:creationId xmlns:a16="http://schemas.microsoft.com/office/drawing/2014/main" id="{DFE74FF9-DCDD-0400-7C6D-5BC72F38D899}"/>
+                  </a:ext>
+                </a:extLst>
+              </p:cNvPr>
+              <p:cNvSpPr/>
+              <p:nvPr/>
+            </p:nvSpPr>
+            <p:spPr>
+              <a:xfrm>
+                <a:off x="3129830" y="5449604"/>
+                <a:ext cx="867104" cy="867104"/>
+              </a:xfrm>
+              <a:prstGeom prst="ellipse">
+                <a:avLst/>
+              </a:prstGeom>
+              <a:solidFill>
+                <a:srgbClr val="C5E0B4"/>
+              </a:solidFill>
+              <a:ln>
+                <a:solidFill>
+                  <a:schemeClr val="tx1"/>
+                </a:solidFill>
+              </a:ln>
+            </p:spPr>
+            <p:style>
+              <a:lnRef idx="2">
+                <a:schemeClr val="accent1">
+                  <a:shade val="15000"/>
+                </a:schemeClr>
+              </a:lnRef>
+              <a:fillRef idx="1">
+                <a:schemeClr val="accent1"/>
+              </a:fillRef>
+              <a:effectRef idx="0">
+                <a:schemeClr val="accent1"/>
+              </a:effectRef>
+              <a:fontRef idx="minor">
+                <a:schemeClr val="lt1"/>
+              </a:fontRef>
+            </p:style>
+            <p:txBody>
+              <a:bodyPr rtlCol="0" anchor="ctr"/>
+              <a:lstStyle/>
+              <a:p>
+                <a:pPr algn="ctr"/>
+                <a14:m>
+                  <m:oMathPara xmlns:m="http://schemas.openxmlformats.org/officeDocument/2006/math">
+                    <m:oMathParaPr>
+                      <m:jc m:val="centerGroup"/>
+                    </m:oMathParaPr>
+                    <m:oMath xmlns:m="http://schemas.openxmlformats.org/officeDocument/2006/math">
+                      <m:sSub>
+                        <m:sSubPr>
+                          <m:ctrlPr>
+                            <a:rPr lang="en-US" altLang="zh-CN" sz="2400" i="1" smtClean="0">
+                              <a:solidFill>
+                                <a:schemeClr val="tx1"/>
+                              </a:solidFill>
+                              <a:latin typeface="Cambria Math" panose="02040503050406030204" pitchFamily="18" charset="0"/>
+                            </a:rPr>
+                          </m:ctrlPr>
+                        </m:sSubPr>
+                        <m:e>
+                          <m:r>
+                            <m:rPr>
+                              <m:sty m:val="p"/>
+                            </m:rPr>
+                            <a:rPr lang="en-US" altLang="zh-CN" sz="2400" i="1">
+                              <a:solidFill>
+                                <a:schemeClr val="tx1"/>
+                              </a:solidFill>
+                              <a:latin typeface="Cambria Math" panose="02040503050406030204" pitchFamily="18" charset="0"/>
+                            </a:rPr>
+                            <m:t>x</m:t>
+                          </m:r>
+                        </m:e>
+                        <m:sub>
+                          <m:r>
+                            <m:rPr>
+                              <m:sty m:val="p"/>
+                            </m:rPr>
+                            <a:rPr lang="en-US" altLang="zh-CN" sz="2400" i="1">
+                              <a:solidFill>
+                                <a:schemeClr val="tx1"/>
+                              </a:solidFill>
+                              <a:latin typeface="Cambria Math" panose="02040503050406030204" pitchFamily="18" charset="0"/>
+                            </a:rPr>
+                            <m:t>t</m:t>
+                          </m:r>
+                          <m:r>
+                            <a:rPr lang="en-US" altLang="zh-CN" sz="2400" b="0" i="1" smtClean="0">
+                              <a:solidFill>
+                                <a:schemeClr val="tx1"/>
+                              </a:solidFill>
+                              <a:latin typeface="Cambria Math" panose="02040503050406030204" pitchFamily="18" charset="0"/>
+                            </a:rPr>
+                            <m:t>−1</m:t>
+                          </m:r>
+                        </m:sub>
+                      </m:sSub>
+                    </m:oMath>
+                  </m:oMathPara>
+                </a14:m>
+                <a:endParaRPr lang="zh-CN" altLang="en-US" sz="2400" dirty="0">
+                  <a:solidFill>
+                    <a:schemeClr val="tx1"/>
+                  </a:solidFill>
+                  <a:latin typeface="微软雅黑" panose="020B0503020204020204" pitchFamily="34" charset="-122"/>
+                  <a:ea typeface="微软雅黑" panose="020B0503020204020204" pitchFamily="34" charset="-122"/>
+                </a:endParaRPr>
+              </a:p>
+            </p:txBody>
+          </p:sp>
+        </mc:Choice>
+        <mc:Fallback>
+          <p:sp>
+            <p:nvSpPr>
+              <p:cNvPr id="8" name="椭圆 7">
+                <a:extLst>
+                  <a:ext uri="{FF2B5EF4-FFF2-40B4-BE49-F238E27FC236}">
+                    <a16:creationId xmlns:a16="http://schemas.microsoft.com/office/drawing/2014/main" id="{DFE74FF9-DCDD-0400-7C6D-5BC72F38D899}"/>
+                  </a:ext>
+                </a:extLst>
+              </p:cNvPr>
+              <p:cNvSpPr>
+                <a:spLocks noRot="1" noChangeAspect="1" noMove="1" noResize="1" noEditPoints="1" noAdjustHandles="1" noChangeArrowheads="1" noChangeShapeType="1" noTextEdit="1"/>
+              </p:cNvSpPr>
+              <p:nvPr/>
+            </p:nvSpPr>
+            <p:spPr>
+              <a:xfrm>
+                <a:off x="3129830" y="5449604"/>
+                <a:ext cx="867104" cy="867104"/>
+              </a:xfrm>
+              <a:prstGeom prst="ellipse">
+                <a:avLst/>
+              </a:prstGeom>
+              <a:blipFill>
+                <a:blip r:embed="rId3"/>
+                <a:stretch>
+                  <a:fillRect/>
+                </a:stretch>
+              </a:blipFill>
+              <a:ln>
+                <a:solidFill>
+                  <a:schemeClr val="tx1"/>
+                </a:solidFill>
+              </a:ln>
+            </p:spPr>
+            <p:txBody>
+              <a:bodyPr/>
+              <a:lstStyle/>
+              <a:p>
+                <a:r>
+                  <a:rPr lang="zh-CN" altLang="en-US">
+                    <a:noFill/>
+                  </a:rPr>
+                  <a:t> </a:t>
+                </a:r>
+              </a:p>
+            </p:txBody>
+          </p:sp>
+        </mc:Fallback>
+      </mc:AlternateContent>
+      <p:sp>
+        <p:nvSpPr>
+          <p:cNvPr id="9" name="矩形: 圆角 8">
+            <a:extLst>
+              <a:ext uri="{FF2B5EF4-FFF2-40B4-BE49-F238E27FC236}">
+                <a16:creationId xmlns:a16="http://schemas.microsoft.com/office/drawing/2014/main" id="{9317ACD0-BA67-FA07-FA7C-C25BFCC2EA1B}"/>
+              </a:ext>
+            </a:extLst>
+          </p:cNvPr>
+          <p:cNvSpPr/>
+          <p:nvPr/>
+        </p:nvSpPr>
+        <p:spPr>
+          <a:xfrm>
+            <a:off x="1857826" y="4024448"/>
+            <a:ext cx="7337971" cy="1080000"/>
+          </a:xfrm>
+          <a:prstGeom prst="roundRect">
+            <a:avLst/>
+          </a:prstGeom>
+          <a:noFill/>
+          <a:ln w="19050">
+            <a:solidFill>
+              <a:schemeClr val="tx1"/>
+            </a:solidFill>
+            <a:prstDash val="dash"/>
+          </a:ln>
+        </p:spPr>
+        <p:style>
+          <a:lnRef idx="2">
+            <a:schemeClr val="accent1">
+              <a:shade val="15000"/>
+            </a:schemeClr>
+          </a:lnRef>
+          <a:fillRef idx="1">
+            <a:schemeClr val="accent1"/>
+          </a:fillRef>
+          <a:effectRef idx="0">
+            <a:schemeClr val="accent1"/>
+          </a:effectRef>
+          <a:fontRef idx="minor">
+            <a:schemeClr val="lt1"/>
+          </a:fontRef>
+        </p:style>
+        <p:txBody>
+          <a:bodyPr rtlCol="0" anchor="ctr"/>
+          <a:lstStyle/>
+          <a:p>
+            <a:pPr algn="ctr"/>
+            <a:endParaRPr lang="zh-CN" altLang="en-US" sz="2400">
+              <a:latin typeface="微软雅黑" panose="020B0503020204020204" pitchFamily="34" charset="-122"/>
+              <a:ea typeface="微软雅黑" panose="020B0503020204020204" pitchFamily="34" charset="-122"/>
+            </a:endParaRPr>
+          </a:p>
+        </p:txBody>
+      </p:sp>
+      <p:sp>
+        <p:nvSpPr>
+          <p:cNvPr id="10" name="矩形: 圆角 9">
+            <a:extLst>
+              <a:ext uri="{FF2B5EF4-FFF2-40B4-BE49-F238E27FC236}">
+                <a16:creationId xmlns:a16="http://schemas.microsoft.com/office/drawing/2014/main" id="{DD0334D8-42CE-8BFC-EA15-6B48287C835C}"/>
+              </a:ext>
+            </a:extLst>
+          </p:cNvPr>
+          <p:cNvSpPr/>
+          <p:nvPr/>
+        </p:nvSpPr>
+        <p:spPr>
+          <a:xfrm>
+            <a:off x="2996199" y="4230620"/>
+            <a:ext cx="1134367" cy="667657"/>
+          </a:xfrm>
+          <a:prstGeom prst="roundRect">
+            <a:avLst/>
+          </a:prstGeom>
+          <a:solidFill>
+            <a:srgbClr val="C5E0B4"/>
+          </a:solidFill>
+          <a:ln>
+            <a:solidFill>
+              <a:schemeClr val="tx1"/>
+            </a:solidFill>
+          </a:ln>
+        </p:spPr>
+        <p:style>
+          <a:lnRef idx="2">
+            <a:schemeClr val="accent1">
+              <a:shade val="15000"/>
+            </a:schemeClr>
+          </a:lnRef>
+          <a:fillRef idx="1">
+            <a:schemeClr val="accent1"/>
+          </a:fillRef>
+          <a:effectRef idx="0">
+            <a:schemeClr val="accent1"/>
+          </a:effectRef>
+          <a:fontRef idx="minor">
+            <a:schemeClr val="lt1"/>
+          </a:fontRef>
+        </p:style>
+        <p:txBody>
+          <a:bodyPr rtlCol="0" anchor="ctr"/>
+          <a:lstStyle/>
+          <a:p>
+            <a:pPr algn="ctr"/>
+            <a:r>
+              <a:rPr lang="en-US" altLang="zh-CN" sz="2000" dirty="0">
+                <a:solidFill>
+                  <a:schemeClr val="tx1"/>
+                </a:solidFill>
+                <a:latin typeface="微软雅黑" panose="020B0503020204020204" pitchFamily="34" charset="-122"/>
+                <a:ea typeface="微软雅黑" panose="020B0503020204020204" pitchFamily="34" charset="-122"/>
+              </a:rPr>
+              <a:t>LSTM</a:t>
+            </a:r>
+            <a:endParaRPr lang="zh-CN" altLang="en-US" sz="2000" dirty="0">
+              <a:solidFill>
+                <a:schemeClr val="tx1"/>
+              </a:solidFill>
+              <a:latin typeface="微软雅黑" panose="020B0503020204020204" pitchFamily="34" charset="-122"/>
+              <a:ea typeface="微软雅黑" panose="020B0503020204020204" pitchFamily="34" charset="-122"/>
+            </a:endParaRPr>
+          </a:p>
+        </p:txBody>
+      </p:sp>
+      <p:cxnSp>
+        <p:nvCxnSpPr>
+          <p:cNvPr id="12" name="直接箭头连接符 11">
+            <a:extLst>
+              <a:ext uri="{FF2B5EF4-FFF2-40B4-BE49-F238E27FC236}">
+                <a16:creationId xmlns:a16="http://schemas.microsoft.com/office/drawing/2014/main" id="{F51F321D-A4E9-E389-A2FE-091B630FC37B}"/>
+              </a:ext>
+            </a:extLst>
+          </p:cNvPr>
+          <p:cNvCxnSpPr>
+            <a:cxnSpLocks/>
+            <a:stCxn id="7" idx="0"/>
+            <a:endCxn id="6" idx="4"/>
+          </p:cNvCxnSpPr>
+          <p:nvPr/>
+        </p:nvCxnSpPr>
+        <p:spPr>
+          <a:xfrm flipH="1" flipV="1">
+            <a:off x="3563382" y="2154426"/>
+            <a:ext cx="1" cy="646538"/>
+          </a:xfrm>
+          <a:prstGeom prst="straightConnector1">
+            <a:avLst/>
+          </a:prstGeom>
+          <a:ln>
+            <a:solidFill>
+              <a:schemeClr val="tx1"/>
+            </a:solidFill>
+            <a:tailEnd type="triangle"/>
+          </a:ln>
+        </p:spPr>
+        <p:style>
+          <a:lnRef idx="1">
+            <a:schemeClr val="accent1"/>
+          </a:lnRef>
+          <a:fillRef idx="0">
+            <a:schemeClr val="accent1"/>
+          </a:fillRef>
+          <a:effectRef idx="0">
+            <a:schemeClr val="accent1"/>
+          </a:effectRef>
+          <a:fontRef idx="minor">
+            <a:schemeClr val="tx1"/>
+          </a:fontRef>
+        </p:style>
+      </p:cxnSp>
+      <p:cxnSp>
+        <p:nvCxnSpPr>
+          <p:cNvPr id="13" name="直接箭头连接符 12">
+            <a:extLst>
+              <a:ext uri="{FF2B5EF4-FFF2-40B4-BE49-F238E27FC236}">
+                <a16:creationId xmlns:a16="http://schemas.microsoft.com/office/drawing/2014/main" id="{1A525ED9-01F8-96EF-8946-4FB586B6E6FE}"/>
+              </a:ext>
+            </a:extLst>
+          </p:cNvPr>
+          <p:cNvCxnSpPr>
+            <a:cxnSpLocks/>
+          </p:cNvCxnSpPr>
+          <p:nvPr/>
+        </p:nvCxnSpPr>
+        <p:spPr>
+          <a:xfrm flipV="1">
+            <a:off x="3563382" y="4898276"/>
+            <a:ext cx="0" cy="540000"/>
+          </a:xfrm>
+          <a:prstGeom prst="straightConnector1">
+            <a:avLst/>
+          </a:prstGeom>
+          <a:ln>
+            <a:solidFill>
+              <a:schemeClr val="tx1"/>
+            </a:solidFill>
+            <a:tailEnd type="triangle"/>
+          </a:ln>
+        </p:spPr>
+        <p:style>
+          <a:lnRef idx="1">
+            <a:schemeClr val="accent1"/>
+          </a:lnRef>
+          <a:fillRef idx="0">
+            <a:schemeClr val="accent1"/>
+          </a:fillRef>
+          <a:effectRef idx="0">
+            <a:schemeClr val="accent1"/>
+          </a:effectRef>
+          <a:fontRef idx="minor">
+            <a:schemeClr val="tx1"/>
+          </a:fontRef>
+        </p:style>
+      </p:cxnSp>
+      <p:cxnSp>
+        <p:nvCxnSpPr>
+          <p:cNvPr id="14" name="直接箭头连接符 13">
+            <a:extLst>
+              <a:ext uri="{FF2B5EF4-FFF2-40B4-BE49-F238E27FC236}">
+                <a16:creationId xmlns:a16="http://schemas.microsoft.com/office/drawing/2014/main" id="{8FC15A50-5E54-7A45-47A9-AF9FB976B95F}"/>
+              </a:ext>
+            </a:extLst>
+          </p:cNvPr>
+          <p:cNvCxnSpPr>
+            <a:cxnSpLocks/>
+          </p:cNvCxnSpPr>
+          <p:nvPr/>
+        </p:nvCxnSpPr>
+        <p:spPr>
+          <a:xfrm rot="5400000" flipH="1" flipV="1">
+            <a:off x="2691649" y="2830243"/>
+            <a:ext cx="0" cy="609099"/>
+          </a:xfrm>
+          <a:prstGeom prst="straightConnector1">
+            <a:avLst/>
+          </a:prstGeom>
+          <a:ln>
+            <a:solidFill>
+              <a:schemeClr val="tx1"/>
+            </a:solidFill>
+            <a:tailEnd type="triangle"/>
+          </a:ln>
+        </p:spPr>
+        <p:style>
+          <a:lnRef idx="1">
+            <a:schemeClr val="accent1"/>
+          </a:lnRef>
+          <a:fillRef idx="0">
+            <a:schemeClr val="accent1"/>
+          </a:fillRef>
+          <a:effectRef idx="0">
+            <a:schemeClr val="accent1"/>
+          </a:effectRef>
+          <a:fontRef idx="minor">
+            <a:schemeClr val="tx1"/>
+          </a:fontRef>
+        </p:style>
+      </p:cxnSp>
+      <p:cxnSp>
+        <p:nvCxnSpPr>
+          <p:cNvPr id="15" name="直接箭头连接符 14">
+            <a:extLst>
+              <a:ext uri="{FF2B5EF4-FFF2-40B4-BE49-F238E27FC236}">
+                <a16:creationId xmlns:a16="http://schemas.microsoft.com/office/drawing/2014/main" id="{EE9BA35B-46F4-8371-AD17-1C3CF279D5E0}"/>
+              </a:ext>
+            </a:extLst>
+          </p:cNvPr>
+          <p:cNvCxnSpPr>
+            <a:cxnSpLocks/>
+          </p:cNvCxnSpPr>
+          <p:nvPr/>
+        </p:nvCxnSpPr>
+        <p:spPr>
+          <a:xfrm rot="16200000" flipV="1">
+            <a:off x="2691649" y="4259899"/>
+            <a:ext cx="0" cy="609099"/>
+          </a:xfrm>
+          <a:prstGeom prst="straightConnector1">
+            <a:avLst/>
+          </a:prstGeom>
+          <a:ln>
+            <a:solidFill>
+              <a:schemeClr val="tx1"/>
+            </a:solidFill>
+            <a:tailEnd type="triangle"/>
+          </a:ln>
+        </p:spPr>
+        <p:style>
+          <a:lnRef idx="1">
+            <a:schemeClr val="accent1"/>
+          </a:lnRef>
+          <a:fillRef idx="0">
+            <a:schemeClr val="accent1"/>
+          </a:fillRef>
+          <a:effectRef idx="0">
+            <a:schemeClr val="accent1"/>
+          </a:effectRef>
+          <a:fontRef idx="minor">
+            <a:schemeClr val="tx1"/>
+          </a:fontRef>
+        </p:style>
+      </p:cxnSp>
+      <p:sp>
+        <p:nvSpPr>
+          <p:cNvPr id="22" name="弧形 21">
+            <a:extLst>
+              <a:ext uri="{FF2B5EF4-FFF2-40B4-BE49-F238E27FC236}">
+                <a16:creationId xmlns:a16="http://schemas.microsoft.com/office/drawing/2014/main" id="{09039F1D-2221-B4B5-8766-916FEF33F980}"/>
+              </a:ext>
+            </a:extLst>
+          </p:cNvPr>
+          <p:cNvSpPr/>
+          <p:nvPr/>
+        </p:nvSpPr>
+        <p:spPr>
+          <a:xfrm rot="12039436">
+            <a:off x="2867628" y="2442688"/>
+            <a:ext cx="2636091" cy="3459181"/>
+          </a:xfrm>
+          <a:prstGeom prst="arc">
+            <a:avLst>
+              <a:gd name="adj1" fmla="val 16929240"/>
+              <a:gd name="adj2" fmla="val 584676"/>
+            </a:avLst>
+          </a:prstGeom>
+          <a:ln>
+            <a:solidFill>
+              <a:schemeClr val="tx1"/>
+            </a:solidFill>
+            <a:headEnd type="none" w="med" len="med"/>
+            <a:tailEnd type="triangle" w="med" len="med"/>
+          </a:ln>
+        </p:spPr>
+        <p:style>
+          <a:lnRef idx="1">
+            <a:schemeClr val="accent1"/>
+          </a:lnRef>
+          <a:fillRef idx="0">
+            <a:schemeClr val="accent1"/>
+          </a:fillRef>
+          <a:effectRef idx="0">
+            <a:schemeClr val="accent1"/>
+          </a:effectRef>
+          <a:fontRef idx="minor">
+            <a:schemeClr val="tx1"/>
+          </a:fontRef>
+        </p:style>
+        <p:txBody>
+          <a:bodyPr rtlCol="0" anchor="ctr"/>
+          <a:lstStyle/>
+          <a:p>
+            <a:pPr algn="ctr"/>
+            <a:endParaRPr lang="zh-CN" altLang="en-US" sz="2400"/>
+          </a:p>
+        </p:txBody>
+      </p:sp>
+      <p:sp>
+        <p:nvSpPr>
+          <p:cNvPr id="23" name="弧形 22">
+            <a:extLst>
+              <a:ext uri="{FF2B5EF4-FFF2-40B4-BE49-F238E27FC236}">
+                <a16:creationId xmlns:a16="http://schemas.microsoft.com/office/drawing/2014/main" id="{28407BBC-A87E-EAED-9D07-F3B896CC61E8}"/>
+              </a:ext>
+            </a:extLst>
+          </p:cNvPr>
+          <p:cNvSpPr/>
+          <p:nvPr/>
+        </p:nvSpPr>
+        <p:spPr>
+          <a:xfrm rot="9560564" flipH="1">
+            <a:off x="2039301" y="1572708"/>
+            <a:ext cx="2400339" cy="3114004"/>
+          </a:xfrm>
+          <a:prstGeom prst="arc">
+            <a:avLst>
+              <a:gd name="adj1" fmla="val 17185079"/>
+              <a:gd name="adj2" fmla="val 2543922"/>
+            </a:avLst>
+          </a:prstGeom>
+          <a:ln>
+            <a:solidFill>
+              <a:schemeClr val="tx1"/>
+            </a:solidFill>
+            <a:headEnd type="none" w="med" len="med"/>
+            <a:tailEnd type="triangle" w="med" len="med"/>
+          </a:ln>
+        </p:spPr>
+        <p:style>
+          <a:lnRef idx="1">
+            <a:schemeClr val="accent1"/>
+          </a:lnRef>
+          <a:fillRef idx="0">
+            <a:schemeClr val="accent1"/>
+          </a:fillRef>
+          <a:effectRef idx="0">
+            <a:schemeClr val="accent1"/>
+          </a:effectRef>
+          <a:fontRef idx="minor">
+            <a:schemeClr val="tx1"/>
+          </a:fontRef>
+        </p:style>
+        <p:txBody>
+          <a:bodyPr rtlCol="0" anchor="ctr"/>
+          <a:lstStyle/>
+          <a:p>
+            <a:pPr algn="ctr"/>
+            <a:endParaRPr lang="zh-CN" altLang="en-US" sz="2400"/>
+          </a:p>
+        </p:txBody>
+      </p:sp>
+      <mc:AlternateContent xmlns:mc="http://schemas.openxmlformats.org/markup-compatibility/2006">
+        <mc:Choice xmlns:a14="http://schemas.microsoft.com/office/drawing/2010/main" Requires="a14">
+          <p:sp>
+            <p:nvSpPr>
+              <p:cNvPr id="25" name="椭圆 24">
+                <a:extLst>
+                  <a:ext uri="{FF2B5EF4-FFF2-40B4-BE49-F238E27FC236}">
+                    <a16:creationId xmlns:a16="http://schemas.microsoft.com/office/drawing/2014/main" id="{3A6C1A29-C562-873B-6174-A57F854AF7D9}"/>
+                  </a:ext>
+                </a:extLst>
+              </p:cNvPr>
+              <p:cNvSpPr/>
+              <p:nvPr/>
+            </p:nvSpPr>
+            <p:spPr>
+              <a:xfrm>
+                <a:off x="5034083" y="1575439"/>
+                <a:ext cx="540000" cy="540000"/>
+              </a:xfrm>
+              <a:prstGeom prst="ellipse">
+                <a:avLst/>
+              </a:prstGeom>
+              <a:solidFill>
+                <a:srgbClr val="FFF2CC"/>
+              </a:solidFill>
+              <a:ln>
+                <a:solidFill>
+                  <a:schemeClr val="tx1"/>
+                </a:solidFill>
+              </a:ln>
+            </p:spPr>
+            <p:style>
+              <a:lnRef idx="2">
+                <a:schemeClr val="accent1">
+                  <a:shade val="15000"/>
+                </a:schemeClr>
+              </a:lnRef>
+              <a:fillRef idx="1">
+                <a:schemeClr val="accent1"/>
+              </a:fillRef>
+              <a:effectRef idx="0">
+                <a:schemeClr val="accent1"/>
+              </a:effectRef>
+              <a:fontRef idx="minor">
+                <a:schemeClr val="lt1"/>
+              </a:fontRef>
+            </p:style>
+            <p:txBody>
+              <a:bodyPr rtlCol="0" anchor="ctr"/>
+              <a:lstStyle/>
+              <a:p>
+                <a:pPr algn="ctr"/>
+                <a14:m>
+                  <m:oMathPara xmlns:m="http://schemas.openxmlformats.org/officeDocument/2006/math">
+                    <m:oMathParaPr>
+                      <m:jc m:val="centerGroup"/>
+                    </m:oMathParaPr>
+                    <m:oMath xmlns:m="http://schemas.openxmlformats.org/officeDocument/2006/math">
+                      <m:r>
+                        <a:rPr lang="zh-CN" altLang="en-US" sz="2400" i="1" smtClean="0">
+                          <a:solidFill>
+                            <a:schemeClr val="tx1"/>
+                          </a:solidFill>
+                          <a:latin typeface="Cambria Math" panose="02040503050406030204" pitchFamily="18" charset="0"/>
+                        </a:rPr>
+                        <m:t>𝝈</m:t>
+                      </m:r>
+                    </m:oMath>
+                  </m:oMathPara>
+                </a14:m>
+                <a:endParaRPr lang="zh-CN" altLang="en-US" sz="2400" dirty="0">
+                  <a:solidFill>
+                    <a:schemeClr val="tx1"/>
+                  </a:solidFill>
+                  <a:latin typeface="微软雅黑" panose="020B0503020204020204" pitchFamily="34" charset="-122"/>
+                  <a:ea typeface="微软雅黑" panose="020B0503020204020204" pitchFamily="34" charset="-122"/>
+                </a:endParaRPr>
+              </a:p>
+            </p:txBody>
+          </p:sp>
+        </mc:Choice>
+        <mc:Fallback>
+          <p:sp>
+            <p:nvSpPr>
+              <p:cNvPr id="25" name="椭圆 24">
+                <a:extLst>
+                  <a:ext uri="{FF2B5EF4-FFF2-40B4-BE49-F238E27FC236}">
+                    <a16:creationId xmlns:a16="http://schemas.microsoft.com/office/drawing/2014/main" id="{3A6C1A29-C562-873B-6174-A57F854AF7D9}"/>
+                  </a:ext>
+                </a:extLst>
+              </p:cNvPr>
+              <p:cNvSpPr>
+                <a:spLocks noRot="1" noChangeAspect="1" noMove="1" noResize="1" noEditPoints="1" noAdjustHandles="1" noChangeArrowheads="1" noChangeShapeType="1" noTextEdit="1"/>
+              </p:cNvSpPr>
+              <p:nvPr/>
+            </p:nvSpPr>
+            <p:spPr>
+              <a:xfrm>
+                <a:off x="5034083" y="1575439"/>
+                <a:ext cx="540000" cy="540000"/>
+              </a:xfrm>
+              <a:prstGeom prst="ellipse">
+                <a:avLst/>
+              </a:prstGeom>
+              <a:blipFill>
+                <a:blip r:embed="rId4"/>
+                <a:stretch>
+                  <a:fillRect/>
+                </a:stretch>
+              </a:blipFill>
+              <a:ln>
+                <a:solidFill>
+                  <a:schemeClr val="tx1"/>
+                </a:solidFill>
+              </a:ln>
+            </p:spPr>
+            <p:txBody>
+              <a:bodyPr/>
+              <a:lstStyle/>
+              <a:p>
+                <a:r>
+                  <a:rPr lang="zh-CN" altLang="en-US">
+                    <a:noFill/>
+                  </a:rPr>
+                  <a:t> </a:t>
+                </a:r>
+              </a:p>
+            </p:txBody>
+          </p:sp>
+        </mc:Fallback>
+      </mc:AlternateContent>
+      <p:sp>
+        <p:nvSpPr>
+          <p:cNvPr id="26" name="矩形: 圆角 25">
+            <a:extLst>
+              <a:ext uri="{FF2B5EF4-FFF2-40B4-BE49-F238E27FC236}">
+                <a16:creationId xmlns:a16="http://schemas.microsoft.com/office/drawing/2014/main" id="{39734C49-5D22-D373-5398-3889B036A2FF}"/>
+              </a:ext>
+            </a:extLst>
+          </p:cNvPr>
+          <p:cNvSpPr/>
+          <p:nvPr/>
+        </p:nvSpPr>
+        <p:spPr>
+          <a:xfrm>
+            <a:off x="4767659" y="2800964"/>
+            <a:ext cx="1134367" cy="667657"/>
+          </a:xfrm>
+          <a:prstGeom prst="roundRect">
+            <a:avLst/>
+          </a:prstGeom>
+          <a:solidFill>
+            <a:srgbClr val="E1D3FB"/>
+          </a:solidFill>
+          <a:ln>
+            <a:solidFill>
+              <a:schemeClr val="tx1"/>
+            </a:solidFill>
+          </a:ln>
+        </p:spPr>
+        <p:style>
+          <a:lnRef idx="2">
+            <a:schemeClr val="accent1">
+              <a:shade val="15000"/>
+            </a:schemeClr>
+          </a:lnRef>
+          <a:fillRef idx="1">
+            <a:schemeClr val="accent1"/>
+          </a:fillRef>
+          <a:effectRef idx="0">
+            <a:schemeClr val="accent1"/>
+          </a:effectRef>
+          <a:fontRef idx="minor">
+            <a:schemeClr val="lt1"/>
+          </a:fontRef>
+        </p:style>
+        <p:txBody>
+          <a:bodyPr rtlCol="0" anchor="ctr"/>
+          <a:lstStyle/>
+          <a:p>
+            <a:pPr algn="ctr"/>
+            <a:r>
+              <a:rPr lang="en-US" altLang="zh-CN" sz="2000" dirty="0">
+                <a:solidFill>
+                  <a:schemeClr val="tx1"/>
+                </a:solidFill>
+                <a:latin typeface="微软雅黑" panose="020B0503020204020204" pitchFamily="34" charset="-122"/>
+                <a:ea typeface="微软雅黑" panose="020B0503020204020204" pitchFamily="34" charset="-122"/>
+              </a:rPr>
+              <a:t>LSTM</a:t>
+            </a:r>
+            <a:endParaRPr lang="zh-CN" altLang="en-US" sz="2000" dirty="0">
+              <a:solidFill>
+                <a:schemeClr val="tx1"/>
+              </a:solidFill>
+              <a:latin typeface="微软雅黑" panose="020B0503020204020204" pitchFamily="34" charset="-122"/>
+              <a:ea typeface="微软雅黑" panose="020B0503020204020204" pitchFamily="34" charset="-122"/>
+            </a:endParaRPr>
+          </a:p>
+        </p:txBody>
+      </p:sp>
+      <mc:AlternateContent xmlns:mc="http://schemas.openxmlformats.org/markup-compatibility/2006">
+        <mc:Choice xmlns:a14="http://schemas.microsoft.com/office/drawing/2010/main" Requires="a14">
+          <p:sp>
+            <p:nvSpPr>
+              <p:cNvPr id="27" name="椭圆 26">
+                <a:extLst>
+                  <a:ext uri="{FF2B5EF4-FFF2-40B4-BE49-F238E27FC236}">
+                    <a16:creationId xmlns:a16="http://schemas.microsoft.com/office/drawing/2014/main" id="{28DC0B55-6466-13B7-1D09-C47B18FDD7CD}"/>
+                  </a:ext>
+                </a:extLst>
+              </p:cNvPr>
+              <p:cNvSpPr/>
+              <p:nvPr/>
+            </p:nvSpPr>
+            <p:spPr>
+              <a:xfrm>
+                <a:off x="4901290" y="5449604"/>
+                <a:ext cx="867104" cy="867104"/>
+              </a:xfrm>
+              <a:prstGeom prst="ellipse">
+                <a:avLst/>
+              </a:prstGeom>
+              <a:solidFill>
+                <a:srgbClr val="E1D3FB"/>
+              </a:solidFill>
+              <a:ln>
+                <a:solidFill>
+                  <a:schemeClr val="tx1"/>
+                </a:solidFill>
+              </a:ln>
+            </p:spPr>
+            <p:style>
+              <a:lnRef idx="2">
+                <a:schemeClr val="accent1">
+                  <a:shade val="15000"/>
+                </a:schemeClr>
+              </a:lnRef>
+              <a:fillRef idx="1">
+                <a:schemeClr val="accent1"/>
+              </a:fillRef>
+              <a:effectRef idx="0">
+                <a:schemeClr val="accent1"/>
+              </a:effectRef>
+              <a:fontRef idx="minor">
+                <a:schemeClr val="lt1"/>
+              </a:fontRef>
+            </p:style>
+            <p:txBody>
+              <a:bodyPr rtlCol="0" anchor="ctr"/>
+              <a:lstStyle/>
+              <a:p>
+                <a:pPr algn="ctr"/>
+                <a14:m>
+                  <m:oMathPara xmlns:m="http://schemas.openxmlformats.org/officeDocument/2006/math">
+                    <m:oMathParaPr>
+                      <m:jc m:val="centerGroup"/>
+                    </m:oMathParaPr>
+                    <m:oMath xmlns:m="http://schemas.openxmlformats.org/officeDocument/2006/math">
+                      <m:sSub>
+                        <m:sSubPr>
+                          <m:ctrlPr>
+                            <a:rPr lang="en-US" altLang="zh-CN" sz="2400" i="1" smtClean="0">
+                              <a:solidFill>
+                                <a:schemeClr val="tx1"/>
+                              </a:solidFill>
+                              <a:latin typeface="Cambria Math" panose="02040503050406030204" pitchFamily="18" charset="0"/>
+                            </a:rPr>
+                          </m:ctrlPr>
+                        </m:sSubPr>
+                        <m:e>
+                          <m:r>
+                            <m:rPr>
+                              <m:sty m:val="p"/>
+                            </m:rPr>
+                            <a:rPr lang="en-US" altLang="zh-CN" sz="2400" i="1">
+                              <a:solidFill>
+                                <a:schemeClr val="tx1"/>
+                              </a:solidFill>
+                              <a:latin typeface="Cambria Math" panose="02040503050406030204" pitchFamily="18" charset="0"/>
+                            </a:rPr>
+                            <m:t>x</m:t>
+                          </m:r>
+                        </m:e>
+                        <m:sub>
+                          <m:r>
+                            <m:rPr>
+                              <m:sty m:val="p"/>
+                            </m:rPr>
+                            <a:rPr lang="en-US" altLang="zh-CN" sz="2400" i="1">
+                              <a:solidFill>
+                                <a:schemeClr val="tx1"/>
+                              </a:solidFill>
+                              <a:latin typeface="Cambria Math" panose="02040503050406030204" pitchFamily="18" charset="0"/>
+                            </a:rPr>
+                            <m:t>t</m:t>
+                          </m:r>
+                        </m:sub>
+                      </m:sSub>
+                    </m:oMath>
+                  </m:oMathPara>
+                </a14:m>
+                <a:endParaRPr lang="zh-CN" altLang="en-US" sz="2400" dirty="0">
+                  <a:solidFill>
+                    <a:schemeClr val="tx1"/>
+                  </a:solidFill>
+                  <a:latin typeface="微软雅黑" panose="020B0503020204020204" pitchFamily="34" charset="-122"/>
+                  <a:ea typeface="微软雅黑" panose="020B0503020204020204" pitchFamily="34" charset="-122"/>
+                </a:endParaRPr>
+              </a:p>
+            </p:txBody>
+          </p:sp>
+        </mc:Choice>
+        <mc:Fallback>
+          <p:sp>
+            <p:nvSpPr>
+              <p:cNvPr id="27" name="椭圆 26">
+                <a:extLst>
+                  <a:ext uri="{FF2B5EF4-FFF2-40B4-BE49-F238E27FC236}">
+                    <a16:creationId xmlns:a16="http://schemas.microsoft.com/office/drawing/2014/main" id="{28DC0B55-6466-13B7-1D09-C47B18FDD7CD}"/>
+                  </a:ext>
+                </a:extLst>
+              </p:cNvPr>
+              <p:cNvSpPr>
+                <a:spLocks noRot="1" noChangeAspect="1" noMove="1" noResize="1" noEditPoints="1" noAdjustHandles="1" noChangeArrowheads="1" noChangeShapeType="1" noTextEdit="1"/>
+              </p:cNvSpPr>
+              <p:nvPr/>
+            </p:nvSpPr>
+            <p:spPr>
+              <a:xfrm>
+                <a:off x="4901290" y="5449604"/>
+                <a:ext cx="867104" cy="867104"/>
+              </a:xfrm>
+              <a:prstGeom prst="ellipse">
+                <a:avLst/>
+              </a:prstGeom>
+              <a:blipFill>
+                <a:blip r:embed="rId5"/>
+                <a:stretch>
+                  <a:fillRect/>
+                </a:stretch>
+              </a:blipFill>
+              <a:ln>
+                <a:solidFill>
+                  <a:schemeClr val="tx1"/>
+                </a:solidFill>
+              </a:ln>
+            </p:spPr>
+            <p:txBody>
+              <a:bodyPr/>
+              <a:lstStyle/>
+              <a:p>
+                <a:r>
+                  <a:rPr lang="zh-CN" altLang="en-US">
+                    <a:noFill/>
+                  </a:rPr>
+                  <a:t> </a:t>
+                </a:r>
+              </a:p>
+            </p:txBody>
+          </p:sp>
+        </mc:Fallback>
+      </mc:AlternateContent>
+      <p:sp>
+        <p:nvSpPr>
+          <p:cNvPr id="28" name="矩形: 圆角 27">
+            <a:extLst>
+              <a:ext uri="{FF2B5EF4-FFF2-40B4-BE49-F238E27FC236}">
+                <a16:creationId xmlns:a16="http://schemas.microsoft.com/office/drawing/2014/main" id="{2E600F68-6E2F-4875-3404-D32ADF3BAD8D}"/>
+              </a:ext>
+            </a:extLst>
+          </p:cNvPr>
+          <p:cNvSpPr/>
+          <p:nvPr/>
+        </p:nvSpPr>
+        <p:spPr>
+          <a:xfrm>
+            <a:off x="4767659" y="4230620"/>
+            <a:ext cx="1134367" cy="667657"/>
+          </a:xfrm>
+          <a:prstGeom prst="roundRect">
+            <a:avLst/>
+          </a:prstGeom>
+          <a:solidFill>
+            <a:srgbClr val="E1D3FB"/>
+          </a:solidFill>
+          <a:ln>
+            <a:solidFill>
+              <a:schemeClr val="tx1"/>
+            </a:solidFill>
+          </a:ln>
+        </p:spPr>
+        <p:style>
+          <a:lnRef idx="2">
+            <a:schemeClr val="accent1">
+              <a:shade val="15000"/>
+            </a:schemeClr>
+          </a:lnRef>
+          <a:fillRef idx="1">
+            <a:schemeClr val="accent1"/>
+          </a:fillRef>
+          <a:effectRef idx="0">
+            <a:schemeClr val="accent1"/>
+          </a:effectRef>
+          <a:fontRef idx="minor">
+            <a:schemeClr val="lt1"/>
+          </a:fontRef>
+        </p:style>
+        <p:txBody>
+          <a:bodyPr rtlCol="0" anchor="ctr"/>
+          <a:lstStyle/>
+          <a:p>
+            <a:pPr algn="ctr"/>
+            <a:r>
+              <a:rPr lang="en-US" altLang="zh-CN" sz="2000" dirty="0">
+                <a:solidFill>
+                  <a:schemeClr val="tx1"/>
+                </a:solidFill>
+                <a:latin typeface="微软雅黑" panose="020B0503020204020204" pitchFamily="34" charset="-122"/>
+                <a:ea typeface="微软雅黑" panose="020B0503020204020204" pitchFamily="34" charset="-122"/>
+              </a:rPr>
+              <a:t>LSTM</a:t>
+            </a:r>
+            <a:endParaRPr lang="zh-CN" altLang="en-US" sz="2000" dirty="0">
+              <a:solidFill>
+                <a:schemeClr val="tx1"/>
+              </a:solidFill>
+              <a:latin typeface="微软雅黑" panose="020B0503020204020204" pitchFamily="34" charset="-122"/>
+              <a:ea typeface="微软雅黑" panose="020B0503020204020204" pitchFamily="34" charset="-122"/>
+            </a:endParaRPr>
+          </a:p>
+        </p:txBody>
+      </p:sp>
+      <p:cxnSp>
+        <p:nvCxnSpPr>
+          <p:cNvPr id="29" name="直接箭头连接符 28">
+            <a:extLst>
+              <a:ext uri="{FF2B5EF4-FFF2-40B4-BE49-F238E27FC236}">
+                <a16:creationId xmlns:a16="http://schemas.microsoft.com/office/drawing/2014/main" id="{DFDE5423-C948-6971-8A59-1D034D9895BE}"/>
+              </a:ext>
+            </a:extLst>
+          </p:cNvPr>
+          <p:cNvCxnSpPr>
+            <a:cxnSpLocks/>
+            <a:stCxn id="26" idx="0"/>
+            <a:endCxn id="25" idx="4"/>
+          </p:cNvCxnSpPr>
+          <p:nvPr/>
+        </p:nvCxnSpPr>
+        <p:spPr>
+          <a:xfrm flipH="1" flipV="1">
+            <a:off x="5304083" y="2115439"/>
+            <a:ext cx="30760" cy="685525"/>
+          </a:xfrm>
+          <a:prstGeom prst="straightConnector1">
+            <a:avLst/>
+          </a:prstGeom>
+          <a:ln>
+            <a:solidFill>
+              <a:schemeClr val="tx1"/>
+            </a:solidFill>
+            <a:tailEnd type="triangle"/>
+          </a:ln>
+        </p:spPr>
+        <p:style>
+          <a:lnRef idx="1">
+            <a:schemeClr val="accent1"/>
+          </a:lnRef>
+          <a:fillRef idx="0">
+            <a:schemeClr val="accent1"/>
+          </a:fillRef>
+          <a:effectRef idx="0">
+            <a:schemeClr val="accent1"/>
+          </a:effectRef>
+          <a:fontRef idx="minor">
+            <a:schemeClr val="tx1"/>
+          </a:fontRef>
+        </p:style>
+      </p:cxnSp>
+      <p:cxnSp>
+        <p:nvCxnSpPr>
+          <p:cNvPr id="30" name="直接箭头连接符 29">
+            <a:extLst>
+              <a:ext uri="{FF2B5EF4-FFF2-40B4-BE49-F238E27FC236}">
+                <a16:creationId xmlns:a16="http://schemas.microsoft.com/office/drawing/2014/main" id="{133E58C9-2206-1D0D-7564-A6649F2B5B8D}"/>
+              </a:ext>
+            </a:extLst>
+          </p:cNvPr>
+          <p:cNvCxnSpPr/>
+          <p:nvPr/>
+        </p:nvCxnSpPr>
+        <p:spPr>
+          <a:xfrm flipV="1">
+            <a:off x="5334842" y="4898276"/>
+            <a:ext cx="0" cy="540000"/>
+          </a:xfrm>
+          <a:prstGeom prst="straightConnector1">
+            <a:avLst/>
+          </a:prstGeom>
+          <a:ln>
+            <a:solidFill>
+              <a:schemeClr val="tx1"/>
+            </a:solidFill>
+            <a:tailEnd type="triangle"/>
+          </a:ln>
+        </p:spPr>
+        <p:style>
+          <a:lnRef idx="1">
+            <a:schemeClr val="accent1"/>
+          </a:lnRef>
+          <a:fillRef idx="0">
+            <a:schemeClr val="accent1"/>
+          </a:fillRef>
+          <a:effectRef idx="0">
+            <a:schemeClr val="accent1"/>
+          </a:effectRef>
+          <a:fontRef idx="minor">
+            <a:schemeClr val="tx1"/>
+          </a:fontRef>
+        </p:style>
+      </p:cxnSp>
+      <p:cxnSp>
+        <p:nvCxnSpPr>
+          <p:cNvPr id="31" name="直接箭头连接符 30">
+            <a:extLst>
+              <a:ext uri="{FF2B5EF4-FFF2-40B4-BE49-F238E27FC236}">
+                <a16:creationId xmlns:a16="http://schemas.microsoft.com/office/drawing/2014/main" id="{21B1794C-6314-7276-1ACD-8830C2859384}"/>
+              </a:ext>
+            </a:extLst>
+          </p:cNvPr>
+          <p:cNvCxnSpPr>
+            <a:cxnSpLocks/>
+          </p:cNvCxnSpPr>
+          <p:nvPr/>
+        </p:nvCxnSpPr>
+        <p:spPr>
+          <a:xfrm rot="5400000" flipH="1" flipV="1">
+            <a:off x="4463109" y="2830243"/>
+            <a:ext cx="0" cy="609099"/>
+          </a:xfrm>
+          <a:prstGeom prst="straightConnector1">
+            <a:avLst/>
+          </a:prstGeom>
+          <a:ln>
+            <a:solidFill>
+              <a:schemeClr val="tx1"/>
+            </a:solidFill>
+            <a:tailEnd type="triangle"/>
+          </a:ln>
+        </p:spPr>
+        <p:style>
+          <a:lnRef idx="1">
+            <a:schemeClr val="accent1"/>
+          </a:lnRef>
+          <a:fillRef idx="0">
+            <a:schemeClr val="accent1"/>
+          </a:fillRef>
+          <a:effectRef idx="0">
+            <a:schemeClr val="accent1"/>
+          </a:effectRef>
+          <a:fontRef idx="minor">
+            <a:schemeClr val="tx1"/>
+          </a:fontRef>
+        </p:style>
+      </p:cxnSp>
+      <p:cxnSp>
+        <p:nvCxnSpPr>
+          <p:cNvPr id="32" name="直接箭头连接符 31">
+            <a:extLst>
+              <a:ext uri="{FF2B5EF4-FFF2-40B4-BE49-F238E27FC236}">
+                <a16:creationId xmlns:a16="http://schemas.microsoft.com/office/drawing/2014/main" id="{25B41966-66E9-E14D-DF3C-D40485C5D05F}"/>
+              </a:ext>
+            </a:extLst>
+          </p:cNvPr>
+          <p:cNvCxnSpPr>
+            <a:cxnSpLocks/>
+          </p:cNvCxnSpPr>
+          <p:nvPr/>
+        </p:nvCxnSpPr>
+        <p:spPr>
+          <a:xfrm rot="16200000" flipV="1">
+            <a:off x="4463109" y="4259899"/>
+            <a:ext cx="0" cy="609099"/>
+          </a:xfrm>
+          <a:prstGeom prst="straightConnector1">
+            <a:avLst/>
+          </a:prstGeom>
+          <a:ln>
+            <a:solidFill>
+              <a:schemeClr val="tx1"/>
+            </a:solidFill>
+            <a:tailEnd type="triangle"/>
+          </a:ln>
+        </p:spPr>
+        <p:style>
+          <a:lnRef idx="1">
+            <a:schemeClr val="accent1"/>
+          </a:lnRef>
+          <a:fillRef idx="0">
+            <a:schemeClr val="accent1"/>
+          </a:fillRef>
+          <a:effectRef idx="0">
+            <a:schemeClr val="accent1"/>
+          </a:effectRef>
+          <a:fontRef idx="minor">
+            <a:schemeClr val="tx1"/>
+          </a:fontRef>
+        </p:style>
+      </p:cxnSp>
+      <p:sp>
+        <p:nvSpPr>
+          <p:cNvPr id="33" name="弧形 32">
+            <a:extLst>
+              <a:ext uri="{FF2B5EF4-FFF2-40B4-BE49-F238E27FC236}">
+                <a16:creationId xmlns:a16="http://schemas.microsoft.com/office/drawing/2014/main" id="{7EAC7D8B-5131-329C-5D97-E01F130916DC}"/>
+              </a:ext>
+            </a:extLst>
+          </p:cNvPr>
+          <p:cNvSpPr/>
+          <p:nvPr/>
+        </p:nvSpPr>
+        <p:spPr>
+          <a:xfrm rot="12039436">
+            <a:off x="4639088" y="2442688"/>
+            <a:ext cx="2636091" cy="3459181"/>
+          </a:xfrm>
+          <a:prstGeom prst="arc">
+            <a:avLst>
+              <a:gd name="adj1" fmla="val 16929240"/>
+              <a:gd name="adj2" fmla="val 584676"/>
+            </a:avLst>
+          </a:prstGeom>
+          <a:ln>
+            <a:solidFill>
+              <a:schemeClr val="tx1"/>
+            </a:solidFill>
+            <a:headEnd type="none" w="med" len="med"/>
+            <a:tailEnd type="triangle" w="med" len="med"/>
+          </a:ln>
+        </p:spPr>
+        <p:style>
+          <a:lnRef idx="1">
+            <a:schemeClr val="accent1"/>
+          </a:lnRef>
+          <a:fillRef idx="0">
+            <a:schemeClr val="accent1"/>
+          </a:fillRef>
+          <a:effectRef idx="0">
+            <a:schemeClr val="accent1"/>
+          </a:effectRef>
+          <a:fontRef idx="minor">
+            <a:schemeClr val="tx1"/>
+          </a:fontRef>
+        </p:style>
+        <p:txBody>
+          <a:bodyPr rtlCol="0" anchor="ctr"/>
+          <a:lstStyle/>
+          <a:p>
+            <a:pPr algn="ctr"/>
+            <a:endParaRPr lang="zh-CN" altLang="en-US" sz="2400"/>
+          </a:p>
+        </p:txBody>
+      </p:sp>
+      <mc:AlternateContent xmlns:mc="http://schemas.openxmlformats.org/markup-compatibility/2006">
+        <mc:Choice xmlns:a14="http://schemas.microsoft.com/office/drawing/2010/main" Requires="a14">
+          <p:sp>
+            <p:nvSpPr>
+              <p:cNvPr id="35" name="椭圆 34">
+                <a:extLst>
+                  <a:ext uri="{FF2B5EF4-FFF2-40B4-BE49-F238E27FC236}">
+                    <a16:creationId xmlns:a16="http://schemas.microsoft.com/office/drawing/2014/main" id="{F22E3348-43CF-42F8-DB66-0FF1D56E8590}"/>
+                  </a:ext>
+                </a:extLst>
+              </p:cNvPr>
+              <p:cNvSpPr/>
+              <p:nvPr/>
+            </p:nvSpPr>
+            <p:spPr>
+              <a:xfrm>
+                <a:off x="6811201" y="1569628"/>
+                <a:ext cx="540000" cy="540000"/>
+              </a:xfrm>
+              <a:prstGeom prst="ellipse">
+                <a:avLst/>
+              </a:prstGeom>
+              <a:solidFill>
+                <a:srgbClr val="FFF2CC"/>
+              </a:solidFill>
+              <a:ln>
+                <a:solidFill>
+                  <a:schemeClr val="tx1"/>
+                </a:solidFill>
+              </a:ln>
+            </p:spPr>
+            <p:style>
+              <a:lnRef idx="2">
+                <a:schemeClr val="accent1">
+                  <a:shade val="15000"/>
+                </a:schemeClr>
+              </a:lnRef>
+              <a:fillRef idx="1">
+                <a:schemeClr val="accent1"/>
+              </a:fillRef>
+              <a:effectRef idx="0">
+                <a:schemeClr val="accent1"/>
+              </a:effectRef>
+              <a:fontRef idx="minor">
+                <a:schemeClr val="lt1"/>
+              </a:fontRef>
+            </p:style>
+            <p:txBody>
+              <a:bodyPr rtlCol="0" anchor="ctr"/>
+              <a:lstStyle/>
+              <a:p>
+                <a:pPr algn="ctr"/>
+                <a14:m>
+                  <m:oMathPara xmlns:m="http://schemas.openxmlformats.org/officeDocument/2006/math">
+                    <m:oMathParaPr>
+                      <m:jc m:val="centerGroup"/>
+                    </m:oMathParaPr>
+                    <m:oMath xmlns:m="http://schemas.openxmlformats.org/officeDocument/2006/math">
+                      <m:r>
+                        <a:rPr lang="zh-CN" altLang="en-US" sz="2400" i="1">
+                          <a:solidFill>
+                            <a:schemeClr val="tx1"/>
+                          </a:solidFill>
+                          <a:latin typeface="Cambria Math" panose="02040503050406030204" pitchFamily="18" charset="0"/>
+                        </a:rPr>
+                        <m:t>𝝈</m:t>
+                      </m:r>
+                    </m:oMath>
+                  </m:oMathPara>
+                </a14:m>
+                <a:endParaRPr lang="zh-CN" altLang="en-US" sz="2400" dirty="0">
+                  <a:solidFill>
+                    <a:schemeClr val="tx1"/>
+                  </a:solidFill>
+                  <a:latin typeface="微软雅黑" panose="020B0503020204020204" pitchFamily="34" charset="-122"/>
+                  <a:ea typeface="微软雅黑" panose="020B0503020204020204" pitchFamily="34" charset="-122"/>
+                </a:endParaRPr>
+              </a:p>
+            </p:txBody>
+          </p:sp>
+        </mc:Choice>
+        <mc:Fallback>
+          <p:sp>
+            <p:nvSpPr>
+              <p:cNvPr id="35" name="椭圆 34">
+                <a:extLst>
+                  <a:ext uri="{FF2B5EF4-FFF2-40B4-BE49-F238E27FC236}">
+                    <a16:creationId xmlns:a16="http://schemas.microsoft.com/office/drawing/2014/main" id="{F22E3348-43CF-42F8-DB66-0FF1D56E8590}"/>
+                  </a:ext>
+                </a:extLst>
+              </p:cNvPr>
+              <p:cNvSpPr>
+                <a:spLocks noRot="1" noChangeAspect="1" noMove="1" noResize="1" noEditPoints="1" noAdjustHandles="1" noChangeArrowheads="1" noChangeShapeType="1" noTextEdit="1"/>
+              </p:cNvSpPr>
+              <p:nvPr/>
+            </p:nvSpPr>
+            <p:spPr>
+              <a:xfrm>
+                <a:off x="6811201" y="1569628"/>
+                <a:ext cx="540000" cy="540000"/>
+              </a:xfrm>
+              <a:prstGeom prst="ellipse">
+                <a:avLst/>
+              </a:prstGeom>
+              <a:blipFill>
+                <a:blip r:embed="rId6"/>
+                <a:stretch>
+                  <a:fillRect/>
+                </a:stretch>
+              </a:blipFill>
+              <a:ln>
+                <a:solidFill>
+                  <a:schemeClr val="tx1"/>
+                </a:solidFill>
+              </a:ln>
+            </p:spPr>
+            <p:txBody>
+              <a:bodyPr/>
+              <a:lstStyle/>
+              <a:p>
+                <a:r>
+                  <a:rPr lang="zh-CN" altLang="en-US">
+                    <a:noFill/>
+                  </a:rPr>
+                  <a:t> </a:t>
+                </a:r>
+              </a:p>
+            </p:txBody>
+          </p:sp>
+        </mc:Fallback>
+      </mc:AlternateContent>
+      <p:sp>
+        <p:nvSpPr>
+          <p:cNvPr id="36" name="矩形: 圆角 35">
+            <a:extLst>
+              <a:ext uri="{FF2B5EF4-FFF2-40B4-BE49-F238E27FC236}">
+                <a16:creationId xmlns:a16="http://schemas.microsoft.com/office/drawing/2014/main" id="{542030DC-B325-DDEA-E639-75841678A506}"/>
+              </a:ext>
+            </a:extLst>
+          </p:cNvPr>
+          <p:cNvSpPr/>
+          <p:nvPr/>
+        </p:nvSpPr>
+        <p:spPr>
+          <a:xfrm>
+            <a:off x="6517109" y="2800964"/>
+            <a:ext cx="1134367" cy="667657"/>
+          </a:xfrm>
+          <a:prstGeom prst="roundRect">
+            <a:avLst/>
+          </a:prstGeom>
+          <a:solidFill>
+            <a:srgbClr val="D6DCE5"/>
+          </a:solidFill>
+          <a:ln>
+            <a:solidFill>
+              <a:schemeClr val="tx1"/>
+            </a:solidFill>
+          </a:ln>
+        </p:spPr>
+        <p:style>
+          <a:lnRef idx="2">
+            <a:schemeClr val="accent1">
+              <a:shade val="15000"/>
+            </a:schemeClr>
+          </a:lnRef>
+          <a:fillRef idx="1">
+            <a:schemeClr val="accent1"/>
+          </a:fillRef>
+          <a:effectRef idx="0">
+            <a:schemeClr val="accent1"/>
+          </a:effectRef>
+          <a:fontRef idx="minor">
+            <a:schemeClr val="lt1"/>
+          </a:fontRef>
+        </p:style>
+        <p:txBody>
+          <a:bodyPr rtlCol="0" anchor="ctr"/>
+          <a:lstStyle/>
+          <a:p>
+            <a:pPr algn="ctr"/>
+            <a:r>
+              <a:rPr lang="en-US" altLang="zh-CN" sz="2000" dirty="0">
+                <a:solidFill>
+                  <a:schemeClr val="tx1"/>
+                </a:solidFill>
+                <a:latin typeface="微软雅黑" panose="020B0503020204020204" pitchFamily="34" charset="-122"/>
+                <a:ea typeface="微软雅黑" panose="020B0503020204020204" pitchFamily="34" charset="-122"/>
+              </a:rPr>
+              <a:t>LSTM</a:t>
+            </a:r>
+            <a:endParaRPr lang="zh-CN" altLang="en-US" sz="2000" dirty="0">
+              <a:solidFill>
+                <a:schemeClr val="tx1"/>
+              </a:solidFill>
+              <a:latin typeface="微软雅黑" panose="020B0503020204020204" pitchFamily="34" charset="-122"/>
+              <a:ea typeface="微软雅黑" panose="020B0503020204020204" pitchFamily="34" charset="-122"/>
+            </a:endParaRPr>
+          </a:p>
+        </p:txBody>
+      </p:sp>
+      <mc:AlternateContent xmlns:mc="http://schemas.openxmlformats.org/markup-compatibility/2006">
+        <mc:Choice xmlns:a14="http://schemas.microsoft.com/office/drawing/2010/main" Requires="a14">
+          <p:sp>
+            <p:nvSpPr>
+              <p:cNvPr id="37" name="椭圆 36">
+                <a:extLst>
+                  <a:ext uri="{FF2B5EF4-FFF2-40B4-BE49-F238E27FC236}">
+                    <a16:creationId xmlns:a16="http://schemas.microsoft.com/office/drawing/2014/main" id="{3D9417E8-5BBB-0D06-4704-5A7A3CBB74FB}"/>
+                  </a:ext>
+                </a:extLst>
+              </p:cNvPr>
+              <p:cNvSpPr/>
+              <p:nvPr/>
+            </p:nvSpPr>
+            <p:spPr>
+              <a:xfrm>
+                <a:off x="6650740" y="5449604"/>
+                <a:ext cx="867104" cy="867104"/>
+              </a:xfrm>
+              <a:prstGeom prst="ellipse">
+                <a:avLst/>
+              </a:prstGeom>
+              <a:solidFill>
+                <a:srgbClr val="D6DCE5"/>
+              </a:solidFill>
+              <a:ln>
+                <a:solidFill>
+                  <a:schemeClr val="tx1"/>
+                </a:solidFill>
+              </a:ln>
+            </p:spPr>
+            <p:style>
+              <a:lnRef idx="2">
+                <a:schemeClr val="accent1">
+                  <a:shade val="15000"/>
+                </a:schemeClr>
+              </a:lnRef>
+              <a:fillRef idx="1">
+                <a:schemeClr val="accent1"/>
+              </a:fillRef>
+              <a:effectRef idx="0">
+                <a:schemeClr val="accent1"/>
+              </a:effectRef>
+              <a:fontRef idx="minor">
+                <a:schemeClr val="lt1"/>
+              </a:fontRef>
+            </p:style>
+            <p:txBody>
+              <a:bodyPr rtlCol="0" anchor="ctr"/>
+              <a:lstStyle/>
+              <a:p>
+                <a:pPr algn="ctr"/>
+                <a14:m>
+                  <m:oMathPara xmlns:m="http://schemas.openxmlformats.org/officeDocument/2006/math">
+                    <m:oMathParaPr>
+                      <m:jc m:val="centerGroup"/>
+                    </m:oMathParaPr>
+                    <m:oMath xmlns:m="http://schemas.openxmlformats.org/officeDocument/2006/math">
+                      <m:sSub>
+                        <m:sSubPr>
+                          <m:ctrlPr>
+                            <a:rPr lang="en-US" altLang="zh-CN" sz="2400" i="1" smtClean="0">
+                              <a:solidFill>
+                                <a:schemeClr val="tx1"/>
+                              </a:solidFill>
+                              <a:latin typeface="Cambria Math" panose="02040503050406030204" pitchFamily="18" charset="0"/>
+                            </a:rPr>
+                          </m:ctrlPr>
+                        </m:sSubPr>
+                        <m:e>
+                          <m:r>
+                            <m:rPr>
+                              <m:sty m:val="p"/>
+                            </m:rPr>
+                            <a:rPr lang="en-US" altLang="zh-CN" sz="2400" i="1">
+                              <a:solidFill>
+                                <a:schemeClr val="tx1"/>
+                              </a:solidFill>
+                              <a:latin typeface="Cambria Math" panose="02040503050406030204" pitchFamily="18" charset="0"/>
+                            </a:rPr>
+                            <m:t>x</m:t>
+                          </m:r>
+                        </m:e>
+                        <m:sub>
+                          <m:r>
+                            <m:rPr>
+                              <m:sty m:val="p"/>
+                            </m:rPr>
+                            <a:rPr lang="en-US" altLang="zh-CN" sz="2400" i="1">
+                              <a:solidFill>
+                                <a:schemeClr val="tx1"/>
+                              </a:solidFill>
+                              <a:latin typeface="Cambria Math" panose="02040503050406030204" pitchFamily="18" charset="0"/>
+                            </a:rPr>
+                            <m:t>t</m:t>
+                          </m:r>
+                          <m:r>
+                            <a:rPr lang="en-US" altLang="zh-CN" sz="2400" i="1" smtClean="0">
+                              <a:solidFill>
+                                <a:schemeClr val="tx1"/>
+                              </a:solidFill>
+                              <a:latin typeface="Cambria Math" panose="02040503050406030204" pitchFamily="18" charset="0"/>
+                            </a:rPr>
+                            <m:t>+</m:t>
+                          </m:r>
+                          <m:r>
+                            <a:rPr lang="en-US" altLang="zh-CN" sz="2400" b="0" i="1" smtClean="0">
+                              <a:solidFill>
+                                <a:schemeClr val="tx1"/>
+                              </a:solidFill>
+                              <a:latin typeface="Cambria Math" panose="02040503050406030204" pitchFamily="18" charset="0"/>
+                            </a:rPr>
+                            <m:t>1</m:t>
+                          </m:r>
+                        </m:sub>
+                      </m:sSub>
+                    </m:oMath>
+                  </m:oMathPara>
+                </a14:m>
+                <a:endParaRPr lang="zh-CN" altLang="en-US" sz="2400" dirty="0">
+                  <a:solidFill>
+                    <a:schemeClr val="tx1"/>
+                  </a:solidFill>
+                  <a:latin typeface="微软雅黑" panose="020B0503020204020204" pitchFamily="34" charset="-122"/>
+                  <a:ea typeface="微软雅黑" panose="020B0503020204020204" pitchFamily="34" charset="-122"/>
+                </a:endParaRPr>
+              </a:p>
+            </p:txBody>
+          </p:sp>
+        </mc:Choice>
+        <mc:Fallback>
+          <p:sp>
+            <p:nvSpPr>
+              <p:cNvPr id="37" name="椭圆 36">
+                <a:extLst>
+                  <a:ext uri="{FF2B5EF4-FFF2-40B4-BE49-F238E27FC236}">
+                    <a16:creationId xmlns:a16="http://schemas.microsoft.com/office/drawing/2014/main" id="{3D9417E8-5BBB-0D06-4704-5A7A3CBB74FB}"/>
+                  </a:ext>
+                </a:extLst>
+              </p:cNvPr>
+              <p:cNvSpPr>
+                <a:spLocks noRot="1" noChangeAspect="1" noMove="1" noResize="1" noEditPoints="1" noAdjustHandles="1" noChangeArrowheads="1" noChangeShapeType="1" noTextEdit="1"/>
+              </p:cNvSpPr>
+              <p:nvPr/>
+            </p:nvSpPr>
+            <p:spPr>
+              <a:xfrm>
+                <a:off x="6650740" y="5449604"/>
+                <a:ext cx="867104" cy="867104"/>
+              </a:xfrm>
+              <a:prstGeom prst="ellipse">
+                <a:avLst/>
+              </a:prstGeom>
+              <a:blipFill>
+                <a:blip r:embed="rId7"/>
+                <a:stretch>
+                  <a:fillRect/>
+                </a:stretch>
+              </a:blipFill>
+              <a:ln>
+                <a:solidFill>
+                  <a:schemeClr val="tx1"/>
+                </a:solidFill>
+              </a:ln>
+            </p:spPr>
+            <p:txBody>
+              <a:bodyPr/>
+              <a:lstStyle/>
+              <a:p>
+                <a:r>
+                  <a:rPr lang="zh-CN" altLang="en-US">
+                    <a:noFill/>
+                  </a:rPr>
+                  <a:t> </a:t>
+                </a:r>
+              </a:p>
+            </p:txBody>
+          </p:sp>
+        </mc:Fallback>
+      </mc:AlternateContent>
+      <p:sp>
+        <p:nvSpPr>
+          <p:cNvPr id="38" name="矩形: 圆角 37">
+            <a:extLst>
+              <a:ext uri="{FF2B5EF4-FFF2-40B4-BE49-F238E27FC236}">
+                <a16:creationId xmlns:a16="http://schemas.microsoft.com/office/drawing/2014/main" id="{104EC02B-528D-79BA-2656-F10AD65F82BE}"/>
+              </a:ext>
+            </a:extLst>
+          </p:cNvPr>
+          <p:cNvSpPr/>
+          <p:nvPr/>
+        </p:nvSpPr>
+        <p:spPr>
+          <a:xfrm>
+            <a:off x="6517109" y="4230620"/>
+            <a:ext cx="1134367" cy="667657"/>
+          </a:xfrm>
+          <a:prstGeom prst="roundRect">
+            <a:avLst/>
+          </a:prstGeom>
+          <a:solidFill>
+            <a:srgbClr val="D6DCE5"/>
+          </a:solidFill>
+          <a:ln>
+            <a:solidFill>
+              <a:schemeClr val="tx1"/>
+            </a:solidFill>
+          </a:ln>
+        </p:spPr>
+        <p:style>
+          <a:lnRef idx="2">
+            <a:schemeClr val="accent1">
+              <a:shade val="15000"/>
+            </a:schemeClr>
+          </a:lnRef>
+          <a:fillRef idx="1">
+            <a:schemeClr val="accent1"/>
+          </a:fillRef>
+          <a:effectRef idx="0">
+            <a:schemeClr val="accent1"/>
+          </a:effectRef>
+          <a:fontRef idx="minor">
+            <a:schemeClr val="lt1"/>
+          </a:fontRef>
+        </p:style>
+        <p:txBody>
+          <a:bodyPr rtlCol="0" anchor="ctr"/>
+          <a:lstStyle/>
+          <a:p>
+            <a:pPr algn="ctr"/>
+            <a:r>
+              <a:rPr lang="en-US" altLang="zh-CN" sz="2000" dirty="0">
+                <a:solidFill>
+                  <a:schemeClr val="tx1"/>
+                </a:solidFill>
+                <a:latin typeface="微软雅黑" panose="020B0503020204020204" pitchFamily="34" charset="-122"/>
+                <a:ea typeface="微软雅黑" panose="020B0503020204020204" pitchFamily="34" charset="-122"/>
+              </a:rPr>
+              <a:t>LSTM</a:t>
+            </a:r>
+            <a:endParaRPr lang="zh-CN" altLang="en-US" sz="2000" dirty="0">
+              <a:solidFill>
+                <a:schemeClr val="tx1"/>
+              </a:solidFill>
+              <a:latin typeface="微软雅黑" panose="020B0503020204020204" pitchFamily="34" charset="-122"/>
+              <a:ea typeface="微软雅黑" panose="020B0503020204020204" pitchFamily="34" charset="-122"/>
+            </a:endParaRPr>
+          </a:p>
+        </p:txBody>
+      </p:sp>
+      <p:cxnSp>
+        <p:nvCxnSpPr>
+          <p:cNvPr id="39" name="直接箭头连接符 38">
+            <a:extLst>
+              <a:ext uri="{FF2B5EF4-FFF2-40B4-BE49-F238E27FC236}">
+                <a16:creationId xmlns:a16="http://schemas.microsoft.com/office/drawing/2014/main" id="{CC31F742-850C-EDA1-B129-E9B2C746ABAF}"/>
+              </a:ext>
+            </a:extLst>
+          </p:cNvPr>
+          <p:cNvCxnSpPr>
+            <a:cxnSpLocks/>
+            <a:endCxn id="35" idx="4"/>
+          </p:cNvCxnSpPr>
+          <p:nvPr/>
+        </p:nvCxnSpPr>
+        <p:spPr>
+          <a:xfrm flipV="1">
+            <a:off x="7075543" y="2109628"/>
+            <a:ext cx="5658" cy="704990"/>
+          </a:xfrm>
+          <a:prstGeom prst="straightConnector1">
+            <a:avLst/>
+          </a:prstGeom>
+          <a:ln>
+            <a:solidFill>
+              <a:schemeClr val="tx1"/>
+            </a:solidFill>
+            <a:tailEnd type="triangle"/>
+          </a:ln>
+        </p:spPr>
+        <p:style>
+          <a:lnRef idx="1">
+            <a:schemeClr val="accent1"/>
+          </a:lnRef>
+          <a:fillRef idx="0">
+            <a:schemeClr val="accent1"/>
+          </a:fillRef>
+          <a:effectRef idx="0">
+            <a:schemeClr val="accent1"/>
+          </a:effectRef>
+          <a:fontRef idx="minor">
+            <a:schemeClr val="tx1"/>
+          </a:fontRef>
+        </p:style>
+      </p:cxnSp>
+      <p:cxnSp>
+        <p:nvCxnSpPr>
+          <p:cNvPr id="40" name="直接箭头连接符 39">
+            <a:extLst>
+              <a:ext uri="{FF2B5EF4-FFF2-40B4-BE49-F238E27FC236}">
+                <a16:creationId xmlns:a16="http://schemas.microsoft.com/office/drawing/2014/main" id="{C96486F4-D6D1-3F38-5BC7-94BA1C9069AA}"/>
+              </a:ext>
+            </a:extLst>
+          </p:cNvPr>
+          <p:cNvCxnSpPr/>
+          <p:nvPr/>
+        </p:nvCxnSpPr>
+        <p:spPr>
+          <a:xfrm flipV="1">
+            <a:off x="7084292" y="4898276"/>
+            <a:ext cx="0" cy="540000"/>
+          </a:xfrm>
+          <a:prstGeom prst="straightConnector1">
+            <a:avLst/>
+          </a:prstGeom>
+          <a:ln>
+            <a:solidFill>
+              <a:schemeClr val="tx1"/>
+            </a:solidFill>
+            <a:tailEnd type="triangle"/>
+          </a:ln>
+        </p:spPr>
+        <p:style>
+          <a:lnRef idx="1">
+            <a:schemeClr val="accent1"/>
+          </a:lnRef>
+          <a:fillRef idx="0">
+            <a:schemeClr val="accent1"/>
+          </a:fillRef>
+          <a:effectRef idx="0">
+            <a:schemeClr val="accent1"/>
+          </a:effectRef>
+          <a:fontRef idx="minor">
+            <a:schemeClr val="tx1"/>
+          </a:fontRef>
+        </p:style>
+      </p:cxnSp>
+      <p:cxnSp>
+        <p:nvCxnSpPr>
+          <p:cNvPr id="41" name="直接箭头连接符 40">
+            <a:extLst>
+              <a:ext uri="{FF2B5EF4-FFF2-40B4-BE49-F238E27FC236}">
+                <a16:creationId xmlns:a16="http://schemas.microsoft.com/office/drawing/2014/main" id="{813995AE-BE18-D609-32E6-8D9D6C2ADC53}"/>
+              </a:ext>
+            </a:extLst>
+          </p:cNvPr>
+          <p:cNvCxnSpPr>
+            <a:cxnSpLocks/>
+          </p:cNvCxnSpPr>
+          <p:nvPr/>
+        </p:nvCxnSpPr>
+        <p:spPr>
+          <a:xfrm rot="5400000" flipH="1" flipV="1">
+            <a:off x="6212559" y="2830243"/>
+            <a:ext cx="0" cy="609099"/>
+          </a:xfrm>
+          <a:prstGeom prst="straightConnector1">
+            <a:avLst/>
+          </a:prstGeom>
+          <a:ln>
+            <a:solidFill>
+              <a:schemeClr val="tx1"/>
+            </a:solidFill>
+            <a:tailEnd type="triangle"/>
+          </a:ln>
+        </p:spPr>
+        <p:style>
+          <a:lnRef idx="1">
+            <a:schemeClr val="accent1"/>
+          </a:lnRef>
+          <a:fillRef idx="0">
+            <a:schemeClr val="accent1"/>
+          </a:fillRef>
+          <a:effectRef idx="0">
+            <a:schemeClr val="accent1"/>
+          </a:effectRef>
+          <a:fontRef idx="minor">
+            <a:schemeClr val="tx1"/>
+          </a:fontRef>
+        </p:style>
+      </p:cxnSp>
+      <p:cxnSp>
+        <p:nvCxnSpPr>
+          <p:cNvPr id="42" name="直接箭头连接符 41">
+            <a:extLst>
+              <a:ext uri="{FF2B5EF4-FFF2-40B4-BE49-F238E27FC236}">
+                <a16:creationId xmlns:a16="http://schemas.microsoft.com/office/drawing/2014/main" id="{3CF0F198-1403-F6D1-A12F-4EDB4CDD09B5}"/>
+              </a:ext>
+            </a:extLst>
+          </p:cNvPr>
+          <p:cNvCxnSpPr>
+            <a:cxnSpLocks/>
+          </p:cNvCxnSpPr>
+          <p:nvPr/>
+        </p:nvCxnSpPr>
+        <p:spPr>
+          <a:xfrm rot="16200000" flipV="1">
+            <a:off x="6212559" y="4259899"/>
+            <a:ext cx="0" cy="609099"/>
+          </a:xfrm>
+          <a:prstGeom prst="straightConnector1">
+            <a:avLst/>
+          </a:prstGeom>
+          <a:ln>
+            <a:solidFill>
+              <a:schemeClr val="tx1"/>
+            </a:solidFill>
+            <a:tailEnd type="triangle"/>
+          </a:ln>
+        </p:spPr>
+        <p:style>
+          <a:lnRef idx="1">
+            <a:schemeClr val="accent1"/>
+          </a:lnRef>
+          <a:fillRef idx="0">
+            <a:schemeClr val="accent1"/>
+          </a:fillRef>
+          <a:effectRef idx="0">
+            <a:schemeClr val="accent1"/>
+          </a:effectRef>
+          <a:fontRef idx="minor">
+            <a:schemeClr val="tx1"/>
+          </a:fontRef>
+        </p:style>
+      </p:cxnSp>
+      <p:sp>
+        <p:nvSpPr>
+          <p:cNvPr id="43" name="弧形 42">
+            <a:extLst>
+              <a:ext uri="{FF2B5EF4-FFF2-40B4-BE49-F238E27FC236}">
+                <a16:creationId xmlns:a16="http://schemas.microsoft.com/office/drawing/2014/main" id="{C123D422-A322-4574-AB46-6F27C0BD0C7D}"/>
+              </a:ext>
+            </a:extLst>
+          </p:cNvPr>
+          <p:cNvSpPr/>
+          <p:nvPr/>
+        </p:nvSpPr>
+        <p:spPr>
+          <a:xfrm rot="12039436">
+            <a:off x="6388538" y="2442688"/>
+            <a:ext cx="2636091" cy="3459181"/>
+          </a:xfrm>
+          <a:prstGeom prst="arc">
+            <a:avLst>
+              <a:gd name="adj1" fmla="val 16929240"/>
+              <a:gd name="adj2" fmla="val 584676"/>
+            </a:avLst>
+          </a:prstGeom>
+          <a:ln>
+            <a:solidFill>
+              <a:schemeClr val="tx1"/>
+            </a:solidFill>
+            <a:headEnd type="none" w="med" len="med"/>
+            <a:tailEnd type="triangle" w="med" len="med"/>
+          </a:ln>
+        </p:spPr>
+        <p:style>
+          <a:lnRef idx="1">
+            <a:schemeClr val="accent1"/>
+          </a:lnRef>
+          <a:fillRef idx="0">
+            <a:schemeClr val="accent1"/>
+          </a:fillRef>
+          <a:effectRef idx="0">
+            <a:schemeClr val="accent1"/>
+          </a:effectRef>
+          <a:fontRef idx="minor">
+            <a:schemeClr val="tx1"/>
+          </a:fontRef>
+        </p:style>
+        <p:txBody>
+          <a:bodyPr rtlCol="0" anchor="ctr"/>
+          <a:lstStyle/>
+          <a:p>
+            <a:pPr algn="ctr"/>
+            <a:endParaRPr lang="zh-CN" altLang="en-US" sz="2400"/>
+          </a:p>
+        </p:txBody>
+      </p:sp>
+      <p:cxnSp>
+        <p:nvCxnSpPr>
+          <p:cNvPr id="45" name="直接箭头连接符 44">
+            <a:extLst>
+              <a:ext uri="{FF2B5EF4-FFF2-40B4-BE49-F238E27FC236}">
+                <a16:creationId xmlns:a16="http://schemas.microsoft.com/office/drawing/2014/main" id="{5C41E958-0478-1CD5-8DF4-489B7E6F4025}"/>
+              </a:ext>
+            </a:extLst>
+          </p:cNvPr>
+          <p:cNvCxnSpPr>
+            <a:cxnSpLocks/>
+          </p:cNvCxnSpPr>
+          <p:nvPr/>
+        </p:nvCxnSpPr>
+        <p:spPr>
+          <a:xfrm rot="5400000" flipH="1" flipV="1">
+            <a:off x="7962010" y="2830243"/>
+            <a:ext cx="0" cy="609099"/>
+          </a:xfrm>
+          <a:prstGeom prst="straightConnector1">
+            <a:avLst/>
+          </a:prstGeom>
+          <a:ln>
+            <a:solidFill>
+              <a:schemeClr val="tx1"/>
+            </a:solidFill>
+            <a:tailEnd type="triangle"/>
+          </a:ln>
+        </p:spPr>
+        <p:style>
+          <a:lnRef idx="1">
+            <a:schemeClr val="accent1"/>
+          </a:lnRef>
+          <a:fillRef idx="0">
+            <a:schemeClr val="accent1"/>
+          </a:fillRef>
+          <a:effectRef idx="0">
+            <a:schemeClr val="accent1"/>
+          </a:effectRef>
+          <a:fontRef idx="minor">
+            <a:schemeClr val="tx1"/>
+          </a:fontRef>
+        </p:style>
+      </p:cxnSp>
+      <p:cxnSp>
+        <p:nvCxnSpPr>
+          <p:cNvPr id="46" name="直接箭头连接符 45">
+            <a:extLst>
+              <a:ext uri="{FF2B5EF4-FFF2-40B4-BE49-F238E27FC236}">
+                <a16:creationId xmlns:a16="http://schemas.microsoft.com/office/drawing/2014/main" id="{D940F064-D84C-EB2E-41F6-022B50CFD783}"/>
+              </a:ext>
+            </a:extLst>
+          </p:cNvPr>
+          <p:cNvCxnSpPr>
+            <a:cxnSpLocks/>
+          </p:cNvCxnSpPr>
+          <p:nvPr/>
+        </p:nvCxnSpPr>
+        <p:spPr>
+          <a:xfrm rot="16200000" flipV="1">
+            <a:off x="7962010" y="4259899"/>
+            <a:ext cx="0" cy="609099"/>
+          </a:xfrm>
+          <a:prstGeom prst="straightConnector1">
+            <a:avLst/>
+          </a:prstGeom>
+          <a:ln>
+            <a:solidFill>
+              <a:schemeClr val="tx1"/>
+            </a:solidFill>
+            <a:tailEnd type="triangle"/>
+          </a:ln>
+        </p:spPr>
+        <p:style>
+          <a:lnRef idx="1">
+            <a:schemeClr val="accent1"/>
+          </a:lnRef>
+          <a:fillRef idx="0">
+            <a:schemeClr val="accent1"/>
+          </a:fillRef>
+          <a:effectRef idx="0">
+            <a:schemeClr val="accent1"/>
+          </a:effectRef>
+          <a:fontRef idx="minor">
+            <a:schemeClr val="tx1"/>
+          </a:fontRef>
+        </p:style>
+      </p:cxnSp>
+      <p:sp>
+        <p:nvSpPr>
+          <p:cNvPr id="47" name="文本框 46">
+            <a:extLst>
+              <a:ext uri="{FF2B5EF4-FFF2-40B4-BE49-F238E27FC236}">
+                <a16:creationId xmlns:a16="http://schemas.microsoft.com/office/drawing/2014/main" id="{B6AB1E0D-A9CA-878F-D092-6F735B5611D3}"/>
+              </a:ext>
+            </a:extLst>
+          </p:cNvPr>
+          <p:cNvSpPr txBox="1"/>
+          <p:nvPr/>
+        </p:nvSpPr>
+        <p:spPr>
+          <a:xfrm>
+            <a:off x="1570491" y="2950126"/>
+            <a:ext cx="1058601" cy="461665"/>
+          </a:xfrm>
+          <a:prstGeom prst="rect">
+            <a:avLst/>
+          </a:prstGeom>
+          <a:noFill/>
+        </p:spPr>
+        <p:txBody>
+          <a:bodyPr wrap="square" rtlCol="0">
+            <a:spAutoFit/>
+          </a:bodyPr>
+          <a:lstStyle/>
+          <a:p>
+            <a:pPr algn="ctr"/>
+            <a:r>
+              <a:rPr lang="en-US" altLang="zh-CN" sz="2400" b="1" dirty="0">
+                <a:latin typeface="微软雅黑" panose="020B0503020204020204" pitchFamily="34" charset="-122"/>
+                <a:ea typeface="微软雅黑" panose="020B0503020204020204" pitchFamily="34" charset="-122"/>
+              </a:rPr>
+              <a:t>…</a:t>
+            </a:r>
+            <a:endParaRPr lang="zh-CN" altLang="en-US" sz="2400" b="1" dirty="0">
+              <a:latin typeface="微软雅黑" panose="020B0503020204020204" pitchFamily="34" charset="-122"/>
+              <a:ea typeface="微软雅黑" panose="020B0503020204020204" pitchFamily="34" charset="-122"/>
+            </a:endParaRPr>
+          </a:p>
+        </p:txBody>
+      </p:sp>
+      <p:sp>
+        <p:nvSpPr>
+          <p:cNvPr id="48" name="文本框 47">
+            <a:extLst>
+              <a:ext uri="{FF2B5EF4-FFF2-40B4-BE49-F238E27FC236}">
+                <a16:creationId xmlns:a16="http://schemas.microsoft.com/office/drawing/2014/main" id="{6B4099E4-4268-1925-7C9A-96114ED1A04A}"/>
+              </a:ext>
+            </a:extLst>
+          </p:cNvPr>
+          <p:cNvSpPr txBox="1"/>
+          <p:nvPr/>
+        </p:nvSpPr>
+        <p:spPr>
+          <a:xfrm>
+            <a:off x="8219042" y="2950126"/>
+            <a:ext cx="1058601" cy="461665"/>
+          </a:xfrm>
+          <a:prstGeom prst="rect">
+            <a:avLst/>
+          </a:prstGeom>
+          <a:noFill/>
+        </p:spPr>
+        <p:txBody>
+          <a:bodyPr wrap="square" rtlCol="0">
+            <a:spAutoFit/>
+          </a:bodyPr>
+          <a:lstStyle/>
+          <a:p>
+            <a:pPr algn="ctr"/>
+            <a:r>
+              <a:rPr lang="en-US" altLang="zh-CN" sz="2400" b="1" dirty="0">
+                <a:latin typeface="微软雅黑" panose="020B0503020204020204" pitchFamily="34" charset="-122"/>
+                <a:ea typeface="微软雅黑" panose="020B0503020204020204" pitchFamily="34" charset="-122"/>
+              </a:rPr>
+              <a:t>…</a:t>
+            </a:r>
+            <a:endParaRPr lang="zh-CN" altLang="en-US" sz="2400" b="1" dirty="0">
+              <a:latin typeface="微软雅黑" panose="020B0503020204020204" pitchFamily="34" charset="-122"/>
+              <a:ea typeface="微软雅黑" panose="020B0503020204020204" pitchFamily="34" charset="-122"/>
+            </a:endParaRPr>
+          </a:p>
+        </p:txBody>
+      </p:sp>
+      <p:sp>
+        <p:nvSpPr>
+          <p:cNvPr id="49" name="文本框 48">
+            <a:extLst>
+              <a:ext uri="{FF2B5EF4-FFF2-40B4-BE49-F238E27FC236}">
+                <a16:creationId xmlns:a16="http://schemas.microsoft.com/office/drawing/2014/main" id="{B48A81E8-7BF5-AB30-AFEF-54F300BFCF45}"/>
+              </a:ext>
+            </a:extLst>
+          </p:cNvPr>
+          <p:cNvSpPr txBox="1"/>
+          <p:nvPr/>
+        </p:nvSpPr>
+        <p:spPr>
+          <a:xfrm>
+            <a:off x="1558991" y="4379782"/>
+            <a:ext cx="1058601" cy="461665"/>
+          </a:xfrm>
+          <a:prstGeom prst="rect">
+            <a:avLst/>
+          </a:prstGeom>
+          <a:noFill/>
+        </p:spPr>
+        <p:txBody>
+          <a:bodyPr wrap="square" rtlCol="0">
+            <a:spAutoFit/>
+          </a:bodyPr>
+          <a:lstStyle/>
+          <a:p>
+            <a:pPr algn="ctr"/>
+            <a:r>
+              <a:rPr lang="en-US" altLang="zh-CN" sz="2400" b="1" dirty="0">
+                <a:latin typeface="微软雅黑" panose="020B0503020204020204" pitchFamily="34" charset="-122"/>
+                <a:ea typeface="微软雅黑" panose="020B0503020204020204" pitchFamily="34" charset="-122"/>
+              </a:rPr>
+              <a:t>…</a:t>
+            </a:r>
+            <a:endParaRPr lang="zh-CN" altLang="en-US" sz="2400" b="1" dirty="0">
+              <a:latin typeface="微软雅黑" panose="020B0503020204020204" pitchFamily="34" charset="-122"/>
+              <a:ea typeface="微软雅黑" panose="020B0503020204020204" pitchFamily="34" charset="-122"/>
+            </a:endParaRPr>
+          </a:p>
+        </p:txBody>
+      </p:sp>
+      <p:sp>
+        <p:nvSpPr>
+          <p:cNvPr id="50" name="文本框 49">
+            <a:extLst>
+              <a:ext uri="{FF2B5EF4-FFF2-40B4-BE49-F238E27FC236}">
+                <a16:creationId xmlns:a16="http://schemas.microsoft.com/office/drawing/2014/main" id="{8792E422-0124-71BB-163A-843C879E095A}"/>
+              </a:ext>
+            </a:extLst>
+          </p:cNvPr>
+          <p:cNvSpPr txBox="1"/>
+          <p:nvPr/>
+        </p:nvSpPr>
+        <p:spPr>
+          <a:xfrm>
+            <a:off x="8207542" y="4379782"/>
+            <a:ext cx="1058601" cy="461665"/>
+          </a:xfrm>
+          <a:prstGeom prst="rect">
+            <a:avLst/>
+          </a:prstGeom>
+          <a:noFill/>
+        </p:spPr>
+        <p:txBody>
+          <a:bodyPr wrap="square" rtlCol="0">
+            <a:spAutoFit/>
+          </a:bodyPr>
+          <a:lstStyle/>
+          <a:p>
+            <a:pPr algn="ctr"/>
+            <a:r>
+              <a:rPr lang="en-US" altLang="zh-CN" sz="2400" b="1" dirty="0">
+                <a:latin typeface="微软雅黑" panose="020B0503020204020204" pitchFamily="34" charset="-122"/>
+                <a:ea typeface="微软雅黑" panose="020B0503020204020204" pitchFamily="34" charset="-122"/>
+              </a:rPr>
+              <a:t>…</a:t>
+            </a:r>
+            <a:endParaRPr lang="zh-CN" altLang="en-US" sz="2400" b="1" dirty="0">
+              <a:latin typeface="微软雅黑" panose="020B0503020204020204" pitchFamily="34" charset="-122"/>
+              <a:ea typeface="微软雅黑" panose="020B0503020204020204" pitchFamily="34" charset="-122"/>
+            </a:endParaRPr>
+          </a:p>
+        </p:txBody>
+      </p:sp>
+      <p:sp>
+        <p:nvSpPr>
+          <p:cNvPr id="51" name="文本框 50">
+            <a:extLst>
+              <a:ext uri="{FF2B5EF4-FFF2-40B4-BE49-F238E27FC236}">
+                <a16:creationId xmlns:a16="http://schemas.microsoft.com/office/drawing/2014/main" id="{CCF87643-5208-097B-2A87-94AD383A7E1D}"/>
+              </a:ext>
+            </a:extLst>
+          </p:cNvPr>
+          <p:cNvSpPr txBox="1"/>
+          <p:nvPr/>
+        </p:nvSpPr>
+        <p:spPr>
+          <a:xfrm>
+            <a:off x="9281341" y="4379782"/>
+            <a:ext cx="1436915" cy="400110"/>
+          </a:xfrm>
+          <a:prstGeom prst="rect">
+            <a:avLst/>
+          </a:prstGeom>
+          <a:noFill/>
+        </p:spPr>
+        <p:txBody>
+          <a:bodyPr wrap="square" rtlCol="0">
+            <a:spAutoFit/>
+          </a:bodyPr>
+          <a:lstStyle/>
+          <a:p>
+            <a:r>
+              <a:rPr lang="zh-CN" altLang="en-US" sz="2000" dirty="0">
+                <a:latin typeface="微软雅黑" panose="020B0503020204020204" pitchFamily="34" charset="-122"/>
+                <a:ea typeface="微软雅黑" panose="020B0503020204020204" pitchFamily="34" charset="-122"/>
+              </a:rPr>
+              <a:t>反向传播</a:t>
+            </a:r>
+          </a:p>
+        </p:txBody>
+      </p:sp>
+      <p:sp>
+        <p:nvSpPr>
+          <p:cNvPr id="52" name="文本框 51">
+            <a:extLst>
+              <a:ext uri="{FF2B5EF4-FFF2-40B4-BE49-F238E27FC236}">
+                <a16:creationId xmlns:a16="http://schemas.microsoft.com/office/drawing/2014/main" id="{190734B9-8C1F-BB74-489B-5C3786B49737}"/>
+              </a:ext>
+            </a:extLst>
+          </p:cNvPr>
+          <p:cNvSpPr txBox="1"/>
+          <p:nvPr/>
+        </p:nvSpPr>
+        <p:spPr>
+          <a:xfrm>
+            <a:off x="9281341" y="2950126"/>
+            <a:ext cx="1436915" cy="400110"/>
+          </a:xfrm>
+          <a:prstGeom prst="rect">
+            <a:avLst/>
+          </a:prstGeom>
+          <a:noFill/>
+        </p:spPr>
+        <p:txBody>
+          <a:bodyPr wrap="square" rtlCol="0">
+            <a:spAutoFit/>
+          </a:bodyPr>
+          <a:lstStyle/>
+          <a:p>
+            <a:r>
+              <a:rPr lang="zh-CN" altLang="en-US" sz="2000" dirty="0">
+                <a:latin typeface="微软雅黑" panose="020B0503020204020204" pitchFamily="34" charset="-122"/>
+                <a:ea typeface="微软雅黑" panose="020B0503020204020204" pitchFamily="34" charset="-122"/>
+              </a:rPr>
+              <a:t>正向传播</a:t>
+            </a:r>
+          </a:p>
+        </p:txBody>
+      </p:sp>
+      <mc:AlternateContent xmlns:mc="http://schemas.openxmlformats.org/markup-compatibility/2006">
+        <mc:Choice xmlns:a14="http://schemas.microsoft.com/office/drawing/2010/main" Requires="a14">
+          <p:sp>
+            <p:nvSpPr>
+              <p:cNvPr id="53" name="文本框 52">
+                <a:extLst>
+                  <a:ext uri="{FF2B5EF4-FFF2-40B4-BE49-F238E27FC236}">
+                    <a16:creationId xmlns:a16="http://schemas.microsoft.com/office/drawing/2014/main" id="{0A21A794-1E4B-56D7-0C2E-62190CB9C487}"/>
+                  </a:ext>
+                </a:extLst>
+              </p:cNvPr>
+              <p:cNvSpPr txBox="1"/>
+              <p:nvPr/>
+            </p:nvSpPr>
+            <p:spPr>
+              <a:xfrm>
+                <a:off x="2847872" y="2352325"/>
+                <a:ext cx="750195" cy="516360"/>
+              </a:xfrm>
+              <a:prstGeom prst="rect">
+                <a:avLst/>
+              </a:prstGeom>
+              <a:noFill/>
+            </p:spPr>
+            <p:txBody>
+              <a:bodyPr wrap="square" rtlCol="0">
+                <a:spAutoFit/>
+              </a:bodyPr>
+              <a:lstStyle/>
+              <a:p>
+                <a14:m>
+                  <m:oMathPara xmlns:m="http://schemas.openxmlformats.org/officeDocument/2006/math">
+                    <m:oMathParaPr>
+                      <m:jc m:val="centerGroup"/>
+                    </m:oMathParaPr>
+                    <m:oMath xmlns:m="http://schemas.openxmlformats.org/officeDocument/2006/math">
+                      <m:acc>
+                        <m:accPr>
+                          <m:chr m:val="⃗"/>
+                          <m:ctrlPr>
+                            <a:rPr lang="en-US" altLang="zh-CN" sz="2400" i="1" smtClean="0">
+                              <a:latin typeface="Cambria Math" panose="02040503050406030204" pitchFamily="18" charset="0"/>
+                            </a:rPr>
+                          </m:ctrlPr>
+                        </m:accPr>
+                        <m:e>
+                          <m:sSub>
+                            <m:sSubPr>
+                              <m:ctrlPr>
+                                <a:rPr lang="en-US" altLang="zh-CN" sz="2400" i="1">
+                                  <a:latin typeface="Cambria Math" panose="02040503050406030204" pitchFamily="18" charset="0"/>
+                                </a:rPr>
+                              </m:ctrlPr>
+                            </m:sSubPr>
+                            <m:e>
+                              <m:r>
+                                <m:rPr>
+                                  <m:sty m:val="p"/>
+                                </m:rPr>
+                                <a:rPr lang="en-US" altLang="zh-CN" sz="2400" i="1">
+                                  <a:latin typeface="Cambria Math" panose="02040503050406030204" pitchFamily="18" charset="0"/>
+                                </a:rPr>
+                                <m:t>h</m:t>
+                              </m:r>
+                            </m:e>
+                            <m:sub>
+                              <m:r>
+                                <m:rPr>
+                                  <m:sty m:val="p"/>
+                                </m:rPr>
+                                <a:rPr lang="en-US" altLang="zh-CN" sz="2400" i="1">
+                                  <a:latin typeface="Cambria Math" panose="02040503050406030204" pitchFamily="18" charset="0"/>
+                                </a:rPr>
+                                <m:t>t</m:t>
+                              </m:r>
+                              <m:r>
+                                <a:rPr lang="en-US" altLang="zh-CN" sz="2400" i="1">
+                                  <a:latin typeface="Cambria Math" panose="02040503050406030204" pitchFamily="18" charset="0"/>
+                                </a:rPr>
+                                <m:t>−1</m:t>
+                              </m:r>
+                            </m:sub>
+                          </m:sSub>
+                        </m:e>
+                      </m:acc>
+                    </m:oMath>
+                  </m:oMathPara>
+                </a14:m>
+                <a:endParaRPr lang="zh-CN" altLang="en-US" sz="2400" dirty="0"/>
+              </a:p>
+            </p:txBody>
+          </p:sp>
+        </mc:Choice>
+        <mc:Fallback>
+          <p:sp>
+            <p:nvSpPr>
+              <p:cNvPr id="53" name="文本框 52">
+                <a:extLst>
+                  <a:ext uri="{FF2B5EF4-FFF2-40B4-BE49-F238E27FC236}">
+                    <a16:creationId xmlns:a16="http://schemas.microsoft.com/office/drawing/2014/main" id="{0A21A794-1E4B-56D7-0C2E-62190CB9C487}"/>
+                  </a:ext>
+                </a:extLst>
+              </p:cNvPr>
+              <p:cNvSpPr txBox="1">
+                <a:spLocks noRot="1" noChangeAspect="1" noMove="1" noResize="1" noEditPoints="1" noAdjustHandles="1" noChangeArrowheads="1" noChangeShapeType="1" noTextEdit="1"/>
+              </p:cNvSpPr>
+              <p:nvPr/>
+            </p:nvSpPr>
+            <p:spPr>
+              <a:xfrm>
+                <a:off x="2847872" y="2352325"/>
+                <a:ext cx="750195" cy="516360"/>
+              </a:xfrm>
+              <a:prstGeom prst="rect">
+                <a:avLst/>
+              </a:prstGeom>
+              <a:blipFill>
+                <a:blip r:embed="rId8"/>
+                <a:stretch>
+                  <a:fillRect/>
+                </a:stretch>
+              </a:blipFill>
+            </p:spPr>
+            <p:txBody>
+              <a:bodyPr/>
+              <a:lstStyle/>
+              <a:p>
+                <a:r>
+                  <a:rPr lang="zh-CN" altLang="en-US">
+                    <a:noFill/>
+                  </a:rPr>
+                  <a:t> </a:t>
+                </a:r>
+              </a:p>
+            </p:txBody>
+          </p:sp>
+        </mc:Fallback>
+      </mc:AlternateContent>
+      <mc:AlternateContent xmlns:mc="http://schemas.openxmlformats.org/markup-compatibility/2006">
+        <mc:Choice xmlns:a14="http://schemas.microsoft.com/office/drawing/2010/main" Requires="a14">
+          <p:sp>
+            <p:nvSpPr>
+              <p:cNvPr id="54" name="文本框 53">
+                <a:extLst>
+                  <a:ext uri="{FF2B5EF4-FFF2-40B4-BE49-F238E27FC236}">
+                    <a16:creationId xmlns:a16="http://schemas.microsoft.com/office/drawing/2014/main" id="{5F7D9179-9C06-B72B-9D84-F16D9E984563}"/>
+                  </a:ext>
+                </a:extLst>
+              </p:cNvPr>
+              <p:cNvSpPr txBox="1"/>
+              <p:nvPr/>
+            </p:nvSpPr>
+            <p:spPr>
+              <a:xfrm>
+                <a:off x="3738570" y="3640607"/>
+                <a:ext cx="750195" cy="516360"/>
+              </a:xfrm>
+              <a:prstGeom prst="rect">
+                <a:avLst/>
+              </a:prstGeom>
+              <a:noFill/>
+            </p:spPr>
+            <p:txBody>
+              <a:bodyPr wrap="square" rtlCol="0">
+                <a:spAutoFit/>
+              </a:bodyPr>
+              <a:lstStyle/>
+              <a:p>
+                <a14:m>
+                  <m:oMathPara xmlns:m="http://schemas.openxmlformats.org/officeDocument/2006/math">
+                    <m:oMathParaPr>
+                      <m:jc m:val="centerGroup"/>
+                    </m:oMathParaPr>
+                    <m:oMath xmlns:m="http://schemas.openxmlformats.org/officeDocument/2006/math">
+                      <m:acc>
+                        <m:accPr>
+                          <m:chr m:val="⃖"/>
+                          <m:ctrlPr>
+                            <a:rPr lang="en-US" altLang="zh-CN" sz="2400" i="1" smtClean="0">
+                              <a:latin typeface="Cambria Math" panose="02040503050406030204" pitchFamily="18" charset="0"/>
+                            </a:rPr>
+                          </m:ctrlPr>
+                        </m:accPr>
+                        <m:e>
+                          <m:sSub>
+                            <m:sSubPr>
+                              <m:ctrlPr>
+                                <a:rPr lang="en-US" altLang="zh-CN" sz="2400" i="1">
+                                  <a:latin typeface="Cambria Math" panose="02040503050406030204" pitchFamily="18" charset="0"/>
+                                </a:rPr>
+                              </m:ctrlPr>
+                            </m:sSubPr>
+                            <m:e>
+                              <m:r>
+                                <m:rPr>
+                                  <m:sty m:val="p"/>
+                                </m:rPr>
+                                <a:rPr lang="en-US" altLang="zh-CN" sz="2400" i="1">
+                                  <a:latin typeface="Cambria Math" panose="02040503050406030204" pitchFamily="18" charset="0"/>
+                                </a:rPr>
+                                <m:t>h</m:t>
+                              </m:r>
+                            </m:e>
+                            <m:sub>
+                              <m:r>
+                                <m:rPr>
+                                  <m:sty m:val="p"/>
+                                </m:rPr>
+                                <a:rPr lang="en-US" altLang="zh-CN" sz="2400" i="1">
+                                  <a:latin typeface="Cambria Math" panose="02040503050406030204" pitchFamily="18" charset="0"/>
+                                </a:rPr>
+                                <m:t>t</m:t>
+                              </m:r>
+                              <m:r>
+                                <a:rPr lang="en-US" altLang="zh-CN" sz="2400" i="1">
+                                  <a:latin typeface="Cambria Math" panose="02040503050406030204" pitchFamily="18" charset="0"/>
+                                </a:rPr>
+                                <m:t>−1</m:t>
+                              </m:r>
+                            </m:sub>
+                          </m:sSub>
+                        </m:e>
+                      </m:acc>
+                    </m:oMath>
+                  </m:oMathPara>
+                </a14:m>
+                <a:endParaRPr lang="zh-CN" altLang="en-US" sz="2400" dirty="0"/>
+              </a:p>
+            </p:txBody>
+          </p:sp>
+        </mc:Choice>
+        <mc:Fallback>
+          <p:sp>
+            <p:nvSpPr>
+              <p:cNvPr id="54" name="文本框 53">
+                <a:extLst>
+                  <a:ext uri="{FF2B5EF4-FFF2-40B4-BE49-F238E27FC236}">
+                    <a16:creationId xmlns:a16="http://schemas.microsoft.com/office/drawing/2014/main" id="{5F7D9179-9C06-B72B-9D84-F16D9E984563}"/>
+                  </a:ext>
+                </a:extLst>
+              </p:cNvPr>
+              <p:cNvSpPr txBox="1">
+                <a:spLocks noRot="1" noChangeAspect="1" noMove="1" noResize="1" noEditPoints="1" noAdjustHandles="1" noChangeArrowheads="1" noChangeShapeType="1" noTextEdit="1"/>
+              </p:cNvSpPr>
+              <p:nvPr/>
+            </p:nvSpPr>
+            <p:spPr>
+              <a:xfrm>
+                <a:off x="3738570" y="3640607"/>
+                <a:ext cx="750195" cy="516360"/>
+              </a:xfrm>
+              <a:prstGeom prst="rect">
+                <a:avLst/>
+              </a:prstGeom>
+              <a:blipFill>
+                <a:blip r:embed="rId9"/>
+                <a:stretch>
+                  <a:fillRect/>
+                </a:stretch>
+              </a:blipFill>
+            </p:spPr>
+            <p:txBody>
+              <a:bodyPr/>
+              <a:lstStyle/>
+              <a:p>
+                <a:r>
+                  <a:rPr lang="zh-CN" altLang="en-US">
+                    <a:noFill/>
+                  </a:rPr>
+                  <a:t> </a:t>
+                </a:r>
+              </a:p>
+            </p:txBody>
+          </p:sp>
+        </mc:Fallback>
+      </mc:AlternateContent>
+      <mc:AlternateContent xmlns:mc="http://schemas.openxmlformats.org/markup-compatibility/2006">
+        <mc:Choice xmlns:a14="http://schemas.microsoft.com/office/drawing/2010/main" Requires="a14">
+          <p:sp>
+            <p:nvSpPr>
+              <p:cNvPr id="55" name="文本框 54">
+                <a:extLst>
+                  <a:ext uri="{FF2B5EF4-FFF2-40B4-BE49-F238E27FC236}">
+                    <a16:creationId xmlns:a16="http://schemas.microsoft.com/office/drawing/2014/main" id="{69BD42F3-4EEC-98F8-214E-9362BF72E205}"/>
+                  </a:ext>
+                </a:extLst>
+              </p:cNvPr>
+              <p:cNvSpPr txBox="1"/>
+              <p:nvPr/>
+            </p:nvSpPr>
+            <p:spPr>
+              <a:xfrm>
+                <a:off x="5606345" y="3632919"/>
+                <a:ext cx="750195" cy="516360"/>
+              </a:xfrm>
+              <a:prstGeom prst="rect">
+                <a:avLst/>
+              </a:prstGeom>
+              <a:noFill/>
+            </p:spPr>
+            <p:txBody>
+              <a:bodyPr wrap="square" rtlCol="0">
+                <a:spAutoFit/>
+              </a:bodyPr>
+              <a:lstStyle/>
+              <a:p>
+                <a14:m>
+                  <m:oMathPara xmlns:m="http://schemas.openxmlformats.org/officeDocument/2006/math">
+                    <m:oMathParaPr>
+                      <m:jc m:val="centerGroup"/>
+                    </m:oMathParaPr>
+                    <m:oMath xmlns:m="http://schemas.openxmlformats.org/officeDocument/2006/math">
+                      <m:acc>
+                        <m:accPr>
+                          <m:chr m:val="⃖"/>
+                          <m:ctrlPr>
+                            <a:rPr lang="en-US" altLang="zh-CN" sz="2400" i="1" smtClean="0">
+                              <a:latin typeface="Cambria Math" panose="02040503050406030204" pitchFamily="18" charset="0"/>
+                            </a:rPr>
+                          </m:ctrlPr>
+                        </m:accPr>
+                        <m:e>
+                          <m:sSub>
+                            <m:sSubPr>
+                              <m:ctrlPr>
+                                <a:rPr lang="en-US" altLang="zh-CN" sz="2400" i="1">
+                                  <a:latin typeface="Cambria Math" panose="02040503050406030204" pitchFamily="18" charset="0"/>
+                                </a:rPr>
+                              </m:ctrlPr>
+                            </m:sSubPr>
+                            <m:e>
+                              <m:r>
+                                <m:rPr>
+                                  <m:sty m:val="p"/>
+                                </m:rPr>
+                                <a:rPr lang="en-US" altLang="zh-CN" sz="2400" i="1">
+                                  <a:latin typeface="Cambria Math" panose="02040503050406030204" pitchFamily="18" charset="0"/>
+                                </a:rPr>
+                                <m:t>h</m:t>
+                              </m:r>
+                            </m:e>
+                            <m:sub>
+                              <m:r>
+                                <m:rPr>
+                                  <m:sty m:val="p"/>
+                                </m:rPr>
+                                <a:rPr lang="en-US" altLang="zh-CN" sz="2400" i="1">
+                                  <a:latin typeface="Cambria Math" panose="02040503050406030204" pitchFamily="18" charset="0"/>
+                                </a:rPr>
+                                <m:t>t</m:t>
+                              </m:r>
+                            </m:sub>
+                          </m:sSub>
+                        </m:e>
+                      </m:acc>
+                    </m:oMath>
+                  </m:oMathPara>
+                </a14:m>
+                <a:endParaRPr lang="zh-CN" altLang="en-US" sz="2400" dirty="0"/>
+              </a:p>
+            </p:txBody>
+          </p:sp>
+        </mc:Choice>
+        <mc:Fallback>
+          <p:sp>
+            <p:nvSpPr>
+              <p:cNvPr id="55" name="文本框 54">
+                <a:extLst>
+                  <a:ext uri="{FF2B5EF4-FFF2-40B4-BE49-F238E27FC236}">
+                    <a16:creationId xmlns:a16="http://schemas.microsoft.com/office/drawing/2014/main" id="{69BD42F3-4EEC-98F8-214E-9362BF72E205}"/>
+                  </a:ext>
+                </a:extLst>
+              </p:cNvPr>
+              <p:cNvSpPr txBox="1">
+                <a:spLocks noRot="1" noChangeAspect="1" noMove="1" noResize="1" noEditPoints="1" noAdjustHandles="1" noChangeArrowheads="1" noChangeShapeType="1" noTextEdit="1"/>
+              </p:cNvSpPr>
+              <p:nvPr/>
+            </p:nvSpPr>
+            <p:spPr>
+              <a:xfrm>
+                <a:off x="5606345" y="3632919"/>
+                <a:ext cx="750195" cy="516360"/>
+              </a:xfrm>
+              <a:prstGeom prst="rect">
+                <a:avLst/>
+              </a:prstGeom>
+              <a:blipFill>
+                <a:blip r:embed="rId10"/>
+                <a:stretch>
+                  <a:fillRect/>
+                </a:stretch>
+              </a:blipFill>
+            </p:spPr>
+            <p:txBody>
+              <a:bodyPr/>
+              <a:lstStyle/>
+              <a:p>
+                <a:r>
+                  <a:rPr lang="zh-CN" altLang="en-US">
+                    <a:noFill/>
+                  </a:rPr>
+                  <a:t> </a:t>
+                </a:r>
+              </a:p>
+            </p:txBody>
+          </p:sp>
+        </mc:Fallback>
+      </mc:AlternateContent>
+      <mc:AlternateContent xmlns:mc="http://schemas.openxmlformats.org/markup-compatibility/2006">
+        <mc:Choice xmlns:a14="http://schemas.microsoft.com/office/drawing/2010/main" Requires="a14">
+          <p:sp>
+            <p:nvSpPr>
+              <p:cNvPr id="56" name="文本框 55">
+                <a:extLst>
+                  <a:ext uri="{FF2B5EF4-FFF2-40B4-BE49-F238E27FC236}">
+                    <a16:creationId xmlns:a16="http://schemas.microsoft.com/office/drawing/2014/main" id="{36E5B4ED-849C-DD59-84FD-8E0284B61DBB}"/>
+                  </a:ext>
+                </a:extLst>
+              </p:cNvPr>
+              <p:cNvSpPr txBox="1"/>
+              <p:nvPr/>
+            </p:nvSpPr>
+            <p:spPr>
+              <a:xfrm>
+                <a:off x="7185761" y="3632919"/>
+                <a:ext cx="750195" cy="516360"/>
+              </a:xfrm>
+              <a:prstGeom prst="rect">
+                <a:avLst/>
+              </a:prstGeom>
+              <a:noFill/>
+            </p:spPr>
+            <p:txBody>
+              <a:bodyPr wrap="square" rtlCol="0">
+                <a:spAutoFit/>
+              </a:bodyPr>
+              <a:lstStyle/>
+              <a:p>
+                <a14:m>
+                  <m:oMathPara xmlns:m="http://schemas.openxmlformats.org/officeDocument/2006/math">
+                    <m:oMathParaPr>
+                      <m:jc m:val="centerGroup"/>
+                    </m:oMathParaPr>
+                    <m:oMath xmlns:m="http://schemas.openxmlformats.org/officeDocument/2006/math">
+                      <m:acc>
+                        <m:accPr>
+                          <m:chr m:val="⃖"/>
+                          <m:ctrlPr>
+                            <a:rPr lang="en-US" altLang="zh-CN" sz="2400" i="1" smtClean="0">
+                              <a:latin typeface="Cambria Math" panose="02040503050406030204" pitchFamily="18" charset="0"/>
+                            </a:rPr>
+                          </m:ctrlPr>
+                        </m:accPr>
+                        <m:e>
+                          <m:sSub>
+                            <m:sSubPr>
+                              <m:ctrlPr>
+                                <a:rPr lang="en-US" altLang="zh-CN" sz="2400" i="1">
+                                  <a:latin typeface="Cambria Math" panose="02040503050406030204" pitchFamily="18" charset="0"/>
+                                </a:rPr>
+                              </m:ctrlPr>
+                            </m:sSubPr>
+                            <m:e>
+                              <m:r>
+                                <m:rPr>
+                                  <m:sty m:val="p"/>
+                                </m:rPr>
+                                <a:rPr lang="en-US" altLang="zh-CN" sz="2400" i="1">
+                                  <a:latin typeface="Cambria Math" panose="02040503050406030204" pitchFamily="18" charset="0"/>
+                                </a:rPr>
+                                <m:t>h</m:t>
+                              </m:r>
+                            </m:e>
+                            <m:sub>
+                              <m:r>
+                                <m:rPr>
+                                  <m:sty m:val="p"/>
+                                </m:rPr>
+                                <a:rPr lang="en-US" altLang="zh-CN" sz="2400" i="1">
+                                  <a:latin typeface="Cambria Math" panose="02040503050406030204" pitchFamily="18" charset="0"/>
+                                </a:rPr>
+                                <m:t>t</m:t>
+                              </m:r>
+                              <m:r>
+                                <a:rPr lang="en-US" altLang="zh-CN" sz="2400" i="1">
+                                  <a:latin typeface="Cambria Math" panose="02040503050406030204" pitchFamily="18" charset="0"/>
+                                </a:rPr>
+                                <m:t>+</m:t>
+                              </m:r>
+                              <m:r>
+                                <a:rPr lang="en-US" altLang="zh-CN" sz="2400" i="1">
+                                  <a:latin typeface="Cambria Math" panose="02040503050406030204" pitchFamily="18" charset="0"/>
+                                </a:rPr>
+                                <m:t>1</m:t>
+                              </m:r>
+                            </m:sub>
+                          </m:sSub>
+                        </m:e>
+                      </m:acc>
+                    </m:oMath>
+                  </m:oMathPara>
+                </a14:m>
+                <a:endParaRPr lang="zh-CN" altLang="en-US" sz="2400" dirty="0"/>
+              </a:p>
+            </p:txBody>
+          </p:sp>
+        </mc:Choice>
+        <mc:Fallback>
+          <p:sp>
+            <p:nvSpPr>
+              <p:cNvPr id="56" name="文本框 55">
+                <a:extLst>
+                  <a:ext uri="{FF2B5EF4-FFF2-40B4-BE49-F238E27FC236}">
+                    <a16:creationId xmlns:a16="http://schemas.microsoft.com/office/drawing/2014/main" id="{36E5B4ED-849C-DD59-84FD-8E0284B61DBB}"/>
+                  </a:ext>
+                </a:extLst>
+              </p:cNvPr>
+              <p:cNvSpPr txBox="1">
+                <a:spLocks noRot="1" noChangeAspect="1" noMove="1" noResize="1" noEditPoints="1" noAdjustHandles="1" noChangeArrowheads="1" noChangeShapeType="1" noTextEdit="1"/>
+              </p:cNvSpPr>
+              <p:nvPr/>
+            </p:nvSpPr>
+            <p:spPr>
+              <a:xfrm>
+                <a:off x="7185761" y="3632919"/>
+                <a:ext cx="750195" cy="516360"/>
+              </a:xfrm>
+              <a:prstGeom prst="rect">
+                <a:avLst/>
+              </a:prstGeom>
+              <a:blipFill>
+                <a:blip r:embed="rId11"/>
+                <a:stretch>
+                  <a:fillRect/>
+                </a:stretch>
+              </a:blipFill>
+            </p:spPr>
+            <p:txBody>
+              <a:bodyPr/>
+              <a:lstStyle/>
+              <a:p>
+                <a:r>
+                  <a:rPr lang="zh-CN" altLang="en-US">
+                    <a:noFill/>
+                  </a:rPr>
+                  <a:t> </a:t>
+                </a:r>
+              </a:p>
+            </p:txBody>
+          </p:sp>
+        </mc:Fallback>
+      </mc:AlternateContent>
+      <mc:AlternateContent xmlns:mc="http://schemas.openxmlformats.org/markup-compatibility/2006">
+        <mc:Choice xmlns:a14="http://schemas.microsoft.com/office/drawing/2010/main" Requires="a14">
+          <p:sp>
+            <p:nvSpPr>
+              <p:cNvPr id="57" name="文本框 56">
+                <a:extLst>
+                  <a:ext uri="{FF2B5EF4-FFF2-40B4-BE49-F238E27FC236}">
+                    <a16:creationId xmlns:a16="http://schemas.microsoft.com/office/drawing/2014/main" id="{45048A12-250A-E4F1-3435-471B6188FDA5}"/>
+                  </a:ext>
+                </a:extLst>
+              </p:cNvPr>
+              <p:cNvSpPr txBox="1"/>
+              <p:nvPr/>
+            </p:nvSpPr>
+            <p:spPr>
+              <a:xfrm>
+                <a:off x="4755810" y="2328523"/>
+                <a:ext cx="750195" cy="516360"/>
+              </a:xfrm>
+              <a:prstGeom prst="rect">
+                <a:avLst/>
+              </a:prstGeom>
+              <a:noFill/>
+            </p:spPr>
+            <p:txBody>
+              <a:bodyPr wrap="square" rtlCol="0">
+                <a:spAutoFit/>
+              </a:bodyPr>
+              <a:lstStyle/>
+              <a:p>
+                <a14:m>
+                  <m:oMathPara xmlns:m="http://schemas.openxmlformats.org/officeDocument/2006/math">
+                    <m:oMathParaPr>
+                      <m:jc m:val="centerGroup"/>
+                    </m:oMathParaPr>
+                    <m:oMath xmlns:m="http://schemas.openxmlformats.org/officeDocument/2006/math">
+                      <m:acc>
+                        <m:accPr>
+                          <m:chr m:val="⃗"/>
+                          <m:ctrlPr>
+                            <a:rPr lang="en-US" altLang="zh-CN" sz="2400" i="1" smtClean="0">
+                              <a:latin typeface="Cambria Math" panose="02040503050406030204" pitchFamily="18" charset="0"/>
+                            </a:rPr>
+                          </m:ctrlPr>
+                        </m:accPr>
+                        <m:e>
+                          <m:sSub>
+                            <m:sSubPr>
+                              <m:ctrlPr>
+                                <a:rPr lang="en-US" altLang="zh-CN" sz="2400" i="1">
+                                  <a:latin typeface="Cambria Math" panose="02040503050406030204" pitchFamily="18" charset="0"/>
+                                </a:rPr>
+                              </m:ctrlPr>
+                            </m:sSubPr>
+                            <m:e>
+                              <m:r>
+                                <m:rPr>
+                                  <m:sty m:val="p"/>
+                                </m:rPr>
+                                <a:rPr lang="en-US" altLang="zh-CN" sz="2400" i="1">
+                                  <a:latin typeface="Cambria Math" panose="02040503050406030204" pitchFamily="18" charset="0"/>
+                                </a:rPr>
+                                <m:t>h</m:t>
+                              </m:r>
+                            </m:e>
+                            <m:sub>
+                              <m:r>
+                                <m:rPr>
+                                  <m:sty m:val="p"/>
+                                </m:rPr>
+                                <a:rPr lang="en-US" altLang="zh-CN" sz="2400" i="1">
+                                  <a:latin typeface="Cambria Math" panose="02040503050406030204" pitchFamily="18" charset="0"/>
+                                </a:rPr>
+                                <m:t>t</m:t>
+                              </m:r>
+                            </m:sub>
+                          </m:sSub>
+                        </m:e>
+                      </m:acc>
+                    </m:oMath>
+                  </m:oMathPara>
+                </a14:m>
+                <a:endParaRPr lang="zh-CN" altLang="en-US" sz="2400" dirty="0"/>
+              </a:p>
+            </p:txBody>
+          </p:sp>
+        </mc:Choice>
+        <mc:Fallback>
+          <p:sp>
+            <p:nvSpPr>
+              <p:cNvPr id="57" name="文本框 56">
+                <a:extLst>
+                  <a:ext uri="{FF2B5EF4-FFF2-40B4-BE49-F238E27FC236}">
+                    <a16:creationId xmlns:a16="http://schemas.microsoft.com/office/drawing/2014/main" id="{45048A12-250A-E4F1-3435-471B6188FDA5}"/>
+                  </a:ext>
+                </a:extLst>
+              </p:cNvPr>
+              <p:cNvSpPr txBox="1">
+                <a:spLocks noRot="1" noChangeAspect="1" noMove="1" noResize="1" noEditPoints="1" noAdjustHandles="1" noChangeArrowheads="1" noChangeShapeType="1" noTextEdit="1"/>
+              </p:cNvSpPr>
+              <p:nvPr/>
+            </p:nvSpPr>
+            <p:spPr>
+              <a:xfrm>
+                <a:off x="4755810" y="2328523"/>
+                <a:ext cx="750195" cy="516360"/>
+              </a:xfrm>
+              <a:prstGeom prst="rect">
+                <a:avLst/>
+              </a:prstGeom>
+              <a:blipFill>
+                <a:blip r:embed="rId12"/>
+                <a:stretch>
+                  <a:fillRect/>
+                </a:stretch>
+              </a:blipFill>
+            </p:spPr>
+            <p:txBody>
+              <a:bodyPr/>
+              <a:lstStyle/>
+              <a:p>
+                <a:r>
+                  <a:rPr lang="zh-CN" altLang="en-US">
+                    <a:noFill/>
+                  </a:rPr>
+                  <a:t> </a:t>
+                </a:r>
+              </a:p>
+            </p:txBody>
+          </p:sp>
+        </mc:Fallback>
+      </mc:AlternateContent>
+      <mc:AlternateContent xmlns:mc="http://schemas.openxmlformats.org/markup-compatibility/2006">
+        <mc:Choice xmlns:a14="http://schemas.microsoft.com/office/drawing/2010/main" Requires="a14">
+          <p:sp>
+            <p:nvSpPr>
+              <p:cNvPr id="58" name="文本框 57">
+                <a:extLst>
+                  <a:ext uri="{FF2B5EF4-FFF2-40B4-BE49-F238E27FC236}">
+                    <a16:creationId xmlns:a16="http://schemas.microsoft.com/office/drawing/2014/main" id="{0E812501-09A9-1F33-E1CF-AF4853C47CD8}"/>
+                  </a:ext>
+                </a:extLst>
+              </p:cNvPr>
+              <p:cNvSpPr txBox="1"/>
+              <p:nvPr/>
+            </p:nvSpPr>
+            <p:spPr>
+              <a:xfrm>
+                <a:off x="6376656" y="2321329"/>
+                <a:ext cx="750195" cy="516360"/>
+              </a:xfrm>
+              <a:prstGeom prst="rect">
+                <a:avLst/>
+              </a:prstGeom>
+              <a:noFill/>
+            </p:spPr>
+            <p:txBody>
+              <a:bodyPr wrap="square" rtlCol="0">
+                <a:spAutoFit/>
+              </a:bodyPr>
+              <a:lstStyle/>
+              <a:p>
+                <a14:m>
+                  <m:oMathPara xmlns:m="http://schemas.openxmlformats.org/officeDocument/2006/math">
+                    <m:oMathParaPr>
+                      <m:jc m:val="centerGroup"/>
+                    </m:oMathParaPr>
+                    <m:oMath xmlns:m="http://schemas.openxmlformats.org/officeDocument/2006/math">
+                      <m:acc>
+                        <m:accPr>
+                          <m:chr m:val="⃗"/>
+                          <m:ctrlPr>
+                            <a:rPr lang="en-US" altLang="zh-CN" sz="2400" i="1" smtClean="0">
+                              <a:latin typeface="Cambria Math" panose="02040503050406030204" pitchFamily="18" charset="0"/>
+                            </a:rPr>
+                          </m:ctrlPr>
+                        </m:accPr>
+                        <m:e>
+                          <m:sSub>
+                            <m:sSubPr>
+                              <m:ctrlPr>
+                                <a:rPr lang="en-US" altLang="zh-CN" sz="2400" i="1">
+                                  <a:latin typeface="Cambria Math" panose="02040503050406030204" pitchFamily="18" charset="0"/>
+                                </a:rPr>
+                              </m:ctrlPr>
+                            </m:sSubPr>
+                            <m:e>
+                              <m:r>
+                                <m:rPr>
+                                  <m:sty m:val="p"/>
+                                </m:rPr>
+                                <a:rPr lang="en-US" altLang="zh-CN" sz="2400" i="1">
+                                  <a:latin typeface="Cambria Math" panose="02040503050406030204" pitchFamily="18" charset="0"/>
+                                </a:rPr>
+                                <m:t>h</m:t>
+                              </m:r>
+                            </m:e>
+                            <m:sub>
+                              <m:r>
+                                <m:rPr>
+                                  <m:sty m:val="p"/>
+                                </m:rPr>
+                                <a:rPr lang="en-US" altLang="zh-CN" sz="2400" i="1">
+                                  <a:latin typeface="Cambria Math" panose="02040503050406030204" pitchFamily="18" charset="0"/>
+                                </a:rPr>
+                                <m:t>t</m:t>
+                              </m:r>
+                              <m:r>
+                                <a:rPr lang="en-US" altLang="zh-CN" sz="2400" i="1">
+                                  <a:latin typeface="Cambria Math" panose="02040503050406030204" pitchFamily="18" charset="0"/>
+                                </a:rPr>
+                                <m:t>+</m:t>
+                              </m:r>
+                              <m:r>
+                                <a:rPr lang="en-US" altLang="zh-CN" sz="2400" i="1">
+                                  <a:latin typeface="Cambria Math" panose="02040503050406030204" pitchFamily="18" charset="0"/>
+                                </a:rPr>
+                                <m:t>1</m:t>
+                              </m:r>
+                            </m:sub>
+                          </m:sSub>
+                        </m:e>
+                      </m:acc>
+                    </m:oMath>
+                  </m:oMathPara>
+                </a14:m>
+                <a:endParaRPr lang="zh-CN" altLang="en-US" sz="2400" dirty="0"/>
+              </a:p>
+            </p:txBody>
+          </p:sp>
+        </mc:Choice>
+        <mc:Fallback>
+          <p:sp>
+            <p:nvSpPr>
+              <p:cNvPr id="58" name="文本框 57">
+                <a:extLst>
+                  <a:ext uri="{FF2B5EF4-FFF2-40B4-BE49-F238E27FC236}">
+                    <a16:creationId xmlns:a16="http://schemas.microsoft.com/office/drawing/2014/main" id="{0E812501-09A9-1F33-E1CF-AF4853C47CD8}"/>
+                  </a:ext>
+                </a:extLst>
+              </p:cNvPr>
+              <p:cNvSpPr txBox="1">
+                <a:spLocks noRot="1" noChangeAspect="1" noMove="1" noResize="1" noEditPoints="1" noAdjustHandles="1" noChangeArrowheads="1" noChangeShapeType="1" noTextEdit="1"/>
+              </p:cNvSpPr>
+              <p:nvPr/>
+            </p:nvSpPr>
+            <p:spPr>
+              <a:xfrm>
+                <a:off x="6376656" y="2321329"/>
+                <a:ext cx="750195" cy="516360"/>
+              </a:xfrm>
+              <a:prstGeom prst="rect">
+                <a:avLst/>
+              </a:prstGeom>
+              <a:blipFill>
+                <a:blip r:embed="rId13"/>
+                <a:stretch>
+                  <a:fillRect/>
+                </a:stretch>
+              </a:blipFill>
+            </p:spPr>
+            <p:txBody>
+              <a:bodyPr/>
+              <a:lstStyle/>
+              <a:p>
+                <a:r>
+                  <a:rPr lang="zh-CN" altLang="en-US">
+                    <a:noFill/>
+                  </a:rPr>
+                  <a:t> </a:t>
+                </a:r>
+              </a:p>
+            </p:txBody>
+          </p:sp>
+        </mc:Fallback>
+      </mc:AlternateContent>
+      <mc:AlternateContent xmlns:mc="http://schemas.openxmlformats.org/markup-compatibility/2006">
+        <mc:Choice xmlns:a14="http://schemas.microsoft.com/office/drawing/2010/main" Requires="a14">
+          <p:sp>
+            <p:nvSpPr>
+              <p:cNvPr id="59" name="椭圆 58">
+                <a:extLst>
+                  <a:ext uri="{FF2B5EF4-FFF2-40B4-BE49-F238E27FC236}">
+                    <a16:creationId xmlns:a16="http://schemas.microsoft.com/office/drawing/2014/main" id="{4C52BD00-BDB9-9BC7-D65E-C43C04E9FAFA}"/>
+                  </a:ext>
+                </a:extLst>
+              </p:cNvPr>
+              <p:cNvSpPr/>
+              <p:nvPr/>
+            </p:nvSpPr>
+            <p:spPr>
+              <a:xfrm>
+                <a:off x="3129830" y="367478"/>
+                <a:ext cx="867104" cy="867104"/>
+              </a:xfrm>
+              <a:prstGeom prst="ellipse">
+                <a:avLst/>
+              </a:prstGeom>
+              <a:solidFill>
+                <a:srgbClr val="C5E0B4"/>
+              </a:solidFill>
+              <a:ln>
+                <a:solidFill>
+                  <a:schemeClr val="tx1"/>
+                </a:solidFill>
+              </a:ln>
+            </p:spPr>
+            <p:style>
+              <a:lnRef idx="2">
+                <a:schemeClr val="accent1">
+                  <a:shade val="15000"/>
+                </a:schemeClr>
+              </a:lnRef>
+              <a:fillRef idx="1">
+                <a:schemeClr val="accent1"/>
+              </a:fillRef>
+              <a:effectRef idx="0">
+                <a:schemeClr val="accent1"/>
+              </a:effectRef>
+              <a:fontRef idx="minor">
+                <a:schemeClr val="lt1"/>
+              </a:fontRef>
+            </p:style>
+            <p:txBody>
+              <a:bodyPr rtlCol="0" anchor="ctr"/>
+              <a:lstStyle/>
+              <a:p>
+                <a:pPr algn="ctr"/>
+                <a14:m>
+                  <m:oMathPara xmlns:m="http://schemas.openxmlformats.org/officeDocument/2006/math">
+                    <m:oMathParaPr>
+                      <m:jc m:val="centerGroup"/>
+                    </m:oMathParaPr>
+                    <m:oMath xmlns:m="http://schemas.openxmlformats.org/officeDocument/2006/math">
+                      <m:sSub>
+                        <m:sSubPr>
+                          <m:ctrlPr>
+                            <a:rPr lang="en-US" altLang="zh-CN" sz="2400" i="1" smtClean="0">
+                              <a:solidFill>
+                                <a:schemeClr val="tx1"/>
+                              </a:solidFill>
+                              <a:latin typeface="Cambria Math" panose="02040503050406030204" pitchFamily="18" charset="0"/>
+                            </a:rPr>
+                          </m:ctrlPr>
+                        </m:sSubPr>
+                        <m:e>
+                          <m:r>
+                            <a:rPr lang="en-US" altLang="zh-CN" sz="2400" b="0" i="1" smtClean="0">
+                              <a:solidFill>
+                                <a:schemeClr val="tx1"/>
+                              </a:solidFill>
+                              <a:latin typeface="Cambria Math" panose="02040503050406030204" pitchFamily="18" charset="0"/>
+                            </a:rPr>
+                            <m:t>𝑦</m:t>
+                          </m:r>
+                        </m:e>
+                        <m:sub>
+                          <m:r>
+                            <m:rPr>
+                              <m:sty m:val="p"/>
+                            </m:rPr>
+                            <a:rPr lang="en-US" altLang="zh-CN" sz="2400" i="1">
+                              <a:solidFill>
+                                <a:schemeClr val="tx1"/>
+                              </a:solidFill>
+                              <a:latin typeface="Cambria Math" panose="02040503050406030204" pitchFamily="18" charset="0"/>
+                            </a:rPr>
+                            <m:t>t</m:t>
+                          </m:r>
+                          <m:r>
+                            <a:rPr lang="en-US" altLang="zh-CN" sz="2400" b="0" i="1" smtClean="0">
+                              <a:solidFill>
+                                <a:schemeClr val="tx1"/>
+                              </a:solidFill>
+                              <a:latin typeface="Cambria Math" panose="02040503050406030204" pitchFamily="18" charset="0"/>
+                            </a:rPr>
+                            <m:t>−1</m:t>
+                          </m:r>
+                        </m:sub>
+                      </m:sSub>
+                    </m:oMath>
+                  </m:oMathPara>
+                </a14:m>
+                <a:endParaRPr lang="zh-CN" altLang="en-US" sz="2400" dirty="0">
+                  <a:solidFill>
+                    <a:schemeClr val="tx1"/>
+                  </a:solidFill>
+                  <a:latin typeface="微软雅黑" panose="020B0503020204020204" pitchFamily="34" charset="-122"/>
+                  <a:ea typeface="微软雅黑" panose="020B0503020204020204" pitchFamily="34" charset="-122"/>
+                </a:endParaRPr>
+              </a:p>
+            </p:txBody>
+          </p:sp>
+        </mc:Choice>
+        <mc:Fallback>
+          <p:sp>
+            <p:nvSpPr>
+              <p:cNvPr id="59" name="椭圆 58">
+                <a:extLst>
+                  <a:ext uri="{FF2B5EF4-FFF2-40B4-BE49-F238E27FC236}">
+                    <a16:creationId xmlns:a16="http://schemas.microsoft.com/office/drawing/2014/main" id="{4C52BD00-BDB9-9BC7-D65E-C43C04E9FAFA}"/>
+                  </a:ext>
+                </a:extLst>
+              </p:cNvPr>
+              <p:cNvSpPr>
+                <a:spLocks noRot="1" noChangeAspect="1" noMove="1" noResize="1" noEditPoints="1" noAdjustHandles="1" noChangeArrowheads="1" noChangeShapeType="1" noTextEdit="1"/>
+              </p:cNvSpPr>
+              <p:nvPr/>
+            </p:nvSpPr>
+            <p:spPr>
+              <a:xfrm>
+                <a:off x="3129830" y="367478"/>
+                <a:ext cx="867104" cy="867104"/>
+              </a:xfrm>
+              <a:prstGeom prst="ellipse">
+                <a:avLst/>
+              </a:prstGeom>
+              <a:blipFill>
+                <a:blip r:embed="rId14"/>
+                <a:stretch>
+                  <a:fillRect/>
+                </a:stretch>
+              </a:blipFill>
+              <a:ln>
+                <a:solidFill>
+                  <a:schemeClr val="tx1"/>
+                </a:solidFill>
+              </a:ln>
+            </p:spPr>
+            <p:txBody>
+              <a:bodyPr/>
+              <a:lstStyle/>
+              <a:p>
+                <a:r>
+                  <a:rPr lang="zh-CN" altLang="en-US">
+                    <a:noFill/>
+                  </a:rPr>
+                  <a:t> </a:t>
+                </a:r>
+              </a:p>
+            </p:txBody>
+          </p:sp>
+        </mc:Fallback>
+      </mc:AlternateContent>
+      <mc:AlternateContent xmlns:mc="http://schemas.openxmlformats.org/markup-compatibility/2006">
+        <mc:Choice xmlns:a14="http://schemas.microsoft.com/office/drawing/2010/main" Requires="a14">
+          <p:sp>
+            <p:nvSpPr>
+              <p:cNvPr id="60" name="椭圆 59">
+                <a:extLst>
+                  <a:ext uri="{FF2B5EF4-FFF2-40B4-BE49-F238E27FC236}">
+                    <a16:creationId xmlns:a16="http://schemas.microsoft.com/office/drawing/2014/main" id="{100003D6-0A19-DC60-35F6-AFBF236A7109}"/>
+                  </a:ext>
+                </a:extLst>
+              </p:cNvPr>
+              <p:cNvSpPr/>
+              <p:nvPr/>
+            </p:nvSpPr>
+            <p:spPr>
+              <a:xfrm>
+                <a:off x="4868432" y="367478"/>
+                <a:ext cx="867104" cy="867104"/>
+              </a:xfrm>
+              <a:prstGeom prst="ellipse">
+                <a:avLst/>
+              </a:prstGeom>
+              <a:solidFill>
+                <a:srgbClr val="E1D3FB"/>
+              </a:solidFill>
+              <a:ln>
+                <a:solidFill>
+                  <a:schemeClr val="tx1"/>
+                </a:solidFill>
+              </a:ln>
+            </p:spPr>
+            <p:style>
+              <a:lnRef idx="2">
+                <a:schemeClr val="accent1">
+                  <a:shade val="15000"/>
+                </a:schemeClr>
+              </a:lnRef>
+              <a:fillRef idx="1">
+                <a:schemeClr val="accent1"/>
+              </a:fillRef>
+              <a:effectRef idx="0">
+                <a:schemeClr val="accent1"/>
+              </a:effectRef>
+              <a:fontRef idx="minor">
+                <a:schemeClr val="lt1"/>
+              </a:fontRef>
+            </p:style>
+            <p:txBody>
+              <a:bodyPr rtlCol="0" anchor="ctr"/>
+              <a:lstStyle/>
+              <a:p>
+                <a:pPr algn="ctr"/>
+                <a14:m>
+                  <m:oMathPara xmlns:m="http://schemas.openxmlformats.org/officeDocument/2006/math">
+                    <m:oMathParaPr>
+                      <m:jc m:val="centerGroup"/>
+                    </m:oMathParaPr>
+                    <m:oMath xmlns:m="http://schemas.openxmlformats.org/officeDocument/2006/math">
+                      <m:sSub>
+                        <m:sSubPr>
+                          <m:ctrlPr>
+                            <a:rPr lang="en-US" altLang="zh-CN" sz="2400" i="1" smtClean="0">
+                              <a:solidFill>
+                                <a:schemeClr val="tx1"/>
+                              </a:solidFill>
+                              <a:latin typeface="Cambria Math" panose="02040503050406030204" pitchFamily="18" charset="0"/>
+                            </a:rPr>
+                          </m:ctrlPr>
+                        </m:sSubPr>
+                        <m:e>
+                          <m:r>
+                            <a:rPr lang="en-US" altLang="zh-CN" sz="2400" b="0" i="1" smtClean="0">
+                              <a:solidFill>
+                                <a:schemeClr val="tx1"/>
+                              </a:solidFill>
+                              <a:latin typeface="Cambria Math" panose="02040503050406030204" pitchFamily="18" charset="0"/>
+                            </a:rPr>
+                            <m:t>𝑦</m:t>
+                          </m:r>
+                        </m:e>
+                        <m:sub>
+                          <m:r>
+                            <m:rPr>
+                              <m:sty m:val="p"/>
+                            </m:rPr>
+                            <a:rPr lang="en-US" altLang="zh-CN" sz="2400" i="1">
+                              <a:solidFill>
+                                <a:schemeClr val="tx1"/>
+                              </a:solidFill>
+                              <a:latin typeface="Cambria Math" panose="02040503050406030204" pitchFamily="18" charset="0"/>
+                            </a:rPr>
+                            <m:t>t</m:t>
+                          </m:r>
+                        </m:sub>
+                      </m:sSub>
+                    </m:oMath>
+                  </m:oMathPara>
+                </a14:m>
+                <a:endParaRPr lang="zh-CN" altLang="en-US" sz="2400" dirty="0">
+                  <a:solidFill>
+                    <a:schemeClr val="tx1"/>
+                  </a:solidFill>
+                  <a:latin typeface="微软雅黑" panose="020B0503020204020204" pitchFamily="34" charset="-122"/>
+                  <a:ea typeface="微软雅黑" panose="020B0503020204020204" pitchFamily="34" charset="-122"/>
+                </a:endParaRPr>
+              </a:p>
+            </p:txBody>
+          </p:sp>
+        </mc:Choice>
+        <mc:Fallback>
+          <p:sp>
+            <p:nvSpPr>
+              <p:cNvPr id="60" name="椭圆 59">
+                <a:extLst>
+                  <a:ext uri="{FF2B5EF4-FFF2-40B4-BE49-F238E27FC236}">
+                    <a16:creationId xmlns:a16="http://schemas.microsoft.com/office/drawing/2014/main" id="{100003D6-0A19-DC60-35F6-AFBF236A7109}"/>
+                  </a:ext>
+                </a:extLst>
+              </p:cNvPr>
+              <p:cNvSpPr>
+                <a:spLocks noRot="1" noChangeAspect="1" noMove="1" noResize="1" noEditPoints="1" noAdjustHandles="1" noChangeArrowheads="1" noChangeShapeType="1" noTextEdit="1"/>
+              </p:cNvSpPr>
+              <p:nvPr/>
+            </p:nvSpPr>
+            <p:spPr>
+              <a:xfrm>
+                <a:off x="4868432" y="367478"/>
+                <a:ext cx="867104" cy="867104"/>
+              </a:xfrm>
+              <a:prstGeom prst="ellipse">
+                <a:avLst/>
+              </a:prstGeom>
+              <a:blipFill>
+                <a:blip r:embed="rId15"/>
+                <a:stretch>
+                  <a:fillRect/>
+                </a:stretch>
+              </a:blipFill>
+              <a:ln>
+                <a:solidFill>
+                  <a:schemeClr val="tx1"/>
+                </a:solidFill>
+              </a:ln>
+            </p:spPr>
+            <p:txBody>
+              <a:bodyPr/>
+              <a:lstStyle/>
+              <a:p>
+                <a:r>
+                  <a:rPr lang="zh-CN" altLang="en-US">
+                    <a:noFill/>
+                  </a:rPr>
+                  <a:t> </a:t>
+                </a:r>
+              </a:p>
+            </p:txBody>
+          </p:sp>
+        </mc:Fallback>
+      </mc:AlternateContent>
+      <mc:AlternateContent xmlns:mc="http://schemas.openxmlformats.org/markup-compatibility/2006">
+        <mc:Choice xmlns:a14="http://schemas.microsoft.com/office/drawing/2010/main" Requires="a14">
+          <p:sp>
+            <p:nvSpPr>
+              <p:cNvPr id="61" name="椭圆 60">
+                <a:extLst>
+                  <a:ext uri="{FF2B5EF4-FFF2-40B4-BE49-F238E27FC236}">
+                    <a16:creationId xmlns:a16="http://schemas.microsoft.com/office/drawing/2014/main" id="{6C250FE2-709D-1BA9-DC49-C25BDA28EC00}"/>
+                  </a:ext>
+                </a:extLst>
+              </p:cNvPr>
+              <p:cNvSpPr/>
+              <p:nvPr/>
+            </p:nvSpPr>
+            <p:spPr>
+              <a:xfrm>
+                <a:off x="6617882" y="367478"/>
+                <a:ext cx="867104" cy="867104"/>
+              </a:xfrm>
+              <a:prstGeom prst="ellipse">
+                <a:avLst/>
+              </a:prstGeom>
+              <a:solidFill>
+                <a:srgbClr val="D6DCE5"/>
+              </a:solidFill>
+              <a:ln>
+                <a:solidFill>
+                  <a:schemeClr val="tx1"/>
+                </a:solidFill>
+              </a:ln>
+            </p:spPr>
+            <p:style>
+              <a:lnRef idx="2">
+                <a:schemeClr val="accent1">
+                  <a:shade val="15000"/>
+                </a:schemeClr>
+              </a:lnRef>
+              <a:fillRef idx="1">
+                <a:schemeClr val="accent1"/>
+              </a:fillRef>
+              <a:effectRef idx="0">
+                <a:schemeClr val="accent1"/>
+              </a:effectRef>
+              <a:fontRef idx="minor">
+                <a:schemeClr val="lt1"/>
+              </a:fontRef>
+            </p:style>
+            <p:txBody>
+              <a:bodyPr rtlCol="0" anchor="ctr"/>
+              <a:lstStyle/>
+              <a:p>
+                <a:pPr algn="ctr"/>
+                <a14:m>
+                  <m:oMathPara xmlns:m="http://schemas.openxmlformats.org/officeDocument/2006/math">
+                    <m:oMathParaPr>
+                      <m:jc m:val="centerGroup"/>
+                    </m:oMathParaPr>
+                    <m:oMath xmlns:m="http://schemas.openxmlformats.org/officeDocument/2006/math">
+                      <m:sSub>
+                        <m:sSubPr>
+                          <m:ctrlPr>
+                            <a:rPr lang="en-US" altLang="zh-CN" sz="2400" i="1" smtClean="0">
+                              <a:solidFill>
+                                <a:schemeClr val="tx1"/>
+                              </a:solidFill>
+                              <a:latin typeface="Cambria Math" panose="02040503050406030204" pitchFamily="18" charset="0"/>
+                            </a:rPr>
+                          </m:ctrlPr>
+                        </m:sSubPr>
+                        <m:e>
+                          <m:r>
+                            <a:rPr lang="en-US" altLang="zh-CN" sz="2400" b="0" i="1" smtClean="0">
+                              <a:solidFill>
+                                <a:schemeClr val="tx1"/>
+                              </a:solidFill>
+                              <a:latin typeface="Cambria Math" panose="02040503050406030204" pitchFamily="18" charset="0"/>
+                            </a:rPr>
+                            <m:t>𝑦</m:t>
+                          </m:r>
+                        </m:e>
+                        <m:sub>
+                          <m:r>
+                            <m:rPr>
+                              <m:sty m:val="p"/>
+                            </m:rPr>
+                            <a:rPr lang="en-US" altLang="zh-CN" sz="2400" i="1">
+                              <a:solidFill>
+                                <a:schemeClr val="tx1"/>
+                              </a:solidFill>
+                              <a:latin typeface="Cambria Math" panose="02040503050406030204" pitchFamily="18" charset="0"/>
+                            </a:rPr>
+                            <m:t>t</m:t>
+                          </m:r>
+                          <m:r>
+                            <a:rPr lang="en-US" altLang="zh-CN" sz="2400" i="1" smtClean="0">
+                              <a:solidFill>
+                                <a:schemeClr val="tx1"/>
+                              </a:solidFill>
+                              <a:latin typeface="Cambria Math" panose="02040503050406030204" pitchFamily="18" charset="0"/>
+                            </a:rPr>
+                            <m:t>+</m:t>
+                          </m:r>
+                          <m:r>
+                            <a:rPr lang="en-US" altLang="zh-CN" sz="2400" b="0" i="1" smtClean="0">
+                              <a:solidFill>
+                                <a:schemeClr val="tx1"/>
+                              </a:solidFill>
+                              <a:latin typeface="Cambria Math" panose="02040503050406030204" pitchFamily="18" charset="0"/>
+                            </a:rPr>
+                            <m:t>1</m:t>
+                          </m:r>
+                        </m:sub>
+                      </m:sSub>
+                    </m:oMath>
+                  </m:oMathPara>
+                </a14:m>
+                <a:endParaRPr lang="zh-CN" altLang="en-US" sz="2400" dirty="0">
+                  <a:solidFill>
+                    <a:schemeClr val="tx1"/>
+                  </a:solidFill>
+                  <a:latin typeface="微软雅黑" panose="020B0503020204020204" pitchFamily="34" charset="-122"/>
+                  <a:ea typeface="微软雅黑" panose="020B0503020204020204" pitchFamily="34" charset="-122"/>
+                </a:endParaRPr>
+              </a:p>
+            </p:txBody>
+          </p:sp>
+        </mc:Choice>
+        <mc:Fallback>
+          <p:sp>
+            <p:nvSpPr>
+              <p:cNvPr id="61" name="椭圆 60">
+                <a:extLst>
+                  <a:ext uri="{FF2B5EF4-FFF2-40B4-BE49-F238E27FC236}">
+                    <a16:creationId xmlns:a16="http://schemas.microsoft.com/office/drawing/2014/main" id="{6C250FE2-709D-1BA9-DC49-C25BDA28EC00}"/>
+                  </a:ext>
+                </a:extLst>
+              </p:cNvPr>
+              <p:cNvSpPr>
+                <a:spLocks noRot="1" noChangeAspect="1" noMove="1" noResize="1" noEditPoints="1" noAdjustHandles="1" noChangeArrowheads="1" noChangeShapeType="1" noTextEdit="1"/>
+              </p:cNvSpPr>
+              <p:nvPr/>
+            </p:nvSpPr>
+            <p:spPr>
+              <a:xfrm>
+                <a:off x="6617882" y="367478"/>
+                <a:ext cx="867104" cy="867104"/>
+              </a:xfrm>
+              <a:prstGeom prst="ellipse">
+                <a:avLst/>
+              </a:prstGeom>
+              <a:blipFill>
+                <a:blip r:embed="rId16"/>
+                <a:stretch>
+                  <a:fillRect/>
+                </a:stretch>
+              </a:blipFill>
+              <a:ln>
+                <a:solidFill>
+                  <a:schemeClr val="tx1"/>
+                </a:solidFill>
+              </a:ln>
+            </p:spPr>
+            <p:txBody>
+              <a:bodyPr/>
+              <a:lstStyle/>
+              <a:p>
+                <a:r>
+                  <a:rPr lang="zh-CN" altLang="en-US">
+                    <a:noFill/>
+                  </a:rPr>
+                  <a:t> </a:t>
+                </a:r>
+              </a:p>
+            </p:txBody>
+          </p:sp>
+        </mc:Fallback>
+      </mc:AlternateContent>
+      <p:cxnSp>
+        <p:nvCxnSpPr>
+          <p:cNvPr id="62" name="直接箭头连接符 61">
+            <a:extLst>
+              <a:ext uri="{FF2B5EF4-FFF2-40B4-BE49-F238E27FC236}">
+                <a16:creationId xmlns:a16="http://schemas.microsoft.com/office/drawing/2014/main" id="{EAE48B3A-0D43-C9A8-8FAC-18A220C347D4}"/>
+              </a:ext>
+            </a:extLst>
+          </p:cNvPr>
+          <p:cNvCxnSpPr>
+            <a:cxnSpLocks/>
+          </p:cNvCxnSpPr>
+          <p:nvPr/>
+        </p:nvCxnSpPr>
+        <p:spPr>
+          <a:xfrm flipV="1">
+            <a:off x="3563382" y="1235368"/>
+            <a:ext cx="0" cy="360000"/>
+          </a:xfrm>
+          <a:prstGeom prst="straightConnector1">
+            <a:avLst/>
+          </a:prstGeom>
+          <a:ln>
+            <a:solidFill>
+              <a:schemeClr val="tx1"/>
+            </a:solidFill>
+            <a:tailEnd type="triangle"/>
+          </a:ln>
+        </p:spPr>
+        <p:style>
+          <a:lnRef idx="1">
+            <a:schemeClr val="accent1"/>
+          </a:lnRef>
+          <a:fillRef idx="0">
+            <a:schemeClr val="accent1"/>
+          </a:fillRef>
+          <a:effectRef idx="0">
+            <a:schemeClr val="accent1"/>
+          </a:effectRef>
+          <a:fontRef idx="minor">
+            <a:schemeClr val="tx1"/>
+          </a:fontRef>
+        </p:style>
+      </p:cxnSp>
+      <p:cxnSp>
+        <p:nvCxnSpPr>
+          <p:cNvPr id="63" name="直接箭头连接符 62">
+            <a:extLst>
+              <a:ext uri="{FF2B5EF4-FFF2-40B4-BE49-F238E27FC236}">
+                <a16:creationId xmlns:a16="http://schemas.microsoft.com/office/drawing/2014/main" id="{08E141C0-E043-B1A1-00C8-D123AD118AC4}"/>
+              </a:ext>
+            </a:extLst>
+          </p:cNvPr>
+          <p:cNvCxnSpPr>
+            <a:cxnSpLocks/>
+          </p:cNvCxnSpPr>
+          <p:nvPr/>
+        </p:nvCxnSpPr>
+        <p:spPr>
+          <a:xfrm flipV="1">
+            <a:off x="5307058" y="1235368"/>
+            <a:ext cx="0" cy="360000"/>
+          </a:xfrm>
+          <a:prstGeom prst="straightConnector1">
+            <a:avLst/>
+          </a:prstGeom>
+          <a:ln>
+            <a:solidFill>
+              <a:schemeClr val="tx1"/>
+            </a:solidFill>
+            <a:tailEnd type="triangle"/>
+          </a:ln>
+        </p:spPr>
+        <p:style>
+          <a:lnRef idx="1">
+            <a:schemeClr val="accent1"/>
+          </a:lnRef>
+          <a:fillRef idx="0">
+            <a:schemeClr val="accent1"/>
+          </a:fillRef>
+          <a:effectRef idx="0">
+            <a:schemeClr val="accent1"/>
+          </a:effectRef>
+          <a:fontRef idx="minor">
+            <a:schemeClr val="tx1"/>
+          </a:fontRef>
+        </p:style>
+      </p:cxnSp>
+      <p:cxnSp>
+        <p:nvCxnSpPr>
+          <p:cNvPr id="64" name="直接箭头连接符 63">
+            <a:extLst>
+              <a:ext uri="{FF2B5EF4-FFF2-40B4-BE49-F238E27FC236}">
+                <a16:creationId xmlns:a16="http://schemas.microsoft.com/office/drawing/2014/main" id="{C9631EA2-F2C2-208D-1555-6E9039A9860A}"/>
+              </a:ext>
+            </a:extLst>
+          </p:cNvPr>
+          <p:cNvCxnSpPr>
+            <a:cxnSpLocks/>
+          </p:cNvCxnSpPr>
+          <p:nvPr/>
+        </p:nvCxnSpPr>
+        <p:spPr>
+          <a:xfrm flipV="1">
+            <a:off x="7056508" y="1235368"/>
+            <a:ext cx="0" cy="360000"/>
+          </a:xfrm>
+          <a:prstGeom prst="straightConnector1">
+            <a:avLst/>
+          </a:prstGeom>
+          <a:ln>
+            <a:solidFill>
+              <a:schemeClr val="tx1"/>
+            </a:solidFill>
+            <a:tailEnd type="triangle"/>
+          </a:ln>
+        </p:spPr>
+        <p:style>
+          <a:lnRef idx="1">
+            <a:schemeClr val="accent1"/>
+          </a:lnRef>
+          <a:fillRef idx="0">
+            <a:schemeClr val="accent1"/>
+          </a:fillRef>
+          <a:effectRef idx="0">
+            <a:schemeClr val="accent1"/>
+          </a:effectRef>
+          <a:fontRef idx="minor">
+            <a:schemeClr val="tx1"/>
+          </a:fontRef>
+        </p:style>
+      </p:cxnSp>
+      <p:sp>
+        <p:nvSpPr>
+          <p:cNvPr id="72" name="弧形 71">
+            <a:extLst>
+              <a:ext uri="{FF2B5EF4-FFF2-40B4-BE49-F238E27FC236}">
+                <a16:creationId xmlns:a16="http://schemas.microsoft.com/office/drawing/2014/main" id="{FE5564CB-25C2-2B79-45F1-0EF2F7A5214D}"/>
+              </a:ext>
+            </a:extLst>
+          </p:cNvPr>
+          <p:cNvSpPr/>
+          <p:nvPr/>
+        </p:nvSpPr>
+        <p:spPr>
+          <a:xfrm rot="9560564" flipH="1">
+            <a:off x="3816916" y="1568189"/>
+            <a:ext cx="2400339" cy="3114004"/>
+          </a:xfrm>
+          <a:prstGeom prst="arc">
+            <a:avLst>
+              <a:gd name="adj1" fmla="val 17185079"/>
+              <a:gd name="adj2" fmla="val 2458238"/>
+            </a:avLst>
+          </a:prstGeom>
+          <a:ln>
+            <a:solidFill>
+              <a:schemeClr val="tx1"/>
+            </a:solidFill>
+            <a:headEnd type="none" w="med" len="med"/>
+            <a:tailEnd type="triangle" w="med" len="med"/>
+          </a:ln>
+        </p:spPr>
+        <p:style>
+          <a:lnRef idx="1">
+            <a:schemeClr val="accent1"/>
+          </a:lnRef>
+          <a:fillRef idx="0">
+            <a:schemeClr val="accent1"/>
+          </a:fillRef>
+          <a:effectRef idx="0">
+            <a:schemeClr val="accent1"/>
+          </a:effectRef>
+          <a:fontRef idx="minor">
+            <a:schemeClr val="tx1"/>
+          </a:fontRef>
+        </p:style>
+        <p:txBody>
+          <a:bodyPr rtlCol="0" anchor="ctr"/>
+          <a:lstStyle/>
+          <a:p>
+            <a:pPr algn="ctr"/>
+            <a:endParaRPr lang="zh-CN" altLang="en-US" sz="2400"/>
+          </a:p>
+        </p:txBody>
+      </p:sp>
+      <p:sp>
+        <p:nvSpPr>
+          <p:cNvPr id="73" name="弧形 72">
+            <a:extLst>
+              <a:ext uri="{FF2B5EF4-FFF2-40B4-BE49-F238E27FC236}">
+                <a16:creationId xmlns:a16="http://schemas.microsoft.com/office/drawing/2014/main" id="{25BEEC93-7E22-DC04-11FD-2C1A85DE9A92}"/>
+              </a:ext>
+            </a:extLst>
+          </p:cNvPr>
+          <p:cNvSpPr/>
+          <p:nvPr/>
+        </p:nvSpPr>
+        <p:spPr>
+          <a:xfrm rot="9560564" flipH="1">
+            <a:off x="5534165" y="1507126"/>
+            <a:ext cx="2400339" cy="3114004"/>
+          </a:xfrm>
+          <a:prstGeom prst="arc">
+            <a:avLst>
+              <a:gd name="adj1" fmla="val 17185079"/>
+              <a:gd name="adj2" fmla="val 2458238"/>
+            </a:avLst>
+          </a:prstGeom>
+          <a:ln>
+            <a:solidFill>
+              <a:schemeClr val="tx1"/>
+            </a:solidFill>
+            <a:headEnd type="none" w="med" len="med"/>
+            <a:tailEnd type="triangle" w="med" len="med"/>
+          </a:ln>
+        </p:spPr>
+        <p:style>
+          <a:lnRef idx="1">
+            <a:schemeClr val="accent1"/>
+          </a:lnRef>
+          <a:fillRef idx="0">
+            <a:schemeClr val="accent1"/>
+          </a:fillRef>
+          <a:effectRef idx="0">
+            <a:schemeClr val="accent1"/>
+          </a:effectRef>
+          <a:fontRef idx="minor">
+            <a:schemeClr val="tx1"/>
+          </a:fontRef>
+        </p:style>
+        <p:txBody>
+          <a:bodyPr rtlCol="0" anchor="ctr"/>
+          <a:lstStyle/>
+          <a:p>
+            <a:pPr algn="ctr"/>
+            <a:endParaRPr lang="zh-CN" altLang="en-US" sz="2400"/>
+          </a:p>
+        </p:txBody>
+      </p:sp>
+    </p:spTree>
+    <p:extLst>
+      <p:ext uri="{BB962C8B-B14F-4D97-AF65-F5344CB8AC3E}">
+        <p14:creationId xmlns:p14="http://schemas.microsoft.com/office/powerpoint/2010/main" val="104669580"/>
+      </p:ext>
+    </p:extLst>
+  </p:cSld>
+  <p:clrMapOvr>
+    <a:masterClrMapping/>
+  </p:clrMapOvr>
+</p:sld>
+</file>
+
+<file path=ppt/slides/slide12.xml><?xml version="1.0" encoding="utf-8"?>
+<p:sld xmlns:a="http://schemas.openxmlformats.org/drawingml/2006/main" xmlns:r="http://schemas.openxmlformats.org/officeDocument/2006/relationships" xmlns:p="http://schemas.openxmlformats.org/presentationml/2006/main">
+  <p:cSld>
+    <p:spTree>
+      <p:nvGrpSpPr>
+        <p:cNvPr id="1" name=""/>
+        <p:cNvGrpSpPr/>
+        <p:nvPr/>
+      </p:nvGrpSpPr>
+      <p:grpSpPr>
+        <a:xfrm>
+          <a:off x="0" y="0"/>
+          <a:ext cx="0" cy="0"/>
+          <a:chOff x="0" y="0"/>
+          <a:chExt cx="0" cy="0"/>
+        </a:xfrm>
+      </p:grpSpPr>
+      <p:sp>
+        <p:nvSpPr>
           <p:cNvPr id="2" name="文本框 1">
             <a:extLst>
               <a:ext uri="{FF2B5EF4-FFF2-40B4-BE49-F238E27FC236}">
@@ -14834,71 +18955,6 @@
     <p:extLst>
       <p:ext uri="{BB962C8B-B14F-4D97-AF65-F5344CB8AC3E}">
         <p14:creationId xmlns:p14="http://schemas.microsoft.com/office/powerpoint/2010/main" val="2058910298"/>
-      </p:ext>
-    </p:extLst>
-  </p:cSld>
-  <p:clrMapOvr>
-    <a:masterClrMapping/>
-  </p:clrMapOvr>
-</p:sld>
-</file>
-
-<file path=ppt/slides/slide12.xml><?xml version="1.0" encoding="utf-8"?>
-<p:sld xmlns:a="http://schemas.openxmlformats.org/drawingml/2006/main" xmlns:r="http://schemas.openxmlformats.org/officeDocument/2006/relationships" xmlns:p="http://schemas.openxmlformats.org/presentationml/2006/main">
-  <p:cSld>
-    <p:spTree>
-      <p:nvGrpSpPr>
-        <p:cNvPr id="1" name=""/>
-        <p:cNvGrpSpPr/>
-        <p:nvPr/>
-      </p:nvGrpSpPr>
-      <p:grpSpPr>
-        <a:xfrm>
-          <a:off x="0" y="0"/>
-          <a:ext cx="0" cy="0"/>
-          <a:chOff x="0" y="0"/>
-          <a:chExt cx="0" cy="0"/>
-        </a:xfrm>
-      </p:grpSpPr>
-      <p:sp>
-        <p:nvSpPr>
-          <p:cNvPr id="2" name="文本框 1">
-            <a:extLst>
-              <a:ext uri="{FF2B5EF4-FFF2-40B4-BE49-F238E27FC236}">
-                <a16:creationId xmlns:a16="http://schemas.microsoft.com/office/drawing/2014/main" id="{7CCBD6CE-971E-378C-3799-17506DE18EC6}"/>
-              </a:ext>
-            </a:extLst>
-          </p:cNvPr>
-          <p:cNvSpPr txBox="1"/>
-          <p:nvPr/>
-        </p:nvSpPr>
-        <p:spPr>
-          <a:xfrm>
-            <a:off x="194872" y="175098"/>
-            <a:ext cx="1199213" cy="369332"/>
-          </a:xfrm>
-          <a:prstGeom prst="rect">
-            <a:avLst/>
-          </a:prstGeom>
-          <a:noFill/>
-        </p:spPr>
-        <p:txBody>
-          <a:bodyPr wrap="square" rtlCol="0">
-            <a:spAutoFit/>
-          </a:bodyPr>
-          <a:lstStyle/>
-          <a:p>
-            <a:r>
-              <a:rPr lang="zh-CN" altLang="en-US" dirty="0"/>
-              <a:t>融合</a:t>
-            </a:r>
-          </a:p>
-        </p:txBody>
-      </p:sp>
-    </p:spTree>
-    <p:extLst>
-      <p:ext uri="{BB962C8B-B14F-4D97-AF65-F5344CB8AC3E}">
-        <p14:creationId xmlns:p14="http://schemas.microsoft.com/office/powerpoint/2010/main" val="104669580"/>
       </p:ext>
     </p:extLst>
   </p:cSld>
